--- a/figure/figure.pptx
+++ b/figure/figure.pptx
@@ -6,6 +6,7 @@
   </p:sldMasterIdLst>
   <p:sldIdLst>
     <p:sldId id="256" r:id="rId2"/>
+    <p:sldId id="257" r:id="rId3"/>
   </p:sldIdLst>
   <p:sldSz cx="12192000" cy="6858000"/>
   <p:notesSz cx="6858000" cy="9144000"/>
@@ -104,13 +105,18 @@
       </a:defRPr>
     </a:lvl9pPr>
   </p:defaultTextStyle>
+  <p:extLst>
+    <p:ext uri="{EFAFB233-063F-42B5-8137-9DF3F51BA10A}">
+      <p15:sldGuideLst xmlns:p15="http://schemas.microsoft.com/office/powerpoint/2012/main"/>
+    </p:ext>
+  </p:extLst>
 </p:presentation>
 </file>
 
 <file path=ppt/revisionInfo.xml><?xml version="1.0" encoding="utf-8"?>
 <p1510:revInfo xmlns:a="http://schemas.openxmlformats.org/drawingml/2006/main" xmlns:r="http://schemas.openxmlformats.org/officeDocument/2006/relationships" xmlns:p1510="http://schemas.microsoft.com/office/powerpoint/2015/10/main">
   <p1510:revLst>
-    <p1510:client id="{E564DA1F-E2FD-475F-919F-BD2F09682F78}" v="63" dt="2024-01-15T14:58:37.394"/>
+    <p1510:client id="{E564DA1F-E2FD-475F-919F-BD2F09682F78}" v="120" dt="2024-01-20T13:27:38.280"/>
   </p1510:revLst>
 </p1510:revInfo>
 </file>
@@ -119,8 +125,8 @@
 <pc:chgInfo xmlns:a="http://schemas.openxmlformats.org/drawingml/2006/main" xmlns:r="http://schemas.openxmlformats.org/officeDocument/2006/relationships" xmlns:ac="http://schemas.microsoft.com/office/drawing/2013/main/command" xmlns:pc="http://schemas.microsoft.com/office/powerpoint/2013/main/command">
   <pc:docChgLst>
     <pc:chgData name="Chia-jung Yeh" userId="f328d6f4-0757-42dc-943f-c4685e047ee8" providerId="ADAL" clId="{E564DA1F-E2FD-475F-919F-BD2F09682F78}"/>
-    <pc:docChg chg="undo custSel modSld">
-      <pc:chgData name="Chia-jung Yeh" userId="f328d6f4-0757-42dc-943f-c4685e047ee8" providerId="ADAL" clId="{E564DA1F-E2FD-475F-919F-BD2F09682F78}" dt="2024-01-15T14:58:37.394" v="464" actId="5736"/>
+    <pc:docChg chg="undo redo custSel addSld modSld">
+      <pc:chgData name="Chia-jung Yeh" userId="f328d6f4-0757-42dc-943f-c4685e047ee8" providerId="ADAL" clId="{E564DA1F-E2FD-475F-919F-BD2F09682F78}" dt="2024-01-20T13:27:38.280" v="804" actId="5736"/>
       <pc:docMkLst>
         <pc:docMk/>
       </pc:docMkLst>
@@ -451,6 +457,349 @@
           </ac:graphicFrameMkLst>
         </pc:graphicFrameChg>
       </pc:sldChg>
+      <pc:sldChg chg="addSp delSp modSp new mod">
+        <pc:chgData name="Chia-jung Yeh" userId="f328d6f4-0757-42dc-943f-c4685e047ee8" providerId="ADAL" clId="{E564DA1F-E2FD-475F-919F-BD2F09682F78}" dt="2024-01-20T13:27:38.280" v="804" actId="5736"/>
+        <pc:sldMkLst>
+          <pc:docMk/>
+          <pc:sldMk cId="2755550927" sldId="257"/>
+        </pc:sldMkLst>
+        <pc:spChg chg="del">
+          <ac:chgData name="Chia-jung Yeh" userId="f328d6f4-0757-42dc-943f-c4685e047ee8" providerId="ADAL" clId="{E564DA1F-E2FD-475F-919F-BD2F09682F78}" dt="2024-01-20T13:15:06.805" v="466" actId="478"/>
+          <ac:spMkLst>
+            <pc:docMk/>
+            <pc:sldMk cId="2755550927" sldId="257"/>
+            <ac:spMk id="2" creationId="{D37A7A83-A1C5-FE94-BC84-28B5500A83EF}"/>
+          </ac:spMkLst>
+        </pc:spChg>
+        <pc:spChg chg="del">
+          <ac:chgData name="Chia-jung Yeh" userId="f328d6f4-0757-42dc-943f-c4685e047ee8" providerId="ADAL" clId="{E564DA1F-E2FD-475F-919F-BD2F09682F78}" dt="2024-01-20T13:15:06.805" v="466" actId="478"/>
+          <ac:spMkLst>
+            <pc:docMk/>
+            <pc:sldMk cId="2755550927" sldId="257"/>
+            <ac:spMk id="3" creationId="{D62D7970-EC18-58C2-072D-90E1A8D021EA}"/>
+          </ac:spMkLst>
+        </pc:spChg>
+        <pc:spChg chg="add mod">
+          <ac:chgData name="Chia-jung Yeh" userId="f328d6f4-0757-42dc-943f-c4685e047ee8" providerId="ADAL" clId="{E564DA1F-E2FD-475F-919F-BD2F09682F78}" dt="2024-01-20T13:27:38.280" v="804" actId="5736"/>
+          <ac:spMkLst>
+            <pc:docMk/>
+            <pc:sldMk cId="2755550927" sldId="257"/>
+            <ac:spMk id="5" creationId="{4D1AC91B-0FF8-DD74-D70B-2C8D730BD7A1}"/>
+          </ac:spMkLst>
+        </pc:spChg>
+        <pc:spChg chg="add mod">
+          <ac:chgData name="Chia-jung Yeh" userId="f328d6f4-0757-42dc-943f-c4685e047ee8" providerId="ADAL" clId="{E564DA1F-E2FD-475F-919F-BD2F09682F78}" dt="2024-01-20T13:27:38.280" v="804" actId="5736"/>
+          <ac:spMkLst>
+            <pc:docMk/>
+            <pc:sldMk cId="2755550927" sldId="257"/>
+            <ac:spMk id="9" creationId="{AFCCDC50-4302-8848-694A-7C3EDB2318A4}"/>
+          </ac:spMkLst>
+        </pc:spChg>
+        <pc:spChg chg="add mod">
+          <ac:chgData name="Chia-jung Yeh" userId="f328d6f4-0757-42dc-943f-c4685e047ee8" providerId="ADAL" clId="{E564DA1F-E2FD-475F-919F-BD2F09682F78}" dt="2024-01-20T13:27:38.280" v="804" actId="5736"/>
+          <ac:spMkLst>
+            <pc:docMk/>
+            <pc:sldMk cId="2755550927" sldId="257"/>
+            <ac:spMk id="10" creationId="{53608ECC-8F0E-329B-4496-4C69C3DE9C59}"/>
+          </ac:spMkLst>
+        </pc:spChg>
+        <pc:spChg chg="add mod">
+          <ac:chgData name="Chia-jung Yeh" userId="f328d6f4-0757-42dc-943f-c4685e047ee8" providerId="ADAL" clId="{E564DA1F-E2FD-475F-919F-BD2F09682F78}" dt="2024-01-20T13:27:38.280" v="804" actId="5736"/>
+          <ac:spMkLst>
+            <pc:docMk/>
+            <pc:sldMk cId="2755550927" sldId="257"/>
+            <ac:spMk id="11" creationId="{90000F21-45E8-CD19-3F63-E761EAA8C437}"/>
+          </ac:spMkLst>
+        </pc:spChg>
+        <pc:spChg chg="add mod">
+          <ac:chgData name="Chia-jung Yeh" userId="f328d6f4-0757-42dc-943f-c4685e047ee8" providerId="ADAL" clId="{E564DA1F-E2FD-475F-919F-BD2F09682F78}" dt="2024-01-20T13:27:38.280" v="804" actId="5736"/>
+          <ac:spMkLst>
+            <pc:docMk/>
+            <pc:sldMk cId="2755550927" sldId="257"/>
+            <ac:spMk id="12" creationId="{EFEF9F8C-7FB7-857F-B57F-F718AA6DA7CB}"/>
+          </ac:spMkLst>
+        </pc:spChg>
+        <pc:spChg chg="add mod">
+          <ac:chgData name="Chia-jung Yeh" userId="f328d6f4-0757-42dc-943f-c4685e047ee8" providerId="ADAL" clId="{E564DA1F-E2FD-475F-919F-BD2F09682F78}" dt="2024-01-20T13:27:38.280" v="804" actId="5736"/>
+          <ac:spMkLst>
+            <pc:docMk/>
+            <pc:sldMk cId="2755550927" sldId="257"/>
+            <ac:spMk id="14" creationId="{E6813FF5-5863-8E19-D260-7C4660B999F6}"/>
+          </ac:spMkLst>
+        </pc:spChg>
+        <pc:spChg chg="add mod">
+          <ac:chgData name="Chia-jung Yeh" userId="f328d6f4-0757-42dc-943f-c4685e047ee8" providerId="ADAL" clId="{E564DA1F-E2FD-475F-919F-BD2F09682F78}" dt="2024-01-20T13:27:38.280" v="804" actId="5736"/>
+          <ac:spMkLst>
+            <pc:docMk/>
+            <pc:sldMk cId="2755550927" sldId="257"/>
+            <ac:spMk id="15" creationId="{D57B271D-235B-CE6A-1ED4-A998EF23AF9A}"/>
+          </ac:spMkLst>
+        </pc:spChg>
+        <pc:spChg chg="add mod">
+          <ac:chgData name="Chia-jung Yeh" userId="f328d6f4-0757-42dc-943f-c4685e047ee8" providerId="ADAL" clId="{E564DA1F-E2FD-475F-919F-BD2F09682F78}" dt="2024-01-20T13:27:38.280" v="804" actId="5736"/>
+          <ac:spMkLst>
+            <pc:docMk/>
+            <pc:sldMk cId="2755550927" sldId="257"/>
+            <ac:spMk id="16" creationId="{5E842D3B-E0CF-23BD-E2AA-6783E39D0A33}"/>
+          </ac:spMkLst>
+        </pc:spChg>
+        <pc:spChg chg="add mod">
+          <ac:chgData name="Chia-jung Yeh" userId="f328d6f4-0757-42dc-943f-c4685e047ee8" providerId="ADAL" clId="{E564DA1F-E2FD-475F-919F-BD2F09682F78}" dt="2024-01-20T13:27:38.280" v="804" actId="5736"/>
+          <ac:spMkLst>
+            <pc:docMk/>
+            <pc:sldMk cId="2755550927" sldId="257"/>
+            <ac:spMk id="19" creationId="{947FB09E-5E5B-BFA6-2C87-27355BE16A0A}"/>
+          </ac:spMkLst>
+        </pc:spChg>
+        <pc:spChg chg="add mod">
+          <ac:chgData name="Chia-jung Yeh" userId="f328d6f4-0757-42dc-943f-c4685e047ee8" providerId="ADAL" clId="{E564DA1F-E2FD-475F-919F-BD2F09682F78}" dt="2024-01-20T13:27:38.280" v="804" actId="5736"/>
+          <ac:spMkLst>
+            <pc:docMk/>
+            <pc:sldMk cId="2755550927" sldId="257"/>
+            <ac:spMk id="20" creationId="{27CDCC81-0914-BBA7-FD0E-F42A2F0C5D9E}"/>
+          </ac:spMkLst>
+        </pc:spChg>
+        <pc:spChg chg="add mod">
+          <ac:chgData name="Chia-jung Yeh" userId="f328d6f4-0757-42dc-943f-c4685e047ee8" providerId="ADAL" clId="{E564DA1F-E2FD-475F-919F-BD2F09682F78}" dt="2024-01-20T13:27:38.280" v="804" actId="5736"/>
+          <ac:spMkLst>
+            <pc:docMk/>
+            <pc:sldMk cId="2755550927" sldId="257"/>
+            <ac:spMk id="21" creationId="{83F4500B-6EC0-EAF6-7BAF-6E96074AA196}"/>
+          </ac:spMkLst>
+        </pc:spChg>
+        <pc:spChg chg="add mod">
+          <ac:chgData name="Chia-jung Yeh" userId="f328d6f4-0757-42dc-943f-c4685e047ee8" providerId="ADAL" clId="{E564DA1F-E2FD-475F-919F-BD2F09682F78}" dt="2024-01-20T13:27:38.280" v="804" actId="5736"/>
+          <ac:spMkLst>
+            <pc:docMk/>
+            <pc:sldMk cId="2755550927" sldId="257"/>
+            <ac:spMk id="22" creationId="{D2AC26EB-5930-4259-9229-28146D3BECDC}"/>
+          </ac:spMkLst>
+        </pc:spChg>
+        <pc:spChg chg="add mod">
+          <ac:chgData name="Chia-jung Yeh" userId="f328d6f4-0757-42dc-943f-c4685e047ee8" providerId="ADAL" clId="{E564DA1F-E2FD-475F-919F-BD2F09682F78}" dt="2024-01-20T13:27:38.280" v="804" actId="5736"/>
+          <ac:spMkLst>
+            <pc:docMk/>
+            <pc:sldMk cId="2755550927" sldId="257"/>
+            <ac:spMk id="23" creationId="{87C3D035-1058-440D-4DA4-B026CF3A535B}"/>
+          </ac:spMkLst>
+        </pc:spChg>
+        <pc:spChg chg="add mod">
+          <ac:chgData name="Chia-jung Yeh" userId="f328d6f4-0757-42dc-943f-c4685e047ee8" providerId="ADAL" clId="{E564DA1F-E2FD-475F-919F-BD2F09682F78}" dt="2024-01-20T13:27:38.280" v="804" actId="5736"/>
+          <ac:spMkLst>
+            <pc:docMk/>
+            <pc:sldMk cId="2755550927" sldId="257"/>
+            <ac:spMk id="24" creationId="{207AD865-1874-44E3-7EE4-32E23CFEC070}"/>
+          </ac:spMkLst>
+        </pc:spChg>
+        <pc:spChg chg="add mod">
+          <ac:chgData name="Chia-jung Yeh" userId="f328d6f4-0757-42dc-943f-c4685e047ee8" providerId="ADAL" clId="{E564DA1F-E2FD-475F-919F-BD2F09682F78}" dt="2024-01-20T13:27:38.280" v="804" actId="5736"/>
+          <ac:spMkLst>
+            <pc:docMk/>
+            <pc:sldMk cId="2755550927" sldId="257"/>
+            <ac:spMk id="25" creationId="{79CE0865-D853-7DAF-FE67-14522CB95695}"/>
+          </ac:spMkLst>
+        </pc:spChg>
+        <pc:spChg chg="add mod">
+          <ac:chgData name="Chia-jung Yeh" userId="f328d6f4-0757-42dc-943f-c4685e047ee8" providerId="ADAL" clId="{E564DA1F-E2FD-475F-919F-BD2F09682F78}" dt="2024-01-20T13:21:33.319" v="682" actId="571"/>
+          <ac:spMkLst>
+            <pc:docMk/>
+            <pc:sldMk cId="2755550927" sldId="257"/>
+            <ac:spMk id="26" creationId="{5A9AAE87-F420-0357-2F00-DBA1E38D674D}"/>
+          </ac:spMkLst>
+        </pc:spChg>
+        <pc:spChg chg="add mod">
+          <ac:chgData name="Chia-jung Yeh" userId="f328d6f4-0757-42dc-943f-c4685e047ee8" providerId="ADAL" clId="{E564DA1F-E2FD-475F-919F-BD2F09682F78}" dt="2024-01-20T13:21:44.340" v="690" actId="571"/>
+          <ac:spMkLst>
+            <pc:docMk/>
+            <pc:sldMk cId="2755550927" sldId="257"/>
+            <ac:spMk id="27" creationId="{2377D3DE-27E5-FC0D-737B-F24A21600103}"/>
+          </ac:spMkLst>
+        </pc:spChg>
+        <pc:spChg chg="add mod">
+          <ac:chgData name="Chia-jung Yeh" userId="f328d6f4-0757-42dc-943f-c4685e047ee8" providerId="ADAL" clId="{E564DA1F-E2FD-475F-919F-BD2F09682F78}" dt="2024-01-20T13:21:43.490" v="688" actId="571"/>
+          <ac:spMkLst>
+            <pc:docMk/>
+            <pc:sldMk cId="2755550927" sldId="257"/>
+            <ac:spMk id="28" creationId="{A75FA33F-228C-48FB-0C2F-578F1A321A84}"/>
+          </ac:spMkLst>
+        </pc:spChg>
+        <pc:spChg chg="add mod">
+          <ac:chgData name="Chia-jung Yeh" userId="f328d6f4-0757-42dc-943f-c4685e047ee8" providerId="ADAL" clId="{E564DA1F-E2FD-475F-919F-BD2F09682F78}" dt="2024-01-20T13:22:03.262" v="700" actId="571"/>
+          <ac:spMkLst>
+            <pc:docMk/>
+            <pc:sldMk cId="2755550927" sldId="257"/>
+            <ac:spMk id="29" creationId="{68A93540-1441-ADA9-9FBE-98288EFF80E4}"/>
+          </ac:spMkLst>
+        </pc:spChg>
+        <pc:spChg chg="add mod">
+          <ac:chgData name="Chia-jung Yeh" userId="f328d6f4-0757-42dc-943f-c4685e047ee8" providerId="ADAL" clId="{E564DA1F-E2FD-475F-919F-BD2F09682F78}" dt="2024-01-20T13:22:09.802" v="703" actId="571"/>
+          <ac:spMkLst>
+            <pc:docMk/>
+            <pc:sldMk cId="2755550927" sldId="257"/>
+            <ac:spMk id="30" creationId="{94F5290C-6E3C-C452-8890-D634131758FE}"/>
+          </ac:spMkLst>
+        </pc:spChg>
+        <pc:spChg chg="add mod">
+          <ac:chgData name="Chia-jung Yeh" userId="f328d6f4-0757-42dc-943f-c4685e047ee8" providerId="ADAL" clId="{E564DA1F-E2FD-475F-919F-BD2F09682F78}" dt="2024-01-20T13:27:38.280" v="804" actId="5736"/>
+          <ac:spMkLst>
+            <pc:docMk/>
+            <pc:sldMk cId="2755550927" sldId="257"/>
+            <ac:spMk id="31" creationId="{29CD4AB3-66FB-1A1D-72C4-EF879D4F65BB}"/>
+          </ac:spMkLst>
+        </pc:spChg>
+        <pc:spChg chg="add mod">
+          <ac:chgData name="Chia-jung Yeh" userId="f328d6f4-0757-42dc-943f-c4685e047ee8" providerId="ADAL" clId="{E564DA1F-E2FD-475F-919F-BD2F09682F78}" dt="2024-01-20T13:27:38.280" v="804" actId="5736"/>
+          <ac:spMkLst>
+            <pc:docMk/>
+            <pc:sldMk cId="2755550927" sldId="257"/>
+            <ac:spMk id="32" creationId="{973DF7FE-6CD4-6971-CAAC-414B7B3986E5}"/>
+          </ac:spMkLst>
+        </pc:spChg>
+        <pc:spChg chg="add mod">
+          <ac:chgData name="Chia-jung Yeh" userId="f328d6f4-0757-42dc-943f-c4685e047ee8" providerId="ADAL" clId="{E564DA1F-E2FD-475F-919F-BD2F09682F78}" dt="2024-01-20T13:27:38.280" v="804" actId="5736"/>
+          <ac:spMkLst>
+            <pc:docMk/>
+            <pc:sldMk cId="2755550927" sldId="257"/>
+            <ac:spMk id="33" creationId="{2A628D6A-8FC0-0C87-7A03-F95E1D3880B3}"/>
+          </ac:spMkLst>
+        </pc:spChg>
+        <pc:spChg chg="add mod">
+          <ac:chgData name="Chia-jung Yeh" userId="f328d6f4-0757-42dc-943f-c4685e047ee8" providerId="ADAL" clId="{E564DA1F-E2FD-475F-919F-BD2F09682F78}" dt="2024-01-20T13:27:38.280" v="804" actId="5736"/>
+          <ac:spMkLst>
+            <pc:docMk/>
+            <pc:sldMk cId="2755550927" sldId="257"/>
+            <ac:spMk id="34" creationId="{64E94179-6C3C-7822-46A9-64EFD25F07CB}"/>
+          </ac:spMkLst>
+        </pc:spChg>
+        <pc:spChg chg="add mod">
+          <ac:chgData name="Chia-jung Yeh" userId="f328d6f4-0757-42dc-943f-c4685e047ee8" providerId="ADAL" clId="{E564DA1F-E2FD-475F-919F-BD2F09682F78}" dt="2024-01-20T13:27:38.280" v="804" actId="5736"/>
+          <ac:spMkLst>
+            <pc:docMk/>
+            <pc:sldMk cId="2755550927" sldId="257"/>
+            <ac:spMk id="35" creationId="{C98106EF-BDF9-27D2-D88E-4723A9DE0AE9}"/>
+          </ac:spMkLst>
+        </pc:spChg>
+        <pc:spChg chg="add mod">
+          <ac:chgData name="Chia-jung Yeh" userId="f328d6f4-0757-42dc-943f-c4685e047ee8" providerId="ADAL" clId="{E564DA1F-E2FD-475F-919F-BD2F09682F78}" dt="2024-01-20T13:27:38.280" v="804" actId="5736"/>
+          <ac:spMkLst>
+            <pc:docMk/>
+            <pc:sldMk cId="2755550927" sldId="257"/>
+            <ac:spMk id="37" creationId="{22174D02-F996-2351-684C-337E41B3AEDA}"/>
+          </ac:spMkLst>
+        </pc:spChg>
+        <pc:spChg chg="add mod">
+          <ac:chgData name="Chia-jung Yeh" userId="f328d6f4-0757-42dc-943f-c4685e047ee8" providerId="ADAL" clId="{E564DA1F-E2FD-475F-919F-BD2F09682F78}" dt="2024-01-20T13:23:15.577" v="728" actId="571"/>
+          <ac:spMkLst>
+            <pc:docMk/>
+            <pc:sldMk cId="2755550927" sldId="257"/>
+            <ac:spMk id="38" creationId="{A10A1760-7C4D-377F-7E68-9B9505FB7F32}"/>
+          </ac:spMkLst>
+        </pc:spChg>
+        <pc:spChg chg="add mod">
+          <ac:chgData name="Chia-jung Yeh" userId="f328d6f4-0757-42dc-943f-c4685e047ee8" providerId="ADAL" clId="{E564DA1F-E2FD-475F-919F-BD2F09682F78}" dt="2024-01-20T13:27:38.280" v="804" actId="5736"/>
+          <ac:spMkLst>
+            <pc:docMk/>
+            <pc:sldMk cId="2755550927" sldId="257"/>
+            <ac:spMk id="39" creationId="{1207563B-4B9B-5948-4A2D-EEAA5D656F3F}"/>
+          </ac:spMkLst>
+        </pc:spChg>
+        <pc:spChg chg="add mod">
+          <ac:chgData name="Chia-jung Yeh" userId="f328d6f4-0757-42dc-943f-c4685e047ee8" providerId="ADAL" clId="{E564DA1F-E2FD-475F-919F-BD2F09682F78}" dt="2024-01-20T13:27:38.280" v="804" actId="5736"/>
+          <ac:spMkLst>
+            <pc:docMk/>
+            <pc:sldMk cId="2755550927" sldId="257"/>
+            <ac:spMk id="40" creationId="{1BD35B4A-56E7-249C-6623-B93DFC44E52B}"/>
+          </ac:spMkLst>
+        </pc:spChg>
+        <pc:spChg chg="add mod">
+          <ac:chgData name="Chia-jung Yeh" userId="f328d6f4-0757-42dc-943f-c4685e047ee8" providerId="ADAL" clId="{E564DA1F-E2FD-475F-919F-BD2F09682F78}" dt="2024-01-20T13:27:38.280" v="804" actId="5736"/>
+          <ac:spMkLst>
+            <pc:docMk/>
+            <pc:sldMk cId="2755550927" sldId="257"/>
+            <ac:spMk id="41" creationId="{CA199BD8-5A95-FC1A-30E6-62C521F3F142}"/>
+          </ac:spMkLst>
+        </pc:spChg>
+        <pc:spChg chg="add mod">
+          <ac:chgData name="Chia-jung Yeh" userId="f328d6f4-0757-42dc-943f-c4685e047ee8" providerId="ADAL" clId="{E564DA1F-E2FD-475F-919F-BD2F09682F78}" dt="2024-01-20T13:27:38.280" v="804" actId="5736"/>
+          <ac:spMkLst>
+            <pc:docMk/>
+            <pc:sldMk cId="2755550927" sldId="257"/>
+            <ac:spMk id="42" creationId="{B2574FE0-3A00-1607-B870-A3EE9BBE9F52}"/>
+          </ac:spMkLst>
+        </pc:spChg>
+        <pc:spChg chg="add mod">
+          <ac:chgData name="Chia-jung Yeh" userId="f328d6f4-0757-42dc-943f-c4685e047ee8" providerId="ADAL" clId="{E564DA1F-E2FD-475F-919F-BD2F09682F78}" dt="2024-01-20T13:27:38.280" v="804" actId="5736"/>
+          <ac:spMkLst>
+            <pc:docMk/>
+            <pc:sldMk cId="2755550927" sldId="257"/>
+            <ac:spMk id="43" creationId="{83E9E833-85C2-E79C-327E-8EBDB755A04A}"/>
+          </ac:spMkLst>
+        </pc:spChg>
+        <pc:spChg chg="add mod ord">
+          <ac:chgData name="Chia-jung Yeh" userId="f328d6f4-0757-42dc-943f-c4685e047ee8" providerId="ADAL" clId="{E564DA1F-E2FD-475F-919F-BD2F09682F78}" dt="2024-01-20T13:27:38.280" v="804" actId="5736"/>
+          <ac:spMkLst>
+            <pc:docMk/>
+            <pc:sldMk cId="2755550927" sldId="257"/>
+            <ac:spMk id="48" creationId="{27426518-C6BA-BB01-624C-664908C41B95}"/>
+          </ac:spMkLst>
+        </pc:spChg>
+        <pc:spChg chg="add mod ord">
+          <ac:chgData name="Chia-jung Yeh" userId="f328d6f4-0757-42dc-943f-c4685e047ee8" providerId="ADAL" clId="{E564DA1F-E2FD-475F-919F-BD2F09682F78}" dt="2024-01-20T13:27:38.280" v="804" actId="5736"/>
+          <ac:spMkLst>
+            <pc:docMk/>
+            <pc:sldMk cId="2755550927" sldId="257"/>
+            <ac:spMk id="49" creationId="{40CE9E41-9E28-E868-6281-1E5A631B7B41}"/>
+          </ac:spMkLst>
+        </pc:spChg>
+        <pc:spChg chg="add mod ord">
+          <ac:chgData name="Chia-jung Yeh" userId="f328d6f4-0757-42dc-943f-c4685e047ee8" providerId="ADAL" clId="{E564DA1F-E2FD-475F-919F-BD2F09682F78}" dt="2024-01-20T13:27:38.280" v="804" actId="5736"/>
+          <ac:spMkLst>
+            <pc:docMk/>
+            <pc:sldMk cId="2755550927" sldId="257"/>
+            <ac:spMk id="51" creationId="{EDEBC72A-C77A-EBA8-9DCF-3B6D90223DB7}"/>
+          </ac:spMkLst>
+        </pc:spChg>
+        <pc:graphicFrameChg chg="add del mod modGraphic">
+          <ac:chgData name="Chia-jung Yeh" userId="f328d6f4-0757-42dc-943f-c4685e047ee8" providerId="ADAL" clId="{E564DA1F-E2FD-475F-919F-BD2F09682F78}" dt="2024-01-20T13:26:30.870" v="795" actId="21"/>
+          <ac:graphicFrameMkLst>
+            <pc:docMk/>
+            <pc:sldMk cId="2755550927" sldId="257"/>
+            <ac:graphicFrameMk id="4" creationId="{FACE2907-C0AD-8EC2-EAE4-24A53887CA6A}"/>
+          </ac:graphicFrameMkLst>
+        </pc:graphicFrameChg>
+        <pc:graphicFrameChg chg="add mod">
+          <ac:chgData name="Chia-jung Yeh" userId="f328d6f4-0757-42dc-943f-c4685e047ee8" providerId="ADAL" clId="{E564DA1F-E2FD-475F-919F-BD2F09682F78}" dt="2024-01-20T13:27:38.280" v="804" actId="5736"/>
+          <ac:graphicFrameMkLst>
+            <pc:docMk/>
+            <pc:sldMk cId="2755550927" sldId="257"/>
+            <ac:graphicFrameMk id="50" creationId="{F6338136-DDA8-4858-10C1-77F1D78EE463}"/>
+          </ac:graphicFrameMkLst>
+        </pc:graphicFrameChg>
+        <pc:cxnChg chg="add mod">
+          <ac:chgData name="Chia-jung Yeh" userId="f328d6f4-0757-42dc-943f-c4685e047ee8" providerId="ADAL" clId="{E564DA1F-E2FD-475F-919F-BD2F09682F78}" dt="2024-01-20T13:27:38.280" v="804" actId="5736"/>
+          <ac:cxnSpMkLst>
+            <pc:docMk/>
+            <pc:sldMk cId="2755550927" sldId="257"/>
+            <ac:cxnSpMk id="7" creationId="{3E4D1EB4-6E79-888F-5A8E-4D76DF1D2D70}"/>
+          </ac:cxnSpMkLst>
+        </pc:cxnChg>
+        <pc:cxnChg chg="add mod">
+          <ac:chgData name="Chia-jung Yeh" userId="f328d6f4-0757-42dc-943f-c4685e047ee8" providerId="ADAL" clId="{E564DA1F-E2FD-475F-919F-BD2F09682F78}" dt="2024-01-20T13:27:38.280" v="804" actId="5736"/>
+          <ac:cxnSpMkLst>
+            <pc:docMk/>
+            <pc:sldMk cId="2755550927" sldId="257"/>
+            <ac:cxnSpMk id="45" creationId="{2B1C207B-F263-39C4-F15E-70EB546D1CEE}"/>
+          </ac:cxnSpMkLst>
+        </pc:cxnChg>
+        <pc:cxnChg chg="add mod">
+          <ac:chgData name="Chia-jung Yeh" userId="f328d6f4-0757-42dc-943f-c4685e047ee8" providerId="ADAL" clId="{E564DA1F-E2FD-475F-919F-BD2F09682F78}" dt="2024-01-20T13:27:38.280" v="804" actId="5736"/>
+          <ac:cxnSpMkLst>
+            <pc:docMk/>
+            <pc:sldMk cId="2755550927" sldId="257"/>
+            <ac:cxnSpMk id="47" creationId="{AB621B07-B23B-551A-AD01-0577F7562320}"/>
+          </ac:cxnSpMkLst>
+        </pc:cxnChg>
+      </pc:sldChg>
     </pc:docChg>
   </pc:docChgLst>
 </pc:chgInfo>
@@ -605,7 +954,7 @@
           <a:p>
             <a:fld id="{26C311DF-3D0C-44AB-BEBF-692FE50B9137}" type="datetimeFigureOut">
               <a:rPr lang="en-GB" smtClean="0"/>
-              <a:t>16/01/2024</a:t>
+              <a:t>21/01/2024</a:t>
             </a:fld>
             <a:endParaRPr lang="en-GB"/>
           </a:p>
@@ -805,7 +1154,7 @@
           <a:p>
             <a:fld id="{26C311DF-3D0C-44AB-BEBF-692FE50B9137}" type="datetimeFigureOut">
               <a:rPr lang="en-GB" smtClean="0"/>
-              <a:t>16/01/2024</a:t>
+              <a:t>21/01/2024</a:t>
             </a:fld>
             <a:endParaRPr lang="en-GB"/>
           </a:p>
@@ -1015,7 +1364,7 @@
           <a:p>
             <a:fld id="{26C311DF-3D0C-44AB-BEBF-692FE50B9137}" type="datetimeFigureOut">
               <a:rPr lang="en-GB" smtClean="0"/>
-              <a:t>16/01/2024</a:t>
+              <a:t>21/01/2024</a:t>
             </a:fld>
             <a:endParaRPr lang="en-GB"/>
           </a:p>
@@ -1215,7 +1564,7 @@
           <a:p>
             <a:fld id="{26C311DF-3D0C-44AB-BEBF-692FE50B9137}" type="datetimeFigureOut">
               <a:rPr lang="en-GB" smtClean="0"/>
-              <a:t>16/01/2024</a:t>
+              <a:t>21/01/2024</a:t>
             </a:fld>
             <a:endParaRPr lang="en-GB"/>
           </a:p>
@@ -1491,7 +1840,7 @@
           <a:p>
             <a:fld id="{26C311DF-3D0C-44AB-BEBF-692FE50B9137}" type="datetimeFigureOut">
               <a:rPr lang="en-GB" smtClean="0"/>
-              <a:t>16/01/2024</a:t>
+              <a:t>21/01/2024</a:t>
             </a:fld>
             <a:endParaRPr lang="en-GB"/>
           </a:p>
@@ -1759,7 +2108,7 @@
           <a:p>
             <a:fld id="{26C311DF-3D0C-44AB-BEBF-692FE50B9137}" type="datetimeFigureOut">
               <a:rPr lang="en-GB" smtClean="0"/>
-              <a:t>16/01/2024</a:t>
+              <a:t>21/01/2024</a:t>
             </a:fld>
             <a:endParaRPr lang="en-GB"/>
           </a:p>
@@ -2174,7 +2523,7 @@
           <a:p>
             <a:fld id="{26C311DF-3D0C-44AB-BEBF-692FE50B9137}" type="datetimeFigureOut">
               <a:rPr lang="en-GB" smtClean="0"/>
-              <a:t>16/01/2024</a:t>
+              <a:t>21/01/2024</a:t>
             </a:fld>
             <a:endParaRPr lang="en-GB"/>
           </a:p>
@@ -2316,7 +2665,7 @@
           <a:p>
             <a:fld id="{26C311DF-3D0C-44AB-BEBF-692FE50B9137}" type="datetimeFigureOut">
               <a:rPr lang="en-GB" smtClean="0"/>
-              <a:t>16/01/2024</a:t>
+              <a:t>21/01/2024</a:t>
             </a:fld>
             <a:endParaRPr lang="en-GB"/>
           </a:p>
@@ -2429,7 +2778,7 @@
           <a:p>
             <a:fld id="{26C311DF-3D0C-44AB-BEBF-692FE50B9137}" type="datetimeFigureOut">
               <a:rPr lang="en-GB" smtClean="0"/>
-              <a:t>16/01/2024</a:t>
+              <a:t>21/01/2024</a:t>
             </a:fld>
             <a:endParaRPr lang="en-GB"/>
           </a:p>
@@ -2742,7 +3091,7 @@
           <a:p>
             <a:fld id="{26C311DF-3D0C-44AB-BEBF-692FE50B9137}" type="datetimeFigureOut">
               <a:rPr lang="en-GB" smtClean="0"/>
-              <a:t>16/01/2024</a:t>
+              <a:t>21/01/2024</a:t>
             </a:fld>
             <a:endParaRPr lang="en-GB"/>
           </a:p>
@@ -3031,7 +3380,7 @@
           <a:p>
             <a:fld id="{26C311DF-3D0C-44AB-BEBF-692FE50B9137}" type="datetimeFigureOut">
               <a:rPr lang="en-GB" smtClean="0"/>
-              <a:t>16/01/2024</a:t>
+              <a:t>21/01/2024</a:t>
             </a:fld>
             <a:endParaRPr lang="en-GB"/>
           </a:p>
@@ -3274,7 +3623,7 @@
           <a:p>
             <a:fld id="{26C311DF-3D0C-44AB-BEBF-692FE50B9137}" type="datetimeFigureOut">
               <a:rPr lang="en-GB" smtClean="0"/>
-              <a:t>16/01/2024</a:t>
+              <a:t>21/01/2024</a:t>
             </a:fld>
             <a:endParaRPr lang="en-GB"/>
           </a:p>
@@ -6189,6 +6538,3294 @@
 </p:sld>
 </file>
 
+<file path=ppt/slides/slide2.xml><?xml version="1.0" encoding="utf-8"?>
+<p:sld xmlns:a="http://schemas.openxmlformats.org/drawingml/2006/main" xmlns:r="http://schemas.openxmlformats.org/officeDocument/2006/relationships" xmlns:p="http://schemas.openxmlformats.org/presentationml/2006/main">
+  <p:cSld>
+    <p:spTree>
+      <p:nvGrpSpPr>
+        <p:cNvPr id="1" name=""/>
+        <p:cNvGrpSpPr/>
+        <p:nvPr/>
+      </p:nvGrpSpPr>
+      <p:grpSpPr>
+        <a:xfrm>
+          <a:off x="0" y="0"/>
+          <a:ext cx="0" cy="0"/>
+          <a:chOff x="0" y="0"/>
+          <a:chExt cx="0" cy="0"/>
+        </a:xfrm>
+      </p:grpSpPr>
+      <p:sp>
+        <p:nvSpPr>
+          <p:cNvPr id="51" name="Rectangle 50">
+            <a:extLst>
+              <a:ext uri="{FF2B5EF4-FFF2-40B4-BE49-F238E27FC236}">
+                <a16:creationId xmlns:a16="http://schemas.microsoft.com/office/drawing/2014/main" id="{EDEBC72A-C77A-EBA8-9DCF-3B6D90223DB7}"/>
+              </a:ext>
+            </a:extLst>
+          </p:cNvPr>
+          <p:cNvSpPr/>
+          <p:nvPr/>
+        </p:nvSpPr>
+        <p:spPr>
+          <a:xfrm>
+            <a:off x="578734" y="1242509"/>
+            <a:ext cx="8908977" cy="4555176"/>
+          </a:xfrm>
+          <a:prstGeom prst="rect">
+            <a:avLst/>
+          </a:prstGeom>
+          <a:solidFill>
+            <a:schemeClr val="bg1"/>
+          </a:solidFill>
+          <a:ln>
+            <a:noFill/>
+          </a:ln>
+        </p:spPr>
+        <p:style>
+          <a:lnRef idx="2">
+            <a:schemeClr val="accent1">
+              <a:shade val="15000"/>
+            </a:schemeClr>
+          </a:lnRef>
+          <a:fillRef idx="1">
+            <a:schemeClr val="accent1"/>
+          </a:fillRef>
+          <a:effectRef idx="0">
+            <a:schemeClr val="accent1"/>
+          </a:effectRef>
+          <a:fontRef idx="minor">
+            <a:schemeClr val="lt1"/>
+          </a:fontRef>
+        </p:style>
+        <p:txBody>
+          <a:bodyPr rtlCol="0" anchor="ctr"/>
+          <a:lstStyle/>
+          <a:p>
+            <a:pPr algn="ctr"/>
+            <a:endParaRPr lang="en-GB"/>
+          </a:p>
+        </p:txBody>
+      </p:sp>
+      <p:sp>
+        <p:nvSpPr>
+          <p:cNvPr id="49" name="Rectangle: Rounded Corners 48">
+            <a:extLst>
+              <a:ext uri="{FF2B5EF4-FFF2-40B4-BE49-F238E27FC236}">
+                <a16:creationId xmlns:a16="http://schemas.microsoft.com/office/drawing/2014/main" id="{40CE9E41-9E28-E868-6281-1E5A631B7B41}"/>
+              </a:ext>
+            </a:extLst>
+          </p:cNvPr>
+          <p:cNvSpPr/>
+          <p:nvPr/>
+        </p:nvSpPr>
+        <p:spPr>
+          <a:xfrm>
+            <a:off x="4396902" y="2828885"/>
+            <a:ext cx="4878368" cy="1091362"/>
+          </a:xfrm>
+          <a:prstGeom prst="roundRect">
+            <a:avLst/>
+          </a:prstGeom>
+          <a:solidFill>
+            <a:schemeClr val="accent6">
+              <a:lumMod val="20000"/>
+              <a:lumOff val="80000"/>
+            </a:schemeClr>
+          </a:solidFill>
+          <a:ln>
+            <a:noFill/>
+          </a:ln>
+        </p:spPr>
+        <p:style>
+          <a:lnRef idx="2">
+            <a:schemeClr val="accent1">
+              <a:shade val="15000"/>
+            </a:schemeClr>
+          </a:lnRef>
+          <a:fillRef idx="1">
+            <a:schemeClr val="accent1"/>
+          </a:fillRef>
+          <a:effectRef idx="0">
+            <a:schemeClr val="accent1"/>
+          </a:effectRef>
+          <a:fontRef idx="minor">
+            <a:schemeClr val="lt1"/>
+          </a:fontRef>
+        </p:style>
+        <p:txBody>
+          <a:bodyPr rtlCol="0" anchor="ctr"/>
+          <a:lstStyle/>
+          <a:p>
+            <a:pPr algn="ctr"/>
+            <a:endParaRPr lang="en-GB"/>
+          </a:p>
+        </p:txBody>
+      </p:sp>
+      <p:sp>
+        <p:nvSpPr>
+          <p:cNvPr id="48" name="Rectangle: Rounded Corners 47">
+            <a:extLst>
+              <a:ext uri="{FF2B5EF4-FFF2-40B4-BE49-F238E27FC236}">
+                <a16:creationId xmlns:a16="http://schemas.microsoft.com/office/drawing/2014/main" id="{27426518-C6BA-BB01-624C-664908C41B95}"/>
+              </a:ext>
+            </a:extLst>
+          </p:cNvPr>
+          <p:cNvSpPr/>
+          <p:nvPr/>
+        </p:nvSpPr>
+        <p:spPr>
+          <a:xfrm>
+            <a:off x="3816717" y="5307714"/>
+            <a:ext cx="3582501" cy="307775"/>
+          </a:xfrm>
+          <a:prstGeom prst="roundRect">
+            <a:avLst/>
+          </a:prstGeom>
+          <a:solidFill>
+            <a:schemeClr val="accent6">
+              <a:lumMod val="20000"/>
+              <a:lumOff val="80000"/>
+            </a:schemeClr>
+          </a:solidFill>
+          <a:ln>
+            <a:noFill/>
+          </a:ln>
+        </p:spPr>
+        <p:style>
+          <a:lnRef idx="2">
+            <a:schemeClr val="accent1">
+              <a:shade val="15000"/>
+            </a:schemeClr>
+          </a:lnRef>
+          <a:fillRef idx="1">
+            <a:schemeClr val="accent1"/>
+          </a:fillRef>
+          <a:effectRef idx="0">
+            <a:schemeClr val="accent1"/>
+          </a:effectRef>
+          <a:fontRef idx="minor">
+            <a:schemeClr val="lt1"/>
+          </a:fontRef>
+        </p:style>
+        <p:txBody>
+          <a:bodyPr rtlCol="0" anchor="ctr"/>
+          <a:lstStyle/>
+          <a:p>
+            <a:pPr algn="ctr"/>
+            <a:endParaRPr lang="en-GB"/>
+          </a:p>
+        </p:txBody>
+      </p:sp>
+      <p:sp>
+        <p:nvSpPr>
+          <p:cNvPr id="5" name="Left Brace 4">
+            <a:extLst>
+              <a:ext uri="{FF2B5EF4-FFF2-40B4-BE49-F238E27FC236}">
+                <a16:creationId xmlns:a16="http://schemas.microsoft.com/office/drawing/2014/main" id="{4D1AC91B-0FF8-DD74-D70B-2C8D730BD7A1}"/>
+              </a:ext>
+            </a:extLst>
+          </p:cNvPr>
+          <p:cNvSpPr/>
+          <p:nvPr/>
+        </p:nvSpPr>
+        <p:spPr>
+          <a:xfrm rot="16200000">
+            <a:off x="1989847" y="4843833"/>
+            <a:ext cx="125379" cy="778213"/>
+          </a:xfrm>
+          <a:prstGeom prst="leftBrace">
+            <a:avLst>
+              <a:gd name="adj1" fmla="val 49316"/>
+              <a:gd name="adj2" fmla="val 50000"/>
+            </a:avLst>
+          </a:prstGeom>
+          <a:ln w="19050">
+            <a:solidFill>
+              <a:schemeClr val="accent2">
+                <a:lumMod val="75000"/>
+              </a:schemeClr>
+            </a:solidFill>
+          </a:ln>
+        </p:spPr>
+        <p:style>
+          <a:lnRef idx="1">
+            <a:schemeClr val="accent1"/>
+          </a:lnRef>
+          <a:fillRef idx="0">
+            <a:schemeClr val="accent1"/>
+          </a:fillRef>
+          <a:effectRef idx="0">
+            <a:schemeClr val="accent1"/>
+          </a:effectRef>
+          <a:fontRef idx="minor">
+            <a:schemeClr val="tx1"/>
+          </a:fontRef>
+        </p:style>
+        <p:txBody>
+          <a:bodyPr rtlCol="0" anchor="ctr"/>
+          <a:lstStyle/>
+          <a:p>
+            <a:pPr algn="ctr"/>
+            <a:endParaRPr lang="en-GB" b="1" dirty="0"/>
+          </a:p>
+        </p:txBody>
+      </p:sp>
+      <p:cxnSp>
+        <p:nvCxnSpPr>
+          <p:cNvPr id="7" name="Straight Connector 6">
+            <a:extLst>
+              <a:ext uri="{FF2B5EF4-FFF2-40B4-BE49-F238E27FC236}">
+                <a16:creationId xmlns:a16="http://schemas.microsoft.com/office/drawing/2014/main" id="{3E4D1EB4-6E79-888F-5A8E-4D76DF1D2D70}"/>
+              </a:ext>
+            </a:extLst>
+          </p:cNvPr>
+          <p:cNvCxnSpPr>
+            <a:cxnSpLocks/>
+            <a:stCxn id="9" idx="1"/>
+          </p:cNvCxnSpPr>
+          <p:nvPr/>
+        </p:nvCxnSpPr>
+        <p:spPr>
+          <a:xfrm>
+            <a:off x="1400783" y="5038928"/>
+            <a:ext cx="7597302" cy="0"/>
+          </a:xfrm>
+          <a:prstGeom prst="line">
+            <a:avLst/>
+          </a:prstGeom>
+          <a:ln w="38100">
+            <a:solidFill>
+              <a:srgbClr val="002060"/>
+            </a:solidFill>
+          </a:ln>
+        </p:spPr>
+        <p:style>
+          <a:lnRef idx="1">
+            <a:schemeClr val="accent1"/>
+          </a:lnRef>
+          <a:fillRef idx="0">
+            <a:schemeClr val="accent1"/>
+          </a:fillRef>
+          <a:effectRef idx="0">
+            <a:schemeClr val="accent1"/>
+          </a:effectRef>
+          <a:fontRef idx="minor">
+            <a:schemeClr val="tx1"/>
+          </a:fontRef>
+        </p:style>
+      </p:cxnSp>
+      <p:sp>
+        <p:nvSpPr>
+          <p:cNvPr id="9" name="Rectangle 8">
+            <a:extLst>
+              <a:ext uri="{FF2B5EF4-FFF2-40B4-BE49-F238E27FC236}">
+                <a16:creationId xmlns:a16="http://schemas.microsoft.com/office/drawing/2014/main" id="{AFCCDC50-4302-8848-694A-7C3EDB2318A4}"/>
+              </a:ext>
+            </a:extLst>
+          </p:cNvPr>
+          <p:cNvSpPr/>
+          <p:nvPr/>
+        </p:nvSpPr>
+        <p:spPr>
+          <a:xfrm>
+            <a:off x="1400783" y="4907604"/>
+            <a:ext cx="262647" cy="262647"/>
+          </a:xfrm>
+          <a:prstGeom prst="rect">
+            <a:avLst/>
+          </a:prstGeom>
+          <a:solidFill>
+            <a:srgbClr val="002060"/>
+          </a:solidFill>
+          <a:ln>
+            <a:noFill/>
+          </a:ln>
+        </p:spPr>
+        <p:style>
+          <a:lnRef idx="2">
+            <a:schemeClr val="accent1">
+              <a:shade val="15000"/>
+            </a:schemeClr>
+          </a:lnRef>
+          <a:fillRef idx="1">
+            <a:schemeClr val="accent1"/>
+          </a:fillRef>
+          <a:effectRef idx="0">
+            <a:schemeClr val="accent1"/>
+          </a:effectRef>
+          <a:fontRef idx="minor">
+            <a:schemeClr val="lt1"/>
+          </a:fontRef>
+        </p:style>
+        <p:txBody>
+          <a:bodyPr rtlCol="0" anchor="ctr"/>
+          <a:lstStyle/>
+          <a:p>
+            <a:pPr algn="ctr"/>
+            <a:endParaRPr lang="en-GB"/>
+          </a:p>
+        </p:txBody>
+      </p:sp>
+      <p:sp>
+        <p:nvSpPr>
+          <p:cNvPr id="10" name="Rectangle 9">
+            <a:extLst>
+              <a:ext uri="{FF2B5EF4-FFF2-40B4-BE49-F238E27FC236}">
+                <a16:creationId xmlns:a16="http://schemas.microsoft.com/office/drawing/2014/main" id="{53608ECC-8F0E-329B-4496-4C69C3DE9C59}"/>
+              </a:ext>
+            </a:extLst>
+          </p:cNvPr>
+          <p:cNvSpPr/>
+          <p:nvPr/>
+        </p:nvSpPr>
+        <p:spPr>
+          <a:xfrm>
+            <a:off x="2441643" y="4907604"/>
+            <a:ext cx="262647" cy="262647"/>
+          </a:xfrm>
+          <a:prstGeom prst="rect">
+            <a:avLst/>
+          </a:prstGeom>
+          <a:solidFill>
+            <a:srgbClr val="002060"/>
+          </a:solidFill>
+          <a:ln>
+            <a:noFill/>
+          </a:ln>
+        </p:spPr>
+        <p:style>
+          <a:lnRef idx="2">
+            <a:schemeClr val="accent1">
+              <a:shade val="15000"/>
+            </a:schemeClr>
+          </a:lnRef>
+          <a:fillRef idx="1">
+            <a:schemeClr val="accent1"/>
+          </a:fillRef>
+          <a:effectRef idx="0">
+            <a:schemeClr val="accent1"/>
+          </a:effectRef>
+          <a:fontRef idx="minor">
+            <a:schemeClr val="lt1"/>
+          </a:fontRef>
+        </p:style>
+        <p:txBody>
+          <a:bodyPr rtlCol="0" anchor="ctr"/>
+          <a:lstStyle/>
+          <a:p>
+            <a:pPr algn="ctr"/>
+            <a:endParaRPr lang="en-GB"/>
+          </a:p>
+        </p:txBody>
+      </p:sp>
+      <p:sp>
+        <p:nvSpPr>
+          <p:cNvPr id="11" name="Rectangle 10">
+            <a:extLst>
+              <a:ext uri="{FF2B5EF4-FFF2-40B4-BE49-F238E27FC236}">
+                <a16:creationId xmlns:a16="http://schemas.microsoft.com/office/drawing/2014/main" id="{90000F21-45E8-CD19-3F63-E761EAA8C437}"/>
+              </a:ext>
+            </a:extLst>
+          </p:cNvPr>
+          <p:cNvSpPr/>
+          <p:nvPr/>
+        </p:nvSpPr>
+        <p:spPr>
+          <a:xfrm>
+            <a:off x="3545732" y="4907604"/>
+            <a:ext cx="262647" cy="262647"/>
+          </a:xfrm>
+          <a:prstGeom prst="rect">
+            <a:avLst/>
+          </a:prstGeom>
+          <a:solidFill>
+            <a:srgbClr val="002060"/>
+          </a:solidFill>
+          <a:ln>
+            <a:noFill/>
+          </a:ln>
+        </p:spPr>
+        <p:style>
+          <a:lnRef idx="2">
+            <a:schemeClr val="accent1">
+              <a:shade val="15000"/>
+            </a:schemeClr>
+          </a:lnRef>
+          <a:fillRef idx="1">
+            <a:schemeClr val="accent1"/>
+          </a:fillRef>
+          <a:effectRef idx="0">
+            <a:schemeClr val="accent1"/>
+          </a:effectRef>
+          <a:fontRef idx="minor">
+            <a:schemeClr val="lt1"/>
+          </a:fontRef>
+        </p:style>
+        <p:txBody>
+          <a:bodyPr rtlCol="0" anchor="ctr"/>
+          <a:lstStyle/>
+          <a:p>
+            <a:pPr algn="ctr"/>
+            <a:endParaRPr lang="en-GB"/>
+          </a:p>
+        </p:txBody>
+      </p:sp>
+      <p:sp>
+        <p:nvSpPr>
+          <p:cNvPr id="12" name="Rectangle 11">
+            <a:extLst>
+              <a:ext uri="{FF2B5EF4-FFF2-40B4-BE49-F238E27FC236}">
+                <a16:creationId xmlns:a16="http://schemas.microsoft.com/office/drawing/2014/main" id="{EFEF9F8C-7FB7-857F-B57F-F718AA6DA7CB}"/>
+              </a:ext>
+            </a:extLst>
+          </p:cNvPr>
+          <p:cNvSpPr/>
+          <p:nvPr/>
+        </p:nvSpPr>
+        <p:spPr>
+          <a:xfrm>
+            <a:off x="4895794" y="4907604"/>
+            <a:ext cx="262647" cy="262647"/>
+          </a:xfrm>
+          <a:prstGeom prst="rect">
+            <a:avLst/>
+          </a:prstGeom>
+          <a:solidFill>
+            <a:srgbClr val="002060"/>
+          </a:solidFill>
+          <a:ln>
+            <a:noFill/>
+          </a:ln>
+        </p:spPr>
+        <p:style>
+          <a:lnRef idx="2">
+            <a:schemeClr val="accent1">
+              <a:shade val="15000"/>
+            </a:schemeClr>
+          </a:lnRef>
+          <a:fillRef idx="1">
+            <a:schemeClr val="accent1"/>
+          </a:fillRef>
+          <a:effectRef idx="0">
+            <a:schemeClr val="accent1"/>
+          </a:effectRef>
+          <a:fontRef idx="minor">
+            <a:schemeClr val="lt1"/>
+          </a:fontRef>
+        </p:style>
+        <p:txBody>
+          <a:bodyPr rtlCol="0" anchor="ctr"/>
+          <a:lstStyle/>
+          <a:p>
+            <a:pPr algn="ctr"/>
+            <a:endParaRPr lang="en-GB"/>
+          </a:p>
+        </p:txBody>
+      </p:sp>
+      <p:sp>
+        <p:nvSpPr>
+          <p:cNvPr id="14" name="Rectangle 13">
+            <a:extLst>
+              <a:ext uri="{FF2B5EF4-FFF2-40B4-BE49-F238E27FC236}">
+                <a16:creationId xmlns:a16="http://schemas.microsoft.com/office/drawing/2014/main" id="{E6813FF5-5863-8E19-D260-7C4660B999F6}"/>
+              </a:ext>
+            </a:extLst>
+          </p:cNvPr>
+          <p:cNvSpPr/>
+          <p:nvPr/>
+        </p:nvSpPr>
+        <p:spPr>
+          <a:xfrm>
+            <a:off x="6001966" y="4907604"/>
+            <a:ext cx="262647" cy="262647"/>
+          </a:xfrm>
+          <a:prstGeom prst="rect">
+            <a:avLst/>
+          </a:prstGeom>
+          <a:solidFill>
+            <a:srgbClr val="002060"/>
+          </a:solidFill>
+          <a:ln>
+            <a:noFill/>
+          </a:ln>
+        </p:spPr>
+        <p:style>
+          <a:lnRef idx="2">
+            <a:schemeClr val="accent1">
+              <a:shade val="15000"/>
+            </a:schemeClr>
+          </a:lnRef>
+          <a:fillRef idx="1">
+            <a:schemeClr val="accent1"/>
+          </a:fillRef>
+          <a:effectRef idx="0">
+            <a:schemeClr val="accent1"/>
+          </a:effectRef>
+          <a:fontRef idx="minor">
+            <a:schemeClr val="lt1"/>
+          </a:fontRef>
+        </p:style>
+        <p:txBody>
+          <a:bodyPr rtlCol="0" anchor="ctr"/>
+          <a:lstStyle/>
+          <a:p>
+            <a:pPr algn="ctr"/>
+            <a:endParaRPr lang="en-GB"/>
+          </a:p>
+        </p:txBody>
+      </p:sp>
+      <p:sp>
+        <p:nvSpPr>
+          <p:cNvPr id="15" name="Rectangle 14">
+            <a:extLst>
+              <a:ext uri="{FF2B5EF4-FFF2-40B4-BE49-F238E27FC236}">
+                <a16:creationId xmlns:a16="http://schemas.microsoft.com/office/drawing/2014/main" id="{D57B271D-235B-CE6A-1ED4-A998EF23AF9A}"/>
+              </a:ext>
+            </a:extLst>
+          </p:cNvPr>
+          <p:cNvSpPr/>
+          <p:nvPr/>
+        </p:nvSpPr>
+        <p:spPr>
+          <a:xfrm>
+            <a:off x="7147747" y="4907604"/>
+            <a:ext cx="262647" cy="262647"/>
+          </a:xfrm>
+          <a:prstGeom prst="rect">
+            <a:avLst/>
+          </a:prstGeom>
+          <a:solidFill>
+            <a:srgbClr val="002060"/>
+          </a:solidFill>
+          <a:ln>
+            <a:noFill/>
+          </a:ln>
+        </p:spPr>
+        <p:style>
+          <a:lnRef idx="2">
+            <a:schemeClr val="accent1">
+              <a:shade val="15000"/>
+            </a:schemeClr>
+          </a:lnRef>
+          <a:fillRef idx="1">
+            <a:schemeClr val="accent1"/>
+          </a:fillRef>
+          <a:effectRef idx="0">
+            <a:schemeClr val="accent1"/>
+          </a:effectRef>
+          <a:fontRef idx="minor">
+            <a:schemeClr val="lt1"/>
+          </a:fontRef>
+        </p:style>
+        <p:txBody>
+          <a:bodyPr rtlCol="0" anchor="ctr"/>
+          <a:lstStyle/>
+          <a:p>
+            <a:pPr algn="ctr"/>
+            <a:endParaRPr lang="en-GB"/>
+          </a:p>
+        </p:txBody>
+      </p:sp>
+      <p:sp>
+        <p:nvSpPr>
+          <p:cNvPr id="16" name="Rectangle 15">
+            <a:extLst>
+              <a:ext uri="{FF2B5EF4-FFF2-40B4-BE49-F238E27FC236}">
+                <a16:creationId xmlns:a16="http://schemas.microsoft.com/office/drawing/2014/main" id="{5E842D3B-E0CF-23BD-E2AA-6783E39D0A33}"/>
+              </a:ext>
+            </a:extLst>
+          </p:cNvPr>
+          <p:cNvSpPr/>
+          <p:nvPr/>
+        </p:nvSpPr>
+        <p:spPr>
+          <a:xfrm>
+            <a:off x="8219872" y="4907604"/>
+            <a:ext cx="262647" cy="262647"/>
+          </a:xfrm>
+          <a:prstGeom prst="rect">
+            <a:avLst/>
+          </a:prstGeom>
+          <a:solidFill>
+            <a:srgbClr val="002060"/>
+          </a:solidFill>
+          <a:ln>
+            <a:noFill/>
+          </a:ln>
+        </p:spPr>
+        <p:style>
+          <a:lnRef idx="2">
+            <a:schemeClr val="accent1">
+              <a:shade val="15000"/>
+            </a:schemeClr>
+          </a:lnRef>
+          <a:fillRef idx="1">
+            <a:schemeClr val="accent1"/>
+          </a:fillRef>
+          <a:effectRef idx="0">
+            <a:schemeClr val="accent1"/>
+          </a:effectRef>
+          <a:fontRef idx="minor">
+            <a:schemeClr val="lt1"/>
+          </a:fontRef>
+        </p:style>
+        <p:txBody>
+          <a:bodyPr rtlCol="0" anchor="ctr"/>
+          <a:lstStyle/>
+          <a:p>
+            <a:pPr algn="ctr"/>
+            <a:endParaRPr lang="en-GB"/>
+          </a:p>
+        </p:txBody>
+      </p:sp>
+      <p:sp>
+        <p:nvSpPr>
+          <p:cNvPr id="19" name="TextBox 18">
+            <a:extLst>
+              <a:ext uri="{FF2B5EF4-FFF2-40B4-BE49-F238E27FC236}">
+                <a16:creationId xmlns:a16="http://schemas.microsoft.com/office/drawing/2014/main" id="{947FB09E-5E5B-BFA6-2C87-27355BE16A0A}"/>
+              </a:ext>
+            </a:extLst>
+          </p:cNvPr>
+          <p:cNvSpPr txBox="1"/>
+          <p:nvPr/>
+        </p:nvSpPr>
+        <p:spPr>
+          <a:xfrm>
+            <a:off x="1363630" y="4544935"/>
+            <a:ext cx="336952" cy="400110"/>
+          </a:xfrm>
+          <a:prstGeom prst="rect">
+            <a:avLst/>
+          </a:prstGeom>
+          <a:noFill/>
+        </p:spPr>
+        <p:txBody>
+          <a:bodyPr wrap="none" rtlCol="0">
+            <a:spAutoFit/>
+          </a:bodyPr>
+          <a:lstStyle/>
+          <a:p>
+            <a:r>
+              <a:rPr lang="en-US" altLang="zh-TW" sz="2000" b="1" dirty="0">
+                <a:solidFill>
+                  <a:srgbClr val="002060"/>
+                </a:solidFill>
+                <a:latin typeface="微軟正黑體" panose="020B0604030504040204" pitchFamily="34" charset="-120"/>
+                <a:ea typeface="微軟正黑體" panose="020B0604030504040204" pitchFamily="34" charset="-120"/>
+              </a:rPr>
+              <a:t>1</a:t>
+            </a:r>
+            <a:endParaRPr lang="en-GB" sz="2000" b="1" dirty="0">
+              <a:solidFill>
+                <a:srgbClr val="002060"/>
+              </a:solidFill>
+              <a:latin typeface="微軟正黑體" panose="020B0604030504040204" pitchFamily="34" charset="-120"/>
+              <a:ea typeface="微軟正黑體" panose="020B0604030504040204" pitchFamily="34" charset="-120"/>
+            </a:endParaRPr>
+          </a:p>
+        </p:txBody>
+      </p:sp>
+      <p:sp>
+        <p:nvSpPr>
+          <p:cNvPr id="20" name="TextBox 19">
+            <a:extLst>
+              <a:ext uri="{FF2B5EF4-FFF2-40B4-BE49-F238E27FC236}">
+                <a16:creationId xmlns:a16="http://schemas.microsoft.com/office/drawing/2014/main" id="{27CDCC81-0914-BBA7-FD0E-F42A2F0C5D9E}"/>
+              </a:ext>
+            </a:extLst>
+          </p:cNvPr>
+          <p:cNvSpPr txBox="1"/>
+          <p:nvPr/>
+        </p:nvSpPr>
+        <p:spPr>
+          <a:xfrm>
+            <a:off x="2404490" y="4544935"/>
+            <a:ext cx="336952" cy="400110"/>
+          </a:xfrm>
+          <a:prstGeom prst="rect">
+            <a:avLst/>
+          </a:prstGeom>
+          <a:noFill/>
+        </p:spPr>
+        <p:txBody>
+          <a:bodyPr wrap="none" rtlCol="0">
+            <a:spAutoFit/>
+          </a:bodyPr>
+          <a:lstStyle/>
+          <a:p>
+            <a:r>
+              <a:rPr lang="en-US" altLang="zh-TW" sz="2000" b="1" dirty="0">
+                <a:solidFill>
+                  <a:srgbClr val="002060"/>
+                </a:solidFill>
+                <a:latin typeface="微軟正黑體" panose="020B0604030504040204" pitchFamily="34" charset="-120"/>
+                <a:ea typeface="微軟正黑體" panose="020B0604030504040204" pitchFamily="34" charset="-120"/>
+              </a:rPr>
+              <a:t>2</a:t>
+            </a:r>
+            <a:endParaRPr lang="en-GB" sz="2000" b="1" dirty="0">
+              <a:solidFill>
+                <a:srgbClr val="002060"/>
+              </a:solidFill>
+              <a:latin typeface="微軟正黑體" panose="020B0604030504040204" pitchFamily="34" charset="-120"/>
+              <a:ea typeface="微軟正黑體" panose="020B0604030504040204" pitchFamily="34" charset="-120"/>
+            </a:endParaRPr>
+          </a:p>
+        </p:txBody>
+      </p:sp>
+      <p:sp>
+        <p:nvSpPr>
+          <p:cNvPr id="21" name="TextBox 20">
+            <a:extLst>
+              <a:ext uri="{FF2B5EF4-FFF2-40B4-BE49-F238E27FC236}">
+                <a16:creationId xmlns:a16="http://schemas.microsoft.com/office/drawing/2014/main" id="{83F4500B-6EC0-EAF6-7BAF-6E96074AA196}"/>
+              </a:ext>
+            </a:extLst>
+          </p:cNvPr>
+          <p:cNvSpPr txBox="1"/>
+          <p:nvPr/>
+        </p:nvSpPr>
+        <p:spPr>
+          <a:xfrm>
+            <a:off x="3513768" y="4544935"/>
+            <a:ext cx="336952" cy="400110"/>
+          </a:xfrm>
+          <a:prstGeom prst="rect">
+            <a:avLst/>
+          </a:prstGeom>
+          <a:noFill/>
+        </p:spPr>
+        <p:txBody>
+          <a:bodyPr wrap="none" rtlCol="0">
+            <a:spAutoFit/>
+          </a:bodyPr>
+          <a:lstStyle/>
+          <a:p>
+            <a:r>
+              <a:rPr lang="en-US" altLang="zh-TW" sz="2000" b="1" dirty="0">
+                <a:solidFill>
+                  <a:srgbClr val="002060"/>
+                </a:solidFill>
+                <a:latin typeface="微軟正黑體" panose="020B0604030504040204" pitchFamily="34" charset="-120"/>
+                <a:ea typeface="微軟正黑體" panose="020B0604030504040204" pitchFamily="34" charset="-120"/>
+              </a:rPr>
+              <a:t>3</a:t>
+            </a:r>
+            <a:endParaRPr lang="en-GB" sz="2000" b="1" dirty="0">
+              <a:solidFill>
+                <a:srgbClr val="002060"/>
+              </a:solidFill>
+              <a:latin typeface="微軟正黑體" panose="020B0604030504040204" pitchFamily="34" charset="-120"/>
+              <a:ea typeface="微軟正黑體" panose="020B0604030504040204" pitchFamily="34" charset="-120"/>
+            </a:endParaRPr>
+          </a:p>
+        </p:txBody>
+      </p:sp>
+      <p:sp>
+        <p:nvSpPr>
+          <p:cNvPr id="22" name="TextBox 21">
+            <a:extLst>
+              <a:ext uri="{FF2B5EF4-FFF2-40B4-BE49-F238E27FC236}">
+                <a16:creationId xmlns:a16="http://schemas.microsoft.com/office/drawing/2014/main" id="{D2AC26EB-5930-4259-9229-28146D3BECDC}"/>
+              </a:ext>
+            </a:extLst>
+          </p:cNvPr>
+          <p:cNvSpPr txBox="1"/>
+          <p:nvPr/>
+        </p:nvSpPr>
+        <p:spPr>
+          <a:xfrm>
+            <a:off x="4855903" y="4544935"/>
+            <a:ext cx="336952" cy="400110"/>
+          </a:xfrm>
+          <a:prstGeom prst="rect">
+            <a:avLst/>
+          </a:prstGeom>
+          <a:noFill/>
+        </p:spPr>
+        <p:txBody>
+          <a:bodyPr wrap="none" rtlCol="0">
+            <a:spAutoFit/>
+          </a:bodyPr>
+          <a:lstStyle/>
+          <a:p>
+            <a:r>
+              <a:rPr lang="en-US" sz="2000" b="1" dirty="0">
+                <a:solidFill>
+                  <a:srgbClr val="002060"/>
+                </a:solidFill>
+                <a:latin typeface="微軟正黑體" panose="020B0604030504040204" pitchFamily="34" charset="-120"/>
+                <a:ea typeface="微軟正黑體" panose="020B0604030504040204" pitchFamily="34" charset="-120"/>
+              </a:rPr>
+              <a:t>4</a:t>
+            </a:r>
+            <a:endParaRPr lang="en-GB" sz="2000" b="1" dirty="0">
+              <a:solidFill>
+                <a:srgbClr val="002060"/>
+              </a:solidFill>
+              <a:latin typeface="微軟正黑體" panose="020B0604030504040204" pitchFamily="34" charset="-120"/>
+              <a:ea typeface="微軟正黑體" panose="020B0604030504040204" pitchFamily="34" charset="-120"/>
+            </a:endParaRPr>
+          </a:p>
+        </p:txBody>
+      </p:sp>
+      <p:sp>
+        <p:nvSpPr>
+          <p:cNvPr id="23" name="TextBox 22">
+            <a:extLst>
+              <a:ext uri="{FF2B5EF4-FFF2-40B4-BE49-F238E27FC236}">
+                <a16:creationId xmlns:a16="http://schemas.microsoft.com/office/drawing/2014/main" id="{87C3D035-1058-440D-4DA4-B026CF3A535B}"/>
+              </a:ext>
+            </a:extLst>
+          </p:cNvPr>
+          <p:cNvSpPr txBox="1"/>
+          <p:nvPr/>
+        </p:nvSpPr>
+        <p:spPr>
+          <a:xfrm>
+            <a:off x="5967919" y="4544935"/>
+            <a:ext cx="336952" cy="400110"/>
+          </a:xfrm>
+          <a:prstGeom prst="rect">
+            <a:avLst/>
+          </a:prstGeom>
+          <a:noFill/>
+        </p:spPr>
+        <p:txBody>
+          <a:bodyPr wrap="none" rtlCol="0">
+            <a:spAutoFit/>
+          </a:bodyPr>
+          <a:lstStyle/>
+          <a:p>
+            <a:r>
+              <a:rPr lang="en-US" sz="2000" b="1" dirty="0">
+                <a:solidFill>
+                  <a:srgbClr val="002060"/>
+                </a:solidFill>
+                <a:latin typeface="微軟正黑體" panose="020B0604030504040204" pitchFamily="34" charset="-120"/>
+                <a:ea typeface="微軟正黑體" panose="020B0604030504040204" pitchFamily="34" charset="-120"/>
+              </a:rPr>
+              <a:t>5</a:t>
+            </a:r>
+            <a:endParaRPr lang="en-GB" sz="2000" b="1" dirty="0">
+              <a:solidFill>
+                <a:srgbClr val="002060"/>
+              </a:solidFill>
+              <a:latin typeface="微軟正黑體" panose="020B0604030504040204" pitchFamily="34" charset="-120"/>
+              <a:ea typeface="微軟正黑體" panose="020B0604030504040204" pitchFamily="34" charset="-120"/>
+            </a:endParaRPr>
+          </a:p>
+        </p:txBody>
+      </p:sp>
+      <p:sp>
+        <p:nvSpPr>
+          <p:cNvPr id="24" name="TextBox 23">
+            <a:extLst>
+              <a:ext uri="{FF2B5EF4-FFF2-40B4-BE49-F238E27FC236}">
+                <a16:creationId xmlns:a16="http://schemas.microsoft.com/office/drawing/2014/main" id="{207AD865-1874-44E3-7EE4-32E23CFEC070}"/>
+              </a:ext>
+            </a:extLst>
+          </p:cNvPr>
+          <p:cNvSpPr txBox="1"/>
+          <p:nvPr/>
+        </p:nvSpPr>
+        <p:spPr>
+          <a:xfrm>
+            <a:off x="7116500" y="4544935"/>
+            <a:ext cx="336952" cy="400110"/>
+          </a:xfrm>
+          <a:prstGeom prst="rect">
+            <a:avLst/>
+          </a:prstGeom>
+          <a:noFill/>
+        </p:spPr>
+        <p:txBody>
+          <a:bodyPr wrap="none" rtlCol="0">
+            <a:spAutoFit/>
+          </a:bodyPr>
+          <a:lstStyle/>
+          <a:p>
+            <a:r>
+              <a:rPr lang="en-US" altLang="zh-TW" sz="2000" b="1" dirty="0">
+                <a:solidFill>
+                  <a:srgbClr val="002060"/>
+                </a:solidFill>
+                <a:latin typeface="微軟正黑體" panose="020B0604030504040204" pitchFamily="34" charset="-120"/>
+                <a:ea typeface="微軟正黑體" panose="020B0604030504040204" pitchFamily="34" charset="-120"/>
+              </a:rPr>
+              <a:t>6</a:t>
+            </a:r>
+            <a:endParaRPr lang="en-GB" sz="2000" b="1" dirty="0">
+              <a:solidFill>
+                <a:srgbClr val="002060"/>
+              </a:solidFill>
+              <a:latin typeface="微軟正黑體" panose="020B0604030504040204" pitchFamily="34" charset="-120"/>
+              <a:ea typeface="微軟正黑體" panose="020B0604030504040204" pitchFamily="34" charset="-120"/>
+            </a:endParaRPr>
+          </a:p>
+        </p:txBody>
+      </p:sp>
+      <p:sp>
+        <p:nvSpPr>
+          <p:cNvPr id="25" name="TextBox 24">
+            <a:extLst>
+              <a:ext uri="{FF2B5EF4-FFF2-40B4-BE49-F238E27FC236}">
+                <a16:creationId xmlns:a16="http://schemas.microsoft.com/office/drawing/2014/main" id="{79CE0865-D853-7DAF-FE67-14522CB95695}"/>
+              </a:ext>
+            </a:extLst>
+          </p:cNvPr>
+          <p:cNvSpPr txBox="1"/>
+          <p:nvPr/>
+        </p:nvSpPr>
+        <p:spPr>
+          <a:xfrm>
+            <a:off x="8185826" y="4544935"/>
+            <a:ext cx="336952" cy="400110"/>
+          </a:xfrm>
+          <a:prstGeom prst="rect">
+            <a:avLst/>
+          </a:prstGeom>
+          <a:noFill/>
+        </p:spPr>
+        <p:txBody>
+          <a:bodyPr wrap="none" rtlCol="0">
+            <a:spAutoFit/>
+          </a:bodyPr>
+          <a:lstStyle/>
+          <a:p>
+            <a:r>
+              <a:rPr lang="en-US" altLang="zh-TW" sz="2000" b="1" dirty="0">
+                <a:solidFill>
+                  <a:srgbClr val="002060"/>
+                </a:solidFill>
+                <a:latin typeface="微軟正黑體" panose="020B0604030504040204" pitchFamily="34" charset="-120"/>
+                <a:ea typeface="微軟正黑體" panose="020B0604030504040204" pitchFamily="34" charset="-120"/>
+              </a:rPr>
+              <a:t>7</a:t>
+            </a:r>
+            <a:endParaRPr lang="en-GB" sz="2000" b="1" dirty="0">
+              <a:solidFill>
+                <a:srgbClr val="002060"/>
+              </a:solidFill>
+              <a:latin typeface="微軟正黑體" panose="020B0604030504040204" pitchFamily="34" charset="-120"/>
+              <a:ea typeface="微軟正黑體" panose="020B0604030504040204" pitchFamily="34" charset="-120"/>
+            </a:endParaRPr>
+          </a:p>
+        </p:txBody>
+      </p:sp>
+      <p:sp>
+        <p:nvSpPr>
+          <p:cNvPr id="31" name="Left Brace 30">
+            <a:extLst>
+              <a:ext uri="{FF2B5EF4-FFF2-40B4-BE49-F238E27FC236}">
+                <a16:creationId xmlns:a16="http://schemas.microsoft.com/office/drawing/2014/main" id="{29CD4AB3-66FB-1A1D-72C4-EF879D4F65BB}"/>
+              </a:ext>
+            </a:extLst>
+          </p:cNvPr>
+          <p:cNvSpPr/>
+          <p:nvPr/>
+        </p:nvSpPr>
+        <p:spPr>
+          <a:xfrm rot="16200000">
+            <a:off x="3062321" y="4812218"/>
+            <a:ext cx="125379" cy="841442"/>
+          </a:xfrm>
+          <a:prstGeom prst="leftBrace">
+            <a:avLst>
+              <a:gd name="adj1" fmla="val 49316"/>
+              <a:gd name="adj2" fmla="val 50000"/>
+            </a:avLst>
+          </a:prstGeom>
+          <a:ln w="19050">
+            <a:solidFill>
+              <a:schemeClr val="accent2">
+                <a:lumMod val="75000"/>
+              </a:schemeClr>
+            </a:solidFill>
+          </a:ln>
+        </p:spPr>
+        <p:style>
+          <a:lnRef idx="1">
+            <a:schemeClr val="accent1"/>
+          </a:lnRef>
+          <a:fillRef idx="0">
+            <a:schemeClr val="accent1"/>
+          </a:fillRef>
+          <a:effectRef idx="0">
+            <a:schemeClr val="accent1"/>
+          </a:effectRef>
+          <a:fontRef idx="minor">
+            <a:schemeClr val="tx1"/>
+          </a:fontRef>
+        </p:style>
+        <p:txBody>
+          <a:bodyPr rtlCol="0" anchor="ctr"/>
+          <a:lstStyle/>
+          <a:p>
+            <a:pPr algn="ctr"/>
+            <a:endParaRPr lang="en-GB" b="1" dirty="0"/>
+          </a:p>
+        </p:txBody>
+      </p:sp>
+      <p:sp>
+        <p:nvSpPr>
+          <p:cNvPr id="32" name="Left Brace 31">
+            <a:extLst>
+              <a:ext uri="{FF2B5EF4-FFF2-40B4-BE49-F238E27FC236}">
+                <a16:creationId xmlns:a16="http://schemas.microsoft.com/office/drawing/2014/main" id="{973DF7FE-6CD4-6971-CAAC-414B7B3986E5}"/>
+              </a:ext>
+            </a:extLst>
+          </p:cNvPr>
+          <p:cNvSpPr/>
+          <p:nvPr/>
+        </p:nvSpPr>
+        <p:spPr>
+          <a:xfrm rot="16200000">
+            <a:off x="4285229" y="4685063"/>
+            <a:ext cx="125379" cy="1095753"/>
+          </a:xfrm>
+          <a:prstGeom prst="leftBrace">
+            <a:avLst>
+              <a:gd name="adj1" fmla="val 49316"/>
+              <a:gd name="adj2" fmla="val 50000"/>
+            </a:avLst>
+          </a:prstGeom>
+          <a:ln w="19050">
+            <a:solidFill>
+              <a:schemeClr val="accent2">
+                <a:lumMod val="75000"/>
+              </a:schemeClr>
+            </a:solidFill>
+          </a:ln>
+        </p:spPr>
+        <p:style>
+          <a:lnRef idx="1">
+            <a:schemeClr val="accent1"/>
+          </a:lnRef>
+          <a:fillRef idx="0">
+            <a:schemeClr val="accent1"/>
+          </a:fillRef>
+          <a:effectRef idx="0">
+            <a:schemeClr val="accent1"/>
+          </a:effectRef>
+          <a:fontRef idx="minor">
+            <a:schemeClr val="tx1"/>
+          </a:fontRef>
+        </p:style>
+        <p:txBody>
+          <a:bodyPr rtlCol="0" anchor="ctr"/>
+          <a:lstStyle/>
+          <a:p>
+            <a:pPr algn="ctr"/>
+            <a:endParaRPr lang="en-GB" b="1" dirty="0"/>
+          </a:p>
+        </p:txBody>
+      </p:sp>
+      <p:sp>
+        <p:nvSpPr>
+          <p:cNvPr id="33" name="Left Brace 32">
+            <a:extLst>
+              <a:ext uri="{FF2B5EF4-FFF2-40B4-BE49-F238E27FC236}">
+                <a16:creationId xmlns:a16="http://schemas.microsoft.com/office/drawing/2014/main" id="{2A628D6A-8FC0-0C87-7A03-F95E1D3880B3}"/>
+              </a:ext>
+            </a:extLst>
+          </p:cNvPr>
+          <p:cNvSpPr/>
+          <p:nvPr/>
+        </p:nvSpPr>
+        <p:spPr>
+          <a:xfrm rot="16200000">
+            <a:off x="5517519" y="4811181"/>
+            <a:ext cx="125379" cy="843515"/>
+          </a:xfrm>
+          <a:prstGeom prst="leftBrace">
+            <a:avLst>
+              <a:gd name="adj1" fmla="val 49316"/>
+              <a:gd name="adj2" fmla="val 50000"/>
+            </a:avLst>
+          </a:prstGeom>
+          <a:ln w="19050">
+            <a:solidFill>
+              <a:schemeClr val="accent2">
+                <a:lumMod val="75000"/>
+              </a:schemeClr>
+            </a:solidFill>
+          </a:ln>
+        </p:spPr>
+        <p:style>
+          <a:lnRef idx="1">
+            <a:schemeClr val="accent1"/>
+          </a:lnRef>
+          <a:fillRef idx="0">
+            <a:schemeClr val="accent1"/>
+          </a:fillRef>
+          <a:effectRef idx="0">
+            <a:schemeClr val="accent1"/>
+          </a:effectRef>
+          <a:fontRef idx="minor">
+            <a:schemeClr val="tx1"/>
+          </a:fontRef>
+        </p:style>
+        <p:txBody>
+          <a:bodyPr rtlCol="0" anchor="ctr"/>
+          <a:lstStyle/>
+          <a:p>
+            <a:pPr algn="ctr"/>
+            <a:endParaRPr lang="en-GB" b="1" dirty="0"/>
+          </a:p>
+        </p:txBody>
+      </p:sp>
+      <p:sp>
+        <p:nvSpPr>
+          <p:cNvPr id="34" name="Left Brace 33">
+            <a:extLst>
+              <a:ext uri="{FF2B5EF4-FFF2-40B4-BE49-F238E27FC236}">
+                <a16:creationId xmlns:a16="http://schemas.microsoft.com/office/drawing/2014/main" id="{64E94179-6C3C-7822-46A9-64EFD25F07CB}"/>
+              </a:ext>
+            </a:extLst>
+          </p:cNvPr>
+          <p:cNvSpPr/>
+          <p:nvPr/>
+        </p:nvSpPr>
+        <p:spPr>
+          <a:xfrm rot="16200000">
+            <a:off x="6640696" y="4788577"/>
+            <a:ext cx="125379" cy="888722"/>
+          </a:xfrm>
+          <a:prstGeom prst="leftBrace">
+            <a:avLst>
+              <a:gd name="adj1" fmla="val 49316"/>
+              <a:gd name="adj2" fmla="val 50000"/>
+            </a:avLst>
+          </a:prstGeom>
+          <a:ln w="19050">
+            <a:solidFill>
+              <a:schemeClr val="accent2">
+                <a:lumMod val="75000"/>
+              </a:schemeClr>
+            </a:solidFill>
+          </a:ln>
+        </p:spPr>
+        <p:style>
+          <a:lnRef idx="1">
+            <a:schemeClr val="accent1"/>
+          </a:lnRef>
+          <a:fillRef idx="0">
+            <a:schemeClr val="accent1"/>
+          </a:fillRef>
+          <a:effectRef idx="0">
+            <a:schemeClr val="accent1"/>
+          </a:effectRef>
+          <a:fontRef idx="minor">
+            <a:schemeClr val="tx1"/>
+          </a:fontRef>
+        </p:style>
+        <p:txBody>
+          <a:bodyPr rtlCol="0" anchor="ctr"/>
+          <a:lstStyle/>
+          <a:p>
+            <a:pPr algn="ctr"/>
+            <a:endParaRPr lang="en-GB" b="1" dirty="0"/>
+          </a:p>
+        </p:txBody>
+      </p:sp>
+      <p:sp>
+        <p:nvSpPr>
+          <p:cNvPr id="35" name="Left Brace 34">
+            <a:extLst>
+              <a:ext uri="{FF2B5EF4-FFF2-40B4-BE49-F238E27FC236}">
+                <a16:creationId xmlns:a16="http://schemas.microsoft.com/office/drawing/2014/main" id="{C98106EF-BDF9-27D2-D88E-4723A9DE0AE9}"/>
+              </a:ext>
+            </a:extLst>
+          </p:cNvPr>
+          <p:cNvSpPr/>
+          <p:nvPr/>
+        </p:nvSpPr>
+        <p:spPr>
+          <a:xfrm rot="16200000">
+            <a:off x="7749651" y="4825404"/>
+            <a:ext cx="125379" cy="815067"/>
+          </a:xfrm>
+          <a:prstGeom prst="leftBrace">
+            <a:avLst>
+              <a:gd name="adj1" fmla="val 49316"/>
+              <a:gd name="adj2" fmla="val 50000"/>
+            </a:avLst>
+          </a:prstGeom>
+          <a:ln w="19050">
+            <a:solidFill>
+              <a:schemeClr val="accent2">
+                <a:lumMod val="75000"/>
+              </a:schemeClr>
+            </a:solidFill>
+          </a:ln>
+        </p:spPr>
+        <p:style>
+          <a:lnRef idx="1">
+            <a:schemeClr val="accent1"/>
+          </a:lnRef>
+          <a:fillRef idx="0">
+            <a:schemeClr val="accent1"/>
+          </a:fillRef>
+          <a:effectRef idx="0">
+            <a:schemeClr val="accent1"/>
+          </a:effectRef>
+          <a:fontRef idx="minor">
+            <a:schemeClr val="tx1"/>
+          </a:fontRef>
+        </p:style>
+        <p:txBody>
+          <a:bodyPr rtlCol="0" anchor="ctr"/>
+          <a:lstStyle/>
+          <a:p>
+            <a:pPr algn="ctr"/>
+            <a:endParaRPr lang="en-GB" b="1" dirty="0"/>
+          </a:p>
+        </p:txBody>
+      </p:sp>
+      <p:sp>
+        <p:nvSpPr>
+          <p:cNvPr id="37" name="TextBox 36">
+            <a:extLst>
+              <a:ext uri="{FF2B5EF4-FFF2-40B4-BE49-F238E27FC236}">
+                <a16:creationId xmlns:a16="http://schemas.microsoft.com/office/drawing/2014/main" id="{22174D02-F996-2351-684C-337E41B3AEDA}"/>
+              </a:ext>
+            </a:extLst>
+          </p:cNvPr>
+          <p:cNvSpPr txBox="1"/>
+          <p:nvPr/>
+        </p:nvSpPr>
+        <p:spPr>
+          <a:xfrm>
+            <a:off x="1506972" y="5307714"/>
+            <a:ext cx="1091127" cy="307777"/>
+          </a:xfrm>
+          <a:prstGeom prst="rect">
+            <a:avLst/>
+          </a:prstGeom>
+          <a:noFill/>
+        </p:spPr>
+        <p:txBody>
+          <a:bodyPr wrap="square">
+            <a:spAutoFit/>
+          </a:bodyPr>
+          <a:lstStyle/>
+          <a:p>
+            <a:pPr marL="0" marR="0" lvl="0" indent="0" algn="ctr" defTabSz="914400" rtl="0" eaLnBrk="1" fontAlgn="auto" latinLnBrk="0" hangingPunct="1">
+              <a:lnSpc>
+                <a:spcPct val="100000"/>
+              </a:lnSpc>
+              <a:spcBef>
+                <a:spcPts val="0"/>
+              </a:spcBef>
+              <a:spcAft>
+                <a:spcPts val="0"/>
+              </a:spcAft>
+              <a:buClrTx/>
+              <a:buSzTx/>
+              <a:buFontTx/>
+              <a:buNone/>
+              <a:tabLst/>
+              <a:defRPr/>
+            </a:pPr>
+            <a:r>
+              <a:rPr lang="en-US" altLang="zh-TW" sz="1400" b="1" dirty="0">
+                <a:solidFill>
+                  <a:schemeClr val="accent2">
+                    <a:lumMod val="50000"/>
+                  </a:schemeClr>
+                </a:solidFill>
+                <a:effectLst/>
+                <a:latin typeface="微軟正黑體" panose="020B0604030504040204" pitchFamily="34" charset="-120"/>
+                <a:ea typeface="微軟正黑體" panose="020B0604030504040204" pitchFamily="34" charset="-120"/>
+              </a:rPr>
+              <a:t>197.70</a:t>
+            </a:r>
+            <a:endParaRPr lang="zh-TW" altLang="en-US" sz="1400" b="1" dirty="0">
+              <a:solidFill>
+                <a:schemeClr val="accent2">
+                  <a:lumMod val="50000"/>
+                </a:schemeClr>
+              </a:solidFill>
+              <a:effectLst/>
+              <a:latin typeface="微軟正黑體" panose="020B0604030504040204" pitchFamily="34" charset="-120"/>
+              <a:ea typeface="微軟正黑體" panose="020B0604030504040204" pitchFamily="34" charset="-120"/>
+            </a:endParaRPr>
+          </a:p>
+        </p:txBody>
+      </p:sp>
+      <p:sp>
+        <p:nvSpPr>
+          <p:cNvPr id="39" name="TextBox 38">
+            <a:extLst>
+              <a:ext uri="{FF2B5EF4-FFF2-40B4-BE49-F238E27FC236}">
+                <a16:creationId xmlns:a16="http://schemas.microsoft.com/office/drawing/2014/main" id="{1207563B-4B9B-5948-4A2D-EEAA5D656F3F}"/>
+              </a:ext>
+            </a:extLst>
+          </p:cNvPr>
+          <p:cNvSpPr txBox="1"/>
+          <p:nvPr/>
+        </p:nvSpPr>
+        <p:spPr>
+          <a:xfrm>
+            <a:off x="2572966" y="5307714"/>
+            <a:ext cx="1091127" cy="307777"/>
+          </a:xfrm>
+          <a:prstGeom prst="rect">
+            <a:avLst/>
+          </a:prstGeom>
+          <a:noFill/>
+        </p:spPr>
+        <p:txBody>
+          <a:bodyPr wrap="square">
+            <a:spAutoFit/>
+          </a:bodyPr>
+          <a:lstStyle/>
+          <a:p>
+            <a:pPr marL="0" marR="0" lvl="0" indent="0" algn="ctr" defTabSz="914400" rtl="0" eaLnBrk="1" fontAlgn="auto" latinLnBrk="0" hangingPunct="1">
+              <a:lnSpc>
+                <a:spcPct val="100000"/>
+              </a:lnSpc>
+              <a:spcBef>
+                <a:spcPts val="0"/>
+              </a:spcBef>
+              <a:spcAft>
+                <a:spcPts val="0"/>
+              </a:spcAft>
+              <a:buClrTx/>
+              <a:buSzTx/>
+              <a:buFontTx/>
+              <a:buNone/>
+              <a:tabLst/>
+              <a:defRPr/>
+            </a:pPr>
+            <a:r>
+              <a:rPr lang="en-US" altLang="zh-TW" sz="1400" b="1" dirty="0">
+                <a:solidFill>
+                  <a:schemeClr val="accent2">
+                    <a:lumMod val="50000"/>
+                  </a:schemeClr>
+                </a:solidFill>
+                <a:effectLst/>
+                <a:latin typeface="微軟正黑體" panose="020B0604030504040204" pitchFamily="34" charset="-120"/>
+                <a:ea typeface="微軟正黑體" panose="020B0604030504040204" pitchFamily="34" charset="-120"/>
+              </a:rPr>
+              <a:t>229.99</a:t>
+            </a:r>
+          </a:p>
+        </p:txBody>
+      </p:sp>
+      <p:sp>
+        <p:nvSpPr>
+          <p:cNvPr id="40" name="TextBox 39">
+            <a:extLst>
+              <a:ext uri="{FF2B5EF4-FFF2-40B4-BE49-F238E27FC236}">
+                <a16:creationId xmlns:a16="http://schemas.microsoft.com/office/drawing/2014/main" id="{1BD35B4A-56E7-249C-6623-B93DFC44E52B}"/>
+              </a:ext>
+            </a:extLst>
+          </p:cNvPr>
+          <p:cNvSpPr txBox="1"/>
+          <p:nvPr/>
+        </p:nvSpPr>
+        <p:spPr>
+          <a:xfrm>
+            <a:off x="3800042" y="5307714"/>
+            <a:ext cx="1091127" cy="307777"/>
+          </a:xfrm>
+          <a:prstGeom prst="rect">
+            <a:avLst/>
+          </a:prstGeom>
+          <a:noFill/>
+        </p:spPr>
+        <p:txBody>
+          <a:bodyPr wrap="square">
+            <a:spAutoFit/>
+          </a:bodyPr>
+          <a:lstStyle/>
+          <a:p>
+            <a:pPr marL="0" marR="0" lvl="0" indent="0" algn="ctr" defTabSz="914400" rtl="0" eaLnBrk="1" fontAlgn="auto" latinLnBrk="0" hangingPunct="1">
+              <a:lnSpc>
+                <a:spcPct val="100000"/>
+              </a:lnSpc>
+              <a:spcBef>
+                <a:spcPts val="0"/>
+              </a:spcBef>
+              <a:spcAft>
+                <a:spcPts val="0"/>
+              </a:spcAft>
+              <a:buClrTx/>
+              <a:buSzTx/>
+              <a:buFontTx/>
+              <a:buNone/>
+              <a:tabLst/>
+              <a:defRPr/>
+            </a:pPr>
+            <a:r>
+              <a:rPr lang="en-US" altLang="zh-TW" sz="1400" b="1" dirty="0">
+                <a:solidFill>
+                  <a:schemeClr val="accent2">
+                    <a:lumMod val="50000"/>
+                  </a:schemeClr>
+                </a:solidFill>
+                <a:effectLst/>
+                <a:latin typeface="微軟正黑體" panose="020B0604030504040204" pitchFamily="34" charset="-120"/>
+                <a:ea typeface="微軟正黑體" panose="020B0604030504040204" pitchFamily="34" charset="-120"/>
+              </a:rPr>
+              <a:t>166.29</a:t>
+            </a:r>
+            <a:endParaRPr lang="zh-TW" altLang="en-US" sz="1400" b="1" dirty="0">
+              <a:solidFill>
+                <a:schemeClr val="accent2">
+                  <a:lumMod val="50000"/>
+                </a:schemeClr>
+              </a:solidFill>
+              <a:effectLst/>
+              <a:latin typeface="微軟正黑體" panose="020B0604030504040204" pitchFamily="34" charset="-120"/>
+              <a:ea typeface="微軟正黑體" panose="020B0604030504040204" pitchFamily="34" charset="-120"/>
+            </a:endParaRPr>
+          </a:p>
+        </p:txBody>
+      </p:sp>
+      <p:sp>
+        <p:nvSpPr>
+          <p:cNvPr id="41" name="TextBox 40">
+            <a:extLst>
+              <a:ext uri="{FF2B5EF4-FFF2-40B4-BE49-F238E27FC236}">
+                <a16:creationId xmlns:a16="http://schemas.microsoft.com/office/drawing/2014/main" id="{CA199BD8-5A95-FC1A-30E6-62C521F3F142}"/>
+              </a:ext>
+            </a:extLst>
+          </p:cNvPr>
+          <p:cNvSpPr txBox="1"/>
+          <p:nvPr/>
+        </p:nvSpPr>
+        <p:spPr>
+          <a:xfrm>
+            <a:off x="5024379" y="5307714"/>
+            <a:ext cx="1091127" cy="307777"/>
+          </a:xfrm>
+          <a:prstGeom prst="rect">
+            <a:avLst/>
+          </a:prstGeom>
+          <a:noFill/>
+        </p:spPr>
+        <p:txBody>
+          <a:bodyPr wrap="square">
+            <a:spAutoFit/>
+          </a:bodyPr>
+          <a:lstStyle/>
+          <a:p>
+            <a:pPr marL="0" marR="0" lvl="0" indent="0" algn="ctr" defTabSz="914400" rtl="0" eaLnBrk="1" fontAlgn="auto" latinLnBrk="0" hangingPunct="1">
+              <a:lnSpc>
+                <a:spcPct val="100000"/>
+              </a:lnSpc>
+              <a:spcBef>
+                <a:spcPts val="0"/>
+              </a:spcBef>
+              <a:spcAft>
+                <a:spcPts val="0"/>
+              </a:spcAft>
+              <a:buClrTx/>
+              <a:buSzTx/>
+              <a:buFontTx/>
+              <a:buNone/>
+              <a:tabLst/>
+              <a:defRPr/>
+            </a:pPr>
+            <a:r>
+              <a:rPr lang="en-US" altLang="zh-TW" sz="1400" b="1" dirty="0">
+                <a:solidFill>
+                  <a:schemeClr val="accent2">
+                    <a:lumMod val="50000"/>
+                  </a:schemeClr>
+                </a:solidFill>
+                <a:effectLst/>
+                <a:latin typeface="微軟正黑體" panose="020B0604030504040204" pitchFamily="34" charset="-120"/>
+                <a:ea typeface="微軟正黑體" panose="020B0604030504040204" pitchFamily="34" charset="-120"/>
+              </a:rPr>
+              <a:t>326.30</a:t>
+            </a:r>
+            <a:endParaRPr lang="zh-TW" altLang="en-US" sz="1400" b="1" dirty="0">
+              <a:solidFill>
+                <a:schemeClr val="accent2">
+                  <a:lumMod val="50000"/>
+                </a:schemeClr>
+              </a:solidFill>
+              <a:effectLst/>
+              <a:latin typeface="微軟正黑體" panose="020B0604030504040204" pitchFamily="34" charset="-120"/>
+              <a:ea typeface="微軟正黑體" panose="020B0604030504040204" pitchFamily="34" charset="-120"/>
+            </a:endParaRPr>
+          </a:p>
+        </p:txBody>
+      </p:sp>
+      <p:sp>
+        <p:nvSpPr>
+          <p:cNvPr id="42" name="TextBox 41">
+            <a:extLst>
+              <a:ext uri="{FF2B5EF4-FFF2-40B4-BE49-F238E27FC236}">
+                <a16:creationId xmlns:a16="http://schemas.microsoft.com/office/drawing/2014/main" id="{B2574FE0-3A00-1607-B870-A3EE9BBE9F52}"/>
+              </a:ext>
+            </a:extLst>
+          </p:cNvPr>
+          <p:cNvSpPr txBox="1"/>
+          <p:nvPr/>
+        </p:nvSpPr>
+        <p:spPr>
+          <a:xfrm>
+            <a:off x="6157821" y="5307714"/>
+            <a:ext cx="1091127" cy="307777"/>
+          </a:xfrm>
+          <a:prstGeom prst="rect">
+            <a:avLst/>
+          </a:prstGeom>
+          <a:noFill/>
+        </p:spPr>
+        <p:txBody>
+          <a:bodyPr wrap="square">
+            <a:spAutoFit/>
+          </a:bodyPr>
+          <a:lstStyle/>
+          <a:p>
+            <a:pPr marL="0" marR="0" lvl="0" indent="0" algn="ctr" defTabSz="914400" rtl="0" eaLnBrk="1" fontAlgn="auto" latinLnBrk="0" hangingPunct="1">
+              <a:lnSpc>
+                <a:spcPct val="100000"/>
+              </a:lnSpc>
+              <a:spcBef>
+                <a:spcPts val="0"/>
+              </a:spcBef>
+              <a:spcAft>
+                <a:spcPts val="0"/>
+              </a:spcAft>
+              <a:buClrTx/>
+              <a:buSzTx/>
+              <a:buFontTx/>
+              <a:buNone/>
+              <a:tabLst/>
+              <a:defRPr/>
+            </a:pPr>
+            <a:r>
+              <a:rPr lang="en-US" altLang="zh-TW" sz="1400" b="1" dirty="0">
+                <a:solidFill>
+                  <a:schemeClr val="accent2">
+                    <a:lumMod val="50000"/>
+                  </a:schemeClr>
+                </a:solidFill>
+                <a:effectLst/>
+                <a:latin typeface="微軟正黑體" panose="020B0604030504040204" pitchFamily="34" charset="-120"/>
+                <a:ea typeface="微軟正黑體" panose="020B0604030504040204" pitchFamily="34" charset="-120"/>
+              </a:rPr>
+              <a:t>198.28</a:t>
+            </a:r>
+            <a:endParaRPr lang="zh-TW" altLang="en-US" sz="1400" b="1" dirty="0">
+              <a:solidFill>
+                <a:schemeClr val="accent2">
+                  <a:lumMod val="50000"/>
+                </a:schemeClr>
+              </a:solidFill>
+              <a:effectLst/>
+              <a:latin typeface="微軟正黑體" panose="020B0604030504040204" pitchFamily="34" charset="-120"/>
+              <a:ea typeface="微軟正黑體" panose="020B0604030504040204" pitchFamily="34" charset="-120"/>
+            </a:endParaRPr>
+          </a:p>
+        </p:txBody>
+      </p:sp>
+      <p:sp>
+        <p:nvSpPr>
+          <p:cNvPr id="43" name="TextBox 42">
+            <a:extLst>
+              <a:ext uri="{FF2B5EF4-FFF2-40B4-BE49-F238E27FC236}">
+                <a16:creationId xmlns:a16="http://schemas.microsoft.com/office/drawing/2014/main" id="{83E9E833-85C2-E79C-327E-8EBDB755A04A}"/>
+              </a:ext>
+            </a:extLst>
+          </p:cNvPr>
+          <p:cNvSpPr txBox="1"/>
+          <p:nvPr/>
+        </p:nvSpPr>
+        <p:spPr>
+          <a:xfrm>
+            <a:off x="7260068" y="5307714"/>
+            <a:ext cx="1091127" cy="307777"/>
+          </a:xfrm>
+          <a:prstGeom prst="rect">
+            <a:avLst/>
+          </a:prstGeom>
+          <a:noFill/>
+        </p:spPr>
+        <p:txBody>
+          <a:bodyPr wrap="square">
+            <a:spAutoFit/>
+          </a:bodyPr>
+          <a:lstStyle/>
+          <a:p>
+            <a:pPr marL="0" marR="0" lvl="0" indent="0" algn="ctr" defTabSz="914400" rtl="0" eaLnBrk="1" fontAlgn="auto" latinLnBrk="0" hangingPunct="1">
+              <a:lnSpc>
+                <a:spcPct val="100000"/>
+              </a:lnSpc>
+              <a:spcBef>
+                <a:spcPts val="0"/>
+              </a:spcBef>
+              <a:spcAft>
+                <a:spcPts val="0"/>
+              </a:spcAft>
+              <a:buClrTx/>
+              <a:buSzTx/>
+              <a:buFontTx/>
+              <a:buNone/>
+              <a:tabLst/>
+              <a:defRPr/>
+            </a:pPr>
+            <a:r>
+              <a:rPr lang="en-US" altLang="zh-TW" sz="1400" b="1" dirty="0">
+                <a:solidFill>
+                  <a:schemeClr val="accent2">
+                    <a:lumMod val="50000"/>
+                  </a:schemeClr>
+                </a:solidFill>
+                <a:effectLst/>
+                <a:latin typeface="微軟正黑體" panose="020B0604030504040204" pitchFamily="34" charset="-120"/>
+                <a:ea typeface="微軟正黑體" panose="020B0604030504040204" pitchFamily="34" charset="-120"/>
+              </a:rPr>
+              <a:t>207.75</a:t>
+            </a:r>
+          </a:p>
+        </p:txBody>
+      </p:sp>
+      <p:cxnSp>
+        <p:nvCxnSpPr>
+          <p:cNvPr id="45" name="Straight Connector 44">
+            <a:extLst>
+              <a:ext uri="{FF2B5EF4-FFF2-40B4-BE49-F238E27FC236}">
+                <a16:creationId xmlns:a16="http://schemas.microsoft.com/office/drawing/2014/main" id="{2B1C207B-F263-39C4-F15E-70EB546D1CEE}"/>
+              </a:ext>
+            </a:extLst>
+          </p:cNvPr>
+          <p:cNvCxnSpPr>
+            <a:cxnSpLocks/>
+          </p:cNvCxnSpPr>
+          <p:nvPr/>
+        </p:nvCxnSpPr>
+        <p:spPr>
+          <a:xfrm>
+            <a:off x="3808379" y="4426085"/>
+            <a:ext cx="0" cy="1371600"/>
+          </a:xfrm>
+          <a:prstGeom prst="line">
+            <a:avLst/>
+          </a:prstGeom>
+          <a:ln w="28575">
+            <a:solidFill>
+              <a:schemeClr val="accent6">
+                <a:lumMod val="75000"/>
+              </a:schemeClr>
+            </a:solidFill>
+            <a:prstDash val="sysDot"/>
+          </a:ln>
+        </p:spPr>
+        <p:style>
+          <a:lnRef idx="1">
+            <a:schemeClr val="accent1"/>
+          </a:lnRef>
+          <a:fillRef idx="0">
+            <a:schemeClr val="accent1"/>
+          </a:fillRef>
+          <a:effectRef idx="0">
+            <a:schemeClr val="accent1"/>
+          </a:effectRef>
+          <a:fontRef idx="minor">
+            <a:schemeClr val="tx1"/>
+          </a:fontRef>
+        </p:style>
+      </p:cxnSp>
+      <p:cxnSp>
+        <p:nvCxnSpPr>
+          <p:cNvPr id="47" name="Straight Connector 46">
+            <a:extLst>
+              <a:ext uri="{FF2B5EF4-FFF2-40B4-BE49-F238E27FC236}">
+                <a16:creationId xmlns:a16="http://schemas.microsoft.com/office/drawing/2014/main" id="{AB621B07-B23B-551A-AD01-0577F7562320}"/>
+              </a:ext>
+            </a:extLst>
+          </p:cNvPr>
+          <p:cNvCxnSpPr>
+            <a:cxnSpLocks/>
+          </p:cNvCxnSpPr>
+          <p:nvPr/>
+        </p:nvCxnSpPr>
+        <p:spPr>
+          <a:xfrm>
+            <a:off x="7404807" y="4426085"/>
+            <a:ext cx="0" cy="1371600"/>
+          </a:xfrm>
+          <a:prstGeom prst="line">
+            <a:avLst/>
+          </a:prstGeom>
+          <a:ln w="28575">
+            <a:solidFill>
+              <a:schemeClr val="accent6">
+                <a:lumMod val="75000"/>
+              </a:schemeClr>
+            </a:solidFill>
+            <a:prstDash val="sysDot"/>
+          </a:ln>
+        </p:spPr>
+        <p:style>
+          <a:lnRef idx="1">
+            <a:schemeClr val="accent1"/>
+          </a:lnRef>
+          <a:fillRef idx="0">
+            <a:schemeClr val="accent1"/>
+          </a:fillRef>
+          <a:effectRef idx="0">
+            <a:schemeClr val="accent1"/>
+          </a:effectRef>
+          <a:fontRef idx="minor">
+            <a:schemeClr val="tx1"/>
+          </a:fontRef>
+        </p:style>
+      </p:cxnSp>
+      <p:graphicFrame>
+        <p:nvGraphicFramePr>
+          <p:cNvPr id="50" name="Table 49">
+            <a:extLst>
+              <a:ext uri="{FF2B5EF4-FFF2-40B4-BE49-F238E27FC236}">
+                <a16:creationId xmlns:a16="http://schemas.microsoft.com/office/drawing/2014/main" id="{F6338136-DDA8-4858-10C1-77F1D78EE463}"/>
+              </a:ext>
+            </a:extLst>
+          </p:cNvPr>
+          <p:cNvGraphicFramePr>
+            <a:graphicFrameLocks noGrp="1"/>
+          </p:cNvGraphicFramePr>
+          <p:nvPr>
+            <p:extLst>
+              <p:ext uri="{D42A27DB-BD31-4B8C-83A1-F6EECF244321}">
+                <p14:modId xmlns:p14="http://schemas.microsoft.com/office/powerpoint/2010/main" val="3466514246"/>
+              </p:ext>
+            </p:extLst>
+          </p:nvPr>
+        </p:nvGraphicFramePr>
+        <p:xfrm>
+          <a:off x="670322" y="1408874"/>
+          <a:ext cx="8604948" cy="2898927"/>
+        </p:xfrm>
+        <a:graphic>
+          <a:graphicData uri="http://schemas.openxmlformats.org/drawingml/2006/table">
+            <a:tbl>
+              <a:tblPr firstRow="1" bandRow="1">
+                <a:tableStyleId>{F2DE63D5-997A-4646-A377-4702673A728D}</a:tableStyleId>
+              </a:tblPr>
+              <a:tblGrid>
+                <a:gridCol w="1562291">
+                  <a:extLst>
+                    <a:ext uri="{9D8B030D-6E8A-4147-A177-3AD203B41FA5}">
+                      <a16:colId xmlns:a16="http://schemas.microsoft.com/office/drawing/2014/main" val="215621004"/>
+                    </a:ext>
+                  </a:extLst>
+                </a:gridCol>
+                <a:gridCol w="1779778">
+                  <a:extLst>
+                    <a:ext uri="{9D8B030D-6E8A-4147-A177-3AD203B41FA5}">
+                      <a16:colId xmlns:a16="http://schemas.microsoft.com/office/drawing/2014/main" val="3266484332"/>
+                    </a:ext>
+                  </a:extLst>
+                </a:gridCol>
+                <a:gridCol w="1639379">
+                  <a:extLst>
+                    <a:ext uri="{9D8B030D-6E8A-4147-A177-3AD203B41FA5}">
+                      <a16:colId xmlns:a16="http://schemas.microsoft.com/office/drawing/2014/main" val="2091498931"/>
+                    </a:ext>
+                  </a:extLst>
+                </a:gridCol>
+                <a:gridCol w="1414272">
+                  <a:extLst>
+                    <a:ext uri="{9D8B030D-6E8A-4147-A177-3AD203B41FA5}">
+                      <a16:colId xmlns:a16="http://schemas.microsoft.com/office/drawing/2014/main" val="492468603"/>
+                    </a:ext>
+                  </a:extLst>
+                </a:gridCol>
+                <a:gridCol w="1129411">
+                  <a:extLst>
+                    <a:ext uri="{9D8B030D-6E8A-4147-A177-3AD203B41FA5}">
+                      <a16:colId xmlns:a16="http://schemas.microsoft.com/office/drawing/2014/main" val="3828321080"/>
+                    </a:ext>
+                  </a:extLst>
+                </a:gridCol>
+                <a:gridCol w="1079817">
+                  <a:extLst>
+                    <a:ext uri="{9D8B030D-6E8A-4147-A177-3AD203B41FA5}">
+                      <a16:colId xmlns:a16="http://schemas.microsoft.com/office/drawing/2014/main" val="2190918721"/>
+                    </a:ext>
+                  </a:extLst>
+                </a:gridCol>
+              </a:tblGrid>
+              <a:tr h="142953">
+                <a:tc>
+                  <a:txBody>
+                    <a:bodyPr/>
+                    <a:lstStyle/>
+                    <a:p>
+                      <a:pPr algn="ctr"/>
+                      <a:r>
+                        <a:rPr lang="en-GB" sz="1600" b="1" dirty="0" err="1">
+                          <a:solidFill>
+                            <a:schemeClr val="tx1">
+                              <a:lumMod val="75000"/>
+                              <a:lumOff val="25000"/>
+                            </a:schemeClr>
+                          </a:solidFill>
+                          <a:latin typeface="微軟正黑體" panose="020B0604030504040204" pitchFamily="34" charset="-120"/>
+                          <a:ea typeface="微軟正黑體" panose="020B0604030504040204" pitchFamily="34" charset="-120"/>
+                        </a:rPr>
+                        <a:t>SubRouteUID</a:t>
+                      </a:r>
+                      <a:endParaRPr lang="en-GB" sz="1600" b="1" dirty="0">
+                        <a:solidFill>
+                          <a:schemeClr val="tx1">
+                            <a:lumMod val="75000"/>
+                            <a:lumOff val="25000"/>
+                          </a:schemeClr>
+                        </a:solidFill>
+                        <a:latin typeface="微軟正黑體" panose="020B0604030504040204" pitchFamily="34" charset="-120"/>
+                        <a:ea typeface="微軟正黑體" panose="020B0604030504040204" pitchFamily="34" charset="-120"/>
+                      </a:endParaRPr>
+                    </a:p>
+                  </a:txBody>
+                  <a:tcPr/>
+                </a:tc>
+                <a:tc>
+                  <a:txBody>
+                    <a:bodyPr/>
+                    <a:lstStyle/>
+                    <a:p>
+                      <a:pPr algn="ctr"/>
+                      <a:r>
+                        <a:rPr lang="en-GB" sz="1600" b="1" dirty="0" err="1">
+                          <a:solidFill>
+                            <a:schemeClr val="tx1">
+                              <a:lumMod val="75000"/>
+                              <a:lumOff val="25000"/>
+                            </a:schemeClr>
+                          </a:solidFill>
+                          <a:latin typeface="微軟正黑體" panose="020B0604030504040204" pitchFamily="34" charset="-120"/>
+                          <a:ea typeface="微軟正黑體" panose="020B0604030504040204" pitchFamily="34" charset="-120"/>
+                        </a:rPr>
+                        <a:t>SubRouteName</a:t>
+                      </a:r>
+                      <a:endParaRPr lang="en-GB" sz="1600" b="1" dirty="0">
+                        <a:solidFill>
+                          <a:schemeClr val="tx1">
+                            <a:lumMod val="75000"/>
+                            <a:lumOff val="25000"/>
+                          </a:schemeClr>
+                        </a:solidFill>
+                        <a:latin typeface="微軟正黑體" panose="020B0604030504040204" pitchFamily="34" charset="-120"/>
+                        <a:ea typeface="微軟正黑體" panose="020B0604030504040204" pitchFamily="34" charset="-120"/>
+                      </a:endParaRPr>
+                    </a:p>
+                  </a:txBody>
+                  <a:tcPr/>
+                </a:tc>
+                <a:tc>
+                  <a:txBody>
+                    <a:bodyPr/>
+                    <a:lstStyle/>
+                    <a:p>
+                      <a:pPr algn="ctr"/>
+                      <a:r>
+                        <a:rPr lang="en-GB" sz="1600" b="1" dirty="0">
+                          <a:solidFill>
+                            <a:schemeClr val="tx1">
+                              <a:lumMod val="75000"/>
+                              <a:lumOff val="25000"/>
+                            </a:schemeClr>
+                          </a:solidFill>
+                          <a:latin typeface="微軟正黑體" panose="020B0604030504040204" pitchFamily="34" charset="-120"/>
+                          <a:ea typeface="微軟正黑體" panose="020B0604030504040204" pitchFamily="34" charset="-120"/>
+                        </a:rPr>
+                        <a:t>Stop</a:t>
+                      </a:r>
+                      <a:r>
+                        <a:rPr lang="en-US" altLang="zh-TW" sz="1600" b="1" dirty="0">
+                          <a:solidFill>
+                            <a:schemeClr val="tx1">
+                              <a:lumMod val="75000"/>
+                              <a:lumOff val="25000"/>
+                            </a:schemeClr>
+                          </a:solidFill>
+                          <a:latin typeface="微軟正黑體" panose="020B0604030504040204" pitchFamily="34" charset="-120"/>
+                          <a:ea typeface="微軟正黑體" panose="020B0604030504040204" pitchFamily="34" charset="-120"/>
+                        </a:rPr>
+                        <a:t>Sequence</a:t>
+                      </a:r>
+                      <a:endParaRPr lang="en-GB" sz="1600" b="1" dirty="0">
+                        <a:solidFill>
+                          <a:schemeClr val="tx1">
+                            <a:lumMod val="75000"/>
+                            <a:lumOff val="25000"/>
+                          </a:schemeClr>
+                        </a:solidFill>
+                        <a:latin typeface="微軟正黑體" panose="020B0604030504040204" pitchFamily="34" charset="-120"/>
+                        <a:ea typeface="微軟正黑體" panose="020B0604030504040204" pitchFamily="34" charset="-120"/>
+                      </a:endParaRPr>
+                    </a:p>
+                  </a:txBody>
+                  <a:tcPr/>
+                </a:tc>
+                <a:tc>
+                  <a:txBody>
+                    <a:bodyPr/>
+                    <a:lstStyle/>
+                    <a:p>
+                      <a:pPr algn="ctr"/>
+                      <a:r>
+                        <a:rPr lang="en-GB" sz="1600" b="1" dirty="0" err="1">
+                          <a:solidFill>
+                            <a:schemeClr val="tx1">
+                              <a:lumMod val="75000"/>
+                              <a:lumOff val="25000"/>
+                            </a:schemeClr>
+                          </a:solidFill>
+                          <a:latin typeface="微軟正黑體" panose="020B0604030504040204" pitchFamily="34" charset="-120"/>
+                          <a:ea typeface="微軟正黑體" panose="020B0604030504040204" pitchFamily="34" charset="-120"/>
+                        </a:rPr>
+                        <a:t>FromStopID</a:t>
+                      </a:r>
+                      <a:endParaRPr lang="en-GB" sz="1600" b="1" dirty="0">
+                        <a:solidFill>
+                          <a:schemeClr val="tx1">
+                            <a:lumMod val="75000"/>
+                            <a:lumOff val="25000"/>
+                          </a:schemeClr>
+                        </a:solidFill>
+                        <a:latin typeface="微軟正黑體" panose="020B0604030504040204" pitchFamily="34" charset="-120"/>
+                        <a:ea typeface="微軟正黑體" panose="020B0604030504040204" pitchFamily="34" charset="-120"/>
+                      </a:endParaRPr>
+                    </a:p>
+                  </a:txBody>
+                  <a:tcPr/>
+                </a:tc>
+                <a:tc>
+                  <a:txBody>
+                    <a:bodyPr/>
+                    <a:lstStyle/>
+                    <a:p>
+                      <a:pPr algn="ctr"/>
+                      <a:r>
+                        <a:rPr lang="en-GB" sz="1600" b="1" dirty="0" err="1">
+                          <a:solidFill>
+                            <a:schemeClr val="tx1">
+                              <a:lumMod val="75000"/>
+                              <a:lumOff val="25000"/>
+                            </a:schemeClr>
+                          </a:solidFill>
+                          <a:latin typeface="微軟正黑體" panose="020B0604030504040204" pitchFamily="34" charset="-120"/>
+                          <a:ea typeface="微軟正黑體" panose="020B0604030504040204" pitchFamily="34" charset="-120"/>
+                        </a:rPr>
+                        <a:t>ToStopID</a:t>
+                      </a:r>
+                      <a:endParaRPr lang="en-GB" sz="1600" b="1" dirty="0">
+                        <a:solidFill>
+                          <a:schemeClr val="tx1">
+                            <a:lumMod val="75000"/>
+                            <a:lumOff val="25000"/>
+                          </a:schemeClr>
+                        </a:solidFill>
+                        <a:latin typeface="微軟正黑體" panose="020B0604030504040204" pitchFamily="34" charset="-120"/>
+                        <a:ea typeface="微軟正黑體" panose="020B0604030504040204" pitchFamily="34" charset="-120"/>
+                      </a:endParaRPr>
+                    </a:p>
+                  </a:txBody>
+                  <a:tcPr/>
+                </a:tc>
+                <a:tc>
+                  <a:txBody>
+                    <a:bodyPr/>
+                    <a:lstStyle/>
+                    <a:p>
+                      <a:pPr algn="ctr"/>
+                      <a:r>
+                        <a:rPr lang="en-GB" sz="1600" b="1" dirty="0">
+                          <a:solidFill>
+                            <a:schemeClr val="tx1">
+                              <a:lumMod val="75000"/>
+                              <a:lumOff val="25000"/>
+                            </a:schemeClr>
+                          </a:solidFill>
+                          <a:latin typeface="微軟正黑體" panose="020B0604030504040204" pitchFamily="34" charset="-120"/>
+                          <a:ea typeface="微軟正黑體" panose="020B0604030504040204" pitchFamily="34" charset="-120"/>
+                        </a:rPr>
+                        <a:t>Distance</a:t>
+                      </a:r>
+                    </a:p>
+                  </a:txBody>
+                  <a:tcPr/>
+                </a:tc>
+                <a:extLst>
+                  <a:ext uri="{0D108BD9-81ED-4DB2-BD59-A6C34878D82A}">
+                    <a16:rowId xmlns:a16="http://schemas.microsoft.com/office/drawing/2014/main" val="4029195354"/>
+                  </a:ext>
+                </a:extLst>
+              </a:tr>
+              <a:tr h="338607">
+                <a:tc>
+                  <a:txBody>
+                    <a:bodyPr/>
+                    <a:lstStyle/>
+                    <a:p>
+                      <a:pPr algn="ctr"/>
+                      <a:r>
+                        <a:rPr lang="en-GB" sz="1600" dirty="0">
+                          <a:effectLst/>
+                          <a:latin typeface="微軟正黑體" panose="020B0604030504040204" pitchFamily="34" charset="-120"/>
+                          <a:ea typeface="微軟正黑體" panose="020B0604030504040204" pitchFamily="34" charset="-120"/>
+                        </a:rPr>
+                        <a:t>HSZ000701</a:t>
+                      </a:r>
+                    </a:p>
+                  </a:txBody>
+                  <a:tcPr marL="45720" marR="45720" marT="15240" marB="15240" anchor="ctr"/>
+                </a:tc>
+                <a:tc>
+                  <a:txBody>
+                    <a:bodyPr/>
+                    <a:lstStyle/>
+                    <a:p>
+                      <a:pPr algn="ctr"/>
+                      <a:r>
+                        <a:rPr lang="en-US" altLang="zh-TW" sz="1600" dirty="0">
+                          <a:effectLst/>
+                          <a:latin typeface="微軟正黑體" panose="020B0604030504040204" pitchFamily="34" charset="-120"/>
+                          <a:ea typeface="微軟正黑體" panose="020B0604030504040204" pitchFamily="34" charset="-120"/>
+                        </a:rPr>
+                        <a:t>81</a:t>
+                      </a:r>
+                    </a:p>
+                  </a:txBody>
+                  <a:tcPr marL="45720" marR="45720" marT="15240" marB="15240" anchor="ctr"/>
+                </a:tc>
+                <a:tc>
+                  <a:txBody>
+                    <a:bodyPr/>
+                    <a:lstStyle/>
+                    <a:p>
+                      <a:pPr algn="ctr"/>
+                      <a:r>
+                        <a:rPr lang="en-US" altLang="zh-TW" sz="1600" dirty="0">
+                          <a:effectLst/>
+                          <a:latin typeface="微軟正黑體" panose="020B0604030504040204" pitchFamily="34" charset="-120"/>
+                          <a:ea typeface="微軟正黑體" panose="020B0604030504040204" pitchFamily="34" charset="-120"/>
+                        </a:rPr>
+                        <a:t>1</a:t>
+                      </a:r>
+                      <a:endParaRPr lang="zh-TW" altLang="en-US" sz="1600" dirty="0">
+                        <a:effectLst/>
+                        <a:latin typeface="微軟正黑體" panose="020B0604030504040204" pitchFamily="34" charset="-120"/>
+                        <a:ea typeface="微軟正黑體" panose="020B0604030504040204" pitchFamily="34" charset="-120"/>
+                      </a:endParaRPr>
+                    </a:p>
+                  </a:txBody>
+                  <a:tcPr marL="45720" marR="45720" marT="15240" marB="15240" anchor="ctr"/>
+                </a:tc>
+                <a:tc>
+                  <a:txBody>
+                    <a:bodyPr/>
+                    <a:lstStyle/>
+                    <a:p>
+                      <a:pPr marL="0" marR="0" lvl="0" indent="0" algn="ctr" defTabSz="914400" rtl="0" eaLnBrk="1" fontAlgn="auto" latinLnBrk="0" hangingPunct="1">
+                        <a:lnSpc>
+                          <a:spcPct val="100000"/>
+                        </a:lnSpc>
+                        <a:spcBef>
+                          <a:spcPts val="0"/>
+                        </a:spcBef>
+                        <a:spcAft>
+                          <a:spcPts val="0"/>
+                        </a:spcAft>
+                        <a:buClrTx/>
+                        <a:buSzTx/>
+                        <a:buFontTx/>
+                        <a:buNone/>
+                        <a:tabLst/>
+                        <a:defRPr/>
+                      </a:pPr>
+                      <a:r>
+                        <a:rPr lang="en-US" altLang="zh-TW" sz="1600" dirty="0">
+                          <a:effectLst/>
+                          <a:latin typeface="微軟正黑體" panose="020B0604030504040204" pitchFamily="34" charset="-120"/>
+                          <a:ea typeface="微軟正黑體" panose="020B0604030504040204" pitchFamily="34" charset="-120"/>
+                        </a:rPr>
+                        <a:t>NA</a:t>
+                      </a:r>
+                      <a:endParaRPr lang="zh-TW" altLang="en-US" sz="1600" dirty="0">
+                        <a:effectLst/>
+                        <a:latin typeface="微軟正黑體" panose="020B0604030504040204" pitchFamily="34" charset="-120"/>
+                        <a:ea typeface="微軟正黑體" panose="020B0604030504040204" pitchFamily="34" charset="-120"/>
+                      </a:endParaRPr>
+                    </a:p>
+                  </a:txBody>
+                  <a:tcPr marL="45720" marR="45720" marT="15240" marB="15240" anchor="ctr"/>
+                </a:tc>
+                <a:tc>
+                  <a:txBody>
+                    <a:bodyPr/>
+                    <a:lstStyle/>
+                    <a:p>
+                      <a:pPr algn="ctr"/>
+                      <a:r>
+                        <a:rPr lang="en-US" altLang="zh-TW" sz="1600" dirty="0">
+                          <a:effectLst/>
+                          <a:latin typeface="微軟正黑體" panose="020B0604030504040204" pitchFamily="34" charset="-120"/>
+                          <a:ea typeface="微軟正黑體" panose="020B0604030504040204" pitchFamily="34" charset="-120"/>
+                        </a:rPr>
+                        <a:t>303809</a:t>
+                      </a:r>
+                      <a:endParaRPr lang="zh-TW" altLang="en-US" sz="1600" dirty="0">
+                        <a:effectLst/>
+                        <a:latin typeface="微軟正黑體" panose="020B0604030504040204" pitchFamily="34" charset="-120"/>
+                        <a:ea typeface="微軟正黑體" panose="020B0604030504040204" pitchFamily="34" charset="-120"/>
+                      </a:endParaRPr>
+                    </a:p>
+                  </a:txBody>
+                  <a:tcPr marL="45720" marR="45720" marT="15240" marB="15240" anchor="ctr"/>
+                </a:tc>
+                <a:tc>
+                  <a:txBody>
+                    <a:bodyPr/>
+                    <a:lstStyle/>
+                    <a:p>
+                      <a:pPr algn="ctr"/>
+                      <a:r>
+                        <a:rPr lang="en-US" altLang="zh-TW" sz="1600" dirty="0">
+                          <a:effectLst/>
+                          <a:latin typeface="微軟正黑體" panose="020B0604030504040204" pitchFamily="34" charset="-120"/>
+                          <a:ea typeface="微軟正黑體" panose="020B0604030504040204" pitchFamily="34" charset="-120"/>
+                        </a:rPr>
+                        <a:t>NA</a:t>
+                      </a:r>
+                      <a:endParaRPr lang="zh-TW" altLang="en-US" sz="1600" dirty="0">
+                        <a:effectLst/>
+                        <a:latin typeface="微軟正黑體" panose="020B0604030504040204" pitchFamily="34" charset="-120"/>
+                        <a:ea typeface="微軟正黑體" panose="020B0604030504040204" pitchFamily="34" charset="-120"/>
+                      </a:endParaRPr>
+                    </a:p>
+                  </a:txBody>
+                  <a:tcPr marL="45720" marR="45720" marT="15240" marB="15240" anchor="ctr"/>
+                </a:tc>
+                <a:extLst>
+                  <a:ext uri="{0D108BD9-81ED-4DB2-BD59-A6C34878D82A}">
+                    <a16:rowId xmlns:a16="http://schemas.microsoft.com/office/drawing/2014/main" val="285409200"/>
+                  </a:ext>
+                </a:extLst>
+              </a:tr>
+              <a:tr h="370840">
+                <a:tc>
+                  <a:txBody>
+                    <a:bodyPr/>
+                    <a:lstStyle/>
+                    <a:p>
+                      <a:pPr algn="ctr"/>
+                      <a:r>
+                        <a:rPr lang="en-GB" sz="1600" dirty="0">
+                          <a:effectLst/>
+                          <a:latin typeface="微軟正黑體" panose="020B0604030504040204" pitchFamily="34" charset="-120"/>
+                          <a:ea typeface="微軟正黑體" panose="020B0604030504040204" pitchFamily="34" charset="-120"/>
+                        </a:rPr>
+                        <a:t>HSZ000701</a:t>
+                      </a:r>
+                    </a:p>
+                  </a:txBody>
+                  <a:tcPr marL="45720" marR="45720" marT="15240" marB="15240" anchor="ctr"/>
+                </a:tc>
+                <a:tc>
+                  <a:txBody>
+                    <a:bodyPr/>
+                    <a:lstStyle/>
+                    <a:p>
+                      <a:pPr algn="ctr"/>
+                      <a:r>
+                        <a:rPr lang="en-US" altLang="zh-TW" sz="1600" dirty="0">
+                          <a:effectLst/>
+                          <a:latin typeface="微軟正黑體" panose="020B0604030504040204" pitchFamily="34" charset="-120"/>
+                          <a:ea typeface="微軟正黑體" panose="020B0604030504040204" pitchFamily="34" charset="-120"/>
+                        </a:rPr>
+                        <a:t>81</a:t>
+                      </a:r>
+                    </a:p>
+                  </a:txBody>
+                  <a:tcPr marL="45720" marR="45720" marT="15240" marB="15240" anchor="ctr"/>
+                </a:tc>
+                <a:tc>
+                  <a:txBody>
+                    <a:bodyPr/>
+                    <a:lstStyle/>
+                    <a:p>
+                      <a:pPr algn="ctr"/>
+                      <a:r>
+                        <a:rPr lang="en-US" altLang="zh-TW" sz="1600" dirty="0">
+                          <a:effectLst/>
+                          <a:latin typeface="微軟正黑體" panose="020B0604030504040204" pitchFamily="34" charset="-120"/>
+                          <a:ea typeface="微軟正黑體" panose="020B0604030504040204" pitchFamily="34" charset="-120"/>
+                        </a:rPr>
+                        <a:t>2</a:t>
+                      </a:r>
+                      <a:endParaRPr lang="zh-TW" altLang="en-US" sz="1600" dirty="0">
+                        <a:effectLst/>
+                        <a:latin typeface="微軟正黑體" panose="020B0604030504040204" pitchFamily="34" charset="-120"/>
+                        <a:ea typeface="微軟正黑體" panose="020B0604030504040204" pitchFamily="34" charset="-120"/>
+                      </a:endParaRPr>
+                    </a:p>
+                  </a:txBody>
+                  <a:tcPr marL="45720" marR="45720" marT="15240" marB="15240" anchor="ctr"/>
+                </a:tc>
+                <a:tc>
+                  <a:txBody>
+                    <a:bodyPr/>
+                    <a:lstStyle/>
+                    <a:p>
+                      <a:pPr marL="0" marR="0" lvl="0" indent="0" algn="ctr" defTabSz="914400" rtl="0" eaLnBrk="1" fontAlgn="auto" latinLnBrk="0" hangingPunct="1">
+                        <a:lnSpc>
+                          <a:spcPct val="100000"/>
+                        </a:lnSpc>
+                        <a:spcBef>
+                          <a:spcPts val="0"/>
+                        </a:spcBef>
+                        <a:spcAft>
+                          <a:spcPts val="0"/>
+                        </a:spcAft>
+                        <a:buClrTx/>
+                        <a:buSzTx/>
+                        <a:buFontTx/>
+                        <a:buNone/>
+                        <a:tabLst/>
+                        <a:defRPr/>
+                      </a:pPr>
+                      <a:r>
+                        <a:rPr lang="en-US" altLang="zh-TW" sz="1600" dirty="0">
+                          <a:effectLst/>
+                          <a:latin typeface="微軟正黑體" panose="020B0604030504040204" pitchFamily="34" charset="-120"/>
+                          <a:ea typeface="微軟正黑體" panose="020B0604030504040204" pitchFamily="34" charset="-120"/>
+                        </a:rPr>
+                        <a:t>303809</a:t>
+                      </a:r>
+                    </a:p>
+                  </a:txBody>
+                  <a:tcPr marL="45720" marR="45720" marT="15240" marB="15240" anchor="ctr"/>
+                </a:tc>
+                <a:tc>
+                  <a:txBody>
+                    <a:bodyPr/>
+                    <a:lstStyle/>
+                    <a:p>
+                      <a:pPr marL="0" marR="0" lvl="0" indent="0" algn="ctr" defTabSz="914400" rtl="0" eaLnBrk="1" fontAlgn="auto" latinLnBrk="0" hangingPunct="1">
+                        <a:lnSpc>
+                          <a:spcPct val="100000"/>
+                        </a:lnSpc>
+                        <a:spcBef>
+                          <a:spcPts val="0"/>
+                        </a:spcBef>
+                        <a:spcAft>
+                          <a:spcPts val="0"/>
+                        </a:spcAft>
+                        <a:buClrTx/>
+                        <a:buSzTx/>
+                        <a:buFontTx/>
+                        <a:buNone/>
+                        <a:tabLst/>
+                        <a:defRPr/>
+                      </a:pPr>
+                      <a:r>
+                        <a:rPr lang="en-US" altLang="zh-TW" sz="1600" dirty="0">
+                          <a:effectLst/>
+                          <a:latin typeface="微軟正黑體" panose="020B0604030504040204" pitchFamily="34" charset="-120"/>
+                          <a:ea typeface="微軟正黑體" panose="020B0604030504040204" pitchFamily="34" charset="-120"/>
+                        </a:rPr>
+                        <a:t>303810</a:t>
+                      </a:r>
+                      <a:endParaRPr lang="zh-TW" altLang="en-US" sz="1600" dirty="0">
+                        <a:effectLst/>
+                        <a:latin typeface="微軟正黑體" panose="020B0604030504040204" pitchFamily="34" charset="-120"/>
+                        <a:ea typeface="微軟正黑體" panose="020B0604030504040204" pitchFamily="34" charset="-120"/>
+                      </a:endParaRPr>
+                    </a:p>
+                  </a:txBody>
+                  <a:tcPr marL="45720" marR="45720" marT="15240" marB="15240" anchor="ctr"/>
+                </a:tc>
+                <a:tc>
+                  <a:txBody>
+                    <a:bodyPr/>
+                    <a:lstStyle/>
+                    <a:p>
+                      <a:pPr marL="0" marR="0" lvl="0" indent="0" algn="ctr" defTabSz="914400" rtl="0" eaLnBrk="1" fontAlgn="auto" latinLnBrk="0" hangingPunct="1">
+                        <a:lnSpc>
+                          <a:spcPct val="100000"/>
+                        </a:lnSpc>
+                        <a:spcBef>
+                          <a:spcPts val="0"/>
+                        </a:spcBef>
+                        <a:spcAft>
+                          <a:spcPts val="0"/>
+                        </a:spcAft>
+                        <a:buClrTx/>
+                        <a:buSzTx/>
+                        <a:buFontTx/>
+                        <a:buNone/>
+                        <a:tabLst/>
+                        <a:defRPr/>
+                      </a:pPr>
+                      <a:r>
+                        <a:rPr lang="en-US" altLang="zh-TW" sz="1600" dirty="0">
+                          <a:effectLst/>
+                          <a:latin typeface="微軟正黑體" panose="020B0604030504040204" pitchFamily="34" charset="-120"/>
+                          <a:ea typeface="微軟正黑體" panose="020B0604030504040204" pitchFamily="34" charset="-120"/>
+                        </a:rPr>
+                        <a:t>197.70</a:t>
+                      </a:r>
+                      <a:endParaRPr lang="zh-TW" altLang="en-US" sz="1600" dirty="0">
+                        <a:effectLst/>
+                        <a:latin typeface="微軟正黑體" panose="020B0604030504040204" pitchFamily="34" charset="-120"/>
+                        <a:ea typeface="微軟正黑體" panose="020B0604030504040204" pitchFamily="34" charset="-120"/>
+                      </a:endParaRPr>
+                    </a:p>
+                  </a:txBody>
+                  <a:tcPr marL="45720" marR="45720" marT="15240" marB="15240" anchor="ctr"/>
+                </a:tc>
+                <a:extLst>
+                  <a:ext uri="{0D108BD9-81ED-4DB2-BD59-A6C34878D82A}">
+                    <a16:rowId xmlns:a16="http://schemas.microsoft.com/office/drawing/2014/main" val="485301842"/>
+                  </a:ext>
+                </a:extLst>
+              </a:tr>
+              <a:tr h="370840">
+                <a:tc>
+                  <a:txBody>
+                    <a:bodyPr/>
+                    <a:lstStyle/>
+                    <a:p>
+                      <a:pPr algn="ctr"/>
+                      <a:r>
+                        <a:rPr lang="en-GB" sz="1600" dirty="0">
+                          <a:effectLst/>
+                          <a:latin typeface="微軟正黑體" panose="020B0604030504040204" pitchFamily="34" charset="-120"/>
+                          <a:ea typeface="微軟正黑體" panose="020B0604030504040204" pitchFamily="34" charset="-120"/>
+                        </a:rPr>
+                        <a:t>HSZ000701</a:t>
+                      </a:r>
+                    </a:p>
+                  </a:txBody>
+                  <a:tcPr marL="45720" marR="45720" marT="15240" marB="15240" anchor="ctr"/>
+                </a:tc>
+                <a:tc>
+                  <a:txBody>
+                    <a:bodyPr/>
+                    <a:lstStyle/>
+                    <a:p>
+                      <a:pPr algn="ctr"/>
+                      <a:r>
+                        <a:rPr lang="en-US" altLang="zh-TW" sz="1600" dirty="0">
+                          <a:effectLst/>
+                          <a:latin typeface="微軟正黑體" panose="020B0604030504040204" pitchFamily="34" charset="-120"/>
+                          <a:ea typeface="微軟正黑體" panose="020B0604030504040204" pitchFamily="34" charset="-120"/>
+                        </a:rPr>
+                        <a:t>81</a:t>
+                      </a:r>
+                    </a:p>
+                  </a:txBody>
+                  <a:tcPr marL="45720" marR="45720" marT="15240" marB="15240" anchor="ctr"/>
+                </a:tc>
+                <a:tc>
+                  <a:txBody>
+                    <a:bodyPr/>
+                    <a:lstStyle/>
+                    <a:p>
+                      <a:pPr algn="ctr"/>
+                      <a:r>
+                        <a:rPr lang="en-US" altLang="zh-TW" sz="1600" dirty="0">
+                          <a:effectLst/>
+                          <a:latin typeface="微軟正黑體" panose="020B0604030504040204" pitchFamily="34" charset="-120"/>
+                          <a:ea typeface="微軟正黑體" panose="020B0604030504040204" pitchFamily="34" charset="-120"/>
+                        </a:rPr>
+                        <a:t>3</a:t>
+                      </a:r>
+                      <a:endParaRPr lang="zh-TW" altLang="en-US" sz="1600" dirty="0">
+                        <a:effectLst/>
+                        <a:latin typeface="微軟正黑體" panose="020B0604030504040204" pitchFamily="34" charset="-120"/>
+                        <a:ea typeface="微軟正黑體" panose="020B0604030504040204" pitchFamily="34" charset="-120"/>
+                      </a:endParaRPr>
+                    </a:p>
+                  </a:txBody>
+                  <a:tcPr marL="45720" marR="45720" marT="15240" marB="15240" anchor="ctr"/>
+                </a:tc>
+                <a:tc>
+                  <a:txBody>
+                    <a:bodyPr/>
+                    <a:lstStyle/>
+                    <a:p>
+                      <a:pPr marL="0" marR="0" lvl="0" indent="0" algn="ctr" defTabSz="914400" rtl="0" eaLnBrk="1" fontAlgn="auto" latinLnBrk="0" hangingPunct="1">
+                        <a:lnSpc>
+                          <a:spcPct val="100000"/>
+                        </a:lnSpc>
+                        <a:spcBef>
+                          <a:spcPts val="0"/>
+                        </a:spcBef>
+                        <a:spcAft>
+                          <a:spcPts val="0"/>
+                        </a:spcAft>
+                        <a:buClrTx/>
+                        <a:buSzTx/>
+                        <a:buFontTx/>
+                        <a:buNone/>
+                        <a:tabLst/>
+                        <a:defRPr/>
+                      </a:pPr>
+                      <a:r>
+                        <a:rPr lang="en-US" altLang="zh-TW" sz="1600" dirty="0">
+                          <a:effectLst/>
+                          <a:latin typeface="微軟正黑體" panose="020B0604030504040204" pitchFamily="34" charset="-120"/>
+                          <a:ea typeface="微軟正黑體" panose="020B0604030504040204" pitchFamily="34" charset="-120"/>
+                        </a:rPr>
+                        <a:t>303810</a:t>
+                      </a:r>
+                      <a:endParaRPr lang="zh-TW" altLang="en-US" sz="1600" dirty="0">
+                        <a:effectLst/>
+                        <a:latin typeface="微軟正黑體" panose="020B0604030504040204" pitchFamily="34" charset="-120"/>
+                        <a:ea typeface="微軟正黑體" panose="020B0604030504040204" pitchFamily="34" charset="-120"/>
+                      </a:endParaRPr>
+                    </a:p>
+                  </a:txBody>
+                  <a:tcPr marL="45720" marR="45720" marT="15240" marB="15240" anchor="ctr"/>
+                </a:tc>
+                <a:tc>
+                  <a:txBody>
+                    <a:bodyPr/>
+                    <a:lstStyle/>
+                    <a:p>
+                      <a:pPr marL="0" marR="0" lvl="0" indent="0" algn="ctr" defTabSz="914400" rtl="0" eaLnBrk="1" fontAlgn="auto" latinLnBrk="0" hangingPunct="1">
+                        <a:lnSpc>
+                          <a:spcPct val="100000"/>
+                        </a:lnSpc>
+                        <a:spcBef>
+                          <a:spcPts val="0"/>
+                        </a:spcBef>
+                        <a:spcAft>
+                          <a:spcPts val="0"/>
+                        </a:spcAft>
+                        <a:buClrTx/>
+                        <a:buSzTx/>
+                        <a:buFontTx/>
+                        <a:buNone/>
+                        <a:tabLst/>
+                        <a:defRPr/>
+                      </a:pPr>
+                      <a:r>
+                        <a:rPr lang="en-US" altLang="zh-TW" sz="1600" dirty="0">
+                          <a:effectLst/>
+                          <a:latin typeface="微軟正黑體" panose="020B0604030504040204" pitchFamily="34" charset="-120"/>
+                          <a:ea typeface="微軟正黑體" panose="020B0604030504040204" pitchFamily="34" charset="-120"/>
+                        </a:rPr>
+                        <a:t>303811</a:t>
+                      </a:r>
+                      <a:endParaRPr lang="zh-TW" altLang="en-US" sz="1600" dirty="0">
+                        <a:effectLst/>
+                        <a:latin typeface="微軟正黑體" panose="020B0604030504040204" pitchFamily="34" charset="-120"/>
+                        <a:ea typeface="微軟正黑體" panose="020B0604030504040204" pitchFamily="34" charset="-120"/>
+                      </a:endParaRPr>
+                    </a:p>
+                  </a:txBody>
+                  <a:tcPr marL="45720" marR="45720" marT="15240" marB="15240" anchor="ctr"/>
+                </a:tc>
+                <a:tc>
+                  <a:txBody>
+                    <a:bodyPr/>
+                    <a:lstStyle/>
+                    <a:p>
+                      <a:pPr marL="0" marR="0" lvl="0" indent="0" algn="ctr" defTabSz="914400" rtl="0" eaLnBrk="1" fontAlgn="auto" latinLnBrk="0" hangingPunct="1">
+                        <a:lnSpc>
+                          <a:spcPct val="100000"/>
+                        </a:lnSpc>
+                        <a:spcBef>
+                          <a:spcPts val="0"/>
+                        </a:spcBef>
+                        <a:spcAft>
+                          <a:spcPts val="0"/>
+                        </a:spcAft>
+                        <a:buClrTx/>
+                        <a:buSzTx/>
+                        <a:buFontTx/>
+                        <a:buNone/>
+                        <a:tabLst/>
+                        <a:defRPr/>
+                      </a:pPr>
+                      <a:r>
+                        <a:rPr lang="en-US" altLang="zh-TW" sz="1600" dirty="0">
+                          <a:effectLst/>
+                          <a:latin typeface="微軟正黑體" panose="020B0604030504040204" pitchFamily="34" charset="-120"/>
+                          <a:ea typeface="微軟正黑體" panose="020B0604030504040204" pitchFamily="34" charset="-120"/>
+                        </a:rPr>
+                        <a:t>229.99</a:t>
+                      </a:r>
+                      <a:endParaRPr lang="zh-TW" altLang="en-US" sz="1600" dirty="0">
+                        <a:effectLst/>
+                        <a:latin typeface="微軟正黑體" panose="020B0604030504040204" pitchFamily="34" charset="-120"/>
+                        <a:ea typeface="微軟正黑體" panose="020B0604030504040204" pitchFamily="34" charset="-120"/>
+                      </a:endParaRPr>
+                    </a:p>
+                  </a:txBody>
+                  <a:tcPr marL="45720" marR="45720" marT="15240" marB="15240" anchor="ctr"/>
+                </a:tc>
+                <a:extLst>
+                  <a:ext uri="{0D108BD9-81ED-4DB2-BD59-A6C34878D82A}">
+                    <a16:rowId xmlns:a16="http://schemas.microsoft.com/office/drawing/2014/main" val="2045876024"/>
+                  </a:ext>
+                </a:extLst>
+              </a:tr>
+              <a:tr h="370840">
+                <a:tc>
+                  <a:txBody>
+                    <a:bodyPr/>
+                    <a:lstStyle/>
+                    <a:p>
+                      <a:pPr algn="ctr"/>
+                      <a:r>
+                        <a:rPr lang="en-GB" sz="1600" dirty="0">
+                          <a:effectLst/>
+                          <a:latin typeface="微軟正黑體" panose="020B0604030504040204" pitchFamily="34" charset="-120"/>
+                          <a:ea typeface="微軟正黑體" panose="020B0604030504040204" pitchFamily="34" charset="-120"/>
+                        </a:rPr>
+                        <a:t>HSZ000701</a:t>
+                      </a:r>
+                    </a:p>
+                  </a:txBody>
+                  <a:tcPr marL="45720" marR="45720" marT="15240" marB="15240" anchor="ctr"/>
+                </a:tc>
+                <a:tc>
+                  <a:txBody>
+                    <a:bodyPr/>
+                    <a:lstStyle/>
+                    <a:p>
+                      <a:pPr algn="ctr"/>
+                      <a:r>
+                        <a:rPr lang="en-US" altLang="zh-TW" sz="1600" dirty="0">
+                          <a:effectLst/>
+                          <a:latin typeface="微軟正黑體" panose="020B0604030504040204" pitchFamily="34" charset="-120"/>
+                          <a:ea typeface="微軟正黑體" panose="020B0604030504040204" pitchFamily="34" charset="-120"/>
+                        </a:rPr>
+                        <a:t>81</a:t>
+                      </a:r>
+                    </a:p>
+                  </a:txBody>
+                  <a:tcPr marL="45720" marR="45720" marT="15240" marB="15240" anchor="ctr"/>
+                </a:tc>
+                <a:tc>
+                  <a:txBody>
+                    <a:bodyPr/>
+                    <a:lstStyle/>
+                    <a:p>
+                      <a:pPr algn="ctr"/>
+                      <a:r>
+                        <a:rPr lang="en-US" altLang="zh-TW" sz="1600" dirty="0">
+                          <a:effectLst/>
+                          <a:latin typeface="微軟正黑體" panose="020B0604030504040204" pitchFamily="34" charset="-120"/>
+                          <a:ea typeface="微軟正黑體" panose="020B0604030504040204" pitchFamily="34" charset="-120"/>
+                        </a:rPr>
+                        <a:t>4</a:t>
+                      </a:r>
+                      <a:endParaRPr lang="zh-TW" altLang="en-US" sz="1600" dirty="0">
+                        <a:effectLst/>
+                        <a:latin typeface="微軟正黑體" panose="020B0604030504040204" pitchFamily="34" charset="-120"/>
+                        <a:ea typeface="微軟正黑體" panose="020B0604030504040204" pitchFamily="34" charset="-120"/>
+                      </a:endParaRPr>
+                    </a:p>
+                  </a:txBody>
+                  <a:tcPr marL="45720" marR="45720" marT="15240" marB="15240" anchor="ctr"/>
+                </a:tc>
+                <a:tc>
+                  <a:txBody>
+                    <a:bodyPr/>
+                    <a:lstStyle/>
+                    <a:p>
+                      <a:pPr marL="0" marR="0" lvl="0" indent="0" algn="ctr" defTabSz="914400" rtl="0" eaLnBrk="1" fontAlgn="auto" latinLnBrk="0" hangingPunct="1">
+                        <a:lnSpc>
+                          <a:spcPct val="100000"/>
+                        </a:lnSpc>
+                        <a:spcBef>
+                          <a:spcPts val="0"/>
+                        </a:spcBef>
+                        <a:spcAft>
+                          <a:spcPts val="0"/>
+                        </a:spcAft>
+                        <a:buClrTx/>
+                        <a:buSzTx/>
+                        <a:buFontTx/>
+                        <a:buNone/>
+                        <a:tabLst/>
+                        <a:defRPr/>
+                      </a:pPr>
+                      <a:r>
+                        <a:rPr lang="en-US" altLang="zh-TW" sz="1600" dirty="0">
+                          <a:effectLst/>
+                          <a:latin typeface="微軟正黑體" panose="020B0604030504040204" pitchFamily="34" charset="-120"/>
+                          <a:ea typeface="微軟正黑體" panose="020B0604030504040204" pitchFamily="34" charset="-120"/>
+                        </a:rPr>
+                        <a:t>303811</a:t>
+                      </a:r>
+                      <a:endParaRPr lang="zh-TW" altLang="en-US" sz="1600" dirty="0">
+                        <a:effectLst/>
+                        <a:latin typeface="微軟正黑體" panose="020B0604030504040204" pitchFamily="34" charset="-120"/>
+                        <a:ea typeface="微軟正黑體" panose="020B0604030504040204" pitchFamily="34" charset="-120"/>
+                      </a:endParaRPr>
+                    </a:p>
+                  </a:txBody>
+                  <a:tcPr marL="45720" marR="45720" marT="15240" marB="15240" anchor="ctr"/>
+                </a:tc>
+                <a:tc>
+                  <a:txBody>
+                    <a:bodyPr/>
+                    <a:lstStyle/>
+                    <a:p>
+                      <a:pPr marL="0" marR="0" lvl="0" indent="0" algn="ctr" defTabSz="914400" rtl="0" eaLnBrk="1" fontAlgn="auto" latinLnBrk="0" hangingPunct="1">
+                        <a:lnSpc>
+                          <a:spcPct val="100000"/>
+                        </a:lnSpc>
+                        <a:spcBef>
+                          <a:spcPts val="0"/>
+                        </a:spcBef>
+                        <a:spcAft>
+                          <a:spcPts val="0"/>
+                        </a:spcAft>
+                        <a:buClrTx/>
+                        <a:buSzTx/>
+                        <a:buFontTx/>
+                        <a:buNone/>
+                        <a:tabLst/>
+                        <a:defRPr/>
+                      </a:pPr>
+                      <a:r>
+                        <a:rPr lang="en-US" altLang="zh-TW" sz="1600" dirty="0">
+                          <a:effectLst/>
+                          <a:latin typeface="微軟正黑體" panose="020B0604030504040204" pitchFamily="34" charset="-120"/>
+                          <a:ea typeface="微軟正黑體" panose="020B0604030504040204" pitchFamily="34" charset="-120"/>
+                        </a:rPr>
+                        <a:t>303812</a:t>
+                      </a:r>
+                      <a:endParaRPr lang="zh-TW" altLang="en-US" sz="1600" dirty="0">
+                        <a:effectLst/>
+                        <a:latin typeface="微軟正黑體" panose="020B0604030504040204" pitchFamily="34" charset="-120"/>
+                        <a:ea typeface="微軟正黑體" panose="020B0604030504040204" pitchFamily="34" charset="-120"/>
+                      </a:endParaRPr>
+                    </a:p>
+                  </a:txBody>
+                  <a:tcPr marL="45720" marR="45720" marT="15240" marB="15240" anchor="ctr"/>
+                </a:tc>
+                <a:tc>
+                  <a:txBody>
+                    <a:bodyPr/>
+                    <a:lstStyle/>
+                    <a:p>
+                      <a:pPr marL="0" marR="0" lvl="0" indent="0" algn="ctr" defTabSz="914400" rtl="0" eaLnBrk="1" fontAlgn="auto" latinLnBrk="0" hangingPunct="1">
+                        <a:lnSpc>
+                          <a:spcPct val="100000"/>
+                        </a:lnSpc>
+                        <a:spcBef>
+                          <a:spcPts val="0"/>
+                        </a:spcBef>
+                        <a:spcAft>
+                          <a:spcPts val="0"/>
+                        </a:spcAft>
+                        <a:buClrTx/>
+                        <a:buSzTx/>
+                        <a:buFontTx/>
+                        <a:buNone/>
+                        <a:tabLst/>
+                        <a:defRPr/>
+                      </a:pPr>
+                      <a:r>
+                        <a:rPr lang="en-US" altLang="zh-TW" sz="1600" dirty="0">
+                          <a:effectLst/>
+                          <a:latin typeface="微軟正黑體" panose="020B0604030504040204" pitchFamily="34" charset="-120"/>
+                          <a:ea typeface="微軟正黑體" panose="020B0604030504040204" pitchFamily="34" charset="-120"/>
+                        </a:rPr>
+                        <a:t>166.29</a:t>
+                      </a:r>
+                      <a:endParaRPr lang="zh-TW" altLang="en-US" sz="1600" dirty="0">
+                        <a:effectLst/>
+                        <a:latin typeface="微軟正黑體" panose="020B0604030504040204" pitchFamily="34" charset="-120"/>
+                        <a:ea typeface="微軟正黑體" panose="020B0604030504040204" pitchFamily="34" charset="-120"/>
+                      </a:endParaRPr>
+                    </a:p>
+                  </a:txBody>
+                  <a:tcPr marL="45720" marR="45720" marT="15240" marB="15240" anchor="ctr"/>
+                </a:tc>
+                <a:extLst>
+                  <a:ext uri="{0D108BD9-81ED-4DB2-BD59-A6C34878D82A}">
+                    <a16:rowId xmlns:a16="http://schemas.microsoft.com/office/drawing/2014/main" val="27800013"/>
+                  </a:ext>
+                </a:extLst>
+              </a:tr>
+              <a:tr h="370840">
+                <a:tc>
+                  <a:txBody>
+                    <a:bodyPr/>
+                    <a:lstStyle/>
+                    <a:p>
+                      <a:pPr algn="ctr"/>
+                      <a:r>
+                        <a:rPr lang="en-GB" sz="1600" dirty="0">
+                          <a:effectLst/>
+                          <a:latin typeface="微軟正黑體" panose="020B0604030504040204" pitchFamily="34" charset="-120"/>
+                          <a:ea typeface="微軟正黑體" panose="020B0604030504040204" pitchFamily="34" charset="-120"/>
+                        </a:rPr>
+                        <a:t>HSZ000701</a:t>
+                      </a:r>
+                    </a:p>
+                  </a:txBody>
+                  <a:tcPr marL="45720" marR="45720" marT="15240" marB="15240" anchor="ctr"/>
+                </a:tc>
+                <a:tc>
+                  <a:txBody>
+                    <a:bodyPr/>
+                    <a:lstStyle/>
+                    <a:p>
+                      <a:pPr algn="ctr"/>
+                      <a:r>
+                        <a:rPr lang="en-US" altLang="zh-TW" sz="1600" dirty="0">
+                          <a:effectLst/>
+                          <a:latin typeface="微軟正黑體" panose="020B0604030504040204" pitchFamily="34" charset="-120"/>
+                          <a:ea typeface="微軟正黑體" panose="020B0604030504040204" pitchFamily="34" charset="-120"/>
+                        </a:rPr>
+                        <a:t>81</a:t>
+                      </a:r>
+                    </a:p>
+                  </a:txBody>
+                  <a:tcPr marL="45720" marR="45720" marT="15240" marB="15240" anchor="ctr"/>
+                </a:tc>
+                <a:tc>
+                  <a:txBody>
+                    <a:bodyPr/>
+                    <a:lstStyle/>
+                    <a:p>
+                      <a:pPr algn="ctr"/>
+                      <a:r>
+                        <a:rPr lang="en-US" altLang="zh-TW" sz="1600" dirty="0">
+                          <a:effectLst/>
+                          <a:latin typeface="微軟正黑體" panose="020B0604030504040204" pitchFamily="34" charset="-120"/>
+                          <a:ea typeface="微軟正黑體" panose="020B0604030504040204" pitchFamily="34" charset="-120"/>
+                        </a:rPr>
+                        <a:t>5</a:t>
+                      </a:r>
+                      <a:endParaRPr lang="zh-TW" altLang="en-US" sz="1600" dirty="0">
+                        <a:effectLst/>
+                        <a:latin typeface="微軟正黑體" panose="020B0604030504040204" pitchFamily="34" charset="-120"/>
+                        <a:ea typeface="微軟正黑體" panose="020B0604030504040204" pitchFamily="34" charset="-120"/>
+                      </a:endParaRPr>
+                    </a:p>
+                  </a:txBody>
+                  <a:tcPr marL="45720" marR="45720" marT="15240" marB="15240" anchor="ctr"/>
+                </a:tc>
+                <a:tc>
+                  <a:txBody>
+                    <a:bodyPr/>
+                    <a:lstStyle/>
+                    <a:p>
+                      <a:pPr marL="0" marR="0" lvl="0" indent="0" algn="ctr" defTabSz="914400" rtl="0" eaLnBrk="1" fontAlgn="auto" latinLnBrk="0" hangingPunct="1">
+                        <a:lnSpc>
+                          <a:spcPct val="100000"/>
+                        </a:lnSpc>
+                        <a:spcBef>
+                          <a:spcPts val="0"/>
+                        </a:spcBef>
+                        <a:spcAft>
+                          <a:spcPts val="0"/>
+                        </a:spcAft>
+                        <a:buClrTx/>
+                        <a:buSzTx/>
+                        <a:buFontTx/>
+                        <a:buNone/>
+                        <a:tabLst/>
+                        <a:defRPr/>
+                      </a:pPr>
+                      <a:r>
+                        <a:rPr lang="en-US" altLang="zh-TW" sz="1600" dirty="0">
+                          <a:effectLst/>
+                          <a:latin typeface="微軟正黑體" panose="020B0604030504040204" pitchFamily="34" charset="-120"/>
+                          <a:ea typeface="微軟正黑體" panose="020B0604030504040204" pitchFamily="34" charset="-120"/>
+                        </a:rPr>
+                        <a:t>303812</a:t>
+                      </a:r>
+                      <a:endParaRPr lang="zh-TW" altLang="en-US" sz="1600" dirty="0">
+                        <a:effectLst/>
+                        <a:latin typeface="微軟正黑體" panose="020B0604030504040204" pitchFamily="34" charset="-120"/>
+                        <a:ea typeface="微軟正黑體" panose="020B0604030504040204" pitchFamily="34" charset="-120"/>
+                      </a:endParaRPr>
+                    </a:p>
+                  </a:txBody>
+                  <a:tcPr marL="45720" marR="45720" marT="15240" marB="15240" anchor="ctr"/>
+                </a:tc>
+                <a:tc>
+                  <a:txBody>
+                    <a:bodyPr/>
+                    <a:lstStyle/>
+                    <a:p>
+                      <a:pPr marL="0" marR="0" lvl="0" indent="0" algn="ctr" defTabSz="914400" rtl="0" eaLnBrk="1" fontAlgn="auto" latinLnBrk="0" hangingPunct="1">
+                        <a:lnSpc>
+                          <a:spcPct val="100000"/>
+                        </a:lnSpc>
+                        <a:spcBef>
+                          <a:spcPts val="0"/>
+                        </a:spcBef>
+                        <a:spcAft>
+                          <a:spcPts val="0"/>
+                        </a:spcAft>
+                        <a:buClrTx/>
+                        <a:buSzTx/>
+                        <a:buFontTx/>
+                        <a:buNone/>
+                        <a:tabLst/>
+                        <a:defRPr/>
+                      </a:pPr>
+                      <a:r>
+                        <a:rPr lang="en-US" altLang="zh-TW" sz="1600" dirty="0">
+                          <a:effectLst/>
+                          <a:latin typeface="微軟正黑體" panose="020B0604030504040204" pitchFamily="34" charset="-120"/>
+                          <a:ea typeface="微軟正黑體" panose="020B0604030504040204" pitchFamily="34" charset="-120"/>
+                        </a:rPr>
+                        <a:t>303813</a:t>
+                      </a:r>
+                      <a:endParaRPr lang="zh-TW" altLang="en-US" sz="1600" dirty="0">
+                        <a:effectLst/>
+                        <a:latin typeface="微軟正黑體" panose="020B0604030504040204" pitchFamily="34" charset="-120"/>
+                        <a:ea typeface="微軟正黑體" panose="020B0604030504040204" pitchFamily="34" charset="-120"/>
+                      </a:endParaRPr>
+                    </a:p>
+                  </a:txBody>
+                  <a:tcPr marL="45720" marR="45720" marT="15240" marB="15240" anchor="ctr"/>
+                </a:tc>
+                <a:tc>
+                  <a:txBody>
+                    <a:bodyPr/>
+                    <a:lstStyle/>
+                    <a:p>
+                      <a:pPr marL="0" marR="0" lvl="0" indent="0" algn="ctr" defTabSz="914400" rtl="0" eaLnBrk="1" fontAlgn="auto" latinLnBrk="0" hangingPunct="1">
+                        <a:lnSpc>
+                          <a:spcPct val="100000"/>
+                        </a:lnSpc>
+                        <a:spcBef>
+                          <a:spcPts val="0"/>
+                        </a:spcBef>
+                        <a:spcAft>
+                          <a:spcPts val="0"/>
+                        </a:spcAft>
+                        <a:buClrTx/>
+                        <a:buSzTx/>
+                        <a:buFontTx/>
+                        <a:buNone/>
+                        <a:tabLst/>
+                        <a:defRPr/>
+                      </a:pPr>
+                      <a:r>
+                        <a:rPr lang="en-US" altLang="zh-TW" sz="1600" dirty="0">
+                          <a:effectLst/>
+                          <a:latin typeface="微軟正黑體" panose="020B0604030504040204" pitchFamily="34" charset="-120"/>
+                          <a:ea typeface="微軟正黑體" panose="020B0604030504040204" pitchFamily="34" charset="-120"/>
+                        </a:rPr>
+                        <a:t>326.30</a:t>
+                      </a:r>
+                      <a:endParaRPr lang="zh-TW" altLang="en-US" sz="1600" dirty="0">
+                        <a:effectLst/>
+                        <a:latin typeface="微軟正黑體" panose="020B0604030504040204" pitchFamily="34" charset="-120"/>
+                        <a:ea typeface="微軟正黑體" panose="020B0604030504040204" pitchFamily="34" charset="-120"/>
+                      </a:endParaRPr>
+                    </a:p>
+                  </a:txBody>
+                  <a:tcPr marL="45720" marR="45720" marT="15240" marB="15240" anchor="ctr"/>
+                </a:tc>
+                <a:extLst>
+                  <a:ext uri="{0D108BD9-81ED-4DB2-BD59-A6C34878D82A}">
+                    <a16:rowId xmlns:a16="http://schemas.microsoft.com/office/drawing/2014/main" val="9709598"/>
+                  </a:ext>
+                </a:extLst>
+              </a:tr>
+              <a:tr h="370840">
+                <a:tc>
+                  <a:txBody>
+                    <a:bodyPr/>
+                    <a:lstStyle/>
+                    <a:p>
+                      <a:pPr algn="ctr"/>
+                      <a:r>
+                        <a:rPr lang="en-GB" sz="1600" dirty="0">
+                          <a:effectLst/>
+                          <a:latin typeface="微軟正黑體" panose="020B0604030504040204" pitchFamily="34" charset="-120"/>
+                          <a:ea typeface="微軟正黑體" panose="020B0604030504040204" pitchFamily="34" charset="-120"/>
+                        </a:rPr>
+                        <a:t>HSZ000701</a:t>
+                      </a:r>
+                    </a:p>
+                  </a:txBody>
+                  <a:tcPr marL="45720" marR="45720" marT="15240" marB="15240" anchor="ctr"/>
+                </a:tc>
+                <a:tc>
+                  <a:txBody>
+                    <a:bodyPr/>
+                    <a:lstStyle/>
+                    <a:p>
+                      <a:pPr algn="ctr"/>
+                      <a:r>
+                        <a:rPr lang="en-US" altLang="zh-TW" sz="1600" dirty="0">
+                          <a:effectLst/>
+                          <a:latin typeface="微軟正黑體" panose="020B0604030504040204" pitchFamily="34" charset="-120"/>
+                          <a:ea typeface="微軟正黑體" panose="020B0604030504040204" pitchFamily="34" charset="-120"/>
+                        </a:rPr>
+                        <a:t>81</a:t>
+                      </a:r>
+                    </a:p>
+                  </a:txBody>
+                  <a:tcPr marL="45720" marR="45720" marT="15240" marB="15240" anchor="ctr"/>
+                </a:tc>
+                <a:tc>
+                  <a:txBody>
+                    <a:bodyPr/>
+                    <a:lstStyle/>
+                    <a:p>
+                      <a:pPr algn="ctr"/>
+                      <a:r>
+                        <a:rPr lang="en-US" altLang="zh-TW" sz="1600" dirty="0">
+                          <a:effectLst/>
+                          <a:latin typeface="微軟正黑體" panose="020B0604030504040204" pitchFamily="34" charset="-120"/>
+                          <a:ea typeface="微軟正黑體" panose="020B0604030504040204" pitchFamily="34" charset="-120"/>
+                        </a:rPr>
+                        <a:t>6</a:t>
+                      </a:r>
+                      <a:endParaRPr lang="zh-TW" altLang="en-US" sz="1600" dirty="0">
+                        <a:effectLst/>
+                        <a:latin typeface="微軟正黑體" panose="020B0604030504040204" pitchFamily="34" charset="-120"/>
+                        <a:ea typeface="微軟正黑體" panose="020B0604030504040204" pitchFamily="34" charset="-120"/>
+                      </a:endParaRPr>
+                    </a:p>
+                  </a:txBody>
+                  <a:tcPr marL="45720" marR="45720" marT="15240" marB="15240" anchor="ctr"/>
+                </a:tc>
+                <a:tc>
+                  <a:txBody>
+                    <a:bodyPr/>
+                    <a:lstStyle/>
+                    <a:p>
+                      <a:pPr marL="0" marR="0" lvl="0" indent="0" algn="ctr" defTabSz="914400" rtl="0" eaLnBrk="1" fontAlgn="auto" latinLnBrk="0" hangingPunct="1">
+                        <a:lnSpc>
+                          <a:spcPct val="100000"/>
+                        </a:lnSpc>
+                        <a:spcBef>
+                          <a:spcPts val="0"/>
+                        </a:spcBef>
+                        <a:spcAft>
+                          <a:spcPts val="0"/>
+                        </a:spcAft>
+                        <a:buClrTx/>
+                        <a:buSzTx/>
+                        <a:buFontTx/>
+                        <a:buNone/>
+                        <a:tabLst/>
+                        <a:defRPr/>
+                      </a:pPr>
+                      <a:r>
+                        <a:rPr lang="en-US" altLang="zh-TW" sz="1600" dirty="0">
+                          <a:effectLst/>
+                          <a:latin typeface="微軟正黑體" panose="020B0604030504040204" pitchFamily="34" charset="-120"/>
+                          <a:ea typeface="微軟正黑體" panose="020B0604030504040204" pitchFamily="34" charset="-120"/>
+                        </a:rPr>
+                        <a:t>303813</a:t>
+                      </a:r>
+                      <a:endParaRPr lang="zh-TW" altLang="en-US" sz="1600" dirty="0">
+                        <a:effectLst/>
+                        <a:latin typeface="微軟正黑體" panose="020B0604030504040204" pitchFamily="34" charset="-120"/>
+                        <a:ea typeface="微軟正黑體" panose="020B0604030504040204" pitchFamily="34" charset="-120"/>
+                      </a:endParaRPr>
+                    </a:p>
+                  </a:txBody>
+                  <a:tcPr marL="45720" marR="45720" marT="15240" marB="15240" anchor="ctr"/>
+                </a:tc>
+                <a:tc>
+                  <a:txBody>
+                    <a:bodyPr/>
+                    <a:lstStyle/>
+                    <a:p>
+                      <a:pPr marL="0" marR="0" lvl="0" indent="0" algn="ctr" defTabSz="914400" rtl="0" eaLnBrk="1" fontAlgn="auto" latinLnBrk="0" hangingPunct="1">
+                        <a:lnSpc>
+                          <a:spcPct val="100000"/>
+                        </a:lnSpc>
+                        <a:spcBef>
+                          <a:spcPts val="0"/>
+                        </a:spcBef>
+                        <a:spcAft>
+                          <a:spcPts val="0"/>
+                        </a:spcAft>
+                        <a:buClrTx/>
+                        <a:buSzTx/>
+                        <a:buFontTx/>
+                        <a:buNone/>
+                        <a:tabLst/>
+                        <a:defRPr/>
+                      </a:pPr>
+                      <a:r>
+                        <a:rPr lang="en-US" altLang="zh-TW" sz="1600" dirty="0">
+                          <a:effectLst/>
+                          <a:latin typeface="微軟正黑體" panose="020B0604030504040204" pitchFamily="34" charset="-120"/>
+                          <a:ea typeface="微軟正黑體" panose="020B0604030504040204" pitchFamily="34" charset="-120"/>
+                        </a:rPr>
+                        <a:t>303814</a:t>
+                      </a:r>
+                      <a:endParaRPr lang="zh-TW" altLang="en-US" sz="1600" dirty="0">
+                        <a:effectLst/>
+                        <a:latin typeface="微軟正黑體" panose="020B0604030504040204" pitchFamily="34" charset="-120"/>
+                        <a:ea typeface="微軟正黑體" panose="020B0604030504040204" pitchFamily="34" charset="-120"/>
+                      </a:endParaRPr>
+                    </a:p>
+                  </a:txBody>
+                  <a:tcPr marL="45720" marR="45720" marT="15240" marB="15240" anchor="ctr"/>
+                </a:tc>
+                <a:tc>
+                  <a:txBody>
+                    <a:bodyPr/>
+                    <a:lstStyle/>
+                    <a:p>
+                      <a:pPr marL="0" marR="0" lvl="0" indent="0" algn="ctr" defTabSz="914400" rtl="0" eaLnBrk="1" fontAlgn="auto" latinLnBrk="0" hangingPunct="1">
+                        <a:lnSpc>
+                          <a:spcPct val="100000"/>
+                        </a:lnSpc>
+                        <a:spcBef>
+                          <a:spcPts val="0"/>
+                        </a:spcBef>
+                        <a:spcAft>
+                          <a:spcPts val="0"/>
+                        </a:spcAft>
+                        <a:buClrTx/>
+                        <a:buSzTx/>
+                        <a:buFontTx/>
+                        <a:buNone/>
+                        <a:tabLst/>
+                        <a:defRPr/>
+                      </a:pPr>
+                      <a:r>
+                        <a:rPr lang="en-US" altLang="zh-TW" sz="1600" dirty="0">
+                          <a:effectLst/>
+                          <a:latin typeface="微軟正黑體" panose="020B0604030504040204" pitchFamily="34" charset="-120"/>
+                          <a:ea typeface="微軟正黑體" panose="020B0604030504040204" pitchFamily="34" charset="-120"/>
+                        </a:rPr>
+                        <a:t>198.28</a:t>
+                      </a:r>
+                      <a:endParaRPr lang="zh-TW" altLang="en-US" sz="1600" dirty="0">
+                        <a:effectLst/>
+                        <a:latin typeface="微軟正黑體" panose="020B0604030504040204" pitchFamily="34" charset="-120"/>
+                        <a:ea typeface="微軟正黑體" panose="020B0604030504040204" pitchFamily="34" charset="-120"/>
+                      </a:endParaRPr>
+                    </a:p>
+                  </a:txBody>
+                  <a:tcPr marL="45720" marR="45720" marT="15240" marB="15240" anchor="ctr"/>
+                </a:tc>
+                <a:extLst>
+                  <a:ext uri="{0D108BD9-81ED-4DB2-BD59-A6C34878D82A}">
+                    <a16:rowId xmlns:a16="http://schemas.microsoft.com/office/drawing/2014/main" val="3625249303"/>
+                  </a:ext>
+                </a:extLst>
+              </a:tr>
+              <a:tr h="370840">
+                <a:tc>
+                  <a:txBody>
+                    <a:bodyPr/>
+                    <a:lstStyle/>
+                    <a:p>
+                      <a:pPr algn="ctr"/>
+                      <a:r>
+                        <a:rPr lang="en-GB" sz="1600" dirty="0">
+                          <a:effectLst/>
+                          <a:latin typeface="微軟正黑體" panose="020B0604030504040204" pitchFamily="34" charset="-120"/>
+                          <a:ea typeface="微軟正黑體" panose="020B0604030504040204" pitchFamily="34" charset="-120"/>
+                        </a:rPr>
+                        <a:t>HSZ000701</a:t>
+                      </a:r>
+                    </a:p>
+                  </a:txBody>
+                  <a:tcPr marL="45720" marR="45720" marT="15240" marB="15240" anchor="ctr"/>
+                </a:tc>
+                <a:tc>
+                  <a:txBody>
+                    <a:bodyPr/>
+                    <a:lstStyle/>
+                    <a:p>
+                      <a:pPr algn="ctr"/>
+                      <a:r>
+                        <a:rPr lang="en-US" altLang="zh-TW" sz="1600" dirty="0">
+                          <a:effectLst/>
+                          <a:latin typeface="微軟正黑體" panose="020B0604030504040204" pitchFamily="34" charset="-120"/>
+                          <a:ea typeface="微軟正黑體" panose="020B0604030504040204" pitchFamily="34" charset="-120"/>
+                        </a:rPr>
+                        <a:t>81</a:t>
+                      </a:r>
+                    </a:p>
+                  </a:txBody>
+                  <a:tcPr marL="45720" marR="45720" marT="15240" marB="15240" anchor="ctr"/>
+                </a:tc>
+                <a:tc>
+                  <a:txBody>
+                    <a:bodyPr/>
+                    <a:lstStyle/>
+                    <a:p>
+                      <a:pPr algn="ctr"/>
+                      <a:r>
+                        <a:rPr lang="en-US" altLang="zh-TW" sz="1600" dirty="0">
+                          <a:effectLst/>
+                          <a:latin typeface="微軟正黑體" panose="020B0604030504040204" pitchFamily="34" charset="-120"/>
+                          <a:ea typeface="微軟正黑體" panose="020B0604030504040204" pitchFamily="34" charset="-120"/>
+                        </a:rPr>
+                        <a:t>7</a:t>
+                      </a:r>
+                      <a:endParaRPr lang="zh-TW" altLang="en-US" sz="1600" dirty="0">
+                        <a:effectLst/>
+                        <a:latin typeface="微軟正黑體" panose="020B0604030504040204" pitchFamily="34" charset="-120"/>
+                        <a:ea typeface="微軟正黑體" panose="020B0604030504040204" pitchFamily="34" charset="-120"/>
+                      </a:endParaRPr>
+                    </a:p>
+                  </a:txBody>
+                  <a:tcPr marL="45720" marR="45720" marT="15240" marB="15240" anchor="ctr"/>
+                </a:tc>
+                <a:tc>
+                  <a:txBody>
+                    <a:bodyPr/>
+                    <a:lstStyle/>
+                    <a:p>
+                      <a:pPr marL="0" marR="0" lvl="0" indent="0" algn="ctr" defTabSz="914400" rtl="0" eaLnBrk="1" fontAlgn="auto" latinLnBrk="0" hangingPunct="1">
+                        <a:lnSpc>
+                          <a:spcPct val="100000"/>
+                        </a:lnSpc>
+                        <a:spcBef>
+                          <a:spcPts val="0"/>
+                        </a:spcBef>
+                        <a:spcAft>
+                          <a:spcPts val="0"/>
+                        </a:spcAft>
+                        <a:buClrTx/>
+                        <a:buSzTx/>
+                        <a:buFontTx/>
+                        <a:buNone/>
+                        <a:tabLst/>
+                        <a:defRPr/>
+                      </a:pPr>
+                      <a:r>
+                        <a:rPr lang="en-US" altLang="zh-TW" sz="1600" dirty="0">
+                          <a:effectLst/>
+                          <a:latin typeface="微軟正黑體" panose="020B0604030504040204" pitchFamily="34" charset="-120"/>
+                          <a:ea typeface="微軟正黑體" panose="020B0604030504040204" pitchFamily="34" charset="-120"/>
+                        </a:rPr>
+                        <a:t>303814</a:t>
+                      </a:r>
+                      <a:endParaRPr lang="zh-TW" altLang="en-US" sz="1600" dirty="0">
+                        <a:effectLst/>
+                        <a:latin typeface="微軟正黑體" panose="020B0604030504040204" pitchFamily="34" charset="-120"/>
+                        <a:ea typeface="微軟正黑體" panose="020B0604030504040204" pitchFamily="34" charset="-120"/>
+                      </a:endParaRPr>
+                    </a:p>
+                  </a:txBody>
+                  <a:tcPr marL="45720" marR="45720" marT="15240" marB="15240" anchor="ctr"/>
+                </a:tc>
+                <a:tc>
+                  <a:txBody>
+                    <a:bodyPr/>
+                    <a:lstStyle/>
+                    <a:p>
+                      <a:pPr marL="0" marR="0" lvl="0" indent="0" algn="ctr" defTabSz="914400" rtl="0" eaLnBrk="1" fontAlgn="auto" latinLnBrk="0" hangingPunct="1">
+                        <a:lnSpc>
+                          <a:spcPct val="100000"/>
+                        </a:lnSpc>
+                        <a:spcBef>
+                          <a:spcPts val="0"/>
+                        </a:spcBef>
+                        <a:spcAft>
+                          <a:spcPts val="0"/>
+                        </a:spcAft>
+                        <a:buClrTx/>
+                        <a:buSzTx/>
+                        <a:buFontTx/>
+                        <a:buNone/>
+                        <a:tabLst/>
+                        <a:defRPr/>
+                      </a:pPr>
+                      <a:r>
+                        <a:rPr lang="en-US" altLang="zh-TW" sz="1600" dirty="0">
+                          <a:effectLst/>
+                          <a:latin typeface="微軟正黑體" panose="020B0604030504040204" pitchFamily="34" charset="-120"/>
+                          <a:ea typeface="微軟正黑體" panose="020B0604030504040204" pitchFamily="34" charset="-120"/>
+                        </a:rPr>
+                        <a:t>303815</a:t>
+                      </a:r>
+                      <a:endParaRPr lang="zh-TW" altLang="en-US" sz="1600" dirty="0">
+                        <a:effectLst/>
+                        <a:latin typeface="微軟正黑體" panose="020B0604030504040204" pitchFamily="34" charset="-120"/>
+                        <a:ea typeface="微軟正黑體" panose="020B0604030504040204" pitchFamily="34" charset="-120"/>
+                      </a:endParaRPr>
+                    </a:p>
+                  </a:txBody>
+                  <a:tcPr marL="45720" marR="45720" marT="15240" marB="15240" anchor="ctr"/>
+                </a:tc>
+                <a:tc>
+                  <a:txBody>
+                    <a:bodyPr/>
+                    <a:lstStyle/>
+                    <a:p>
+                      <a:pPr marL="0" marR="0" lvl="0" indent="0" algn="ctr" defTabSz="914400" rtl="0" eaLnBrk="1" fontAlgn="auto" latinLnBrk="0" hangingPunct="1">
+                        <a:lnSpc>
+                          <a:spcPct val="100000"/>
+                        </a:lnSpc>
+                        <a:spcBef>
+                          <a:spcPts val="0"/>
+                        </a:spcBef>
+                        <a:spcAft>
+                          <a:spcPts val="0"/>
+                        </a:spcAft>
+                        <a:buClrTx/>
+                        <a:buSzTx/>
+                        <a:buFontTx/>
+                        <a:buNone/>
+                        <a:tabLst/>
+                        <a:defRPr/>
+                      </a:pPr>
+                      <a:r>
+                        <a:rPr lang="en-US" altLang="zh-TW" sz="1600" dirty="0">
+                          <a:effectLst/>
+                          <a:latin typeface="微軟正黑體" panose="020B0604030504040204" pitchFamily="34" charset="-120"/>
+                          <a:ea typeface="微軟正黑體" panose="020B0604030504040204" pitchFamily="34" charset="-120"/>
+                        </a:rPr>
+                        <a:t>207.75</a:t>
+                      </a:r>
+                      <a:endParaRPr lang="zh-TW" altLang="en-US" sz="1600" dirty="0">
+                        <a:effectLst/>
+                        <a:latin typeface="微軟正黑體" panose="020B0604030504040204" pitchFamily="34" charset="-120"/>
+                        <a:ea typeface="微軟正黑體" panose="020B0604030504040204" pitchFamily="34" charset="-120"/>
+                      </a:endParaRPr>
+                    </a:p>
+                  </a:txBody>
+                  <a:tcPr marL="45720" marR="45720" marT="15240" marB="15240" anchor="ctr"/>
+                </a:tc>
+                <a:extLst>
+                  <a:ext uri="{0D108BD9-81ED-4DB2-BD59-A6C34878D82A}">
+                    <a16:rowId xmlns:a16="http://schemas.microsoft.com/office/drawing/2014/main" val="2481396125"/>
+                  </a:ext>
+                </a:extLst>
+              </a:tr>
+            </a:tbl>
+          </a:graphicData>
+        </a:graphic>
+      </p:graphicFrame>
+    </p:spTree>
+    <p:extLst>
+      <p:ext uri="{BB962C8B-B14F-4D97-AF65-F5344CB8AC3E}">
+        <p14:creationId xmlns:p14="http://schemas.microsoft.com/office/powerpoint/2010/main" val="2755550927"/>
+      </p:ext>
+    </p:extLst>
+  </p:cSld>
+  <p:clrMapOvr>
+    <a:masterClrMapping/>
+  </p:clrMapOvr>
+</p:sld>
+</file>
+
 <file path=ppt/theme/theme1.xml><?xml version="1.0" encoding="utf-8"?>
 <a:theme xmlns:a="http://schemas.openxmlformats.org/drawingml/2006/main" name="Office Theme">
   <a:themeElements>

--- a/figure/figure.pptx
+++ b/figure/figure.pptx
@@ -7,6 +7,7 @@
   <p:sldIdLst>
     <p:sldId id="256" r:id="rId2"/>
     <p:sldId id="257" r:id="rId3"/>
+    <p:sldId id="258" r:id="rId4"/>
   </p:sldIdLst>
   <p:sldSz cx="12192000" cy="6858000"/>
   <p:notesSz cx="6858000" cy="9144000"/>
@@ -116,7 +117,7 @@
 <file path=ppt/revisionInfo.xml><?xml version="1.0" encoding="utf-8"?>
 <p1510:revInfo xmlns:a="http://schemas.openxmlformats.org/drawingml/2006/main" xmlns:r="http://schemas.openxmlformats.org/officeDocument/2006/relationships" xmlns:p1510="http://schemas.microsoft.com/office/powerpoint/2015/10/main">
   <p1510:revLst>
-    <p1510:client id="{E564DA1F-E2FD-475F-919F-BD2F09682F78}" v="120" dt="2024-01-20T13:27:38.280"/>
+    <p1510:client id="{E564DA1F-E2FD-475F-919F-BD2F09682F78}" v="200" dt="2024-01-21T10:38:30.787"/>
   </p1510:revLst>
 </p1510:revInfo>
 </file>
@@ -126,7 +127,7 @@
   <pc:docChgLst>
     <pc:chgData name="Chia-jung Yeh" userId="f328d6f4-0757-42dc-943f-c4685e047ee8" providerId="ADAL" clId="{E564DA1F-E2FD-475F-919F-BD2F09682F78}"/>
     <pc:docChg chg="undo redo custSel addSld modSld">
-      <pc:chgData name="Chia-jung Yeh" userId="f328d6f4-0757-42dc-943f-c4685e047ee8" providerId="ADAL" clId="{E564DA1F-E2FD-475F-919F-BD2F09682F78}" dt="2024-01-20T13:27:38.280" v="804" actId="5736"/>
+      <pc:chgData name="Chia-jung Yeh" userId="f328d6f4-0757-42dc-943f-c4685e047ee8" providerId="ADAL" clId="{E564DA1F-E2FD-475F-919F-BD2F09682F78}" dt="2024-01-21T10:38:34.673" v="1312" actId="478"/>
       <pc:docMkLst>
         <pc:docMk/>
       </pc:docMkLst>
@@ -797,6 +798,677 @@
             <pc:docMk/>
             <pc:sldMk cId="2755550927" sldId="257"/>
             <ac:cxnSpMk id="47" creationId="{AB621B07-B23B-551A-AD01-0577F7562320}"/>
+          </ac:cxnSpMkLst>
+        </pc:cxnChg>
+      </pc:sldChg>
+      <pc:sldChg chg="addSp delSp modSp new mod">
+        <pc:chgData name="Chia-jung Yeh" userId="f328d6f4-0757-42dc-943f-c4685e047ee8" providerId="ADAL" clId="{E564DA1F-E2FD-475F-919F-BD2F09682F78}" dt="2024-01-21T10:38:34.673" v="1312" actId="478"/>
+        <pc:sldMkLst>
+          <pc:docMk/>
+          <pc:sldMk cId="815722615" sldId="258"/>
+        </pc:sldMkLst>
+        <pc:spChg chg="del">
+          <ac:chgData name="Chia-jung Yeh" userId="f328d6f4-0757-42dc-943f-c4685e047ee8" providerId="ADAL" clId="{E564DA1F-E2FD-475F-919F-BD2F09682F78}" dt="2024-01-21T09:40:07.376" v="806" actId="478"/>
+          <ac:spMkLst>
+            <pc:docMk/>
+            <pc:sldMk cId="815722615" sldId="258"/>
+            <ac:spMk id="2" creationId="{ED19F4EB-94BC-3C66-A4E8-3A21F209EE7A}"/>
+          </ac:spMkLst>
+        </pc:spChg>
+        <pc:spChg chg="del">
+          <ac:chgData name="Chia-jung Yeh" userId="f328d6f4-0757-42dc-943f-c4685e047ee8" providerId="ADAL" clId="{E564DA1F-E2FD-475F-919F-BD2F09682F78}" dt="2024-01-21T09:40:07.376" v="806" actId="478"/>
+          <ac:spMkLst>
+            <pc:docMk/>
+            <pc:sldMk cId="815722615" sldId="258"/>
+            <ac:spMk id="3" creationId="{10295398-40DC-AAAF-70EC-BB1B65184C38}"/>
+          </ac:spMkLst>
+        </pc:spChg>
+        <pc:spChg chg="add del mod">
+          <ac:chgData name="Chia-jung Yeh" userId="f328d6f4-0757-42dc-943f-c4685e047ee8" providerId="ADAL" clId="{E564DA1F-E2FD-475F-919F-BD2F09682F78}" dt="2024-01-21T09:40:22.457" v="810"/>
+          <ac:spMkLst>
+            <pc:docMk/>
+            <pc:sldMk cId="815722615" sldId="258"/>
+            <ac:spMk id="4" creationId="{49420546-60E4-4A21-372F-97E5D9730CDE}"/>
+          </ac:spMkLst>
+        </pc:spChg>
+        <pc:spChg chg="add del mod">
+          <ac:chgData name="Chia-jung Yeh" userId="f328d6f4-0757-42dc-943f-c4685e047ee8" providerId="ADAL" clId="{E564DA1F-E2FD-475F-919F-BD2F09682F78}" dt="2024-01-21T09:42:14.900" v="873" actId="478"/>
+          <ac:spMkLst>
+            <pc:docMk/>
+            <pc:sldMk cId="815722615" sldId="258"/>
+            <ac:spMk id="6" creationId="{DA2F305A-9C9C-E23B-8CD7-85355CF33727}"/>
+          </ac:spMkLst>
+        </pc:spChg>
+        <pc:spChg chg="add mod">
+          <ac:chgData name="Chia-jung Yeh" userId="f328d6f4-0757-42dc-943f-c4685e047ee8" providerId="ADAL" clId="{E564DA1F-E2FD-475F-919F-BD2F09682F78}" dt="2024-01-21T09:40:36.015" v="820" actId="571"/>
+          <ac:spMkLst>
+            <pc:docMk/>
+            <pc:sldMk cId="815722615" sldId="258"/>
+            <ac:spMk id="7" creationId="{CC8EC681-6CFD-0A1B-48B3-5989D756B0AF}"/>
+          </ac:spMkLst>
+        </pc:spChg>
+        <pc:spChg chg="add mod">
+          <ac:chgData name="Chia-jung Yeh" userId="f328d6f4-0757-42dc-943f-c4685e047ee8" providerId="ADAL" clId="{E564DA1F-E2FD-475F-919F-BD2F09682F78}" dt="2024-01-21T10:04:59.626" v="1307" actId="1076"/>
+          <ac:spMkLst>
+            <pc:docMk/>
+            <pc:sldMk cId="815722615" sldId="258"/>
+            <ac:spMk id="8" creationId="{4AAB079A-E957-1C83-A48F-1CF4F18F7F35}"/>
+          </ac:spMkLst>
+        </pc:spChg>
+        <pc:spChg chg="add mod">
+          <ac:chgData name="Chia-jung Yeh" userId="f328d6f4-0757-42dc-943f-c4685e047ee8" providerId="ADAL" clId="{E564DA1F-E2FD-475F-919F-BD2F09682F78}" dt="2024-01-21T09:40:52.066" v="835" actId="571"/>
+          <ac:spMkLst>
+            <pc:docMk/>
+            <pc:sldMk cId="815722615" sldId="258"/>
+            <ac:spMk id="9" creationId="{69F00874-9B7C-AA3A-8109-F9FB57378BCF}"/>
+          </ac:spMkLst>
+        </pc:spChg>
+        <pc:spChg chg="add mod">
+          <ac:chgData name="Chia-jung Yeh" userId="f328d6f4-0757-42dc-943f-c4685e047ee8" providerId="ADAL" clId="{E564DA1F-E2FD-475F-919F-BD2F09682F78}" dt="2024-01-21T09:40:51.057" v="832" actId="571"/>
+          <ac:spMkLst>
+            <pc:docMk/>
+            <pc:sldMk cId="815722615" sldId="258"/>
+            <ac:spMk id="10" creationId="{314B0104-FC55-ECFD-0D1A-4A8F8E8464E4}"/>
+          </ac:spMkLst>
+        </pc:spChg>
+        <pc:spChg chg="add mod">
+          <ac:chgData name="Chia-jung Yeh" userId="f328d6f4-0757-42dc-943f-c4685e047ee8" providerId="ADAL" clId="{E564DA1F-E2FD-475F-919F-BD2F09682F78}" dt="2024-01-21T10:04:59.626" v="1307" actId="1076"/>
+          <ac:spMkLst>
+            <pc:docMk/>
+            <pc:sldMk cId="815722615" sldId="258"/>
+            <ac:spMk id="11" creationId="{A6D47305-10A5-9C2F-2B1B-BC1AEAAAD62D}"/>
+          </ac:spMkLst>
+        </pc:spChg>
+        <pc:spChg chg="add mod">
+          <ac:chgData name="Chia-jung Yeh" userId="f328d6f4-0757-42dc-943f-c4685e047ee8" providerId="ADAL" clId="{E564DA1F-E2FD-475F-919F-BD2F09682F78}" dt="2024-01-21T10:04:59.626" v="1307" actId="1076"/>
+          <ac:spMkLst>
+            <pc:docMk/>
+            <pc:sldMk cId="815722615" sldId="258"/>
+            <ac:spMk id="12" creationId="{F97AB10E-8BB9-5968-2713-89DB932E6F60}"/>
+          </ac:spMkLst>
+        </pc:spChg>
+        <pc:spChg chg="add mod">
+          <ac:chgData name="Chia-jung Yeh" userId="f328d6f4-0757-42dc-943f-c4685e047ee8" providerId="ADAL" clId="{E564DA1F-E2FD-475F-919F-BD2F09682F78}" dt="2024-01-21T09:41:09.574" v="844" actId="571"/>
+          <ac:spMkLst>
+            <pc:docMk/>
+            <pc:sldMk cId="815722615" sldId="258"/>
+            <ac:spMk id="13" creationId="{6F778A6C-A709-3778-CC06-86DEB8F056B7}"/>
+          </ac:spMkLst>
+        </pc:spChg>
+        <pc:spChg chg="add mod">
+          <ac:chgData name="Chia-jung Yeh" userId="f328d6f4-0757-42dc-943f-c4685e047ee8" providerId="ADAL" clId="{E564DA1F-E2FD-475F-919F-BD2F09682F78}" dt="2024-01-21T10:04:59.626" v="1307" actId="1076"/>
+          <ac:spMkLst>
+            <pc:docMk/>
+            <pc:sldMk cId="815722615" sldId="258"/>
+            <ac:spMk id="14" creationId="{E4C7D43E-543B-FF03-A619-E9AD806A670B}"/>
+          </ac:spMkLst>
+        </pc:spChg>
+        <pc:spChg chg="add mod">
+          <ac:chgData name="Chia-jung Yeh" userId="f328d6f4-0757-42dc-943f-c4685e047ee8" providerId="ADAL" clId="{E564DA1F-E2FD-475F-919F-BD2F09682F78}" dt="2024-01-21T10:04:59.626" v="1307" actId="1076"/>
+          <ac:spMkLst>
+            <pc:docMk/>
+            <pc:sldMk cId="815722615" sldId="258"/>
+            <ac:spMk id="15" creationId="{8E015119-48D0-E031-1F0E-973E6DFA32B7}"/>
+          </ac:spMkLst>
+        </pc:spChg>
+        <pc:spChg chg="add mod">
+          <ac:chgData name="Chia-jung Yeh" userId="f328d6f4-0757-42dc-943f-c4685e047ee8" providerId="ADAL" clId="{E564DA1F-E2FD-475F-919F-BD2F09682F78}" dt="2024-01-21T10:04:59.626" v="1307" actId="1076"/>
+          <ac:spMkLst>
+            <pc:docMk/>
+            <pc:sldMk cId="815722615" sldId="258"/>
+            <ac:spMk id="16" creationId="{FD544647-A270-7E01-DFDE-3508EF7F6E72}"/>
+          </ac:spMkLst>
+        </pc:spChg>
+        <pc:spChg chg="add mod">
+          <ac:chgData name="Chia-jung Yeh" userId="f328d6f4-0757-42dc-943f-c4685e047ee8" providerId="ADAL" clId="{E564DA1F-E2FD-475F-919F-BD2F09682F78}" dt="2024-01-21T10:04:59.626" v="1307" actId="1076"/>
+          <ac:spMkLst>
+            <pc:docMk/>
+            <pc:sldMk cId="815722615" sldId="258"/>
+            <ac:spMk id="17" creationId="{11CC8C5F-7FCD-15F8-3113-D3C3D7988CCD}"/>
+          </ac:spMkLst>
+        </pc:spChg>
+        <pc:spChg chg="add mod">
+          <ac:chgData name="Chia-jung Yeh" userId="f328d6f4-0757-42dc-943f-c4685e047ee8" providerId="ADAL" clId="{E564DA1F-E2FD-475F-919F-BD2F09682F78}" dt="2024-01-21T10:04:59.626" v="1307" actId="1076"/>
+          <ac:spMkLst>
+            <pc:docMk/>
+            <pc:sldMk cId="815722615" sldId="258"/>
+            <ac:spMk id="18" creationId="{4E3A2EDE-2ED0-B844-3272-478842FFC5F0}"/>
+          </ac:spMkLst>
+        </pc:spChg>
+        <pc:spChg chg="add mod">
+          <ac:chgData name="Chia-jung Yeh" userId="f328d6f4-0757-42dc-943f-c4685e047ee8" providerId="ADAL" clId="{E564DA1F-E2FD-475F-919F-BD2F09682F78}" dt="2024-01-21T10:04:59.626" v="1307" actId="1076"/>
+          <ac:spMkLst>
+            <pc:docMk/>
+            <pc:sldMk cId="815722615" sldId="258"/>
+            <ac:spMk id="19" creationId="{E85DC515-2EA3-5015-4AF0-A24578854ECE}"/>
+          </ac:spMkLst>
+        </pc:spChg>
+        <pc:spChg chg="add mod">
+          <ac:chgData name="Chia-jung Yeh" userId="f328d6f4-0757-42dc-943f-c4685e047ee8" providerId="ADAL" clId="{E564DA1F-E2FD-475F-919F-BD2F09682F78}" dt="2024-01-21T09:42:30.809" v="878" actId="571"/>
+          <ac:spMkLst>
+            <pc:docMk/>
+            <pc:sldMk cId="815722615" sldId="258"/>
+            <ac:spMk id="20" creationId="{B6207AC3-E2AE-B5EC-B518-1B62D00E9C84}"/>
+          </ac:spMkLst>
+        </pc:spChg>
+        <pc:spChg chg="add mod">
+          <ac:chgData name="Chia-jung Yeh" userId="f328d6f4-0757-42dc-943f-c4685e047ee8" providerId="ADAL" clId="{E564DA1F-E2FD-475F-919F-BD2F09682F78}" dt="2024-01-21T10:04:59.626" v="1307" actId="1076"/>
+          <ac:spMkLst>
+            <pc:docMk/>
+            <pc:sldMk cId="815722615" sldId="258"/>
+            <ac:spMk id="21" creationId="{F95A0EC0-1E87-2A91-5105-9873D27DC8F1}"/>
+          </ac:spMkLst>
+        </pc:spChg>
+        <pc:spChg chg="add mod">
+          <ac:chgData name="Chia-jung Yeh" userId="f328d6f4-0757-42dc-943f-c4685e047ee8" providerId="ADAL" clId="{E564DA1F-E2FD-475F-919F-BD2F09682F78}" dt="2024-01-21T10:04:59.626" v="1307" actId="1076"/>
+          <ac:spMkLst>
+            <pc:docMk/>
+            <pc:sldMk cId="815722615" sldId="258"/>
+            <ac:spMk id="22" creationId="{305622B7-C921-99F9-129C-56F39376B51A}"/>
+          </ac:spMkLst>
+        </pc:spChg>
+        <pc:spChg chg="add mod">
+          <ac:chgData name="Chia-jung Yeh" userId="f328d6f4-0757-42dc-943f-c4685e047ee8" providerId="ADAL" clId="{E564DA1F-E2FD-475F-919F-BD2F09682F78}" dt="2024-01-21T10:04:59.626" v="1307" actId="1076"/>
+          <ac:spMkLst>
+            <pc:docMk/>
+            <pc:sldMk cId="815722615" sldId="258"/>
+            <ac:spMk id="23" creationId="{ADA8D4BA-7298-D3F4-87F4-4B3799D98C20}"/>
+          </ac:spMkLst>
+        </pc:spChg>
+        <pc:spChg chg="add mod">
+          <ac:chgData name="Chia-jung Yeh" userId="f328d6f4-0757-42dc-943f-c4685e047ee8" providerId="ADAL" clId="{E564DA1F-E2FD-475F-919F-BD2F09682F78}" dt="2024-01-21T10:04:59.626" v="1307" actId="1076"/>
+          <ac:spMkLst>
+            <pc:docMk/>
+            <pc:sldMk cId="815722615" sldId="258"/>
+            <ac:spMk id="24" creationId="{A6FD8B4C-371D-B908-39EB-EAEA290215E3}"/>
+          </ac:spMkLst>
+        </pc:spChg>
+        <pc:spChg chg="add mod">
+          <ac:chgData name="Chia-jung Yeh" userId="f328d6f4-0757-42dc-943f-c4685e047ee8" providerId="ADAL" clId="{E564DA1F-E2FD-475F-919F-BD2F09682F78}" dt="2024-01-21T10:04:59.626" v="1307" actId="1076"/>
+          <ac:spMkLst>
+            <pc:docMk/>
+            <pc:sldMk cId="815722615" sldId="258"/>
+            <ac:spMk id="25" creationId="{FCC6717F-8E79-479A-EBCB-B8C9EE7DA4C2}"/>
+          </ac:spMkLst>
+        </pc:spChg>
+        <pc:spChg chg="add mod">
+          <ac:chgData name="Chia-jung Yeh" userId="f328d6f4-0757-42dc-943f-c4685e047ee8" providerId="ADAL" clId="{E564DA1F-E2FD-475F-919F-BD2F09682F78}" dt="2024-01-21T10:04:59.626" v="1307" actId="1076"/>
+          <ac:spMkLst>
+            <pc:docMk/>
+            <pc:sldMk cId="815722615" sldId="258"/>
+            <ac:spMk id="26" creationId="{E2F390FF-6B15-D1CA-8F6A-50E4B607EF7D}"/>
+          </ac:spMkLst>
+        </pc:spChg>
+        <pc:spChg chg="add mod">
+          <ac:chgData name="Chia-jung Yeh" userId="f328d6f4-0757-42dc-943f-c4685e047ee8" providerId="ADAL" clId="{E564DA1F-E2FD-475F-919F-BD2F09682F78}" dt="2024-01-21T10:04:59.626" v="1307" actId="1076"/>
+          <ac:spMkLst>
+            <pc:docMk/>
+            <pc:sldMk cId="815722615" sldId="258"/>
+            <ac:spMk id="27" creationId="{FBF31997-0EB7-9B29-5E24-3D62FFE32647}"/>
+          </ac:spMkLst>
+        </pc:spChg>
+        <pc:spChg chg="add mod">
+          <ac:chgData name="Chia-jung Yeh" userId="f328d6f4-0757-42dc-943f-c4685e047ee8" providerId="ADAL" clId="{E564DA1F-E2FD-475F-919F-BD2F09682F78}" dt="2024-01-21T10:04:59.626" v="1307" actId="1076"/>
+          <ac:spMkLst>
+            <pc:docMk/>
+            <pc:sldMk cId="815722615" sldId="258"/>
+            <ac:spMk id="28" creationId="{4489901B-1329-E391-E2D5-D52FF18ED629}"/>
+          </ac:spMkLst>
+        </pc:spChg>
+        <pc:spChg chg="add mod">
+          <ac:chgData name="Chia-jung Yeh" userId="f328d6f4-0757-42dc-943f-c4685e047ee8" providerId="ADAL" clId="{E564DA1F-E2FD-475F-919F-BD2F09682F78}" dt="2024-01-21T09:43:55.743" v="929" actId="571"/>
+          <ac:spMkLst>
+            <pc:docMk/>
+            <pc:sldMk cId="815722615" sldId="258"/>
+            <ac:spMk id="29" creationId="{82EC9C71-3DD7-4A91-0800-01CC4D03706E}"/>
+          </ac:spMkLst>
+        </pc:spChg>
+        <pc:spChg chg="add del mod">
+          <ac:chgData name="Chia-jung Yeh" userId="f328d6f4-0757-42dc-943f-c4685e047ee8" providerId="ADAL" clId="{E564DA1F-E2FD-475F-919F-BD2F09682F78}" dt="2024-01-21T10:04:59.626" v="1307" actId="1076"/>
+          <ac:spMkLst>
+            <pc:docMk/>
+            <pc:sldMk cId="815722615" sldId="258"/>
+            <ac:spMk id="30" creationId="{10C17F8A-88D4-98F0-E8BA-4F8F874273EC}"/>
+          </ac:spMkLst>
+        </pc:spChg>
+        <pc:spChg chg="add mod">
+          <ac:chgData name="Chia-jung Yeh" userId="f328d6f4-0757-42dc-943f-c4685e047ee8" providerId="ADAL" clId="{E564DA1F-E2FD-475F-919F-BD2F09682F78}" dt="2024-01-21T10:04:59.626" v="1307" actId="1076"/>
+          <ac:spMkLst>
+            <pc:docMk/>
+            <pc:sldMk cId="815722615" sldId="258"/>
+            <ac:spMk id="31" creationId="{7231B0A7-32CE-8ADC-6D7C-1C9D31D03518}"/>
+          </ac:spMkLst>
+        </pc:spChg>
+        <pc:spChg chg="add mod">
+          <ac:chgData name="Chia-jung Yeh" userId="f328d6f4-0757-42dc-943f-c4685e047ee8" providerId="ADAL" clId="{E564DA1F-E2FD-475F-919F-BD2F09682F78}" dt="2024-01-21T10:04:59.626" v="1307" actId="1076"/>
+          <ac:spMkLst>
+            <pc:docMk/>
+            <pc:sldMk cId="815722615" sldId="258"/>
+            <ac:spMk id="32" creationId="{23C8B1AA-7D7E-C4D1-ED44-680D0169C595}"/>
+          </ac:spMkLst>
+        </pc:spChg>
+        <pc:spChg chg="add mod">
+          <ac:chgData name="Chia-jung Yeh" userId="f328d6f4-0757-42dc-943f-c4685e047ee8" providerId="ADAL" clId="{E564DA1F-E2FD-475F-919F-BD2F09682F78}" dt="2024-01-21T10:04:59.626" v="1307" actId="1076"/>
+          <ac:spMkLst>
+            <pc:docMk/>
+            <pc:sldMk cId="815722615" sldId="258"/>
+            <ac:spMk id="33" creationId="{C1F5C6B8-8109-9F1F-4C46-84FE229B4FE4}"/>
+          </ac:spMkLst>
+        </pc:spChg>
+        <pc:spChg chg="add mod">
+          <ac:chgData name="Chia-jung Yeh" userId="f328d6f4-0757-42dc-943f-c4685e047ee8" providerId="ADAL" clId="{E564DA1F-E2FD-475F-919F-BD2F09682F78}" dt="2024-01-21T10:04:59.626" v="1307" actId="1076"/>
+          <ac:spMkLst>
+            <pc:docMk/>
+            <pc:sldMk cId="815722615" sldId="258"/>
+            <ac:spMk id="34" creationId="{F48C1704-FFC6-2C7E-1A12-2196EA59C394}"/>
+          </ac:spMkLst>
+        </pc:spChg>
+        <pc:spChg chg="add mod">
+          <ac:chgData name="Chia-jung Yeh" userId="f328d6f4-0757-42dc-943f-c4685e047ee8" providerId="ADAL" clId="{E564DA1F-E2FD-475F-919F-BD2F09682F78}" dt="2024-01-21T10:04:59.626" v="1307" actId="1076"/>
+          <ac:spMkLst>
+            <pc:docMk/>
+            <pc:sldMk cId="815722615" sldId="258"/>
+            <ac:spMk id="35" creationId="{11924337-39B6-3A0E-2D7D-FD576261F3FA}"/>
+          </ac:spMkLst>
+        </pc:spChg>
+        <pc:spChg chg="add mod">
+          <ac:chgData name="Chia-jung Yeh" userId="f328d6f4-0757-42dc-943f-c4685e047ee8" providerId="ADAL" clId="{E564DA1F-E2FD-475F-919F-BD2F09682F78}" dt="2024-01-21T10:04:59.626" v="1307" actId="1076"/>
+          <ac:spMkLst>
+            <pc:docMk/>
+            <pc:sldMk cId="815722615" sldId="258"/>
+            <ac:spMk id="36" creationId="{9F798DD7-0505-CE28-ADEC-F2A4EA8514FB}"/>
+          </ac:spMkLst>
+        </pc:spChg>
+        <pc:spChg chg="add mod">
+          <ac:chgData name="Chia-jung Yeh" userId="f328d6f4-0757-42dc-943f-c4685e047ee8" providerId="ADAL" clId="{E564DA1F-E2FD-475F-919F-BD2F09682F78}" dt="2024-01-21T10:04:59.626" v="1307" actId="1076"/>
+          <ac:spMkLst>
+            <pc:docMk/>
+            <pc:sldMk cId="815722615" sldId="258"/>
+            <ac:spMk id="37" creationId="{B7B38C81-16E0-A059-1066-D4DBBB7FF56D}"/>
+          </ac:spMkLst>
+        </pc:spChg>
+        <pc:spChg chg="add mod">
+          <ac:chgData name="Chia-jung Yeh" userId="f328d6f4-0757-42dc-943f-c4685e047ee8" providerId="ADAL" clId="{E564DA1F-E2FD-475F-919F-BD2F09682F78}" dt="2024-01-21T10:04:59.626" v="1307" actId="1076"/>
+          <ac:spMkLst>
+            <pc:docMk/>
+            <pc:sldMk cId="815722615" sldId="258"/>
+            <ac:spMk id="66" creationId="{12A5FF6D-D89E-8D61-1B56-9906E81808DD}"/>
+          </ac:spMkLst>
+        </pc:spChg>
+        <pc:spChg chg="add mod">
+          <ac:chgData name="Chia-jung Yeh" userId="f328d6f4-0757-42dc-943f-c4685e047ee8" providerId="ADAL" clId="{E564DA1F-E2FD-475F-919F-BD2F09682F78}" dt="2024-01-21T10:04:59.626" v="1307" actId="1076"/>
+          <ac:spMkLst>
+            <pc:docMk/>
+            <pc:sldMk cId="815722615" sldId="258"/>
+            <ac:spMk id="67" creationId="{3AFEB5E9-2853-77A6-8BD5-72DB54C3AD75}"/>
+          </ac:spMkLst>
+        </pc:spChg>
+        <pc:spChg chg="add mod">
+          <ac:chgData name="Chia-jung Yeh" userId="f328d6f4-0757-42dc-943f-c4685e047ee8" providerId="ADAL" clId="{E564DA1F-E2FD-475F-919F-BD2F09682F78}" dt="2024-01-21T10:04:59.626" v="1307" actId="1076"/>
+          <ac:spMkLst>
+            <pc:docMk/>
+            <pc:sldMk cId="815722615" sldId="258"/>
+            <ac:spMk id="68" creationId="{13FF6909-C614-20B7-DC6E-64471357FFCB}"/>
+          </ac:spMkLst>
+        </pc:spChg>
+        <pc:spChg chg="add mod">
+          <ac:chgData name="Chia-jung Yeh" userId="f328d6f4-0757-42dc-943f-c4685e047ee8" providerId="ADAL" clId="{E564DA1F-E2FD-475F-919F-BD2F09682F78}" dt="2024-01-21T10:04:59.626" v="1307" actId="1076"/>
+          <ac:spMkLst>
+            <pc:docMk/>
+            <pc:sldMk cId="815722615" sldId="258"/>
+            <ac:spMk id="69" creationId="{48136667-6900-F943-7EE7-1D5378F0D350}"/>
+          </ac:spMkLst>
+        </pc:spChg>
+        <pc:spChg chg="add mod">
+          <ac:chgData name="Chia-jung Yeh" userId="f328d6f4-0757-42dc-943f-c4685e047ee8" providerId="ADAL" clId="{E564DA1F-E2FD-475F-919F-BD2F09682F78}" dt="2024-01-21T10:04:59.626" v="1307" actId="1076"/>
+          <ac:spMkLst>
+            <pc:docMk/>
+            <pc:sldMk cId="815722615" sldId="258"/>
+            <ac:spMk id="70" creationId="{B3B6F82B-8668-0076-B476-822C03115913}"/>
+          </ac:spMkLst>
+        </pc:spChg>
+        <pc:spChg chg="add mod">
+          <ac:chgData name="Chia-jung Yeh" userId="f328d6f4-0757-42dc-943f-c4685e047ee8" providerId="ADAL" clId="{E564DA1F-E2FD-475F-919F-BD2F09682F78}" dt="2024-01-21T10:04:59.626" v="1307" actId="1076"/>
+          <ac:spMkLst>
+            <pc:docMk/>
+            <pc:sldMk cId="815722615" sldId="258"/>
+            <ac:spMk id="71" creationId="{EFD32FCD-3AD8-D6A9-19D7-E2F91B9D78FC}"/>
+          </ac:spMkLst>
+        </pc:spChg>
+        <pc:spChg chg="add mod">
+          <ac:chgData name="Chia-jung Yeh" userId="f328d6f4-0757-42dc-943f-c4685e047ee8" providerId="ADAL" clId="{E564DA1F-E2FD-475F-919F-BD2F09682F78}" dt="2024-01-21T10:04:59.626" v="1307" actId="1076"/>
+          <ac:spMkLst>
+            <pc:docMk/>
+            <pc:sldMk cId="815722615" sldId="258"/>
+            <ac:spMk id="72" creationId="{37A73AEC-7582-6B89-EAA5-6150AA7DA56F}"/>
+          </ac:spMkLst>
+        </pc:spChg>
+        <pc:spChg chg="add mod">
+          <ac:chgData name="Chia-jung Yeh" userId="f328d6f4-0757-42dc-943f-c4685e047ee8" providerId="ADAL" clId="{E564DA1F-E2FD-475F-919F-BD2F09682F78}" dt="2024-01-21T10:04:59.626" v="1307" actId="1076"/>
+          <ac:spMkLst>
+            <pc:docMk/>
+            <pc:sldMk cId="815722615" sldId="258"/>
+            <ac:spMk id="73" creationId="{C642444C-D59A-E846-2623-6C394B2DA432}"/>
+          </ac:spMkLst>
+        </pc:spChg>
+        <pc:spChg chg="add mod">
+          <ac:chgData name="Chia-jung Yeh" userId="f328d6f4-0757-42dc-943f-c4685e047ee8" providerId="ADAL" clId="{E564DA1F-E2FD-475F-919F-BD2F09682F78}" dt="2024-01-21T10:04:59.626" v="1307" actId="1076"/>
+          <ac:spMkLst>
+            <pc:docMk/>
+            <pc:sldMk cId="815722615" sldId="258"/>
+            <ac:spMk id="74" creationId="{9E8CF20E-D1D8-EAFB-488B-DF1390FD532B}"/>
+          </ac:spMkLst>
+        </pc:spChg>
+        <pc:spChg chg="add mod ord">
+          <ac:chgData name="Chia-jung Yeh" userId="f328d6f4-0757-42dc-943f-c4685e047ee8" providerId="ADAL" clId="{E564DA1F-E2FD-475F-919F-BD2F09682F78}" dt="2024-01-21T10:04:59.626" v="1307" actId="1076"/>
+          <ac:spMkLst>
+            <pc:docMk/>
+            <pc:sldMk cId="815722615" sldId="258"/>
+            <ac:spMk id="75" creationId="{BCA4FEE7-A023-9431-95D3-48361AE3220D}"/>
+          </ac:spMkLst>
+        </pc:spChg>
+        <pc:spChg chg="add mod">
+          <ac:chgData name="Chia-jung Yeh" userId="f328d6f4-0757-42dc-943f-c4685e047ee8" providerId="ADAL" clId="{E564DA1F-E2FD-475F-919F-BD2F09682F78}" dt="2024-01-21T10:04:59.626" v="1307" actId="1076"/>
+          <ac:spMkLst>
+            <pc:docMk/>
+            <pc:sldMk cId="815722615" sldId="258"/>
+            <ac:spMk id="76" creationId="{4672AF1A-3A70-6BE5-3864-7FB53AF5ED0F}"/>
+          </ac:spMkLst>
+        </pc:spChg>
+        <pc:spChg chg="add mod">
+          <ac:chgData name="Chia-jung Yeh" userId="f328d6f4-0757-42dc-943f-c4685e047ee8" providerId="ADAL" clId="{E564DA1F-E2FD-475F-919F-BD2F09682F78}" dt="2024-01-21T10:04:59.626" v="1307" actId="1076"/>
+          <ac:spMkLst>
+            <pc:docMk/>
+            <pc:sldMk cId="815722615" sldId="258"/>
+            <ac:spMk id="77" creationId="{17D1597C-50BF-35B9-0326-415582335219}"/>
+          </ac:spMkLst>
+        </pc:spChg>
+        <pc:spChg chg="add mod">
+          <ac:chgData name="Chia-jung Yeh" userId="f328d6f4-0757-42dc-943f-c4685e047ee8" providerId="ADAL" clId="{E564DA1F-E2FD-475F-919F-BD2F09682F78}" dt="2024-01-21T10:04:59.626" v="1307" actId="1076"/>
+          <ac:spMkLst>
+            <pc:docMk/>
+            <pc:sldMk cId="815722615" sldId="258"/>
+            <ac:spMk id="78" creationId="{E57737B4-3BED-2E52-6BE3-F1F310437213}"/>
+          </ac:spMkLst>
+        </pc:spChg>
+        <pc:spChg chg="add mod">
+          <ac:chgData name="Chia-jung Yeh" userId="f328d6f4-0757-42dc-943f-c4685e047ee8" providerId="ADAL" clId="{E564DA1F-E2FD-475F-919F-BD2F09682F78}" dt="2024-01-21T10:04:59.626" v="1307" actId="1076"/>
+          <ac:spMkLst>
+            <pc:docMk/>
+            <pc:sldMk cId="815722615" sldId="258"/>
+            <ac:spMk id="79" creationId="{22FCF5F3-D4B2-A7DB-077C-3B6971EDD4F3}"/>
+          </ac:spMkLst>
+        </pc:spChg>
+        <pc:spChg chg="add mod">
+          <ac:chgData name="Chia-jung Yeh" userId="f328d6f4-0757-42dc-943f-c4685e047ee8" providerId="ADAL" clId="{E564DA1F-E2FD-475F-919F-BD2F09682F78}" dt="2024-01-21T10:04:59.626" v="1307" actId="1076"/>
+          <ac:spMkLst>
+            <pc:docMk/>
+            <pc:sldMk cId="815722615" sldId="258"/>
+            <ac:spMk id="80" creationId="{05067232-4FD5-6109-48A8-93DA8B0905FA}"/>
+          </ac:spMkLst>
+        </pc:spChg>
+        <pc:spChg chg="add mod">
+          <ac:chgData name="Chia-jung Yeh" userId="f328d6f4-0757-42dc-943f-c4685e047ee8" providerId="ADAL" clId="{E564DA1F-E2FD-475F-919F-BD2F09682F78}" dt="2024-01-21T10:04:59.626" v="1307" actId="1076"/>
+          <ac:spMkLst>
+            <pc:docMk/>
+            <pc:sldMk cId="815722615" sldId="258"/>
+            <ac:spMk id="81" creationId="{FD3DCAF1-8498-2B1B-40D7-F5BBFE1C751B}"/>
+          </ac:spMkLst>
+        </pc:spChg>
+        <pc:spChg chg="add mod">
+          <ac:chgData name="Chia-jung Yeh" userId="f328d6f4-0757-42dc-943f-c4685e047ee8" providerId="ADAL" clId="{E564DA1F-E2FD-475F-919F-BD2F09682F78}" dt="2024-01-21T10:04:59.626" v="1307" actId="1076"/>
+          <ac:spMkLst>
+            <pc:docMk/>
+            <pc:sldMk cId="815722615" sldId="258"/>
+            <ac:spMk id="82" creationId="{E22F31F7-D945-DACD-6895-38752CD9FB0C}"/>
+          </ac:spMkLst>
+        </pc:spChg>
+        <pc:spChg chg="add mod">
+          <ac:chgData name="Chia-jung Yeh" userId="f328d6f4-0757-42dc-943f-c4685e047ee8" providerId="ADAL" clId="{E564DA1F-E2FD-475F-919F-BD2F09682F78}" dt="2024-01-21T10:04:59.626" v="1307" actId="1076"/>
+          <ac:spMkLst>
+            <pc:docMk/>
+            <pc:sldMk cId="815722615" sldId="258"/>
+            <ac:spMk id="83" creationId="{629B6400-EC38-A405-7294-7540446EF050}"/>
+          </ac:spMkLst>
+        </pc:spChg>
+        <pc:spChg chg="add mod">
+          <ac:chgData name="Chia-jung Yeh" userId="f328d6f4-0757-42dc-943f-c4685e047ee8" providerId="ADAL" clId="{E564DA1F-E2FD-475F-919F-BD2F09682F78}" dt="2024-01-21T10:04:59.626" v="1307" actId="1076"/>
+          <ac:spMkLst>
+            <pc:docMk/>
+            <pc:sldMk cId="815722615" sldId="258"/>
+            <ac:spMk id="84" creationId="{D9E25D2A-AB77-3A41-D1F8-F66E2F984EBD}"/>
+          </ac:spMkLst>
+        </pc:spChg>
+        <pc:spChg chg="add del mod">
+          <ac:chgData name="Chia-jung Yeh" userId="f328d6f4-0757-42dc-943f-c4685e047ee8" providerId="ADAL" clId="{E564DA1F-E2FD-475F-919F-BD2F09682F78}" dt="2024-01-21T10:38:34.673" v="1312" actId="478"/>
+          <ac:spMkLst>
+            <pc:docMk/>
+            <pc:sldMk cId="815722615" sldId="258"/>
+            <ac:spMk id="85" creationId="{C0BB8BE7-E309-101C-E43B-BB0917FAC42B}"/>
+          </ac:spMkLst>
+        </pc:spChg>
+        <pc:spChg chg="add mod">
+          <ac:chgData name="Chia-jung Yeh" userId="f328d6f4-0757-42dc-943f-c4685e047ee8" providerId="ADAL" clId="{E564DA1F-E2FD-475F-919F-BD2F09682F78}" dt="2024-01-21T10:04:59.626" v="1307" actId="1076"/>
+          <ac:spMkLst>
+            <pc:docMk/>
+            <pc:sldMk cId="815722615" sldId="258"/>
+            <ac:spMk id="88" creationId="{B875D2D8-CC97-2EE0-AEF9-248772B4047E}"/>
+          </ac:spMkLst>
+        </pc:spChg>
+        <pc:spChg chg="add mod">
+          <ac:chgData name="Chia-jung Yeh" userId="f328d6f4-0757-42dc-943f-c4685e047ee8" providerId="ADAL" clId="{E564DA1F-E2FD-475F-919F-BD2F09682F78}" dt="2024-01-21T09:53:10.189" v="1197" actId="571"/>
+          <ac:spMkLst>
+            <pc:docMk/>
+            <pc:sldMk cId="815722615" sldId="258"/>
+            <ac:spMk id="89" creationId="{904E7DB1-9990-EECD-CFD6-3A5C886B59D1}"/>
+          </ac:spMkLst>
+        </pc:spChg>
+        <pc:spChg chg="add mod">
+          <ac:chgData name="Chia-jung Yeh" userId="f328d6f4-0757-42dc-943f-c4685e047ee8" providerId="ADAL" clId="{E564DA1F-E2FD-475F-919F-BD2F09682F78}" dt="2024-01-21T10:04:59.626" v="1307" actId="1076"/>
+          <ac:spMkLst>
+            <pc:docMk/>
+            <pc:sldMk cId="815722615" sldId="258"/>
+            <ac:spMk id="90" creationId="{E12E873F-EC23-A0D0-5A82-66DBF1E15212}"/>
+          </ac:spMkLst>
+        </pc:spChg>
+        <pc:spChg chg="add mod">
+          <ac:chgData name="Chia-jung Yeh" userId="f328d6f4-0757-42dc-943f-c4685e047ee8" providerId="ADAL" clId="{E564DA1F-E2FD-475F-919F-BD2F09682F78}" dt="2024-01-21T09:53:45.639" v="1232" actId="571"/>
+          <ac:spMkLst>
+            <pc:docMk/>
+            <pc:sldMk cId="815722615" sldId="258"/>
+            <ac:spMk id="91" creationId="{D4A091B9-6F7B-E4F3-40D8-38FF7CA36416}"/>
+          </ac:spMkLst>
+        </pc:spChg>
+        <pc:spChg chg="add mod">
+          <ac:chgData name="Chia-jung Yeh" userId="f328d6f4-0757-42dc-943f-c4685e047ee8" providerId="ADAL" clId="{E564DA1F-E2FD-475F-919F-BD2F09682F78}" dt="2024-01-21T09:53:45.639" v="1232" actId="571"/>
+          <ac:spMkLst>
+            <pc:docMk/>
+            <pc:sldMk cId="815722615" sldId="258"/>
+            <ac:spMk id="92" creationId="{494C82C6-1399-9148-F038-9552FF90D371}"/>
+          </ac:spMkLst>
+        </pc:spChg>
+        <pc:spChg chg="add mod ord">
+          <ac:chgData name="Chia-jung Yeh" userId="f328d6f4-0757-42dc-943f-c4685e047ee8" providerId="ADAL" clId="{E564DA1F-E2FD-475F-919F-BD2F09682F78}" dt="2024-01-21T10:04:59.626" v="1307" actId="1076"/>
+          <ac:spMkLst>
+            <pc:docMk/>
+            <pc:sldMk cId="815722615" sldId="258"/>
+            <ac:spMk id="93" creationId="{48EBA9AE-7C25-84D2-DBBC-F546A18FA226}"/>
+          </ac:spMkLst>
+        </pc:spChg>
+        <pc:spChg chg="add mod">
+          <ac:chgData name="Chia-jung Yeh" userId="f328d6f4-0757-42dc-943f-c4685e047ee8" providerId="ADAL" clId="{E564DA1F-E2FD-475F-919F-BD2F09682F78}" dt="2024-01-21T09:54:01.012" v="1248" actId="571"/>
+          <ac:spMkLst>
+            <pc:docMk/>
+            <pc:sldMk cId="815722615" sldId="258"/>
+            <ac:spMk id="94" creationId="{DB07D183-E6F6-E6B8-8E5A-A8C2DE24D550}"/>
+          </ac:spMkLst>
+        </pc:spChg>
+        <pc:spChg chg="add mod">
+          <ac:chgData name="Chia-jung Yeh" userId="f328d6f4-0757-42dc-943f-c4685e047ee8" providerId="ADAL" clId="{E564DA1F-E2FD-475F-919F-BD2F09682F78}" dt="2024-01-21T09:54:01.012" v="1248" actId="571"/>
+          <ac:spMkLst>
+            <pc:docMk/>
+            <pc:sldMk cId="815722615" sldId="258"/>
+            <ac:spMk id="95" creationId="{1F3A13D9-8611-78C9-3A9C-23C54613CA71}"/>
+          </ac:spMkLst>
+        </pc:spChg>
+        <pc:spChg chg="add mod">
+          <ac:chgData name="Chia-jung Yeh" userId="f328d6f4-0757-42dc-943f-c4685e047ee8" providerId="ADAL" clId="{E564DA1F-E2FD-475F-919F-BD2F09682F78}" dt="2024-01-21T10:04:59.626" v="1307" actId="1076"/>
+          <ac:spMkLst>
+            <pc:docMk/>
+            <pc:sldMk cId="815722615" sldId="258"/>
+            <ac:spMk id="96" creationId="{71EE9E6D-2390-7B87-6AF1-44C2CD1CA356}"/>
+          </ac:spMkLst>
+        </pc:spChg>
+        <pc:spChg chg="add del mod">
+          <ac:chgData name="Chia-jung Yeh" userId="f328d6f4-0757-42dc-943f-c4685e047ee8" providerId="ADAL" clId="{E564DA1F-E2FD-475F-919F-BD2F09682F78}" dt="2024-01-21T10:38:34.673" v="1312" actId="478"/>
+          <ac:spMkLst>
+            <pc:docMk/>
+            <pc:sldMk cId="815722615" sldId="258"/>
+            <ac:spMk id="97" creationId="{EC7A3D0F-31E3-49B2-BC95-935E3E9EA14A}"/>
+          </ac:spMkLst>
+        </pc:spChg>
+        <pc:spChg chg="add del mod">
+          <ac:chgData name="Chia-jung Yeh" userId="f328d6f4-0757-42dc-943f-c4685e047ee8" providerId="ADAL" clId="{E564DA1F-E2FD-475F-919F-BD2F09682F78}" dt="2024-01-21T10:38:34.673" v="1312" actId="478"/>
+          <ac:spMkLst>
+            <pc:docMk/>
+            <pc:sldMk cId="815722615" sldId="258"/>
+            <ac:spMk id="98" creationId="{8EAEA31B-B0E8-7393-F7CD-D6951055918C}"/>
+          </ac:spMkLst>
+        </pc:spChg>
+        <pc:spChg chg="add mod ord">
+          <ac:chgData name="Chia-jung Yeh" userId="f328d6f4-0757-42dc-943f-c4685e047ee8" providerId="ADAL" clId="{E564DA1F-E2FD-475F-919F-BD2F09682F78}" dt="2024-01-21T10:04:59.626" v="1307" actId="1076"/>
+          <ac:spMkLst>
+            <pc:docMk/>
+            <pc:sldMk cId="815722615" sldId="258"/>
+            <ac:spMk id="99" creationId="{D7812E6D-64F6-050B-1950-36F5D8342439}"/>
+          </ac:spMkLst>
+        </pc:spChg>
+        <pc:spChg chg="add mod ord">
+          <ac:chgData name="Chia-jung Yeh" userId="f328d6f4-0757-42dc-943f-c4685e047ee8" providerId="ADAL" clId="{E564DA1F-E2FD-475F-919F-BD2F09682F78}" dt="2024-01-21T10:04:59.626" v="1307" actId="1076"/>
+          <ac:spMkLst>
+            <pc:docMk/>
+            <pc:sldMk cId="815722615" sldId="258"/>
+            <ac:spMk id="100" creationId="{7AD2312D-6AD9-9099-CBBA-DD1EAD37EC54}"/>
+          </ac:spMkLst>
+        </pc:spChg>
+        <pc:spChg chg="add mod">
+          <ac:chgData name="Chia-jung Yeh" userId="f328d6f4-0757-42dc-943f-c4685e047ee8" providerId="ADAL" clId="{E564DA1F-E2FD-475F-919F-BD2F09682F78}" dt="2024-01-21T10:04:09.946" v="1291" actId="571"/>
+          <ac:spMkLst>
+            <pc:docMk/>
+            <pc:sldMk cId="815722615" sldId="258"/>
+            <ac:spMk id="101" creationId="{E958918E-3010-E073-4A84-FDD3126E1372}"/>
+          </ac:spMkLst>
+        </pc:spChg>
+        <pc:spChg chg="add mod ord">
+          <ac:chgData name="Chia-jung Yeh" userId="f328d6f4-0757-42dc-943f-c4685e047ee8" providerId="ADAL" clId="{E564DA1F-E2FD-475F-919F-BD2F09682F78}" dt="2024-01-21T10:05:10.917" v="1310" actId="14100"/>
+          <ac:spMkLst>
+            <pc:docMk/>
+            <pc:sldMk cId="815722615" sldId="258"/>
+            <ac:spMk id="102" creationId="{1A7BA670-1530-D566-ECE3-546BBB4F83C4}"/>
+          </ac:spMkLst>
+        </pc:spChg>
+        <pc:spChg chg="add mod">
+          <ac:chgData name="Chia-jung Yeh" userId="f328d6f4-0757-42dc-943f-c4685e047ee8" providerId="ADAL" clId="{E564DA1F-E2FD-475F-919F-BD2F09682F78}" dt="2024-01-21T10:38:30.787" v="1311" actId="571"/>
+          <ac:spMkLst>
+            <pc:docMk/>
+            <pc:sldMk cId="815722615" sldId="258"/>
+            <ac:spMk id="103" creationId="{81546DD3-1427-3952-6534-07E5535F16EB}"/>
+          </ac:spMkLst>
+        </pc:spChg>
+        <pc:spChg chg="add mod">
+          <ac:chgData name="Chia-jung Yeh" userId="f328d6f4-0757-42dc-943f-c4685e047ee8" providerId="ADAL" clId="{E564DA1F-E2FD-475F-919F-BD2F09682F78}" dt="2024-01-21T10:38:30.787" v="1311" actId="571"/>
+          <ac:spMkLst>
+            <pc:docMk/>
+            <pc:sldMk cId="815722615" sldId="258"/>
+            <ac:spMk id="104" creationId="{4F9901C1-5392-59FD-E045-EC8ABB6E0C88}"/>
+          </ac:spMkLst>
+        </pc:spChg>
+        <pc:spChg chg="add mod">
+          <ac:chgData name="Chia-jung Yeh" userId="f328d6f4-0757-42dc-943f-c4685e047ee8" providerId="ADAL" clId="{E564DA1F-E2FD-475F-919F-BD2F09682F78}" dt="2024-01-21T10:38:30.787" v="1311" actId="571"/>
+          <ac:spMkLst>
+            <pc:docMk/>
+            <pc:sldMk cId="815722615" sldId="258"/>
+            <ac:spMk id="105" creationId="{A8E0EACA-F5E7-1D31-E948-E1F9D198C69F}"/>
+          </ac:spMkLst>
+        </pc:spChg>
+        <pc:cxnChg chg="add mod">
+          <ac:chgData name="Chia-jung Yeh" userId="f328d6f4-0757-42dc-943f-c4685e047ee8" providerId="ADAL" clId="{E564DA1F-E2FD-475F-919F-BD2F09682F78}" dt="2024-01-21T10:04:59.626" v="1307" actId="1076"/>
+          <ac:cxnSpMkLst>
+            <pc:docMk/>
+            <pc:sldMk cId="815722615" sldId="258"/>
+            <ac:cxnSpMk id="39" creationId="{8CCF63A1-D68E-14CB-B079-47EA5BF7F251}"/>
+          </ac:cxnSpMkLst>
+        </pc:cxnChg>
+        <pc:cxnChg chg="add mod">
+          <ac:chgData name="Chia-jung Yeh" userId="f328d6f4-0757-42dc-943f-c4685e047ee8" providerId="ADAL" clId="{E564DA1F-E2FD-475F-919F-BD2F09682F78}" dt="2024-01-21T09:45:23.145" v="978" actId="571"/>
+          <ac:cxnSpMkLst>
+            <pc:docMk/>
+            <pc:sldMk cId="815722615" sldId="258"/>
+            <ac:cxnSpMk id="42" creationId="{B4C6138F-F0BE-A5A7-A663-440C3A4DB04A}"/>
+          </ac:cxnSpMkLst>
+        </pc:cxnChg>
+        <pc:cxnChg chg="add mod">
+          <ac:chgData name="Chia-jung Yeh" userId="f328d6f4-0757-42dc-943f-c4685e047ee8" providerId="ADAL" clId="{E564DA1F-E2FD-475F-919F-BD2F09682F78}" dt="2024-01-21T10:04:59.626" v="1307" actId="1076"/>
+          <ac:cxnSpMkLst>
+            <pc:docMk/>
+            <pc:sldMk cId="815722615" sldId="258"/>
+            <ac:cxnSpMk id="43" creationId="{7B03FCE3-00D3-D46D-2467-446DD89ADD60}"/>
+          </ac:cxnSpMkLst>
+        </pc:cxnChg>
+        <pc:cxnChg chg="add mod">
+          <ac:chgData name="Chia-jung Yeh" userId="f328d6f4-0757-42dc-943f-c4685e047ee8" providerId="ADAL" clId="{E564DA1F-E2FD-475F-919F-BD2F09682F78}" dt="2024-01-21T10:04:59.626" v="1307" actId="1076"/>
+          <ac:cxnSpMkLst>
+            <pc:docMk/>
+            <pc:sldMk cId="815722615" sldId="258"/>
+            <ac:cxnSpMk id="47" creationId="{FCEA9E06-8156-47C6-C4E1-0F760A335923}"/>
+          </ac:cxnSpMkLst>
+        </pc:cxnChg>
+        <pc:cxnChg chg="add mod">
+          <ac:chgData name="Chia-jung Yeh" userId="f328d6f4-0757-42dc-943f-c4685e047ee8" providerId="ADAL" clId="{E564DA1F-E2FD-475F-919F-BD2F09682F78}" dt="2024-01-21T10:04:59.626" v="1307" actId="1076"/>
+          <ac:cxnSpMkLst>
+            <pc:docMk/>
+            <pc:sldMk cId="815722615" sldId="258"/>
+            <ac:cxnSpMk id="50" creationId="{DBD79D26-2337-42EF-0CB1-62A28903CD92}"/>
+          </ac:cxnSpMkLst>
+        </pc:cxnChg>
+        <pc:cxnChg chg="add mod">
+          <ac:chgData name="Chia-jung Yeh" userId="f328d6f4-0757-42dc-943f-c4685e047ee8" providerId="ADAL" clId="{E564DA1F-E2FD-475F-919F-BD2F09682F78}" dt="2024-01-21T10:04:59.626" v="1307" actId="1076"/>
+          <ac:cxnSpMkLst>
+            <pc:docMk/>
+            <pc:sldMk cId="815722615" sldId="258"/>
+            <ac:cxnSpMk id="53" creationId="{A96D0DF3-F4E2-60BC-2445-6DED18488FCB}"/>
+          </ac:cxnSpMkLst>
+        </pc:cxnChg>
+        <pc:cxnChg chg="add mod">
+          <ac:chgData name="Chia-jung Yeh" userId="f328d6f4-0757-42dc-943f-c4685e047ee8" providerId="ADAL" clId="{E564DA1F-E2FD-475F-919F-BD2F09682F78}" dt="2024-01-21T10:04:59.626" v="1307" actId="1076"/>
+          <ac:cxnSpMkLst>
+            <pc:docMk/>
+            <pc:sldMk cId="815722615" sldId="258"/>
+            <ac:cxnSpMk id="56" creationId="{103B204E-2E00-FF48-3A46-E779A6F25AF4}"/>
+          </ac:cxnSpMkLst>
+        </pc:cxnChg>
+        <pc:cxnChg chg="add mod">
+          <ac:chgData name="Chia-jung Yeh" userId="f328d6f4-0757-42dc-943f-c4685e047ee8" providerId="ADAL" clId="{E564DA1F-E2FD-475F-919F-BD2F09682F78}" dt="2024-01-21T10:04:59.626" v="1307" actId="1076"/>
+          <ac:cxnSpMkLst>
+            <pc:docMk/>
+            <pc:sldMk cId="815722615" sldId="258"/>
+            <ac:cxnSpMk id="60" creationId="{DCFCA6EC-6009-5262-FB06-037C7CCF5D17}"/>
+          </ac:cxnSpMkLst>
+        </pc:cxnChg>
+        <pc:cxnChg chg="add mod">
+          <ac:chgData name="Chia-jung Yeh" userId="f328d6f4-0757-42dc-943f-c4685e047ee8" providerId="ADAL" clId="{E564DA1F-E2FD-475F-919F-BD2F09682F78}" dt="2024-01-21T10:04:59.626" v="1307" actId="1076"/>
+          <ac:cxnSpMkLst>
+            <pc:docMk/>
+            <pc:sldMk cId="815722615" sldId="258"/>
+            <ac:cxnSpMk id="63" creationId="{BB8C3A61-40BF-52A9-F43A-D15E44850FDD}"/>
+          </ac:cxnSpMkLst>
+        </pc:cxnChg>
+        <pc:cxnChg chg="add del">
+          <ac:chgData name="Chia-jung Yeh" userId="f328d6f4-0757-42dc-943f-c4685e047ee8" providerId="ADAL" clId="{E564DA1F-E2FD-475F-919F-BD2F09682F78}" dt="2024-01-21T09:52:05.433" v="1178" actId="11529"/>
+          <ac:cxnSpMkLst>
+            <pc:docMk/>
+            <pc:sldMk cId="815722615" sldId="258"/>
+            <ac:cxnSpMk id="87" creationId="{9AC8F181-D6F7-DF98-B32F-061D3BAD7EDE}"/>
           </ac:cxnSpMkLst>
         </pc:cxnChg>
       </pc:sldChg>
@@ -9826,6 +10498,3406 @@
 </p:sld>
 </file>
 
+<file path=ppt/slides/slide3.xml><?xml version="1.0" encoding="utf-8"?>
+<p:sld xmlns:a="http://schemas.openxmlformats.org/drawingml/2006/main" xmlns:r="http://schemas.openxmlformats.org/officeDocument/2006/relationships" xmlns:p="http://schemas.openxmlformats.org/presentationml/2006/main">
+  <p:cSld>
+    <p:spTree>
+      <p:nvGrpSpPr>
+        <p:cNvPr id="1" name=""/>
+        <p:cNvGrpSpPr/>
+        <p:nvPr/>
+      </p:nvGrpSpPr>
+      <p:grpSpPr>
+        <a:xfrm>
+          <a:off x="0" y="0"/>
+          <a:ext cx="0" cy="0"/>
+          <a:chOff x="0" y="0"/>
+          <a:chExt cx="0" cy="0"/>
+        </a:xfrm>
+      </p:grpSpPr>
+      <p:sp>
+        <p:nvSpPr>
+          <p:cNvPr id="102" name="Rectangle 101">
+            <a:extLst>
+              <a:ext uri="{FF2B5EF4-FFF2-40B4-BE49-F238E27FC236}">
+                <a16:creationId xmlns:a16="http://schemas.microsoft.com/office/drawing/2014/main" id="{1A7BA670-1530-D566-ECE3-546BBB4F83C4}"/>
+              </a:ext>
+            </a:extLst>
+          </p:cNvPr>
+          <p:cNvSpPr/>
+          <p:nvPr/>
+        </p:nvSpPr>
+        <p:spPr>
+          <a:xfrm>
+            <a:off x="1030147" y="831019"/>
+            <a:ext cx="10026262" cy="3903026"/>
+          </a:xfrm>
+          <a:prstGeom prst="rect">
+            <a:avLst/>
+          </a:prstGeom>
+          <a:solidFill>
+            <a:schemeClr val="bg1"/>
+          </a:solidFill>
+          <a:ln>
+            <a:noFill/>
+          </a:ln>
+        </p:spPr>
+        <p:style>
+          <a:lnRef idx="2">
+            <a:schemeClr val="accent1">
+              <a:shade val="15000"/>
+            </a:schemeClr>
+          </a:lnRef>
+          <a:fillRef idx="1">
+            <a:schemeClr val="accent1"/>
+          </a:fillRef>
+          <a:effectRef idx="0">
+            <a:schemeClr val="accent1"/>
+          </a:effectRef>
+          <a:fontRef idx="minor">
+            <a:schemeClr val="lt1"/>
+          </a:fontRef>
+        </p:style>
+        <p:txBody>
+          <a:bodyPr rtlCol="0" anchor="ctr"/>
+          <a:lstStyle/>
+          <a:p>
+            <a:pPr algn="ctr"/>
+            <a:endParaRPr lang="en-GB"/>
+          </a:p>
+        </p:txBody>
+      </p:sp>
+      <p:sp>
+        <p:nvSpPr>
+          <p:cNvPr id="100" name="Rectangle: Rounded Corners 99">
+            <a:extLst>
+              <a:ext uri="{FF2B5EF4-FFF2-40B4-BE49-F238E27FC236}">
+                <a16:creationId xmlns:a16="http://schemas.microsoft.com/office/drawing/2014/main" id="{7AD2312D-6AD9-9099-CBBA-DD1EAD37EC54}"/>
+              </a:ext>
+            </a:extLst>
+          </p:cNvPr>
+          <p:cNvSpPr/>
+          <p:nvPr/>
+        </p:nvSpPr>
+        <p:spPr>
+          <a:xfrm>
+            <a:off x="2071091" y="995246"/>
+            <a:ext cx="7410052" cy="365712"/>
+          </a:xfrm>
+          <a:prstGeom prst="roundRect">
+            <a:avLst>
+              <a:gd name="adj" fmla="val 19303"/>
+            </a:avLst>
+          </a:prstGeom>
+          <a:solidFill>
+            <a:schemeClr val="accent6">
+              <a:lumMod val="20000"/>
+              <a:lumOff val="80000"/>
+              <a:alpha val="61000"/>
+            </a:schemeClr>
+          </a:solidFill>
+          <a:ln>
+            <a:noFill/>
+          </a:ln>
+        </p:spPr>
+        <p:style>
+          <a:lnRef idx="2">
+            <a:schemeClr val="accent1">
+              <a:shade val="15000"/>
+            </a:schemeClr>
+          </a:lnRef>
+          <a:fillRef idx="1">
+            <a:schemeClr val="accent1"/>
+          </a:fillRef>
+          <a:effectRef idx="0">
+            <a:schemeClr val="accent1"/>
+          </a:effectRef>
+          <a:fontRef idx="minor">
+            <a:schemeClr val="lt1"/>
+          </a:fontRef>
+        </p:style>
+        <p:txBody>
+          <a:bodyPr rtlCol="0" anchor="ctr"/>
+          <a:lstStyle/>
+          <a:p>
+            <a:pPr algn="ctr"/>
+            <a:endParaRPr lang="en-GB"/>
+          </a:p>
+        </p:txBody>
+      </p:sp>
+      <p:sp>
+        <p:nvSpPr>
+          <p:cNvPr id="99" name="TextBox 98">
+            <a:extLst>
+              <a:ext uri="{FF2B5EF4-FFF2-40B4-BE49-F238E27FC236}">
+                <a16:creationId xmlns:a16="http://schemas.microsoft.com/office/drawing/2014/main" id="{D7812E6D-64F6-050B-1950-36F5D8342439}"/>
+              </a:ext>
+            </a:extLst>
+          </p:cNvPr>
+          <p:cNvSpPr txBox="1"/>
+          <p:nvPr/>
+        </p:nvSpPr>
+        <p:spPr>
+          <a:xfrm>
+            <a:off x="9718833" y="1022717"/>
+            <a:ext cx="1182585" cy="369332"/>
+          </a:xfrm>
+          <a:prstGeom prst="rect">
+            <a:avLst/>
+          </a:prstGeom>
+          <a:solidFill>
+            <a:schemeClr val="accent6">
+              <a:lumMod val="40000"/>
+              <a:lumOff val="60000"/>
+            </a:schemeClr>
+          </a:solidFill>
+        </p:spPr>
+        <p:txBody>
+          <a:bodyPr wrap="square">
+            <a:spAutoFit/>
+          </a:bodyPr>
+          <a:lstStyle/>
+          <a:p>
+            <a:pPr algn="ctr"/>
+            <a:r>
+              <a:rPr lang="en-GB" altLang="zh-TW" b="1" dirty="0">
+                <a:latin typeface="Consolas" panose="020B0609020204030204" pitchFamily="49" charset="0"/>
+                <a:ea typeface="微軟正黑體" panose="020B0604030504040204" pitchFamily="34" charset="-120"/>
+              </a:rPr>
+              <a:t>rank()</a:t>
+            </a:r>
+            <a:endParaRPr lang="en-GB" b="1" dirty="0">
+              <a:latin typeface="Consolas" panose="020B0609020204030204" pitchFamily="49" charset="0"/>
+              <a:ea typeface="微軟正黑體" panose="020B0604030504040204" pitchFamily="34" charset="-120"/>
+            </a:endParaRPr>
+          </a:p>
+        </p:txBody>
+      </p:sp>
+      <p:sp>
+        <p:nvSpPr>
+          <p:cNvPr id="93" name="Rectangle: Rounded Corners 92">
+            <a:extLst>
+              <a:ext uri="{FF2B5EF4-FFF2-40B4-BE49-F238E27FC236}">
+                <a16:creationId xmlns:a16="http://schemas.microsoft.com/office/drawing/2014/main" id="{48EBA9AE-7C25-84D2-DBBC-F546A18FA226}"/>
+              </a:ext>
+            </a:extLst>
+          </p:cNvPr>
+          <p:cNvSpPr/>
+          <p:nvPr/>
+        </p:nvSpPr>
+        <p:spPr>
+          <a:xfrm>
+            <a:off x="2071091" y="1637564"/>
+            <a:ext cx="7410052" cy="317738"/>
+          </a:xfrm>
+          <a:prstGeom prst="roundRect">
+            <a:avLst>
+              <a:gd name="adj" fmla="val 50000"/>
+            </a:avLst>
+          </a:prstGeom>
+          <a:solidFill>
+            <a:schemeClr val="bg1">
+              <a:lumMod val="85000"/>
+              <a:alpha val="50000"/>
+            </a:schemeClr>
+          </a:solidFill>
+          <a:ln>
+            <a:noFill/>
+          </a:ln>
+        </p:spPr>
+        <p:style>
+          <a:lnRef idx="2">
+            <a:schemeClr val="accent1">
+              <a:shade val="15000"/>
+            </a:schemeClr>
+          </a:lnRef>
+          <a:fillRef idx="1">
+            <a:schemeClr val="accent1"/>
+          </a:fillRef>
+          <a:effectRef idx="0">
+            <a:schemeClr val="accent1"/>
+          </a:effectRef>
+          <a:fontRef idx="minor">
+            <a:schemeClr val="lt1"/>
+          </a:fontRef>
+        </p:style>
+        <p:txBody>
+          <a:bodyPr rtlCol="0" anchor="ctr"/>
+          <a:lstStyle/>
+          <a:p>
+            <a:pPr algn="ctr"/>
+            <a:endParaRPr lang="en-GB"/>
+          </a:p>
+        </p:txBody>
+      </p:sp>
+      <p:sp>
+        <p:nvSpPr>
+          <p:cNvPr id="75" name="Rectangle: Rounded Corners 74">
+            <a:extLst>
+              <a:ext uri="{FF2B5EF4-FFF2-40B4-BE49-F238E27FC236}">
+                <a16:creationId xmlns:a16="http://schemas.microsoft.com/office/drawing/2014/main" id="{BCA4FEE7-A023-9431-95D3-48361AE3220D}"/>
+              </a:ext>
+            </a:extLst>
+          </p:cNvPr>
+          <p:cNvSpPr/>
+          <p:nvPr/>
+        </p:nvSpPr>
+        <p:spPr>
+          <a:xfrm>
+            <a:off x="2071091" y="4236340"/>
+            <a:ext cx="7410052" cy="317738"/>
+          </a:xfrm>
+          <a:prstGeom prst="roundRect">
+            <a:avLst>
+              <a:gd name="adj" fmla="val 50000"/>
+            </a:avLst>
+          </a:prstGeom>
+          <a:solidFill>
+            <a:schemeClr val="accent4">
+              <a:lumMod val="20000"/>
+              <a:lumOff val="80000"/>
+              <a:alpha val="67000"/>
+            </a:schemeClr>
+          </a:solidFill>
+          <a:ln>
+            <a:noFill/>
+          </a:ln>
+        </p:spPr>
+        <p:style>
+          <a:lnRef idx="2">
+            <a:schemeClr val="accent1">
+              <a:shade val="15000"/>
+            </a:schemeClr>
+          </a:lnRef>
+          <a:fillRef idx="1">
+            <a:schemeClr val="accent1"/>
+          </a:fillRef>
+          <a:effectRef idx="0">
+            <a:schemeClr val="accent1"/>
+          </a:effectRef>
+          <a:fontRef idx="minor">
+            <a:schemeClr val="lt1"/>
+          </a:fontRef>
+        </p:style>
+        <p:txBody>
+          <a:bodyPr rtlCol="0" anchor="ctr"/>
+          <a:lstStyle/>
+          <a:p>
+            <a:pPr algn="ctr"/>
+            <a:endParaRPr lang="en-GB"/>
+          </a:p>
+        </p:txBody>
+      </p:sp>
+      <p:sp>
+        <p:nvSpPr>
+          <p:cNvPr id="8" name="TextBox 7">
+            <a:extLst>
+              <a:ext uri="{FF2B5EF4-FFF2-40B4-BE49-F238E27FC236}">
+                <a16:creationId xmlns:a16="http://schemas.microsoft.com/office/drawing/2014/main" id="{4AAB079A-E957-1C83-A48F-1CF4F18F7F35}"/>
+              </a:ext>
+            </a:extLst>
+          </p:cNvPr>
+          <p:cNvSpPr txBox="1"/>
+          <p:nvPr/>
+        </p:nvSpPr>
+        <p:spPr>
+          <a:xfrm>
+            <a:off x="2071099" y="1965331"/>
+            <a:ext cx="600683" cy="461665"/>
+          </a:xfrm>
+          <a:prstGeom prst="rect">
+            <a:avLst/>
+          </a:prstGeom>
+          <a:solidFill>
+            <a:schemeClr val="tx1">
+              <a:lumMod val="85000"/>
+              <a:lumOff val="15000"/>
+            </a:schemeClr>
+          </a:solidFill>
+        </p:spPr>
+        <p:txBody>
+          <a:bodyPr wrap="square">
+            <a:spAutoFit/>
+          </a:bodyPr>
+          <a:lstStyle/>
+          <a:p>
+            <a:pPr algn="ctr"/>
+            <a:r>
+              <a:rPr lang="en-US" altLang="zh-TW" sz="2400" b="1" dirty="0">
+                <a:solidFill>
+                  <a:schemeClr val="bg1"/>
+                </a:solidFill>
+                <a:latin typeface="微軟正黑體" panose="020B0604030504040204" pitchFamily="34" charset="-120"/>
+                <a:ea typeface="微軟正黑體" panose="020B0604030504040204" pitchFamily="34" charset="-120"/>
+              </a:rPr>
+              <a:t>5</a:t>
+            </a:r>
+            <a:endParaRPr lang="en-GB" sz="2400" b="1" dirty="0">
+              <a:solidFill>
+                <a:schemeClr val="bg1"/>
+              </a:solidFill>
+              <a:latin typeface="微軟正黑體" panose="020B0604030504040204" pitchFamily="34" charset="-120"/>
+              <a:ea typeface="微軟正黑體" panose="020B0604030504040204" pitchFamily="34" charset="-120"/>
+            </a:endParaRPr>
+          </a:p>
+        </p:txBody>
+      </p:sp>
+      <p:sp>
+        <p:nvSpPr>
+          <p:cNvPr id="11" name="TextBox 10">
+            <a:extLst>
+              <a:ext uri="{FF2B5EF4-FFF2-40B4-BE49-F238E27FC236}">
+                <a16:creationId xmlns:a16="http://schemas.microsoft.com/office/drawing/2014/main" id="{A6D47305-10A5-9C2F-2B1B-BC1AEAAAD62D}"/>
+              </a:ext>
+            </a:extLst>
+          </p:cNvPr>
+          <p:cNvSpPr txBox="1"/>
+          <p:nvPr/>
+        </p:nvSpPr>
+        <p:spPr>
+          <a:xfrm>
+            <a:off x="3043865" y="1965331"/>
+            <a:ext cx="600683" cy="461665"/>
+          </a:xfrm>
+          <a:prstGeom prst="rect">
+            <a:avLst/>
+          </a:prstGeom>
+          <a:solidFill>
+            <a:schemeClr val="tx1">
+              <a:lumMod val="85000"/>
+              <a:lumOff val="15000"/>
+            </a:schemeClr>
+          </a:solidFill>
+        </p:spPr>
+        <p:txBody>
+          <a:bodyPr wrap="square">
+            <a:spAutoFit/>
+          </a:bodyPr>
+          <a:lstStyle/>
+          <a:p>
+            <a:pPr algn="ctr"/>
+            <a:r>
+              <a:rPr lang="en-US" altLang="zh-TW" sz="2400" b="1" dirty="0">
+                <a:solidFill>
+                  <a:schemeClr val="bg1"/>
+                </a:solidFill>
+                <a:latin typeface="微軟正黑體" panose="020B0604030504040204" pitchFamily="34" charset="-120"/>
+                <a:ea typeface="微軟正黑體" panose="020B0604030504040204" pitchFamily="34" charset="-120"/>
+              </a:rPr>
+              <a:t>9</a:t>
+            </a:r>
+            <a:endParaRPr lang="en-GB" sz="2400" b="1" dirty="0">
+              <a:solidFill>
+                <a:schemeClr val="bg1"/>
+              </a:solidFill>
+              <a:latin typeface="微軟正黑體" panose="020B0604030504040204" pitchFamily="34" charset="-120"/>
+              <a:ea typeface="微軟正黑體" panose="020B0604030504040204" pitchFamily="34" charset="-120"/>
+            </a:endParaRPr>
+          </a:p>
+        </p:txBody>
+      </p:sp>
+      <p:sp>
+        <p:nvSpPr>
+          <p:cNvPr id="12" name="TextBox 11">
+            <a:extLst>
+              <a:ext uri="{FF2B5EF4-FFF2-40B4-BE49-F238E27FC236}">
+                <a16:creationId xmlns:a16="http://schemas.microsoft.com/office/drawing/2014/main" id="{F97AB10E-8BB9-5968-2713-89DB932E6F60}"/>
+              </a:ext>
+            </a:extLst>
+          </p:cNvPr>
+          <p:cNvSpPr txBox="1"/>
+          <p:nvPr/>
+        </p:nvSpPr>
+        <p:spPr>
+          <a:xfrm>
+            <a:off x="4016631" y="1965331"/>
+            <a:ext cx="600683" cy="461665"/>
+          </a:xfrm>
+          <a:prstGeom prst="rect">
+            <a:avLst/>
+          </a:prstGeom>
+          <a:solidFill>
+            <a:schemeClr val="tx1">
+              <a:lumMod val="85000"/>
+              <a:lumOff val="15000"/>
+            </a:schemeClr>
+          </a:solidFill>
+        </p:spPr>
+        <p:txBody>
+          <a:bodyPr wrap="square">
+            <a:spAutoFit/>
+          </a:bodyPr>
+          <a:lstStyle/>
+          <a:p>
+            <a:pPr algn="ctr"/>
+            <a:r>
+              <a:rPr lang="en-US" altLang="zh-TW" sz="2400" b="1" dirty="0">
+                <a:solidFill>
+                  <a:schemeClr val="bg1"/>
+                </a:solidFill>
+                <a:latin typeface="微軟正黑體" panose="020B0604030504040204" pitchFamily="34" charset="-120"/>
+                <a:ea typeface="微軟正黑體" panose="020B0604030504040204" pitchFamily="34" charset="-120"/>
+              </a:rPr>
+              <a:t>3</a:t>
+            </a:r>
+            <a:endParaRPr lang="en-GB" sz="2400" b="1" dirty="0">
+              <a:solidFill>
+                <a:schemeClr val="bg1"/>
+              </a:solidFill>
+              <a:latin typeface="微軟正黑體" panose="020B0604030504040204" pitchFamily="34" charset="-120"/>
+              <a:ea typeface="微軟正黑體" panose="020B0604030504040204" pitchFamily="34" charset="-120"/>
+            </a:endParaRPr>
+          </a:p>
+        </p:txBody>
+      </p:sp>
+      <p:sp>
+        <p:nvSpPr>
+          <p:cNvPr id="14" name="TextBox 13">
+            <a:extLst>
+              <a:ext uri="{FF2B5EF4-FFF2-40B4-BE49-F238E27FC236}">
+                <a16:creationId xmlns:a16="http://schemas.microsoft.com/office/drawing/2014/main" id="{E4C7D43E-543B-FF03-A619-E9AD806A670B}"/>
+              </a:ext>
+            </a:extLst>
+          </p:cNvPr>
+          <p:cNvSpPr txBox="1"/>
+          <p:nvPr/>
+        </p:nvSpPr>
+        <p:spPr>
+          <a:xfrm>
+            <a:off x="4989397" y="1965331"/>
+            <a:ext cx="600683" cy="461665"/>
+          </a:xfrm>
+          <a:prstGeom prst="rect">
+            <a:avLst/>
+          </a:prstGeom>
+          <a:solidFill>
+            <a:schemeClr val="tx1">
+              <a:lumMod val="85000"/>
+              <a:lumOff val="15000"/>
+            </a:schemeClr>
+          </a:solidFill>
+        </p:spPr>
+        <p:txBody>
+          <a:bodyPr wrap="square">
+            <a:spAutoFit/>
+          </a:bodyPr>
+          <a:lstStyle/>
+          <a:p>
+            <a:pPr algn="ctr"/>
+            <a:r>
+              <a:rPr lang="en-US" sz="2400" b="1" dirty="0">
+                <a:solidFill>
+                  <a:schemeClr val="bg1"/>
+                </a:solidFill>
+                <a:latin typeface="微軟正黑體" panose="020B0604030504040204" pitchFamily="34" charset="-120"/>
+                <a:ea typeface="微軟正黑體" panose="020B0604030504040204" pitchFamily="34" charset="-120"/>
+              </a:rPr>
+              <a:t>15</a:t>
+            </a:r>
+            <a:endParaRPr lang="en-GB" sz="2400" b="1" dirty="0">
+              <a:solidFill>
+                <a:schemeClr val="bg1"/>
+              </a:solidFill>
+              <a:latin typeface="微軟正黑體" panose="020B0604030504040204" pitchFamily="34" charset="-120"/>
+              <a:ea typeface="微軟正黑體" panose="020B0604030504040204" pitchFamily="34" charset="-120"/>
+            </a:endParaRPr>
+          </a:p>
+        </p:txBody>
+      </p:sp>
+      <p:sp>
+        <p:nvSpPr>
+          <p:cNvPr id="15" name="TextBox 14">
+            <a:extLst>
+              <a:ext uri="{FF2B5EF4-FFF2-40B4-BE49-F238E27FC236}">
+                <a16:creationId xmlns:a16="http://schemas.microsoft.com/office/drawing/2014/main" id="{8E015119-48D0-E031-1F0E-973E6DFA32B7}"/>
+              </a:ext>
+            </a:extLst>
+          </p:cNvPr>
+          <p:cNvSpPr txBox="1"/>
+          <p:nvPr/>
+        </p:nvSpPr>
+        <p:spPr>
+          <a:xfrm>
+            <a:off x="5962163" y="1965331"/>
+            <a:ext cx="600683" cy="461665"/>
+          </a:xfrm>
+          <a:prstGeom prst="rect">
+            <a:avLst/>
+          </a:prstGeom>
+          <a:solidFill>
+            <a:schemeClr val="tx1">
+              <a:lumMod val="85000"/>
+              <a:lumOff val="15000"/>
+            </a:schemeClr>
+          </a:solidFill>
+        </p:spPr>
+        <p:txBody>
+          <a:bodyPr wrap="square">
+            <a:spAutoFit/>
+          </a:bodyPr>
+          <a:lstStyle/>
+          <a:p>
+            <a:pPr algn="ctr"/>
+            <a:r>
+              <a:rPr lang="en-US" altLang="zh-TW" sz="2400" b="1" dirty="0">
+                <a:solidFill>
+                  <a:schemeClr val="bg1"/>
+                </a:solidFill>
+                <a:latin typeface="微軟正黑體" panose="020B0604030504040204" pitchFamily="34" charset="-120"/>
+                <a:ea typeface="微軟正黑體" panose="020B0604030504040204" pitchFamily="34" charset="-120"/>
+              </a:rPr>
+              <a:t>6</a:t>
+            </a:r>
+            <a:endParaRPr lang="en-GB" sz="2400" b="1" dirty="0">
+              <a:solidFill>
+                <a:schemeClr val="bg1"/>
+              </a:solidFill>
+              <a:latin typeface="微軟正黑體" panose="020B0604030504040204" pitchFamily="34" charset="-120"/>
+              <a:ea typeface="微軟正黑體" panose="020B0604030504040204" pitchFamily="34" charset="-120"/>
+            </a:endParaRPr>
+          </a:p>
+        </p:txBody>
+      </p:sp>
+      <p:sp>
+        <p:nvSpPr>
+          <p:cNvPr id="16" name="TextBox 15">
+            <a:extLst>
+              <a:ext uri="{FF2B5EF4-FFF2-40B4-BE49-F238E27FC236}">
+                <a16:creationId xmlns:a16="http://schemas.microsoft.com/office/drawing/2014/main" id="{FD544647-A270-7E01-DFDE-3508EF7F6E72}"/>
+              </a:ext>
+            </a:extLst>
+          </p:cNvPr>
+          <p:cNvSpPr txBox="1"/>
+          <p:nvPr/>
+        </p:nvSpPr>
+        <p:spPr>
+          <a:xfrm>
+            <a:off x="6934929" y="1965331"/>
+            <a:ext cx="600683" cy="461665"/>
+          </a:xfrm>
+          <a:prstGeom prst="rect">
+            <a:avLst/>
+          </a:prstGeom>
+          <a:solidFill>
+            <a:schemeClr val="tx1">
+              <a:lumMod val="85000"/>
+              <a:lumOff val="15000"/>
+            </a:schemeClr>
+          </a:solidFill>
+        </p:spPr>
+        <p:txBody>
+          <a:bodyPr wrap="square">
+            <a:spAutoFit/>
+          </a:bodyPr>
+          <a:lstStyle/>
+          <a:p>
+            <a:pPr algn="ctr"/>
+            <a:r>
+              <a:rPr lang="en-US" sz="2400" b="1" dirty="0">
+                <a:solidFill>
+                  <a:schemeClr val="bg1"/>
+                </a:solidFill>
+                <a:latin typeface="微軟正黑體" panose="020B0604030504040204" pitchFamily="34" charset="-120"/>
+                <a:ea typeface="微軟正黑體" panose="020B0604030504040204" pitchFamily="34" charset="-120"/>
+              </a:rPr>
+              <a:t>2</a:t>
+            </a:r>
+            <a:endParaRPr lang="en-GB" sz="2400" b="1" dirty="0">
+              <a:solidFill>
+                <a:schemeClr val="bg1"/>
+              </a:solidFill>
+              <a:latin typeface="微軟正黑體" panose="020B0604030504040204" pitchFamily="34" charset="-120"/>
+              <a:ea typeface="微軟正黑體" panose="020B0604030504040204" pitchFamily="34" charset="-120"/>
+            </a:endParaRPr>
+          </a:p>
+        </p:txBody>
+      </p:sp>
+      <p:sp>
+        <p:nvSpPr>
+          <p:cNvPr id="17" name="TextBox 16">
+            <a:extLst>
+              <a:ext uri="{FF2B5EF4-FFF2-40B4-BE49-F238E27FC236}">
+                <a16:creationId xmlns:a16="http://schemas.microsoft.com/office/drawing/2014/main" id="{11CC8C5F-7FCD-15F8-3113-D3C3D7988CCD}"/>
+              </a:ext>
+            </a:extLst>
+          </p:cNvPr>
+          <p:cNvSpPr txBox="1"/>
+          <p:nvPr/>
+        </p:nvSpPr>
+        <p:spPr>
+          <a:xfrm>
+            <a:off x="7907695" y="1965331"/>
+            <a:ext cx="600683" cy="461665"/>
+          </a:xfrm>
+          <a:prstGeom prst="rect">
+            <a:avLst/>
+          </a:prstGeom>
+          <a:solidFill>
+            <a:schemeClr val="tx1">
+              <a:lumMod val="85000"/>
+              <a:lumOff val="15000"/>
+            </a:schemeClr>
+          </a:solidFill>
+        </p:spPr>
+        <p:txBody>
+          <a:bodyPr wrap="square">
+            <a:spAutoFit/>
+          </a:bodyPr>
+          <a:lstStyle/>
+          <a:p>
+            <a:pPr algn="ctr"/>
+            <a:r>
+              <a:rPr lang="en-US" sz="2400" b="1" dirty="0">
+                <a:solidFill>
+                  <a:schemeClr val="bg1"/>
+                </a:solidFill>
+                <a:latin typeface="微軟正黑體" panose="020B0604030504040204" pitchFamily="34" charset="-120"/>
+                <a:ea typeface="微軟正黑體" panose="020B0604030504040204" pitchFamily="34" charset="-120"/>
+              </a:rPr>
+              <a:t>8</a:t>
+            </a:r>
+            <a:endParaRPr lang="en-GB" sz="2400" b="1" dirty="0">
+              <a:solidFill>
+                <a:schemeClr val="bg1"/>
+              </a:solidFill>
+              <a:latin typeface="微軟正黑體" panose="020B0604030504040204" pitchFamily="34" charset="-120"/>
+              <a:ea typeface="微軟正黑體" panose="020B0604030504040204" pitchFamily="34" charset="-120"/>
+            </a:endParaRPr>
+          </a:p>
+        </p:txBody>
+      </p:sp>
+      <p:sp>
+        <p:nvSpPr>
+          <p:cNvPr id="18" name="TextBox 17">
+            <a:extLst>
+              <a:ext uri="{FF2B5EF4-FFF2-40B4-BE49-F238E27FC236}">
+                <a16:creationId xmlns:a16="http://schemas.microsoft.com/office/drawing/2014/main" id="{4E3A2EDE-2ED0-B844-3272-478842FFC5F0}"/>
+              </a:ext>
+            </a:extLst>
+          </p:cNvPr>
+          <p:cNvSpPr txBox="1"/>
+          <p:nvPr/>
+        </p:nvSpPr>
+        <p:spPr>
+          <a:xfrm>
+            <a:off x="8880461" y="1965331"/>
+            <a:ext cx="600683" cy="461665"/>
+          </a:xfrm>
+          <a:prstGeom prst="rect">
+            <a:avLst/>
+          </a:prstGeom>
+          <a:solidFill>
+            <a:schemeClr val="tx1">
+              <a:lumMod val="85000"/>
+              <a:lumOff val="15000"/>
+            </a:schemeClr>
+          </a:solidFill>
+        </p:spPr>
+        <p:txBody>
+          <a:bodyPr wrap="square">
+            <a:spAutoFit/>
+          </a:bodyPr>
+          <a:lstStyle/>
+          <a:p>
+            <a:pPr algn="ctr"/>
+            <a:r>
+              <a:rPr lang="en-US" altLang="zh-TW" sz="2400" b="1" dirty="0">
+                <a:solidFill>
+                  <a:schemeClr val="bg1"/>
+                </a:solidFill>
+                <a:latin typeface="微軟正黑體" panose="020B0604030504040204" pitchFamily="34" charset="-120"/>
+                <a:ea typeface="微軟正黑體" panose="020B0604030504040204" pitchFamily="34" charset="-120"/>
+              </a:rPr>
+              <a:t>12</a:t>
+            </a:r>
+            <a:endParaRPr lang="en-GB" sz="2400" b="1" dirty="0">
+              <a:solidFill>
+                <a:schemeClr val="bg1"/>
+              </a:solidFill>
+              <a:latin typeface="微軟正黑體" panose="020B0604030504040204" pitchFamily="34" charset="-120"/>
+              <a:ea typeface="微軟正黑體" panose="020B0604030504040204" pitchFamily="34" charset="-120"/>
+            </a:endParaRPr>
+          </a:p>
+        </p:txBody>
+      </p:sp>
+      <p:sp>
+        <p:nvSpPr>
+          <p:cNvPr id="19" name="TextBox 18">
+            <a:extLst>
+              <a:ext uri="{FF2B5EF4-FFF2-40B4-BE49-F238E27FC236}">
+                <a16:creationId xmlns:a16="http://schemas.microsoft.com/office/drawing/2014/main" id="{E85DC515-2EA3-5015-4AF0-A24578854ECE}"/>
+              </a:ext>
+            </a:extLst>
+          </p:cNvPr>
+          <p:cNvSpPr txBox="1"/>
+          <p:nvPr/>
+        </p:nvSpPr>
+        <p:spPr>
+          <a:xfrm>
+            <a:off x="2071099" y="3774675"/>
+            <a:ext cx="600683" cy="461665"/>
+          </a:xfrm>
+          <a:prstGeom prst="rect">
+            <a:avLst/>
+          </a:prstGeom>
+          <a:solidFill>
+            <a:schemeClr val="accent5">
+              <a:lumMod val="60000"/>
+              <a:lumOff val="40000"/>
+            </a:schemeClr>
+          </a:solidFill>
+        </p:spPr>
+        <p:txBody>
+          <a:bodyPr wrap="square">
+            <a:spAutoFit/>
+          </a:bodyPr>
+          <a:lstStyle/>
+          <a:p>
+            <a:pPr algn="ctr"/>
+            <a:r>
+              <a:rPr lang="en-US" sz="2400" b="1" dirty="0">
+                <a:latin typeface="微軟正黑體" panose="020B0604030504040204" pitchFamily="34" charset="-120"/>
+                <a:ea typeface="微軟正黑體" panose="020B0604030504040204" pitchFamily="34" charset="-120"/>
+              </a:rPr>
+              <a:t>2</a:t>
+            </a:r>
+            <a:endParaRPr lang="en-GB" sz="2400" b="1" dirty="0">
+              <a:latin typeface="微軟正黑體" panose="020B0604030504040204" pitchFamily="34" charset="-120"/>
+              <a:ea typeface="微軟正黑體" panose="020B0604030504040204" pitchFamily="34" charset="-120"/>
+            </a:endParaRPr>
+          </a:p>
+        </p:txBody>
+      </p:sp>
+      <p:sp>
+        <p:nvSpPr>
+          <p:cNvPr id="21" name="TextBox 20">
+            <a:extLst>
+              <a:ext uri="{FF2B5EF4-FFF2-40B4-BE49-F238E27FC236}">
+                <a16:creationId xmlns:a16="http://schemas.microsoft.com/office/drawing/2014/main" id="{F95A0EC0-1E87-2A91-5105-9873D27DC8F1}"/>
+              </a:ext>
+            </a:extLst>
+          </p:cNvPr>
+          <p:cNvSpPr txBox="1"/>
+          <p:nvPr/>
+        </p:nvSpPr>
+        <p:spPr>
+          <a:xfrm>
+            <a:off x="3043864" y="3774675"/>
+            <a:ext cx="600683" cy="461665"/>
+          </a:xfrm>
+          <a:prstGeom prst="rect">
+            <a:avLst/>
+          </a:prstGeom>
+          <a:solidFill>
+            <a:schemeClr val="accent5">
+              <a:lumMod val="60000"/>
+              <a:lumOff val="40000"/>
+            </a:schemeClr>
+          </a:solidFill>
+        </p:spPr>
+        <p:txBody>
+          <a:bodyPr wrap="square">
+            <a:spAutoFit/>
+          </a:bodyPr>
+          <a:lstStyle/>
+          <a:p>
+            <a:pPr algn="ctr"/>
+            <a:r>
+              <a:rPr lang="en-US" sz="2400" b="1" dirty="0">
+                <a:latin typeface="微軟正黑體" panose="020B0604030504040204" pitchFamily="34" charset="-120"/>
+                <a:ea typeface="微軟正黑體" panose="020B0604030504040204" pitchFamily="34" charset="-120"/>
+              </a:rPr>
+              <a:t>3</a:t>
+            </a:r>
+            <a:endParaRPr lang="en-GB" sz="2400" b="1" dirty="0">
+              <a:latin typeface="微軟正黑體" panose="020B0604030504040204" pitchFamily="34" charset="-120"/>
+              <a:ea typeface="微軟正黑體" panose="020B0604030504040204" pitchFamily="34" charset="-120"/>
+            </a:endParaRPr>
+          </a:p>
+        </p:txBody>
+      </p:sp>
+      <p:sp>
+        <p:nvSpPr>
+          <p:cNvPr id="22" name="TextBox 21">
+            <a:extLst>
+              <a:ext uri="{FF2B5EF4-FFF2-40B4-BE49-F238E27FC236}">
+                <a16:creationId xmlns:a16="http://schemas.microsoft.com/office/drawing/2014/main" id="{305622B7-C921-99F9-129C-56F39376B51A}"/>
+              </a:ext>
+            </a:extLst>
+          </p:cNvPr>
+          <p:cNvSpPr txBox="1"/>
+          <p:nvPr/>
+        </p:nvSpPr>
+        <p:spPr>
+          <a:xfrm>
+            <a:off x="4016631" y="3774675"/>
+            <a:ext cx="600683" cy="461665"/>
+          </a:xfrm>
+          <a:prstGeom prst="rect">
+            <a:avLst/>
+          </a:prstGeom>
+          <a:solidFill>
+            <a:schemeClr val="accent5">
+              <a:lumMod val="60000"/>
+              <a:lumOff val="40000"/>
+            </a:schemeClr>
+          </a:solidFill>
+        </p:spPr>
+        <p:txBody>
+          <a:bodyPr wrap="square">
+            <a:spAutoFit/>
+          </a:bodyPr>
+          <a:lstStyle/>
+          <a:p>
+            <a:pPr algn="ctr"/>
+            <a:r>
+              <a:rPr lang="en-US" sz="2400" b="1" dirty="0">
+                <a:latin typeface="微軟正黑體" panose="020B0604030504040204" pitchFamily="34" charset="-120"/>
+                <a:ea typeface="微軟正黑體" panose="020B0604030504040204" pitchFamily="34" charset="-120"/>
+              </a:rPr>
+              <a:t>5</a:t>
+            </a:r>
+            <a:endParaRPr lang="en-GB" sz="2400" b="1" dirty="0">
+              <a:latin typeface="微軟正黑體" panose="020B0604030504040204" pitchFamily="34" charset="-120"/>
+              <a:ea typeface="微軟正黑體" panose="020B0604030504040204" pitchFamily="34" charset="-120"/>
+            </a:endParaRPr>
+          </a:p>
+        </p:txBody>
+      </p:sp>
+      <p:sp>
+        <p:nvSpPr>
+          <p:cNvPr id="23" name="TextBox 22">
+            <a:extLst>
+              <a:ext uri="{FF2B5EF4-FFF2-40B4-BE49-F238E27FC236}">
+                <a16:creationId xmlns:a16="http://schemas.microsoft.com/office/drawing/2014/main" id="{ADA8D4BA-7298-D3F4-87F4-4B3799D98C20}"/>
+              </a:ext>
+            </a:extLst>
+          </p:cNvPr>
+          <p:cNvSpPr txBox="1"/>
+          <p:nvPr/>
+        </p:nvSpPr>
+        <p:spPr>
+          <a:xfrm>
+            <a:off x="4989396" y="3774675"/>
+            <a:ext cx="600683" cy="461665"/>
+          </a:xfrm>
+          <a:prstGeom prst="rect">
+            <a:avLst/>
+          </a:prstGeom>
+          <a:solidFill>
+            <a:schemeClr val="accent5">
+              <a:lumMod val="60000"/>
+              <a:lumOff val="40000"/>
+            </a:schemeClr>
+          </a:solidFill>
+        </p:spPr>
+        <p:txBody>
+          <a:bodyPr wrap="square">
+            <a:spAutoFit/>
+          </a:bodyPr>
+          <a:lstStyle/>
+          <a:p>
+            <a:pPr algn="ctr"/>
+            <a:r>
+              <a:rPr lang="en-US" sz="2400" b="1" dirty="0">
+                <a:latin typeface="微軟正黑體" panose="020B0604030504040204" pitchFamily="34" charset="-120"/>
+                <a:ea typeface="微軟正黑體" panose="020B0604030504040204" pitchFamily="34" charset="-120"/>
+              </a:rPr>
+              <a:t>6</a:t>
+            </a:r>
+            <a:endParaRPr lang="en-GB" sz="2400" b="1" dirty="0">
+              <a:latin typeface="微軟正黑體" panose="020B0604030504040204" pitchFamily="34" charset="-120"/>
+              <a:ea typeface="微軟正黑體" panose="020B0604030504040204" pitchFamily="34" charset="-120"/>
+            </a:endParaRPr>
+          </a:p>
+        </p:txBody>
+      </p:sp>
+      <p:sp>
+        <p:nvSpPr>
+          <p:cNvPr id="24" name="TextBox 23">
+            <a:extLst>
+              <a:ext uri="{FF2B5EF4-FFF2-40B4-BE49-F238E27FC236}">
+                <a16:creationId xmlns:a16="http://schemas.microsoft.com/office/drawing/2014/main" id="{A6FD8B4C-371D-B908-39EB-EAEA290215E3}"/>
+              </a:ext>
+            </a:extLst>
+          </p:cNvPr>
+          <p:cNvSpPr txBox="1"/>
+          <p:nvPr/>
+        </p:nvSpPr>
+        <p:spPr>
+          <a:xfrm>
+            <a:off x="5962161" y="3774675"/>
+            <a:ext cx="600683" cy="461665"/>
+          </a:xfrm>
+          <a:prstGeom prst="rect">
+            <a:avLst/>
+          </a:prstGeom>
+          <a:solidFill>
+            <a:schemeClr val="accent5">
+              <a:lumMod val="60000"/>
+              <a:lumOff val="40000"/>
+            </a:schemeClr>
+          </a:solidFill>
+        </p:spPr>
+        <p:txBody>
+          <a:bodyPr wrap="square">
+            <a:spAutoFit/>
+          </a:bodyPr>
+          <a:lstStyle/>
+          <a:p>
+            <a:pPr algn="ctr"/>
+            <a:r>
+              <a:rPr lang="en-GB" sz="2400" b="1" dirty="0">
+                <a:latin typeface="微軟正黑體" panose="020B0604030504040204" pitchFamily="34" charset="-120"/>
+                <a:ea typeface="微軟正黑體" panose="020B0604030504040204" pitchFamily="34" charset="-120"/>
+              </a:rPr>
+              <a:t>8</a:t>
+            </a:r>
+          </a:p>
+        </p:txBody>
+      </p:sp>
+      <p:sp>
+        <p:nvSpPr>
+          <p:cNvPr id="25" name="TextBox 24">
+            <a:extLst>
+              <a:ext uri="{FF2B5EF4-FFF2-40B4-BE49-F238E27FC236}">
+                <a16:creationId xmlns:a16="http://schemas.microsoft.com/office/drawing/2014/main" id="{FCC6717F-8E79-479A-EBCB-B8C9EE7DA4C2}"/>
+              </a:ext>
+            </a:extLst>
+          </p:cNvPr>
+          <p:cNvSpPr txBox="1"/>
+          <p:nvPr/>
+        </p:nvSpPr>
+        <p:spPr>
+          <a:xfrm>
+            <a:off x="6934929" y="3774675"/>
+            <a:ext cx="600683" cy="461665"/>
+          </a:xfrm>
+          <a:prstGeom prst="rect">
+            <a:avLst/>
+          </a:prstGeom>
+          <a:solidFill>
+            <a:schemeClr val="accent5">
+              <a:lumMod val="60000"/>
+              <a:lumOff val="40000"/>
+            </a:schemeClr>
+          </a:solidFill>
+        </p:spPr>
+        <p:txBody>
+          <a:bodyPr wrap="square">
+            <a:spAutoFit/>
+          </a:bodyPr>
+          <a:lstStyle/>
+          <a:p>
+            <a:pPr algn="ctr"/>
+            <a:r>
+              <a:rPr lang="en-US" altLang="zh-TW" sz="2400" b="1" dirty="0">
+                <a:latin typeface="微軟正黑體" panose="020B0604030504040204" pitchFamily="34" charset="-120"/>
+                <a:ea typeface="微軟正黑體" panose="020B0604030504040204" pitchFamily="34" charset="-120"/>
+              </a:rPr>
+              <a:t>9</a:t>
+            </a:r>
+            <a:endParaRPr lang="en-GB" sz="2400" b="1" dirty="0">
+              <a:latin typeface="微軟正黑體" panose="020B0604030504040204" pitchFamily="34" charset="-120"/>
+              <a:ea typeface="微軟正黑體" panose="020B0604030504040204" pitchFamily="34" charset="-120"/>
+            </a:endParaRPr>
+          </a:p>
+        </p:txBody>
+      </p:sp>
+      <p:sp>
+        <p:nvSpPr>
+          <p:cNvPr id="26" name="TextBox 25">
+            <a:extLst>
+              <a:ext uri="{FF2B5EF4-FFF2-40B4-BE49-F238E27FC236}">
+                <a16:creationId xmlns:a16="http://schemas.microsoft.com/office/drawing/2014/main" id="{E2F390FF-6B15-D1CA-8F6A-50E4B607EF7D}"/>
+              </a:ext>
+            </a:extLst>
+          </p:cNvPr>
+          <p:cNvSpPr txBox="1"/>
+          <p:nvPr/>
+        </p:nvSpPr>
+        <p:spPr>
+          <a:xfrm>
+            <a:off x="7907695" y="3774675"/>
+            <a:ext cx="600683" cy="461665"/>
+          </a:xfrm>
+          <a:prstGeom prst="rect">
+            <a:avLst/>
+          </a:prstGeom>
+          <a:solidFill>
+            <a:schemeClr val="accent5">
+              <a:lumMod val="60000"/>
+              <a:lumOff val="40000"/>
+            </a:schemeClr>
+          </a:solidFill>
+        </p:spPr>
+        <p:txBody>
+          <a:bodyPr wrap="square">
+            <a:spAutoFit/>
+          </a:bodyPr>
+          <a:lstStyle/>
+          <a:p>
+            <a:pPr algn="ctr"/>
+            <a:r>
+              <a:rPr lang="en-US" altLang="zh-TW" sz="2400" b="1" dirty="0">
+                <a:latin typeface="微軟正黑體" panose="020B0604030504040204" pitchFamily="34" charset="-120"/>
+                <a:ea typeface="微軟正黑體" panose="020B0604030504040204" pitchFamily="34" charset="-120"/>
+              </a:rPr>
+              <a:t>12</a:t>
+            </a:r>
+            <a:endParaRPr lang="en-GB" sz="2400" b="1" dirty="0">
+              <a:latin typeface="微軟正黑體" panose="020B0604030504040204" pitchFamily="34" charset="-120"/>
+              <a:ea typeface="微軟正黑體" panose="020B0604030504040204" pitchFamily="34" charset="-120"/>
+            </a:endParaRPr>
+          </a:p>
+        </p:txBody>
+      </p:sp>
+      <p:sp>
+        <p:nvSpPr>
+          <p:cNvPr id="27" name="TextBox 26">
+            <a:extLst>
+              <a:ext uri="{FF2B5EF4-FFF2-40B4-BE49-F238E27FC236}">
+                <a16:creationId xmlns:a16="http://schemas.microsoft.com/office/drawing/2014/main" id="{FBF31997-0EB7-9B29-5E24-3D62FFE32647}"/>
+              </a:ext>
+            </a:extLst>
+          </p:cNvPr>
+          <p:cNvSpPr txBox="1"/>
+          <p:nvPr/>
+        </p:nvSpPr>
+        <p:spPr>
+          <a:xfrm>
+            <a:off x="8880460" y="3774675"/>
+            <a:ext cx="600683" cy="461665"/>
+          </a:xfrm>
+          <a:prstGeom prst="rect">
+            <a:avLst/>
+          </a:prstGeom>
+          <a:solidFill>
+            <a:schemeClr val="accent5">
+              <a:lumMod val="60000"/>
+              <a:lumOff val="40000"/>
+            </a:schemeClr>
+          </a:solidFill>
+        </p:spPr>
+        <p:txBody>
+          <a:bodyPr wrap="square">
+            <a:spAutoFit/>
+          </a:bodyPr>
+          <a:lstStyle/>
+          <a:p>
+            <a:pPr algn="ctr"/>
+            <a:r>
+              <a:rPr lang="en-US" altLang="zh-TW" sz="2400" b="1" dirty="0">
+                <a:latin typeface="微軟正黑體" panose="020B0604030504040204" pitchFamily="34" charset="-120"/>
+                <a:ea typeface="微軟正黑體" panose="020B0604030504040204" pitchFamily="34" charset="-120"/>
+              </a:rPr>
+              <a:t>15</a:t>
+            </a:r>
+            <a:endParaRPr lang="en-GB" sz="2400" b="1" dirty="0">
+              <a:latin typeface="微軟正黑體" panose="020B0604030504040204" pitchFamily="34" charset="-120"/>
+              <a:ea typeface="微軟正黑體" panose="020B0604030504040204" pitchFamily="34" charset="-120"/>
+            </a:endParaRPr>
+          </a:p>
+        </p:txBody>
+      </p:sp>
+      <p:sp>
+        <p:nvSpPr>
+          <p:cNvPr id="28" name="TextBox 27">
+            <a:extLst>
+              <a:ext uri="{FF2B5EF4-FFF2-40B4-BE49-F238E27FC236}">
+                <a16:creationId xmlns:a16="http://schemas.microsoft.com/office/drawing/2014/main" id="{4489901B-1329-E391-E2D5-D52FF18ED629}"/>
+              </a:ext>
+            </a:extLst>
+          </p:cNvPr>
+          <p:cNvSpPr txBox="1"/>
+          <p:nvPr/>
+        </p:nvSpPr>
+        <p:spPr>
+          <a:xfrm>
+            <a:off x="9718833" y="3801180"/>
+            <a:ext cx="1182585" cy="369332"/>
+          </a:xfrm>
+          <a:prstGeom prst="rect">
+            <a:avLst/>
+          </a:prstGeom>
+          <a:solidFill>
+            <a:schemeClr val="accent5">
+              <a:lumMod val="60000"/>
+              <a:lumOff val="40000"/>
+            </a:schemeClr>
+          </a:solidFill>
+        </p:spPr>
+        <p:txBody>
+          <a:bodyPr wrap="square">
+            <a:spAutoFit/>
+          </a:bodyPr>
+          <a:lstStyle/>
+          <a:p>
+            <a:pPr algn="ctr"/>
+            <a:r>
+              <a:rPr lang="en-GB" altLang="zh-TW" b="1" dirty="0">
+                <a:latin typeface="Consolas" panose="020B0609020204030204" pitchFamily="49" charset="0"/>
+                <a:ea typeface="微軟正黑體" panose="020B0604030504040204" pitchFamily="34" charset="-120"/>
+              </a:rPr>
+              <a:t>sort()</a:t>
+            </a:r>
+            <a:endParaRPr lang="en-GB" b="1" dirty="0">
+              <a:latin typeface="Consolas" panose="020B0609020204030204" pitchFamily="49" charset="0"/>
+              <a:ea typeface="微軟正黑體" panose="020B0604030504040204" pitchFamily="34" charset="-120"/>
+            </a:endParaRPr>
+          </a:p>
+        </p:txBody>
+      </p:sp>
+      <p:sp>
+        <p:nvSpPr>
+          <p:cNvPr id="30" name="TextBox 29">
+            <a:extLst>
+              <a:ext uri="{FF2B5EF4-FFF2-40B4-BE49-F238E27FC236}">
+                <a16:creationId xmlns:a16="http://schemas.microsoft.com/office/drawing/2014/main" id="{10C17F8A-88D4-98F0-E8BA-4F8F874273EC}"/>
+              </a:ext>
+            </a:extLst>
+          </p:cNvPr>
+          <p:cNvSpPr txBox="1"/>
+          <p:nvPr/>
+        </p:nvSpPr>
+        <p:spPr>
+          <a:xfrm>
+            <a:off x="2182966" y="1656999"/>
+            <a:ext cx="376947" cy="307777"/>
+          </a:xfrm>
+          <a:prstGeom prst="rect">
+            <a:avLst/>
+          </a:prstGeom>
+          <a:noFill/>
+        </p:spPr>
+        <p:txBody>
+          <a:bodyPr wrap="square">
+            <a:spAutoFit/>
+          </a:bodyPr>
+          <a:lstStyle/>
+          <a:p>
+            <a:pPr algn="ctr"/>
+            <a:r>
+              <a:rPr lang="en-US" altLang="zh-TW" sz="1400" b="1" dirty="0">
+                <a:latin typeface="微軟正黑體" panose="020B0604030504040204" pitchFamily="34" charset="-120"/>
+                <a:ea typeface="微軟正黑體" panose="020B0604030504040204" pitchFamily="34" charset="-120"/>
+              </a:rPr>
+              <a:t>(1)</a:t>
+            </a:r>
+            <a:endParaRPr lang="en-GB" sz="1400" b="1" dirty="0">
+              <a:latin typeface="微軟正黑體" panose="020B0604030504040204" pitchFamily="34" charset="-120"/>
+              <a:ea typeface="微軟正黑體" panose="020B0604030504040204" pitchFamily="34" charset="-120"/>
+            </a:endParaRPr>
+          </a:p>
+        </p:txBody>
+      </p:sp>
+      <p:sp>
+        <p:nvSpPr>
+          <p:cNvPr id="31" name="TextBox 30">
+            <a:extLst>
+              <a:ext uri="{FF2B5EF4-FFF2-40B4-BE49-F238E27FC236}">
+                <a16:creationId xmlns:a16="http://schemas.microsoft.com/office/drawing/2014/main" id="{7231B0A7-32CE-8ADC-6D7C-1C9D31D03518}"/>
+              </a:ext>
+            </a:extLst>
+          </p:cNvPr>
+          <p:cNvSpPr txBox="1"/>
+          <p:nvPr/>
+        </p:nvSpPr>
+        <p:spPr>
+          <a:xfrm>
+            <a:off x="3155731" y="1656999"/>
+            <a:ext cx="376947" cy="307777"/>
+          </a:xfrm>
+          <a:prstGeom prst="rect">
+            <a:avLst/>
+          </a:prstGeom>
+          <a:noFill/>
+        </p:spPr>
+        <p:txBody>
+          <a:bodyPr wrap="square">
+            <a:spAutoFit/>
+          </a:bodyPr>
+          <a:lstStyle/>
+          <a:p>
+            <a:pPr algn="ctr"/>
+            <a:r>
+              <a:rPr lang="en-US" altLang="zh-TW" sz="1400" b="1" dirty="0">
+                <a:latin typeface="微軟正黑體" panose="020B0604030504040204" pitchFamily="34" charset="-120"/>
+                <a:ea typeface="微軟正黑體" panose="020B0604030504040204" pitchFamily="34" charset="-120"/>
+              </a:rPr>
+              <a:t>(2)</a:t>
+            </a:r>
+            <a:endParaRPr lang="en-GB" sz="1400" b="1" dirty="0">
+              <a:latin typeface="微軟正黑體" panose="020B0604030504040204" pitchFamily="34" charset="-120"/>
+              <a:ea typeface="微軟正黑體" panose="020B0604030504040204" pitchFamily="34" charset="-120"/>
+            </a:endParaRPr>
+          </a:p>
+        </p:txBody>
+      </p:sp>
+      <p:sp>
+        <p:nvSpPr>
+          <p:cNvPr id="32" name="TextBox 31">
+            <a:extLst>
+              <a:ext uri="{FF2B5EF4-FFF2-40B4-BE49-F238E27FC236}">
+                <a16:creationId xmlns:a16="http://schemas.microsoft.com/office/drawing/2014/main" id="{23C8B1AA-7D7E-C4D1-ED44-680D0169C595}"/>
+              </a:ext>
+            </a:extLst>
+          </p:cNvPr>
+          <p:cNvSpPr txBox="1"/>
+          <p:nvPr/>
+        </p:nvSpPr>
+        <p:spPr>
+          <a:xfrm>
+            <a:off x="4128496" y="1656999"/>
+            <a:ext cx="376947" cy="307777"/>
+          </a:xfrm>
+          <a:prstGeom prst="rect">
+            <a:avLst/>
+          </a:prstGeom>
+          <a:noFill/>
+        </p:spPr>
+        <p:txBody>
+          <a:bodyPr wrap="square">
+            <a:spAutoFit/>
+          </a:bodyPr>
+          <a:lstStyle/>
+          <a:p>
+            <a:pPr algn="ctr"/>
+            <a:r>
+              <a:rPr lang="en-US" altLang="zh-TW" sz="1400" b="1" dirty="0">
+                <a:latin typeface="微軟正黑體" panose="020B0604030504040204" pitchFamily="34" charset="-120"/>
+                <a:ea typeface="微軟正黑體" panose="020B0604030504040204" pitchFamily="34" charset="-120"/>
+              </a:rPr>
+              <a:t>(3)</a:t>
+            </a:r>
+            <a:endParaRPr lang="en-GB" sz="1400" b="1" dirty="0">
+              <a:latin typeface="微軟正黑體" panose="020B0604030504040204" pitchFamily="34" charset="-120"/>
+              <a:ea typeface="微軟正黑體" panose="020B0604030504040204" pitchFamily="34" charset="-120"/>
+            </a:endParaRPr>
+          </a:p>
+        </p:txBody>
+      </p:sp>
+      <p:sp>
+        <p:nvSpPr>
+          <p:cNvPr id="33" name="TextBox 32">
+            <a:extLst>
+              <a:ext uri="{FF2B5EF4-FFF2-40B4-BE49-F238E27FC236}">
+                <a16:creationId xmlns:a16="http://schemas.microsoft.com/office/drawing/2014/main" id="{C1F5C6B8-8109-9F1F-4C46-84FE229B4FE4}"/>
+              </a:ext>
+            </a:extLst>
+          </p:cNvPr>
+          <p:cNvSpPr txBox="1"/>
+          <p:nvPr/>
+        </p:nvSpPr>
+        <p:spPr>
+          <a:xfrm>
+            <a:off x="5101261" y="1656999"/>
+            <a:ext cx="376947" cy="307777"/>
+          </a:xfrm>
+          <a:prstGeom prst="rect">
+            <a:avLst/>
+          </a:prstGeom>
+          <a:noFill/>
+        </p:spPr>
+        <p:txBody>
+          <a:bodyPr wrap="square">
+            <a:spAutoFit/>
+          </a:bodyPr>
+          <a:lstStyle/>
+          <a:p>
+            <a:pPr algn="ctr"/>
+            <a:r>
+              <a:rPr lang="en-US" altLang="zh-TW" sz="1400" b="1" dirty="0">
+                <a:latin typeface="微軟正黑體" panose="020B0604030504040204" pitchFamily="34" charset="-120"/>
+                <a:ea typeface="微軟正黑體" panose="020B0604030504040204" pitchFamily="34" charset="-120"/>
+              </a:rPr>
+              <a:t>(4)</a:t>
+            </a:r>
+            <a:endParaRPr lang="en-GB" sz="1400" b="1" dirty="0">
+              <a:latin typeface="微軟正黑體" panose="020B0604030504040204" pitchFamily="34" charset="-120"/>
+              <a:ea typeface="微軟正黑體" panose="020B0604030504040204" pitchFamily="34" charset="-120"/>
+            </a:endParaRPr>
+          </a:p>
+        </p:txBody>
+      </p:sp>
+      <p:sp>
+        <p:nvSpPr>
+          <p:cNvPr id="34" name="TextBox 33">
+            <a:extLst>
+              <a:ext uri="{FF2B5EF4-FFF2-40B4-BE49-F238E27FC236}">
+                <a16:creationId xmlns:a16="http://schemas.microsoft.com/office/drawing/2014/main" id="{F48C1704-FFC6-2C7E-1A12-2196EA59C394}"/>
+              </a:ext>
+            </a:extLst>
+          </p:cNvPr>
+          <p:cNvSpPr txBox="1"/>
+          <p:nvPr/>
+        </p:nvSpPr>
+        <p:spPr>
+          <a:xfrm>
+            <a:off x="6074026" y="1656999"/>
+            <a:ext cx="376947" cy="307777"/>
+          </a:xfrm>
+          <a:prstGeom prst="rect">
+            <a:avLst/>
+          </a:prstGeom>
+          <a:noFill/>
+        </p:spPr>
+        <p:txBody>
+          <a:bodyPr wrap="square">
+            <a:spAutoFit/>
+          </a:bodyPr>
+          <a:lstStyle/>
+          <a:p>
+            <a:pPr algn="ctr"/>
+            <a:r>
+              <a:rPr lang="en-US" altLang="zh-TW" sz="1400" b="1" dirty="0">
+                <a:latin typeface="微軟正黑體" panose="020B0604030504040204" pitchFamily="34" charset="-120"/>
+                <a:ea typeface="微軟正黑體" panose="020B0604030504040204" pitchFamily="34" charset="-120"/>
+              </a:rPr>
+              <a:t>(5)</a:t>
+            </a:r>
+            <a:endParaRPr lang="en-GB" sz="1400" b="1" dirty="0">
+              <a:latin typeface="微軟正黑體" panose="020B0604030504040204" pitchFamily="34" charset="-120"/>
+              <a:ea typeface="微軟正黑體" panose="020B0604030504040204" pitchFamily="34" charset="-120"/>
+            </a:endParaRPr>
+          </a:p>
+        </p:txBody>
+      </p:sp>
+      <p:sp>
+        <p:nvSpPr>
+          <p:cNvPr id="35" name="TextBox 34">
+            <a:extLst>
+              <a:ext uri="{FF2B5EF4-FFF2-40B4-BE49-F238E27FC236}">
+                <a16:creationId xmlns:a16="http://schemas.microsoft.com/office/drawing/2014/main" id="{11924337-39B6-3A0E-2D7D-FD576261F3FA}"/>
+              </a:ext>
+            </a:extLst>
+          </p:cNvPr>
+          <p:cNvSpPr txBox="1"/>
+          <p:nvPr/>
+        </p:nvSpPr>
+        <p:spPr>
+          <a:xfrm>
+            <a:off x="7046791" y="1656999"/>
+            <a:ext cx="376947" cy="307777"/>
+          </a:xfrm>
+          <a:prstGeom prst="rect">
+            <a:avLst/>
+          </a:prstGeom>
+          <a:noFill/>
+        </p:spPr>
+        <p:txBody>
+          <a:bodyPr wrap="square">
+            <a:spAutoFit/>
+          </a:bodyPr>
+          <a:lstStyle/>
+          <a:p>
+            <a:pPr algn="ctr"/>
+            <a:r>
+              <a:rPr lang="en-US" altLang="zh-TW" sz="1400" b="1" dirty="0">
+                <a:latin typeface="微軟正黑體" panose="020B0604030504040204" pitchFamily="34" charset="-120"/>
+                <a:ea typeface="微軟正黑體" panose="020B0604030504040204" pitchFamily="34" charset="-120"/>
+              </a:rPr>
+              <a:t>(6)</a:t>
+            </a:r>
+            <a:endParaRPr lang="en-GB" sz="1400" b="1" dirty="0">
+              <a:latin typeface="微軟正黑體" panose="020B0604030504040204" pitchFamily="34" charset="-120"/>
+              <a:ea typeface="微軟正黑體" panose="020B0604030504040204" pitchFamily="34" charset="-120"/>
+            </a:endParaRPr>
+          </a:p>
+        </p:txBody>
+      </p:sp>
+      <p:sp>
+        <p:nvSpPr>
+          <p:cNvPr id="36" name="TextBox 35">
+            <a:extLst>
+              <a:ext uri="{FF2B5EF4-FFF2-40B4-BE49-F238E27FC236}">
+                <a16:creationId xmlns:a16="http://schemas.microsoft.com/office/drawing/2014/main" id="{9F798DD7-0505-CE28-ADEC-F2A4EA8514FB}"/>
+              </a:ext>
+            </a:extLst>
+          </p:cNvPr>
+          <p:cNvSpPr txBox="1"/>
+          <p:nvPr/>
+        </p:nvSpPr>
+        <p:spPr>
+          <a:xfrm>
+            <a:off x="8019556" y="1656999"/>
+            <a:ext cx="376947" cy="307777"/>
+          </a:xfrm>
+          <a:prstGeom prst="rect">
+            <a:avLst/>
+          </a:prstGeom>
+          <a:noFill/>
+        </p:spPr>
+        <p:txBody>
+          <a:bodyPr wrap="square">
+            <a:spAutoFit/>
+          </a:bodyPr>
+          <a:lstStyle/>
+          <a:p>
+            <a:pPr algn="ctr"/>
+            <a:r>
+              <a:rPr lang="en-US" altLang="zh-TW" sz="1400" b="1" dirty="0">
+                <a:latin typeface="微軟正黑體" panose="020B0604030504040204" pitchFamily="34" charset="-120"/>
+                <a:ea typeface="微軟正黑體" panose="020B0604030504040204" pitchFamily="34" charset="-120"/>
+              </a:rPr>
+              <a:t>(7)</a:t>
+            </a:r>
+            <a:endParaRPr lang="en-GB" sz="1400" b="1" dirty="0">
+              <a:latin typeface="微軟正黑體" panose="020B0604030504040204" pitchFamily="34" charset="-120"/>
+              <a:ea typeface="微軟正黑體" panose="020B0604030504040204" pitchFamily="34" charset="-120"/>
+            </a:endParaRPr>
+          </a:p>
+        </p:txBody>
+      </p:sp>
+      <p:sp>
+        <p:nvSpPr>
+          <p:cNvPr id="37" name="TextBox 36">
+            <a:extLst>
+              <a:ext uri="{FF2B5EF4-FFF2-40B4-BE49-F238E27FC236}">
+                <a16:creationId xmlns:a16="http://schemas.microsoft.com/office/drawing/2014/main" id="{B7B38C81-16E0-A059-1066-D4DBBB7FF56D}"/>
+              </a:ext>
+            </a:extLst>
+          </p:cNvPr>
+          <p:cNvSpPr txBox="1"/>
+          <p:nvPr/>
+        </p:nvSpPr>
+        <p:spPr>
+          <a:xfrm>
+            <a:off x="8992321" y="1656999"/>
+            <a:ext cx="376947" cy="307777"/>
+          </a:xfrm>
+          <a:prstGeom prst="rect">
+            <a:avLst/>
+          </a:prstGeom>
+          <a:noFill/>
+        </p:spPr>
+        <p:txBody>
+          <a:bodyPr wrap="square">
+            <a:spAutoFit/>
+          </a:bodyPr>
+          <a:lstStyle/>
+          <a:p>
+            <a:pPr algn="ctr"/>
+            <a:r>
+              <a:rPr lang="en-US" altLang="zh-TW" sz="1400" b="1" dirty="0">
+                <a:latin typeface="微軟正黑體" panose="020B0604030504040204" pitchFamily="34" charset="-120"/>
+                <a:ea typeface="微軟正黑體" panose="020B0604030504040204" pitchFamily="34" charset="-120"/>
+              </a:rPr>
+              <a:t>(8)</a:t>
+            </a:r>
+            <a:endParaRPr lang="en-GB" sz="1400" b="1" dirty="0">
+              <a:latin typeface="微軟正黑體" panose="020B0604030504040204" pitchFamily="34" charset="-120"/>
+              <a:ea typeface="微軟正黑體" panose="020B0604030504040204" pitchFamily="34" charset="-120"/>
+            </a:endParaRPr>
+          </a:p>
+        </p:txBody>
+      </p:sp>
+      <p:cxnSp>
+        <p:nvCxnSpPr>
+          <p:cNvPr id="39" name="Straight Arrow Connector 38">
+            <a:extLst>
+              <a:ext uri="{FF2B5EF4-FFF2-40B4-BE49-F238E27FC236}">
+                <a16:creationId xmlns:a16="http://schemas.microsoft.com/office/drawing/2014/main" id="{8CCF63A1-D68E-14CB-B079-47EA5BF7F251}"/>
+              </a:ext>
+            </a:extLst>
+          </p:cNvPr>
+          <p:cNvCxnSpPr>
+            <a:cxnSpLocks/>
+            <a:stCxn id="8" idx="2"/>
+            <a:endCxn id="22" idx="0"/>
+          </p:cNvCxnSpPr>
+          <p:nvPr/>
+        </p:nvCxnSpPr>
+        <p:spPr>
+          <a:xfrm>
+            <a:off x="2371441" y="2426996"/>
+            <a:ext cx="1945532" cy="1347679"/>
+          </a:xfrm>
+          <a:prstGeom prst="straightConnector1">
+            <a:avLst/>
+          </a:prstGeom>
+          <a:ln w="12700">
+            <a:solidFill>
+              <a:schemeClr val="accent5">
+                <a:lumMod val="75000"/>
+              </a:schemeClr>
+            </a:solidFill>
+            <a:tailEnd type="triangle"/>
+          </a:ln>
+        </p:spPr>
+        <p:style>
+          <a:lnRef idx="1">
+            <a:schemeClr val="accent1"/>
+          </a:lnRef>
+          <a:fillRef idx="0">
+            <a:schemeClr val="accent1"/>
+          </a:fillRef>
+          <a:effectRef idx="0">
+            <a:schemeClr val="accent1"/>
+          </a:effectRef>
+          <a:fontRef idx="minor">
+            <a:schemeClr val="tx1"/>
+          </a:fontRef>
+        </p:style>
+      </p:cxnSp>
+      <p:cxnSp>
+        <p:nvCxnSpPr>
+          <p:cNvPr id="43" name="Straight Arrow Connector 42">
+            <a:extLst>
+              <a:ext uri="{FF2B5EF4-FFF2-40B4-BE49-F238E27FC236}">
+                <a16:creationId xmlns:a16="http://schemas.microsoft.com/office/drawing/2014/main" id="{7B03FCE3-00D3-D46D-2467-446DD89ADD60}"/>
+              </a:ext>
+            </a:extLst>
+          </p:cNvPr>
+          <p:cNvCxnSpPr>
+            <a:cxnSpLocks/>
+            <a:stCxn id="11" idx="2"/>
+            <a:endCxn id="25" idx="0"/>
+          </p:cNvCxnSpPr>
+          <p:nvPr/>
+        </p:nvCxnSpPr>
+        <p:spPr>
+          <a:xfrm>
+            <a:off x="3344207" y="2426996"/>
+            <a:ext cx="3891064" cy="1347679"/>
+          </a:xfrm>
+          <a:prstGeom prst="straightConnector1">
+            <a:avLst/>
+          </a:prstGeom>
+          <a:ln w="12700">
+            <a:solidFill>
+              <a:schemeClr val="accent5">
+                <a:lumMod val="75000"/>
+              </a:schemeClr>
+            </a:solidFill>
+            <a:tailEnd type="triangle"/>
+          </a:ln>
+        </p:spPr>
+        <p:style>
+          <a:lnRef idx="1">
+            <a:schemeClr val="accent1"/>
+          </a:lnRef>
+          <a:fillRef idx="0">
+            <a:schemeClr val="accent1"/>
+          </a:fillRef>
+          <a:effectRef idx="0">
+            <a:schemeClr val="accent1"/>
+          </a:effectRef>
+          <a:fontRef idx="minor">
+            <a:schemeClr val="tx1"/>
+          </a:fontRef>
+        </p:style>
+      </p:cxnSp>
+      <p:cxnSp>
+        <p:nvCxnSpPr>
+          <p:cNvPr id="47" name="Straight Arrow Connector 46">
+            <a:extLst>
+              <a:ext uri="{FF2B5EF4-FFF2-40B4-BE49-F238E27FC236}">
+                <a16:creationId xmlns:a16="http://schemas.microsoft.com/office/drawing/2014/main" id="{FCEA9E06-8156-47C6-C4E1-0F760A335923}"/>
+              </a:ext>
+            </a:extLst>
+          </p:cNvPr>
+          <p:cNvCxnSpPr>
+            <a:cxnSpLocks/>
+            <a:stCxn id="12" idx="2"/>
+            <a:endCxn id="21" idx="0"/>
+          </p:cNvCxnSpPr>
+          <p:nvPr/>
+        </p:nvCxnSpPr>
+        <p:spPr>
+          <a:xfrm flipH="1">
+            <a:off x="3344206" y="2426996"/>
+            <a:ext cx="972767" cy="1347679"/>
+          </a:xfrm>
+          <a:prstGeom prst="straightConnector1">
+            <a:avLst/>
+          </a:prstGeom>
+          <a:ln w="12700">
+            <a:solidFill>
+              <a:schemeClr val="accent5">
+                <a:lumMod val="75000"/>
+              </a:schemeClr>
+            </a:solidFill>
+            <a:tailEnd type="triangle"/>
+          </a:ln>
+        </p:spPr>
+        <p:style>
+          <a:lnRef idx="1">
+            <a:schemeClr val="accent1"/>
+          </a:lnRef>
+          <a:fillRef idx="0">
+            <a:schemeClr val="accent1"/>
+          </a:fillRef>
+          <a:effectRef idx="0">
+            <a:schemeClr val="accent1"/>
+          </a:effectRef>
+          <a:fontRef idx="minor">
+            <a:schemeClr val="tx1"/>
+          </a:fontRef>
+        </p:style>
+      </p:cxnSp>
+      <p:cxnSp>
+        <p:nvCxnSpPr>
+          <p:cNvPr id="50" name="Straight Arrow Connector 49">
+            <a:extLst>
+              <a:ext uri="{FF2B5EF4-FFF2-40B4-BE49-F238E27FC236}">
+                <a16:creationId xmlns:a16="http://schemas.microsoft.com/office/drawing/2014/main" id="{DBD79D26-2337-42EF-0CB1-62A28903CD92}"/>
+              </a:ext>
+            </a:extLst>
+          </p:cNvPr>
+          <p:cNvCxnSpPr>
+            <a:cxnSpLocks/>
+            <a:stCxn id="14" idx="2"/>
+            <a:endCxn id="27" idx="0"/>
+          </p:cNvCxnSpPr>
+          <p:nvPr/>
+        </p:nvCxnSpPr>
+        <p:spPr>
+          <a:xfrm>
+            <a:off x="5289739" y="2426996"/>
+            <a:ext cx="3891063" cy="1347679"/>
+          </a:xfrm>
+          <a:prstGeom prst="straightConnector1">
+            <a:avLst/>
+          </a:prstGeom>
+          <a:ln w="12700">
+            <a:solidFill>
+              <a:schemeClr val="accent5">
+                <a:lumMod val="75000"/>
+              </a:schemeClr>
+            </a:solidFill>
+            <a:tailEnd type="triangle"/>
+          </a:ln>
+        </p:spPr>
+        <p:style>
+          <a:lnRef idx="1">
+            <a:schemeClr val="accent1"/>
+          </a:lnRef>
+          <a:fillRef idx="0">
+            <a:schemeClr val="accent1"/>
+          </a:fillRef>
+          <a:effectRef idx="0">
+            <a:schemeClr val="accent1"/>
+          </a:effectRef>
+          <a:fontRef idx="minor">
+            <a:schemeClr val="tx1"/>
+          </a:fontRef>
+        </p:style>
+      </p:cxnSp>
+      <p:cxnSp>
+        <p:nvCxnSpPr>
+          <p:cNvPr id="53" name="Straight Arrow Connector 52">
+            <a:extLst>
+              <a:ext uri="{FF2B5EF4-FFF2-40B4-BE49-F238E27FC236}">
+                <a16:creationId xmlns:a16="http://schemas.microsoft.com/office/drawing/2014/main" id="{A96D0DF3-F4E2-60BC-2445-6DED18488FCB}"/>
+              </a:ext>
+            </a:extLst>
+          </p:cNvPr>
+          <p:cNvCxnSpPr>
+            <a:cxnSpLocks/>
+            <a:stCxn id="15" idx="2"/>
+            <a:endCxn id="23" idx="0"/>
+          </p:cNvCxnSpPr>
+          <p:nvPr/>
+        </p:nvCxnSpPr>
+        <p:spPr>
+          <a:xfrm flipH="1">
+            <a:off x="5289738" y="2426996"/>
+            <a:ext cx="972767" cy="1347679"/>
+          </a:xfrm>
+          <a:prstGeom prst="straightConnector1">
+            <a:avLst/>
+          </a:prstGeom>
+          <a:ln w="12700">
+            <a:solidFill>
+              <a:schemeClr val="accent5">
+                <a:lumMod val="75000"/>
+              </a:schemeClr>
+            </a:solidFill>
+            <a:tailEnd type="triangle"/>
+          </a:ln>
+        </p:spPr>
+        <p:style>
+          <a:lnRef idx="1">
+            <a:schemeClr val="accent1"/>
+          </a:lnRef>
+          <a:fillRef idx="0">
+            <a:schemeClr val="accent1"/>
+          </a:fillRef>
+          <a:effectRef idx="0">
+            <a:schemeClr val="accent1"/>
+          </a:effectRef>
+          <a:fontRef idx="minor">
+            <a:schemeClr val="tx1"/>
+          </a:fontRef>
+        </p:style>
+      </p:cxnSp>
+      <p:cxnSp>
+        <p:nvCxnSpPr>
+          <p:cNvPr id="56" name="Straight Arrow Connector 55">
+            <a:extLst>
+              <a:ext uri="{FF2B5EF4-FFF2-40B4-BE49-F238E27FC236}">
+                <a16:creationId xmlns:a16="http://schemas.microsoft.com/office/drawing/2014/main" id="{103B204E-2E00-FF48-3A46-E779A6F25AF4}"/>
+              </a:ext>
+            </a:extLst>
+          </p:cNvPr>
+          <p:cNvCxnSpPr>
+            <a:cxnSpLocks/>
+            <a:stCxn id="16" idx="2"/>
+            <a:endCxn id="19" idx="0"/>
+          </p:cNvCxnSpPr>
+          <p:nvPr/>
+        </p:nvCxnSpPr>
+        <p:spPr>
+          <a:xfrm flipH="1">
+            <a:off x="2371441" y="2426996"/>
+            <a:ext cx="4863830" cy="1347679"/>
+          </a:xfrm>
+          <a:prstGeom prst="straightConnector1">
+            <a:avLst/>
+          </a:prstGeom>
+          <a:ln w="12700">
+            <a:solidFill>
+              <a:schemeClr val="accent5">
+                <a:lumMod val="75000"/>
+              </a:schemeClr>
+            </a:solidFill>
+            <a:tailEnd type="triangle"/>
+          </a:ln>
+        </p:spPr>
+        <p:style>
+          <a:lnRef idx="1">
+            <a:schemeClr val="accent1"/>
+          </a:lnRef>
+          <a:fillRef idx="0">
+            <a:schemeClr val="accent1"/>
+          </a:fillRef>
+          <a:effectRef idx="0">
+            <a:schemeClr val="accent1"/>
+          </a:effectRef>
+          <a:fontRef idx="minor">
+            <a:schemeClr val="tx1"/>
+          </a:fontRef>
+        </p:style>
+      </p:cxnSp>
+      <p:cxnSp>
+        <p:nvCxnSpPr>
+          <p:cNvPr id="60" name="Straight Arrow Connector 59">
+            <a:extLst>
+              <a:ext uri="{FF2B5EF4-FFF2-40B4-BE49-F238E27FC236}">
+                <a16:creationId xmlns:a16="http://schemas.microsoft.com/office/drawing/2014/main" id="{DCFCA6EC-6009-5262-FB06-037C7CCF5D17}"/>
+              </a:ext>
+            </a:extLst>
+          </p:cNvPr>
+          <p:cNvCxnSpPr>
+            <a:cxnSpLocks/>
+            <a:stCxn id="17" idx="2"/>
+            <a:endCxn id="24" idx="0"/>
+          </p:cNvCxnSpPr>
+          <p:nvPr/>
+        </p:nvCxnSpPr>
+        <p:spPr>
+          <a:xfrm flipH="1">
+            <a:off x="6262503" y="2426996"/>
+            <a:ext cx="1945534" cy="1347679"/>
+          </a:xfrm>
+          <a:prstGeom prst="straightConnector1">
+            <a:avLst/>
+          </a:prstGeom>
+          <a:ln w="12700">
+            <a:solidFill>
+              <a:schemeClr val="accent5">
+                <a:lumMod val="75000"/>
+              </a:schemeClr>
+            </a:solidFill>
+            <a:tailEnd type="triangle"/>
+          </a:ln>
+        </p:spPr>
+        <p:style>
+          <a:lnRef idx="1">
+            <a:schemeClr val="accent1"/>
+          </a:lnRef>
+          <a:fillRef idx="0">
+            <a:schemeClr val="accent1"/>
+          </a:fillRef>
+          <a:effectRef idx="0">
+            <a:schemeClr val="accent1"/>
+          </a:effectRef>
+          <a:fontRef idx="minor">
+            <a:schemeClr val="tx1"/>
+          </a:fontRef>
+        </p:style>
+      </p:cxnSp>
+      <p:cxnSp>
+        <p:nvCxnSpPr>
+          <p:cNvPr id="63" name="Straight Arrow Connector 62">
+            <a:extLst>
+              <a:ext uri="{FF2B5EF4-FFF2-40B4-BE49-F238E27FC236}">
+                <a16:creationId xmlns:a16="http://schemas.microsoft.com/office/drawing/2014/main" id="{BB8C3A61-40BF-52A9-F43A-D15E44850FDD}"/>
+              </a:ext>
+            </a:extLst>
+          </p:cNvPr>
+          <p:cNvCxnSpPr>
+            <a:cxnSpLocks/>
+            <a:stCxn id="18" idx="2"/>
+            <a:endCxn id="26" idx="0"/>
+          </p:cNvCxnSpPr>
+          <p:nvPr/>
+        </p:nvCxnSpPr>
+        <p:spPr>
+          <a:xfrm flipH="1">
+            <a:off x="8208037" y="2426996"/>
+            <a:ext cx="972766" cy="1347679"/>
+          </a:xfrm>
+          <a:prstGeom prst="straightConnector1">
+            <a:avLst/>
+          </a:prstGeom>
+          <a:ln w="12700">
+            <a:solidFill>
+              <a:schemeClr val="accent5">
+                <a:lumMod val="75000"/>
+              </a:schemeClr>
+            </a:solidFill>
+            <a:tailEnd type="triangle"/>
+          </a:ln>
+        </p:spPr>
+        <p:style>
+          <a:lnRef idx="1">
+            <a:schemeClr val="accent1"/>
+          </a:lnRef>
+          <a:fillRef idx="0">
+            <a:schemeClr val="accent1"/>
+          </a:fillRef>
+          <a:effectRef idx="0">
+            <a:schemeClr val="accent1"/>
+          </a:effectRef>
+          <a:fontRef idx="minor">
+            <a:schemeClr val="tx1"/>
+          </a:fontRef>
+        </p:style>
+      </p:cxnSp>
+      <p:sp>
+        <p:nvSpPr>
+          <p:cNvPr id="66" name="TextBox 65">
+            <a:extLst>
+              <a:ext uri="{FF2B5EF4-FFF2-40B4-BE49-F238E27FC236}">
+                <a16:creationId xmlns:a16="http://schemas.microsoft.com/office/drawing/2014/main" id="{12A5FF6D-D89E-8D61-1B56-9906E81808DD}"/>
+              </a:ext>
+            </a:extLst>
+          </p:cNvPr>
+          <p:cNvSpPr txBox="1"/>
+          <p:nvPr/>
+        </p:nvSpPr>
+        <p:spPr>
+          <a:xfrm>
+            <a:off x="9718833" y="4214483"/>
+            <a:ext cx="1182585" cy="369332"/>
+          </a:xfrm>
+          <a:prstGeom prst="rect">
+            <a:avLst/>
+          </a:prstGeom>
+          <a:solidFill>
+            <a:schemeClr val="accent4">
+              <a:lumMod val="20000"/>
+              <a:lumOff val="80000"/>
+            </a:schemeClr>
+          </a:solidFill>
+        </p:spPr>
+        <p:txBody>
+          <a:bodyPr wrap="square">
+            <a:spAutoFit/>
+          </a:bodyPr>
+          <a:lstStyle/>
+          <a:p>
+            <a:pPr algn="ctr"/>
+            <a:r>
+              <a:rPr lang="en-GB" altLang="zh-TW" b="1" dirty="0">
+                <a:latin typeface="Consolas" panose="020B0609020204030204" pitchFamily="49" charset="0"/>
+                <a:ea typeface="微軟正黑體" panose="020B0604030504040204" pitchFamily="34" charset="-120"/>
+              </a:rPr>
+              <a:t>order()</a:t>
+            </a:r>
+            <a:endParaRPr lang="en-GB" b="1" dirty="0">
+              <a:latin typeface="Consolas" panose="020B0609020204030204" pitchFamily="49" charset="0"/>
+              <a:ea typeface="微軟正黑體" panose="020B0604030504040204" pitchFamily="34" charset="-120"/>
+            </a:endParaRPr>
+          </a:p>
+        </p:txBody>
+      </p:sp>
+      <p:sp>
+        <p:nvSpPr>
+          <p:cNvPr id="67" name="TextBox 66">
+            <a:extLst>
+              <a:ext uri="{FF2B5EF4-FFF2-40B4-BE49-F238E27FC236}">
+                <a16:creationId xmlns:a16="http://schemas.microsoft.com/office/drawing/2014/main" id="{3AFEB5E9-2853-77A6-8BD5-72DB54C3AD75}"/>
+              </a:ext>
+            </a:extLst>
+          </p:cNvPr>
+          <p:cNvSpPr txBox="1"/>
+          <p:nvPr/>
+        </p:nvSpPr>
+        <p:spPr>
+          <a:xfrm>
+            <a:off x="2182966" y="4236895"/>
+            <a:ext cx="376947" cy="307777"/>
+          </a:xfrm>
+          <a:prstGeom prst="rect">
+            <a:avLst/>
+          </a:prstGeom>
+          <a:noFill/>
+        </p:spPr>
+        <p:txBody>
+          <a:bodyPr wrap="square">
+            <a:spAutoFit/>
+          </a:bodyPr>
+          <a:lstStyle/>
+          <a:p>
+            <a:pPr algn="ctr"/>
+            <a:r>
+              <a:rPr lang="en-US" altLang="zh-TW" sz="1400" b="1" dirty="0">
+                <a:latin typeface="微軟正黑體" panose="020B0604030504040204" pitchFamily="34" charset="-120"/>
+                <a:ea typeface="微軟正黑體" panose="020B0604030504040204" pitchFamily="34" charset="-120"/>
+              </a:rPr>
+              <a:t>(6)</a:t>
+            </a:r>
+            <a:endParaRPr lang="en-GB" sz="1400" b="1" dirty="0">
+              <a:latin typeface="微軟正黑體" panose="020B0604030504040204" pitchFamily="34" charset="-120"/>
+              <a:ea typeface="微軟正黑體" panose="020B0604030504040204" pitchFamily="34" charset="-120"/>
+            </a:endParaRPr>
+          </a:p>
+        </p:txBody>
+      </p:sp>
+      <p:sp>
+        <p:nvSpPr>
+          <p:cNvPr id="68" name="TextBox 67">
+            <a:extLst>
+              <a:ext uri="{FF2B5EF4-FFF2-40B4-BE49-F238E27FC236}">
+                <a16:creationId xmlns:a16="http://schemas.microsoft.com/office/drawing/2014/main" id="{13FF6909-C614-20B7-DC6E-64471357FFCB}"/>
+              </a:ext>
+            </a:extLst>
+          </p:cNvPr>
+          <p:cNvSpPr txBox="1"/>
+          <p:nvPr/>
+        </p:nvSpPr>
+        <p:spPr>
+          <a:xfrm>
+            <a:off x="3155731" y="4236895"/>
+            <a:ext cx="376947" cy="307777"/>
+          </a:xfrm>
+          <a:prstGeom prst="rect">
+            <a:avLst/>
+          </a:prstGeom>
+          <a:noFill/>
+        </p:spPr>
+        <p:txBody>
+          <a:bodyPr wrap="square">
+            <a:spAutoFit/>
+          </a:bodyPr>
+          <a:lstStyle/>
+          <a:p>
+            <a:pPr algn="ctr"/>
+            <a:r>
+              <a:rPr lang="en-US" altLang="zh-TW" sz="1400" b="1" dirty="0">
+                <a:latin typeface="微軟正黑體" panose="020B0604030504040204" pitchFamily="34" charset="-120"/>
+                <a:ea typeface="微軟正黑體" panose="020B0604030504040204" pitchFamily="34" charset="-120"/>
+              </a:rPr>
+              <a:t>(3)</a:t>
+            </a:r>
+            <a:endParaRPr lang="en-GB" sz="1400" b="1" dirty="0">
+              <a:latin typeface="微軟正黑體" panose="020B0604030504040204" pitchFamily="34" charset="-120"/>
+              <a:ea typeface="微軟正黑體" panose="020B0604030504040204" pitchFamily="34" charset="-120"/>
+            </a:endParaRPr>
+          </a:p>
+        </p:txBody>
+      </p:sp>
+      <p:sp>
+        <p:nvSpPr>
+          <p:cNvPr id="69" name="TextBox 68">
+            <a:extLst>
+              <a:ext uri="{FF2B5EF4-FFF2-40B4-BE49-F238E27FC236}">
+                <a16:creationId xmlns:a16="http://schemas.microsoft.com/office/drawing/2014/main" id="{48136667-6900-F943-7EE7-1D5378F0D350}"/>
+              </a:ext>
+            </a:extLst>
+          </p:cNvPr>
+          <p:cNvSpPr txBox="1"/>
+          <p:nvPr/>
+        </p:nvSpPr>
+        <p:spPr>
+          <a:xfrm>
+            <a:off x="4128496" y="4236895"/>
+            <a:ext cx="376947" cy="307777"/>
+          </a:xfrm>
+          <a:prstGeom prst="rect">
+            <a:avLst/>
+          </a:prstGeom>
+          <a:noFill/>
+        </p:spPr>
+        <p:txBody>
+          <a:bodyPr wrap="square">
+            <a:spAutoFit/>
+          </a:bodyPr>
+          <a:lstStyle/>
+          <a:p>
+            <a:pPr algn="ctr"/>
+            <a:r>
+              <a:rPr lang="en-US" altLang="zh-TW" sz="1400" b="1" dirty="0">
+                <a:latin typeface="微軟正黑體" panose="020B0604030504040204" pitchFamily="34" charset="-120"/>
+                <a:ea typeface="微軟正黑體" panose="020B0604030504040204" pitchFamily="34" charset="-120"/>
+              </a:rPr>
+              <a:t>(1)</a:t>
+            </a:r>
+            <a:endParaRPr lang="en-GB" sz="1400" b="1" dirty="0">
+              <a:latin typeface="微軟正黑體" panose="020B0604030504040204" pitchFamily="34" charset="-120"/>
+              <a:ea typeface="微軟正黑體" panose="020B0604030504040204" pitchFamily="34" charset="-120"/>
+            </a:endParaRPr>
+          </a:p>
+        </p:txBody>
+      </p:sp>
+      <p:sp>
+        <p:nvSpPr>
+          <p:cNvPr id="70" name="TextBox 69">
+            <a:extLst>
+              <a:ext uri="{FF2B5EF4-FFF2-40B4-BE49-F238E27FC236}">
+                <a16:creationId xmlns:a16="http://schemas.microsoft.com/office/drawing/2014/main" id="{B3B6F82B-8668-0076-B476-822C03115913}"/>
+              </a:ext>
+            </a:extLst>
+          </p:cNvPr>
+          <p:cNvSpPr txBox="1"/>
+          <p:nvPr/>
+        </p:nvSpPr>
+        <p:spPr>
+          <a:xfrm>
+            <a:off x="5101261" y="4236895"/>
+            <a:ext cx="376947" cy="307777"/>
+          </a:xfrm>
+          <a:prstGeom prst="rect">
+            <a:avLst/>
+          </a:prstGeom>
+          <a:noFill/>
+        </p:spPr>
+        <p:txBody>
+          <a:bodyPr wrap="square">
+            <a:spAutoFit/>
+          </a:bodyPr>
+          <a:lstStyle/>
+          <a:p>
+            <a:pPr algn="ctr"/>
+            <a:r>
+              <a:rPr lang="en-US" altLang="zh-TW" sz="1400" b="1" dirty="0">
+                <a:latin typeface="微軟正黑體" panose="020B0604030504040204" pitchFamily="34" charset="-120"/>
+                <a:ea typeface="微軟正黑體" panose="020B0604030504040204" pitchFamily="34" charset="-120"/>
+              </a:rPr>
+              <a:t>(5)</a:t>
+            </a:r>
+            <a:endParaRPr lang="en-GB" sz="1400" b="1" dirty="0">
+              <a:latin typeface="微軟正黑體" panose="020B0604030504040204" pitchFamily="34" charset="-120"/>
+              <a:ea typeface="微軟正黑體" panose="020B0604030504040204" pitchFamily="34" charset="-120"/>
+            </a:endParaRPr>
+          </a:p>
+        </p:txBody>
+      </p:sp>
+      <p:sp>
+        <p:nvSpPr>
+          <p:cNvPr id="71" name="TextBox 70">
+            <a:extLst>
+              <a:ext uri="{FF2B5EF4-FFF2-40B4-BE49-F238E27FC236}">
+                <a16:creationId xmlns:a16="http://schemas.microsoft.com/office/drawing/2014/main" id="{EFD32FCD-3AD8-D6A9-19D7-E2F91B9D78FC}"/>
+              </a:ext>
+            </a:extLst>
+          </p:cNvPr>
+          <p:cNvSpPr txBox="1"/>
+          <p:nvPr/>
+        </p:nvSpPr>
+        <p:spPr>
+          <a:xfrm>
+            <a:off x="6074026" y="4236895"/>
+            <a:ext cx="376947" cy="307777"/>
+          </a:xfrm>
+          <a:prstGeom prst="rect">
+            <a:avLst/>
+          </a:prstGeom>
+          <a:noFill/>
+        </p:spPr>
+        <p:txBody>
+          <a:bodyPr wrap="square">
+            <a:spAutoFit/>
+          </a:bodyPr>
+          <a:lstStyle/>
+          <a:p>
+            <a:pPr algn="ctr"/>
+            <a:r>
+              <a:rPr lang="en-US" altLang="zh-TW" sz="1400" b="1" dirty="0">
+                <a:latin typeface="微軟正黑體" panose="020B0604030504040204" pitchFamily="34" charset="-120"/>
+                <a:ea typeface="微軟正黑體" panose="020B0604030504040204" pitchFamily="34" charset="-120"/>
+              </a:rPr>
+              <a:t>(7)</a:t>
+            </a:r>
+            <a:endParaRPr lang="en-GB" sz="1400" b="1" dirty="0">
+              <a:latin typeface="微軟正黑體" panose="020B0604030504040204" pitchFamily="34" charset="-120"/>
+              <a:ea typeface="微軟正黑體" panose="020B0604030504040204" pitchFamily="34" charset="-120"/>
+            </a:endParaRPr>
+          </a:p>
+        </p:txBody>
+      </p:sp>
+      <p:sp>
+        <p:nvSpPr>
+          <p:cNvPr id="72" name="TextBox 71">
+            <a:extLst>
+              <a:ext uri="{FF2B5EF4-FFF2-40B4-BE49-F238E27FC236}">
+                <a16:creationId xmlns:a16="http://schemas.microsoft.com/office/drawing/2014/main" id="{37A73AEC-7582-6B89-EAA5-6150AA7DA56F}"/>
+              </a:ext>
+            </a:extLst>
+          </p:cNvPr>
+          <p:cNvSpPr txBox="1"/>
+          <p:nvPr/>
+        </p:nvSpPr>
+        <p:spPr>
+          <a:xfrm>
+            <a:off x="7046791" y="4236895"/>
+            <a:ext cx="376947" cy="307777"/>
+          </a:xfrm>
+          <a:prstGeom prst="rect">
+            <a:avLst/>
+          </a:prstGeom>
+          <a:noFill/>
+        </p:spPr>
+        <p:txBody>
+          <a:bodyPr wrap="square">
+            <a:spAutoFit/>
+          </a:bodyPr>
+          <a:lstStyle/>
+          <a:p>
+            <a:pPr algn="ctr"/>
+            <a:r>
+              <a:rPr lang="en-US" altLang="zh-TW" sz="1400" b="1" dirty="0">
+                <a:latin typeface="微軟正黑體" panose="020B0604030504040204" pitchFamily="34" charset="-120"/>
+                <a:ea typeface="微軟正黑體" panose="020B0604030504040204" pitchFamily="34" charset="-120"/>
+              </a:rPr>
+              <a:t>(2)</a:t>
+            </a:r>
+            <a:endParaRPr lang="en-GB" sz="1400" b="1" dirty="0">
+              <a:latin typeface="微軟正黑體" panose="020B0604030504040204" pitchFamily="34" charset="-120"/>
+              <a:ea typeface="微軟正黑體" panose="020B0604030504040204" pitchFamily="34" charset="-120"/>
+            </a:endParaRPr>
+          </a:p>
+        </p:txBody>
+      </p:sp>
+      <p:sp>
+        <p:nvSpPr>
+          <p:cNvPr id="73" name="TextBox 72">
+            <a:extLst>
+              <a:ext uri="{FF2B5EF4-FFF2-40B4-BE49-F238E27FC236}">
+                <a16:creationId xmlns:a16="http://schemas.microsoft.com/office/drawing/2014/main" id="{C642444C-D59A-E846-2623-6C394B2DA432}"/>
+              </a:ext>
+            </a:extLst>
+          </p:cNvPr>
+          <p:cNvSpPr txBox="1"/>
+          <p:nvPr/>
+        </p:nvSpPr>
+        <p:spPr>
+          <a:xfrm>
+            <a:off x="8019556" y="4236895"/>
+            <a:ext cx="376947" cy="307777"/>
+          </a:xfrm>
+          <a:prstGeom prst="rect">
+            <a:avLst/>
+          </a:prstGeom>
+          <a:noFill/>
+        </p:spPr>
+        <p:txBody>
+          <a:bodyPr wrap="square">
+            <a:spAutoFit/>
+          </a:bodyPr>
+          <a:lstStyle/>
+          <a:p>
+            <a:pPr algn="ctr"/>
+            <a:r>
+              <a:rPr lang="en-US" altLang="zh-TW" sz="1400" b="1" dirty="0">
+                <a:latin typeface="微軟正黑體" panose="020B0604030504040204" pitchFamily="34" charset="-120"/>
+                <a:ea typeface="微軟正黑體" panose="020B0604030504040204" pitchFamily="34" charset="-120"/>
+              </a:rPr>
+              <a:t>(8)</a:t>
+            </a:r>
+            <a:endParaRPr lang="en-GB" sz="1400" b="1" dirty="0">
+              <a:latin typeface="微軟正黑體" panose="020B0604030504040204" pitchFamily="34" charset="-120"/>
+              <a:ea typeface="微軟正黑體" panose="020B0604030504040204" pitchFamily="34" charset="-120"/>
+            </a:endParaRPr>
+          </a:p>
+        </p:txBody>
+      </p:sp>
+      <p:sp>
+        <p:nvSpPr>
+          <p:cNvPr id="74" name="TextBox 73">
+            <a:extLst>
+              <a:ext uri="{FF2B5EF4-FFF2-40B4-BE49-F238E27FC236}">
+                <a16:creationId xmlns:a16="http://schemas.microsoft.com/office/drawing/2014/main" id="{9E8CF20E-D1D8-EAFB-488B-DF1390FD532B}"/>
+              </a:ext>
+            </a:extLst>
+          </p:cNvPr>
+          <p:cNvSpPr txBox="1"/>
+          <p:nvPr/>
+        </p:nvSpPr>
+        <p:spPr>
+          <a:xfrm>
+            <a:off x="8992321" y="4236895"/>
+            <a:ext cx="376947" cy="307777"/>
+          </a:xfrm>
+          <a:prstGeom prst="rect">
+            <a:avLst/>
+          </a:prstGeom>
+          <a:noFill/>
+        </p:spPr>
+        <p:txBody>
+          <a:bodyPr wrap="square">
+            <a:spAutoFit/>
+          </a:bodyPr>
+          <a:lstStyle/>
+          <a:p>
+            <a:pPr algn="ctr"/>
+            <a:r>
+              <a:rPr lang="en-US" altLang="zh-TW" sz="1400" b="1" dirty="0">
+                <a:latin typeface="微軟正黑體" panose="020B0604030504040204" pitchFamily="34" charset="-120"/>
+                <a:ea typeface="微軟正黑體" panose="020B0604030504040204" pitchFamily="34" charset="-120"/>
+              </a:rPr>
+              <a:t>(4)</a:t>
+            </a:r>
+            <a:endParaRPr lang="en-GB" sz="1400" b="1" dirty="0">
+              <a:latin typeface="微軟正黑體" panose="020B0604030504040204" pitchFamily="34" charset="-120"/>
+              <a:ea typeface="微軟正黑體" panose="020B0604030504040204" pitchFamily="34" charset="-120"/>
+            </a:endParaRPr>
+          </a:p>
+        </p:txBody>
+      </p:sp>
+      <p:sp>
+        <p:nvSpPr>
+          <p:cNvPr id="76" name="TextBox 75">
+            <a:extLst>
+              <a:ext uri="{FF2B5EF4-FFF2-40B4-BE49-F238E27FC236}">
+                <a16:creationId xmlns:a16="http://schemas.microsoft.com/office/drawing/2014/main" id="{4672AF1A-3A70-6BE5-3864-7FB53AF5ED0F}"/>
+              </a:ext>
+            </a:extLst>
+          </p:cNvPr>
+          <p:cNvSpPr txBox="1"/>
+          <p:nvPr/>
+        </p:nvSpPr>
+        <p:spPr>
+          <a:xfrm>
+            <a:off x="2182966" y="981635"/>
+            <a:ext cx="377470" cy="400665"/>
+          </a:xfrm>
+          <a:prstGeom prst="rect">
+            <a:avLst/>
+          </a:prstGeom>
+          <a:noFill/>
+        </p:spPr>
+        <p:txBody>
+          <a:bodyPr wrap="square">
+            <a:spAutoFit/>
+          </a:bodyPr>
+          <a:lstStyle/>
+          <a:p>
+            <a:pPr algn="ctr"/>
+            <a:r>
+              <a:rPr lang="en-US" altLang="zh-TW" sz="2000" b="1" dirty="0">
+                <a:solidFill>
+                  <a:schemeClr val="accent6">
+                    <a:lumMod val="75000"/>
+                  </a:schemeClr>
+                </a:solidFill>
+                <a:latin typeface="微軟正黑體" panose="020B0604030504040204" pitchFamily="34" charset="-120"/>
+                <a:ea typeface="微軟正黑體" panose="020B0604030504040204" pitchFamily="34" charset="-120"/>
+              </a:rPr>
+              <a:t>3</a:t>
+            </a:r>
+            <a:endParaRPr lang="en-GB" sz="1600" b="1" dirty="0">
+              <a:solidFill>
+                <a:schemeClr val="accent6">
+                  <a:lumMod val="75000"/>
+                </a:schemeClr>
+              </a:solidFill>
+              <a:latin typeface="微軟正黑體" panose="020B0604030504040204" pitchFamily="34" charset="-120"/>
+              <a:ea typeface="微軟正黑體" panose="020B0604030504040204" pitchFamily="34" charset="-120"/>
+            </a:endParaRPr>
+          </a:p>
+        </p:txBody>
+      </p:sp>
+      <p:sp>
+        <p:nvSpPr>
+          <p:cNvPr id="77" name="TextBox 76">
+            <a:extLst>
+              <a:ext uri="{FF2B5EF4-FFF2-40B4-BE49-F238E27FC236}">
+                <a16:creationId xmlns:a16="http://schemas.microsoft.com/office/drawing/2014/main" id="{17D1597C-50BF-35B9-0326-415582335219}"/>
+              </a:ext>
+            </a:extLst>
+          </p:cNvPr>
+          <p:cNvSpPr txBox="1"/>
+          <p:nvPr/>
+        </p:nvSpPr>
+        <p:spPr>
+          <a:xfrm>
+            <a:off x="3155208" y="981635"/>
+            <a:ext cx="377470" cy="400110"/>
+          </a:xfrm>
+          <a:prstGeom prst="rect">
+            <a:avLst/>
+          </a:prstGeom>
+          <a:noFill/>
+        </p:spPr>
+        <p:txBody>
+          <a:bodyPr wrap="square">
+            <a:spAutoFit/>
+          </a:bodyPr>
+          <a:lstStyle/>
+          <a:p>
+            <a:pPr algn="ctr"/>
+            <a:r>
+              <a:rPr lang="en-US" altLang="zh-TW" sz="2000" b="1" dirty="0">
+                <a:solidFill>
+                  <a:schemeClr val="accent6">
+                    <a:lumMod val="75000"/>
+                  </a:schemeClr>
+                </a:solidFill>
+                <a:latin typeface="微軟正黑體" panose="020B0604030504040204" pitchFamily="34" charset="-120"/>
+                <a:ea typeface="微軟正黑體" panose="020B0604030504040204" pitchFamily="34" charset="-120"/>
+              </a:rPr>
+              <a:t>6</a:t>
+            </a:r>
+            <a:endParaRPr lang="en-GB" sz="1600" b="1" dirty="0">
+              <a:solidFill>
+                <a:schemeClr val="accent6">
+                  <a:lumMod val="75000"/>
+                </a:schemeClr>
+              </a:solidFill>
+              <a:latin typeface="微軟正黑體" panose="020B0604030504040204" pitchFamily="34" charset="-120"/>
+              <a:ea typeface="微軟正黑體" panose="020B0604030504040204" pitchFamily="34" charset="-120"/>
+            </a:endParaRPr>
+          </a:p>
+        </p:txBody>
+      </p:sp>
+      <p:sp>
+        <p:nvSpPr>
+          <p:cNvPr id="78" name="TextBox 77">
+            <a:extLst>
+              <a:ext uri="{FF2B5EF4-FFF2-40B4-BE49-F238E27FC236}">
+                <a16:creationId xmlns:a16="http://schemas.microsoft.com/office/drawing/2014/main" id="{E57737B4-3BED-2E52-6BE3-F1F310437213}"/>
+              </a:ext>
+            </a:extLst>
+          </p:cNvPr>
+          <p:cNvSpPr txBox="1"/>
+          <p:nvPr/>
+        </p:nvSpPr>
+        <p:spPr>
+          <a:xfrm>
+            <a:off x="4127450" y="981635"/>
+            <a:ext cx="377470" cy="400110"/>
+          </a:xfrm>
+          <a:prstGeom prst="rect">
+            <a:avLst/>
+          </a:prstGeom>
+          <a:noFill/>
+        </p:spPr>
+        <p:txBody>
+          <a:bodyPr wrap="square">
+            <a:spAutoFit/>
+          </a:bodyPr>
+          <a:lstStyle>
+            <a:defPPr>
+              <a:defRPr lang="zh-TW"/>
+            </a:defPPr>
+            <a:lvl1pPr algn="ctr">
+              <a:defRPr sz="2000" b="1">
+                <a:solidFill>
+                  <a:schemeClr val="accent6">
+                    <a:lumMod val="75000"/>
+                  </a:schemeClr>
+                </a:solidFill>
+                <a:latin typeface="微軟正黑體" panose="020B0604030504040204" pitchFamily="34" charset="-120"/>
+                <a:ea typeface="微軟正黑體" panose="020B0604030504040204" pitchFamily="34" charset="-120"/>
+              </a:defRPr>
+            </a:lvl1pPr>
+          </a:lstStyle>
+          <a:p>
+            <a:r>
+              <a:rPr lang="en-GB" dirty="0"/>
+              <a:t>2</a:t>
+            </a:r>
+          </a:p>
+        </p:txBody>
+      </p:sp>
+      <p:sp>
+        <p:nvSpPr>
+          <p:cNvPr id="79" name="TextBox 78">
+            <a:extLst>
+              <a:ext uri="{FF2B5EF4-FFF2-40B4-BE49-F238E27FC236}">
+                <a16:creationId xmlns:a16="http://schemas.microsoft.com/office/drawing/2014/main" id="{22FCF5F3-D4B2-A7DB-077C-3B6971EDD4F3}"/>
+              </a:ext>
+            </a:extLst>
+          </p:cNvPr>
+          <p:cNvSpPr txBox="1"/>
+          <p:nvPr/>
+        </p:nvSpPr>
+        <p:spPr>
+          <a:xfrm>
+            <a:off x="5099692" y="981635"/>
+            <a:ext cx="377470" cy="400110"/>
+          </a:xfrm>
+          <a:prstGeom prst="rect">
+            <a:avLst/>
+          </a:prstGeom>
+          <a:noFill/>
+        </p:spPr>
+        <p:txBody>
+          <a:bodyPr wrap="square">
+            <a:spAutoFit/>
+          </a:bodyPr>
+          <a:lstStyle/>
+          <a:p>
+            <a:pPr algn="ctr"/>
+            <a:r>
+              <a:rPr lang="en-US" altLang="zh-TW" sz="2000" b="1" dirty="0">
+                <a:solidFill>
+                  <a:schemeClr val="accent6">
+                    <a:lumMod val="75000"/>
+                  </a:schemeClr>
+                </a:solidFill>
+                <a:latin typeface="微軟正黑體" panose="020B0604030504040204" pitchFamily="34" charset="-120"/>
+                <a:ea typeface="微軟正黑體" panose="020B0604030504040204" pitchFamily="34" charset="-120"/>
+              </a:rPr>
+              <a:t>8</a:t>
+            </a:r>
+            <a:endParaRPr lang="en-GB" sz="1600" b="1" dirty="0">
+              <a:solidFill>
+                <a:schemeClr val="accent6">
+                  <a:lumMod val="75000"/>
+                </a:schemeClr>
+              </a:solidFill>
+              <a:latin typeface="微軟正黑體" panose="020B0604030504040204" pitchFamily="34" charset="-120"/>
+              <a:ea typeface="微軟正黑體" panose="020B0604030504040204" pitchFamily="34" charset="-120"/>
+            </a:endParaRPr>
+          </a:p>
+        </p:txBody>
+      </p:sp>
+      <p:sp>
+        <p:nvSpPr>
+          <p:cNvPr id="80" name="TextBox 79">
+            <a:extLst>
+              <a:ext uri="{FF2B5EF4-FFF2-40B4-BE49-F238E27FC236}">
+                <a16:creationId xmlns:a16="http://schemas.microsoft.com/office/drawing/2014/main" id="{05067232-4FD5-6109-48A8-93DA8B0905FA}"/>
+              </a:ext>
+            </a:extLst>
+          </p:cNvPr>
+          <p:cNvSpPr txBox="1"/>
+          <p:nvPr/>
+        </p:nvSpPr>
+        <p:spPr>
+          <a:xfrm>
+            <a:off x="6071934" y="981635"/>
+            <a:ext cx="377470" cy="400110"/>
+          </a:xfrm>
+          <a:prstGeom prst="rect">
+            <a:avLst/>
+          </a:prstGeom>
+          <a:noFill/>
+        </p:spPr>
+        <p:txBody>
+          <a:bodyPr wrap="square">
+            <a:spAutoFit/>
+          </a:bodyPr>
+          <a:lstStyle/>
+          <a:p>
+            <a:pPr algn="ctr"/>
+            <a:r>
+              <a:rPr lang="en-US" sz="2000" b="1" dirty="0">
+                <a:solidFill>
+                  <a:schemeClr val="accent6">
+                    <a:lumMod val="75000"/>
+                  </a:schemeClr>
+                </a:solidFill>
+                <a:latin typeface="微軟正黑體" panose="020B0604030504040204" pitchFamily="34" charset="-120"/>
+                <a:ea typeface="微軟正黑體" panose="020B0604030504040204" pitchFamily="34" charset="-120"/>
+              </a:rPr>
+              <a:t>4</a:t>
+            </a:r>
+            <a:endParaRPr lang="en-GB" sz="1600" b="1" dirty="0">
+              <a:solidFill>
+                <a:schemeClr val="accent6">
+                  <a:lumMod val="75000"/>
+                </a:schemeClr>
+              </a:solidFill>
+              <a:latin typeface="微軟正黑體" panose="020B0604030504040204" pitchFamily="34" charset="-120"/>
+              <a:ea typeface="微軟正黑體" panose="020B0604030504040204" pitchFamily="34" charset="-120"/>
+            </a:endParaRPr>
+          </a:p>
+        </p:txBody>
+      </p:sp>
+      <p:sp>
+        <p:nvSpPr>
+          <p:cNvPr id="81" name="TextBox 80">
+            <a:extLst>
+              <a:ext uri="{FF2B5EF4-FFF2-40B4-BE49-F238E27FC236}">
+                <a16:creationId xmlns:a16="http://schemas.microsoft.com/office/drawing/2014/main" id="{FD3DCAF1-8498-2B1B-40D7-F5BBFE1C751B}"/>
+              </a:ext>
+            </a:extLst>
+          </p:cNvPr>
+          <p:cNvSpPr txBox="1"/>
+          <p:nvPr/>
+        </p:nvSpPr>
+        <p:spPr>
+          <a:xfrm>
+            <a:off x="7044176" y="981635"/>
+            <a:ext cx="377470" cy="400110"/>
+          </a:xfrm>
+          <a:prstGeom prst="rect">
+            <a:avLst/>
+          </a:prstGeom>
+          <a:noFill/>
+        </p:spPr>
+        <p:txBody>
+          <a:bodyPr wrap="square">
+            <a:spAutoFit/>
+          </a:bodyPr>
+          <a:lstStyle/>
+          <a:p>
+            <a:pPr algn="ctr"/>
+            <a:r>
+              <a:rPr lang="en-US" altLang="zh-TW" sz="2000" b="1" dirty="0">
+                <a:solidFill>
+                  <a:schemeClr val="accent6">
+                    <a:lumMod val="75000"/>
+                  </a:schemeClr>
+                </a:solidFill>
+                <a:latin typeface="微軟正黑體" panose="020B0604030504040204" pitchFamily="34" charset="-120"/>
+                <a:ea typeface="微軟正黑體" panose="020B0604030504040204" pitchFamily="34" charset="-120"/>
+              </a:rPr>
+              <a:t>1</a:t>
+            </a:r>
+            <a:endParaRPr lang="en-GB" sz="1600" b="1" dirty="0">
+              <a:solidFill>
+                <a:schemeClr val="accent6">
+                  <a:lumMod val="75000"/>
+                </a:schemeClr>
+              </a:solidFill>
+              <a:latin typeface="微軟正黑體" panose="020B0604030504040204" pitchFamily="34" charset="-120"/>
+              <a:ea typeface="微軟正黑體" panose="020B0604030504040204" pitchFamily="34" charset="-120"/>
+            </a:endParaRPr>
+          </a:p>
+        </p:txBody>
+      </p:sp>
+      <p:sp>
+        <p:nvSpPr>
+          <p:cNvPr id="82" name="TextBox 81">
+            <a:extLst>
+              <a:ext uri="{FF2B5EF4-FFF2-40B4-BE49-F238E27FC236}">
+                <a16:creationId xmlns:a16="http://schemas.microsoft.com/office/drawing/2014/main" id="{E22F31F7-D945-DACD-6895-38752CD9FB0C}"/>
+              </a:ext>
+            </a:extLst>
+          </p:cNvPr>
+          <p:cNvSpPr txBox="1"/>
+          <p:nvPr/>
+        </p:nvSpPr>
+        <p:spPr>
+          <a:xfrm>
+            <a:off x="8016418" y="981635"/>
+            <a:ext cx="377470" cy="400110"/>
+          </a:xfrm>
+          <a:prstGeom prst="rect">
+            <a:avLst/>
+          </a:prstGeom>
+          <a:noFill/>
+        </p:spPr>
+        <p:txBody>
+          <a:bodyPr wrap="square">
+            <a:spAutoFit/>
+          </a:bodyPr>
+          <a:lstStyle>
+            <a:defPPr>
+              <a:defRPr lang="zh-TW"/>
+            </a:defPPr>
+            <a:lvl1pPr algn="ctr">
+              <a:defRPr sz="2000" b="1">
+                <a:solidFill>
+                  <a:schemeClr val="accent6">
+                    <a:lumMod val="75000"/>
+                  </a:schemeClr>
+                </a:solidFill>
+                <a:latin typeface="微軟正黑體" panose="020B0604030504040204" pitchFamily="34" charset="-120"/>
+                <a:ea typeface="微軟正黑體" panose="020B0604030504040204" pitchFamily="34" charset="-120"/>
+              </a:defRPr>
+            </a:lvl1pPr>
+          </a:lstStyle>
+          <a:p>
+            <a:r>
+              <a:rPr lang="en-GB" dirty="0"/>
+              <a:t>5</a:t>
+            </a:r>
+          </a:p>
+        </p:txBody>
+      </p:sp>
+      <p:sp>
+        <p:nvSpPr>
+          <p:cNvPr id="83" name="TextBox 82">
+            <a:extLst>
+              <a:ext uri="{FF2B5EF4-FFF2-40B4-BE49-F238E27FC236}">
+                <a16:creationId xmlns:a16="http://schemas.microsoft.com/office/drawing/2014/main" id="{629B6400-EC38-A405-7294-7540446EF050}"/>
+              </a:ext>
+            </a:extLst>
+          </p:cNvPr>
+          <p:cNvSpPr txBox="1"/>
+          <p:nvPr/>
+        </p:nvSpPr>
+        <p:spPr>
+          <a:xfrm>
+            <a:off x="8988660" y="981635"/>
+            <a:ext cx="377470" cy="400110"/>
+          </a:xfrm>
+          <a:prstGeom prst="rect">
+            <a:avLst/>
+          </a:prstGeom>
+          <a:noFill/>
+        </p:spPr>
+        <p:txBody>
+          <a:bodyPr wrap="square">
+            <a:spAutoFit/>
+          </a:bodyPr>
+          <a:lstStyle/>
+          <a:p>
+            <a:pPr algn="ctr"/>
+            <a:r>
+              <a:rPr lang="en-US" altLang="zh-TW" sz="2000" b="1" dirty="0">
+                <a:solidFill>
+                  <a:schemeClr val="accent6">
+                    <a:lumMod val="75000"/>
+                  </a:schemeClr>
+                </a:solidFill>
+                <a:latin typeface="微軟正黑體" panose="020B0604030504040204" pitchFamily="34" charset="-120"/>
+                <a:ea typeface="微軟正黑體" panose="020B0604030504040204" pitchFamily="34" charset="-120"/>
+              </a:rPr>
+              <a:t>7</a:t>
+            </a:r>
+            <a:endParaRPr lang="en-GB" sz="1600" b="1" dirty="0">
+              <a:solidFill>
+                <a:schemeClr val="accent6">
+                  <a:lumMod val="75000"/>
+                </a:schemeClr>
+              </a:solidFill>
+              <a:latin typeface="微軟正黑體" panose="020B0604030504040204" pitchFamily="34" charset="-120"/>
+              <a:ea typeface="微軟正黑體" panose="020B0604030504040204" pitchFamily="34" charset="-120"/>
+            </a:endParaRPr>
+          </a:p>
+        </p:txBody>
+      </p:sp>
+      <p:sp>
+        <p:nvSpPr>
+          <p:cNvPr id="84" name="TextBox 83">
+            <a:extLst>
+              <a:ext uri="{FF2B5EF4-FFF2-40B4-BE49-F238E27FC236}">
+                <a16:creationId xmlns:a16="http://schemas.microsoft.com/office/drawing/2014/main" id="{D9E25D2A-AB77-3A41-D1F8-F66E2F984EBD}"/>
+              </a:ext>
+            </a:extLst>
+          </p:cNvPr>
+          <p:cNvSpPr txBox="1"/>
+          <p:nvPr/>
+        </p:nvSpPr>
+        <p:spPr>
+          <a:xfrm>
+            <a:off x="6764020" y="1339261"/>
+            <a:ext cx="975746" cy="307777"/>
+          </a:xfrm>
+          <a:prstGeom prst="rect">
+            <a:avLst/>
+          </a:prstGeom>
+          <a:noFill/>
+        </p:spPr>
+        <p:txBody>
+          <a:bodyPr wrap="square">
+            <a:spAutoFit/>
+          </a:bodyPr>
+          <a:lstStyle/>
+          <a:p>
+            <a:pPr algn="ctr"/>
+            <a:r>
+              <a:rPr lang="zh-TW" altLang="en-US" sz="1400" b="1" dirty="0">
+                <a:solidFill>
+                  <a:schemeClr val="accent6">
+                    <a:lumMod val="75000"/>
+                  </a:schemeClr>
+                </a:solidFill>
+                <a:latin typeface="微軟正黑體" panose="020B0604030504040204" pitchFamily="34" charset="-120"/>
+                <a:ea typeface="微軟正黑體" panose="020B0604030504040204" pitchFamily="34" charset="-120"/>
+              </a:rPr>
+              <a:t>最小值</a:t>
+            </a:r>
+            <a:endParaRPr lang="en-GB" sz="1100" b="1" dirty="0">
+              <a:solidFill>
+                <a:schemeClr val="accent6">
+                  <a:lumMod val="75000"/>
+                </a:schemeClr>
+              </a:solidFill>
+              <a:latin typeface="微軟正黑體" panose="020B0604030504040204" pitchFamily="34" charset="-120"/>
+              <a:ea typeface="微軟正黑體" panose="020B0604030504040204" pitchFamily="34" charset="-120"/>
+            </a:endParaRPr>
+          </a:p>
+        </p:txBody>
+      </p:sp>
+      <p:sp>
+        <p:nvSpPr>
+          <p:cNvPr id="88" name="Freeform: Shape 87">
+            <a:extLst>
+              <a:ext uri="{FF2B5EF4-FFF2-40B4-BE49-F238E27FC236}">
+                <a16:creationId xmlns:a16="http://schemas.microsoft.com/office/drawing/2014/main" id="{B875D2D8-CC97-2EE0-AEF9-248772B4047E}"/>
+              </a:ext>
+            </a:extLst>
+          </p:cNvPr>
+          <p:cNvSpPr/>
+          <p:nvPr/>
+        </p:nvSpPr>
+        <p:spPr>
+          <a:xfrm>
+            <a:off x="7540339" y="1556016"/>
+            <a:ext cx="196082" cy="717016"/>
+          </a:xfrm>
+          <a:custGeom>
+            <a:avLst/>
+            <a:gdLst>
+              <a:gd name="connsiteX0" fmla="*/ 0 w 433470"/>
+              <a:gd name="connsiteY0" fmla="*/ 0 h 491613"/>
+              <a:gd name="connsiteX1" fmla="*/ 432619 w 433470"/>
+              <a:gd name="connsiteY1" fmla="*/ 265471 h 491613"/>
+              <a:gd name="connsiteX2" fmla="*/ 88490 w 433470"/>
+              <a:gd name="connsiteY2" fmla="*/ 491613 h 491613"/>
+              <a:gd name="connsiteX0" fmla="*/ 13753 w 446928"/>
+              <a:gd name="connsiteY0" fmla="*/ 0 h 506413"/>
+              <a:gd name="connsiteX1" fmla="*/ 446372 w 446928"/>
+              <a:gd name="connsiteY1" fmla="*/ 265471 h 506413"/>
+              <a:gd name="connsiteX2" fmla="*/ 0 w 446928"/>
+              <a:gd name="connsiteY2" fmla="*/ 506413 h 506413"/>
+              <a:gd name="connsiteX0" fmla="*/ 13753 w 447000"/>
+              <a:gd name="connsiteY0" fmla="*/ 0 h 506413"/>
+              <a:gd name="connsiteX1" fmla="*/ 446372 w 447000"/>
+              <a:gd name="connsiteY1" fmla="*/ 265471 h 506413"/>
+              <a:gd name="connsiteX2" fmla="*/ 0 w 447000"/>
+              <a:gd name="connsiteY2" fmla="*/ 506413 h 506413"/>
+              <a:gd name="connsiteX0" fmla="*/ 13753 w 451249"/>
+              <a:gd name="connsiteY0" fmla="*/ 0 h 506413"/>
+              <a:gd name="connsiteX1" fmla="*/ 450632 w 451249"/>
+              <a:gd name="connsiteY1" fmla="*/ 281617 h 506413"/>
+              <a:gd name="connsiteX2" fmla="*/ 0 w 451249"/>
+              <a:gd name="connsiteY2" fmla="*/ 506413 h 506413"/>
+              <a:gd name="connsiteX0" fmla="*/ 13753 w 438500"/>
+              <a:gd name="connsiteY0" fmla="*/ 0 h 506413"/>
+              <a:gd name="connsiteX1" fmla="*/ 437851 w 438500"/>
+              <a:gd name="connsiteY1" fmla="*/ 243944 h 506413"/>
+              <a:gd name="connsiteX2" fmla="*/ 0 w 438500"/>
+              <a:gd name="connsiteY2" fmla="*/ 506413 h 506413"/>
+            </a:gdLst>
+            <a:ahLst/>
+            <a:cxnLst>
+              <a:cxn ang="0">
+                <a:pos x="connsiteX0" y="connsiteY0"/>
+              </a:cxn>
+              <a:cxn ang="0">
+                <a:pos x="connsiteX1" y="connsiteY1"/>
+              </a:cxn>
+              <a:cxn ang="0">
+                <a:pos x="connsiteX2" y="connsiteY2"/>
+              </a:cxn>
+            </a:cxnLst>
+            <a:rect l="l" t="t" r="r" b="b"/>
+            <a:pathLst>
+              <a:path w="438500" h="506413">
+                <a:moveTo>
+                  <a:pt x="13753" y="0"/>
+                </a:moveTo>
+                <a:cubicBezTo>
+                  <a:pt x="222688" y="91768"/>
+                  <a:pt x="423103" y="162009"/>
+                  <a:pt x="437851" y="243944"/>
+                </a:cubicBezTo>
+                <a:cubicBezTo>
+                  <a:pt x="452599" y="325879"/>
+                  <a:pt x="213520" y="426236"/>
+                  <a:pt x="0" y="506413"/>
+                </a:cubicBezTo>
+              </a:path>
+            </a:pathLst>
+          </a:custGeom>
+          <a:noFill/>
+          <a:ln w="12700">
+            <a:solidFill>
+              <a:schemeClr val="bg1">
+                <a:lumMod val="50000"/>
+              </a:schemeClr>
+            </a:solidFill>
+            <a:headEnd type="arrow" w="med" len="med"/>
+            <a:tailEnd type="none" w="med" len="med"/>
+          </a:ln>
+        </p:spPr>
+        <p:style>
+          <a:lnRef idx="2">
+            <a:schemeClr val="accent1">
+              <a:shade val="15000"/>
+            </a:schemeClr>
+          </a:lnRef>
+          <a:fillRef idx="1">
+            <a:schemeClr val="accent1"/>
+          </a:fillRef>
+          <a:effectRef idx="0">
+            <a:schemeClr val="accent1"/>
+          </a:effectRef>
+          <a:fontRef idx="minor">
+            <a:schemeClr val="lt1"/>
+          </a:fontRef>
+        </p:style>
+        <p:txBody>
+          <a:bodyPr rtlCol="0" anchor="ctr"/>
+          <a:lstStyle/>
+          <a:p>
+            <a:pPr algn="ctr"/>
+            <a:endParaRPr lang="en-GB" dirty="0"/>
+          </a:p>
+        </p:txBody>
+      </p:sp>
+      <p:sp>
+        <p:nvSpPr>
+          <p:cNvPr id="90" name="TextBox 89">
+            <a:extLst>
+              <a:ext uri="{FF2B5EF4-FFF2-40B4-BE49-F238E27FC236}">
+                <a16:creationId xmlns:a16="http://schemas.microsoft.com/office/drawing/2014/main" id="{E12E873F-EC23-A0D0-5A82-66DBF1E15212}"/>
+              </a:ext>
+            </a:extLst>
+          </p:cNvPr>
+          <p:cNvSpPr txBox="1"/>
+          <p:nvPr/>
+        </p:nvSpPr>
+        <p:spPr>
+          <a:xfrm>
+            <a:off x="1051169" y="1641610"/>
+            <a:ext cx="975746" cy="338554"/>
+          </a:xfrm>
+          <a:prstGeom prst="rect">
+            <a:avLst/>
+          </a:prstGeom>
+          <a:noFill/>
+        </p:spPr>
+        <p:txBody>
+          <a:bodyPr wrap="square">
+            <a:spAutoFit/>
+          </a:bodyPr>
+          <a:lstStyle/>
+          <a:p>
+            <a:pPr algn="ctr"/>
+            <a:r>
+              <a:rPr lang="en-US" altLang="zh-TW" sz="1600" b="1" dirty="0">
+                <a:effectLst>
+                  <a:outerShdw blurRad="38100" dist="38100" dir="2700000" algn="tl">
+                    <a:srgbClr val="000000">
+                      <a:alpha val="43137"/>
+                    </a:srgbClr>
+                  </a:outerShdw>
+                </a:effectLst>
+                <a:latin typeface="微軟正黑體" panose="020B0604030504040204" pitchFamily="34" charset="-120"/>
+                <a:ea typeface="微軟正黑體" panose="020B0604030504040204" pitchFamily="34" charset="-120"/>
+              </a:rPr>
+              <a:t>(</a:t>
+            </a:r>
+            <a:r>
+              <a:rPr lang="zh-TW" altLang="en-US" sz="1600" b="1" dirty="0">
+                <a:effectLst>
+                  <a:outerShdw blurRad="38100" dist="38100" dir="2700000" algn="tl">
+                    <a:srgbClr val="000000">
+                      <a:alpha val="43137"/>
+                    </a:srgbClr>
+                  </a:outerShdw>
+                </a:effectLst>
+                <a:latin typeface="微軟正黑體" panose="020B0604030504040204" pitchFamily="34" charset="-120"/>
+                <a:ea typeface="微軟正黑體" panose="020B0604030504040204" pitchFamily="34" charset="-120"/>
+              </a:rPr>
+              <a:t>原序號</a:t>
+            </a:r>
+            <a:r>
+              <a:rPr lang="en-US" altLang="zh-TW" sz="1600" b="1" dirty="0">
+                <a:effectLst>
+                  <a:outerShdw blurRad="38100" dist="38100" dir="2700000" algn="tl">
+                    <a:srgbClr val="000000">
+                      <a:alpha val="43137"/>
+                    </a:srgbClr>
+                  </a:outerShdw>
+                </a:effectLst>
+                <a:latin typeface="微軟正黑體" panose="020B0604030504040204" pitchFamily="34" charset="-120"/>
+                <a:ea typeface="微軟正黑體" panose="020B0604030504040204" pitchFamily="34" charset="-120"/>
+              </a:rPr>
+              <a:t>)</a:t>
+            </a:r>
+            <a:endParaRPr lang="en-GB" sz="1200" b="1" dirty="0">
+              <a:effectLst>
+                <a:outerShdw blurRad="38100" dist="38100" dir="2700000" algn="tl">
+                  <a:srgbClr val="000000">
+                    <a:alpha val="43137"/>
+                  </a:srgbClr>
+                </a:outerShdw>
+              </a:effectLst>
+              <a:latin typeface="微軟正黑體" panose="020B0604030504040204" pitchFamily="34" charset="-120"/>
+              <a:ea typeface="微軟正黑體" panose="020B0604030504040204" pitchFamily="34" charset="-120"/>
+            </a:endParaRPr>
+          </a:p>
+        </p:txBody>
+      </p:sp>
+      <p:sp>
+        <p:nvSpPr>
+          <p:cNvPr id="96" name="Freeform: Shape 95">
+            <a:extLst>
+              <a:ext uri="{FF2B5EF4-FFF2-40B4-BE49-F238E27FC236}">
+                <a16:creationId xmlns:a16="http://schemas.microsoft.com/office/drawing/2014/main" id="{71EE9E6D-2390-7B87-6AF1-44C2CD1CA356}"/>
+              </a:ext>
+            </a:extLst>
+          </p:cNvPr>
+          <p:cNvSpPr/>
+          <p:nvPr/>
+        </p:nvSpPr>
+        <p:spPr>
+          <a:xfrm>
+            <a:off x="7302649" y="1149872"/>
+            <a:ext cx="433772" cy="417940"/>
+          </a:xfrm>
+          <a:custGeom>
+            <a:avLst/>
+            <a:gdLst>
+              <a:gd name="connsiteX0" fmla="*/ 0 w 433470"/>
+              <a:gd name="connsiteY0" fmla="*/ 0 h 491613"/>
+              <a:gd name="connsiteX1" fmla="*/ 432619 w 433470"/>
+              <a:gd name="connsiteY1" fmla="*/ 265471 h 491613"/>
+              <a:gd name="connsiteX2" fmla="*/ 88490 w 433470"/>
+              <a:gd name="connsiteY2" fmla="*/ 491613 h 491613"/>
+              <a:gd name="connsiteX0" fmla="*/ 13753 w 446928"/>
+              <a:gd name="connsiteY0" fmla="*/ 0 h 506413"/>
+              <a:gd name="connsiteX1" fmla="*/ 446372 w 446928"/>
+              <a:gd name="connsiteY1" fmla="*/ 265471 h 506413"/>
+              <a:gd name="connsiteX2" fmla="*/ 0 w 446928"/>
+              <a:gd name="connsiteY2" fmla="*/ 506413 h 506413"/>
+              <a:gd name="connsiteX0" fmla="*/ 13753 w 447000"/>
+              <a:gd name="connsiteY0" fmla="*/ 0 h 506413"/>
+              <a:gd name="connsiteX1" fmla="*/ 446372 w 447000"/>
+              <a:gd name="connsiteY1" fmla="*/ 265471 h 506413"/>
+              <a:gd name="connsiteX2" fmla="*/ 0 w 447000"/>
+              <a:gd name="connsiteY2" fmla="*/ 506413 h 506413"/>
+              <a:gd name="connsiteX0" fmla="*/ 13753 w 451249"/>
+              <a:gd name="connsiteY0" fmla="*/ 0 h 506413"/>
+              <a:gd name="connsiteX1" fmla="*/ 450632 w 451249"/>
+              <a:gd name="connsiteY1" fmla="*/ 281617 h 506413"/>
+              <a:gd name="connsiteX2" fmla="*/ 0 w 451249"/>
+              <a:gd name="connsiteY2" fmla="*/ 506413 h 506413"/>
+              <a:gd name="connsiteX0" fmla="*/ 13753 w 438500"/>
+              <a:gd name="connsiteY0" fmla="*/ 0 h 506413"/>
+              <a:gd name="connsiteX1" fmla="*/ 437851 w 438500"/>
+              <a:gd name="connsiteY1" fmla="*/ 243944 h 506413"/>
+              <a:gd name="connsiteX2" fmla="*/ 0 w 438500"/>
+              <a:gd name="connsiteY2" fmla="*/ 506413 h 506413"/>
+              <a:gd name="connsiteX0" fmla="*/ 0 w 970048"/>
+              <a:gd name="connsiteY0" fmla="*/ 0 h 492932"/>
+              <a:gd name="connsiteX1" fmla="*/ 969399 w 970048"/>
+              <a:gd name="connsiteY1" fmla="*/ 230463 h 492932"/>
+              <a:gd name="connsiteX2" fmla="*/ 531548 w 970048"/>
+              <a:gd name="connsiteY2" fmla="*/ 492932 h 492932"/>
+              <a:gd name="connsiteX0" fmla="*/ 0 w 970048"/>
+              <a:gd name="connsiteY0" fmla="*/ 0 h 492932"/>
+              <a:gd name="connsiteX1" fmla="*/ 969399 w 970048"/>
+              <a:gd name="connsiteY1" fmla="*/ 230463 h 492932"/>
+              <a:gd name="connsiteX2" fmla="*/ 531548 w 970048"/>
+              <a:gd name="connsiteY2" fmla="*/ 492932 h 492932"/>
+              <a:gd name="connsiteX0" fmla="*/ 0 w 970048"/>
+              <a:gd name="connsiteY0" fmla="*/ 0 h 492932"/>
+              <a:gd name="connsiteX1" fmla="*/ 969399 w 970048"/>
+              <a:gd name="connsiteY1" fmla="*/ 230463 h 492932"/>
+              <a:gd name="connsiteX2" fmla="*/ 531548 w 970048"/>
+              <a:gd name="connsiteY2" fmla="*/ 492932 h 492932"/>
+            </a:gdLst>
+            <a:ahLst/>
+            <a:cxnLst>
+              <a:cxn ang="0">
+                <a:pos x="connsiteX0" y="connsiteY0"/>
+              </a:cxn>
+              <a:cxn ang="0">
+                <a:pos x="connsiteX1" y="connsiteY1"/>
+              </a:cxn>
+              <a:cxn ang="0">
+                <a:pos x="connsiteX2" y="connsiteY2"/>
+              </a:cxn>
+            </a:cxnLst>
+            <a:rect l="l" t="t" r="r" b="b"/>
+            <a:pathLst>
+              <a:path w="970048" h="492932">
+                <a:moveTo>
+                  <a:pt x="0" y="0"/>
+                </a:moveTo>
+                <a:cubicBezTo>
+                  <a:pt x="698855" y="98509"/>
+                  <a:pt x="954651" y="148528"/>
+                  <a:pt x="969399" y="230463"/>
+                </a:cubicBezTo>
+                <a:cubicBezTo>
+                  <a:pt x="984147" y="312398"/>
+                  <a:pt x="745068" y="412755"/>
+                  <a:pt x="531548" y="492932"/>
+                </a:cubicBezTo>
+              </a:path>
+            </a:pathLst>
+          </a:custGeom>
+          <a:noFill/>
+          <a:ln w="12700">
+            <a:solidFill>
+              <a:schemeClr val="bg1">
+                <a:lumMod val="50000"/>
+              </a:schemeClr>
+            </a:solidFill>
+            <a:headEnd type="arrow" w="med" len="med"/>
+            <a:tailEnd type="none" w="med" len="med"/>
+          </a:ln>
+        </p:spPr>
+        <p:style>
+          <a:lnRef idx="2">
+            <a:schemeClr val="accent1">
+              <a:shade val="15000"/>
+            </a:schemeClr>
+          </a:lnRef>
+          <a:fillRef idx="1">
+            <a:schemeClr val="accent1"/>
+          </a:fillRef>
+          <a:effectRef idx="0">
+            <a:schemeClr val="accent1"/>
+          </a:effectRef>
+          <a:fontRef idx="minor">
+            <a:schemeClr val="lt1"/>
+          </a:fontRef>
+        </p:style>
+        <p:txBody>
+          <a:bodyPr rtlCol="0" anchor="ctr"/>
+          <a:lstStyle/>
+          <a:p>
+            <a:pPr algn="ctr"/>
+            <a:endParaRPr lang="en-GB" dirty="0"/>
+          </a:p>
+        </p:txBody>
+      </p:sp>
+      <p:sp>
+        <p:nvSpPr>
+          <p:cNvPr id="103" name="TextBox 102">
+            <a:extLst>
+              <a:ext uri="{FF2B5EF4-FFF2-40B4-BE49-F238E27FC236}">
+                <a16:creationId xmlns:a16="http://schemas.microsoft.com/office/drawing/2014/main" id="{81546DD3-1427-3952-6534-07E5535F16EB}"/>
+              </a:ext>
+            </a:extLst>
+          </p:cNvPr>
+          <p:cNvSpPr txBox="1"/>
+          <p:nvPr/>
+        </p:nvSpPr>
+        <p:spPr>
+          <a:xfrm>
+            <a:off x="4776177" y="1339261"/>
+            <a:ext cx="975746" cy="307777"/>
+          </a:xfrm>
+          <a:prstGeom prst="rect">
+            <a:avLst/>
+          </a:prstGeom>
+          <a:noFill/>
+        </p:spPr>
+        <p:txBody>
+          <a:bodyPr wrap="square">
+            <a:spAutoFit/>
+          </a:bodyPr>
+          <a:lstStyle/>
+          <a:p>
+            <a:pPr algn="ctr"/>
+            <a:r>
+              <a:rPr lang="zh-TW" altLang="en-US" sz="1400" b="1" dirty="0">
+                <a:solidFill>
+                  <a:schemeClr val="accent6">
+                    <a:lumMod val="75000"/>
+                  </a:schemeClr>
+                </a:solidFill>
+                <a:latin typeface="微軟正黑體" panose="020B0604030504040204" pitchFamily="34" charset="-120"/>
+                <a:ea typeface="微軟正黑體" panose="020B0604030504040204" pitchFamily="34" charset="-120"/>
+              </a:rPr>
+              <a:t>最大值</a:t>
+            </a:r>
+            <a:endParaRPr lang="en-GB" sz="1100" b="1" dirty="0">
+              <a:solidFill>
+                <a:schemeClr val="accent6">
+                  <a:lumMod val="75000"/>
+                </a:schemeClr>
+              </a:solidFill>
+              <a:latin typeface="微軟正黑體" panose="020B0604030504040204" pitchFamily="34" charset="-120"/>
+              <a:ea typeface="微軟正黑體" panose="020B0604030504040204" pitchFamily="34" charset="-120"/>
+            </a:endParaRPr>
+          </a:p>
+        </p:txBody>
+      </p:sp>
+      <p:sp>
+        <p:nvSpPr>
+          <p:cNvPr id="104" name="Freeform: Shape 103">
+            <a:extLst>
+              <a:ext uri="{FF2B5EF4-FFF2-40B4-BE49-F238E27FC236}">
+                <a16:creationId xmlns:a16="http://schemas.microsoft.com/office/drawing/2014/main" id="{4F9901C1-5392-59FD-E045-EC8ABB6E0C88}"/>
+              </a:ext>
+            </a:extLst>
+          </p:cNvPr>
+          <p:cNvSpPr/>
+          <p:nvPr/>
+        </p:nvSpPr>
+        <p:spPr>
+          <a:xfrm>
+            <a:off x="5590301" y="1556016"/>
+            <a:ext cx="196082" cy="717016"/>
+          </a:xfrm>
+          <a:custGeom>
+            <a:avLst/>
+            <a:gdLst>
+              <a:gd name="connsiteX0" fmla="*/ 0 w 433470"/>
+              <a:gd name="connsiteY0" fmla="*/ 0 h 491613"/>
+              <a:gd name="connsiteX1" fmla="*/ 432619 w 433470"/>
+              <a:gd name="connsiteY1" fmla="*/ 265471 h 491613"/>
+              <a:gd name="connsiteX2" fmla="*/ 88490 w 433470"/>
+              <a:gd name="connsiteY2" fmla="*/ 491613 h 491613"/>
+              <a:gd name="connsiteX0" fmla="*/ 13753 w 446928"/>
+              <a:gd name="connsiteY0" fmla="*/ 0 h 506413"/>
+              <a:gd name="connsiteX1" fmla="*/ 446372 w 446928"/>
+              <a:gd name="connsiteY1" fmla="*/ 265471 h 506413"/>
+              <a:gd name="connsiteX2" fmla="*/ 0 w 446928"/>
+              <a:gd name="connsiteY2" fmla="*/ 506413 h 506413"/>
+              <a:gd name="connsiteX0" fmla="*/ 13753 w 447000"/>
+              <a:gd name="connsiteY0" fmla="*/ 0 h 506413"/>
+              <a:gd name="connsiteX1" fmla="*/ 446372 w 447000"/>
+              <a:gd name="connsiteY1" fmla="*/ 265471 h 506413"/>
+              <a:gd name="connsiteX2" fmla="*/ 0 w 447000"/>
+              <a:gd name="connsiteY2" fmla="*/ 506413 h 506413"/>
+              <a:gd name="connsiteX0" fmla="*/ 13753 w 451249"/>
+              <a:gd name="connsiteY0" fmla="*/ 0 h 506413"/>
+              <a:gd name="connsiteX1" fmla="*/ 450632 w 451249"/>
+              <a:gd name="connsiteY1" fmla="*/ 281617 h 506413"/>
+              <a:gd name="connsiteX2" fmla="*/ 0 w 451249"/>
+              <a:gd name="connsiteY2" fmla="*/ 506413 h 506413"/>
+              <a:gd name="connsiteX0" fmla="*/ 13753 w 438500"/>
+              <a:gd name="connsiteY0" fmla="*/ 0 h 506413"/>
+              <a:gd name="connsiteX1" fmla="*/ 437851 w 438500"/>
+              <a:gd name="connsiteY1" fmla="*/ 243944 h 506413"/>
+              <a:gd name="connsiteX2" fmla="*/ 0 w 438500"/>
+              <a:gd name="connsiteY2" fmla="*/ 506413 h 506413"/>
+            </a:gdLst>
+            <a:ahLst/>
+            <a:cxnLst>
+              <a:cxn ang="0">
+                <a:pos x="connsiteX0" y="connsiteY0"/>
+              </a:cxn>
+              <a:cxn ang="0">
+                <a:pos x="connsiteX1" y="connsiteY1"/>
+              </a:cxn>
+              <a:cxn ang="0">
+                <a:pos x="connsiteX2" y="connsiteY2"/>
+              </a:cxn>
+            </a:cxnLst>
+            <a:rect l="l" t="t" r="r" b="b"/>
+            <a:pathLst>
+              <a:path w="438500" h="506413">
+                <a:moveTo>
+                  <a:pt x="13753" y="0"/>
+                </a:moveTo>
+                <a:cubicBezTo>
+                  <a:pt x="222688" y="91768"/>
+                  <a:pt x="423103" y="162009"/>
+                  <a:pt x="437851" y="243944"/>
+                </a:cubicBezTo>
+                <a:cubicBezTo>
+                  <a:pt x="452599" y="325879"/>
+                  <a:pt x="213520" y="426236"/>
+                  <a:pt x="0" y="506413"/>
+                </a:cubicBezTo>
+              </a:path>
+            </a:pathLst>
+          </a:custGeom>
+          <a:noFill/>
+          <a:ln w="12700">
+            <a:solidFill>
+              <a:schemeClr val="bg1">
+                <a:lumMod val="50000"/>
+              </a:schemeClr>
+            </a:solidFill>
+            <a:headEnd type="arrow" w="med" len="med"/>
+            <a:tailEnd type="none" w="med" len="med"/>
+          </a:ln>
+        </p:spPr>
+        <p:style>
+          <a:lnRef idx="2">
+            <a:schemeClr val="accent1">
+              <a:shade val="15000"/>
+            </a:schemeClr>
+          </a:lnRef>
+          <a:fillRef idx="1">
+            <a:schemeClr val="accent1"/>
+          </a:fillRef>
+          <a:effectRef idx="0">
+            <a:schemeClr val="accent1"/>
+          </a:effectRef>
+          <a:fontRef idx="minor">
+            <a:schemeClr val="lt1"/>
+          </a:fontRef>
+        </p:style>
+        <p:txBody>
+          <a:bodyPr rtlCol="0" anchor="ctr"/>
+          <a:lstStyle/>
+          <a:p>
+            <a:pPr algn="ctr"/>
+            <a:endParaRPr lang="en-GB" dirty="0"/>
+          </a:p>
+        </p:txBody>
+      </p:sp>
+      <p:sp>
+        <p:nvSpPr>
+          <p:cNvPr id="105" name="Freeform: Shape 104">
+            <a:extLst>
+              <a:ext uri="{FF2B5EF4-FFF2-40B4-BE49-F238E27FC236}">
+                <a16:creationId xmlns:a16="http://schemas.microsoft.com/office/drawing/2014/main" id="{A8E0EACA-F5E7-1D31-E948-E1F9D198C69F}"/>
+              </a:ext>
+            </a:extLst>
+          </p:cNvPr>
+          <p:cNvSpPr/>
+          <p:nvPr/>
+        </p:nvSpPr>
+        <p:spPr>
+          <a:xfrm>
+            <a:off x="5352611" y="1149872"/>
+            <a:ext cx="433772" cy="417940"/>
+          </a:xfrm>
+          <a:custGeom>
+            <a:avLst/>
+            <a:gdLst>
+              <a:gd name="connsiteX0" fmla="*/ 0 w 433470"/>
+              <a:gd name="connsiteY0" fmla="*/ 0 h 491613"/>
+              <a:gd name="connsiteX1" fmla="*/ 432619 w 433470"/>
+              <a:gd name="connsiteY1" fmla="*/ 265471 h 491613"/>
+              <a:gd name="connsiteX2" fmla="*/ 88490 w 433470"/>
+              <a:gd name="connsiteY2" fmla="*/ 491613 h 491613"/>
+              <a:gd name="connsiteX0" fmla="*/ 13753 w 446928"/>
+              <a:gd name="connsiteY0" fmla="*/ 0 h 506413"/>
+              <a:gd name="connsiteX1" fmla="*/ 446372 w 446928"/>
+              <a:gd name="connsiteY1" fmla="*/ 265471 h 506413"/>
+              <a:gd name="connsiteX2" fmla="*/ 0 w 446928"/>
+              <a:gd name="connsiteY2" fmla="*/ 506413 h 506413"/>
+              <a:gd name="connsiteX0" fmla="*/ 13753 w 447000"/>
+              <a:gd name="connsiteY0" fmla="*/ 0 h 506413"/>
+              <a:gd name="connsiteX1" fmla="*/ 446372 w 447000"/>
+              <a:gd name="connsiteY1" fmla="*/ 265471 h 506413"/>
+              <a:gd name="connsiteX2" fmla="*/ 0 w 447000"/>
+              <a:gd name="connsiteY2" fmla="*/ 506413 h 506413"/>
+              <a:gd name="connsiteX0" fmla="*/ 13753 w 451249"/>
+              <a:gd name="connsiteY0" fmla="*/ 0 h 506413"/>
+              <a:gd name="connsiteX1" fmla="*/ 450632 w 451249"/>
+              <a:gd name="connsiteY1" fmla="*/ 281617 h 506413"/>
+              <a:gd name="connsiteX2" fmla="*/ 0 w 451249"/>
+              <a:gd name="connsiteY2" fmla="*/ 506413 h 506413"/>
+              <a:gd name="connsiteX0" fmla="*/ 13753 w 438500"/>
+              <a:gd name="connsiteY0" fmla="*/ 0 h 506413"/>
+              <a:gd name="connsiteX1" fmla="*/ 437851 w 438500"/>
+              <a:gd name="connsiteY1" fmla="*/ 243944 h 506413"/>
+              <a:gd name="connsiteX2" fmla="*/ 0 w 438500"/>
+              <a:gd name="connsiteY2" fmla="*/ 506413 h 506413"/>
+              <a:gd name="connsiteX0" fmla="*/ 0 w 970048"/>
+              <a:gd name="connsiteY0" fmla="*/ 0 h 492932"/>
+              <a:gd name="connsiteX1" fmla="*/ 969399 w 970048"/>
+              <a:gd name="connsiteY1" fmla="*/ 230463 h 492932"/>
+              <a:gd name="connsiteX2" fmla="*/ 531548 w 970048"/>
+              <a:gd name="connsiteY2" fmla="*/ 492932 h 492932"/>
+              <a:gd name="connsiteX0" fmla="*/ 0 w 970048"/>
+              <a:gd name="connsiteY0" fmla="*/ 0 h 492932"/>
+              <a:gd name="connsiteX1" fmla="*/ 969399 w 970048"/>
+              <a:gd name="connsiteY1" fmla="*/ 230463 h 492932"/>
+              <a:gd name="connsiteX2" fmla="*/ 531548 w 970048"/>
+              <a:gd name="connsiteY2" fmla="*/ 492932 h 492932"/>
+              <a:gd name="connsiteX0" fmla="*/ 0 w 970048"/>
+              <a:gd name="connsiteY0" fmla="*/ 0 h 492932"/>
+              <a:gd name="connsiteX1" fmla="*/ 969399 w 970048"/>
+              <a:gd name="connsiteY1" fmla="*/ 230463 h 492932"/>
+              <a:gd name="connsiteX2" fmla="*/ 531548 w 970048"/>
+              <a:gd name="connsiteY2" fmla="*/ 492932 h 492932"/>
+            </a:gdLst>
+            <a:ahLst/>
+            <a:cxnLst>
+              <a:cxn ang="0">
+                <a:pos x="connsiteX0" y="connsiteY0"/>
+              </a:cxn>
+              <a:cxn ang="0">
+                <a:pos x="connsiteX1" y="connsiteY1"/>
+              </a:cxn>
+              <a:cxn ang="0">
+                <a:pos x="connsiteX2" y="connsiteY2"/>
+              </a:cxn>
+            </a:cxnLst>
+            <a:rect l="l" t="t" r="r" b="b"/>
+            <a:pathLst>
+              <a:path w="970048" h="492932">
+                <a:moveTo>
+                  <a:pt x="0" y="0"/>
+                </a:moveTo>
+                <a:cubicBezTo>
+                  <a:pt x="698855" y="98509"/>
+                  <a:pt x="954651" y="148528"/>
+                  <a:pt x="969399" y="230463"/>
+                </a:cubicBezTo>
+                <a:cubicBezTo>
+                  <a:pt x="984147" y="312398"/>
+                  <a:pt x="745068" y="412755"/>
+                  <a:pt x="531548" y="492932"/>
+                </a:cubicBezTo>
+              </a:path>
+            </a:pathLst>
+          </a:custGeom>
+          <a:noFill/>
+          <a:ln w="12700">
+            <a:solidFill>
+              <a:schemeClr val="bg1">
+                <a:lumMod val="50000"/>
+              </a:schemeClr>
+            </a:solidFill>
+            <a:headEnd type="arrow" w="med" len="med"/>
+            <a:tailEnd type="none" w="med" len="med"/>
+          </a:ln>
+        </p:spPr>
+        <p:style>
+          <a:lnRef idx="2">
+            <a:schemeClr val="accent1">
+              <a:shade val="15000"/>
+            </a:schemeClr>
+          </a:lnRef>
+          <a:fillRef idx="1">
+            <a:schemeClr val="accent1"/>
+          </a:fillRef>
+          <a:effectRef idx="0">
+            <a:schemeClr val="accent1"/>
+          </a:effectRef>
+          <a:fontRef idx="minor">
+            <a:schemeClr val="lt1"/>
+          </a:fontRef>
+        </p:style>
+        <p:txBody>
+          <a:bodyPr rtlCol="0" anchor="ctr"/>
+          <a:lstStyle/>
+          <a:p>
+            <a:pPr algn="ctr"/>
+            <a:endParaRPr lang="en-GB" dirty="0"/>
+          </a:p>
+        </p:txBody>
+      </p:sp>
+    </p:spTree>
+    <p:extLst>
+      <p:ext uri="{BB962C8B-B14F-4D97-AF65-F5344CB8AC3E}">
+        <p14:creationId xmlns:p14="http://schemas.microsoft.com/office/powerpoint/2010/main" val="815722615"/>
+      </p:ext>
+    </p:extLst>
+  </p:cSld>
+  <p:clrMapOvr>
+    <a:masterClrMapping/>
+  </p:clrMapOvr>
+</p:sld>
+</file>
+
 <file path=ppt/theme/theme1.xml><?xml version="1.0" encoding="utf-8"?>
 <a:theme xmlns:a="http://schemas.openxmlformats.org/drawingml/2006/main" name="Office Theme">
   <a:themeElements>

--- a/figure/figure.pptx
+++ b/figure/figure.pptx
@@ -8,6 +8,7 @@
     <p:sldId id="256" r:id="rId2"/>
     <p:sldId id="257" r:id="rId3"/>
     <p:sldId id="258" r:id="rId4"/>
+    <p:sldId id="259" r:id="rId5"/>
   </p:sldIdLst>
   <p:sldSz cx="12192000" cy="6858000"/>
   <p:notesSz cx="6858000" cy="9144000"/>
@@ -117,7 +118,7 @@
 <file path=ppt/revisionInfo.xml><?xml version="1.0" encoding="utf-8"?>
 <p1510:revInfo xmlns:a="http://schemas.openxmlformats.org/drawingml/2006/main" xmlns:r="http://schemas.openxmlformats.org/officeDocument/2006/relationships" xmlns:p1510="http://schemas.microsoft.com/office/powerpoint/2015/10/main">
   <p1510:revLst>
-    <p1510:client id="{E564DA1F-E2FD-475F-919F-BD2F09682F78}" v="200" dt="2024-01-21T10:38:30.787"/>
+    <p1510:client id="{E564DA1F-E2FD-475F-919F-BD2F09682F78}" v="206" dt="2024-01-21T13:55:25.210"/>
   </p1510:revLst>
 </p1510:revInfo>
 </file>
@@ -127,7 +128,7 @@
   <pc:docChgLst>
     <pc:chgData name="Chia-jung Yeh" userId="f328d6f4-0757-42dc-943f-c4685e047ee8" providerId="ADAL" clId="{E564DA1F-E2FD-475F-919F-BD2F09682F78}"/>
     <pc:docChg chg="undo redo custSel addSld modSld">
-      <pc:chgData name="Chia-jung Yeh" userId="f328d6f4-0757-42dc-943f-c4685e047ee8" providerId="ADAL" clId="{E564DA1F-E2FD-475F-919F-BD2F09682F78}" dt="2024-01-21T10:38:34.673" v="1312" actId="478"/>
+      <pc:chgData name="Chia-jung Yeh" userId="f328d6f4-0757-42dc-943f-c4685e047ee8" providerId="ADAL" clId="{E564DA1F-E2FD-475F-919F-BD2F09682F78}" dt="2024-01-21T13:55:25.210" v="1360" actId="5736"/>
       <pc:docMkLst>
         <pc:docMk/>
       </pc:docMkLst>
@@ -802,11 +803,19 @@
         </pc:cxnChg>
       </pc:sldChg>
       <pc:sldChg chg="addSp delSp modSp new mod">
-        <pc:chgData name="Chia-jung Yeh" userId="f328d6f4-0757-42dc-943f-c4685e047ee8" providerId="ADAL" clId="{E564DA1F-E2FD-475F-919F-BD2F09682F78}" dt="2024-01-21T10:38:34.673" v="1312" actId="478"/>
+        <pc:chgData name="Chia-jung Yeh" userId="f328d6f4-0757-42dc-943f-c4685e047ee8" providerId="ADAL" clId="{E564DA1F-E2FD-475F-919F-BD2F09682F78}" dt="2024-01-21T11:30:00.796" v="1347" actId="14100"/>
         <pc:sldMkLst>
           <pc:docMk/>
           <pc:sldMk cId="815722615" sldId="258"/>
         </pc:sldMkLst>
+        <pc:spChg chg="add mod">
+          <ac:chgData name="Chia-jung Yeh" userId="f328d6f4-0757-42dc-943f-c4685e047ee8" providerId="ADAL" clId="{E564DA1F-E2FD-475F-919F-BD2F09682F78}" dt="2024-01-21T11:29:21.666" v="1314" actId="571"/>
+          <ac:spMkLst>
+            <pc:docMk/>
+            <pc:sldMk cId="815722615" sldId="258"/>
+            <ac:spMk id="2" creationId="{78616B85-6590-FCC7-F72C-AAFE8AD9C135}"/>
+          </ac:spMkLst>
+        </pc:spChg>
         <pc:spChg chg="del">
           <ac:chgData name="Chia-jung Yeh" userId="f328d6f4-0757-42dc-943f-c4685e047ee8" providerId="ADAL" clId="{E564DA1F-E2FD-475F-919F-BD2F09682F78}" dt="2024-01-21T09:40:07.376" v="806" actId="478"/>
           <ac:spMkLst>
@@ -831,6 +840,14 @@
             <ac:spMk id="4" creationId="{49420546-60E4-4A21-372F-97E5D9730CDE}"/>
           </ac:spMkLst>
         </pc:spChg>
+        <pc:spChg chg="add mod">
+          <ac:chgData name="Chia-jung Yeh" userId="f328d6f4-0757-42dc-943f-c4685e047ee8" providerId="ADAL" clId="{E564DA1F-E2FD-475F-919F-BD2F09682F78}" dt="2024-01-21T11:29:48.416" v="1344" actId="1076"/>
+          <ac:spMkLst>
+            <pc:docMk/>
+            <pc:sldMk cId="815722615" sldId="258"/>
+            <ac:spMk id="4" creationId="{BBC77D55-0F30-DBCC-2F6C-34D98A790D09}"/>
+          </ac:spMkLst>
+        </pc:spChg>
         <pc:spChg chg="add del mod">
           <ac:chgData name="Chia-jung Yeh" userId="f328d6f4-0757-42dc-943f-c4685e047ee8" providerId="ADAL" clId="{E564DA1F-E2FD-475F-919F-BD2F09682F78}" dt="2024-01-21T09:42:14.900" v="873" actId="478"/>
           <ac:spMkLst>
@@ -1088,7 +1105,7 @@
           </ac:spMkLst>
         </pc:spChg>
         <pc:spChg chg="add mod">
-          <ac:chgData name="Chia-jung Yeh" userId="f328d6f4-0757-42dc-943f-c4685e047ee8" providerId="ADAL" clId="{E564DA1F-E2FD-475F-919F-BD2F09682F78}" dt="2024-01-21T10:04:59.626" v="1307" actId="1076"/>
+          <ac:chgData name="Chia-jung Yeh" userId="f328d6f4-0757-42dc-943f-c4685e047ee8" providerId="ADAL" clId="{E564DA1F-E2FD-475F-919F-BD2F09682F78}" dt="2024-01-21T11:30:00.796" v="1347" actId="14100"/>
           <ac:spMkLst>
             <pc:docMk/>
             <pc:sldMk cId="815722615" sldId="258"/>
@@ -1469,6 +1486,157 @@
             <pc:docMk/>
             <pc:sldMk cId="815722615" sldId="258"/>
             <ac:cxnSpMk id="87" creationId="{9AC8F181-D6F7-DF98-B32F-061D3BAD7EDE}"/>
+          </ac:cxnSpMkLst>
+        </pc:cxnChg>
+      </pc:sldChg>
+      <pc:sldChg chg="addSp delSp modSp new mod">
+        <pc:chgData name="Chia-jung Yeh" userId="f328d6f4-0757-42dc-943f-c4685e047ee8" providerId="ADAL" clId="{E564DA1F-E2FD-475F-919F-BD2F09682F78}" dt="2024-01-21T13:55:25.210" v="1360" actId="5736"/>
+        <pc:sldMkLst>
+          <pc:docMk/>
+          <pc:sldMk cId="785102926" sldId="259"/>
+        </pc:sldMkLst>
+        <pc:spChg chg="del">
+          <ac:chgData name="Chia-jung Yeh" userId="f328d6f4-0757-42dc-943f-c4685e047ee8" providerId="ADAL" clId="{E564DA1F-E2FD-475F-919F-BD2F09682F78}" dt="2024-01-21T13:49:52.699" v="1349" actId="478"/>
+          <ac:spMkLst>
+            <pc:docMk/>
+            <pc:sldMk cId="785102926" sldId="259"/>
+            <ac:spMk id="2" creationId="{4F40A13D-8A60-22D7-9EB9-5C9E11BEC95B}"/>
+          </ac:spMkLst>
+        </pc:spChg>
+        <pc:spChg chg="del">
+          <ac:chgData name="Chia-jung Yeh" userId="f328d6f4-0757-42dc-943f-c4685e047ee8" providerId="ADAL" clId="{E564DA1F-E2FD-475F-919F-BD2F09682F78}" dt="2024-01-21T13:49:52.699" v="1349" actId="478"/>
+          <ac:spMkLst>
+            <pc:docMk/>
+            <pc:sldMk cId="785102926" sldId="259"/>
+            <ac:spMk id="3" creationId="{FBA42F1C-174F-984D-2BB3-09CC1FA442D5}"/>
+          </ac:spMkLst>
+        </pc:spChg>
+        <pc:spChg chg="add mod">
+          <ac:chgData name="Chia-jung Yeh" userId="f328d6f4-0757-42dc-943f-c4685e047ee8" providerId="ADAL" clId="{E564DA1F-E2FD-475F-919F-BD2F09682F78}" dt="2024-01-21T13:55:25.210" v="1360" actId="5736"/>
+          <ac:spMkLst>
+            <pc:docMk/>
+            <pc:sldMk cId="785102926" sldId="259"/>
+            <ac:spMk id="5" creationId="{43A77795-185F-5D9E-2BBA-6323C127E0C8}"/>
+          </ac:spMkLst>
+        </pc:spChg>
+        <pc:spChg chg="add mod">
+          <ac:chgData name="Chia-jung Yeh" userId="f328d6f4-0757-42dc-943f-c4685e047ee8" providerId="ADAL" clId="{E564DA1F-E2FD-475F-919F-BD2F09682F78}" dt="2024-01-21T13:55:25.210" v="1360" actId="5736"/>
+          <ac:spMkLst>
+            <pc:docMk/>
+            <pc:sldMk cId="785102926" sldId="259"/>
+            <ac:spMk id="8" creationId="{E63FD094-4CE2-0484-974C-F6CD1E75EBE5}"/>
+          </ac:spMkLst>
+        </pc:spChg>
+        <pc:spChg chg="add mod">
+          <ac:chgData name="Chia-jung Yeh" userId="f328d6f4-0757-42dc-943f-c4685e047ee8" providerId="ADAL" clId="{E564DA1F-E2FD-475F-919F-BD2F09682F78}" dt="2024-01-21T13:55:25.210" v="1360" actId="5736"/>
+          <ac:spMkLst>
+            <pc:docMk/>
+            <pc:sldMk cId="785102926" sldId="259"/>
+            <ac:spMk id="9" creationId="{8612F0BB-2F63-9D0E-0D74-5BC4893BC89D}"/>
+          </ac:spMkLst>
+        </pc:spChg>
+        <pc:spChg chg="add mod">
+          <ac:chgData name="Chia-jung Yeh" userId="f328d6f4-0757-42dc-943f-c4685e047ee8" providerId="ADAL" clId="{E564DA1F-E2FD-475F-919F-BD2F09682F78}" dt="2024-01-21T13:55:25.210" v="1360" actId="5736"/>
+          <ac:spMkLst>
+            <pc:docMk/>
+            <pc:sldMk cId="785102926" sldId="259"/>
+            <ac:spMk id="10" creationId="{8D0BF93F-7590-BCE1-021C-E2C41098D084}"/>
+          </ac:spMkLst>
+        </pc:spChg>
+        <pc:spChg chg="add mod">
+          <ac:chgData name="Chia-jung Yeh" userId="f328d6f4-0757-42dc-943f-c4685e047ee8" providerId="ADAL" clId="{E564DA1F-E2FD-475F-919F-BD2F09682F78}" dt="2024-01-21T13:55:25.210" v="1360" actId="5736"/>
+          <ac:spMkLst>
+            <pc:docMk/>
+            <pc:sldMk cId="785102926" sldId="259"/>
+            <ac:spMk id="11" creationId="{D82870E0-E221-6818-CD41-27FDFD866C67}"/>
+          </ac:spMkLst>
+        </pc:spChg>
+        <pc:spChg chg="add mod">
+          <ac:chgData name="Chia-jung Yeh" userId="f328d6f4-0757-42dc-943f-c4685e047ee8" providerId="ADAL" clId="{E564DA1F-E2FD-475F-919F-BD2F09682F78}" dt="2024-01-21T13:55:25.210" v="1360" actId="5736"/>
+          <ac:spMkLst>
+            <pc:docMk/>
+            <pc:sldMk cId="785102926" sldId="259"/>
+            <ac:spMk id="12" creationId="{C03DD843-5F02-9C43-5C76-02C2C80514BC}"/>
+          </ac:spMkLst>
+        </pc:spChg>
+        <pc:spChg chg="add mod">
+          <ac:chgData name="Chia-jung Yeh" userId="f328d6f4-0757-42dc-943f-c4685e047ee8" providerId="ADAL" clId="{E564DA1F-E2FD-475F-919F-BD2F09682F78}" dt="2024-01-21T13:55:25.210" v="1360" actId="5736"/>
+          <ac:spMkLst>
+            <pc:docMk/>
+            <pc:sldMk cId="785102926" sldId="259"/>
+            <ac:spMk id="13" creationId="{BCB79A57-B0AD-440B-9400-3A00A5E05D96}"/>
+          </ac:spMkLst>
+        </pc:spChg>
+        <pc:spChg chg="add mod">
+          <ac:chgData name="Chia-jung Yeh" userId="f328d6f4-0757-42dc-943f-c4685e047ee8" providerId="ADAL" clId="{E564DA1F-E2FD-475F-919F-BD2F09682F78}" dt="2024-01-21T13:55:25.210" v="1360" actId="5736"/>
+          <ac:spMkLst>
+            <pc:docMk/>
+            <pc:sldMk cId="785102926" sldId="259"/>
+            <ac:spMk id="14" creationId="{E31B8DCA-10F1-4131-BF33-5F67E83EF3F7}"/>
+          </ac:spMkLst>
+        </pc:spChg>
+        <pc:spChg chg="add mod">
+          <ac:chgData name="Chia-jung Yeh" userId="f328d6f4-0757-42dc-943f-c4685e047ee8" providerId="ADAL" clId="{E564DA1F-E2FD-475F-919F-BD2F09682F78}" dt="2024-01-21T13:55:25.210" v="1360" actId="5736"/>
+          <ac:spMkLst>
+            <pc:docMk/>
+            <pc:sldMk cId="785102926" sldId="259"/>
+            <ac:spMk id="15" creationId="{CE55C836-2983-3DDE-4F96-97B66D69B74D}"/>
+          </ac:spMkLst>
+        </pc:spChg>
+        <pc:spChg chg="add mod">
+          <ac:chgData name="Chia-jung Yeh" userId="f328d6f4-0757-42dc-943f-c4685e047ee8" providerId="ADAL" clId="{E564DA1F-E2FD-475F-919F-BD2F09682F78}" dt="2024-01-21T13:55:25.210" v="1360" actId="5736"/>
+          <ac:spMkLst>
+            <pc:docMk/>
+            <pc:sldMk cId="785102926" sldId="259"/>
+            <ac:spMk id="16" creationId="{7FED32BB-1FDC-5568-B088-7439F3A467A1}"/>
+          </ac:spMkLst>
+        </pc:spChg>
+        <pc:spChg chg="add mod">
+          <ac:chgData name="Chia-jung Yeh" userId="f328d6f4-0757-42dc-943f-c4685e047ee8" providerId="ADAL" clId="{E564DA1F-E2FD-475F-919F-BD2F09682F78}" dt="2024-01-21T13:55:25.210" v="1360" actId="5736"/>
+          <ac:spMkLst>
+            <pc:docMk/>
+            <pc:sldMk cId="785102926" sldId="259"/>
+            <ac:spMk id="17" creationId="{DC763014-05F8-6DC3-2922-010703D1D79F}"/>
+          </ac:spMkLst>
+        </pc:spChg>
+        <pc:spChg chg="add mod">
+          <ac:chgData name="Chia-jung Yeh" userId="f328d6f4-0757-42dc-943f-c4685e047ee8" providerId="ADAL" clId="{E564DA1F-E2FD-475F-919F-BD2F09682F78}" dt="2024-01-21T13:55:25.210" v="1360" actId="5736"/>
+          <ac:spMkLst>
+            <pc:docMk/>
+            <pc:sldMk cId="785102926" sldId="259"/>
+            <ac:spMk id="18" creationId="{1684352A-A986-D143-8A15-D61E5AC0374F}"/>
+          </ac:spMkLst>
+        </pc:spChg>
+        <pc:spChg chg="add mod ord">
+          <ac:chgData name="Chia-jung Yeh" userId="f328d6f4-0757-42dc-943f-c4685e047ee8" providerId="ADAL" clId="{E564DA1F-E2FD-475F-919F-BD2F09682F78}" dt="2024-01-21T13:55:25.210" v="1360" actId="5736"/>
+          <ac:spMkLst>
+            <pc:docMk/>
+            <pc:sldMk cId="785102926" sldId="259"/>
+            <ac:spMk id="19" creationId="{0691F48B-8C4C-CCCD-3D7C-D80AD45F97D3}"/>
+          </ac:spMkLst>
+        </pc:spChg>
+        <pc:graphicFrameChg chg="add mod">
+          <ac:chgData name="Chia-jung Yeh" userId="f328d6f4-0757-42dc-943f-c4685e047ee8" providerId="ADAL" clId="{E564DA1F-E2FD-475F-919F-BD2F09682F78}" dt="2024-01-21T13:55:25.210" v="1360" actId="5736"/>
+          <ac:graphicFrameMkLst>
+            <pc:docMk/>
+            <pc:sldMk cId="785102926" sldId="259"/>
+            <ac:graphicFrameMk id="4" creationId="{6EC19FE2-D45B-1742-76B4-18E464C8FC08}"/>
+          </ac:graphicFrameMkLst>
+        </pc:graphicFrameChg>
+        <pc:cxnChg chg="add mod">
+          <ac:chgData name="Chia-jung Yeh" userId="f328d6f4-0757-42dc-943f-c4685e047ee8" providerId="ADAL" clId="{E564DA1F-E2FD-475F-919F-BD2F09682F78}" dt="2024-01-21T13:55:25.210" v="1360" actId="5736"/>
+          <ac:cxnSpMkLst>
+            <pc:docMk/>
+            <pc:sldMk cId="785102926" sldId="259"/>
+            <ac:cxnSpMk id="6" creationId="{107ED8D9-DCA1-5D61-B807-44A71B13D32A}"/>
+          </ac:cxnSpMkLst>
+        </pc:cxnChg>
+        <pc:cxnChg chg="add mod">
+          <ac:chgData name="Chia-jung Yeh" userId="f328d6f4-0757-42dc-943f-c4685e047ee8" providerId="ADAL" clId="{E564DA1F-E2FD-475F-919F-BD2F09682F78}" dt="2024-01-21T13:55:25.210" v="1360" actId="5736"/>
+          <ac:cxnSpMkLst>
+            <pc:docMk/>
+            <pc:sldMk cId="785102926" sldId="259"/>
+            <ac:cxnSpMk id="7" creationId="{71072C95-9081-970B-1D3C-B835B7E54C40}"/>
           </ac:cxnSpMkLst>
         </pc:cxnChg>
       </pc:sldChg>
@@ -13885,10 +14053,3268 @@
           </a:p>
         </p:txBody>
       </p:sp>
+      <p:sp>
+        <p:nvSpPr>
+          <p:cNvPr id="4" name="TextBox 3">
+            <a:extLst>
+              <a:ext uri="{FF2B5EF4-FFF2-40B4-BE49-F238E27FC236}">
+                <a16:creationId xmlns:a16="http://schemas.microsoft.com/office/drawing/2014/main" id="{BBC77D55-0F30-DBCC-2F6C-34D98A790D09}"/>
+              </a:ext>
+            </a:extLst>
+          </p:cNvPr>
+          <p:cNvSpPr txBox="1"/>
+          <p:nvPr/>
+        </p:nvSpPr>
+        <p:spPr>
+          <a:xfrm>
+            <a:off x="1114277" y="2026886"/>
+            <a:ext cx="824279" cy="338554"/>
+          </a:xfrm>
+          <a:prstGeom prst="rect">
+            <a:avLst/>
+          </a:prstGeom>
+          <a:solidFill>
+            <a:schemeClr val="tx1">
+              <a:lumMod val="85000"/>
+              <a:lumOff val="15000"/>
+            </a:schemeClr>
+          </a:solidFill>
+        </p:spPr>
+        <p:txBody>
+          <a:bodyPr wrap="square">
+            <a:spAutoFit/>
+          </a:bodyPr>
+          <a:lstStyle/>
+          <a:p>
+            <a:pPr algn="ctr"/>
+            <a:r>
+              <a:rPr lang="zh-TW" altLang="en-US" sz="1600" b="1" dirty="0">
+                <a:solidFill>
+                  <a:schemeClr val="bg1"/>
+                </a:solidFill>
+                <a:latin typeface="微軟正黑體" panose="020B0604030504040204" pitchFamily="34" charset="-120"/>
+                <a:ea typeface="微軟正黑體" panose="020B0604030504040204" pitchFamily="34" charset="-120"/>
+              </a:rPr>
+              <a:t>原數列</a:t>
+            </a:r>
+            <a:endParaRPr lang="en-GB" sz="1600" b="1" dirty="0">
+              <a:solidFill>
+                <a:schemeClr val="bg1"/>
+              </a:solidFill>
+              <a:latin typeface="微軟正黑體" panose="020B0604030504040204" pitchFamily="34" charset="-120"/>
+              <a:ea typeface="微軟正黑體" panose="020B0604030504040204" pitchFamily="34" charset="-120"/>
+            </a:endParaRPr>
+          </a:p>
+        </p:txBody>
+      </p:sp>
     </p:spTree>
     <p:extLst>
       <p:ext uri="{BB962C8B-B14F-4D97-AF65-F5344CB8AC3E}">
         <p14:creationId xmlns:p14="http://schemas.microsoft.com/office/powerpoint/2010/main" val="815722615"/>
+      </p:ext>
+    </p:extLst>
+  </p:cSld>
+  <p:clrMapOvr>
+    <a:masterClrMapping/>
+  </p:clrMapOvr>
+</p:sld>
+</file>
+
+<file path=ppt/slides/slide4.xml><?xml version="1.0" encoding="utf-8"?>
+<p:sld xmlns:a="http://schemas.openxmlformats.org/drawingml/2006/main" xmlns:r="http://schemas.openxmlformats.org/officeDocument/2006/relationships" xmlns:p="http://schemas.openxmlformats.org/presentationml/2006/main">
+  <p:cSld>
+    <p:spTree>
+      <p:nvGrpSpPr>
+        <p:cNvPr id="1" name=""/>
+        <p:cNvGrpSpPr/>
+        <p:nvPr/>
+      </p:nvGrpSpPr>
+      <p:grpSpPr>
+        <a:xfrm>
+          <a:off x="0" y="0"/>
+          <a:ext cx="0" cy="0"/>
+          <a:chOff x="0" y="0"/>
+          <a:chExt cx="0" cy="0"/>
+        </a:xfrm>
+      </p:grpSpPr>
+      <p:sp>
+        <p:nvSpPr>
+          <p:cNvPr id="19" name="Rectangle 18">
+            <a:extLst>
+              <a:ext uri="{FF2B5EF4-FFF2-40B4-BE49-F238E27FC236}">
+                <a16:creationId xmlns:a16="http://schemas.microsoft.com/office/drawing/2014/main" id="{0691F48B-8C4C-CCCD-3D7C-D80AD45F97D3}"/>
+              </a:ext>
+            </a:extLst>
+          </p:cNvPr>
+          <p:cNvSpPr/>
+          <p:nvPr/>
+        </p:nvSpPr>
+        <p:spPr>
+          <a:xfrm>
+            <a:off x="1215984" y="124624"/>
+            <a:ext cx="6967317" cy="6636482"/>
+          </a:xfrm>
+          <a:prstGeom prst="rect">
+            <a:avLst/>
+          </a:prstGeom>
+          <a:solidFill>
+            <a:schemeClr val="bg1"/>
+          </a:solidFill>
+          <a:ln>
+            <a:noFill/>
+          </a:ln>
+        </p:spPr>
+        <p:style>
+          <a:lnRef idx="2">
+            <a:schemeClr val="accent1">
+              <a:shade val="15000"/>
+            </a:schemeClr>
+          </a:lnRef>
+          <a:fillRef idx="1">
+            <a:schemeClr val="accent1"/>
+          </a:fillRef>
+          <a:effectRef idx="0">
+            <a:schemeClr val="accent1"/>
+          </a:effectRef>
+          <a:fontRef idx="minor">
+            <a:schemeClr val="lt1"/>
+          </a:fontRef>
+        </p:style>
+        <p:txBody>
+          <a:bodyPr rtlCol="0" anchor="ctr"/>
+          <a:lstStyle/>
+          <a:p>
+            <a:pPr algn="ctr"/>
+            <a:endParaRPr lang="en-GB"/>
+          </a:p>
+        </p:txBody>
+      </p:sp>
+      <p:graphicFrame>
+        <p:nvGraphicFramePr>
+          <p:cNvPr id="4" name="表格 5">
+            <a:extLst>
+              <a:ext uri="{FF2B5EF4-FFF2-40B4-BE49-F238E27FC236}">
+                <a16:creationId xmlns:a16="http://schemas.microsoft.com/office/drawing/2014/main" id="{6EC19FE2-D45B-1742-76B4-18E464C8FC08}"/>
+              </a:ext>
+            </a:extLst>
+          </p:cNvPr>
+          <p:cNvGraphicFramePr>
+            <a:graphicFrameLocks noGrp="1"/>
+          </p:cNvGraphicFramePr>
+          <p:nvPr>
+            <p:extLst>
+              <p:ext uri="{D42A27DB-BD31-4B8C-83A1-F6EECF244321}">
+                <p14:modId xmlns:p14="http://schemas.microsoft.com/office/powerpoint/2010/main" val="2495267269"/>
+              </p:ext>
+            </p:extLst>
+          </p:nvPr>
+        </p:nvGraphicFramePr>
+        <p:xfrm>
+          <a:off x="2032000" y="719664"/>
+          <a:ext cx="4803140" cy="4086224"/>
+        </p:xfrm>
+        <a:graphic>
+          <a:graphicData uri="http://schemas.openxmlformats.org/drawingml/2006/table">
+            <a:tbl>
+              <a:tblPr bandRow="1">
+                <a:tableStyleId>{F5AB1C69-6EDB-4FF4-983F-18BD219EF322}</a:tableStyleId>
+              </a:tblPr>
+              <a:tblGrid>
+                <a:gridCol w="574866">
+                  <a:extLst>
+                    <a:ext uri="{9D8B030D-6E8A-4147-A177-3AD203B41FA5}">
+                      <a16:colId xmlns:a16="http://schemas.microsoft.com/office/drawing/2014/main" val="1211077496"/>
+                    </a:ext>
+                  </a:extLst>
+                </a:gridCol>
+                <a:gridCol w="574866">
+                  <a:extLst>
+                    <a:ext uri="{9D8B030D-6E8A-4147-A177-3AD203B41FA5}">
+                      <a16:colId xmlns:a16="http://schemas.microsoft.com/office/drawing/2014/main" val="3670167678"/>
+                    </a:ext>
+                  </a:extLst>
+                </a:gridCol>
+                <a:gridCol w="574866">
+                  <a:extLst>
+                    <a:ext uri="{9D8B030D-6E8A-4147-A177-3AD203B41FA5}">
+                      <a16:colId xmlns:a16="http://schemas.microsoft.com/office/drawing/2014/main" val="2758887433"/>
+                    </a:ext>
+                  </a:extLst>
+                </a:gridCol>
+                <a:gridCol w="574866">
+                  <a:extLst>
+                    <a:ext uri="{9D8B030D-6E8A-4147-A177-3AD203B41FA5}">
+                      <a16:colId xmlns:a16="http://schemas.microsoft.com/office/drawing/2014/main" val="1437541456"/>
+                    </a:ext>
+                  </a:extLst>
+                </a:gridCol>
+                <a:gridCol w="574866">
+                  <a:extLst>
+                    <a:ext uri="{9D8B030D-6E8A-4147-A177-3AD203B41FA5}">
+                      <a16:colId xmlns:a16="http://schemas.microsoft.com/office/drawing/2014/main" val="282123201"/>
+                    </a:ext>
+                  </a:extLst>
+                </a:gridCol>
+                <a:gridCol w="574866">
+                  <a:extLst>
+                    <a:ext uri="{9D8B030D-6E8A-4147-A177-3AD203B41FA5}">
+                      <a16:colId xmlns:a16="http://schemas.microsoft.com/office/drawing/2014/main" val="3086105130"/>
+                    </a:ext>
+                  </a:extLst>
+                </a:gridCol>
+                <a:gridCol w="698624">
+                  <a:extLst>
+                    <a:ext uri="{9D8B030D-6E8A-4147-A177-3AD203B41FA5}">
+                      <a16:colId xmlns:a16="http://schemas.microsoft.com/office/drawing/2014/main" val="1280370254"/>
+                    </a:ext>
+                  </a:extLst>
+                </a:gridCol>
+                <a:gridCol w="655320">
+                  <a:extLst>
+                    <a:ext uri="{9D8B030D-6E8A-4147-A177-3AD203B41FA5}">
+                      <a16:colId xmlns:a16="http://schemas.microsoft.com/office/drawing/2014/main" val="3675419070"/>
+                    </a:ext>
+                  </a:extLst>
+                </a:gridCol>
+              </a:tblGrid>
+              <a:tr h="510778">
+                <a:tc>
+                  <a:txBody>
+                    <a:bodyPr/>
+                    <a:lstStyle/>
+                    <a:p>
+                      <a:pPr algn="ctr"/>
+                      <a:r>
+                        <a:rPr lang="en-US" altLang="zh-TW" sz="2400" b="1" dirty="0">
+                          <a:latin typeface="Times New Roman" panose="02020603050405020304" pitchFamily="18" charset="0"/>
+                          <a:cs typeface="Times New Roman" panose="02020603050405020304" pitchFamily="18" charset="0"/>
+                        </a:rPr>
+                        <a:t>10</a:t>
+                      </a:r>
+                      <a:endParaRPr lang="zh-TW" altLang="en-US" sz="2400" b="1" dirty="0">
+                        <a:latin typeface="Times New Roman" panose="02020603050405020304" pitchFamily="18" charset="0"/>
+                        <a:cs typeface="Times New Roman" panose="02020603050405020304" pitchFamily="18" charset="0"/>
+                      </a:endParaRPr>
+                    </a:p>
+                  </a:txBody>
+                  <a:tcPr anchor="ctr">
+                    <a:lnL w="19050" cap="flat" cmpd="sng" algn="ctr">
+                      <a:solidFill>
+                        <a:schemeClr val="tx1"/>
+                      </a:solidFill>
+                      <a:prstDash val="solid"/>
+                      <a:round/>
+                      <a:headEnd type="none" w="med" len="med"/>
+                      <a:tailEnd type="none" w="med" len="med"/>
+                    </a:lnL>
+                    <a:lnT w="19050" cap="flat" cmpd="sng" algn="ctr">
+                      <a:solidFill>
+                        <a:schemeClr val="tx1"/>
+                      </a:solidFill>
+                      <a:prstDash val="solid"/>
+                      <a:round/>
+                      <a:headEnd type="none" w="med" len="med"/>
+                      <a:tailEnd type="none" w="med" len="med"/>
+                    </a:lnT>
+                  </a:tcPr>
+                </a:tc>
+                <a:tc>
+                  <a:txBody>
+                    <a:bodyPr/>
+                    <a:lstStyle/>
+                    <a:p>
+                      <a:pPr algn="ctr"/>
+                      <a:r>
+                        <a:rPr lang="en-US" altLang="zh-TW" sz="2400" b="1" dirty="0">
+                          <a:latin typeface="Times New Roman" panose="02020603050405020304" pitchFamily="18" charset="0"/>
+                          <a:cs typeface="Times New Roman" panose="02020603050405020304" pitchFamily="18" charset="0"/>
+                        </a:rPr>
+                        <a:t>8</a:t>
+                      </a:r>
+                      <a:endParaRPr lang="zh-TW" altLang="en-US" sz="2400" b="1" dirty="0">
+                        <a:latin typeface="Times New Roman" panose="02020603050405020304" pitchFamily="18" charset="0"/>
+                        <a:cs typeface="Times New Roman" panose="02020603050405020304" pitchFamily="18" charset="0"/>
+                      </a:endParaRPr>
+                    </a:p>
+                  </a:txBody>
+                  <a:tcPr anchor="ctr">
+                    <a:lnT w="19050" cap="flat" cmpd="sng" algn="ctr">
+                      <a:solidFill>
+                        <a:schemeClr val="tx1"/>
+                      </a:solidFill>
+                      <a:prstDash val="solid"/>
+                      <a:round/>
+                      <a:headEnd type="none" w="med" len="med"/>
+                      <a:tailEnd type="none" w="med" len="med"/>
+                    </a:lnT>
+                  </a:tcPr>
+                </a:tc>
+                <a:tc>
+                  <a:txBody>
+                    <a:bodyPr/>
+                    <a:lstStyle/>
+                    <a:p>
+                      <a:pPr algn="ctr"/>
+                      <a:r>
+                        <a:rPr lang="en-US" altLang="zh-TW" sz="2400" b="1" dirty="0">
+                          <a:latin typeface="Times New Roman" panose="02020603050405020304" pitchFamily="18" charset="0"/>
+                          <a:cs typeface="Times New Roman" panose="02020603050405020304" pitchFamily="18" charset="0"/>
+                        </a:rPr>
+                        <a:t>2</a:t>
+                      </a:r>
+                      <a:endParaRPr lang="zh-TW" altLang="en-US" sz="2400" b="1" dirty="0">
+                        <a:latin typeface="Times New Roman" panose="02020603050405020304" pitchFamily="18" charset="0"/>
+                        <a:cs typeface="Times New Roman" panose="02020603050405020304" pitchFamily="18" charset="0"/>
+                      </a:endParaRPr>
+                    </a:p>
+                  </a:txBody>
+                  <a:tcPr anchor="ctr">
+                    <a:lnT w="19050" cap="flat" cmpd="sng" algn="ctr">
+                      <a:solidFill>
+                        <a:schemeClr val="tx1"/>
+                      </a:solidFill>
+                      <a:prstDash val="solid"/>
+                      <a:round/>
+                      <a:headEnd type="none" w="med" len="med"/>
+                      <a:tailEnd type="none" w="med" len="med"/>
+                    </a:lnT>
+                  </a:tcPr>
+                </a:tc>
+                <a:tc>
+                  <a:txBody>
+                    <a:bodyPr/>
+                    <a:lstStyle/>
+                    <a:p>
+                      <a:pPr algn="ctr"/>
+                      <a:r>
+                        <a:rPr lang="en-US" altLang="zh-TW" sz="2400" b="1" dirty="0">
+                          <a:latin typeface="Times New Roman" panose="02020603050405020304" pitchFamily="18" charset="0"/>
+                          <a:cs typeface="Times New Roman" panose="02020603050405020304" pitchFamily="18" charset="0"/>
+                        </a:rPr>
+                        <a:t>7</a:t>
+                      </a:r>
+                      <a:endParaRPr lang="zh-TW" altLang="en-US" sz="2400" b="1" dirty="0">
+                        <a:latin typeface="Times New Roman" panose="02020603050405020304" pitchFamily="18" charset="0"/>
+                        <a:cs typeface="Times New Roman" panose="02020603050405020304" pitchFamily="18" charset="0"/>
+                      </a:endParaRPr>
+                    </a:p>
+                  </a:txBody>
+                  <a:tcPr anchor="ctr">
+                    <a:lnT w="19050" cap="flat" cmpd="sng" algn="ctr">
+                      <a:solidFill>
+                        <a:schemeClr val="tx1"/>
+                      </a:solidFill>
+                      <a:prstDash val="solid"/>
+                      <a:round/>
+                      <a:headEnd type="none" w="med" len="med"/>
+                      <a:tailEnd type="none" w="med" len="med"/>
+                    </a:lnT>
+                  </a:tcPr>
+                </a:tc>
+                <a:tc>
+                  <a:txBody>
+                    <a:bodyPr/>
+                    <a:lstStyle/>
+                    <a:p>
+                      <a:pPr algn="ctr"/>
+                      <a:r>
+                        <a:rPr lang="en-US" altLang="zh-TW" sz="2400" b="1" dirty="0">
+                          <a:latin typeface="Times New Roman" panose="02020603050405020304" pitchFamily="18" charset="0"/>
+                          <a:cs typeface="Times New Roman" panose="02020603050405020304" pitchFamily="18" charset="0"/>
+                        </a:rPr>
+                        <a:t>4</a:t>
+                      </a:r>
+                      <a:endParaRPr lang="zh-TW" altLang="en-US" sz="2400" b="1" dirty="0">
+                        <a:latin typeface="Times New Roman" panose="02020603050405020304" pitchFamily="18" charset="0"/>
+                        <a:cs typeface="Times New Roman" panose="02020603050405020304" pitchFamily="18" charset="0"/>
+                      </a:endParaRPr>
+                    </a:p>
+                  </a:txBody>
+                  <a:tcPr anchor="ctr">
+                    <a:lnR w="19050" cap="flat" cmpd="sng" algn="ctr">
+                      <a:solidFill>
+                        <a:schemeClr val="tx1"/>
+                      </a:solidFill>
+                      <a:prstDash val="solid"/>
+                      <a:round/>
+                      <a:headEnd type="none" w="med" len="med"/>
+                      <a:tailEnd type="none" w="med" len="med"/>
+                    </a:lnR>
+                    <a:lnT w="19050" cap="flat" cmpd="sng" algn="ctr">
+                      <a:solidFill>
+                        <a:schemeClr val="tx1"/>
+                      </a:solidFill>
+                      <a:prstDash val="solid"/>
+                      <a:round/>
+                      <a:headEnd type="none" w="med" len="med"/>
+                      <a:tailEnd type="none" w="med" len="med"/>
+                    </a:lnT>
+                  </a:tcPr>
+                </a:tc>
+                <a:tc>
+                  <a:txBody>
+                    <a:bodyPr/>
+                    <a:lstStyle/>
+                    <a:p>
+                      <a:pPr algn="ctr" fontAlgn="ctr"/>
+                      <a:r>
+                        <a:rPr lang="en-US" altLang="zh-TW" sz="2400" b="1" kern="1200" dirty="0">
+                          <a:solidFill>
+                            <a:schemeClr val="accent6">
+                              <a:lumMod val="50000"/>
+                            </a:schemeClr>
+                          </a:solidFill>
+                          <a:latin typeface="Times New Roman" panose="02020603050405020304" pitchFamily="18" charset="0"/>
+                          <a:ea typeface="+mn-ea"/>
+                          <a:cs typeface="Times New Roman" panose="02020603050405020304" pitchFamily="18" charset="0"/>
+                        </a:rPr>
+                        <a:t>31</a:t>
+                      </a:r>
+                    </a:p>
+                  </a:txBody>
+                  <a:tcPr marL="7620" marR="7620" marT="7620" marB="0" anchor="ctr">
+                    <a:lnL w="19050" cap="flat" cmpd="sng" algn="ctr">
+                      <a:solidFill>
+                        <a:schemeClr val="tx1"/>
+                      </a:solidFill>
+                      <a:prstDash val="solid"/>
+                      <a:round/>
+                      <a:headEnd type="none" w="med" len="med"/>
+                      <a:tailEnd type="none" w="med" len="med"/>
+                    </a:lnL>
+                    <a:solidFill>
+                      <a:schemeClr val="accent6">
+                        <a:lumMod val="40000"/>
+                        <a:lumOff val="60000"/>
+                      </a:schemeClr>
+                    </a:solidFill>
+                  </a:tcPr>
+                </a:tc>
+                <a:tc>
+                  <a:txBody>
+                    <a:bodyPr/>
+                    <a:lstStyle/>
+                    <a:p>
+                      <a:pPr algn="ctr" fontAlgn="ctr"/>
+                      <a:r>
+                        <a:rPr lang="en-US" altLang="zh-TW" sz="2400" b="1" kern="1200">
+                          <a:solidFill>
+                            <a:schemeClr val="accent6">
+                              <a:lumMod val="50000"/>
+                            </a:schemeClr>
+                          </a:solidFill>
+                          <a:latin typeface="Times New Roman" panose="02020603050405020304" pitchFamily="18" charset="0"/>
+                          <a:ea typeface="+mn-ea"/>
+                          <a:cs typeface="Times New Roman" panose="02020603050405020304" pitchFamily="18" charset="0"/>
+                        </a:rPr>
+                        <a:t>2</a:t>
+                      </a:r>
+                    </a:p>
+                  </a:txBody>
+                  <a:tcPr marL="7620" marR="7620" marT="7620" marB="0" anchor="ctr">
+                    <a:solidFill>
+                      <a:schemeClr val="accent6">
+                        <a:lumMod val="40000"/>
+                        <a:lumOff val="60000"/>
+                      </a:schemeClr>
+                    </a:solidFill>
+                  </a:tcPr>
+                </a:tc>
+                <a:tc>
+                  <a:txBody>
+                    <a:bodyPr/>
+                    <a:lstStyle/>
+                    <a:p>
+                      <a:pPr algn="ctr"/>
+                      <a:r>
+                        <a:rPr lang="en-US" altLang="zh-TW" sz="2400" b="1" kern="1200" dirty="0">
+                          <a:solidFill>
+                            <a:schemeClr val="accent6">
+                              <a:lumMod val="50000"/>
+                            </a:schemeClr>
+                          </a:solidFill>
+                          <a:latin typeface="Times New Roman" panose="02020603050405020304" pitchFamily="18" charset="0"/>
+                          <a:ea typeface="+mn-ea"/>
+                          <a:cs typeface="Times New Roman" panose="02020603050405020304" pitchFamily="18" charset="0"/>
+                        </a:rPr>
+                        <a:t>3</a:t>
+                      </a:r>
+                      <a:endParaRPr lang="zh-TW" altLang="en-US" sz="2400" b="1" kern="1200" dirty="0">
+                        <a:solidFill>
+                          <a:schemeClr val="accent6">
+                            <a:lumMod val="50000"/>
+                          </a:schemeClr>
+                        </a:solidFill>
+                        <a:latin typeface="Times New Roman" panose="02020603050405020304" pitchFamily="18" charset="0"/>
+                        <a:ea typeface="+mn-ea"/>
+                        <a:cs typeface="Times New Roman" panose="02020603050405020304" pitchFamily="18" charset="0"/>
+                      </a:endParaRPr>
+                    </a:p>
+                  </a:txBody>
+                  <a:tcPr anchor="ctr">
+                    <a:solidFill>
+                      <a:schemeClr val="accent6">
+                        <a:lumMod val="40000"/>
+                        <a:lumOff val="60000"/>
+                      </a:schemeClr>
+                    </a:solidFill>
+                  </a:tcPr>
+                </a:tc>
+                <a:extLst>
+                  <a:ext uri="{0D108BD9-81ED-4DB2-BD59-A6C34878D82A}">
+                    <a16:rowId xmlns:a16="http://schemas.microsoft.com/office/drawing/2014/main" val="3355596711"/>
+                  </a:ext>
+                </a:extLst>
+              </a:tr>
+              <a:tr h="510778">
+                <a:tc>
+                  <a:txBody>
+                    <a:bodyPr/>
+                    <a:lstStyle/>
+                    <a:p>
+                      <a:pPr algn="ctr"/>
+                      <a:r>
+                        <a:rPr lang="en-US" altLang="zh-TW" sz="2400" b="1" dirty="0">
+                          <a:latin typeface="Times New Roman" panose="02020603050405020304" pitchFamily="18" charset="0"/>
+                          <a:cs typeface="Times New Roman" panose="02020603050405020304" pitchFamily="18" charset="0"/>
+                        </a:rPr>
+                        <a:t>1</a:t>
+                      </a:r>
+                      <a:endParaRPr lang="zh-TW" altLang="en-US" sz="2400" b="1" dirty="0">
+                        <a:latin typeface="Times New Roman" panose="02020603050405020304" pitchFamily="18" charset="0"/>
+                        <a:cs typeface="Times New Roman" panose="02020603050405020304" pitchFamily="18" charset="0"/>
+                      </a:endParaRPr>
+                    </a:p>
+                  </a:txBody>
+                  <a:tcPr anchor="ctr">
+                    <a:lnL w="19050" cap="flat" cmpd="sng" algn="ctr">
+                      <a:solidFill>
+                        <a:schemeClr val="tx1"/>
+                      </a:solidFill>
+                      <a:prstDash val="solid"/>
+                      <a:round/>
+                      <a:headEnd type="none" w="med" len="med"/>
+                      <a:tailEnd type="none" w="med" len="med"/>
+                    </a:lnL>
+                  </a:tcPr>
+                </a:tc>
+                <a:tc>
+                  <a:txBody>
+                    <a:bodyPr/>
+                    <a:lstStyle/>
+                    <a:p>
+                      <a:pPr algn="ctr"/>
+                      <a:r>
+                        <a:rPr lang="en-US" altLang="zh-TW" sz="2400" b="1" dirty="0">
+                          <a:latin typeface="Times New Roman" panose="02020603050405020304" pitchFamily="18" charset="0"/>
+                          <a:cs typeface="Times New Roman" panose="02020603050405020304" pitchFamily="18" charset="0"/>
+                        </a:rPr>
+                        <a:t>7</a:t>
+                      </a:r>
+                      <a:endParaRPr lang="zh-TW" altLang="en-US" sz="2400" b="1" dirty="0">
+                        <a:latin typeface="Times New Roman" panose="02020603050405020304" pitchFamily="18" charset="0"/>
+                        <a:cs typeface="Times New Roman" panose="02020603050405020304" pitchFamily="18" charset="0"/>
+                      </a:endParaRPr>
+                    </a:p>
+                  </a:txBody>
+                  <a:tcPr anchor="ctr"/>
+                </a:tc>
+                <a:tc>
+                  <a:txBody>
+                    <a:bodyPr/>
+                    <a:lstStyle/>
+                    <a:p>
+                      <a:pPr algn="ctr"/>
+                      <a:r>
+                        <a:rPr lang="en-US" altLang="zh-TW" sz="2400" b="1" dirty="0">
+                          <a:latin typeface="Times New Roman" panose="02020603050405020304" pitchFamily="18" charset="0"/>
+                          <a:cs typeface="Times New Roman" panose="02020603050405020304" pitchFamily="18" charset="0"/>
+                        </a:rPr>
+                        <a:t>5</a:t>
+                      </a:r>
+                      <a:endParaRPr lang="zh-TW" altLang="en-US" sz="2400" b="1" dirty="0">
+                        <a:latin typeface="Times New Roman" panose="02020603050405020304" pitchFamily="18" charset="0"/>
+                        <a:cs typeface="Times New Roman" panose="02020603050405020304" pitchFamily="18" charset="0"/>
+                      </a:endParaRPr>
+                    </a:p>
+                  </a:txBody>
+                  <a:tcPr anchor="ctr"/>
+                </a:tc>
+                <a:tc>
+                  <a:txBody>
+                    <a:bodyPr/>
+                    <a:lstStyle/>
+                    <a:p>
+                      <a:pPr algn="ctr"/>
+                      <a:r>
+                        <a:rPr lang="en-US" altLang="zh-TW" sz="2400" b="1" dirty="0">
+                          <a:latin typeface="Times New Roman" panose="02020603050405020304" pitchFamily="18" charset="0"/>
+                          <a:cs typeface="Times New Roman" panose="02020603050405020304" pitchFamily="18" charset="0"/>
+                        </a:rPr>
+                        <a:t>3</a:t>
+                      </a:r>
+                      <a:endParaRPr lang="zh-TW" altLang="en-US" sz="2400" b="1" dirty="0">
+                        <a:latin typeface="Times New Roman" panose="02020603050405020304" pitchFamily="18" charset="0"/>
+                        <a:cs typeface="Times New Roman" panose="02020603050405020304" pitchFamily="18" charset="0"/>
+                      </a:endParaRPr>
+                    </a:p>
+                  </a:txBody>
+                  <a:tcPr anchor="ctr"/>
+                </a:tc>
+                <a:tc>
+                  <a:txBody>
+                    <a:bodyPr/>
+                    <a:lstStyle/>
+                    <a:p>
+                      <a:pPr algn="ctr"/>
+                      <a:r>
+                        <a:rPr lang="en-US" altLang="zh-TW" sz="2400" b="1" dirty="0">
+                          <a:latin typeface="Times New Roman" panose="02020603050405020304" pitchFamily="18" charset="0"/>
+                          <a:cs typeface="Times New Roman" panose="02020603050405020304" pitchFamily="18" charset="0"/>
+                        </a:rPr>
+                        <a:t>5</a:t>
+                      </a:r>
+                      <a:endParaRPr lang="zh-TW" altLang="en-US" sz="2400" b="1" dirty="0">
+                        <a:latin typeface="Times New Roman" panose="02020603050405020304" pitchFamily="18" charset="0"/>
+                        <a:cs typeface="Times New Roman" panose="02020603050405020304" pitchFamily="18" charset="0"/>
+                      </a:endParaRPr>
+                    </a:p>
+                  </a:txBody>
+                  <a:tcPr anchor="ctr">
+                    <a:lnR w="19050" cap="flat" cmpd="sng" algn="ctr">
+                      <a:solidFill>
+                        <a:schemeClr val="tx1"/>
+                      </a:solidFill>
+                      <a:prstDash val="solid"/>
+                      <a:round/>
+                      <a:headEnd type="none" w="med" len="med"/>
+                      <a:tailEnd type="none" w="med" len="med"/>
+                    </a:lnR>
+                  </a:tcPr>
+                </a:tc>
+                <a:tc>
+                  <a:txBody>
+                    <a:bodyPr/>
+                    <a:lstStyle/>
+                    <a:p>
+                      <a:pPr algn="ctr" fontAlgn="ctr"/>
+                      <a:r>
+                        <a:rPr lang="en-US" altLang="zh-TW" sz="2400" b="1" kern="1200" dirty="0">
+                          <a:solidFill>
+                            <a:schemeClr val="accent6">
+                              <a:lumMod val="50000"/>
+                            </a:schemeClr>
+                          </a:solidFill>
+                          <a:latin typeface="Times New Roman" panose="02020603050405020304" pitchFamily="18" charset="0"/>
+                          <a:ea typeface="+mn-ea"/>
+                          <a:cs typeface="Times New Roman" panose="02020603050405020304" pitchFamily="18" charset="0"/>
+                        </a:rPr>
+                        <a:t>21</a:t>
+                      </a:r>
+                    </a:p>
+                  </a:txBody>
+                  <a:tcPr marL="7620" marR="7620" marT="7620" marB="0" anchor="ctr">
+                    <a:lnL w="19050" cap="flat" cmpd="sng" algn="ctr">
+                      <a:solidFill>
+                        <a:schemeClr val="tx1"/>
+                      </a:solidFill>
+                      <a:prstDash val="solid"/>
+                      <a:round/>
+                      <a:headEnd type="none" w="med" len="med"/>
+                      <a:tailEnd type="none" w="med" len="med"/>
+                    </a:lnL>
+                    <a:solidFill>
+                      <a:schemeClr val="accent6">
+                        <a:lumMod val="40000"/>
+                        <a:lumOff val="60000"/>
+                      </a:schemeClr>
+                    </a:solidFill>
+                  </a:tcPr>
+                </a:tc>
+                <a:tc>
+                  <a:txBody>
+                    <a:bodyPr/>
+                    <a:lstStyle/>
+                    <a:p>
+                      <a:pPr algn="ctr" fontAlgn="ctr"/>
+                      <a:r>
+                        <a:rPr lang="en-US" altLang="zh-TW" sz="2400" b="1" kern="1200">
+                          <a:solidFill>
+                            <a:schemeClr val="accent6">
+                              <a:lumMod val="50000"/>
+                            </a:schemeClr>
+                          </a:solidFill>
+                          <a:latin typeface="Times New Roman" panose="02020603050405020304" pitchFamily="18" charset="0"/>
+                          <a:ea typeface="+mn-ea"/>
+                          <a:cs typeface="Times New Roman" panose="02020603050405020304" pitchFamily="18" charset="0"/>
+                        </a:rPr>
+                        <a:t>1</a:t>
+                      </a:r>
+                    </a:p>
+                  </a:txBody>
+                  <a:tcPr marL="7620" marR="7620" marT="7620" marB="0" anchor="ctr">
+                    <a:solidFill>
+                      <a:schemeClr val="accent6">
+                        <a:lumMod val="40000"/>
+                        <a:lumOff val="60000"/>
+                      </a:schemeClr>
+                    </a:solidFill>
+                  </a:tcPr>
+                </a:tc>
+                <a:tc>
+                  <a:txBody>
+                    <a:bodyPr/>
+                    <a:lstStyle/>
+                    <a:p>
+                      <a:pPr algn="ctr"/>
+                      <a:r>
+                        <a:rPr lang="en-US" altLang="zh-TW" sz="2400" b="1" kern="1200" dirty="0">
+                          <a:solidFill>
+                            <a:schemeClr val="accent6">
+                              <a:lumMod val="50000"/>
+                            </a:schemeClr>
+                          </a:solidFill>
+                          <a:latin typeface="Times New Roman" panose="02020603050405020304" pitchFamily="18" charset="0"/>
+                          <a:ea typeface="+mn-ea"/>
+                          <a:cs typeface="Times New Roman" panose="02020603050405020304" pitchFamily="18" charset="0"/>
+                        </a:rPr>
+                        <a:t>1</a:t>
+                      </a:r>
+                      <a:endParaRPr lang="zh-TW" altLang="en-US" sz="2400" b="1" kern="1200" dirty="0">
+                        <a:solidFill>
+                          <a:schemeClr val="accent6">
+                            <a:lumMod val="50000"/>
+                          </a:schemeClr>
+                        </a:solidFill>
+                        <a:latin typeface="Times New Roman" panose="02020603050405020304" pitchFamily="18" charset="0"/>
+                        <a:ea typeface="+mn-ea"/>
+                        <a:cs typeface="Times New Roman" panose="02020603050405020304" pitchFamily="18" charset="0"/>
+                      </a:endParaRPr>
+                    </a:p>
+                  </a:txBody>
+                  <a:tcPr anchor="ctr">
+                    <a:solidFill>
+                      <a:schemeClr val="accent6">
+                        <a:lumMod val="40000"/>
+                        <a:lumOff val="60000"/>
+                      </a:schemeClr>
+                    </a:solidFill>
+                  </a:tcPr>
+                </a:tc>
+                <a:extLst>
+                  <a:ext uri="{0D108BD9-81ED-4DB2-BD59-A6C34878D82A}">
+                    <a16:rowId xmlns:a16="http://schemas.microsoft.com/office/drawing/2014/main" val="3922989956"/>
+                  </a:ext>
+                </a:extLst>
+              </a:tr>
+              <a:tr h="510778">
+                <a:tc>
+                  <a:txBody>
+                    <a:bodyPr/>
+                    <a:lstStyle/>
+                    <a:p>
+                      <a:pPr algn="ctr"/>
+                      <a:r>
+                        <a:rPr lang="en-US" altLang="zh-TW" sz="2400" b="1" dirty="0">
+                          <a:latin typeface="Times New Roman" panose="02020603050405020304" pitchFamily="18" charset="0"/>
+                          <a:cs typeface="Times New Roman" panose="02020603050405020304" pitchFamily="18" charset="0"/>
+                        </a:rPr>
+                        <a:t>4</a:t>
+                      </a:r>
+                      <a:endParaRPr lang="zh-TW" altLang="en-US" sz="2400" b="1" dirty="0">
+                        <a:latin typeface="Times New Roman" panose="02020603050405020304" pitchFamily="18" charset="0"/>
+                        <a:cs typeface="Times New Roman" panose="02020603050405020304" pitchFamily="18" charset="0"/>
+                      </a:endParaRPr>
+                    </a:p>
+                  </a:txBody>
+                  <a:tcPr anchor="ctr">
+                    <a:lnL w="19050" cap="flat" cmpd="sng" algn="ctr">
+                      <a:solidFill>
+                        <a:schemeClr val="tx1"/>
+                      </a:solidFill>
+                      <a:prstDash val="solid"/>
+                      <a:round/>
+                      <a:headEnd type="none" w="med" len="med"/>
+                      <a:tailEnd type="none" w="med" len="med"/>
+                    </a:lnL>
+                  </a:tcPr>
+                </a:tc>
+                <a:tc>
+                  <a:txBody>
+                    <a:bodyPr/>
+                    <a:lstStyle/>
+                    <a:p>
+                      <a:pPr algn="ctr"/>
+                      <a:r>
+                        <a:rPr lang="en-US" altLang="zh-TW" sz="2400" b="1" dirty="0">
+                          <a:latin typeface="Times New Roman" panose="02020603050405020304" pitchFamily="18" charset="0"/>
+                          <a:cs typeface="Times New Roman" panose="02020603050405020304" pitchFamily="18" charset="0"/>
+                        </a:rPr>
+                        <a:t>8</a:t>
+                      </a:r>
+                      <a:endParaRPr lang="zh-TW" altLang="en-US" sz="2400" b="1" dirty="0">
+                        <a:latin typeface="Times New Roman" panose="02020603050405020304" pitchFamily="18" charset="0"/>
+                        <a:cs typeface="Times New Roman" panose="02020603050405020304" pitchFamily="18" charset="0"/>
+                      </a:endParaRPr>
+                    </a:p>
+                  </a:txBody>
+                  <a:tcPr anchor="ctr"/>
+                </a:tc>
+                <a:tc>
+                  <a:txBody>
+                    <a:bodyPr/>
+                    <a:lstStyle/>
+                    <a:p>
+                      <a:pPr algn="ctr"/>
+                      <a:r>
+                        <a:rPr lang="en-US" altLang="zh-TW" sz="2400" b="1" dirty="0">
+                          <a:latin typeface="Times New Roman" panose="02020603050405020304" pitchFamily="18" charset="0"/>
+                          <a:cs typeface="Times New Roman" panose="02020603050405020304" pitchFamily="18" charset="0"/>
+                        </a:rPr>
+                        <a:t>9</a:t>
+                      </a:r>
+                      <a:endParaRPr lang="zh-TW" altLang="en-US" sz="2400" b="1" dirty="0">
+                        <a:latin typeface="Times New Roman" panose="02020603050405020304" pitchFamily="18" charset="0"/>
+                        <a:cs typeface="Times New Roman" panose="02020603050405020304" pitchFamily="18" charset="0"/>
+                      </a:endParaRPr>
+                    </a:p>
+                  </a:txBody>
+                  <a:tcPr anchor="ctr"/>
+                </a:tc>
+                <a:tc>
+                  <a:txBody>
+                    <a:bodyPr/>
+                    <a:lstStyle/>
+                    <a:p>
+                      <a:pPr algn="ctr"/>
+                      <a:r>
+                        <a:rPr lang="en-US" altLang="zh-TW" sz="2400" b="1" dirty="0">
+                          <a:latin typeface="Times New Roman" panose="02020603050405020304" pitchFamily="18" charset="0"/>
+                          <a:cs typeface="Times New Roman" panose="02020603050405020304" pitchFamily="18" charset="0"/>
+                        </a:rPr>
+                        <a:t>2</a:t>
+                      </a:r>
+                      <a:endParaRPr lang="zh-TW" altLang="en-US" sz="2400" b="1" dirty="0">
+                        <a:latin typeface="Times New Roman" panose="02020603050405020304" pitchFamily="18" charset="0"/>
+                        <a:cs typeface="Times New Roman" panose="02020603050405020304" pitchFamily="18" charset="0"/>
+                      </a:endParaRPr>
+                    </a:p>
+                  </a:txBody>
+                  <a:tcPr anchor="ctr"/>
+                </a:tc>
+                <a:tc>
+                  <a:txBody>
+                    <a:bodyPr/>
+                    <a:lstStyle/>
+                    <a:p>
+                      <a:pPr algn="ctr"/>
+                      <a:r>
+                        <a:rPr lang="en-US" altLang="zh-TW" sz="2400" b="1" dirty="0">
+                          <a:latin typeface="Times New Roman" panose="02020603050405020304" pitchFamily="18" charset="0"/>
+                          <a:cs typeface="Times New Roman" panose="02020603050405020304" pitchFamily="18" charset="0"/>
+                        </a:rPr>
+                        <a:t>5</a:t>
+                      </a:r>
+                      <a:endParaRPr lang="zh-TW" altLang="en-US" sz="2400" b="1" dirty="0">
+                        <a:latin typeface="Times New Roman" panose="02020603050405020304" pitchFamily="18" charset="0"/>
+                        <a:cs typeface="Times New Roman" panose="02020603050405020304" pitchFamily="18" charset="0"/>
+                      </a:endParaRPr>
+                    </a:p>
+                  </a:txBody>
+                  <a:tcPr anchor="ctr">
+                    <a:lnR w="19050" cap="flat" cmpd="sng" algn="ctr">
+                      <a:solidFill>
+                        <a:schemeClr val="tx1"/>
+                      </a:solidFill>
+                      <a:prstDash val="solid"/>
+                      <a:round/>
+                      <a:headEnd type="none" w="med" len="med"/>
+                      <a:tailEnd type="none" w="med" len="med"/>
+                    </a:lnR>
+                  </a:tcPr>
+                </a:tc>
+                <a:tc>
+                  <a:txBody>
+                    <a:bodyPr/>
+                    <a:lstStyle/>
+                    <a:p>
+                      <a:pPr algn="ctr" fontAlgn="ctr"/>
+                      <a:r>
+                        <a:rPr lang="en-US" altLang="zh-TW" sz="2400" b="1" kern="1200" dirty="0">
+                          <a:solidFill>
+                            <a:schemeClr val="accent6">
+                              <a:lumMod val="50000"/>
+                            </a:schemeClr>
+                          </a:solidFill>
+                          <a:latin typeface="Times New Roman" panose="02020603050405020304" pitchFamily="18" charset="0"/>
+                          <a:ea typeface="+mn-ea"/>
+                          <a:cs typeface="Times New Roman" panose="02020603050405020304" pitchFamily="18" charset="0"/>
+                        </a:rPr>
+                        <a:t>28</a:t>
+                      </a:r>
+                    </a:p>
+                  </a:txBody>
+                  <a:tcPr marL="7620" marR="7620" marT="7620" marB="0" anchor="ctr">
+                    <a:lnL w="19050" cap="flat" cmpd="sng" algn="ctr">
+                      <a:solidFill>
+                        <a:schemeClr val="tx1"/>
+                      </a:solidFill>
+                      <a:prstDash val="solid"/>
+                      <a:round/>
+                      <a:headEnd type="none" w="med" len="med"/>
+                      <a:tailEnd type="none" w="med" len="med"/>
+                    </a:lnL>
+                    <a:solidFill>
+                      <a:schemeClr val="accent6">
+                        <a:lumMod val="40000"/>
+                        <a:lumOff val="60000"/>
+                      </a:schemeClr>
+                    </a:solidFill>
+                  </a:tcPr>
+                </a:tc>
+                <a:tc>
+                  <a:txBody>
+                    <a:bodyPr/>
+                    <a:lstStyle/>
+                    <a:p>
+                      <a:pPr algn="ctr" fontAlgn="ctr"/>
+                      <a:r>
+                        <a:rPr lang="en-US" altLang="zh-TW" sz="2400" b="1" kern="1200" dirty="0">
+                          <a:solidFill>
+                            <a:schemeClr val="accent6">
+                              <a:lumMod val="50000"/>
+                            </a:schemeClr>
+                          </a:solidFill>
+                          <a:latin typeface="Times New Roman" panose="02020603050405020304" pitchFamily="18" charset="0"/>
+                          <a:ea typeface="+mn-ea"/>
+                          <a:cs typeface="Times New Roman" panose="02020603050405020304" pitchFamily="18" charset="0"/>
+                        </a:rPr>
+                        <a:t>2</a:t>
+                      </a:r>
+                    </a:p>
+                  </a:txBody>
+                  <a:tcPr marL="7620" marR="7620" marT="7620" marB="0" anchor="ctr">
+                    <a:solidFill>
+                      <a:schemeClr val="accent6">
+                        <a:lumMod val="40000"/>
+                        <a:lumOff val="60000"/>
+                      </a:schemeClr>
+                    </a:solidFill>
+                  </a:tcPr>
+                </a:tc>
+                <a:tc>
+                  <a:txBody>
+                    <a:bodyPr/>
+                    <a:lstStyle/>
+                    <a:p>
+                      <a:pPr algn="ctr"/>
+                      <a:r>
+                        <a:rPr lang="en-US" altLang="zh-TW" sz="2400" b="1" kern="1200" dirty="0">
+                          <a:solidFill>
+                            <a:schemeClr val="accent6">
+                              <a:lumMod val="50000"/>
+                            </a:schemeClr>
+                          </a:solidFill>
+                          <a:latin typeface="Times New Roman" panose="02020603050405020304" pitchFamily="18" charset="0"/>
+                          <a:ea typeface="+mn-ea"/>
+                          <a:cs typeface="Times New Roman" panose="02020603050405020304" pitchFamily="18" charset="0"/>
+                        </a:rPr>
+                        <a:t>4</a:t>
+                      </a:r>
+                      <a:endParaRPr lang="zh-TW" altLang="en-US" sz="2400" b="1" kern="1200" dirty="0">
+                        <a:solidFill>
+                          <a:schemeClr val="accent6">
+                            <a:lumMod val="50000"/>
+                          </a:schemeClr>
+                        </a:solidFill>
+                        <a:latin typeface="Times New Roman" panose="02020603050405020304" pitchFamily="18" charset="0"/>
+                        <a:ea typeface="+mn-ea"/>
+                        <a:cs typeface="Times New Roman" panose="02020603050405020304" pitchFamily="18" charset="0"/>
+                      </a:endParaRPr>
+                    </a:p>
+                  </a:txBody>
+                  <a:tcPr anchor="ctr">
+                    <a:solidFill>
+                      <a:schemeClr val="accent6">
+                        <a:lumMod val="40000"/>
+                        <a:lumOff val="60000"/>
+                      </a:schemeClr>
+                    </a:solidFill>
+                  </a:tcPr>
+                </a:tc>
+                <a:extLst>
+                  <a:ext uri="{0D108BD9-81ED-4DB2-BD59-A6C34878D82A}">
+                    <a16:rowId xmlns:a16="http://schemas.microsoft.com/office/drawing/2014/main" val="2985073475"/>
+                  </a:ext>
+                </a:extLst>
+              </a:tr>
+              <a:tr h="510778">
+                <a:tc>
+                  <a:txBody>
+                    <a:bodyPr/>
+                    <a:lstStyle/>
+                    <a:p>
+                      <a:pPr algn="ctr"/>
+                      <a:r>
+                        <a:rPr lang="en-US" altLang="zh-TW" sz="2400" b="1" dirty="0">
+                          <a:latin typeface="Times New Roman" panose="02020603050405020304" pitchFamily="18" charset="0"/>
+                          <a:cs typeface="Times New Roman" panose="02020603050405020304" pitchFamily="18" charset="0"/>
+                        </a:rPr>
+                        <a:t>8</a:t>
+                      </a:r>
+                      <a:endParaRPr lang="zh-TW" altLang="en-US" sz="2400" b="1" dirty="0">
+                        <a:latin typeface="Times New Roman" panose="02020603050405020304" pitchFamily="18" charset="0"/>
+                        <a:cs typeface="Times New Roman" panose="02020603050405020304" pitchFamily="18" charset="0"/>
+                      </a:endParaRPr>
+                    </a:p>
+                  </a:txBody>
+                  <a:tcPr anchor="ctr">
+                    <a:lnL w="19050" cap="flat" cmpd="sng" algn="ctr">
+                      <a:solidFill>
+                        <a:schemeClr val="tx1"/>
+                      </a:solidFill>
+                      <a:prstDash val="solid"/>
+                      <a:round/>
+                      <a:headEnd type="none" w="med" len="med"/>
+                      <a:tailEnd type="none" w="med" len="med"/>
+                    </a:lnL>
+                  </a:tcPr>
+                </a:tc>
+                <a:tc>
+                  <a:txBody>
+                    <a:bodyPr/>
+                    <a:lstStyle/>
+                    <a:p>
+                      <a:pPr algn="ctr"/>
+                      <a:r>
+                        <a:rPr lang="en-US" altLang="zh-TW" sz="2400" b="1" dirty="0">
+                          <a:latin typeface="Times New Roman" panose="02020603050405020304" pitchFamily="18" charset="0"/>
+                          <a:cs typeface="Times New Roman" panose="02020603050405020304" pitchFamily="18" charset="0"/>
+                        </a:rPr>
+                        <a:t>6</a:t>
+                      </a:r>
+                      <a:endParaRPr lang="zh-TW" altLang="en-US" sz="2400" b="1" dirty="0">
+                        <a:latin typeface="Times New Roman" panose="02020603050405020304" pitchFamily="18" charset="0"/>
+                        <a:cs typeface="Times New Roman" panose="02020603050405020304" pitchFamily="18" charset="0"/>
+                      </a:endParaRPr>
+                    </a:p>
+                  </a:txBody>
+                  <a:tcPr anchor="ctr"/>
+                </a:tc>
+                <a:tc>
+                  <a:txBody>
+                    <a:bodyPr/>
+                    <a:lstStyle/>
+                    <a:p>
+                      <a:pPr algn="ctr"/>
+                      <a:r>
+                        <a:rPr lang="en-US" altLang="zh-TW" sz="2400" b="1" dirty="0">
+                          <a:latin typeface="Times New Roman" panose="02020603050405020304" pitchFamily="18" charset="0"/>
+                          <a:cs typeface="Times New Roman" panose="02020603050405020304" pitchFamily="18" charset="0"/>
+                        </a:rPr>
+                        <a:t>7</a:t>
+                      </a:r>
+                      <a:endParaRPr lang="zh-TW" altLang="en-US" sz="2400" b="1" dirty="0">
+                        <a:latin typeface="Times New Roman" panose="02020603050405020304" pitchFamily="18" charset="0"/>
+                        <a:cs typeface="Times New Roman" panose="02020603050405020304" pitchFamily="18" charset="0"/>
+                      </a:endParaRPr>
+                    </a:p>
+                  </a:txBody>
+                  <a:tcPr anchor="ctr"/>
+                </a:tc>
+                <a:tc>
+                  <a:txBody>
+                    <a:bodyPr/>
+                    <a:lstStyle/>
+                    <a:p>
+                      <a:pPr algn="ctr"/>
+                      <a:r>
+                        <a:rPr lang="en-US" altLang="zh-TW" sz="2400" b="1" dirty="0">
+                          <a:latin typeface="Times New Roman" panose="02020603050405020304" pitchFamily="18" charset="0"/>
+                          <a:cs typeface="Times New Roman" panose="02020603050405020304" pitchFamily="18" charset="0"/>
+                        </a:rPr>
+                        <a:t>4</a:t>
+                      </a:r>
+                      <a:endParaRPr lang="zh-TW" altLang="en-US" sz="2400" b="1" dirty="0">
+                        <a:latin typeface="Times New Roman" panose="02020603050405020304" pitchFamily="18" charset="0"/>
+                        <a:cs typeface="Times New Roman" panose="02020603050405020304" pitchFamily="18" charset="0"/>
+                      </a:endParaRPr>
+                    </a:p>
+                  </a:txBody>
+                  <a:tcPr anchor="ctr"/>
+                </a:tc>
+                <a:tc>
+                  <a:txBody>
+                    <a:bodyPr/>
+                    <a:lstStyle/>
+                    <a:p>
+                      <a:pPr algn="ctr"/>
+                      <a:r>
+                        <a:rPr lang="en-US" altLang="zh-TW" sz="2400" b="1" dirty="0">
+                          <a:latin typeface="Times New Roman" panose="02020603050405020304" pitchFamily="18" charset="0"/>
+                          <a:cs typeface="Times New Roman" panose="02020603050405020304" pitchFamily="18" charset="0"/>
+                        </a:rPr>
+                        <a:t>3</a:t>
+                      </a:r>
+                      <a:endParaRPr lang="zh-TW" altLang="en-US" sz="2400" b="1" dirty="0">
+                        <a:latin typeface="Times New Roman" panose="02020603050405020304" pitchFamily="18" charset="0"/>
+                        <a:cs typeface="Times New Roman" panose="02020603050405020304" pitchFamily="18" charset="0"/>
+                      </a:endParaRPr>
+                    </a:p>
+                  </a:txBody>
+                  <a:tcPr anchor="ctr">
+                    <a:lnR w="19050" cap="flat" cmpd="sng" algn="ctr">
+                      <a:solidFill>
+                        <a:schemeClr val="tx1"/>
+                      </a:solidFill>
+                      <a:prstDash val="solid"/>
+                      <a:round/>
+                      <a:headEnd type="none" w="med" len="med"/>
+                      <a:tailEnd type="none" w="med" len="med"/>
+                    </a:lnR>
+                  </a:tcPr>
+                </a:tc>
+                <a:tc>
+                  <a:txBody>
+                    <a:bodyPr/>
+                    <a:lstStyle/>
+                    <a:p>
+                      <a:pPr algn="ctr" fontAlgn="ctr"/>
+                      <a:r>
+                        <a:rPr lang="en-US" altLang="zh-TW" sz="2400" b="1" kern="1200">
+                          <a:solidFill>
+                            <a:schemeClr val="accent6">
+                              <a:lumMod val="50000"/>
+                            </a:schemeClr>
+                          </a:solidFill>
+                          <a:latin typeface="Times New Roman" panose="02020603050405020304" pitchFamily="18" charset="0"/>
+                          <a:ea typeface="+mn-ea"/>
+                          <a:cs typeface="Times New Roman" panose="02020603050405020304" pitchFamily="18" charset="0"/>
+                        </a:rPr>
+                        <a:t>28</a:t>
+                      </a:r>
+                    </a:p>
+                  </a:txBody>
+                  <a:tcPr marL="7620" marR="7620" marT="7620" marB="0" anchor="ctr">
+                    <a:lnL w="19050" cap="flat" cmpd="sng" algn="ctr">
+                      <a:solidFill>
+                        <a:schemeClr val="tx1"/>
+                      </a:solidFill>
+                      <a:prstDash val="solid"/>
+                      <a:round/>
+                      <a:headEnd type="none" w="med" len="med"/>
+                      <a:tailEnd type="none" w="med" len="med"/>
+                    </a:lnL>
+                    <a:solidFill>
+                      <a:schemeClr val="accent6">
+                        <a:lumMod val="40000"/>
+                        <a:lumOff val="60000"/>
+                      </a:schemeClr>
+                    </a:solidFill>
+                  </a:tcPr>
+                </a:tc>
+                <a:tc>
+                  <a:txBody>
+                    <a:bodyPr/>
+                    <a:lstStyle/>
+                    <a:p>
+                      <a:pPr algn="ctr" fontAlgn="ctr"/>
+                      <a:r>
+                        <a:rPr lang="en-US" altLang="zh-TW" sz="2400" b="1" kern="1200" dirty="0">
+                          <a:solidFill>
+                            <a:schemeClr val="accent6">
+                              <a:lumMod val="50000"/>
+                            </a:schemeClr>
+                          </a:solidFill>
+                          <a:latin typeface="Times New Roman" panose="02020603050405020304" pitchFamily="18" charset="0"/>
+                          <a:ea typeface="+mn-ea"/>
+                          <a:cs typeface="Times New Roman" panose="02020603050405020304" pitchFamily="18" charset="0"/>
+                        </a:rPr>
+                        <a:t>3</a:t>
+                      </a:r>
+                    </a:p>
+                  </a:txBody>
+                  <a:tcPr marL="7620" marR="7620" marT="7620" marB="0" anchor="ctr">
+                    <a:solidFill>
+                      <a:schemeClr val="accent6">
+                        <a:lumMod val="40000"/>
+                        <a:lumOff val="60000"/>
+                      </a:schemeClr>
+                    </a:solidFill>
+                  </a:tcPr>
+                </a:tc>
+                <a:tc>
+                  <a:txBody>
+                    <a:bodyPr/>
+                    <a:lstStyle/>
+                    <a:p>
+                      <a:pPr algn="ctr"/>
+                      <a:r>
+                        <a:rPr lang="en-US" altLang="zh-TW" sz="2400" b="1" kern="1200" dirty="0">
+                          <a:solidFill>
+                            <a:schemeClr val="accent6">
+                              <a:lumMod val="50000"/>
+                            </a:schemeClr>
+                          </a:solidFill>
+                          <a:latin typeface="Times New Roman" panose="02020603050405020304" pitchFamily="18" charset="0"/>
+                          <a:ea typeface="+mn-ea"/>
+                          <a:cs typeface="Times New Roman" panose="02020603050405020304" pitchFamily="18" charset="0"/>
+                        </a:rPr>
+                        <a:t>5</a:t>
+                      </a:r>
+                      <a:endParaRPr lang="zh-TW" altLang="en-US" sz="2400" b="1" kern="1200" dirty="0">
+                        <a:solidFill>
+                          <a:schemeClr val="accent6">
+                            <a:lumMod val="50000"/>
+                          </a:schemeClr>
+                        </a:solidFill>
+                        <a:latin typeface="Times New Roman" panose="02020603050405020304" pitchFamily="18" charset="0"/>
+                        <a:ea typeface="+mn-ea"/>
+                        <a:cs typeface="Times New Roman" panose="02020603050405020304" pitchFamily="18" charset="0"/>
+                      </a:endParaRPr>
+                    </a:p>
+                  </a:txBody>
+                  <a:tcPr anchor="ctr">
+                    <a:solidFill>
+                      <a:schemeClr val="accent6">
+                        <a:lumMod val="40000"/>
+                        <a:lumOff val="60000"/>
+                      </a:schemeClr>
+                    </a:solidFill>
+                  </a:tcPr>
+                </a:tc>
+                <a:extLst>
+                  <a:ext uri="{0D108BD9-81ED-4DB2-BD59-A6C34878D82A}">
+                    <a16:rowId xmlns:a16="http://schemas.microsoft.com/office/drawing/2014/main" val="2446609747"/>
+                  </a:ext>
+                </a:extLst>
+              </a:tr>
+              <a:tr h="510778">
+                <a:tc>
+                  <a:txBody>
+                    <a:bodyPr/>
+                    <a:lstStyle/>
+                    <a:p>
+                      <a:pPr algn="ctr"/>
+                      <a:r>
+                        <a:rPr lang="en-US" altLang="zh-TW" sz="2400" b="1" dirty="0">
+                          <a:latin typeface="Times New Roman" panose="02020603050405020304" pitchFamily="18" charset="0"/>
+                          <a:cs typeface="Times New Roman" panose="02020603050405020304" pitchFamily="18" charset="0"/>
+                        </a:rPr>
+                        <a:t>6</a:t>
+                      </a:r>
+                      <a:endParaRPr lang="zh-TW" altLang="en-US" sz="2400" b="1" dirty="0">
+                        <a:latin typeface="Times New Roman" panose="02020603050405020304" pitchFamily="18" charset="0"/>
+                        <a:cs typeface="Times New Roman" panose="02020603050405020304" pitchFamily="18" charset="0"/>
+                      </a:endParaRPr>
+                    </a:p>
+                  </a:txBody>
+                  <a:tcPr anchor="ctr">
+                    <a:lnL w="19050" cap="flat" cmpd="sng" algn="ctr">
+                      <a:solidFill>
+                        <a:schemeClr val="tx1"/>
+                      </a:solidFill>
+                      <a:prstDash val="solid"/>
+                      <a:round/>
+                      <a:headEnd type="none" w="med" len="med"/>
+                      <a:tailEnd type="none" w="med" len="med"/>
+                    </a:lnL>
+                    <a:lnB w="19050" cap="flat" cmpd="sng" algn="ctr">
+                      <a:solidFill>
+                        <a:schemeClr val="tx1"/>
+                      </a:solidFill>
+                      <a:prstDash val="solid"/>
+                      <a:round/>
+                      <a:headEnd type="none" w="med" len="med"/>
+                      <a:tailEnd type="none" w="med" len="med"/>
+                    </a:lnB>
+                  </a:tcPr>
+                </a:tc>
+                <a:tc>
+                  <a:txBody>
+                    <a:bodyPr/>
+                    <a:lstStyle/>
+                    <a:p>
+                      <a:pPr algn="ctr"/>
+                      <a:r>
+                        <a:rPr lang="en-US" altLang="zh-TW" sz="2400" b="1" dirty="0">
+                          <a:latin typeface="Times New Roman" panose="02020603050405020304" pitchFamily="18" charset="0"/>
+                          <a:cs typeface="Times New Roman" panose="02020603050405020304" pitchFamily="18" charset="0"/>
+                        </a:rPr>
+                        <a:t>10</a:t>
+                      </a:r>
+                      <a:endParaRPr lang="zh-TW" altLang="en-US" sz="2400" b="1" dirty="0">
+                        <a:latin typeface="Times New Roman" panose="02020603050405020304" pitchFamily="18" charset="0"/>
+                        <a:cs typeface="Times New Roman" panose="02020603050405020304" pitchFamily="18" charset="0"/>
+                      </a:endParaRPr>
+                    </a:p>
+                  </a:txBody>
+                  <a:tcPr anchor="ctr">
+                    <a:lnB w="19050" cap="flat" cmpd="sng" algn="ctr">
+                      <a:solidFill>
+                        <a:schemeClr val="tx1"/>
+                      </a:solidFill>
+                      <a:prstDash val="solid"/>
+                      <a:round/>
+                      <a:headEnd type="none" w="med" len="med"/>
+                      <a:tailEnd type="none" w="med" len="med"/>
+                    </a:lnB>
+                  </a:tcPr>
+                </a:tc>
+                <a:tc>
+                  <a:txBody>
+                    <a:bodyPr/>
+                    <a:lstStyle/>
+                    <a:p>
+                      <a:pPr algn="ctr"/>
+                      <a:r>
+                        <a:rPr lang="en-US" altLang="zh-TW" sz="2400" b="1" dirty="0">
+                          <a:latin typeface="Times New Roman" panose="02020603050405020304" pitchFamily="18" charset="0"/>
+                          <a:cs typeface="Times New Roman" panose="02020603050405020304" pitchFamily="18" charset="0"/>
+                        </a:rPr>
+                        <a:t>5</a:t>
+                      </a:r>
+                      <a:endParaRPr lang="zh-TW" altLang="en-US" sz="2400" b="1" dirty="0">
+                        <a:latin typeface="Times New Roman" panose="02020603050405020304" pitchFamily="18" charset="0"/>
+                        <a:cs typeface="Times New Roman" panose="02020603050405020304" pitchFamily="18" charset="0"/>
+                      </a:endParaRPr>
+                    </a:p>
+                  </a:txBody>
+                  <a:tcPr anchor="ctr">
+                    <a:lnB w="19050" cap="flat" cmpd="sng" algn="ctr">
+                      <a:solidFill>
+                        <a:schemeClr val="tx1"/>
+                      </a:solidFill>
+                      <a:prstDash val="solid"/>
+                      <a:round/>
+                      <a:headEnd type="none" w="med" len="med"/>
+                      <a:tailEnd type="none" w="med" len="med"/>
+                    </a:lnB>
+                  </a:tcPr>
+                </a:tc>
+                <a:tc>
+                  <a:txBody>
+                    <a:bodyPr/>
+                    <a:lstStyle/>
+                    <a:p>
+                      <a:pPr algn="ctr"/>
+                      <a:r>
+                        <a:rPr lang="en-US" altLang="zh-TW" sz="2400" b="1" dirty="0">
+                          <a:latin typeface="Times New Roman" panose="02020603050405020304" pitchFamily="18" charset="0"/>
+                          <a:cs typeface="Times New Roman" panose="02020603050405020304" pitchFamily="18" charset="0"/>
+                        </a:rPr>
+                        <a:t>9</a:t>
+                      </a:r>
+                      <a:endParaRPr lang="zh-TW" altLang="en-US" sz="2400" b="1" dirty="0">
+                        <a:latin typeface="Times New Roman" panose="02020603050405020304" pitchFamily="18" charset="0"/>
+                        <a:cs typeface="Times New Roman" panose="02020603050405020304" pitchFamily="18" charset="0"/>
+                      </a:endParaRPr>
+                    </a:p>
+                  </a:txBody>
+                  <a:tcPr anchor="ctr">
+                    <a:lnB w="19050" cap="flat" cmpd="sng" algn="ctr">
+                      <a:solidFill>
+                        <a:schemeClr val="tx1"/>
+                      </a:solidFill>
+                      <a:prstDash val="solid"/>
+                      <a:round/>
+                      <a:headEnd type="none" w="med" len="med"/>
+                      <a:tailEnd type="none" w="med" len="med"/>
+                    </a:lnB>
+                  </a:tcPr>
+                </a:tc>
+                <a:tc>
+                  <a:txBody>
+                    <a:bodyPr/>
+                    <a:lstStyle/>
+                    <a:p>
+                      <a:pPr algn="ctr"/>
+                      <a:r>
+                        <a:rPr lang="en-US" altLang="zh-TW" sz="2400" b="1" dirty="0">
+                          <a:latin typeface="Times New Roman" panose="02020603050405020304" pitchFamily="18" charset="0"/>
+                          <a:cs typeface="Times New Roman" panose="02020603050405020304" pitchFamily="18" charset="0"/>
+                        </a:rPr>
+                        <a:t>8</a:t>
+                      </a:r>
+                      <a:endParaRPr lang="zh-TW" altLang="en-US" sz="2400" b="1" dirty="0">
+                        <a:latin typeface="Times New Roman" panose="02020603050405020304" pitchFamily="18" charset="0"/>
+                        <a:cs typeface="Times New Roman" panose="02020603050405020304" pitchFamily="18" charset="0"/>
+                      </a:endParaRPr>
+                    </a:p>
+                  </a:txBody>
+                  <a:tcPr anchor="ctr">
+                    <a:lnR w="19050" cap="flat" cmpd="sng" algn="ctr">
+                      <a:solidFill>
+                        <a:schemeClr val="tx1"/>
+                      </a:solidFill>
+                      <a:prstDash val="solid"/>
+                      <a:round/>
+                      <a:headEnd type="none" w="med" len="med"/>
+                      <a:tailEnd type="none" w="med" len="med"/>
+                    </a:lnR>
+                    <a:lnB w="19050" cap="flat" cmpd="sng" algn="ctr">
+                      <a:solidFill>
+                        <a:schemeClr val="tx1"/>
+                      </a:solidFill>
+                      <a:prstDash val="solid"/>
+                      <a:round/>
+                      <a:headEnd type="none" w="med" len="med"/>
+                      <a:tailEnd type="none" w="med" len="med"/>
+                    </a:lnB>
+                  </a:tcPr>
+                </a:tc>
+                <a:tc>
+                  <a:txBody>
+                    <a:bodyPr/>
+                    <a:lstStyle/>
+                    <a:p>
+                      <a:pPr algn="ctr" fontAlgn="ctr"/>
+                      <a:r>
+                        <a:rPr lang="en-US" altLang="zh-TW" sz="2400" b="1" kern="1200">
+                          <a:solidFill>
+                            <a:schemeClr val="accent6">
+                              <a:lumMod val="50000"/>
+                            </a:schemeClr>
+                          </a:solidFill>
+                          <a:latin typeface="Times New Roman" panose="02020603050405020304" pitchFamily="18" charset="0"/>
+                          <a:ea typeface="+mn-ea"/>
+                          <a:cs typeface="Times New Roman" panose="02020603050405020304" pitchFamily="18" charset="0"/>
+                        </a:rPr>
+                        <a:t>38</a:t>
+                      </a:r>
+                    </a:p>
+                  </a:txBody>
+                  <a:tcPr marL="7620" marR="7620" marT="7620" marB="0" anchor="ctr">
+                    <a:lnL w="19050" cap="flat" cmpd="sng" algn="ctr">
+                      <a:solidFill>
+                        <a:schemeClr val="tx1"/>
+                      </a:solidFill>
+                      <a:prstDash val="solid"/>
+                      <a:round/>
+                      <a:headEnd type="none" w="med" len="med"/>
+                      <a:tailEnd type="none" w="med" len="med"/>
+                    </a:lnL>
+                    <a:solidFill>
+                      <a:schemeClr val="accent6">
+                        <a:lumMod val="40000"/>
+                        <a:lumOff val="60000"/>
+                      </a:schemeClr>
+                    </a:solidFill>
+                  </a:tcPr>
+                </a:tc>
+                <a:tc>
+                  <a:txBody>
+                    <a:bodyPr/>
+                    <a:lstStyle/>
+                    <a:p>
+                      <a:pPr algn="ctr" fontAlgn="ctr"/>
+                      <a:r>
+                        <a:rPr lang="en-US" altLang="zh-TW" sz="2400" b="1" kern="1200" dirty="0">
+                          <a:solidFill>
+                            <a:schemeClr val="accent6">
+                              <a:lumMod val="50000"/>
+                            </a:schemeClr>
+                          </a:solidFill>
+                          <a:latin typeface="Times New Roman" panose="02020603050405020304" pitchFamily="18" charset="0"/>
+                          <a:ea typeface="+mn-ea"/>
+                          <a:cs typeface="Times New Roman" panose="02020603050405020304" pitchFamily="18" charset="0"/>
+                        </a:rPr>
+                        <a:t>5</a:t>
+                      </a:r>
+                    </a:p>
+                  </a:txBody>
+                  <a:tcPr marL="7620" marR="7620" marT="7620" marB="0" anchor="ctr">
+                    <a:solidFill>
+                      <a:schemeClr val="accent6">
+                        <a:lumMod val="40000"/>
+                        <a:lumOff val="60000"/>
+                      </a:schemeClr>
+                    </a:solidFill>
+                  </a:tcPr>
+                </a:tc>
+                <a:tc>
+                  <a:txBody>
+                    <a:bodyPr/>
+                    <a:lstStyle/>
+                    <a:p>
+                      <a:pPr algn="ctr"/>
+                      <a:r>
+                        <a:rPr lang="en-US" altLang="zh-TW" sz="2400" b="1" kern="1200" dirty="0">
+                          <a:solidFill>
+                            <a:schemeClr val="accent6">
+                              <a:lumMod val="50000"/>
+                            </a:schemeClr>
+                          </a:solidFill>
+                          <a:latin typeface="Times New Roman" panose="02020603050405020304" pitchFamily="18" charset="0"/>
+                          <a:ea typeface="+mn-ea"/>
+                          <a:cs typeface="Times New Roman" panose="02020603050405020304" pitchFamily="18" charset="0"/>
+                        </a:rPr>
+                        <a:t>3</a:t>
+                      </a:r>
+                      <a:endParaRPr lang="zh-TW" altLang="en-US" sz="2400" b="1" kern="1200" dirty="0">
+                        <a:solidFill>
+                          <a:schemeClr val="accent6">
+                            <a:lumMod val="50000"/>
+                          </a:schemeClr>
+                        </a:solidFill>
+                        <a:latin typeface="Times New Roman" panose="02020603050405020304" pitchFamily="18" charset="0"/>
+                        <a:ea typeface="+mn-ea"/>
+                        <a:cs typeface="Times New Roman" panose="02020603050405020304" pitchFamily="18" charset="0"/>
+                      </a:endParaRPr>
+                    </a:p>
+                  </a:txBody>
+                  <a:tcPr anchor="ctr">
+                    <a:solidFill>
+                      <a:schemeClr val="accent6">
+                        <a:lumMod val="40000"/>
+                        <a:lumOff val="60000"/>
+                      </a:schemeClr>
+                    </a:solidFill>
+                  </a:tcPr>
+                </a:tc>
+                <a:extLst>
+                  <a:ext uri="{0D108BD9-81ED-4DB2-BD59-A6C34878D82A}">
+                    <a16:rowId xmlns:a16="http://schemas.microsoft.com/office/drawing/2014/main" val="2490268145"/>
+                  </a:ext>
+                </a:extLst>
+              </a:tr>
+              <a:tr h="510778">
+                <a:tc>
+                  <a:txBody>
+                    <a:bodyPr/>
+                    <a:lstStyle/>
+                    <a:p>
+                      <a:pPr algn="ctr" fontAlgn="ctr"/>
+                      <a:r>
+                        <a:rPr lang="en-US" altLang="zh-TW" sz="2400" b="1" kern="1200" dirty="0">
+                          <a:solidFill>
+                            <a:srgbClr val="002060"/>
+                          </a:solidFill>
+                          <a:latin typeface="Times New Roman" panose="02020603050405020304" pitchFamily="18" charset="0"/>
+                          <a:ea typeface="+mn-ea"/>
+                          <a:cs typeface="Times New Roman" panose="02020603050405020304" pitchFamily="18" charset="0"/>
+                        </a:rPr>
+                        <a:t>29</a:t>
+                      </a:r>
+                    </a:p>
+                  </a:txBody>
+                  <a:tcPr marL="7620" marR="7620" marT="7620" marB="0" anchor="ctr">
+                    <a:lnT w="19050" cap="flat" cmpd="sng" algn="ctr">
+                      <a:solidFill>
+                        <a:schemeClr val="tx1"/>
+                      </a:solidFill>
+                      <a:prstDash val="solid"/>
+                      <a:round/>
+                      <a:headEnd type="none" w="med" len="med"/>
+                      <a:tailEnd type="none" w="med" len="med"/>
+                    </a:lnT>
+                    <a:solidFill>
+                      <a:schemeClr val="accent5">
+                        <a:lumMod val="40000"/>
+                        <a:lumOff val="60000"/>
+                      </a:schemeClr>
+                    </a:solidFill>
+                  </a:tcPr>
+                </a:tc>
+                <a:tc>
+                  <a:txBody>
+                    <a:bodyPr/>
+                    <a:lstStyle/>
+                    <a:p>
+                      <a:pPr algn="ctr" fontAlgn="ctr"/>
+                      <a:r>
+                        <a:rPr lang="en-US" altLang="zh-TW" sz="2400" b="1" kern="1200">
+                          <a:solidFill>
+                            <a:srgbClr val="002060"/>
+                          </a:solidFill>
+                          <a:latin typeface="Times New Roman" panose="02020603050405020304" pitchFamily="18" charset="0"/>
+                          <a:ea typeface="+mn-ea"/>
+                          <a:cs typeface="Times New Roman" panose="02020603050405020304" pitchFamily="18" charset="0"/>
+                        </a:rPr>
+                        <a:t>39</a:t>
+                      </a:r>
+                    </a:p>
+                  </a:txBody>
+                  <a:tcPr marL="7620" marR="7620" marT="7620" marB="0" anchor="ctr">
+                    <a:lnT w="19050" cap="flat" cmpd="sng" algn="ctr">
+                      <a:solidFill>
+                        <a:schemeClr val="tx1"/>
+                      </a:solidFill>
+                      <a:prstDash val="solid"/>
+                      <a:round/>
+                      <a:headEnd type="none" w="med" len="med"/>
+                      <a:tailEnd type="none" w="med" len="med"/>
+                    </a:lnT>
+                    <a:solidFill>
+                      <a:schemeClr val="accent5">
+                        <a:lumMod val="40000"/>
+                        <a:lumOff val="60000"/>
+                      </a:schemeClr>
+                    </a:solidFill>
+                  </a:tcPr>
+                </a:tc>
+                <a:tc>
+                  <a:txBody>
+                    <a:bodyPr/>
+                    <a:lstStyle/>
+                    <a:p>
+                      <a:pPr algn="ctr" fontAlgn="ctr"/>
+                      <a:r>
+                        <a:rPr lang="en-US" altLang="zh-TW" sz="2400" b="1" kern="1200">
+                          <a:solidFill>
+                            <a:srgbClr val="002060"/>
+                          </a:solidFill>
+                          <a:latin typeface="Times New Roman" panose="02020603050405020304" pitchFamily="18" charset="0"/>
+                          <a:ea typeface="+mn-ea"/>
+                          <a:cs typeface="Times New Roman" panose="02020603050405020304" pitchFamily="18" charset="0"/>
+                        </a:rPr>
+                        <a:t>28</a:t>
+                      </a:r>
+                    </a:p>
+                  </a:txBody>
+                  <a:tcPr marL="7620" marR="7620" marT="7620" marB="0" anchor="ctr">
+                    <a:lnT w="19050" cap="flat" cmpd="sng" algn="ctr">
+                      <a:solidFill>
+                        <a:schemeClr val="tx1"/>
+                      </a:solidFill>
+                      <a:prstDash val="solid"/>
+                      <a:round/>
+                      <a:headEnd type="none" w="med" len="med"/>
+                      <a:tailEnd type="none" w="med" len="med"/>
+                    </a:lnT>
+                    <a:solidFill>
+                      <a:schemeClr val="accent5">
+                        <a:lumMod val="40000"/>
+                        <a:lumOff val="60000"/>
+                      </a:schemeClr>
+                    </a:solidFill>
+                  </a:tcPr>
+                </a:tc>
+                <a:tc>
+                  <a:txBody>
+                    <a:bodyPr/>
+                    <a:lstStyle/>
+                    <a:p>
+                      <a:pPr algn="ctr" fontAlgn="ctr"/>
+                      <a:r>
+                        <a:rPr lang="en-US" altLang="zh-TW" sz="2400" b="1" kern="1200" dirty="0">
+                          <a:solidFill>
+                            <a:srgbClr val="002060"/>
+                          </a:solidFill>
+                          <a:latin typeface="Times New Roman" panose="02020603050405020304" pitchFamily="18" charset="0"/>
+                          <a:ea typeface="+mn-ea"/>
+                          <a:cs typeface="Times New Roman" panose="02020603050405020304" pitchFamily="18" charset="0"/>
+                        </a:rPr>
+                        <a:t>25</a:t>
+                      </a:r>
+                    </a:p>
+                  </a:txBody>
+                  <a:tcPr marL="7620" marR="7620" marT="7620" marB="0" anchor="ctr">
+                    <a:lnT w="19050" cap="flat" cmpd="sng" algn="ctr">
+                      <a:solidFill>
+                        <a:schemeClr val="tx1"/>
+                      </a:solidFill>
+                      <a:prstDash val="solid"/>
+                      <a:round/>
+                      <a:headEnd type="none" w="med" len="med"/>
+                      <a:tailEnd type="none" w="med" len="med"/>
+                    </a:lnT>
+                    <a:solidFill>
+                      <a:schemeClr val="accent5">
+                        <a:lumMod val="40000"/>
+                        <a:lumOff val="60000"/>
+                      </a:schemeClr>
+                    </a:solidFill>
+                  </a:tcPr>
+                </a:tc>
+                <a:tc>
+                  <a:txBody>
+                    <a:bodyPr/>
+                    <a:lstStyle/>
+                    <a:p>
+                      <a:pPr algn="ctr" fontAlgn="ctr"/>
+                      <a:r>
+                        <a:rPr lang="en-US" altLang="zh-TW" sz="2400" b="1" kern="1200">
+                          <a:solidFill>
+                            <a:srgbClr val="002060"/>
+                          </a:solidFill>
+                          <a:latin typeface="Times New Roman" panose="02020603050405020304" pitchFamily="18" charset="0"/>
+                          <a:ea typeface="+mn-ea"/>
+                          <a:cs typeface="Times New Roman" panose="02020603050405020304" pitchFamily="18" charset="0"/>
+                        </a:rPr>
+                        <a:t>25</a:t>
+                      </a:r>
+                    </a:p>
+                  </a:txBody>
+                  <a:tcPr marL="7620" marR="7620" marT="7620" marB="0" anchor="ctr">
+                    <a:lnT w="19050" cap="flat" cmpd="sng" algn="ctr">
+                      <a:solidFill>
+                        <a:schemeClr val="tx1"/>
+                      </a:solidFill>
+                      <a:prstDash val="solid"/>
+                      <a:round/>
+                      <a:headEnd type="none" w="med" len="med"/>
+                      <a:tailEnd type="none" w="med" len="med"/>
+                    </a:lnT>
+                    <a:solidFill>
+                      <a:schemeClr val="accent5">
+                        <a:lumMod val="40000"/>
+                        <a:lumOff val="60000"/>
+                      </a:schemeClr>
+                    </a:solidFill>
+                  </a:tcPr>
+                </a:tc>
+                <a:tc>
+                  <a:txBody>
+                    <a:bodyPr/>
+                    <a:lstStyle/>
+                    <a:p>
+                      <a:pPr algn="ctr"/>
+                      <a:endParaRPr lang="zh-TW" altLang="en-US" sz="2400" b="1" dirty="0">
+                        <a:latin typeface="Times New Roman" panose="02020603050405020304" pitchFamily="18" charset="0"/>
+                        <a:cs typeface="Times New Roman" panose="02020603050405020304" pitchFamily="18" charset="0"/>
+                      </a:endParaRPr>
+                    </a:p>
+                  </a:txBody>
+                  <a:tcPr anchor="ctr">
+                    <a:solidFill>
+                      <a:schemeClr val="bg1"/>
+                    </a:solidFill>
+                  </a:tcPr>
+                </a:tc>
+                <a:tc>
+                  <a:txBody>
+                    <a:bodyPr/>
+                    <a:lstStyle/>
+                    <a:p>
+                      <a:pPr algn="ctr"/>
+                      <a:endParaRPr lang="zh-TW" altLang="en-US" sz="2400" b="1" dirty="0">
+                        <a:latin typeface="Times New Roman" panose="02020603050405020304" pitchFamily="18" charset="0"/>
+                        <a:cs typeface="Times New Roman" panose="02020603050405020304" pitchFamily="18" charset="0"/>
+                      </a:endParaRPr>
+                    </a:p>
+                  </a:txBody>
+                  <a:tcPr anchor="ctr">
+                    <a:solidFill>
+                      <a:schemeClr val="bg1"/>
+                    </a:solidFill>
+                  </a:tcPr>
+                </a:tc>
+                <a:tc>
+                  <a:txBody>
+                    <a:bodyPr/>
+                    <a:lstStyle/>
+                    <a:p>
+                      <a:pPr algn="ctr"/>
+                      <a:endParaRPr lang="zh-TW" altLang="en-US" sz="2400" b="1" dirty="0">
+                        <a:latin typeface="Times New Roman" panose="02020603050405020304" pitchFamily="18" charset="0"/>
+                        <a:cs typeface="Times New Roman" panose="02020603050405020304" pitchFamily="18" charset="0"/>
+                      </a:endParaRPr>
+                    </a:p>
+                  </a:txBody>
+                  <a:tcPr anchor="ctr">
+                    <a:solidFill>
+                      <a:schemeClr val="bg1"/>
+                    </a:solidFill>
+                  </a:tcPr>
+                </a:tc>
+                <a:extLst>
+                  <a:ext uri="{0D108BD9-81ED-4DB2-BD59-A6C34878D82A}">
+                    <a16:rowId xmlns:a16="http://schemas.microsoft.com/office/drawing/2014/main" val="438085579"/>
+                  </a:ext>
+                </a:extLst>
+              </a:tr>
+              <a:tr h="510778">
+                <a:tc>
+                  <a:txBody>
+                    <a:bodyPr/>
+                    <a:lstStyle/>
+                    <a:p>
+                      <a:pPr algn="ctr" fontAlgn="ctr"/>
+                      <a:r>
+                        <a:rPr lang="en-US" altLang="zh-TW" sz="2400" b="1" kern="1200">
+                          <a:solidFill>
+                            <a:srgbClr val="002060"/>
+                          </a:solidFill>
+                          <a:latin typeface="Times New Roman" panose="02020603050405020304" pitchFamily="18" charset="0"/>
+                          <a:ea typeface="+mn-ea"/>
+                          <a:cs typeface="Times New Roman" panose="02020603050405020304" pitchFamily="18" charset="0"/>
+                        </a:rPr>
+                        <a:t>1</a:t>
+                      </a:r>
+                    </a:p>
+                  </a:txBody>
+                  <a:tcPr marL="7620" marR="7620" marT="7620" marB="0" anchor="ctr">
+                    <a:solidFill>
+                      <a:schemeClr val="accent5">
+                        <a:lumMod val="40000"/>
+                        <a:lumOff val="60000"/>
+                      </a:schemeClr>
+                    </a:solidFill>
+                  </a:tcPr>
+                </a:tc>
+                <a:tc>
+                  <a:txBody>
+                    <a:bodyPr/>
+                    <a:lstStyle/>
+                    <a:p>
+                      <a:pPr algn="ctr" fontAlgn="ctr"/>
+                      <a:r>
+                        <a:rPr lang="en-US" altLang="zh-TW" sz="2400" b="1" kern="1200" dirty="0">
+                          <a:solidFill>
+                            <a:srgbClr val="002060"/>
+                          </a:solidFill>
+                          <a:latin typeface="Times New Roman" panose="02020603050405020304" pitchFamily="18" charset="0"/>
+                          <a:ea typeface="+mn-ea"/>
+                          <a:cs typeface="Times New Roman" panose="02020603050405020304" pitchFamily="18" charset="0"/>
+                        </a:rPr>
+                        <a:t>6</a:t>
+                      </a:r>
+                    </a:p>
+                  </a:txBody>
+                  <a:tcPr marL="7620" marR="7620" marT="7620" marB="0" anchor="ctr">
+                    <a:solidFill>
+                      <a:schemeClr val="accent5">
+                        <a:lumMod val="40000"/>
+                        <a:lumOff val="60000"/>
+                      </a:schemeClr>
+                    </a:solidFill>
+                  </a:tcPr>
+                </a:tc>
+                <a:tc>
+                  <a:txBody>
+                    <a:bodyPr/>
+                    <a:lstStyle/>
+                    <a:p>
+                      <a:pPr algn="ctr" fontAlgn="ctr"/>
+                      <a:r>
+                        <a:rPr lang="en-US" altLang="zh-TW" sz="2400" b="1" kern="1200" dirty="0">
+                          <a:solidFill>
+                            <a:srgbClr val="002060"/>
+                          </a:solidFill>
+                          <a:latin typeface="Times New Roman" panose="02020603050405020304" pitchFamily="18" charset="0"/>
+                          <a:ea typeface="+mn-ea"/>
+                          <a:cs typeface="Times New Roman" panose="02020603050405020304" pitchFamily="18" charset="0"/>
+                        </a:rPr>
+                        <a:t>2</a:t>
+                      </a:r>
+                    </a:p>
+                  </a:txBody>
+                  <a:tcPr marL="7620" marR="7620" marT="7620" marB="0" anchor="ctr">
+                    <a:solidFill>
+                      <a:schemeClr val="accent5">
+                        <a:lumMod val="40000"/>
+                        <a:lumOff val="60000"/>
+                      </a:schemeClr>
+                    </a:solidFill>
+                  </a:tcPr>
+                </a:tc>
+                <a:tc>
+                  <a:txBody>
+                    <a:bodyPr/>
+                    <a:lstStyle/>
+                    <a:p>
+                      <a:pPr algn="ctr" fontAlgn="ctr"/>
+                      <a:r>
+                        <a:rPr lang="en-US" altLang="zh-TW" sz="2400" b="1" kern="1200" dirty="0">
+                          <a:solidFill>
+                            <a:srgbClr val="002060"/>
+                          </a:solidFill>
+                          <a:latin typeface="Times New Roman" panose="02020603050405020304" pitchFamily="18" charset="0"/>
+                          <a:ea typeface="+mn-ea"/>
+                          <a:cs typeface="Times New Roman" panose="02020603050405020304" pitchFamily="18" charset="0"/>
+                        </a:rPr>
+                        <a:t>2</a:t>
+                      </a:r>
+                    </a:p>
+                  </a:txBody>
+                  <a:tcPr marL="7620" marR="7620" marT="7620" marB="0" anchor="ctr">
+                    <a:solidFill>
+                      <a:schemeClr val="accent5">
+                        <a:lumMod val="40000"/>
+                        <a:lumOff val="60000"/>
+                      </a:schemeClr>
+                    </a:solidFill>
+                  </a:tcPr>
+                </a:tc>
+                <a:tc>
+                  <a:txBody>
+                    <a:bodyPr/>
+                    <a:lstStyle/>
+                    <a:p>
+                      <a:pPr algn="ctr" fontAlgn="ctr"/>
+                      <a:r>
+                        <a:rPr lang="en-US" altLang="zh-TW" sz="2400" b="1" kern="1200" dirty="0">
+                          <a:solidFill>
+                            <a:srgbClr val="002060"/>
+                          </a:solidFill>
+                          <a:latin typeface="Times New Roman" panose="02020603050405020304" pitchFamily="18" charset="0"/>
+                          <a:ea typeface="+mn-ea"/>
+                          <a:cs typeface="Times New Roman" panose="02020603050405020304" pitchFamily="18" charset="0"/>
+                        </a:rPr>
+                        <a:t>3</a:t>
+                      </a:r>
+                    </a:p>
+                  </a:txBody>
+                  <a:tcPr marL="7620" marR="7620" marT="7620" marB="0" anchor="ctr">
+                    <a:solidFill>
+                      <a:schemeClr val="accent5">
+                        <a:lumMod val="40000"/>
+                        <a:lumOff val="60000"/>
+                      </a:schemeClr>
+                    </a:solidFill>
+                  </a:tcPr>
+                </a:tc>
+                <a:tc>
+                  <a:txBody>
+                    <a:bodyPr/>
+                    <a:lstStyle/>
+                    <a:p>
+                      <a:pPr algn="ctr"/>
+                      <a:endParaRPr lang="zh-TW" altLang="en-US" sz="2400" b="1" dirty="0">
+                        <a:latin typeface="Times New Roman" panose="02020603050405020304" pitchFamily="18" charset="0"/>
+                        <a:cs typeface="Times New Roman" panose="02020603050405020304" pitchFamily="18" charset="0"/>
+                      </a:endParaRPr>
+                    </a:p>
+                  </a:txBody>
+                  <a:tcPr anchor="ctr">
+                    <a:solidFill>
+                      <a:schemeClr val="bg1"/>
+                    </a:solidFill>
+                  </a:tcPr>
+                </a:tc>
+                <a:tc>
+                  <a:txBody>
+                    <a:bodyPr/>
+                    <a:lstStyle/>
+                    <a:p>
+                      <a:pPr algn="ctr"/>
+                      <a:endParaRPr lang="zh-TW" altLang="en-US" sz="2400" b="1" dirty="0">
+                        <a:latin typeface="Times New Roman" panose="02020603050405020304" pitchFamily="18" charset="0"/>
+                        <a:cs typeface="Times New Roman" panose="02020603050405020304" pitchFamily="18" charset="0"/>
+                      </a:endParaRPr>
+                    </a:p>
+                  </a:txBody>
+                  <a:tcPr anchor="ctr">
+                    <a:solidFill>
+                      <a:schemeClr val="bg1"/>
+                    </a:solidFill>
+                  </a:tcPr>
+                </a:tc>
+                <a:tc>
+                  <a:txBody>
+                    <a:bodyPr/>
+                    <a:lstStyle/>
+                    <a:p>
+                      <a:pPr algn="ctr"/>
+                      <a:endParaRPr lang="zh-TW" altLang="en-US" sz="2400" b="1" dirty="0">
+                        <a:latin typeface="Times New Roman" panose="02020603050405020304" pitchFamily="18" charset="0"/>
+                        <a:cs typeface="Times New Roman" panose="02020603050405020304" pitchFamily="18" charset="0"/>
+                      </a:endParaRPr>
+                    </a:p>
+                  </a:txBody>
+                  <a:tcPr anchor="ctr">
+                    <a:solidFill>
+                      <a:schemeClr val="bg1"/>
+                    </a:solidFill>
+                  </a:tcPr>
+                </a:tc>
+                <a:extLst>
+                  <a:ext uri="{0D108BD9-81ED-4DB2-BD59-A6C34878D82A}">
+                    <a16:rowId xmlns:a16="http://schemas.microsoft.com/office/drawing/2014/main" val="1246294570"/>
+                  </a:ext>
+                </a:extLst>
+              </a:tr>
+              <a:tr h="510778">
+                <a:tc>
+                  <a:txBody>
+                    <a:bodyPr/>
+                    <a:lstStyle/>
+                    <a:p>
+                      <a:pPr algn="ctr"/>
+                      <a:r>
+                        <a:rPr lang="en-US" altLang="zh-TW" sz="2400" b="1" kern="1200" dirty="0">
+                          <a:solidFill>
+                            <a:srgbClr val="002060"/>
+                          </a:solidFill>
+                          <a:latin typeface="Times New Roman" panose="02020603050405020304" pitchFamily="18" charset="0"/>
+                          <a:ea typeface="+mn-ea"/>
+                          <a:cs typeface="Times New Roman" panose="02020603050405020304" pitchFamily="18" charset="0"/>
+                        </a:rPr>
+                        <a:t>2</a:t>
+                      </a:r>
+                      <a:endParaRPr lang="zh-TW" altLang="en-US" sz="2400" b="1" kern="1200" dirty="0">
+                        <a:solidFill>
+                          <a:srgbClr val="002060"/>
+                        </a:solidFill>
+                        <a:latin typeface="Times New Roman" panose="02020603050405020304" pitchFamily="18" charset="0"/>
+                        <a:ea typeface="+mn-ea"/>
+                        <a:cs typeface="Times New Roman" panose="02020603050405020304" pitchFamily="18" charset="0"/>
+                      </a:endParaRPr>
+                    </a:p>
+                  </a:txBody>
+                  <a:tcPr anchor="ctr">
+                    <a:solidFill>
+                      <a:schemeClr val="accent5">
+                        <a:lumMod val="40000"/>
+                        <a:lumOff val="60000"/>
+                      </a:schemeClr>
+                    </a:solidFill>
+                  </a:tcPr>
+                </a:tc>
+                <a:tc>
+                  <a:txBody>
+                    <a:bodyPr/>
+                    <a:lstStyle/>
+                    <a:p>
+                      <a:pPr algn="ctr"/>
+                      <a:r>
+                        <a:rPr lang="en-US" altLang="zh-TW" sz="2400" b="1" kern="1200" dirty="0">
+                          <a:solidFill>
+                            <a:srgbClr val="002060"/>
+                          </a:solidFill>
+                          <a:latin typeface="Times New Roman" panose="02020603050405020304" pitchFamily="18" charset="0"/>
+                          <a:ea typeface="+mn-ea"/>
+                          <a:cs typeface="Times New Roman" panose="02020603050405020304" pitchFamily="18" charset="0"/>
+                        </a:rPr>
+                        <a:t>4</a:t>
+                      </a:r>
+                      <a:endParaRPr lang="zh-TW" altLang="en-US" sz="2400" b="1" kern="1200" dirty="0">
+                        <a:solidFill>
+                          <a:srgbClr val="002060"/>
+                        </a:solidFill>
+                        <a:latin typeface="Times New Roman" panose="02020603050405020304" pitchFamily="18" charset="0"/>
+                        <a:ea typeface="+mn-ea"/>
+                        <a:cs typeface="Times New Roman" panose="02020603050405020304" pitchFamily="18" charset="0"/>
+                      </a:endParaRPr>
+                    </a:p>
+                  </a:txBody>
+                  <a:tcPr anchor="ctr">
+                    <a:solidFill>
+                      <a:schemeClr val="accent5">
+                        <a:lumMod val="40000"/>
+                        <a:lumOff val="60000"/>
+                      </a:schemeClr>
+                    </a:solidFill>
+                  </a:tcPr>
+                </a:tc>
+                <a:tc>
+                  <a:txBody>
+                    <a:bodyPr/>
+                    <a:lstStyle/>
+                    <a:p>
+                      <a:pPr algn="ctr"/>
+                      <a:r>
+                        <a:rPr lang="en-US" altLang="zh-TW" sz="2400" b="1" kern="1200" dirty="0">
+                          <a:solidFill>
+                            <a:srgbClr val="002060"/>
+                          </a:solidFill>
+                          <a:latin typeface="Times New Roman" panose="02020603050405020304" pitchFamily="18" charset="0"/>
+                          <a:ea typeface="+mn-ea"/>
+                          <a:cs typeface="Times New Roman" panose="02020603050405020304" pitchFamily="18" charset="0"/>
+                        </a:rPr>
+                        <a:t>1</a:t>
+                      </a:r>
+                      <a:endParaRPr lang="zh-TW" altLang="en-US" sz="2400" b="1" kern="1200" dirty="0">
+                        <a:solidFill>
+                          <a:srgbClr val="002060"/>
+                        </a:solidFill>
+                        <a:latin typeface="Times New Roman" panose="02020603050405020304" pitchFamily="18" charset="0"/>
+                        <a:ea typeface="+mn-ea"/>
+                        <a:cs typeface="Times New Roman" panose="02020603050405020304" pitchFamily="18" charset="0"/>
+                      </a:endParaRPr>
+                    </a:p>
+                  </a:txBody>
+                  <a:tcPr anchor="ctr">
+                    <a:solidFill>
+                      <a:schemeClr val="accent5">
+                        <a:lumMod val="40000"/>
+                        <a:lumOff val="60000"/>
+                      </a:schemeClr>
+                    </a:solidFill>
+                  </a:tcPr>
+                </a:tc>
+                <a:tc>
+                  <a:txBody>
+                    <a:bodyPr/>
+                    <a:lstStyle/>
+                    <a:p>
+                      <a:pPr algn="ctr"/>
+                      <a:r>
+                        <a:rPr lang="en-US" altLang="zh-TW" sz="2400" b="1" kern="1200" dirty="0">
+                          <a:solidFill>
+                            <a:srgbClr val="002060"/>
+                          </a:solidFill>
+                          <a:latin typeface="Times New Roman" panose="02020603050405020304" pitchFamily="18" charset="0"/>
+                          <a:ea typeface="+mn-ea"/>
+                          <a:cs typeface="Times New Roman" panose="02020603050405020304" pitchFamily="18" charset="0"/>
+                        </a:rPr>
+                        <a:t>3</a:t>
+                      </a:r>
+                      <a:endParaRPr lang="zh-TW" altLang="en-US" sz="2400" b="1" kern="1200" dirty="0">
+                        <a:solidFill>
+                          <a:srgbClr val="002060"/>
+                        </a:solidFill>
+                        <a:latin typeface="Times New Roman" panose="02020603050405020304" pitchFamily="18" charset="0"/>
+                        <a:ea typeface="+mn-ea"/>
+                        <a:cs typeface="Times New Roman" panose="02020603050405020304" pitchFamily="18" charset="0"/>
+                      </a:endParaRPr>
+                    </a:p>
+                  </a:txBody>
+                  <a:tcPr anchor="ctr">
+                    <a:solidFill>
+                      <a:schemeClr val="accent5">
+                        <a:lumMod val="40000"/>
+                        <a:lumOff val="60000"/>
+                      </a:schemeClr>
+                    </a:solidFill>
+                  </a:tcPr>
+                </a:tc>
+                <a:tc>
+                  <a:txBody>
+                    <a:bodyPr/>
+                    <a:lstStyle/>
+                    <a:p>
+                      <a:pPr algn="ctr"/>
+                      <a:r>
+                        <a:rPr lang="en-US" altLang="zh-TW" sz="2400" b="1" kern="1200" dirty="0">
+                          <a:solidFill>
+                            <a:srgbClr val="002060"/>
+                          </a:solidFill>
+                          <a:latin typeface="Times New Roman" panose="02020603050405020304" pitchFamily="18" charset="0"/>
+                          <a:ea typeface="+mn-ea"/>
+                          <a:cs typeface="Times New Roman" panose="02020603050405020304" pitchFamily="18" charset="0"/>
+                        </a:rPr>
+                        <a:t>4</a:t>
+                      </a:r>
+                      <a:endParaRPr lang="zh-TW" altLang="en-US" sz="2400" b="1" kern="1200" dirty="0">
+                        <a:solidFill>
+                          <a:srgbClr val="002060"/>
+                        </a:solidFill>
+                        <a:latin typeface="Times New Roman" panose="02020603050405020304" pitchFamily="18" charset="0"/>
+                        <a:ea typeface="+mn-ea"/>
+                        <a:cs typeface="Times New Roman" panose="02020603050405020304" pitchFamily="18" charset="0"/>
+                      </a:endParaRPr>
+                    </a:p>
+                  </a:txBody>
+                  <a:tcPr anchor="ctr">
+                    <a:solidFill>
+                      <a:schemeClr val="accent5">
+                        <a:lumMod val="40000"/>
+                        <a:lumOff val="60000"/>
+                      </a:schemeClr>
+                    </a:solidFill>
+                  </a:tcPr>
+                </a:tc>
+                <a:tc>
+                  <a:txBody>
+                    <a:bodyPr/>
+                    <a:lstStyle/>
+                    <a:p>
+                      <a:pPr algn="ctr"/>
+                      <a:endParaRPr lang="zh-TW" altLang="en-US" sz="2400" b="1" dirty="0">
+                        <a:latin typeface="Times New Roman" panose="02020603050405020304" pitchFamily="18" charset="0"/>
+                        <a:cs typeface="Times New Roman" panose="02020603050405020304" pitchFamily="18" charset="0"/>
+                      </a:endParaRPr>
+                    </a:p>
+                  </a:txBody>
+                  <a:tcPr anchor="ctr">
+                    <a:solidFill>
+                      <a:schemeClr val="bg1"/>
+                    </a:solidFill>
+                  </a:tcPr>
+                </a:tc>
+                <a:tc>
+                  <a:txBody>
+                    <a:bodyPr/>
+                    <a:lstStyle/>
+                    <a:p>
+                      <a:pPr algn="ctr"/>
+                      <a:endParaRPr lang="zh-TW" altLang="en-US" sz="2400" b="1" dirty="0">
+                        <a:latin typeface="Times New Roman" panose="02020603050405020304" pitchFamily="18" charset="0"/>
+                        <a:cs typeface="Times New Roman" panose="02020603050405020304" pitchFamily="18" charset="0"/>
+                      </a:endParaRPr>
+                    </a:p>
+                  </a:txBody>
+                  <a:tcPr anchor="ctr">
+                    <a:solidFill>
+                      <a:schemeClr val="bg1"/>
+                    </a:solidFill>
+                  </a:tcPr>
+                </a:tc>
+                <a:tc>
+                  <a:txBody>
+                    <a:bodyPr/>
+                    <a:lstStyle/>
+                    <a:p>
+                      <a:pPr algn="ctr"/>
+                      <a:endParaRPr lang="zh-TW" altLang="en-US" sz="2400" b="1" dirty="0">
+                        <a:latin typeface="Times New Roman" panose="02020603050405020304" pitchFamily="18" charset="0"/>
+                        <a:cs typeface="Times New Roman" panose="02020603050405020304" pitchFamily="18" charset="0"/>
+                      </a:endParaRPr>
+                    </a:p>
+                  </a:txBody>
+                  <a:tcPr anchor="ctr">
+                    <a:solidFill>
+                      <a:schemeClr val="bg1"/>
+                    </a:solidFill>
+                  </a:tcPr>
+                </a:tc>
+                <a:extLst>
+                  <a:ext uri="{0D108BD9-81ED-4DB2-BD59-A6C34878D82A}">
+                    <a16:rowId xmlns:a16="http://schemas.microsoft.com/office/drawing/2014/main" val="1453003442"/>
+                  </a:ext>
+                </a:extLst>
+              </a:tr>
+            </a:tbl>
+          </a:graphicData>
+        </a:graphic>
+      </p:graphicFrame>
+      <p:sp>
+        <p:nvSpPr>
+          <p:cNvPr id="5" name="文字方塊 6">
+            <a:extLst>
+              <a:ext uri="{FF2B5EF4-FFF2-40B4-BE49-F238E27FC236}">
+                <a16:creationId xmlns:a16="http://schemas.microsoft.com/office/drawing/2014/main" id="{43A77795-185F-5D9E-2BBA-6323C127E0C8}"/>
+              </a:ext>
+            </a:extLst>
+          </p:cNvPr>
+          <p:cNvSpPr txBox="1"/>
+          <p:nvPr/>
+        </p:nvSpPr>
+        <p:spPr>
+          <a:xfrm>
+            <a:off x="2727477" y="133501"/>
+            <a:ext cx="1485707" cy="369332"/>
+          </a:xfrm>
+          <a:prstGeom prst="rect">
+            <a:avLst/>
+          </a:prstGeom>
+          <a:noFill/>
+        </p:spPr>
+        <p:txBody>
+          <a:bodyPr wrap="square">
+            <a:spAutoFit/>
+          </a:bodyPr>
+          <a:lstStyle/>
+          <a:p>
+            <a:r>
+              <a:rPr lang="zh-TW" altLang="zh-TW" sz="1800" b="1" dirty="0">
+                <a:solidFill>
+                  <a:schemeClr val="accent6">
+                    <a:lumMod val="50000"/>
+                  </a:schemeClr>
+                </a:solidFill>
+                <a:effectLst>
+                  <a:outerShdw blurRad="38100" dist="38100" dir="2700000" algn="tl">
+                    <a:srgbClr val="000000">
+                      <a:alpha val="43137"/>
+                    </a:srgbClr>
+                  </a:outerShdw>
+                </a:effectLst>
+                <a:latin typeface="微軟正黑體" panose="020B0604030504040204" pitchFamily="34" charset="-120"/>
+                <a:ea typeface="微軟正黑體" panose="020B0604030504040204" pitchFamily="34" charset="-120"/>
+                <a:cs typeface="Times New Roman" panose="02020603050405020304" pitchFamily="18" charset="0"/>
+              </a:rPr>
+              <a:t>運算方向</a:t>
+            </a:r>
+            <a:r>
+              <a:rPr lang="zh-TW" altLang="en-US" b="1" dirty="0">
+                <a:solidFill>
+                  <a:schemeClr val="accent6">
+                    <a:lumMod val="50000"/>
+                  </a:schemeClr>
+                </a:solidFill>
+                <a:effectLst>
+                  <a:outerShdw blurRad="38100" dist="38100" dir="2700000" algn="tl">
+                    <a:srgbClr val="000000">
+                      <a:alpha val="43137"/>
+                    </a:srgbClr>
+                  </a:outerShdw>
+                </a:effectLst>
+                <a:latin typeface="微軟正黑體" panose="020B0604030504040204" pitchFamily="34" charset="-120"/>
+                <a:ea typeface="微軟正黑體" panose="020B0604030504040204" pitchFamily="34" charset="-120"/>
+                <a:cs typeface="Times New Roman" panose="02020603050405020304" pitchFamily="18" charset="0"/>
+              </a:rPr>
+              <a:t>：</a:t>
+            </a:r>
+            <a:r>
+              <a:rPr lang="en-US" altLang="zh-TW" b="1" dirty="0">
+                <a:solidFill>
+                  <a:schemeClr val="accent6">
+                    <a:lumMod val="50000"/>
+                  </a:schemeClr>
+                </a:solidFill>
+                <a:effectLst>
+                  <a:outerShdw blurRad="38100" dist="38100" dir="2700000" algn="tl">
+                    <a:srgbClr val="000000">
+                      <a:alpha val="43137"/>
+                    </a:srgbClr>
+                  </a:outerShdw>
+                </a:effectLst>
+                <a:latin typeface="微軟正黑體" panose="020B0604030504040204" pitchFamily="34" charset="-120"/>
+                <a:ea typeface="微軟正黑體" panose="020B0604030504040204" pitchFamily="34" charset="-120"/>
+                <a:cs typeface="Times New Roman" panose="02020603050405020304" pitchFamily="18" charset="0"/>
+              </a:rPr>
+              <a:t>1</a:t>
+            </a:r>
+            <a:endParaRPr lang="en-US" altLang="zh-TW" sz="1800" b="1" dirty="0">
+              <a:solidFill>
+                <a:schemeClr val="accent6">
+                  <a:lumMod val="50000"/>
+                </a:schemeClr>
+              </a:solidFill>
+              <a:effectLst>
+                <a:outerShdw blurRad="38100" dist="38100" dir="2700000" algn="tl">
+                  <a:srgbClr val="000000">
+                    <a:alpha val="43137"/>
+                  </a:srgbClr>
+                </a:outerShdw>
+              </a:effectLst>
+              <a:latin typeface="微軟正黑體" panose="020B0604030504040204" pitchFamily="34" charset="-120"/>
+              <a:ea typeface="微軟正黑體" panose="020B0604030504040204" pitchFamily="34" charset="-120"/>
+              <a:cs typeface="Times New Roman" panose="02020603050405020304" pitchFamily="18" charset="0"/>
+            </a:endParaRPr>
+          </a:p>
+        </p:txBody>
+      </p:sp>
+      <p:cxnSp>
+        <p:nvCxnSpPr>
+          <p:cNvPr id="6" name="直線單箭頭接點 10">
+            <a:extLst>
+              <a:ext uri="{FF2B5EF4-FFF2-40B4-BE49-F238E27FC236}">
+                <a16:creationId xmlns:a16="http://schemas.microsoft.com/office/drawing/2014/main" id="{107ED8D9-DCA1-5D61-B807-44A71B13D32A}"/>
+              </a:ext>
+            </a:extLst>
+          </p:cNvPr>
+          <p:cNvCxnSpPr>
+            <a:cxnSpLocks/>
+          </p:cNvCxnSpPr>
+          <p:nvPr/>
+        </p:nvCxnSpPr>
+        <p:spPr>
+          <a:xfrm>
+            <a:off x="2050289" y="533412"/>
+            <a:ext cx="2869185" cy="0"/>
+          </a:xfrm>
+          <a:prstGeom prst="straightConnector1">
+            <a:avLst/>
+          </a:prstGeom>
+          <a:ln w="38100">
+            <a:solidFill>
+              <a:schemeClr val="accent6">
+                <a:lumMod val="75000"/>
+              </a:schemeClr>
+            </a:solidFill>
+            <a:tailEnd type="triangle"/>
+          </a:ln>
+        </p:spPr>
+        <p:style>
+          <a:lnRef idx="1">
+            <a:schemeClr val="accent1"/>
+          </a:lnRef>
+          <a:fillRef idx="0">
+            <a:schemeClr val="accent1"/>
+          </a:fillRef>
+          <a:effectRef idx="0">
+            <a:schemeClr val="accent1"/>
+          </a:effectRef>
+          <a:fontRef idx="minor">
+            <a:schemeClr val="tx1"/>
+          </a:fontRef>
+        </p:style>
+      </p:cxnSp>
+      <p:cxnSp>
+        <p:nvCxnSpPr>
+          <p:cNvPr id="7" name="直線單箭頭接點 12">
+            <a:extLst>
+              <a:ext uri="{FF2B5EF4-FFF2-40B4-BE49-F238E27FC236}">
+                <a16:creationId xmlns:a16="http://schemas.microsoft.com/office/drawing/2014/main" id="{71072C95-9081-970B-1D3C-B835B7E54C40}"/>
+              </a:ext>
+            </a:extLst>
+          </p:cNvPr>
+          <p:cNvCxnSpPr>
+            <a:cxnSpLocks/>
+          </p:cNvCxnSpPr>
+          <p:nvPr/>
+        </p:nvCxnSpPr>
+        <p:spPr>
+          <a:xfrm>
+            <a:off x="1775460" y="640080"/>
+            <a:ext cx="16764" cy="2657856"/>
+          </a:xfrm>
+          <a:prstGeom prst="straightConnector1">
+            <a:avLst/>
+          </a:prstGeom>
+          <a:ln w="38100">
+            <a:solidFill>
+              <a:srgbClr val="002060"/>
+            </a:solidFill>
+            <a:tailEnd type="triangle"/>
+          </a:ln>
+        </p:spPr>
+        <p:style>
+          <a:lnRef idx="1">
+            <a:schemeClr val="accent1"/>
+          </a:lnRef>
+          <a:fillRef idx="0">
+            <a:schemeClr val="accent1"/>
+          </a:fillRef>
+          <a:effectRef idx="0">
+            <a:schemeClr val="accent1"/>
+          </a:effectRef>
+          <a:fontRef idx="minor">
+            <a:schemeClr val="tx1"/>
+          </a:fontRef>
+        </p:style>
+      </p:cxnSp>
+      <p:sp>
+        <p:nvSpPr>
+          <p:cNvPr id="8" name="文字方塊 17">
+            <a:extLst>
+              <a:ext uri="{FF2B5EF4-FFF2-40B4-BE49-F238E27FC236}">
+                <a16:creationId xmlns:a16="http://schemas.microsoft.com/office/drawing/2014/main" id="{E63FD094-4CE2-0484-974C-F6CD1E75EBE5}"/>
+              </a:ext>
+            </a:extLst>
+          </p:cNvPr>
+          <p:cNvSpPr txBox="1"/>
+          <p:nvPr/>
+        </p:nvSpPr>
+        <p:spPr>
+          <a:xfrm>
+            <a:off x="1312456" y="986941"/>
+            <a:ext cx="399771" cy="1754326"/>
+          </a:xfrm>
+          <a:prstGeom prst="rect">
+            <a:avLst/>
+          </a:prstGeom>
+          <a:noFill/>
+        </p:spPr>
+        <p:txBody>
+          <a:bodyPr wrap="square">
+            <a:spAutoFit/>
+          </a:bodyPr>
+          <a:lstStyle/>
+          <a:p>
+            <a:pPr algn="ctr"/>
+            <a:r>
+              <a:rPr lang="zh-TW" altLang="zh-TW" sz="1800" b="1" dirty="0">
+                <a:solidFill>
+                  <a:srgbClr val="002060"/>
+                </a:solidFill>
+                <a:effectLst>
+                  <a:outerShdw blurRad="38100" dist="38100" dir="2700000" algn="tl">
+                    <a:srgbClr val="000000">
+                      <a:alpha val="43137"/>
+                    </a:srgbClr>
+                  </a:outerShdw>
+                </a:effectLst>
+                <a:latin typeface="微軟正黑體" panose="020B0604030504040204" pitchFamily="34" charset="-120"/>
+                <a:ea typeface="微軟正黑體" panose="020B0604030504040204" pitchFamily="34" charset="-120"/>
+                <a:cs typeface="Times New Roman" panose="02020603050405020304" pitchFamily="18" charset="0"/>
+              </a:rPr>
+              <a:t>運算方向</a:t>
+            </a:r>
+            <a:r>
+              <a:rPr lang="zh-TW" altLang="en-US" b="1" dirty="0">
+                <a:solidFill>
+                  <a:srgbClr val="002060"/>
+                </a:solidFill>
+                <a:effectLst>
+                  <a:outerShdw blurRad="38100" dist="38100" dir="2700000" algn="tl">
+                    <a:srgbClr val="000000">
+                      <a:alpha val="43137"/>
+                    </a:srgbClr>
+                  </a:outerShdw>
+                </a:effectLst>
+                <a:latin typeface="微軟正黑體" panose="020B0604030504040204" pitchFamily="34" charset="-120"/>
+                <a:ea typeface="微軟正黑體" panose="020B0604030504040204" pitchFamily="34" charset="-120"/>
+                <a:cs typeface="Times New Roman" panose="02020603050405020304" pitchFamily="18" charset="0"/>
+              </a:rPr>
+              <a:t>：</a:t>
+            </a:r>
+            <a:r>
+              <a:rPr lang="en-US" altLang="zh-TW" b="1" dirty="0">
+                <a:solidFill>
+                  <a:srgbClr val="002060"/>
+                </a:solidFill>
+                <a:effectLst>
+                  <a:outerShdw blurRad="38100" dist="38100" dir="2700000" algn="tl">
+                    <a:srgbClr val="000000">
+                      <a:alpha val="43137"/>
+                    </a:srgbClr>
+                  </a:outerShdw>
+                </a:effectLst>
+                <a:latin typeface="微軟正黑體" panose="020B0604030504040204" pitchFamily="34" charset="-120"/>
+                <a:ea typeface="微軟正黑體" panose="020B0604030504040204" pitchFamily="34" charset="-120"/>
+                <a:cs typeface="Times New Roman" panose="02020603050405020304" pitchFamily="18" charset="0"/>
+              </a:rPr>
+              <a:t>2</a:t>
+            </a:r>
+            <a:endParaRPr lang="en-US" altLang="zh-TW" sz="1800" b="1" dirty="0">
+              <a:solidFill>
+                <a:srgbClr val="002060"/>
+              </a:solidFill>
+              <a:effectLst>
+                <a:outerShdw blurRad="38100" dist="38100" dir="2700000" algn="tl">
+                  <a:srgbClr val="000000">
+                    <a:alpha val="43137"/>
+                  </a:srgbClr>
+                </a:outerShdw>
+              </a:effectLst>
+              <a:latin typeface="微軟正黑體" panose="020B0604030504040204" pitchFamily="34" charset="-120"/>
+              <a:ea typeface="微軟正黑體" panose="020B0604030504040204" pitchFamily="34" charset="-120"/>
+              <a:cs typeface="Times New Roman" panose="02020603050405020304" pitchFamily="18" charset="0"/>
+            </a:endParaRPr>
+          </a:p>
+        </p:txBody>
+      </p:sp>
+      <p:sp>
+        <p:nvSpPr>
+          <p:cNvPr id="9" name="文字方塊 20">
+            <a:extLst>
+              <a:ext uri="{FF2B5EF4-FFF2-40B4-BE49-F238E27FC236}">
+                <a16:creationId xmlns:a16="http://schemas.microsoft.com/office/drawing/2014/main" id="{8612F0BB-2F63-9D0E-0D74-5BC4893BC89D}"/>
+              </a:ext>
+            </a:extLst>
+          </p:cNvPr>
+          <p:cNvSpPr txBox="1"/>
+          <p:nvPr/>
+        </p:nvSpPr>
+        <p:spPr>
+          <a:xfrm>
+            <a:off x="4904234" y="346774"/>
+            <a:ext cx="658366" cy="338554"/>
+          </a:xfrm>
+          <a:prstGeom prst="rect">
+            <a:avLst/>
+          </a:prstGeom>
+          <a:noFill/>
+        </p:spPr>
+        <p:txBody>
+          <a:bodyPr wrap="square">
+            <a:spAutoFit/>
+          </a:bodyPr>
+          <a:lstStyle/>
+          <a:p>
+            <a:pPr algn="ctr"/>
+            <a:r>
+              <a:rPr lang="zh-TW" altLang="en-US" sz="1600" b="1" dirty="0">
+                <a:solidFill>
+                  <a:schemeClr val="accent6">
+                    <a:lumMod val="50000"/>
+                  </a:schemeClr>
+                </a:solidFill>
+                <a:latin typeface="微軟正黑體" panose="020B0604030504040204" pitchFamily="34" charset="-120"/>
+                <a:ea typeface="微軟正黑體" panose="020B0604030504040204" pitchFamily="34" charset="-120"/>
+                <a:cs typeface="Times New Roman" panose="02020603050405020304" pitchFamily="18" charset="0"/>
+              </a:rPr>
+              <a:t>加總</a:t>
+            </a:r>
+            <a:endParaRPr lang="en-US" altLang="zh-TW" sz="1600" b="1" dirty="0">
+              <a:solidFill>
+                <a:schemeClr val="accent6">
+                  <a:lumMod val="50000"/>
+                </a:schemeClr>
+              </a:solidFill>
+              <a:latin typeface="微軟正黑體" panose="020B0604030504040204" pitchFamily="34" charset="-120"/>
+              <a:ea typeface="微軟正黑體" panose="020B0604030504040204" pitchFamily="34" charset="-120"/>
+              <a:cs typeface="Times New Roman" panose="02020603050405020304" pitchFamily="18" charset="0"/>
+            </a:endParaRPr>
+          </a:p>
+        </p:txBody>
+      </p:sp>
+      <p:sp>
+        <p:nvSpPr>
+          <p:cNvPr id="10" name="文字方塊 22">
+            <a:extLst>
+              <a:ext uri="{FF2B5EF4-FFF2-40B4-BE49-F238E27FC236}">
+                <a16:creationId xmlns:a16="http://schemas.microsoft.com/office/drawing/2014/main" id="{8D0BF93F-7590-BCE1-021C-E2C41098D084}"/>
+              </a:ext>
+            </a:extLst>
+          </p:cNvPr>
+          <p:cNvSpPr txBox="1"/>
+          <p:nvPr/>
+        </p:nvSpPr>
+        <p:spPr>
+          <a:xfrm>
+            <a:off x="5437634" y="346774"/>
+            <a:ext cx="816016" cy="338554"/>
+          </a:xfrm>
+          <a:prstGeom prst="rect">
+            <a:avLst/>
+          </a:prstGeom>
+          <a:noFill/>
+        </p:spPr>
+        <p:txBody>
+          <a:bodyPr wrap="square">
+            <a:spAutoFit/>
+          </a:bodyPr>
+          <a:lstStyle/>
+          <a:p>
+            <a:pPr algn="ctr"/>
+            <a:r>
+              <a:rPr lang="zh-TW" altLang="en-US" sz="1600" b="1" dirty="0">
+                <a:solidFill>
+                  <a:schemeClr val="accent6">
+                    <a:lumMod val="50000"/>
+                  </a:schemeClr>
+                </a:solidFill>
+                <a:latin typeface="微軟正黑體" panose="020B0604030504040204" pitchFamily="34" charset="-120"/>
+                <a:ea typeface="微軟正黑體" panose="020B0604030504040204" pitchFamily="34" charset="-120"/>
+                <a:cs typeface="Times New Roman" panose="02020603050405020304" pitchFamily="18" charset="0"/>
+              </a:rPr>
+              <a:t>最小值</a:t>
+            </a:r>
+            <a:endParaRPr lang="en-US" altLang="zh-TW" sz="1600" b="1" dirty="0">
+              <a:solidFill>
+                <a:schemeClr val="accent6">
+                  <a:lumMod val="50000"/>
+                </a:schemeClr>
+              </a:solidFill>
+              <a:latin typeface="微軟正黑體" panose="020B0604030504040204" pitchFamily="34" charset="-120"/>
+              <a:ea typeface="微軟正黑體" panose="020B0604030504040204" pitchFamily="34" charset="-120"/>
+              <a:cs typeface="Times New Roman" panose="02020603050405020304" pitchFamily="18" charset="0"/>
+            </a:endParaRPr>
+          </a:p>
+        </p:txBody>
+      </p:sp>
+      <p:sp>
+        <p:nvSpPr>
+          <p:cNvPr id="11" name="文字方塊 23">
+            <a:extLst>
+              <a:ext uri="{FF2B5EF4-FFF2-40B4-BE49-F238E27FC236}">
+                <a16:creationId xmlns:a16="http://schemas.microsoft.com/office/drawing/2014/main" id="{D82870E0-E221-6818-CD41-27FDFD866C67}"/>
+              </a:ext>
+            </a:extLst>
+          </p:cNvPr>
+          <p:cNvSpPr txBox="1"/>
+          <p:nvPr/>
+        </p:nvSpPr>
+        <p:spPr>
+          <a:xfrm>
+            <a:off x="6096000" y="96894"/>
+            <a:ext cx="816016" cy="584775"/>
+          </a:xfrm>
+          <a:prstGeom prst="rect">
+            <a:avLst/>
+          </a:prstGeom>
+          <a:noFill/>
+        </p:spPr>
+        <p:txBody>
+          <a:bodyPr wrap="square">
+            <a:spAutoFit/>
+          </a:bodyPr>
+          <a:lstStyle/>
+          <a:p>
+            <a:pPr algn="ctr"/>
+            <a:r>
+              <a:rPr lang="zh-TW" altLang="en-US" sz="1600" b="1" dirty="0">
+                <a:solidFill>
+                  <a:schemeClr val="accent6">
+                    <a:lumMod val="50000"/>
+                  </a:schemeClr>
+                </a:solidFill>
+                <a:latin typeface="微軟正黑體" panose="020B0604030504040204" pitchFamily="34" charset="-120"/>
+                <a:ea typeface="微軟正黑體" panose="020B0604030504040204" pitchFamily="34" charset="-120"/>
+                <a:cs typeface="Times New Roman" panose="02020603050405020304" pitchFamily="18" charset="0"/>
+              </a:rPr>
+              <a:t>最小值</a:t>
+            </a:r>
+            <a:endParaRPr lang="en-US" altLang="zh-TW" sz="1600" b="1" dirty="0">
+              <a:solidFill>
+                <a:schemeClr val="accent6">
+                  <a:lumMod val="50000"/>
+                </a:schemeClr>
+              </a:solidFill>
+              <a:latin typeface="微軟正黑體" panose="020B0604030504040204" pitchFamily="34" charset="-120"/>
+              <a:ea typeface="微軟正黑體" panose="020B0604030504040204" pitchFamily="34" charset="-120"/>
+              <a:cs typeface="Times New Roman" panose="02020603050405020304" pitchFamily="18" charset="0"/>
+            </a:endParaRPr>
+          </a:p>
+          <a:p>
+            <a:pPr algn="ctr"/>
+            <a:r>
+              <a:rPr lang="zh-TW" altLang="en-US" sz="1600" b="1" dirty="0">
+                <a:solidFill>
+                  <a:schemeClr val="accent6">
+                    <a:lumMod val="50000"/>
+                  </a:schemeClr>
+                </a:solidFill>
+                <a:latin typeface="微軟正黑體" panose="020B0604030504040204" pitchFamily="34" charset="-120"/>
+                <a:ea typeface="微軟正黑體" panose="020B0604030504040204" pitchFamily="34" charset="-120"/>
+                <a:cs typeface="Times New Roman" panose="02020603050405020304" pitchFamily="18" charset="0"/>
+              </a:rPr>
+              <a:t>索引</a:t>
+            </a:r>
+            <a:endParaRPr lang="en-US" altLang="zh-TW" sz="1600" b="1" dirty="0">
+              <a:solidFill>
+                <a:schemeClr val="accent6">
+                  <a:lumMod val="50000"/>
+                </a:schemeClr>
+              </a:solidFill>
+              <a:latin typeface="微軟正黑體" panose="020B0604030504040204" pitchFamily="34" charset="-120"/>
+              <a:ea typeface="微軟正黑體" panose="020B0604030504040204" pitchFamily="34" charset="-120"/>
+              <a:cs typeface="Times New Roman" panose="02020603050405020304" pitchFamily="18" charset="0"/>
+            </a:endParaRPr>
+          </a:p>
+        </p:txBody>
+      </p:sp>
+      <p:sp>
+        <p:nvSpPr>
+          <p:cNvPr id="12" name="文字方塊 24">
+            <a:extLst>
+              <a:ext uri="{FF2B5EF4-FFF2-40B4-BE49-F238E27FC236}">
+                <a16:creationId xmlns:a16="http://schemas.microsoft.com/office/drawing/2014/main" id="{C03DD843-5F02-9C43-5C76-02C2C80514BC}"/>
+              </a:ext>
+            </a:extLst>
+          </p:cNvPr>
+          <p:cNvSpPr txBox="1"/>
+          <p:nvPr/>
+        </p:nvSpPr>
+        <p:spPr>
+          <a:xfrm>
+            <a:off x="1375450" y="3332272"/>
+            <a:ext cx="658366" cy="338554"/>
+          </a:xfrm>
+          <a:prstGeom prst="rect">
+            <a:avLst/>
+          </a:prstGeom>
+          <a:noFill/>
+        </p:spPr>
+        <p:txBody>
+          <a:bodyPr wrap="square">
+            <a:spAutoFit/>
+          </a:bodyPr>
+          <a:lstStyle/>
+          <a:p>
+            <a:pPr algn="ctr"/>
+            <a:r>
+              <a:rPr lang="zh-TW" altLang="en-US" sz="1600" b="1" dirty="0">
+                <a:solidFill>
+                  <a:srgbClr val="002060"/>
+                </a:solidFill>
+                <a:latin typeface="微軟正黑體" panose="020B0604030504040204" pitchFamily="34" charset="-120"/>
+                <a:ea typeface="微軟正黑體" panose="020B0604030504040204" pitchFamily="34" charset="-120"/>
+                <a:cs typeface="Times New Roman" panose="02020603050405020304" pitchFamily="18" charset="0"/>
+              </a:rPr>
+              <a:t>加總</a:t>
+            </a:r>
+            <a:endParaRPr lang="en-US" altLang="zh-TW" sz="1600" b="1" dirty="0">
+              <a:solidFill>
+                <a:srgbClr val="002060"/>
+              </a:solidFill>
+              <a:latin typeface="微軟正黑體" panose="020B0604030504040204" pitchFamily="34" charset="-120"/>
+              <a:ea typeface="微軟正黑體" panose="020B0604030504040204" pitchFamily="34" charset="-120"/>
+              <a:cs typeface="Times New Roman" panose="02020603050405020304" pitchFamily="18" charset="0"/>
+            </a:endParaRPr>
+          </a:p>
+        </p:txBody>
+      </p:sp>
+      <p:sp>
+        <p:nvSpPr>
+          <p:cNvPr id="13" name="文字方塊 25">
+            <a:extLst>
+              <a:ext uri="{FF2B5EF4-FFF2-40B4-BE49-F238E27FC236}">
+                <a16:creationId xmlns:a16="http://schemas.microsoft.com/office/drawing/2014/main" id="{BCB79A57-B0AD-440B-9400-3A00A5E05D96}"/>
+              </a:ext>
+            </a:extLst>
+          </p:cNvPr>
+          <p:cNvSpPr txBox="1"/>
+          <p:nvPr/>
+        </p:nvSpPr>
+        <p:spPr>
+          <a:xfrm>
+            <a:off x="1215984" y="3818356"/>
+            <a:ext cx="816016" cy="338554"/>
+          </a:xfrm>
+          <a:prstGeom prst="rect">
+            <a:avLst/>
+          </a:prstGeom>
+          <a:noFill/>
+        </p:spPr>
+        <p:txBody>
+          <a:bodyPr wrap="square">
+            <a:spAutoFit/>
+          </a:bodyPr>
+          <a:lstStyle/>
+          <a:p>
+            <a:pPr algn="ctr"/>
+            <a:r>
+              <a:rPr lang="zh-TW" altLang="en-US" sz="1600" b="1" dirty="0">
+                <a:solidFill>
+                  <a:srgbClr val="002060"/>
+                </a:solidFill>
+                <a:latin typeface="微軟正黑體" panose="020B0604030504040204" pitchFamily="34" charset="-120"/>
+                <a:ea typeface="微軟正黑體" panose="020B0604030504040204" pitchFamily="34" charset="-120"/>
+                <a:cs typeface="Times New Roman" panose="02020603050405020304" pitchFamily="18" charset="0"/>
+              </a:rPr>
+              <a:t>最小值</a:t>
+            </a:r>
+            <a:endParaRPr lang="en-US" altLang="zh-TW" sz="1600" b="1" dirty="0">
+              <a:solidFill>
+                <a:srgbClr val="002060"/>
+              </a:solidFill>
+              <a:latin typeface="微軟正黑體" panose="020B0604030504040204" pitchFamily="34" charset="-120"/>
+              <a:ea typeface="微軟正黑體" panose="020B0604030504040204" pitchFamily="34" charset="-120"/>
+              <a:cs typeface="Times New Roman" panose="02020603050405020304" pitchFamily="18" charset="0"/>
+            </a:endParaRPr>
+          </a:p>
+        </p:txBody>
+      </p:sp>
+      <p:sp>
+        <p:nvSpPr>
+          <p:cNvPr id="14" name="文字方塊 26">
+            <a:extLst>
+              <a:ext uri="{FF2B5EF4-FFF2-40B4-BE49-F238E27FC236}">
+                <a16:creationId xmlns:a16="http://schemas.microsoft.com/office/drawing/2014/main" id="{E31B8DCA-10F1-4131-BF33-5F67E83EF3F7}"/>
+              </a:ext>
+            </a:extLst>
+          </p:cNvPr>
+          <p:cNvSpPr txBox="1"/>
+          <p:nvPr/>
+        </p:nvSpPr>
+        <p:spPr>
+          <a:xfrm>
+            <a:off x="1215984" y="4263626"/>
+            <a:ext cx="816016" cy="584775"/>
+          </a:xfrm>
+          <a:prstGeom prst="rect">
+            <a:avLst/>
+          </a:prstGeom>
+          <a:noFill/>
+        </p:spPr>
+        <p:txBody>
+          <a:bodyPr wrap="square">
+            <a:spAutoFit/>
+          </a:bodyPr>
+          <a:lstStyle/>
+          <a:p>
+            <a:pPr algn="r"/>
+            <a:r>
+              <a:rPr lang="zh-TW" altLang="en-US" sz="1600" b="1" dirty="0">
+                <a:solidFill>
+                  <a:srgbClr val="002060"/>
+                </a:solidFill>
+                <a:latin typeface="微軟正黑體" panose="020B0604030504040204" pitchFamily="34" charset="-120"/>
+                <a:ea typeface="微軟正黑體" panose="020B0604030504040204" pitchFamily="34" charset="-120"/>
+                <a:cs typeface="Times New Roman" panose="02020603050405020304" pitchFamily="18" charset="0"/>
+              </a:rPr>
+              <a:t>最小值</a:t>
+            </a:r>
+            <a:endParaRPr lang="en-US" altLang="zh-TW" sz="1600" b="1" dirty="0">
+              <a:solidFill>
+                <a:srgbClr val="002060"/>
+              </a:solidFill>
+              <a:latin typeface="微軟正黑體" panose="020B0604030504040204" pitchFamily="34" charset="-120"/>
+              <a:ea typeface="微軟正黑體" panose="020B0604030504040204" pitchFamily="34" charset="-120"/>
+              <a:cs typeface="Times New Roman" panose="02020603050405020304" pitchFamily="18" charset="0"/>
+            </a:endParaRPr>
+          </a:p>
+          <a:p>
+            <a:pPr algn="r"/>
+            <a:r>
+              <a:rPr lang="zh-TW" altLang="en-US" sz="1600" b="1" dirty="0">
+                <a:solidFill>
+                  <a:srgbClr val="002060"/>
+                </a:solidFill>
+                <a:latin typeface="微軟正黑體" panose="020B0604030504040204" pitchFamily="34" charset="-120"/>
+                <a:ea typeface="微軟正黑體" panose="020B0604030504040204" pitchFamily="34" charset="-120"/>
+                <a:cs typeface="Times New Roman" panose="02020603050405020304" pitchFamily="18" charset="0"/>
+              </a:rPr>
+              <a:t>索引</a:t>
+            </a:r>
+            <a:endParaRPr lang="en-US" altLang="zh-TW" sz="1600" b="1" dirty="0">
+              <a:solidFill>
+                <a:srgbClr val="002060"/>
+              </a:solidFill>
+              <a:latin typeface="微軟正黑體" panose="020B0604030504040204" pitchFamily="34" charset="-120"/>
+              <a:ea typeface="微軟正黑體" panose="020B0604030504040204" pitchFamily="34" charset="-120"/>
+              <a:cs typeface="Times New Roman" panose="02020603050405020304" pitchFamily="18" charset="0"/>
+            </a:endParaRPr>
+          </a:p>
+        </p:txBody>
+      </p:sp>
+      <p:sp>
+        <p:nvSpPr>
+          <p:cNvPr id="15" name="文字方塊 28">
+            <a:extLst>
+              <a:ext uri="{FF2B5EF4-FFF2-40B4-BE49-F238E27FC236}">
+                <a16:creationId xmlns:a16="http://schemas.microsoft.com/office/drawing/2014/main" id="{CE55C836-2983-3DDE-4F96-97B66D69B74D}"/>
+              </a:ext>
+            </a:extLst>
+          </p:cNvPr>
+          <p:cNvSpPr txBox="1"/>
+          <p:nvPr/>
+        </p:nvSpPr>
+        <p:spPr>
+          <a:xfrm>
+            <a:off x="1747816" y="5041864"/>
+            <a:ext cx="6261865" cy="400110"/>
+          </a:xfrm>
+          <a:prstGeom prst="rect">
+            <a:avLst/>
+          </a:prstGeom>
+          <a:noFill/>
+        </p:spPr>
+        <p:txBody>
+          <a:bodyPr wrap="square">
+            <a:spAutoFit/>
+          </a:bodyPr>
+          <a:lstStyle/>
+          <a:p>
+            <a:pPr indent="266700" latinLnBrk="1">
+              <a:spcBef>
+                <a:spcPts val="600"/>
+              </a:spcBef>
+              <a:spcAft>
+                <a:spcPts val="600"/>
+              </a:spcAft>
+            </a:pPr>
+            <a:r>
+              <a:rPr lang="en-US" altLang="zh-TW" sz="2000" b="1" kern="100" dirty="0">
+                <a:solidFill>
+                  <a:schemeClr val="accent6">
+                    <a:lumMod val="50000"/>
+                  </a:schemeClr>
+                </a:solidFill>
+                <a:effectLst/>
+                <a:latin typeface="Consolas" panose="020B0609020204030204" pitchFamily="49" charset="0"/>
+                <a:ea typeface="標楷體" panose="03000509000000000000" pitchFamily="65" charset="-120"/>
+                <a:cs typeface="Times New Roman" panose="02020603050405020304" pitchFamily="18" charset="0"/>
+              </a:rPr>
+              <a:t>apply(</a:t>
+            </a:r>
+            <a:r>
+              <a:rPr lang="zh-TW" altLang="zh-TW" sz="2000" b="1" kern="100" dirty="0">
+                <a:solidFill>
+                  <a:schemeClr val="accent6">
+                    <a:lumMod val="50000"/>
+                  </a:schemeClr>
+                </a:solidFill>
+                <a:effectLst/>
+                <a:latin typeface="Consolas" panose="020B0609020204030204" pitchFamily="49" charset="0"/>
+                <a:ea typeface="標楷體" panose="03000509000000000000" pitchFamily="65" charset="-120"/>
+                <a:cs typeface="Times New Roman" panose="02020603050405020304" pitchFamily="18" charset="0"/>
+              </a:rPr>
+              <a:t>資料</a:t>
+            </a:r>
+            <a:r>
+              <a:rPr lang="en-US" altLang="zh-TW" sz="2000" b="1" kern="100" dirty="0">
+                <a:solidFill>
+                  <a:schemeClr val="accent6">
+                    <a:lumMod val="50000"/>
+                  </a:schemeClr>
+                </a:solidFill>
+                <a:effectLst/>
+                <a:latin typeface="Consolas" panose="020B0609020204030204" pitchFamily="49" charset="0"/>
+                <a:ea typeface="標楷體" panose="03000509000000000000" pitchFamily="65" charset="-120"/>
+                <a:cs typeface="Times New Roman" panose="02020603050405020304" pitchFamily="18" charset="0"/>
+              </a:rPr>
+              <a:t>, 1, sum) = [31, 21, 28, 28, 38]</a:t>
+            </a:r>
+            <a:endParaRPr lang="zh-TW" altLang="zh-TW" sz="2000" b="1" kern="100" dirty="0">
+              <a:solidFill>
+                <a:schemeClr val="accent6">
+                  <a:lumMod val="50000"/>
+                </a:schemeClr>
+              </a:solidFill>
+              <a:effectLst/>
+              <a:latin typeface="Consolas" panose="020B0609020204030204" pitchFamily="49" charset="0"/>
+              <a:ea typeface="新細明體" panose="02020500000000000000" pitchFamily="18" charset="-120"/>
+              <a:cs typeface="Times New Roman" panose="02020603050405020304" pitchFamily="18" charset="0"/>
+            </a:endParaRPr>
+          </a:p>
+        </p:txBody>
+      </p:sp>
+      <p:sp>
+        <p:nvSpPr>
+          <p:cNvPr id="16" name="文字方塊 29">
+            <a:extLst>
+              <a:ext uri="{FF2B5EF4-FFF2-40B4-BE49-F238E27FC236}">
+                <a16:creationId xmlns:a16="http://schemas.microsoft.com/office/drawing/2014/main" id="{7FED32BB-1FDC-5568-B088-7439F3A467A1}"/>
+              </a:ext>
+            </a:extLst>
+          </p:cNvPr>
+          <p:cNvSpPr txBox="1"/>
+          <p:nvPr/>
+        </p:nvSpPr>
+        <p:spPr>
+          <a:xfrm>
+            <a:off x="1747816" y="5477895"/>
+            <a:ext cx="6261865" cy="400110"/>
+          </a:xfrm>
+          <a:prstGeom prst="rect">
+            <a:avLst/>
+          </a:prstGeom>
+          <a:noFill/>
+        </p:spPr>
+        <p:txBody>
+          <a:bodyPr wrap="square">
+            <a:spAutoFit/>
+          </a:bodyPr>
+          <a:lstStyle/>
+          <a:p>
+            <a:pPr indent="266700" latinLnBrk="1">
+              <a:spcBef>
+                <a:spcPts val="600"/>
+              </a:spcBef>
+              <a:spcAft>
+                <a:spcPts val="600"/>
+              </a:spcAft>
+            </a:pPr>
+            <a:r>
+              <a:rPr lang="en-US" altLang="zh-TW" sz="2000" b="1" kern="100" dirty="0">
+                <a:solidFill>
+                  <a:schemeClr val="accent6">
+                    <a:lumMod val="50000"/>
+                  </a:schemeClr>
+                </a:solidFill>
+                <a:effectLst/>
+                <a:latin typeface="Consolas" panose="020B0609020204030204" pitchFamily="49" charset="0"/>
+                <a:ea typeface="標楷體" panose="03000509000000000000" pitchFamily="65" charset="-120"/>
+                <a:cs typeface="Times New Roman" panose="02020603050405020304" pitchFamily="18" charset="0"/>
+              </a:rPr>
+              <a:t>apply(</a:t>
+            </a:r>
+            <a:r>
+              <a:rPr lang="zh-TW" altLang="zh-TW" sz="2000" b="1" kern="100" dirty="0">
+                <a:solidFill>
+                  <a:schemeClr val="accent6">
+                    <a:lumMod val="50000"/>
+                  </a:schemeClr>
+                </a:solidFill>
+                <a:effectLst/>
+                <a:latin typeface="Consolas" panose="020B0609020204030204" pitchFamily="49" charset="0"/>
+                <a:ea typeface="標楷體" panose="03000509000000000000" pitchFamily="65" charset="-120"/>
+                <a:cs typeface="Times New Roman" panose="02020603050405020304" pitchFamily="18" charset="0"/>
+              </a:rPr>
+              <a:t>資料</a:t>
+            </a:r>
+            <a:r>
+              <a:rPr lang="en-US" altLang="zh-TW" sz="2000" b="1" kern="100" dirty="0">
+                <a:solidFill>
+                  <a:schemeClr val="accent6">
+                    <a:lumMod val="50000"/>
+                  </a:schemeClr>
+                </a:solidFill>
+                <a:effectLst/>
+                <a:latin typeface="Consolas" panose="020B0609020204030204" pitchFamily="49" charset="0"/>
+                <a:ea typeface="標楷體" panose="03000509000000000000" pitchFamily="65" charset="-120"/>
+                <a:cs typeface="Times New Roman" panose="02020603050405020304" pitchFamily="18" charset="0"/>
+              </a:rPr>
+              <a:t>, 1, min) = [2, 1, 2, 3, 5]</a:t>
+            </a:r>
+            <a:endParaRPr lang="zh-TW" altLang="zh-TW" sz="2000" b="1" kern="100" dirty="0">
+              <a:solidFill>
+                <a:schemeClr val="accent6">
+                  <a:lumMod val="50000"/>
+                </a:schemeClr>
+              </a:solidFill>
+              <a:effectLst/>
+              <a:latin typeface="Consolas" panose="020B0609020204030204" pitchFamily="49" charset="0"/>
+              <a:ea typeface="新細明體" panose="02020500000000000000" pitchFamily="18" charset="-120"/>
+              <a:cs typeface="Times New Roman" panose="02020603050405020304" pitchFamily="18" charset="0"/>
+            </a:endParaRPr>
+          </a:p>
+        </p:txBody>
+      </p:sp>
+      <p:sp>
+        <p:nvSpPr>
+          <p:cNvPr id="17" name="文字方塊 32">
+            <a:extLst>
+              <a:ext uri="{FF2B5EF4-FFF2-40B4-BE49-F238E27FC236}">
+                <a16:creationId xmlns:a16="http://schemas.microsoft.com/office/drawing/2014/main" id="{DC763014-05F8-6DC3-2922-010703D1D79F}"/>
+              </a:ext>
+            </a:extLst>
+          </p:cNvPr>
+          <p:cNvSpPr txBox="1"/>
+          <p:nvPr/>
+        </p:nvSpPr>
+        <p:spPr>
+          <a:xfrm>
+            <a:off x="1747816" y="5910544"/>
+            <a:ext cx="6261865" cy="400110"/>
+          </a:xfrm>
+          <a:prstGeom prst="rect">
+            <a:avLst/>
+          </a:prstGeom>
+          <a:noFill/>
+        </p:spPr>
+        <p:txBody>
+          <a:bodyPr wrap="square">
+            <a:spAutoFit/>
+          </a:bodyPr>
+          <a:lstStyle/>
+          <a:p>
+            <a:pPr indent="266700" latinLnBrk="1">
+              <a:spcBef>
+                <a:spcPts val="600"/>
+              </a:spcBef>
+              <a:spcAft>
+                <a:spcPts val="600"/>
+              </a:spcAft>
+            </a:pPr>
+            <a:r>
+              <a:rPr lang="en-US" altLang="zh-TW" sz="2000" b="1" kern="100" dirty="0">
+                <a:solidFill>
+                  <a:srgbClr val="002060"/>
+                </a:solidFill>
+                <a:effectLst/>
+                <a:latin typeface="Consolas" panose="020B0609020204030204" pitchFamily="49" charset="0"/>
+                <a:ea typeface="標楷體" panose="03000509000000000000" pitchFamily="65" charset="-120"/>
+                <a:cs typeface="Times New Roman" panose="02020603050405020304" pitchFamily="18" charset="0"/>
+              </a:rPr>
+              <a:t>apply(</a:t>
+            </a:r>
+            <a:r>
+              <a:rPr lang="zh-TW" altLang="zh-TW" sz="2000" b="1" kern="100" dirty="0">
+                <a:solidFill>
+                  <a:srgbClr val="002060"/>
+                </a:solidFill>
+                <a:effectLst/>
+                <a:latin typeface="Consolas" panose="020B0609020204030204" pitchFamily="49" charset="0"/>
+                <a:ea typeface="標楷體" panose="03000509000000000000" pitchFamily="65" charset="-120"/>
+                <a:cs typeface="Times New Roman" panose="02020603050405020304" pitchFamily="18" charset="0"/>
+              </a:rPr>
+              <a:t>資料</a:t>
+            </a:r>
+            <a:r>
+              <a:rPr lang="en-US" altLang="zh-TW" sz="2000" b="1" kern="100" dirty="0">
+                <a:solidFill>
+                  <a:srgbClr val="002060"/>
+                </a:solidFill>
+                <a:effectLst/>
+                <a:latin typeface="Consolas" panose="020B0609020204030204" pitchFamily="49" charset="0"/>
+                <a:ea typeface="標楷體" panose="03000509000000000000" pitchFamily="65" charset="-120"/>
+                <a:cs typeface="Times New Roman" panose="02020603050405020304" pitchFamily="18" charset="0"/>
+              </a:rPr>
+              <a:t>, 2, min) = [1, 6, 2, 2, 3]</a:t>
+            </a:r>
+            <a:endParaRPr lang="zh-TW" altLang="zh-TW" sz="2000" b="1" kern="100" dirty="0">
+              <a:solidFill>
+                <a:srgbClr val="002060"/>
+              </a:solidFill>
+              <a:effectLst/>
+              <a:latin typeface="Consolas" panose="020B0609020204030204" pitchFamily="49" charset="0"/>
+              <a:ea typeface="新細明體" panose="02020500000000000000" pitchFamily="18" charset="-120"/>
+              <a:cs typeface="Times New Roman" panose="02020603050405020304" pitchFamily="18" charset="0"/>
+            </a:endParaRPr>
+          </a:p>
+        </p:txBody>
+      </p:sp>
+      <p:sp>
+        <p:nvSpPr>
+          <p:cNvPr id="18" name="文字方塊 33">
+            <a:extLst>
+              <a:ext uri="{FF2B5EF4-FFF2-40B4-BE49-F238E27FC236}">
+                <a16:creationId xmlns:a16="http://schemas.microsoft.com/office/drawing/2014/main" id="{1684352A-A986-D143-8A15-D61E5AC0374F}"/>
+              </a:ext>
+            </a:extLst>
+          </p:cNvPr>
+          <p:cNvSpPr txBox="1"/>
+          <p:nvPr/>
+        </p:nvSpPr>
+        <p:spPr>
+          <a:xfrm>
+            <a:off x="1747816" y="6346575"/>
+            <a:ext cx="6435485" cy="400110"/>
+          </a:xfrm>
+          <a:prstGeom prst="rect">
+            <a:avLst/>
+          </a:prstGeom>
+          <a:noFill/>
+        </p:spPr>
+        <p:txBody>
+          <a:bodyPr wrap="square">
+            <a:spAutoFit/>
+          </a:bodyPr>
+          <a:lstStyle/>
+          <a:p>
+            <a:pPr indent="266700" latinLnBrk="1">
+              <a:spcBef>
+                <a:spcPts val="600"/>
+              </a:spcBef>
+              <a:spcAft>
+                <a:spcPts val="600"/>
+              </a:spcAft>
+            </a:pPr>
+            <a:r>
+              <a:rPr lang="en-US" altLang="zh-TW" sz="2000" b="1" kern="100" dirty="0">
+                <a:solidFill>
+                  <a:srgbClr val="002060"/>
+                </a:solidFill>
+                <a:effectLst/>
+                <a:latin typeface="Consolas" panose="020B0609020204030204" pitchFamily="49" charset="0"/>
+                <a:ea typeface="標楷體" panose="03000509000000000000" pitchFamily="65" charset="-120"/>
+                <a:cs typeface="Times New Roman" panose="02020603050405020304" pitchFamily="18" charset="0"/>
+              </a:rPr>
+              <a:t>apply(</a:t>
+            </a:r>
+            <a:r>
+              <a:rPr lang="zh-TW" altLang="zh-TW" sz="2000" b="1" kern="100" dirty="0">
+                <a:solidFill>
+                  <a:srgbClr val="002060"/>
+                </a:solidFill>
+                <a:effectLst/>
+                <a:latin typeface="Consolas" panose="020B0609020204030204" pitchFamily="49" charset="0"/>
+                <a:ea typeface="標楷體" panose="03000509000000000000" pitchFamily="65" charset="-120"/>
+                <a:cs typeface="Times New Roman" panose="02020603050405020304" pitchFamily="18" charset="0"/>
+              </a:rPr>
+              <a:t>資料</a:t>
+            </a:r>
+            <a:r>
+              <a:rPr lang="en-US" altLang="zh-TW" sz="2000" b="1" kern="100" dirty="0">
+                <a:solidFill>
+                  <a:srgbClr val="002060"/>
+                </a:solidFill>
+                <a:effectLst/>
+                <a:latin typeface="Consolas" panose="020B0609020204030204" pitchFamily="49" charset="0"/>
+                <a:ea typeface="標楷體" panose="03000509000000000000" pitchFamily="65" charset="-120"/>
+                <a:cs typeface="Times New Roman" panose="02020603050405020304" pitchFamily="18" charset="0"/>
+              </a:rPr>
+              <a:t>, 2, </a:t>
+            </a:r>
+            <a:r>
+              <a:rPr lang="en-US" altLang="zh-TW" sz="2000" b="1" kern="100" dirty="0" err="1">
+                <a:solidFill>
+                  <a:srgbClr val="002060"/>
+                </a:solidFill>
+                <a:effectLst/>
+                <a:latin typeface="Consolas" panose="020B0609020204030204" pitchFamily="49" charset="0"/>
+                <a:ea typeface="標楷體" panose="03000509000000000000" pitchFamily="65" charset="-120"/>
+                <a:cs typeface="Times New Roman" panose="02020603050405020304" pitchFamily="18" charset="0"/>
+              </a:rPr>
+              <a:t>which.min</a:t>
+            </a:r>
+            <a:r>
+              <a:rPr lang="en-US" altLang="zh-TW" sz="2000" b="1" kern="100" dirty="0">
+                <a:solidFill>
+                  <a:srgbClr val="002060"/>
+                </a:solidFill>
+                <a:effectLst/>
+                <a:latin typeface="Consolas" panose="020B0609020204030204" pitchFamily="49" charset="0"/>
+                <a:ea typeface="標楷體" panose="03000509000000000000" pitchFamily="65" charset="-120"/>
+                <a:cs typeface="Times New Roman" panose="02020603050405020304" pitchFamily="18" charset="0"/>
+              </a:rPr>
+              <a:t>) = [2, 4, 1, 3, 4]</a:t>
+            </a:r>
+            <a:endParaRPr lang="zh-TW" altLang="zh-TW" sz="2000" b="1" kern="100" dirty="0">
+              <a:solidFill>
+                <a:srgbClr val="002060"/>
+              </a:solidFill>
+              <a:effectLst/>
+              <a:latin typeface="Consolas" panose="020B0609020204030204" pitchFamily="49" charset="0"/>
+              <a:ea typeface="新細明體" panose="02020500000000000000" pitchFamily="18" charset="-120"/>
+              <a:cs typeface="Times New Roman" panose="02020603050405020304" pitchFamily="18" charset="0"/>
+            </a:endParaRPr>
+          </a:p>
+        </p:txBody>
+      </p:sp>
+    </p:spTree>
+    <p:extLst>
+      <p:ext uri="{BB962C8B-B14F-4D97-AF65-F5344CB8AC3E}">
+        <p14:creationId xmlns:p14="http://schemas.microsoft.com/office/powerpoint/2010/main" val="785102926"/>
       </p:ext>
     </p:extLst>
   </p:cSld>

--- a/figure/figure.pptx
+++ b/figure/figure.pptx
@@ -9,6 +9,7 @@
     <p:sldId id="257" r:id="rId3"/>
     <p:sldId id="258" r:id="rId4"/>
     <p:sldId id="259" r:id="rId5"/>
+    <p:sldId id="260" r:id="rId6"/>
   </p:sldIdLst>
   <p:sldSz cx="12192000" cy="6858000"/>
   <p:notesSz cx="6858000" cy="9144000"/>
@@ -118,7 +119,7 @@
 <file path=ppt/revisionInfo.xml><?xml version="1.0" encoding="utf-8"?>
 <p1510:revInfo xmlns:a="http://schemas.openxmlformats.org/drawingml/2006/main" xmlns:r="http://schemas.openxmlformats.org/officeDocument/2006/relationships" xmlns:p1510="http://schemas.microsoft.com/office/powerpoint/2015/10/main">
   <p1510:revLst>
-    <p1510:client id="{E564DA1F-E2FD-475F-919F-BD2F09682F78}" v="206" dt="2024-01-21T13:55:25.210"/>
+    <p1510:client id="{E564DA1F-E2FD-475F-919F-BD2F09682F78}" v="208" dt="2024-01-23T13:10:13.721"/>
   </p1510:revLst>
 </p1510:revInfo>
 </file>
@@ -128,7 +129,7 @@
   <pc:docChgLst>
     <pc:chgData name="Chia-jung Yeh" userId="f328d6f4-0757-42dc-943f-c4685e047ee8" providerId="ADAL" clId="{E564DA1F-E2FD-475F-919F-BD2F09682F78}"/>
     <pc:docChg chg="undo redo custSel addSld modSld">
-      <pc:chgData name="Chia-jung Yeh" userId="f328d6f4-0757-42dc-943f-c4685e047ee8" providerId="ADAL" clId="{E564DA1F-E2FD-475F-919F-BD2F09682F78}" dt="2024-01-21T13:55:25.210" v="1360" actId="5736"/>
+      <pc:chgData name="Chia-jung Yeh" userId="f328d6f4-0757-42dc-943f-c4685e047ee8" providerId="ADAL" clId="{E564DA1F-E2FD-475F-919F-BD2F09682F78}" dt="2024-01-23T13:10:28.031" v="1370" actId="1076"/>
       <pc:docMkLst>
         <pc:docMk/>
       </pc:docMkLst>
@@ -1637,6 +1638,397 @@
             <pc:docMk/>
             <pc:sldMk cId="785102926" sldId="259"/>
             <ac:cxnSpMk id="7" creationId="{71072C95-9081-970B-1D3C-B835B7E54C40}"/>
+          </ac:cxnSpMkLst>
+        </pc:cxnChg>
+      </pc:sldChg>
+      <pc:sldChg chg="addSp delSp modSp new mod">
+        <pc:chgData name="Chia-jung Yeh" userId="f328d6f4-0757-42dc-943f-c4685e047ee8" providerId="ADAL" clId="{E564DA1F-E2FD-475F-919F-BD2F09682F78}" dt="2024-01-23T13:10:28.031" v="1370" actId="1076"/>
+        <pc:sldMkLst>
+          <pc:docMk/>
+          <pc:sldMk cId="3018927091" sldId="260"/>
+        </pc:sldMkLst>
+        <pc:spChg chg="del">
+          <ac:chgData name="Chia-jung Yeh" userId="f328d6f4-0757-42dc-943f-c4685e047ee8" providerId="ADAL" clId="{E564DA1F-E2FD-475F-919F-BD2F09682F78}" dt="2024-01-23T13:09:43.507" v="1362" actId="478"/>
+          <ac:spMkLst>
+            <pc:docMk/>
+            <pc:sldMk cId="3018927091" sldId="260"/>
+            <ac:spMk id="2" creationId="{EAD4325E-A6E6-801F-241F-810292D4D3CB}"/>
+          </ac:spMkLst>
+        </pc:spChg>
+        <pc:spChg chg="del">
+          <ac:chgData name="Chia-jung Yeh" userId="f328d6f4-0757-42dc-943f-c4685e047ee8" providerId="ADAL" clId="{E564DA1F-E2FD-475F-919F-BD2F09682F78}" dt="2024-01-23T13:09:43.507" v="1362" actId="478"/>
+          <ac:spMkLst>
+            <pc:docMk/>
+            <pc:sldMk cId="3018927091" sldId="260"/>
+            <ac:spMk id="3" creationId="{3DD018F8-C280-BBF2-DC54-F014B58832CA}"/>
+          </ac:spMkLst>
+        </pc:spChg>
+        <pc:spChg chg="add mod">
+          <ac:chgData name="Chia-jung Yeh" userId="f328d6f4-0757-42dc-943f-c4685e047ee8" providerId="ADAL" clId="{E564DA1F-E2FD-475F-919F-BD2F09682F78}" dt="2024-01-23T13:09:55.918" v="1364" actId="2711"/>
+          <ac:spMkLst>
+            <pc:docMk/>
+            <pc:sldMk cId="3018927091" sldId="260"/>
+            <ac:spMk id="4" creationId="{757B86FA-CB5C-F120-1D54-AEFE100996CD}"/>
+          </ac:spMkLst>
+        </pc:spChg>
+        <pc:spChg chg="add mod">
+          <ac:chgData name="Chia-jung Yeh" userId="f328d6f4-0757-42dc-943f-c4685e047ee8" providerId="ADAL" clId="{E564DA1F-E2FD-475F-919F-BD2F09682F78}" dt="2024-01-23T13:09:55.918" v="1364" actId="2711"/>
+          <ac:spMkLst>
+            <pc:docMk/>
+            <pc:sldMk cId="3018927091" sldId="260"/>
+            <ac:spMk id="5" creationId="{67783CE1-FE03-6286-345D-656C0875150C}"/>
+          </ac:spMkLst>
+        </pc:spChg>
+        <pc:spChg chg="add mod">
+          <ac:chgData name="Chia-jung Yeh" userId="f328d6f4-0757-42dc-943f-c4685e047ee8" providerId="ADAL" clId="{E564DA1F-E2FD-475F-919F-BD2F09682F78}" dt="2024-01-23T13:09:55.918" v="1364" actId="2711"/>
+          <ac:spMkLst>
+            <pc:docMk/>
+            <pc:sldMk cId="3018927091" sldId="260"/>
+            <ac:spMk id="6" creationId="{73C55D7F-3110-51C4-F9D5-ECB30B61AFC7}"/>
+          </ac:spMkLst>
+        </pc:spChg>
+        <pc:spChg chg="add mod">
+          <ac:chgData name="Chia-jung Yeh" userId="f328d6f4-0757-42dc-943f-c4685e047ee8" providerId="ADAL" clId="{E564DA1F-E2FD-475F-919F-BD2F09682F78}" dt="2024-01-23T13:09:55.918" v="1364" actId="2711"/>
+          <ac:spMkLst>
+            <pc:docMk/>
+            <pc:sldMk cId="3018927091" sldId="260"/>
+            <ac:spMk id="7" creationId="{7B26B4CD-0F00-CDC8-8EEF-375A5077D2FE}"/>
+          </ac:spMkLst>
+        </pc:spChg>
+        <pc:spChg chg="add mod">
+          <ac:chgData name="Chia-jung Yeh" userId="f328d6f4-0757-42dc-943f-c4685e047ee8" providerId="ADAL" clId="{E564DA1F-E2FD-475F-919F-BD2F09682F78}" dt="2024-01-23T13:09:55.918" v="1364" actId="2711"/>
+          <ac:spMkLst>
+            <pc:docMk/>
+            <pc:sldMk cId="3018927091" sldId="260"/>
+            <ac:spMk id="8" creationId="{04041186-2817-2599-83DE-1D34511F2B63}"/>
+          </ac:spMkLst>
+        </pc:spChg>
+        <pc:spChg chg="add mod">
+          <ac:chgData name="Chia-jung Yeh" userId="f328d6f4-0757-42dc-943f-c4685e047ee8" providerId="ADAL" clId="{E564DA1F-E2FD-475F-919F-BD2F09682F78}" dt="2024-01-23T13:09:55.918" v="1364" actId="2711"/>
+          <ac:spMkLst>
+            <pc:docMk/>
+            <pc:sldMk cId="3018927091" sldId="260"/>
+            <ac:spMk id="9" creationId="{A4B08341-DD4C-C44C-E15A-50C317BF60A2}"/>
+          </ac:spMkLst>
+        </pc:spChg>
+        <pc:spChg chg="add mod">
+          <ac:chgData name="Chia-jung Yeh" userId="f328d6f4-0757-42dc-943f-c4685e047ee8" providerId="ADAL" clId="{E564DA1F-E2FD-475F-919F-BD2F09682F78}" dt="2024-01-23T13:09:55.918" v="1364" actId="2711"/>
+          <ac:spMkLst>
+            <pc:docMk/>
+            <pc:sldMk cId="3018927091" sldId="260"/>
+            <ac:spMk id="10" creationId="{48C68045-ED2B-1FE9-2BEC-E62BDA9A29F8}"/>
+          </ac:spMkLst>
+        </pc:spChg>
+        <pc:spChg chg="add mod">
+          <ac:chgData name="Chia-jung Yeh" userId="f328d6f4-0757-42dc-943f-c4685e047ee8" providerId="ADAL" clId="{E564DA1F-E2FD-475F-919F-BD2F09682F78}" dt="2024-01-23T13:09:55.918" v="1364" actId="2711"/>
+          <ac:spMkLst>
+            <pc:docMk/>
+            <pc:sldMk cId="3018927091" sldId="260"/>
+            <ac:spMk id="11" creationId="{7F4567F0-5AB4-6E88-B088-FBCC08EE6D14}"/>
+          </ac:spMkLst>
+        </pc:spChg>
+        <pc:spChg chg="add mod">
+          <ac:chgData name="Chia-jung Yeh" userId="f328d6f4-0757-42dc-943f-c4685e047ee8" providerId="ADAL" clId="{E564DA1F-E2FD-475F-919F-BD2F09682F78}" dt="2024-01-23T13:09:55.918" v="1364" actId="2711"/>
+          <ac:spMkLst>
+            <pc:docMk/>
+            <pc:sldMk cId="3018927091" sldId="260"/>
+            <ac:spMk id="12" creationId="{A2D251E5-65C5-4198-6966-46205EFB27A4}"/>
+          </ac:spMkLst>
+        </pc:spChg>
+        <pc:spChg chg="add mod">
+          <ac:chgData name="Chia-jung Yeh" userId="f328d6f4-0757-42dc-943f-c4685e047ee8" providerId="ADAL" clId="{E564DA1F-E2FD-475F-919F-BD2F09682F78}" dt="2024-01-23T13:09:55.918" v="1364" actId="2711"/>
+          <ac:spMkLst>
+            <pc:docMk/>
+            <pc:sldMk cId="3018927091" sldId="260"/>
+            <ac:spMk id="13" creationId="{2E41B308-A8B6-0A29-A1F4-95136DDDBE39}"/>
+          </ac:spMkLst>
+        </pc:spChg>
+        <pc:spChg chg="add mod">
+          <ac:chgData name="Chia-jung Yeh" userId="f328d6f4-0757-42dc-943f-c4685e047ee8" providerId="ADAL" clId="{E564DA1F-E2FD-475F-919F-BD2F09682F78}" dt="2024-01-23T13:09:55.918" v="1364" actId="2711"/>
+          <ac:spMkLst>
+            <pc:docMk/>
+            <pc:sldMk cId="3018927091" sldId="260"/>
+            <ac:spMk id="14" creationId="{EB865D52-F255-01B6-8183-A2C7715CA419}"/>
+          </ac:spMkLst>
+        </pc:spChg>
+        <pc:spChg chg="add mod">
+          <ac:chgData name="Chia-jung Yeh" userId="f328d6f4-0757-42dc-943f-c4685e047ee8" providerId="ADAL" clId="{E564DA1F-E2FD-475F-919F-BD2F09682F78}" dt="2024-01-23T13:09:55.918" v="1364" actId="2711"/>
+          <ac:spMkLst>
+            <pc:docMk/>
+            <pc:sldMk cId="3018927091" sldId="260"/>
+            <ac:spMk id="15" creationId="{BFED1BA9-A50F-D721-5125-976999A36DB7}"/>
+          </ac:spMkLst>
+        </pc:spChg>
+        <pc:spChg chg="add mod">
+          <ac:chgData name="Chia-jung Yeh" userId="f328d6f4-0757-42dc-943f-c4685e047ee8" providerId="ADAL" clId="{E564DA1F-E2FD-475F-919F-BD2F09682F78}" dt="2024-01-23T13:09:55.918" v="1364" actId="2711"/>
+          <ac:spMkLst>
+            <pc:docMk/>
+            <pc:sldMk cId="3018927091" sldId="260"/>
+            <ac:spMk id="16" creationId="{651BA589-B719-6DEA-DB29-DCFBA56DD3E0}"/>
+          </ac:spMkLst>
+        </pc:spChg>
+        <pc:spChg chg="add mod">
+          <ac:chgData name="Chia-jung Yeh" userId="f328d6f4-0757-42dc-943f-c4685e047ee8" providerId="ADAL" clId="{E564DA1F-E2FD-475F-919F-BD2F09682F78}" dt="2024-01-23T13:09:55.918" v="1364" actId="2711"/>
+          <ac:spMkLst>
+            <pc:docMk/>
+            <pc:sldMk cId="3018927091" sldId="260"/>
+            <ac:spMk id="17" creationId="{5CBE4FC4-CAB1-AB81-9990-CA5AA777BE4C}"/>
+          </ac:spMkLst>
+        </pc:spChg>
+        <pc:spChg chg="add mod">
+          <ac:chgData name="Chia-jung Yeh" userId="f328d6f4-0757-42dc-943f-c4685e047ee8" providerId="ADAL" clId="{E564DA1F-E2FD-475F-919F-BD2F09682F78}" dt="2024-01-23T13:09:55.918" v="1364" actId="2711"/>
+          <ac:spMkLst>
+            <pc:docMk/>
+            <pc:sldMk cId="3018927091" sldId="260"/>
+            <ac:spMk id="18" creationId="{A936233C-4F64-EC64-88C1-82DAA3F2A0AC}"/>
+          </ac:spMkLst>
+        </pc:spChg>
+        <pc:spChg chg="add mod">
+          <ac:chgData name="Chia-jung Yeh" userId="f328d6f4-0757-42dc-943f-c4685e047ee8" providerId="ADAL" clId="{E564DA1F-E2FD-475F-919F-BD2F09682F78}" dt="2024-01-23T13:09:55.918" v="1364" actId="2711"/>
+          <ac:spMkLst>
+            <pc:docMk/>
+            <pc:sldMk cId="3018927091" sldId="260"/>
+            <ac:spMk id="19" creationId="{A0A41AAD-0251-17CE-2644-FC15B75BC2EC}"/>
+          </ac:spMkLst>
+        </pc:spChg>
+        <pc:spChg chg="add mod">
+          <ac:chgData name="Chia-jung Yeh" userId="f328d6f4-0757-42dc-943f-c4685e047ee8" providerId="ADAL" clId="{E564DA1F-E2FD-475F-919F-BD2F09682F78}" dt="2024-01-23T13:09:55.918" v="1364" actId="2711"/>
+          <ac:spMkLst>
+            <pc:docMk/>
+            <pc:sldMk cId="3018927091" sldId="260"/>
+            <ac:spMk id="20" creationId="{56486791-0A2D-4602-BB81-8D3BA55B936B}"/>
+          </ac:spMkLst>
+        </pc:spChg>
+        <pc:spChg chg="add mod">
+          <ac:chgData name="Chia-jung Yeh" userId="f328d6f4-0757-42dc-943f-c4685e047ee8" providerId="ADAL" clId="{E564DA1F-E2FD-475F-919F-BD2F09682F78}" dt="2024-01-23T13:09:55.918" v="1364" actId="2711"/>
+          <ac:spMkLst>
+            <pc:docMk/>
+            <pc:sldMk cId="3018927091" sldId="260"/>
+            <ac:spMk id="21" creationId="{6FF14040-AA58-7D5C-AFF8-27C5B621EB52}"/>
+          </ac:spMkLst>
+        </pc:spChg>
+        <pc:spChg chg="add mod">
+          <ac:chgData name="Chia-jung Yeh" userId="f328d6f4-0757-42dc-943f-c4685e047ee8" providerId="ADAL" clId="{E564DA1F-E2FD-475F-919F-BD2F09682F78}" dt="2024-01-23T13:09:55.918" v="1364" actId="2711"/>
+          <ac:spMkLst>
+            <pc:docMk/>
+            <pc:sldMk cId="3018927091" sldId="260"/>
+            <ac:spMk id="30" creationId="{3FB4576E-82A2-D23A-9EB3-07A5830C2871}"/>
+          </ac:spMkLst>
+        </pc:spChg>
+        <pc:spChg chg="add mod">
+          <ac:chgData name="Chia-jung Yeh" userId="f328d6f4-0757-42dc-943f-c4685e047ee8" providerId="ADAL" clId="{E564DA1F-E2FD-475F-919F-BD2F09682F78}" dt="2024-01-23T13:09:55.918" v="1364" actId="2711"/>
+          <ac:spMkLst>
+            <pc:docMk/>
+            <pc:sldMk cId="3018927091" sldId="260"/>
+            <ac:spMk id="31" creationId="{A30AE513-F218-76B9-153E-D2D1387E9028}"/>
+          </ac:spMkLst>
+        </pc:spChg>
+        <pc:spChg chg="add mod">
+          <ac:chgData name="Chia-jung Yeh" userId="f328d6f4-0757-42dc-943f-c4685e047ee8" providerId="ADAL" clId="{E564DA1F-E2FD-475F-919F-BD2F09682F78}" dt="2024-01-23T13:09:55.918" v="1364" actId="2711"/>
+          <ac:spMkLst>
+            <pc:docMk/>
+            <pc:sldMk cId="3018927091" sldId="260"/>
+            <ac:spMk id="32" creationId="{A8E45D74-E628-EAB1-718F-7A35F350C7C1}"/>
+          </ac:spMkLst>
+        </pc:spChg>
+        <pc:spChg chg="add mod">
+          <ac:chgData name="Chia-jung Yeh" userId="f328d6f4-0757-42dc-943f-c4685e047ee8" providerId="ADAL" clId="{E564DA1F-E2FD-475F-919F-BD2F09682F78}" dt="2024-01-23T13:09:55.918" v="1364" actId="2711"/>
+          <ac:spMkLst>
+            <pc:docMk/>
+            <pc:sldMk cId="3018927091" sldId="260"/>
+            <ac:spMk id="33" creationId="{C77E855E-546F-0344-ED0A-11356F8D21D2}"/>
+          </ac:spMkLst>
+        </pc:spChg>
+        <pc:spChg chg="add mod">
+          <ac:chgData name="Chia-jung Yeh" userId="f328d6f4-0757-42dc-943f-c4685e047ee8" providerId="ADAL" clId="{E564DA1F-E2FD-475F-919F-BD2F09682F78}" dt="2024-01-23T13:09:55.918" v="1364" actId="2711"/>
+          <ac:spMkLst>
+            <pc:docMk/>
+            <pc:sldMk cId="3018927091" sldId="260"/>
+            <ac:spMk id="34" creationId="{17759377-8B9E-ACBD-8E6F-70946DA02F03}"/>
+          </ac:spMkLst>
+        </pc:spChg>
+        <pc:spChg chg="add mod">
+          <ac:chgData name="Chia-jung Yeh" userId="f328d6f4-0757-42dc-943f-c4685e047ee8" providerId="ADAL" clId="{E564DA1F-E2FD-475F-919F-BD2F09682F78}" dt="2024-01-23T13:09:55.918" v="1364" actId="2711"/>
+          <ac:spMkLst>
+            <pc:docMk/>
+            <pc:sldMk cId="3018927091" sldId="260"/>
+            <ac:spMk id="35" creationId="{FDB5445B-AE90-DA88-EEEB-26B19D00711A}"/>
+          </ac:spMkLst>
+        </pc:spChg>
+        <pc:spChg chg="add mod">
+          <ac:chgData name="Chia-jung Yeh" userId="f328d6f4-0757-42dc-943f-c4685e047ee8" providerId="ADAL" clId="{E564DA1F-E2FD-475F-919F-BD2F09682F78}" dt="2024-01-23T13:09:55.918" v="1364" actId="2711"/>
+          <ac:spMkLst>
+            <pc:docMk/>
+            <pc:sldMk cId="3018927091" sldId="260"/>
+            <ac:spMk id="36" creationId="{67B4526C-C676-5F4D-C9A4-34F68EF7A980}"/>
+          </ac:spMkLst>
+        </pc:spChg>
+        <pc:spChg chg="add mod">
+          <ac:chgData name="Chia-jung Yeh" userId="f328d6f4-0757-42dc-943f-c4685e047ee8" providerId="ADAL" clId="{E564DA1F-E2FD-475F-919F-BD2F09682F78}" dt="2024-01-23T13:09:55.918" v="1364" actId="2711"/>
+          <ac:spMkLst>
+            <pc:docMk/>
+            <pc:sldMk cId="3018927091" sldId="260"/>
+            <ac:spMk id="43" creationId="{0387FB50-17CC-69FD-98B5-236045D5B61D}"/>
+          </ac:spMkLst>
+        </pc:spChg>
+        <pc:spChg chg="add mod">
+          <ac:chgData name="Chia-jung Yeh" userId="f328d6f4-0757-42dc-943f-c4685e047ee8" providerId="ADAL" clId="{E564DA1F-E2FD-475F-919F-BD2F09682F78}" dt="2024-01-23T13:10:28.031" v="1370" actId="1076"/>
+          <ac:spMkLst>
+            <pc:docMk/>
+            <pc:sldMk cId="3018927091" sldId="260"/>
+            <ac:spMk id="44" creationId="{3764CF4F-A595-5118-C971-B4BC5B560BB2}"/>
+          </ac:spMkLst>
+        </pc:spChg>
+        <pc:spChg chg="add mod">
+          <ac:chgData name="Chia-jung Yeh" userId="f328d6f4-0757-42dc-943f-c4685e047ee8" providerId="ADAL" clId="{E564DA1F-E2FD-475F-919F-BD2F09682F78}" dt="2024-01-23T13:09:55.918" v="1364" actId="2711"/>
+          <ac:spMkLst>
+            <pc:docMk/>
+            <pc:sldMk cId="3018927091" sldId="260"/>
+            <ac:spMk id="45" creationId="{846ED376-CDFA-F388-7739-7D3C03A92917}"/>
+          </ac:spMkLst>
+        </pc:spChg>
+        <pc:spChg chg="add mod">
+          <ac:chgData name="Chia-jung Yeh" userId="f328d6f4-0757-42dc-943f-c4685e047ee8" providerId="ADAL" clId="{E564DA1F-E2FD-475F-919F-BD2F09682F78}" dt="2024-01-23T13:09:55.918" v="1364" actId="2711"/>
+          <ac:spMkLst>
+            <pc:docMk/>
+            <pc:sldMk cId="3018927091" sldId="260"/>
+            <ac:spMk id="46" creationId="{ED229977-340D-B0B6-8AB1-5961C6F6ADD0}"/>
+          </ac:spMkLst>
+        </pc:spChg>
+        <pc:spChg chg="add mod">
+          <ac:chgData name="Chia-jung Yeh" userId="f328d6f4-0757-42dc-943f-c4685e047ee8" providerId="ADAL" clId="{E564DA1F-E2FD-475F-919F-BD2F09682F78}" dt="2024-01-23T13:09:46.219" v="1363"/>
+          <ac:spMkLst>
+            <pc:docMk/>
+            <pc:sldMk cId="3018927091" sldId="260"/>
+            <ac:spMk id="47" creationId="{CBDA6ED4-FF9C-B4D3-B9E8-48191E3BBF33}"/>
+          </ac:spMkLst>
+        </pc:spChg>
+        <pc:spChg chg="add mod">
+          <ac:chgData name="Chia-jung Yeh" userId="f328d6f4-0757-42dc-943f-c4685e047ee8" providerId="ADAL" clId="{E564DA1F-E2FD-475F-919F-BD2F09682F78}" dt="2024-01-23T13:09:46.219" v="1363"/>
+          <ac:spMkLst>
+            <pc:docMk/>
+            <pc:sldMk cId="3018927091" sldId="260"/>
+            <ac:spMk id="48" creationId="{7A55A224-38FD-ACD9-53D0-C2B80DFBBAFA}"/>
+          </ac:spMkLst>
+        </pc:spChg>
+        <pc:spChg chg="add mod ord">
+          <ac:chgData name="Chia-jung Yeh" userId="f328d6f4-0757-42dc-943f-c4685e047ee8" providerId="ADAL" clId="{E564DA1F-E2FD-475F-919F-BD2F09682F78}" dt="2024-01-23T13:10:20.800" v="1368" actId="167"/>
+          <ac:spMkLst>
+            <pc:docMk/>
+            <pc:sldMk cId="3018927091" sldId="260"/>
+            <ac:spMk id="49" creationId="{37A06576-B51E-C770-ED4C-08254A1D4BED}"/>
+          </ac:spMkLst>
+        </pc:spChg>
+        <pc:cxnChg chg="add mod">
+          <ac:chgData name="Chia-jung Yeh" userId="f328d6f4-0757-42dc-943f-c4685e047ee8" providerId="ADAL" clId="{E564DA1F-E2FD-475F-919F-BD2F09682F78}" dt="2024-01-23T13:09:55.918" v="1364" actId="2711"/>
+          <ac:cxnSpMkLst>
+            <pc:docMk/>
+            <pc:sldMk cId="3018927091" sldId="260"/>
+            <ac:cxnSpMk id="22" creationId="{657BB868-070E-E6FE-46AA-0966F4A25B40}"/>
+          </ac:cxnSpMkLst>
+        </pc:cxnChg>
+        <pc:cxnChg chg="add mod">
+          <ac:chgData name="Chia-jung Yeh" userId="f328d6f4-0757-42dc-943f-c4685e047ee8" providerId="ADAL" clId="{E564DA1F-E2FD-475F-919F-BD2F09682F78}" dt="2024-01-23T13:09:55.918" v="1364" actId="2711"/>
+          <ac:cxnSpMkLst>
+            <pc:docMk/>
+            <pc:sldMk cId="3018927091" sldId="260"/>
+            <ac:cxnSpMk id="23" creationId="{987558F2-B1E8-28CD-CE9F-A31450F2B835}"/>
+          </ac:cxnSpMkLst>
+        </pc:cxnChg>
+        <pc:cxnChg chg="add mod">
+          <ac:chgData name="Chia-jung Yeh" userId="f328d6f4-0757-42dc-943f-c4685e047ee8" providerId="ADAL" clId="{E564DA1F-E2FD-475F-919F-BD2F09682F78}" dt="2024-01-23T13:09:55.918" v="1364" actId="2711"/>
+          <ac:cxnSpMkLst>
+            <pc:docMk/>
+            <pc:sldMk cId="3018927091" sldId="260"/>
+            <ac:cxnSpMk id="24" creationId="{CB8510BC-FAF7-BBD8-EB3E-2916CF6ECA69}"/>
+          </ac:cxnSpMkLst>
+        </pc:cxnChg>
+        <pc:cxnChg chg="add mod">
+          <ac:chgData name="Chia-jung Yeh" userId="f328d6f4-0757-42dc-943f-c4685e047ee8" providerId="ADAL" clId="{E564DA1F-E2FD-475F-919F-BD2F09682F78}" dt="2024-01-23T13:09:55.918" v="1364" actId="2711"/>
+          <ac:cxnSpMkLst>
+            <pc:docMk/>
+            <pc:sldMk cId="3018927091" sldId="260"/>
+            <ac:cxnSpMk id="25" creationId="{CB31A691-6578-4EE7-EC3C-8D1279D2DF0B}"/>
+          </ac:cxnSpMkLst>
+        </pc:cxnChg>
+        <pc:cxnChg chg="add mod">
+          <ac:chgData name="Chia-jung Yeh" userId="f328d6f4-0757-42dc-943f-c4685e047ee8" providerId="ADAL" clId="{E564DA1F-E2FD-475F-919F-BD2F09682F78}" dt="2024-01-23T13:09:55.918" v="1364" actId="2711"/>
+          <ac:cxnSpMkLst>
+            <pc:docMk/>
+            <pc:sldMk cId="3018927091" sldId="260"/>
+            <ac:cxnSpMk id="26" creationId="{08033F8E-22CD-79E4-5BD5-AA515AC33437}"/>
+          </ac:cxnSpMkLst>
+        </pc:cxnChg>
+        <pc:cxnChg chg="add mod">
+          <ac:chgData name="Chia-jung Yeh" userId="f328d6f4-0757-42dc-943f-c4685e047ee8" providerId="ADAL" clId="{E564DA1F-E2FD-475F-919F-BD2F09682F78}" dt="2024-01-23T13:09:55.918" v="1364" actId="2711"/>
+          <ac:cxnSpMkLst>
+            <pc:docMk/>
+            <pc:sldMk cId="3018927091" sldId="260"/>
+            <ac:cxnSpMk id="27" creationId="{C6889851-E581-2224-976C-61427CFFE05E}"/>
+          </ac:cxnSpMkLst>
+        </pc:cxnChg>
+        <pc:cxnChg chg="add mod">
+          <ac:chgData name="Chia-jung Yeh" userId="f328d6f4-0757-42dc-943f-c4685e047ee8" providerId="ADAL" clId="{E564DA1F-E2FD-475F-919F-BD2F09682F78}" dt="2024-01-23T13:09:55.918" v="1364" actId="2711"/>
+          <ac:cxnSpMkLst>
+            <pc:docMk/>
+            <pc:sldMk cId="3018927091" sldId="260"/>
+            <ac:cxnSpMk id="28" creationId="{4000A893-129F-8400-65CF-5C4B20ECEE23}"/>
+          </ac:cxnSpMkLst>
+        </pc:cxnChg>
+        <pc:cxnChg chg="add mod">
+          <ac:chgData name="Chia-jung Yeh" userId="f328d6f4-0757-42dc-943f-c4685e047ee8" providerId="ADAL" clId="{E564DA1F-E2FD-475F-919F-BD2F09682F78}" dt="2024-01-23T13:09:55.918" v="1364" actId="2711"/>
+          <ac:cxnSpMkLst>
+            <pc:docMk/>
+            <pc:sldMk cId="3018927091" sldId="260"/>
+            <ac:cxnSpMk id="29" creationId="{79CFE312-BE44-AF33-4F5E-97CE77B89F64}"/>
+          </ac:cxnSpMkLst>
+        </pc:cxnChg>
+        <pc:cxnChg chg="add mod">
+          <ac:chgData name="Chia-jung Yeh" userId="f328d6f4-0757-42dc-943f-c4685e047ee8" providerId="ADAL" clId="{E564DA1F-E2FD-475F-919F-BD2F09682F78}" dt="2024-01-23T13:09:55.918" v="1364" actId="2711"/>
+          <ac:cxnSpMkLst>
+            <pc:docMk/>
+            <pc:sldMk cId="3018927091" sldId="260"/>
+            <ac:cxnSpMk id="37" creationId="{6B28A112-FCDD-34D2-6245-33679C55B31D}"/>
+          </ac:cxnSpMkLst>
+        </pc:cxnChg>
+        <pc:cxnChg chg="add mod">
+          <ac:chgData name="Chia-jung Yeh" userId="f328d6f4-0757-42dc-943f-c4685e047ee8" providerId="ADAL" clId="{E564DA1F-E2FD-475F-919F-BD2F09682F78}" dt="2024-01-23T13:09:55.918" v="1364" actId="2711"/>
+          <ac:cxnSpMkLst>
+            <pc:docMk/>
+            <pc:sldMk cId="3018927091" sldId="260"/>
+            <ac:cxnSpMk id="38" creationId="{971D34D9-1BA9-F5B5-2830-2D0056B1D795}"/>
+          </ac:cxnSpMkLst>
+        </pc:cxnChg>
+        <pc:cxnChg chg="add mod">
+          <ac:chgData name="Chia-jung Yeh" userId="f328d6f4-0757-42dc-943f-c4685e047ee8" providerId="ADAL" clId="{E564DA1F-E2FD-475F-919F-BD2F09682F78}" dt="2024-01-23T13:09:55.918" v="1364" actId="2711"/>
+          <ac:cxnSpMkLst>
+            <pc:docMk/>
+            <pc:sldMk cId="3018927091" sldId="260"/>
+            <ac:cxnSpMk id="39" creationId="{5B25DC1F-6222-F7D3-DE6E-9C1A3E66E66E}"/>
+          </ac:cxnSpMkLst>
+        </pc:cxnChg>
+        <pc:cxnChg chg="add mod">
+          <ac:chgData name="Chia-jung Yeh" userId="f328d6f4-0757-42dc-943f-c4685e047ee8" providerId="ADAL" clId="{E564DA1F-E2FD-475F-919F-BD2F09682F78}" dt="2024-01-23T13:09:55.918" v="1364" actId="2711"/>
+          <ac:cxnSpMkLst>
+            <pc:docMk/>
+            <pc:sldMk cId="3018927091" sldId="260"/>
+            <ac:cxnSpMk id="40" creationId="{9D0884E7-8AA3-92A0-97E5-658127DFD4FB}"/>
+          </ac:cxnSpMkLst>
+        </pc:cxnChg>
+        <pc:cxnChg chg="add mod">
+          <ac:chgData name="Chia-jung Yeh" userId="f328d6f4-0757-42dc-943f-c4685e047ee8" providerId="ADAL" clId="{E564DA1F-E2FD-475F-919F-BD2F09682F78}" dt="2024-01-23T13:09:55.918" v="1364" actId="2711"/>
+          <ac:cxnSpMkLst>
+            <pc:docMk/>
+            <pc:sldMk cId="3018927091" sldId="260"/>
+            <ac:cxnSpMk id="41" creationId="{8023461F-C77A-6455-17B6-22E8AD97FC5F}"/>
+          </ac:cxnSpMkLst>
+        </pc:cxnChg>
+        <pc:cxnChg chg="add mod">
+          <ac:chgData name="Chia-jung Yeh" userId="f328d6f4-0757-42dc-943f-c4685e047ee8" providerId="ADAL" clId="{E564DA1F-E2FD-475F-919F-BD2F09682F78}" dt="2024-01-23T13:09:55.918" v="1364" actId="2711"/>
+          <ac:cxnSpMkLst>
+            <pc:docMk/>
+            <pc:sldMk cId="3018927091" sldId="260"/>
+            <ac:cxnSpMk id="42" creationId="{46D5B397-E6D7-83A3-8BF7-0B0E7290E555}"/>
           </ac:cxnSpMkLst>
         </pc:cxnChg>
       </pc:sldChg>
@@ -1794,7 +2186,7 @@
           <a:p>
             <a:fld id="{26C311DF-3D0C-44AB-BEBF-692FE50B9137}" type="datetimeFigureOut">
               <a:rPr lang="en-GB" smtClean="0"/>
-              <a:t>21/01/2024</a:t>
+              <a:t>24/01/2024</a:t>
             </a:fld>
             <a:endParaRPr lang="en-GB"/>
           </a:p>
@@ -1994,7 +2386,7 @@
           <a:p>
             <a:fld id="{26C311DF-3D0C-44AB-BEBF-692FE50B9137}" type="datetimeFigureOut">
               <a:rPr lang="en-GB" smtClean="0"/>
-              <a:t>21/01/2024</a:t>
+              <a:t>24/01/2024</a:t>
             </a:fld>
             <a:endParaRPr lang="en-GB"/>
           </a:p>
@@ -2204,7 +2596,7 @@
           <a:p>
             <a:fld id="{26C311DF-3D0C-44AB-BEBF-692FE50B9137}" type="datetimeFigureOut">
               <a:rPr lang="en-GB" smtClean="0"/>
-              <a:t>21/01/2024</a:t>
+              <a:t>24/01/2024</a:t>
             </a:fld>
             <a:endParaRPr lang="en-GB"/>
           </a:p>
@@ -2404,7 +2796,7 @@
           <a:p>
             <a:fld id="{26C311DF-3D0C-44AB-BEBF-692FE50B9137}" type="datetimeFigureOut">
               <a:rPr lang="en-GB" smtClean="0"/>
-              <a:t>21/01/2024</a:t>
+              <a:t>24/01/2024</a:t>
             </a:fld>
             <a:endParaRPr lang="en-GB"/>
           </a:p>
@@ -2680,7 +3072,7 @@
           <a:p>
             <a:fld id="{26C311DF-3D0C-44AB-BEBF-692FE50B9137}" type="datetimeFigureOut">
               <a:rPr lang="en-GB" smtClean="0"/>
-              <a:t>21/01/2024</a:t>
+              <a:t>24/01/2024</a:t>
             </a:fld>
             <a:endParaRPr lang="en-GB"/>
           </a:p>
@@ -2948,7 +3340,7 @@
           <a:p>
             <a:fld id="{26C311DF-3D0C-44AB-BEBF-692FE50B9137}" type="datetimeFigureOut">
               <a:rPr lang="en-GB" smtClean="0"/>
-              <a:t>21/01/2024</a:t>
+              <a:t>24/01/2024</a:t>
             </a:fld>
             <a:endParaRPr lang="en-GB"/>
           </a:p>
@@ -3363,7 +3755,7 @@
           <a:p>
             <a:fld id="{26C311DF-3D0C-44AB-BEBF-692FE50B9137}" type="datetimeFigureOut">
               <a:rPr lang="en-GB" smtClean="0"/>
-              <a:t>21/01/2024</a:t>
+              <a:t>24/01/2024</a:t>
             </a:fld>
             <a:endParaRPr lang="en-GB"/>
           </a:p>
@@ -3505,7 +3897,7 @@
           <a:p>
             <a:fld id="{26C311DF-3D0C-44AB-BEBF-692FE50B9137}" type="datetimeFigureOut">
               <a:rPr lang="en-GB" smtClean="0"/>
-              <a:t>21/01/2024</a:t>
+              <a:t>24/01/2024</a:t>
             </a:fld>
             <a:endParaRPr lang="en-GB"/>
           </a:p>
@@ -3618,7 +4010,7 @@
           <a:p>
             <a:fld id="{26C311DF-3D0C-44AB-BEBF-692FE50B9137}" type="datetimeFigureOut">
               <a:rPr lang="en-GB" smtClean="0"/>
-              <a:t>21/01/2024</a:t>
+              <a:t>24/01/2024</a:t>
             </a:fld>
             <a:endParaRPr lang="en-GB"/>
           </a:p>
@@ -3931,7 +4323,7 @@
           <a:p>
             <a:fld id="{26C311DF-3D0C-44AB-BEBF-692FE50B9137}" type="datetimeFigureOut">
               <a:rPr lang="en-GB" smtClean="0"/>
-              <a:t>21/01/2024</a:t>
+              <a:t>24/01/2024</a:t>
             </a:fld>
             <a:endParaRPr lang="en-GB"/>
           </a:p>
@@ -4220,7 +4612,7 @@
           <a:p>
             <a:fld id="{26C311DF-3D0C-44AB-BEBF-692FE50B9137}" type="datetimeFigureOut">
               <a:rPr lang="en-GB" smtClean="0"/>
-              <a:t>21/01/2024</a:t>
+              <a:t>24/01/2024</a:t>
             </a:fld>
             <a:endParaRPr lang="en-GB"/>
           </a:p>
@@ -4463,7 +4855,7 @@
           <a:p>
             <a:fld id="{26C311DF-3D0C-44AB-BEBF-692FE50B9137}" type="datetimeFigureOut">
               <a:rPr lang="en-GB" smtClean="0"/>
-              <a:t>21/01/2024</a:t>
+              <a:t>24/01/2024</a:t>
             </a:fld>
             <a:endParaRPr lang="en-GB"/>
           </a:p>
@@ -17324,6 +17716,2591 @@
 </p:sld>
 </file>
 
+<file path=ppt/slides/slide5.xml><?xml version="1.0" encoding="utf-8"?>
+<p:sld xmlns:a="http://schemas.openxmlformats.org/drawingml/2006/main" xmlns:r="http://schemas.openxmlformats.org/officeDocument/2006/relationships" xmlns:p="http://schemas.openxmlformats.org/presentationml/2006/main">
+  <p:cSld>
+    <p:spTree>
+      <p:nvGrpSpPr>
+        <p:cNvPr id="1" name=""/>
+        <p:cNvGrpSpPr/>
+        <p:nvPr/>
+      </p:nvGrpSpPr>
+      <p:grpSpPr>
+        <a:xfrm>
+          <a:off x="0" y="0"/>
+          <a:ext cx="0" cy="0"/>
+          <a:chOff x="0" y="0"/>
+          <a:chExt cx="0" cy="0"/>
+        </a:xfrm>
+      </p:grpSpPr>
+      <p:sp>
+        <p:nvSpPr>
+          <p:cNvPr id="49" name="Rectangle 48">
+            <a:extLst>
+              <a:ext uri="{FF2B5EF4-FFF2-40B4-BE49-F238E27FC236}">
+                <a16:creationId xmlns:a16="http://schemas.microsoft.com/office/drawing/2014/main" id="{37A06576-B51E-C770-ED4C-08254A1D4BED}"/>
+              </a:ext>
+            </a:extLst>
+          </p:cNvPr>
+          <p:cNvSpPr/>
+          <p:nvPr/>
+        </p:nvSpPr>
+        <p:spPr>
+          <a:xfrm>
+            <a:off x="2052174" y="743859"/>
+            <a:ext cx="8204784" cy="5780060"/>
+          </a:xfrm>
+          <a:prstGeom prst="rect">
+            <a:avLst/>
+          </a:prstGeom>
+          <a:solidFill>
+            <a:schemeClr val="bg1"/>
+          </a:solidFill>
+          <a:ln>
+            <a:noFill/>
+          </a:ln>
+        </p:spPr>
+        <p:style>
+          <a:lnRef idx="2">
+            <a:schemeClr val="accent1">
+              <a:shade val="15000"/>
+            </a:schemeClr>
+          </a:lnRef>
+          <a:fillRef idx="1">
+            <a:schemeClr val="accent1"/>
+          </a:fillRef>
+          <a:effectRef idx="0">
+            <a:schemeClr val="accent1"/>
+          </a:effectRef>
+          <a:fontRef idx="minor">
+            <a:schemeClr val="lt1"/>
+          </a:fontRef>
+        </p:style>
+        <p:txBody>
+          <a:bodyPr rtlCol="0" anchor="ctr"/>
+          <a:lstStyle/>
+          <a:p>
+            <a:pPr algn="ctr"/>
+            <a:endParaRPr lang="en-GB"/>
+          </a:p>
+        </p:txBody>
+      </p:sp>
+      <p:sp>
+        <p:nvSpPr>
+          <p:cNvPr id="4" name="文字方塊 3">
+            <a:extLst>
+              <a:ext uri="{FF2B5EF4-FFF2-40B4-BE49-F238E27FC236}">
+                <a16:creationId xmlns:a16="http://schemas.microsoft.com/office/drawing/2014/main" id="{757B86FA-CB5C-F120-1D54-AEFE100996CD}"/>
+              </a:ext>
+            </a:extLst>
+          </p:cNvPr>
+          <p:cNvSpPr txBox="1"/>
+          <p:nvPr/>
+        </p:nvSpPr>
+        <p:spPr>
+          <a:xfrm>
+            <a:off x="2461846" y="1371600"/>
+            <a:ext cx="1595309" cy="369332"/>
+          </a:xfrm>
+          <a:prstGeom prst="rect">
+            <a:avLst/>
+          </a:prstGeom>
+          <a:noFill/>
+        </p:spPr>
+        <p:txBody>
+          <a:bodyPr wrap="none" rtlCol="0">
+            <a:spAutoFit/>
+          </a:bodyPr>
+          <a:lstStyle/>
+          <a:p>
+            <a:r>
+              <a:rPr lang="zh-TW" altLang="en-US" b="1" dirty="0">
+                <a:latin typeface="微軟正黑體" panose="020B0604030504040204" pitchFamily="34" charset="-120"/>
+                <a:ea typeface="微軟正黑體" panose="020B0604030504040204" pitchFamily="34" charset="-120"/>
+                <a:cs typeface="Times New Roman" panose="02020603050405020304" pitchFamily="18" charset="0"/>
+              </a:rPr>
+              <a:t>陣列 </a:t>
+            </a:r>
+            <a:r>
+              <a:rPr lang="en-US" altLang="zh-TW" b="1" dirty="0">
+                <a:latin typeface="微軟正黑體" panose="020B0604030504040204" pitchFamily="34" charset="-120"/>
+                <a:ea typeface="微軟正黑體" panose="020B0604030504040204" pitchFamily="34" charset="-120"/>
+                <a:cs typeface="Times New Roman" panose="02020603050405020304" pitchFamily="18" charset="0"/>
+              </a:rPr>
+              <a:t>1</a:t>
+            </a:r>
+            <a:r>
+              <a:rPr lang="zh-TW" altLang="en-US" b="1" dirty="0">
+                <a:latin typeface="微軟正黑體" panose="020B0604030504040204" pitchFamily="34" charset="-120"/>
+                <a:ea typeface="微軟正黑體" panose="020B0604030504040204" pitchFamily="34" charset="-120"/>
+                <a:cs typeface="Times New Roman" panose="02020603050405020304" pitchFamily="18" charset="0"/>
+              </a:rPr>
+              <a:t>     </a:t>
+            </a:r>
+            <a:r>
+              <a:rPr lang="en-US" altLang="zh-TW" b="1" dirty="0">
+                <a:latin typeface="微軟正黑體" panose="020B0604030504040204" pitchFamily="34" charset="-120"/>
+                <a:ea typeface="微軟正黑體" panose="020B0604030504040204" pitchFamily="34" charset="-120"/>
+                <a:cs typeface="Times New Roman" panose="02020603050405020304" pitchFamily="18" charset="0"/>
+              </a:rPr>
+              <a:t>[[1]]</a:t>
+            </a:r>
+            <a:endParaRPr lang="zh-TW" altLang="en-US" b="1" dirty="0">
+              <a:latin typeface="微軟正黑體" panose="020B0604030504040204" pitchFamily="34" charset="-120"/>
+              <a:ea typeface="微軟正黑體" panose="020B0604030504040204" pitchFamily="34" charset="-120"/>
+              <a:cs typeface="Times New Roman" panose="02020603050405020304" pitchFamily="18" charset="0"/>
+            </a:endParaRPr>
+          </a:p>
+        </p:txBody>
+      </p:sp>
+      <p:sp>
+        <p:nvSpPr>
+          <p:cNvPr id="5" name="文字方塊 4">
+            <a:extLst>
+              <a:ext uri="{FF2B5EF4-FFF2-40B4-BE49-F238E27FC236}">
+                <a16:creationId xmlns:a16="http://schemas.microsoft.com/office/drawing/2014/main" id="{67783CE1-FE03-6286-345D-656C0875150C}"/>
+              </a:ext>
+            </a:extLst>
+          </p:cNvPr>
+          <p:cNvSpPr txBox="1"/>
+          <p:nvPr/>
+        </p:nvSpPr>
+        <p:spPr>
+          <a:xfrm>
+            <a:off x="2461846" y="1951892"/>
+            <a:ext cx="1595309" cy="369332"/>
+          </a:xfrm>
+          <a:prstGeom prst="rect">
+            <a:avLst/>
+          </a:prstGeom>
+          <a:noFill/>
+        </p:spPr>
+        <p:txBody>
+          <a:bodyPr wrap="none" rtlCol="0">
+            <a:spAutoFit/>
+          </a:bodyPr>
+          <a:lstStyle/>
+          <a:p>
+            <a:r>
+              <a:rPr lang="zh-TW" altLang="en-US" b="1" dirty="0">
+                <a:latin typeface="微軟正黑體" panose="020B0604030504040204" pitchFamily="34" charset="-120"/>
+                <a:ea typeface="微軟正黑體" panose="020B0604030504040204" pitchFamily="34" charset="-120"/>
+                <a:cs typeface="Times New Roman" panose="02020603050405020304" pitchFamily="18" charset="0"/>
+              </a:rPr>
+              <a:t>陣列</a:t>
+            </a:r>
+            <a:r>
+              <a:rPr lang="en-US" altLang="zh-TW" b="1" dirty="0">
+                <a:latin typeface="微軟正黑體" panose="020B0604030504040204" pitchFamily="34" charset="-120"/>
+                <a:ea typeface="微軟正黑體" panose="020B0604030504040204" pitchFamily="34" charset="-120"/>
+                <a:cs typeface="Times New Roman" panose="02020603050405020304" pitchFamily="18" charset="0"/>
+              </a:rPr>
+              <a:t> 2</a:t>
+            </a:r>
+            <a:r>
+              <a:rPr lang="zh-TW" altLang="en-US" b="1" dirty="0">
+                <a:latin typeface="微軟正黑體" panose="020B0604030504040204" pitchFamily="34" charset="-120"/>
+                <a:ea typeface="微軟正黑體" panose="020B0604030504040204" pitchFamily="34" charset="-120"/>
+                <a:cs typeface="Times New Roman" panose="02020603050405020304" pitchFamily="18" charset="0"/>
+              </a:rPr>
+              <a:t>     </a:t>
+            </a:r>
+            <a:r>
+              <a:rPr lang="en-US" altLang="zh-TW" b="1" dirty="0">
+                <a:latin typeface="微軟正黑體" panose="020B0604030504040204" pitchFamily="34" charset="-120"/>
+                <a:ea typeface="微軟正黑體" panose="020B0604030504040204" pitchFamily="34" charset="-120"/>
+                <a:cs typeface="Times New Roman" panose="02020603050405020304" pitchFamily="18" charset="0"/>
+              </a:rPr>
+              <a:t>[[2]]</a:t>
+            </a:r>
+            <a:endParaRPr lang="zh-TW" altLang="en-US" b="1" dirty="0">
+              <a:latin typeface="微軟正黑體" panose="020B0604030504040204" pitchFamily="34" charset="-120"/>
+              <a:ea typeface="微軟正黑體" panose="020B0604030504040204" pitchFamily="34" charset="-120"/>
+              <a:cs typeface="Times New Roman" panose="02020603050405020304" pitchFamily="18" charset="0"/>
+            </a:endParaRPr>
+          </a:p>
+        </p:txBody>
+      </p:sp>
+      <p:sp>
+        <p:nvSpPr>
+          <p:cNvPr id="6" name="文字方塊 5">
+            <a:extLst>
+              <a:ext uri="{FF2B5EF4-FFF2-40B4-BE49-F238E27FC236}">
+                <a16:creationId xmlns:a16="http://schemas.microsoft.com/office/drawing/2014/main" id="{73C55D7F-3110-51C4-F9D5-ECB30B61AFC7}"/>
+              </a:ext>
+            </a:extLst>
+          </p:cNvPr>
+          <p:cNvSpPr txBox="1"/>
+          <p:nvPr/>
+        </p:nvSpPr>
+        <p:spPr>
+          <a:xfrm>
+            <a:off x="2461846" y="2532184"/>
+            <a:ext cx="1595309" cy="369332"/>
+          </a:xfrm>
+          <a:prstGeom prst="rect">
+            <a:avLst/>
+          </a:prstGeom>
+          <a:noFill/>
+        </p:spPr>
+        <p:txBody>
+          <a:bodyPr wrap="none" rtlCol="0">
+            <a:spAutoFit/>
+          </a:bodyPr>
+          <a:lstStyle/>
+          <a:p>
+            <a:r>
+              <a:rPr lang="zh-TW" altLang="en-US" b="1" dirty="0">
+                <a:latin typeface="微軟正黑體" panose="020B0604030504040204" pitchFamily="34" charset="-120"/>
+                <a:ea typeface="微軟正黑體" panose="020B0604030504040204" pitchFamily="34" charset="-120"/>
+                <a:cs typeface="Times New Roman" panose="02020603050405020304" pitchFamily="18" charset="0"/>
+              </a:rPr>
+              <a:t>陣列 </a:t>
+            </a:r>
+            <a:r>
+              <a:rPr lang="en-US" altLang="zh-TW" b="1" dirty="0">
+                <a:latin typeface="微軟正黑體" panose="020B0604030504040204" pitchFamily="34" charset="-120"/>
+                <a:ea typeface="微軟正黑體" panose="020B0604030504040204" pitchFamily="34" charset="-120"/>
+                <a:cs typeface="Times New Roman" panose="02020603050405020304" pitchFamily="18" charset="0"/>
+              </a:rPr>
+              <a:t>3</a:t>
+            </a:r>
+            <a:r>
+              <a:rPr lang="zh-TW" altLang="en-US" b="1" dirty="0">
+                <a:latin typeface="微軟正黑體" panose="020B0604030504040204" pitchFamily="34" charset="-120"/>
+                <a:ea typeface="微軟正黑體" panose="020B0604030504040204" pitchFamily="34" charset="-120"/>
+                <a:cs typeface="Times New Roman" panose="02020603050405020304" pitchFamily="18" charset="0"/>
+              </a:rPr>
+              <a:t>     </a:t>
+            </a:r>
+            <a:r>
+              <a:rPr lang="en-US" altLang="zh-TW" b="1" dirty="0">
+                <a:latin typeface="微軟正黑體" panose="020B0604030504040204" pitchFamily="34" charset="-120"/>
+                <a:ea typeface="微軟正黑體" panose="020B0604030504040204" pitchFamily="34" charset="-120"/>
+                <a:cs typeface="Times New Roman" panose="02020603050405020304" pitchFamily="18" charset="0"/>
+              </a:rPr>
+              <a:t>[[3]]</a:t>
+            </a:r>
+            <a:endParaRPr lang="zh-TW" altLang="en-US" b="1" dirty="0">
+              <a:latin typeface="微軟正黑體" panose="020B0604030504040204" pitchFamily="34" charset="-120"/>
+              <a:ea typeface="微軟正黑體" panose="020B0604030504040204" pitchFamily="34" charset="-120"/>
+              <a:cs typeface="Times New Roman" panose="02020603050405020304" pitchFamily="18" charset="0"/>
+            </a:endParaRPr>
+          </a:p>
+        </p:txBody>
+      </p:sp>
+      <p:sp>
+        <p:nvSpPr>
+          <p:cNvPr id="7" name="文字方塊 6">
+            <a:extLst>
+              <a:ext uri="{FF2B5EF4-FFF2-40B4-BE49-F238E27FC236}">
+                <a16:creationId xmlns:a16="http://schemas.microsoft.com/office/drawing/2014/main" id="{7B26B4CD-0F00-CDC8-8EEF-375A5077D2FE}"/>
+              </a:ext>
+            </a:extLst>
+          </p:cNvPr>
+          <p:cNvSpPr txBox="1"/>
+          <p:nvPr/>
+        </p:nvSpPr>
+        <p:spPr>
+          <a:xfrm>
+            <a:off x="2461846" y="3112476"/>
+            <a:ext cx="1595309" cy="369332"/>
+          </a:xfrm>
+          <a:prstGeom prst="rect">
+            <a:avLst/>
+          </a:prstGeom>
+          <a:noFill/>
+        </p:spPr>
+        <p:txBody>
+          <a:bodyPr wrap="none" rtlCol="0">
+            <a:spAutoFit/>
+          </a:bodyPr>
+          <a:lstStyle/>
+          <a:p>
+            <a:r>
+              <a:rPr lang="zh-TW" altLang="en-US" b="1" dirty="0">
+                <a:latin typeface="微軟正黑體" panose="020B0604030504040204" pitchFamily="34" charset="-120"/>
+                <a:ea typeface="微軟正黑體" panose="020B0604030504040204" pitchFamily="34" charset="-120"/>
+                <a:cs typeface="Times New Roman" panose="02020603050405020304" pitchFamily="18" charset="0"/>
+              </a:rPr>
+              <a:t>陣列</a:t>
+            </a:r>
+            <a:r>
+              <a:rPr lang="en-US" altLang="zh-TW" b="1" dirty="0">
+                <a:latin typeface="微軟正黑體" panose="020B0604030504040204" pitchFamily="34" charset="-120"/>
+                <a:ea typeface="微軟正黑體" panose="020B0604030504040204" pitchFamily="34" charset="-120"/>
+                <a:cs typeface="Times New Roman" panose="02020603050405020304" pitchFamily="18" charset="0"/>
+              </a:rPr>
+              <a:t> 4</a:t>
+            </a:r>
+            <a:r>
+              <a:rPr lang="zh-TW" altLang="en-US" b="1" dirty="0">
+                <a:latin typeface="微軟正黑體" panose="020B0604030504040204" pitchFamily="34" charset="-120"/>
+                <a:ea typeface="微軟正黑體" panose="020B0604030504040204" pitchFamily="34" charset="-120"/>
+                <a:cs typeface="Times New Roman" panose="02020603050405020304" pitchFamily="18" charset="0"/>
+              </a:rPr>
+              <a:t>     </a:t>
+            </a:r>
+            <a:r>
+              <a:rPr lang="en-US" altLang="zh-TW" b="1" dirty="0">
+                <a:latin typeface="微軟正黑體" panose="020B0604030504040204" pitchFamily="34" charset="-120"/>
+                <a:ea typeface="微軟正黑體" panose="020B0604030504040204" pitchFamily="34" charset="-120"/>
+                <a:cs typeface="Times New Roman" panose="02020603050405020304" pitchFamily="18" charset="0"/>
+              </a:rPr>
+              <a:t>[[4]]</a:t>
+            </a:r>
+            <a:endParaRPr lang="zh-TW" altLang="en-US" b="1" dirty="0">
+              <a:latin typeface="微軟正黑體" panose="020B0604030504040204" pitchFamily="34" charset="-120"/>
+              <a:ea typeface="微軟正黑體" panose="020B0604030504040204" pitchFamily="34" charset="-120"/>
+              <a:cs typeface="Times New Roman" panose="02020603050405020304" pitchFamily="18" charset="0"/>
+            </a:endParaRPr>
+          </a:p>
+        </p:txBody>
+      </p:sp>
+      <p:sp>
+        <p:nvSpPr>
+          <p:cNvPr id="8" name="文字方塊 7">
+            <a:extLst>
+              <a:ext uri="{FF2B5EF4-FFF2-40B4-BE49-F238E27FC236}">
+                <a16:creationId xmlns:a16="http://schemas.microsoft.com/office/drawing/2014/main" id="{04041186-2817-2599-83DE-1D34511F2B63}"/>
+              </a:ext>
+            </a:extLst>
+          </p:cNvPr>
+          <p:cNvSpPr txBox="1"/>
+          <p:nvPr/>
+        </p:nvSpPr>
+        <p:spPr>
+          <a:xfrm>
+            <a:off x="2461846" y="3692768"/>
+            <a:ext cx="1595309" cy="369332"/>
+          </a:xfrm>
+          <a:prstGeom prst="rect">
+            <a:avLst/>
+          </a:prstGeom>
+          <a:noFill/>
+        </p:spPr>
+        <p:txBody>
+          <a:bodyPr wrap="none" rtlCol="0">
+            <a:spAutoFit/>
+          </a:bodyPr>
+          <a:lstStyle/>
+          <a:p>
+            <a:r>
+              <a:rPr lang="zh-TW" altLang="en-US" b="1" dirty="0">
+                <a:latin typeface="微軟正黑體" panose="020B0604030504040204" pitchFamily="34" charset="-120"/>
+                <a:ea typeface="微軟正黑體" panose="020B0604030504040204" pitchFamily="34" charset="-120"/>
+                <a:cs typeface="Times New Roman" panose="02020603050405020304" pitchFamily="18" charset="0"/>
+              </a:rPr>
+              <a:t>陣列</a:t>
+            </a:r>
+            <a:r>
+              <a:rPr lang="en-US" altLang="zh-TW" b="1" dirty="0">
+                <a:latin typeface="微軟正黑體" panose="020B0604030504040204" pitchFamily="34" charset="-120"/>
+                <a:ea typeface="微軟正黑體" panose="020B0604030504040204" pitchFamily="34" charset="-120"/>
+                <a:cs typeface="Times New Roman" panose="02020603050405020304" pitchFamily="18" charset="0"/>
+              </a:rPr>
+              <a:t> 5</a:t>
+            </a:r>
+            <a:r>
+              <a:rPr lang="zh-TW" altLang="en-US" b="1" dirty="0">
+                <a:latin typeface="微軟正黑體" panose="020B0604030504040204" pitchFamily="34" charset="-120"/>
+                <a:ea typeface="微軟正黑體" panose="020B0604030504040204" pitchFamily="34" charset="-120"/>
+                <a:cs typeface="Times New Roman" panose="02020603050405020304" pitchFamily="18" charset="0"/>
+              </a:rPr>
+              <a:t>     </a:t>
+            </a:r>
+            <a:r>
+              <a:rPr lang="en-US" altLang="zh-TW" b="1" dirty="0">
+                <a:latin typeface="微軟正黑體" panose="020B0604030504040204" pitchFamily="34" charset="-120"/>
+                <a:ea typeface="微軟正黑體" panose="020B0604030504040204" pitchFamily="34" charset="-120"/>
+                <a:cs typeface="Times New Roman" panose="02020603050405020304" pitchFamily="18" charset="0"/>
+              </a:rPr>
+              <a:t>[[5]]</a:t>
+            </a:r>
+            <a:endParaRPr lang="zh-TW" altLang="en-US" b="1" dirty="0">
+              <a:latin typeface="微軟正黑體" panose="020B0604030504040204" pitchFamily="34" charset="-120"/>
+              <a:ea typeface="微軟正黑體" panose="020B0604030504040204" pitchFamily="34" charset="-120"/>
+              <a:cs typeface="Times New Roman" panose="02020603050405020304" pitchFamily="18" charset="0"/>
+            </a:endParaRPr>
+          </a:p>
+        </p:txBody>
+      </p:sp>
+      <p:sp>
+        <p:nvSpPr>
+          <p:cNvPr id="9" name="文字方塊 8">
+            <a:extLst>
+              <a:ext uri="{FF2B5EF4-FFF2-40B4-BE49-F238E27FC236}">
+                <a16:creationId xmlns:a16="http://schemas.microsoft.com/office/drawing/2014/main" id="{A4B08341-DD4C-C44C-E15A-50C317BF60A2}"/>
+              </a:ext>
+            </a:extLst>
+          </p:cNvPr>
+          <p:cNvSpPr txBox="1"/>
+          <p:nvPr/>
+        </p:nvSpPr>
+        <p:spPr>
+          <a:xfrm>
+            <a:off x="2461846" y="4273060"/>
+            <a:ext cx="1595309" cy="369332"/>
+          </a:xfrm>
+          <a:prstGeom prst="rect">
+            <a:avLst/>
+          </a:prstGeom>
+          <a:noFill/>
+        </p:spPr>
+        <p:txBody>
+          <a:bodyPr wrap="none" rtlCol="0">
+            <a:spAutoFit/>
+          </a:bodyPr>
+          <a:lstStyle/>
+          <a:p>
+            <a:r>
+              <a:rPr lang="zh-TW" altLang="en-US" b="1" dirty="0">
+                <a:latin typeface="微軟正黑體" panose="020B0604030504040204" pitchFamily="34" charset="-120"/>
+                <a:ea typeface="微軟正黑體" panose="020B0604030504040204" pitchFamily="34" charset="-120"/>
+                <a:cs typeface="Times New Roman" panose="02020603050405020304" pitchFamily="18" charset="0"/>
+              </a:rPr>
+              <a:t>陣列</a:t>
+            </a:r>
+            <a:r>
+              <a:rPr lang="en-US" altLang="zh-TW" b="1" dirty="0">
+                <a:latin typeface="微軟正黑體" panose="020B0604030504040204" pitchFamily="34" charset="-120"/>
+                <a:ea typeface="微軟正黑體" panose="020B0604030504040204" pitchFamily="34" charset="-120"/>
+                <a:cs typeface="Times New Roman" panose="02020603050405020304" pitchFamily="18" charset="0"/>
+              </a:rPr>
+              <a:t> 6</a:t>
+            </a:r>
+            <a:r>
+              <a:rPr lang="zh-TW" altLang="en-US" b="1" dirty="0">
+                <a:latin typeface="微軟正黑體" panose="020B0604030504040204" pitchFamily="34" charset="-120"/>
+                <a:ea typeface="微軟正黑體" panose="020B0604030504040204" pitchFamily="34" charset="-120"/>
+                <a:cs typeface="Times New Roman" panose="02020603050405020304" pitchFamily="18" charset="0"/>
+              </a:rPr>
+              <a:t>     </a:t>
+            </a:r>
+            <a:r>
+              <a:rPr lang="en-US" altLang="zh-TW" b="1" dirty="0">
+                <a:latin typeface="微軟正黑體" panose="020B0604030504040204" pitchFamily="34" charset="-120"/>
+                <a:ea typeface="微軟正黑體" panose="020B0604030504040204" pitchFamily="34" charset="-120"/>
+                <a:cs typeface="Times New Roman" panose="02020603050405020304" pitchFamily="18" charset="0"/>
+              </a:rPr>
+              <a:t>[[6]]</a:t>
+            </a:r>
+            <a:endParaRPr lang="zh-TW" altLang="en-US" b="1" dirty="0">
+              <a:latin typeface="微軟正黑體" panose="020B0604030504040204" pitchFamily="34" charset="-120"/>
+              <a:ea typeface="微軟正黑體" panose="020B0604030504040204" pitchFamily="34" charset="-120"/>
+              <a:cs typeface="Times New Roman" panose="02020603050405020304" pitchFamily="18" charset="0"/>
+            </a:endParaRPr>
+          </a:p>
+        </p:txBody>
+      </p:sp>
+      <p:sp>
+        <p:nvSpPr>
+          <p:cNvPr id="10" name="文字方塊 9">
+            <a:extLst>
+              <a:ext uri="{FF2B5EF4-FFF2-40B4-BE49-F238E27FC236}">
+                <a16:creationId xmlns:a16="http://schemas.microsoft.com/office/drawing/2014/main" id="{48C68045-ED2B-1FE9-2BEC-E62BDA9A29F8}"/>
+              </a:ext>
+            </a:extLst>
+          </p:cNvPr>
+          <p:cNvSpPr txBox="1"/>
+          <p:nvPr/>
+        </p:nvSpPr>
+        <p:spPr>
+          <a:xfrm>
+            <a:off x="2461846" y="4853352"/>
+            <a:ext cx="1595309" cy="369332"/>
+          </a:xfrm>
+          <a:prstGeom prst="rect">
+            <a:avLst/>
+          </a:prstGeom>
+          <a:noFill/>
+        </p:spPr>
+        <p:txBody>
+          <a:bodyPr wrap="none" rtlCol="0">
+            <a:spAutoFit/>
+          </a:bodyPr>
+          <a:lstStyle/>
+          <a:p>
+            <a:r>
+              <a:rPr lang="zh-TW" altLang="en-US" b="1" dirty="0">
+                <a:latin typeface="微軟正黑體" panose="020B0604030504040204" pitchFamily="34" charset="-120"/>
+                <a:ea typeface="微軟正黑體" panose="020B0604030504040204" pitchFamily="34" charset="-120"/>
+                <a:cs typeface="Times New Roman" panose="02020603050405020304" pitchFamily="18" charset="0"/>
+              </a:rPr>
+              <a:t>陣列</a:t>
+            </a:r>
+            <a:r>
+              <a:rPr lang="en-US" altLang="zh-TW" b="1" dirty="0">
+                <a:latin typeface="微軟正黑體" panose="020B0604030504040204" pitchFamily="34" charset="-120"/>
+                <a:ea typeface="微軟正黑體" panose="020B0604030504040204" pitchFamily="34" charset="-120"/>
+                <a:cs typeface="Times New Roman" panose="02020603050405020304" pitchFamily="18" charset="0"/>
+              </a:rPr>
+              <a:t> 7</a:t>
+            </a:r>
+            <a:r>
+              <a:rPr lang="zh-TW" altLang="en-US" b="1" dirty="0">
+                <a:latin typeface="微軟正黑體" panose="020B0604030504040204" pitchFamily="34" charset="-120"/>
+                <a:ea typeface="微軟正黑體" panose="020B0604030504040204" pitchFamily="34" charset="-120"/>
+                <a:cs typeface="Times New Roman" panose="02020603050405020304" pitchFamily="18" charset="0"/>
+              </a:rPr>
+              <a:t>     </a:t>
+            </a:r>
+            <a:r>
+              <a:rPr lang="en-US" altLang="zh-TW" b="1" dirty="0">
+                <a:latin typeface="微軟正黑體" panose="020B0604030504040204" pitchFamily="34" charset="-120"/>
+                <a:ea typeface="微軟正黑體" panose="020B0604030504040204" pitchFamily="34" charset="-120"/>
+                <a:cs typeface="Times New Roman" panose="02020603050405020304" pitchFamily="18" charset="0"/>
+              </a:rPr>
+              <a:t>[[7]]</a:t>
+            </a:r>
+            <a:endParaRPr lang="zh-TW" altLang="en-US" b="1" dirty="0">
+              <a:latin typeface="微軟正黑體" panose="020B0604030504040204" pitchFamily="34" charset="-120"/>
+              <a:ea typeface="微軟正黑體" panose="020B0604030504040204" pitchFamily="34" charset="-120"/>
+              <a:cs typeface="Times New Roman" panose="02020603050405020304" pitchFamily="18" charset="0"/>
+            </a:endParaRPr>
+          </a:p>
+        </p:txBody>
+      </p:sp>
+      <p:sp>
+        <p:nvSpPr>
+          <p:cNvPr id="11" name="文字方塊 10">
+            <a:extLst>
+              <a:ext uri="{FF2B5EF4-FFF2-40B4-BE49-F238E27FC236}">
+                <a16:creationId xmlns:a16="http://schemas.microsoft.com/office/drawing/2014/main" id="{7F4567F0-5AB4-6E88-B088-FBCC08EE6D14}"/>
+              </a:ext>
+            </a:extLst>
+          </p:cNvPr>
+          <p:cNvSpPr txBox="1"/>
+          <p:nvPr/>
+        </p:nvSpPr>
+        <p:spPr>
+          <a:xfrm>
+            <a:off x="2827330" y="817793"/>
+            <a:ext cx="800219" cy="461665"/>
+          </a:xfrm>
+          <a:prstGeom prst="rect">
+            <a:avLst/>
+          </a:prstGeom>
+          <a:noFill/>
+        </p:spPr>
+        <p:txBody>
+          <a:bodyPr wrap="none" rtlCol="0">
+            <a:spAutoFit/>
+          </a:bodyPr>
+          <a:lstStyle/>
+          <a:p>
+            <a:r>
+              <a:rPr lang="zh-TW" altLang="en-US" sz="2400" b="1" dirty="0">
+                <a:solidFill>
+                  <a:srgbClr val="FF0000"/>
+                </a:solidFill>
+                <a:latin typeface="微軟正黑體" panose="020B0604030504040204" pitchFamily="34" charset="-120"/>
+                <a:ea typeface="微軟正黑體" panose="020B0604030504040204" pitchFamily="34" charset="-120"/>
+                <a:cs typeface="Times New Roman" panose="02020603050405020304" pitchFamily="18" charset="0"/>
+              </a:rPr>
+              <a:t>陣列</a:t>
+            </a:r>
+          </a:p>
+        </p:txBody>
+      </p:sp>
+      <p:sp>
+        <p:nvSpPr>
+          <p:cNvPr id="12" name="左右中括弧 11">
+            <a:extLst>
+              <a:ext uri="{FF2B5EF4-FFF2-40B4-BE49-F238E27FC236}">
+                <a16:creationId xmlns:a16="http://schemas.microsoft.com/office/drawing/2014/main" id="{A2D251E5-65C5-4198-6966-46205EFB27A4}"/>
+              </a:ext>
+            </a:extLst>
+          </p:cNvPr>
+          <p:cNvSpPr/>
+          <p:nvPr/>
+        </p:nvSpPr>
+        <p:spPr>
+          <a:xfrm>
+            <a:off x="2171700" y="1283677"/>
+            <a:ext cx="2039815" cy="4053254"/>
+          </a:xfrm>
+          <a:prstGeom prst="bracketPair">
+            <a:avLst/>
+          </a:prstGeom>
+          <a:ln w="19050">
+            <a:solidFill>
+              <a:srgbClr val="FF0000"/>
+            </a:solidFill>
+          </a:ln>
+        </p:spPr>
+        <p:style>
+          <a:lnRef idx="1">
+            <a:schemeClr val="accent1"/>
+          </a:lnRef>
+          <a:fillRef idx="0">
+            <a:schemeClr val="accent1"/>
+          </a:fillRef>
+          <a:effectRef idx="0">
+            <a:schemeClr val="accent1"/>
+          </a:effectRef>
+          <a:fontRef idx="minor">
+            <a:schemeClr val="tx1"/>
+          </a:fontRef>
+        </p:style>
+        <p:txBody>
+          <a:bodyPr rtlCol="0" anchor="ctr"/>
+          <a:lstStyle/>
+          <a:p>
+            <a:pPr algn="ctr"/>
+            <a:endParaRPr lang="zh-TW" altLang="en-US">
+              <a:latin typeface="微軟正黑體" panose="020B0604030504040204" pitchFamily="34" charset="-120"/>
+              <a:ea typeface="微軟正黑體" panose="020B0604030504040204" pitchFamily="34" charset="-120"/>
+            </a:endParaRPr>
+          </a:p>
+        </p:txBody>
+      </p:sp>
+      <p:sp>
+        <p:nvSpPr>
+          <p:cNvPr id="13" name="文字方塊 12">
+            <a:extLst>
+              <a:ext uri="{FF2B5EF4-FFF2-40B4-BE49-F238E27FC236}">
+                <a16:creationId xmlns:a16="http://schemas.microsoft.com/office/drawing/2014/main" id="{2E41B308-A8B6-0A29-A1F4-95136DDDBE39}"/>
+              </a:ext>
+            </a:extLst>
+          </p:cNvPr>
+          <p:cNvSpPr txBox="1"/>
+          <p:nvPr/>
+        </p:nvSpPr>
+        <p:spPr>
+          <a:xfrm>
+            <a:off x="4396271" y="1371600"/>
+            <a:ext cx="1614545" cy="369332"/>
+          </a:xfrm>
+          <a:prstGeom prst="rect">
+            <a:avLst/>
+          </a:prstGeom>
+          <a:noFill/>
+        </p:spPr>
+        <p:txBody>
+          <a:bodyPr wrap="none" rtlCol="0">
+            <a:spAutoFit/>
+          </a:bodyPr>
+          <a:lstStyle/>
+          <a:p>
+            <a:r>
+              <a:rPr lang="zh-TW" altLang="en-US" b="1" dirty="0">
+                <a:latin typeface="微軟正黑體" panose="020B0604030504040204" pitchFamily="34" charset="-120"/>
+                <a:ea typeface="微軟正黑體" panose="020B0604030504040204" pitchFamily="34" charset="-120"/>
+                <a:cs typeface="Times New Roman" panose="02020603050405020304" pitchFamily="18" charset="0"/>
+              </a:rPr>
+              <a:t>元素</a:t>
+            </a:r>
+            <a:r>
+              <a:rPr lang="en-US" altLang="zh-TW" b="1" dirty="0">
+                <a:latin typeface="微軟正黑體" panose="020B0604030504040204" pitchFamily="34" charset="-120"/>
+                <a:ea typeface="微軟正黑體" panose="020B0604030504040204" pitchFamily="34" charset="-120"/>
+                <a:cs typeface="Times New Roman" panose="02020603050405020304" pitchFamily="18" charset="0"/>
+              </a:rPr>
+              <a:t>1</a:t>
+            </a:r>
+            <a:r>
+              <a:rPr lang="zh-TW" altLang="en-US" b="1" dirty="0">
+                <a:latin typeface="微軟正黑體" panose="020B0604030504040204" pitchFamily="34" charset="-120"/>
+                <a:ea typeface="微軟正黑體" panose="020B0604030504040204" pitchFamily="34" charset="-120"/>
+                <a:cs typeface="Times New Roman" panose="02020603050405020304" pitchFamily="18" charset="0"/>
+              </a:rPr>
+              <a:t>、元素</a:t>
+            </a:r>
+            <a:r>
+              <a:rPr lang="en-US" altLang="zh-TW" b="1" dirty="0">
+                <a:latin typeface="微軟正黑體" panose="020B0604030504040204" pitchFamily="34" charset="-120"/>
+                <a:ea typeface="微軟正黑體" panose="020B0604030504040204" pitchFamily="34" charset="-120"/>
+                <a:cs typeface="Times New Roman" panose="02020603050405020304" pitchFamily="18" charset="0"/>
+              </a:rPr>
+              <a:t>2</a:t>
+            </a:r>
+            <a:endParaRPr lang="zh-TW" altLang="en-US" b="1" dirty="0">
+              <a:latin typeface="微軟正黑體" panose="020B0604030504040204" pitchFamily="34" charset="-120"/>
+              <a:ea typeface="微軟正黑體" panose="020B0604030504040204" pitchFamily="34" charset="-120"/>
+              <a:cs typeface="Times New Roman" panose="02020603050405020304" pitchFamily="18" charset="0"/>
+            </a:endParaRPr>
+          </a:p>
+        </p:txBody>
+      </p:sp>
+      <p:sp>
+        <p:nvSpPr>
+          <p:cNvPr id="14" name="文字方塊 13">
+            <a:extLst>
+              <a:ext uri="{FF2B5EF4-FFF2-40B4-BE49-F238E27FC236}">
+                <a16:creationId xmlns:a16="http://schemas.microsoft.com/office/drawing/2014/main" id="{EB865D52-F255-01B6-8183-A2C7715CA419}"/>
+              </a:ext>
+            </a:extLst>
+          </p:cNvPr>
+          <p:cNvSpPr txBox="1"/>
+          <p:nvPr/>
+        </p:nvSpPr>
+        <p:spPr>
+          <a:xfrm>
+            <a:off x="4396271" y="1951892"/>
+            <a:ext cx="784189" cy="369332"/>
+          </a:xfrm>
+          <a:prstGeom prst="rect">
+            <a:avLst/>
+          </a:prstGeom>
+          <a:noFill/>
+        </p:spPr>
+        <p:txBody>
+          <a:bodyPr wrap="none" rtlCol="0">
+            <a:spAutoFit/>
+          </a:bodyPr>
+          <a:lstStyle/>
+          <a:p>
+            <a:r>
+              <a:rPr lang="zh-TW" altLang="en-US" b="1" dirty="0">
+                <a:latin typeface="微軟正黑體" panose="020B0604030504040204" pitchFamily="34" charset="-120"/>
+                <a:ea typeface="微軟正黑體" panose="020B0604030504040204" pitchFamily="34" charset="-120"/>
+                <a:cs typeface="Times New Roman" panose="02020603050405020304" pitchFamily="18" charset="0"/>
+              </a:rPr>
+              <a:t>元素</a:t>
+            </a:r>
+            <a:r>
+              <a:rPr lang="en-US" altLang="zh-TW" b="1" dirty="0">
+                <a:latin typeface="微軟正黑體" panose="020B0604030504040204" pitchFamily="34" charset="-120"/>
+                <a:ea typeface="微軟正黑體" panose="020B0604030504040204" pitchFamily="34" charset="-120"/>
+                <a:cs typeface="Times New Roman" panose="02020603050405020304" pitchFamily="18" charset="0"/>
+              </a:rPr>
+              <a:t>3</a:t>
+            </a:r>
+            <a:endParaRPr lang="zh-TW" altLang="en-US" b="1" dirty="0">
+              <a:latin typeface="微軟正黑體" panose="020B0604030504040204" pitchFamily="34" charset="-120"/>
+              <a:ea typeface="微軟正黑體" panose="020B0604030504040204" pitchFamily="34" charset="-120"/>
+              <a:cs typeface="Times New Roman" panose="02020603050405020304" pitchFamily="18" charset="0"/>
+            </a:endParaRPr>
+          </a:p>
+        </p:txBody>
+      </p:sp>
+      <p:sp>
+        <p:nvSpPr>
+          <p:cNvPr id="15" name="文字方塊 14">
+            <a:extLst>
+              <a:ext uri="{FF2B5EF4-FFF2-40B4-BE49-F238E27FC236}">
+                <a16:creationId xmlns:a16="http://schemas.microsoft.com/office/drawing/2014/main" id="{BFED1BA9-A50F-D721-5125-976999A36DB7}"/>
+              </a:ext>
+            </a:extLst>
+          </p:cNvPr>
+          <p:cNvSpPr txBox="1"/>
+          <p:nvPr/>
+        </p:nvSpPr>
+        <p:spPr>
+          <a:xfrm>
+            <a:off x="4396271" y="2532184"/>
+            <a:ext cx="1031051" cy="369332"/>
+          </a:xfrm>
+          <a:prstGeom prst="rect">
+            <a:avLst/>
+          </a:prstGeom>
+          <a:noFill/>
+        </p:spPr>
+        <p:txBody>
+          <a:bodyPr wrap="none" rtlCol="0">
+            <a:spAutoFit/>
+          </a:bodyPr>
+          <a:lstStyle/>
+          <a:p>
+            <a:r>
+              <a:rPr lang="en-US" altLang="zh-TW" b="1" dirty="0">
+                <a:latin typeface="微軟正黑體" panose="020B0604030504040204" pitchFamily="34" charset="-120"/>
+                <a:ea typeface="微軟正黑體" panose="020B0604030504040204" pitchFamily="34" charset="-120"/>
+                <a:cs typeface="Times New Roman" panose="02020603050405020304" pitchFamily="18" charset="0"/>
+              </a:rPr>
+              <a:t>(</a:t>
+            </a:r>
+            <a:r>
+              <a:rPr lang="zh-TW" altLang="en-US" b="1" dirty="0">
+                <a:latin typeface="微軟正黑體" panose="020B0604030504040204" pitchFamily="34" charset="-120"/>
+                <a:ea typeface="微軟正黑體" panose="020B0604030504040204" pitchFamily="34" charset="-120"/>
+                <a:cs typeface="Times New Roman" panose="02020603050405020304" pitchFamily="18" charset="0"/>
+              </a:rPr>
+              <a:t>空集合</a:t>
+            </a:r>
+            <a:r>
+              <a:rPr lang="en-US" altLang="zh-TW" b="1" dirty="0">
+                <a:latin typeface="微軟正黑體" panose="020B0604030504040204" pitchFamily="34" charset="-120"/>
+                <a:ea typeface="微軟正黑體" panose="020B0604030504040204" pitchFamily="34" charset="-120"/>
+                <a:cs typeface="Times New Roman" panose="02020603050405020304" pitchFamily="18" charset="0"/>
+              </a:rPr>
+              <a:t>)</a:t>
+            </a:r>
+            <a:endParaRPr lang="zh-TW" altLang="en-US" b="1" dirty="0">
+              <a:latin typeface="微軟正黑體" panose="020B0604030504040204" pitchFamily="34" charset="-120"/>
+              <a:ea typeface="微軟正黑體" panose="020B0604030504040204" pitchFamily="34" charset="-120"/>
+              <a:cs typeface="Times New Roman" panose="02020603050405020304" pitchFamily="18" charset="0"/>
+            </a:endParaRPr>
+          </a:p>
+        </p:txBody>
+      </p:sp>
+      <p:sp>
+        <p:nvSpPr>
+          <p:cNvPr id="16" name="文字方塊 15">
+            <a:extLst>
+              <a:ext uri="{FF2B5EF4-FFF2-40B4-BE49-F238E27FC236}">
+                <a16:creationId xmlns:a16="http://schemas.microsoft.com/office/drawing/2014/main" id="{651BA589-B719-6DEA-DB29-DCFBA56DD3E0}"/>
+              </a:ext>
+            </a:extLst>
+          </p:cNvPr>
+          <p:cNvSpPr txBox="1"/>
+          <p:nvPr/>
+        </p:nvSpPr>
+        <p:spPr>
+          <a:xfrm>
+            <a:off x="4396271" y="3112477"/>
+            <a:ext cx="2444900" cy="369332"/>
+          </a:xfrm>
+          <a:prstGeom prst="rect">
+            <a:avLst/>
+          </a:prstGeom>
+          <a:noFill/>
+        </p:spPr>
+        <p:txBody>
+          <a:bodyPr wrap="none" rtlCol="0">
+            <a:spAutoFit/>
+          </a:bodyPr>
+          <a:lstStyle/>
+          <a:p>
+            <a:r>
+              <a:rPr lang="zh-TW" altLang="en-US" b="1" dirty="0">
+                <a:latin typeface="微軟正黑體" panose="020B0604030504040204" pitchFamily="34" charset="-120"/>
+                <a:ea typeface="微軟正黑體" panose="020B0604030504040204" pitchFamily="34" charset="-120"/>
+                <a:cs typeface="Times New Roman" panose="02020603050405020304" pitchFamily="18" charset="0"/>
+              </a:rPr>
+              <a:t>元素</a:t>
+            </a:r>
+            <a:r>
+              <a:rPr lang="en-US" altLang="zh-TW" b="1" dirty="0">
+                <a:latin typeface="微軟正黑體" panose="020B0604030504040204" pitchFamily="34" charset="-120"/>
+                <a:ea typeface="微軟正黑體" panose="020B0604030504040204" pitchFamily="34" charset="-120"/>
+                <a:cs typeface="Times New Roman" panose="02020603050405020304" pitchFamily="18" charset="0"/>
+              </a:rPr>
+              <a:t>4</a:t>
+            </a:r>
+            <a:r>
+              <a:rPr lang="zh-TW" altLang="en-US" b="1" dirty="0">
+                <a:latin typeface="微軟正黑體" panose="020B0604030504040204" pitchFamily="34" charset="-120"/>
+                <a:ea typeface="微軟正黑體" panose="020B0604030504040204" pitchFamily="34" charset="-120"/>
+                <a:cs typeface="Times New Roman" panose="02020603050405020304" pitchFamily="18" charset="0"/>
+              </a:rPr>
+              <a:t>、元素</a:t>
+            </a:r>
+            <a:r>
+              <a:rPr lang="en-US" altLang="zh-TW" b="1" dirty="0">
+                <a:latin typeface="微軟正黑體" panose="020B0604030504040204" pitchFamily="34" charset="-120"/>
+                <a:ea typeface="微軟正黑體" panose="020B0604030504040204" pitchFamily="34" charset="-120"/>
+                <a:cs typeface="Times New Roman" panose="02020603050405020304" pitchFamily="18" charset="0"/>
+              </a:rPr>
+              <a:t>5</a:t>
+            </a:r>
+            <a:r>
+              <a:rPr lang="zh-TW" altLang="en-US" b="1" dirty="0">
+                <a:latin typeface="微軟正黑體" panose="020B0604030504040204" pitchFamily="34" charset="-120"/>
+                <a:ea typeface="微軟正黑體" panose="020B0604030504040204" pitchFamily="34" charset="-120"/>
+                <a:cs typeface="Times New Roman" panose="02020603050405020304" pitchFamily="18" charset="0"/>
+              </a:rPr>
+              <a:t>、元素</a:t>
+            </a:r>
+            <a:r>
+              <a:rPr lang="en-US" altLang="zh-TW" b="1" dirty="0">
+                <a:latin typeface="微軟正黑體" panose="020B0604030504040204" pitchFamily="34" charset="-120"/>
+                <a:ea typeface="微軟正黑體" panose="020B0604030504040204" pitchFamily="34" charset="-120"/>
+                <a:cs typeface="Times New Roman" panose="02020603050405020304" pitchFamily="18" charset="0"/>
+              </a:rPr>
+              <a:t>6</a:t>
+            </a:r>
+            <a:endParaRPr lang="zh-TW" altLang="en-US" b="1" dirty="0">
+              <a:latin typeface="微軟正黑體" panose="020B0604030504040204" pitchFamily="34" charset="-120"/>
+              <a:ea typeface="微軟正黑體" panose="020B0604030504040204" pitchFamily="34" charset="-120"/>
+              <a:cs typeface="Times New Roman" panose="02020603050405020304" pitchFamily="18" charset="0"/>
+            </a:endParaRPr>
+          </a:p>
+        </p:txBody>
+      </p:sp>
+      <p:sp>
+        <p:nvSpPr>
+          <p:cNvPr id="17" name="文字方塊 16">
+            <a:extLst>
+              <a:ext uri="{FF2B5EF4-FFF2-40B4-BE49-F238E27FC236}">
+                <a16:creationId xmlns:a16="http://schemas.microsoft.com/office/drawing/2014/main" id="{5CBE4FC4-CAB1-AB81-9990-CA5AA777BE4C}"/>
+              </a:ext>
+            </a:extLst>
+          </p:cNvPr>
+          <p:cNvSpPr txBox="1"/>
+          <p:nvPr/>
+        </p:nvSpPr>
+        <p:spPr>
+          <a:xfrm>
+            <a:off x="4396271" y="3692768"/>
+            <a:ext cx="784189" cy="369332"/>
+          </a:xfrm>
+          <a:prstGeom prst="rect">
+            <a:avLst/>
+          </a:prstGeom>
+          <a:noFill/>
+        </p:spPr>
+        <p:txBody>
+          <a:bodyPr wrap="none" rtlCol="0">
+            <a:spAutoFit/>
+          </a:bodyPr>
+          <a:lstStyle/>
+          <a:p>
+            <a:r>
+              <a:rPr lang="zh-TW" altLang="en-US" b="1" dirty="0">
+                <a:latin typeface="微軟正黑體" panose="020B0604030504040204" pitchFamily="34" charset="-120"/>
+                <a:ea typeface="微軟正黑體" panose="020B0604030504040204" pitchFamily="34" charset="-120"/>
+                <a:cs typeface="Times New Roman" panose="02020603050405020304" pitchFamily="18" charset="0"/>
+              </a:rPr>
+              <a:t>元素</a:t>
+            </a:r>
+            <a:r>
+              <a:rPr lang="en-US" altLang="zh-TW" b="1" dirty="0">
+                <a:latin typeface="微軟正黑體" panose="020B0604030504040204" pitchFamily="34" charset="-120"/>
+                <a:ea typeface="微軟正黑體" panose="020B0604030504040204" pitchFamily="34" charset="-120"/>
+                <a:cs typeface="Times New Roman" panose="02020603050405020304" pitchFamily="18" charset="0"/>
+              </a:rPr>
+              <a:t>7</a:t>
+            </a:r>
+            <a:endParaRPr lang="zh-TW" altLang="en-US" b="1" dirty="0">
+              <a:latin typeface="微軟正黑體" panose="020B0604030504040204" pitchFamily="34" charset="-120"/>
+              <a:ea typeface="微軟正黑體" panose="020B0604030504040204" pitchFamily="34" charset="-120"/>
+              <a:cs typeface="Times New Roman" panose="02020603050405020304" pitchFamily="18" charset="0"/>
+            </a:endParaRPr>
+          </a:p>
+        </p:txBody>
+      </p:sp>
+      <p:sp>
+        <p:nvSpPr>
+          <p:cNvPr id="18" name="文字方塊 17">
+            <a:extLst>
+              <a:ext uri="{FF2B5EF4-FFF2-40B4-BE49-F238E27FC236}">
+                <a16:creationId xmlns:a16="http://schemas.microsoft.com/office/drawing/2014/main" id="{A936233C-4F64-EC64-88C1-82DAA3F2A0AC}"/>
+              </a:ext>
+            </a:extLst>
+          </p:cNvPr>
+          <p:cNvSpPr txBox="1"/>
+          <p:nvPr/>
+        </p:nvSpPr>
+        <p:spPr>
+          <a:xfrm>
+            <a:off x="4396271" y="4273060"/>
+            <a:ext cx="3550972" cy="369332"/>
+          </a:xfrm>
+          <a:prstGeom prst="rect">
+            <a:avLst/>
+          </a:prstGeom>
+          <a:noFill/>
+        </p:spPr>
+        <p:txBody>
+          <a:bodyPr wrap="none" rtlCol="0">
+            <a:spAutoFit/>
+          </a:bodyPr>
+          <a:lstStyle/>
+          <a:p>
+            <a:r>
+              <a:rPr lang="zh-TW" altLang="en-US" b="1" dirty="0">
+                <a:latin typeface="微軟正黑體" panose="020B0604030504040204" pitchFamily="34" charset="-120"/>
+                <a:ea typeface="微軟正黑體" panose="020B0604030504040204" pitchFamily="34" charset="-120"/>
+                <a:cs typeface="Times New Roman" panose="02020603050405020304" pitchFamily="18" charset="0"/>
+              </a:rPr>
+              <a:t>元素</a:t>
+            </a:r>
+            <a:r>
+              <a:rPr lang="en-US" altLang="zh-TW" b="1" dirty="0">
+                <a:latin typeface="微軟正黑體" panose="020B0604030504040204" pitchFamily="34" charset="-120"/>
+                <a:ea typeface="微軟正黑體" panose="020B0604030504040204" pitchFamily="34" charset="-120"/>
+                <a:cs typeface="Times New Roman" panose="02020603050405020304" pitchFamily="18" charset="0"/>
+              </a:rPr>
+              <a:t>8</a:t>
+            </a:r>
+            <a:r>
+              <a:rPr lang="zh-TW" altLang="en-US" b="1" dirty="0">
+                <a:latin typeface="微軟正黑體" panose="020B0604030504040204" pitchFamily="34" charset="-120"/>
+                <a:ea typeface="微軟正黑體" panose="020B0604030504040204" pitchFamily="34" charset="-120"/>
+                <a:cs typeface="Times New Roman" panose="02020603050405020304" pitchFamily="18" charset="0"/>
+              </a:rPr>
+              <a:t>、元素</a:t>
+            </a:r>
+            <a:r>
+              <a:rPr lang="en-US" altLang="zh-TW" b="1" dirty="0">
+                <a:latin typeface="微軟正黑體" panose="020B0604030504040204" pitchFamily="34" charset="-120"/>
+                <a:ea typeface="微軟正黑體" panose="020B0604030504040204" pitchFamily="34" charset="-120"/>
+                <a:cs typeface="Times New Roman" panose="02020603050405020304" pitchFamily="18" charset="0"/>
+              </a:rPr>
+              <a:t>9</a:t>
+            </a:r>
+            <a:r>
+              <a:rPr lang="zh-TW" altLang="en-US" b="1" dirty="0">
+                <a:latin typeface="微軟正黑體" panose="020B0604030504040204" pitchFamily="34" charset="-120"/>
+                <a:ea typeface="微軟正黑體" panose="020B0604030504040204" pitchFamily="34" charset="-120"/>
+                <a:cs typeface="Times New Roman" panose="02020603050405020304" pitchFamily="18" charset="0"/>
+              </a:rPr>
+              <a:t>、元素</a:t>
+            </a:r>
+            <a:r>
+              <a:rPr lang="en-US" altLang="zh-TW" b="1" dirty="0">
+                <a:latin typeface="微軟正黑體" panose="020B0604030504040204" pitchFamily="34" charset="-120"/>
+                <a:ea typeface="微軟正黑體" panose="020B0604030504040204" pitchFamily="34" charset="-120"/>
+                <a:cs typeface="Times New Roman" panose="02020603050405020304" pitchFamily="18" charset="0"/>
+              </a:rPr>
+              <a:t>10</a:t>
+            </a:r>
+            <a:r>
+              <a:rPr lang="zh-TW" altLang="en-US" b="1" dirty="0">
+                <a:latin typeface="微軟正黑體" panose="020B0604030504040204" pitchFamily="34" charset="-120"/>
+                <a:ea typeface="微軟正黑體" panose="020B0604030504040204" pitchFamily="34" charset="-120"/>
+                <a:cs typeface="Times New Roman" panose="02020603050405020304" pitchFamily="18" charset="0"/>
+              </a:rPr>
+              <a:t>、元素</a:t>
+            </a:r>
+            <a:r>
+              <a:rPr lang="en-US" altLang="zh-TW" b="1" dirty="0">
+                <a:latin typeface="微軟正黑體" panose="020B0604030504040204" pitchFamily="34" charset="-120"/>
+                <a:ea typeface="微軟正黑體" panose="020B0604030504040204" pitchFamily="34" charset="-120"/>
+                <a:cs typeface="Times New Roman" panose="02020603050405020304" pitchFamily="18" charset="0"/>
+              </a:rPr>
+              <a:t>11</a:t>
+            </a:r>
+            <a:endParaRPr lang="zh-TW" altLang="en-US" b="1" dirty="0">
+              <a:latin typeface="微軟正黑體" panose="020B0604030504040204" pitchFamily="34" charset="-120"/>
+              <a:ea typeface="微軟正黑體" panose="020B0604030504040204" pitchFamily="34" charset="-120"/>
+              <a:cs typeface="Times New Roman" panose="02020603050405020304" pitchFamily="18" charset="0"/>
+            </a:endParaRPr>
+          </a:p>
+        </p:txBody>
+      </p:sp>
+      <p:sp>
+        <p:nvSpPr>
+          <p:cNvPr id="19" name="文字方塊 20">
+            <a:extLst>
+              <a:ext uri="{FF2B5EF4-FFF2-40B4-BE49-F238E27FC236}">
+                <a16:creationId xmlns:a16="http://schemas.microsoft.com/office/drawing/2014/main" id="{A0A41AAD-0251-17CE-2644-FC15B75BC2EC}"/>
+              </a:ext>
+            </a:extLst>
+          </p:cNvPr>
+          <p:cNvSpPr txBox="1"/>
+          <p:nvPr/>
+        </p:nvSpPr>
+        <p:spPr>
+          <a:xfrm>
+            <a:off x="4396271" y="4853352"/>
+            <a:ext cx="1890261" cy="369332"/>
+          </a:xfrm>
+          <a:prstGeom prst="rect">
+            <a:avLst/>
+          </a:prstGeom>
+          <a:noFill/>
+        </p:spPr>
+        <p:txBody>
+          <a:bodyPr wrap="none" rtlCol="0">
+            <a:spAutoFit/>
+          </a:bodyPr>
+          <a:lstStyle/>
+          <a:p>
+            <a:r>
+              <a:rPr lang="zh-TW" altLang="en-US" b="1" dirty="0">
+                <a:latin typeface="微軟正黑體" panose="020B0604030504040204" pitchFamily="34" charset="-120"/>
+                <a:ea typeface="微軟正黑體" panose="020B0604030504040204" pitchFamily="34" charset="-120"/>
+                <a:cs typeface="Times New Roman" panose="02020603050405020304" pitchFamily="18" charset="0"/>
+              </a:rPr>
+              <a:t>元素</a:t>
+            </a:r>
+            <a:r>
+              <a:rPr lang="en-US" altLang="zh-TW" b="1" dirty="0">
+                <a:latin typeface="微軟正黑體" panose="020B0604030504040204" pitchFamily="34" charset="-120"/>
+                <a:ea typeface="微軟正黑體" panose="020B0604030504040204" pitchFamily="34" charset="-120"/>
+                <a:cs typeface="Times New Roman" panose="02020603050405020304" pitchFamily="18" charset="0"/>
+              </a:rPr>
+              <a:t>12</a:t>
+            </a:r>
+            <a:r>
+              <a:rPr lang="zh-TW" altLang="en-US" b="1" dirty="0">
+                <a:latin typeface="微軟正黑體" panose="020B0604030504040204" pitchFamily="34" charset="-120"/>
+                <a:ea typeface="微軟正黑體" panose="020B0604030504040204" pitchFamily="34" charset="-120"/>
+                <a:cs typeface="Times New Roman" panose="02020603050405020304" pitchFamily="18" charset="0"/>
+              </a:rPr>
+              <a:t>、元素</a:t>
+            </a:r>
+            <a:r>
+              <a:rPr lang="en-US" altLang="zh-TW" b="1" dirty="0">
+                <a:latin typeface="微軟正黑體" panose="020B0604030504040204" pitchFamily="34" charset="-120"/>
+                <a:ea typeface="微軟正黑體" panose="020B0604030504040204" pitchFamily="34" charset="-120"/>
+                <a:cs typeface="Times New Roman" panose="02020603050405020304" pitchFamily="18" charset="0"/>
+              </a:rPr>
+              <a:t>13</a:t>
+            </a:r>
+            <a:endParaRPr lang="zh-TW" altLang="en-US" b="1" dirty="0">
+              <a:latin typeface="微軟正黑體" panose="020B0604030504040204" pitchFamily="34" charset="-120"/>
+              <a:ea typeface="微軟正黑體" panose="020B0604030504040204" pitchFamily="34" charset="-120"/>
+              <a:cs typeface="Times New Roman" panose="02020603050405020304" pitchFamily="18" charset="0"/>
+            </a:endParaRPr>
+          </a:p>
+        </p:txBody>
+      </p:sp>
+      <p:sp>
+        <p:nvSpPr>
+          <p:cNvPr id="20" name="文字方塊 21">
+            <a:extLst>
+              <a:ext uri="{FF2B5EF4-FFF2-40B4-BE49-F238E27FC236}">
+                <a16:creationId xmlns:a16="http://schemas.microsoft.com/office/drawing/2014/main" id="{56486791-0A2D-4602-BB81-8D3BA55B936B}"/>
+              </a:ext>
+            </a:extLst>
+          </p:cNvPr>
+          <p:cNvSpPr txBox="1"/>
+          <p:nvPr/>
+        </p:nvSpPr>
+        <p:spPr>
+          <a:xfrm>
+            <a:off x="4735614" y="817793"/>
+            <a:ext cx="800219" cy="461665"/>
+          </a:xfrm>
+          <a:prstGeom prst="rect">
+            <a:avLst/>
+          </a:prstGeom>
+          <a:noFill/>
+        </p:spPr>
+        <p:txBody>
+          <a:bodyPr wrap="square" rtlCol="0">
+            <a:spAutoFit/>
+          </a:bodyPr>
+          <a:lstStyle/>
+          <a:p>
+            <a:r>
+              <a:rPr lang="zh-TW" altLang="en-US" sz="2400" b="1" dirty="0">
+                <a:solidFill>
+                  <a:srgbClr val="002060"/>
+                </a:solidFill>
+                <a:latin typeface="微軟正黑體" panose="020B0604030504040204" pitchFamily="34" charset="-120"/>
+                <a:ea typeface="微軟正黑體" panose="020B0604030504040204" pitchFamily="34" charset="-120"/>
+                <a:cs typeface="Times New Roman" panose="02020603050405020304" pitchFamily="18" charset="0"/>
+              </a:rPr>
+              <a:t>元素</a:t>
+            </a:r>
+          </a:p>
+        </p:txBody>
+      </p:sp>
+      <p:sp>
+        <p:nvSpPr>
+          <p:cNvPr id="21" name="文字方塊 22">
+            <a:extLst>
+              <a:ext uri="{FF2B5EF4-FFF2-40B4-BE49-F238E27FC236}">
+                <a16:creationId xmlns:a16="http://schemas.microsoft.com/office/drawing/2014/main" id="{6FF14040-AA58-7D5C-AFF8-27C5B621EB52}"/>
+              </a:ext>
+            </a:extLst>
+          </p:cNvPr>
+          <p:cNvSpPr txBox="1"/>
+          <p:nvPr/>
+        </p:nvSpPr>
+        <p:spPr>
+          <a:xfrm>
+            <a:off x="8024447" y="817793"/>
+            <a:ext cx="1428544" cy="461665"/>
+          </a:xfrm>
+          <a:prstGeom prst="rect">
+            <a:avLst/>
+          </a:prstGeom>
+          <a:noFill/>
+        </p:spPr>
+        <p:txBody>
+          <a:bodyPr wrap="square" rtlCol="0">
+            <a:spAutoFit/>
+          </a:bodyPr>
+          <a:lstStyle/>
+          <a:p>
+            <a:r>
+              <a:rPr lang="zh-TW" altLang="en-US" sz="2400" b="1" dirty="0">
+                <a:solidFill>
+                  <a:schemeClr val="accent4">
+                    <a:lumMod val="75000"/>
+                  </a:schemeClr>
+                </a:solidFill>
+                <a:latin typeface="微軟正黑體" panose="020B0604030504040204" pitchFamily="34" charset="-120"/>
+                <a:ea typeface="微軟正黑體" panose="020B0604030504040204" pitchFamily="34" charset="-120"/>
+                <a:cs typeface="Times New Roman" panose="02020603050405020304" pitchFamily="18" charset="0"/>
+              </a:rPr>
+              <a:t>元素個數</a:t>
+            </a:r>
+          </a:p>
+        </p:txBody>
+      </p:sp>
+      <p:cxnSp>
+        <p:nvCxnSpPr>
+          <p:cNvPr id="22" name="直線單箭頭接點 24">
+            <a:extLst>
+              <a:ext uri="{FF2B5EF4-FFF2-40B4-BE49-F238E27FC236}">
+                <a16:creationId xmlns:a16="http://schemas.microsoft.com/office/drawing/2014/main" id="{657BB868-070E-E6FE-46AA-0966F4A25B40}"/>
+              </a:ext>
+            </a:extLst>
+          </p:cNvPr>
+          <p:cNvCxnSpPr>
+            <a:stCxn id="4" idx="3"/>
+            <a:endCxn id="13" idx="1"/>
+          </p:cNvCxnSpPr>
+          <p:nvPr/>
+        </p:nvCxnSpPr>
+        <p:spPr>
+          <a:xfrm>
+            <a:off x="4057155" y="1556266"/>
+            <a:ext cx="339116" cy="0"/>
+          </a:xfrm>
+          <a:prstGeom prst="straightConnector1">
+            <a:avLst/>
+          </a:prstGeom>
+          <a:ln w="28575">
+            <a:solidFill>
+              <a:schemeClr val="accent5">
+                <a:lumMod val="50000"/>
+              </a:schemeClr>
+            </a:solidFill>
+            <a:tailEnd type="triangle"/>
+          </a:ln>
+        </p:spPr>
+        <p:style>
+          <a:lnRef idx="1">
+            <a:schemeClr val="accent1"/>
+          </a:lnRef>
+          <a:fillRef idx="0">
+            <a:schemeClr val="accent1"/>
+          </a:fillRef>
+          <a:effectRef idx="0">
+            <a:schemeClr val="accent1"/>
+          </a:effectRef>
+          <a:fontRef idx="minor">
+            <a:schemeClr val="tx1"/>
+          </a:fontRef>
+        </p:style>
+      </p:cxnSp>
+      <p:cxnSp>
+        <p:nvCxnSpPr>
+          <p:cNvPr id="23" name="直線單箭頭接點 26">
+            <a:extLst>
+              <a:ext uri="{FF2B5EF4-FFF2-40B4-BE49-F238E27FC236}">
+                <a16:creationId xmlns:a16="http://schemas.microsoft.com/office/drawing/2014/main" id="{987558F2-B1E8-28CD-CE9F-A31450F2B835}"/>
+              </a:ext>
+            </a:extLst>
+          </p:cNvPr>
+          <p:cNvCxnSpPr>
+            <a:cxnSpLocks/>
+            <a:stCxn id="5" idx="3"/>
+            <a:endCxn id="14" idx="1"/>
+          </p:cNvCxnSpPr>
+          <p:nvPr/>
+        </p:nvCxnSpPr>
+        <p:spPr>
+          <a:xfrm>
+            <a:off x="4057155" y="2136558"/>
+            <a:ext cx="339116" cy="0"/>
+          </a:xfrm>
+          <a:prstGeom prst="straightConnector1">
+            <a:avLst/>
+          </a:prstGeom>
+          <a:ln w="28575">
+            <a:solidFill>
+              <a:schemeClr val="accent5">
+                <a:lumMod val="50000"/>
+              </a:schemeClr>
+            </a:solidFill>
+            <a:tailEnd type="triangle"/>
+          </a:ln>
+        </p:spPr>
+        <p:style>
+          <a:lnRef idx="1">
+            <a:schemeClr val="accent1"/>
+          </a:lnRef>
+          <a:fillRef idx="0">
+            <a:schemeClr val="accent1"/>
+          </a:fillRef>
+          <a:effectRef idx="0">
+            <a:schemeClr val="accent1"/>
+          </a:effectRef>
+          <a:fontRef idx="minor">
+            <a:schemeClr val="tx1"/>
+          </a:fontRef>
+        </p:style>
+      </p:cxnSp>
+      <p:cxnSp>
+        <p:nvCxnSpPr>
+          <p:cNvPr id="24" name="直線單箭頭接點 29">
+            <a:extLst>
+              <a:ext uri="{FF2B5EF4-FFF2-40B4-BE49-F238E27FC236}">
+                <a16:creationId xmlns:a16="http://schemas.microsoft.com/office/drawing/2014/main" id="{CB8510BC-FAF7-BBD8-EB3E-2916CF6ECA69}"/>
+              </a:ext>
+            </a:extLst>
+          </p:cNvPr>
+          <p:cNvCxnSpPr>
+            <a:cxnSpLocks/>
+            <a:stCxn id="6" idx="3"/>
+            <a:endCxn id="15" idx="1"/>
+          </p:cNvCxnSpPr>
+          <p:nvPr/>
+        </p:nvCxnSpPr>
+        <p:spPr>
+          <a:xfrm>
+            <a:off x="4057155" y="2716850"/>
+            <a:ext cx="339116" cy="0"/>
+          </a:xfrm>
+          <a:prstGeom prst="straightConnector1">
+            <a:avLst/>
+          </a:prstGeom>
+          <a:ln w="28575">
+            <a:solidFill>
+              <a:schemeClr val="accent5">
+                <a:lumMod val="50000"/>
+              </a:schemeClr>
+            </a:solidFill>
+            <a:tailEnd type="triangle"/>
+          </a:ln>
+        </p:spPr>
+        <p:style>
+          <a:lnRef idx="1">
+            <a:schemeClr val="accent1"/>
+          </a:lnRef>
+          <a:fillRef idx="0">
+            <a:schemeClr val="accent1"/>
+          </a:fillRef>
+          <a:effectRef idx="0">
+            <a:schemeClr val="accent1"/>
+          </a:effectRef>
+          <a:fontRef idx="minor">
+            <a:schemeClr val="tx1"/>
+          </a:fontRef>
+        </p:style>
+      </p:cxnSp>
+      <p:cxnSp>
+        <p:nvCxnSpPr>
+          <p:cNvPr id="25" name="直線單箭頭接點 32">
+            <a:extLst>
+              <a:ext uri="{FF2B5EF4-FFF2-40B4-BE49-F238E27FC236}">
+                <a16:creationId xmlns:a16="http://schemas.microsoft.com/office/drawing/2014/main" id="{CB31A691-6578-4EE7-EC3C-8D1279D2DF0B}"/>
+              </a:ext>
+            </a:extLst>
+          </p:cNvPr>
+          <p:cNvCxnSpPr>
+            <a:cxnSpLocks/>
+            <a:stCxn id="7" idx="3"/>
+            <a:endCxn id="16" idx="1"/>
+          </p:cNvCxnSpPr>
+          <p:nvPr/>
+        </p:nvCxnSpPr>
+        <p:spPr>
+          <a:xfrm>
+            <a:off x="4057155" y="3297142"/>
+            <a:ext cx="339116" cy="1"/>
+          </a:xfrm>
+          <a:prstGeom prst="straightConnector1">
+            <a:avLst/>
+          </a:prstGeom>
+          <a:ln w="28575">
+            <a:solidFill>
+              <a:schemeClr val="accent5">
+                <a:lumMod val="50000"/>
+              </a:schemeClr>
+            </a:solidFill>
+            <a:tailEnd type="triangle"/>
+          </a:ln>
+        </p:spPr>
+        <p:style>
+          <a:lnRef idx="1">
+            <a:schemeClr val="accent1"/>
+          </a:lnRef>
+          <a:fillRef idx="0">
+            <a:schemeClr val="accent1"/>
+          </a:fillRef>
+          <a:effectRef idx="0">
+            <a:schemeClr val="accent1"/>
+          </a:effectRef>
+          <a:fontRef idx="minor">
+            <a:schemeClr val="tx1"/>
+          </a:fontRef>
+        </p:style>
+      </p:cxnSp>
+      <p:cxnSp>
+        <p:nvCxnSpPr>
+          <p:cNvPr id="26" name="直線單箭頭接點 35">
+            <a:extLst>
+              <a:ext uri="{FF2B5EF4-FFF2-40B4-BE49-F238E27FC236}">
+                <a16:creationId xmlns:a16="http://schemas.microsoft.com/office/drawing/2014/main" id="{08033F8E-22CD-79E4-5BD5-AA515AC33437}"/>
+              </a:ext>
+            </a:extLst>
+          </p:cNvPr>
+          <p:cNvCxnSpPr>
+            <a:cxnSpLocks/>
+            <a:stCxn id="8" idx="3"/>
+            <a:endCxn id="17" idx="1"/>
+          </p:cNvCxnSpPr>
+          <p:nvPr/>
+        </p:nvCxnSpPr>
+        <p:spPr>
+          <a:xfrm>
+            <a:off x="4057155" y="3877434"/>
+            <a:ext cx="339116" cy="0"/>
+          </a:xfrm>
+          <a:prstGeom prst="straightConnector1">
+            <a:avLst/>
+          </a:prstGeom>
+          <a:ln w="28575">
+            <a:solidFill>
+              <a:schemeClr val="accent5">
+                <a:lumMod val="50000"/>
+              </a:schemeClr>
+            </a:solidFill>
+            <a:tailEnd type="triangle"/>
+          </a:ln>
+        </p:spPr>
+        <p:style>
+          <a:lnRef idx="1">
+            <a:schemeClr val="accent1"/>
+          </a:lnRef>
+          <a:fillRef idx="0">
+            <a:schemeClr val="accent1"/>
+          </a:fillRef>
+          <a:effectRef idx="0">
+            <a:schemeClr val="accent1"/>
+          </a:effectRef>
+          <a:fontRef idx="minor">
+            <a:schemeClr val="tx1"/>
+          </a:fontRef>
+        </p:style>
+      </p:cxnSp>
+      <p:cxnSp>
+        <p:nvCxnSpPr>
+          <p:cNvPr id="27" name="直線單箭頭接點 39">
+            <a:extLst>
+              <a:ext uri="{FF2B5EF4-FFF2-40B4-BE49-F238E27FC236}">
+                <a16:creationId xmlns:a16="http://schemas.microsoft.com/office/drawing/2014/main" id="{C6889851-E581-2224-976C-61427CFFE05E}"/>
+              </a:ext>
+            </a:extLst>
+          </p:cNvPr>
+          <p:cNvCxnSpPr>
+            <a:cxnSpLocks/>
+            <a:stCxn id="9" idx="3"/>
+            <a:endCxn id="18" idx="1"/>
+          </p:cNvCxnSpPr>
+          <p:nvPr/>
+        </p:nvCxnSpPr>
+        <p:spPr>
+          <a:xfrm>
+            <a:off x="4057155" y="4457726"/>
+            <a:ext cx="339116" cy="0"/>
+          </a:xfrm>
+          <a:prstGeom prst="straightConnector1">
+            <a:avLst/>
+          </a:prstGeom>
+          <a:ln w="28575">
+            <a:solidFill>
+              <a:schemeClr val="accent5">
+                <a:lumMod val="50000"/>
+              </a:schemeClr>
+            </a:solidFill>
+            <a:tailEnd type="triangle"/>
+          </a:ln>
+        </p:spPr>
+        <p:style>
+          <a:lnRef idx="1">
+            <a:schemeClr val="accent1"/>
+          </a:lnRef>
+          <a:fillRef idx="0">
+            <a:schemeClr val="accent1"/>
+          </a:fillRef>
+          <a:effectRef idx="0">
+            <a:schemeClr val="accent1"/>
+          </a:effectRef>
+          <a:fontRef idx="minor">
+            <a:schemeClr val="tx1"/>
+          </a:fontRef>
+        </p:style>
+      </p:cxnSp>
+      <p:cxnSp>
+        <p:nvCxnSpPr>
+          <p:cNvPr id="28" name="直線單箭頭接點 42">
+            <a:extLst>
+              <a:ext uri="{FF2B5EF4-FFF2-40B4-BE49-F238E27FC236}">
+                <a16:creationId xmlns:a16="http://schemas.microsoft.com/office/drawing/2014/main" id="{4000A893-129F-8400-65CF-5C4B20ECEE23}"/>
+              </a:ext>
+            </a:extLst>
+          </p:cNvPr>
+          <p:cNvCxnSpPr>
+            <a:cxnSpLocks/>
+            <a:stCxn id="10" idx="3"/>
+            <a:endCxn id="19" idx="1"/>
+          </p:cNvCxnSpPr>
+          <p:nvPr/>
+        </p:nvCxnSpPr>
+        <p:spPr>
+          <a:xfrm>
+            <a:off x="4057155" y="5038018"/>
+            <a:ext cx="339116" cy="0"/>
+          </a:xfrm>
+          <a:prstGeom prst="straightConnector1">
+            <a:avLst/>
+          </a:prstGeom>
+          <a:ln w="28575">
+            <a:solidFill>
+              <a:schemeClr val="accent5">
+                <a:lumMod val="50000"/>
+              </a:schemeClr>
+            </a:solidFill>
+            <a:tailEnd type="triangle"/>
+          </a:ln>
+        </p:spPr>
+        <p:style>
+          <a:lnRef idx="1">
+            <a:schemeClr val="accent1"/>
+          </a:lnRef>
+          <a:fillRef idx="0">
+            <a:schemeClr val="accent1"/>
+          </a:fillRef>
+          <a:effectRef idx="0">
+            <a:schemeClr val="accent1"/>
+          </a:effectRef>
+          <a:fontRef idx="minor">
+            <a:schemeClr val="tx1"/>
+          </a:fontRef>
+        </p:style>
+      </p:cxnSp>
+      <p:cxnSp>
+        <p:nvCxnSpPr>
+          <p:cNvPr id="29" name="直線單箭頭接點 45">
+            <a:extLst>
+              <a:ext uri="{FF2B5EF4-FFF2-40B4-BE49-F238E27FC236}">
+                <a16:creationId xmlns:a16="http://schemas.microsoft.com/office/drawing/2014/main" id="{79CFE312-BE44-AF33-4F5E-97CE77B89F64}"/>
+              </a:ext>
+            </a:extLst>
+          </p:cNvPr>
+          <p:cNvCxnSpPr>
+            <a:cxnSpLocks/>
+            <a:stCxn id="13" idx="3"/>
+            <a:endCxn id="30" idx="1"/>
+          </p:cNvCxnSpPr>
+          <p:nvPr/>
+        </p:nvCxnSpPr>
+        <p:spPr>
+          <a:xfrm>
+            <a:off x="6010816" y="1556266"/>
+            <a:ext cx="2433591" cy="0"/>
+          </a:xfrm>
+          <a:prstGeom prst="straightConnector1">
+            <a:avLst/>
+          </a:prstGeom>
+          <a:ln w="28575">
+            <a:solidFill>
+              <a:schemeClr val="accent4">
+                <a:lumMod val="75000"/>
+              </a:schemeClr>
+            </a:solidFill>
+            <a:tailEnd type="triangle"/>
+          </a:ln>
+        </p:spPr>
+        <p:style>
+          <a:lnRef idx="1">
+            <a:schemeClr val="accent1"/>
+          </a:lnRef>
+          <a:fillRef idx="0">
+            <a:schemeClr val="accent1"/>
+          </a:fillRef>
+          <a:effectRef idx="0">
+            <a:schemeClr val="accent1"/>
+          </a:effectRef>
+          <a:fontRef idx="minor">
+            <a:schemeClr val="tx1"/>
+          </a:fontRef>
+        </p:style>
+      </p:cxnSp>
+      <p:sp>
+        <p:nvSpPr>
+          <p:cNvPr id="30" name="文字方塊 49">
+            <a:extLst>
+              <a:ext uri="{FF2B5EF4-FFF2-40B4-BE49-F238E27FC236}">
+                <a16:creationId xmlns:a16="http://schemas.microsoft.com/office/drawing/2014/main" id="{3FB4576E-82A2-D23A-9EB3-07A5830C2871}"/>
+              </a:ext>
+            </a:extLst>
+          </p:cNvPr>
+          <p:cNvSpPr txBox="1"/>
+          <p:nvPr/>
+        </p:nvSpPr>
+        <p:spPr>
+          <a:xfrm>
+            <a:off x="8444407" y="1371600"/>
+            <a:ext cx="611065" cy="369332"/>
+          </a:xfrm>
+          <a:prstGeom prst="rect">
+            <a:avLst/>
+          </a:prstGeom>
+          <a:noFill/>
+        </p:spPr>
+        <p:txBody>
+          <a:bodyPr wrap="none" rtlCol="0">
+            <a:spAutoFit/>
+          </a:bodyPr>
+          <a:lstStyle/>
+          <a:p>
+            <a:r>
+              <a:rPr lang="en-US" altLang="zh-TW" b="1" dirty="0">
+                <a:latin typeface="微軟正黑體" panose="020B0604030504040204" pitchFamily="34" charset="-120"/>
+                <a:ea typeface="微軟正黑體" panose="020B0604030504040204" pitchFamily="34" charset="-120"/>
+                <a:cs typeface="Times New Roman" panose="02020603050405020304" pitchFamily="18" charset="0"/>
+              </a:rPr>
+              <a:t>2</a:t>
+            </a:r>
+            <a:r>
+              <a:rPr lang="zh-TW" altLang="en-US" b="1" dirty="0">
+                <a:latin typeface="微軟正黑體" panose="020B0604030504040204" pitchFamily="34" charset="-120"/>
+                <a:ea typeface="微軟正黑體" panose="020B0604030504040204" pitchFamily="34" charset="-120"/>
+                <a:cs typeface="Times New Roman" panose="02020603050405020304" pitchFamily="18" charset="0"/>
+              </a:rPr>
+              <a:t> 個</a:t>
+            </a:r>
+          </a:p>
+        </p:txBody>
+      </p:sp>
+      <p:sp>
+        <p:nvSpPr>
+          <p:cNvPr id="31" name="文字方塊 50">
+            <a:extLst>
+              <a:ext uri="{FF2B5EF4-FFF2-40B4-BE49-F238E27FC236}">
+                <a16:creationId xmlns:a16="http://schemas.microsoft.com/office/drawing/2014/main" id="{A30AE513-F218-76B9-153E-D2D1387E9028}"/>
+              </a:ext>
+            </a:extLst>
+          </p:cNvPr>
+          <p:cNvSpPr txBox="1"/>
+          <p:nvPr/>
+        </p:nvSpPr>
+        <p:spPr>
+          <a:xfrm>
+            <a:off x="8444407" y="1951892"/>
+            <a:ext cx="611065" cy="369332"/>
+          </a:xfrm>
+          <a:prstGeom prst="rect">
+            <a:avLst/>
+          </a:prstGeom>
+          <a:noFill/>
+        </p:spPr>
+        <p:txBody>
+          <a:bodyPr wrap="none" rtlCol="0">
+            <a:spAutoFit/>
+          </a:bodyPr>
+          <a:lstStyle/>
+          <a:p>
+            <a:r>
+              <a:rPr lang="en-US" altLang="zh-TW" b="1" dirty="0">
+                <a:latin typeface="微軟正黑體" panose="020B0604030504040204" pitchFamily="34" charset="-120"/>
+                <a:ea typeface="微軟正黑體" panose="020B0604030504040204" pitchFamily="34" charset="-120"/>
+                <a:cs typeface="Times New Roman" panose="02020603050405020304" pitchFamily="18" charset="0"/>
+              </a:rPr>
+              <a:t>1</a:t>
+            </a:r>
+            <a:r>
+              <a:rPr lang="zh-TW" altLang="en-US" b="1" dirty="0">
+                <a:latin typeface="微軟正黑體" panose="020B0604030504040204" pitchFamily="34" charset="-120"/>
+                <a:ea typeface="微軟正黑體" panose="020B0604030504040204" pitchFamily="34" charset="-120"/>
+                <a:cs typeface="Times New Roman" panose="02020603050405020304" pitchFamily="18" charset="0"/>
+              </a:rPr>
+              <a:t> 個</a:t>
+            </a:r>
+          </a:p>
+        </p:txBody>
+      </p:sp>
+      <p:sp>
+        <p:nvSpPr>
+          <p:cNvPr id="32" name="文字方塊 51">
+            <a:extLst>
+              <a:ext uri="{FF2B5EF4-FFF2-40B4-BE49-F238E27FC236}">
+                <a16:creationId xmlns:a16="http://schemas.microsoft.com/office/drawing/2014/main" id="{A8E45D74-E628-EAB1-718F-7A35F350C7C1}"/>
+              </a:ext>
+            </a:extLst>
+          </p:cNvPr>
+          <p:cNvSpPr txBox="1"/>
+          <p:nvPr/>
+        </p:nvSpPr>
+        <p:spPr>
+          <a:xfrm>
+            <a:off x="8444407" y="2532184"/>
+            <a:ext cx="611065" cy="369332"/>
+          </a:xfrm>
+          <a:prstGeom prst="rect">
+            <a:avLst/>
+          </a:prstGeom>
+          <a:noFill/>
+        </p:spPr>
+        <p:txBody>
+          <a:bodyPr wrap="none" rtlCol="0">
+            <a:spAutoFit/>
+          </a:bodyPr>
+          <a:lstStyle/>
+          <a:p>
+            <a:r>
+              <a:rPr lang="en-US" altLang="zh-TW" b="1" dirty="0">
+                <a:latin typeface="微軟正黑體" panose="020B0604030504040204" pitchFamily="34" charset="-120"/>
+                <a:ea typeface="微軟正黑體" panose="020B0604030504040204" pitchFamily="34" charset="-120"/>
+                <a:cs typeface="Times New Roman" panose="02020603050405020304" pitchFamily="18" charset="0"/>
+              </a:rPr>
+              <a:t>0</a:t>
+            </a:r>
+            <a:r>
+              <a:rPr lang="zh-TW" altLang="en-US" b="1" dirty="0">
+                <a:latin typeface="微軟正黑體" panose="020B0604030504040204" pitchFamily="34" charset="-120"/>
+                <a:ea typeface="微軟正黑體" panose="020B0604030504040204" pitchFamily="34" charset="-120"/>
+                <a:cs typeface="Times New Roman" panose="02020603050405020304" pitchFamily="18" charset="0"/>
+              </a:rPr>
+              <a:t> 個</a:t>
+            </a:r>
+          </a:p>
+        </p:txBody>
+      </p:sp>
+      <p:sp>
+        <p:nvSpPr>
+          <p:cNvPr id="33" name="文字方塊 52">
+            <a:extLst>
+              <a:ext uri="{FF2B5EF4-FFF2-40B4-BE49-F238E27FC236}">
+                <a16:creationId xmlns:a16="http://schemas.microsoft.com/office/drawing/2014/main" id="{C77E855E-546F-0344-ED0A-11356F8D21D2}"/>
+              </a:ext>
+            </a:extLst>
+          </p:cNvPr>
+          <p:cNvSpPr txBox="1"/>
+          <p:nvPr/>
+        </p:nvSpPr>
+        <p:spPr>
+          <a:xfrm>
+            <a:off x="8444407" y="3112476"/>
+            <a:ext cx="611065" cy="369332"/>
+          </a:xfrm>
+          <a:prstGeom prst="rect">
+            <a:avLst/>
+          </a:prstGeom>
+          <a:noFill/>
+        </p:spPr>
+        <p:txBody>
+          <a:bodyPr wrap="none" rtlCol="0">
+            <a:spAutoFit/>
+          </a:bodyPr>
+          <a:lstStyle/>
+          <a:p>
+            <a:r>
+              <a:rPr lang="en-US" altLang="zh-TW" b="1" dirty="0">
+                <a:latin typeface="微軟正黑體" panose="020B0604030504040204" pitchFamily="34" charset="-120"/>
+                <a:ea typeface="微軟正黑體" panose="020B0604030504040204" pitchFamily="34" charset="-120"/>
+                <a:cs typeface="Times New Roman" panose="02020603050405020304" pitchFamily="18" charset="0"/>
+              </a:rPr>
+              <a:t>3</a:t>
+            </a:r>
+            <a:r>
+              <a:rPr lang="zh-TW" altLang="en-US" b="1" dirty="0">
+                <a:latin typeface="微軟正黑體" panose="020B0604030504040204" pitchFamily="34" charset="-120"/>
+                <a:ea typeface="微軟正黑體" panose="020B0604030504040204" pitchFamily="34" charset="-120"/>
+                <a:cs typeface="Times New Roman" panose="02020603050405020304" pitchFamily="18" charset="0"/>
+              </a:rPr>
+              <a:t> 個</a:t>
+            </a:r>
+          </a:p>
+        </p:txBody>
+      </p:sp>
+      <p:sp>
+        <p:nvSpPr>
+          <p:cNvPr id="34" name="文字方塊 53">
+            <a:extLst>
+              <a:ext uri="{FF2B5EF4-FFF2-40B4-BE49-F238E27FC236}">
+                <a16:creationId xmlns:a16="http://schemas.microsoft.com/office/drawing/2014/main" id="{17759377-8B9E-ACBD-8E6F-70946DA02F03}"/>
+              </a:ext>
+            </a:extLst>
+          </p:cNvPr>
+          <p:cNvSpPr txBox="1"/>
+          <p:nvPr/>
+        </p:nvSpPr>
+        <p:spPr>
+          <a:xfrm>
+            <a:off x="8444407" y="3692768"/>
+            <a:ext cx="611065" cy="369332"/>
+          </a:xfrm>
+          <a:prstGeom prst="rect">
+            <a:avLst/>
+          </a:prstGeom>
+          <a:noFill/>
+        </p:spPr>
+        <p:txBody>
+          <a:bodyPr wrap="none" rtlCol="0">
+            <a:spAutoFit/>
+          </a:bodyPr>
+          <a:lstStyle/>
+          <a:p>
+            <a:r>
+              <a:rPr lang="en-US" altLang="zh-TW" b="1" dirty="0">
+                <a:latin typeface="微軟正黑體" panose="020B0604030504040204" pitchFamily="34" charset="-120"/>
+                <a:ea typeface="微軟正黑體" panose="020B0604030504040204" pitchFamily="34" charset="-120"/>
+                <a:cs typeface="Times New Roman" panose="02020603050405020304" pitchFamily="18" charset="0"/>
+              </a:rPr>
+              <a:t>1</a:t>
+            </a:r>
+            <a:r>
+              <a:rPr lang="zh-TW" altLang="en-US" b="1" dirty="0">
+                <a:latin typeface="微軟正黑體" panose="020B0604030504040204" pitchFamily="34" charset="-120"/>
+                <a:ea typeface="微軟正黑體" panose="020B0604030504040204" pitchFamily="34" charset="-120"/>
+                <a:cs typeface="Times New Roman" panose="02020603050405020304" pitchFamily="18" charset="0"/>
+              </a:rPr>
+              <a:t> 個</a:t>
+            </a:r>
+          </a:p>
+        </p:txBody>
+      </p:sp>
+      <p:sp>
+        <p:nvSpPr>
+          <p:cNvPr id="35" name="文字方塊 54">
+            <a:extLst>
+              <a:ext uri="{FF2B5EF4-FFF2-40B4-BE49-F238E27FC236}">
+                <a16:creationId xmlns:a16="http://schemas.microsoft.com/office/drawing/2014/main" id="{FDB5445B-AE90-DA88-EEEB-26B19D00711A}"/>
+              </a:ext>
+            </a:extLst>
+          </p:cNvPr>
+          <p:cNvSpPr txBox="1"/>
+          <p:nvPr/>
+        </p:nvSpPr>
+        <p:spPr>
+          <a:xfrm>
+            <a:off x="8444407" y="4273060"/>
+            <a:ext cx="611065" cy="369332"/>
+          </a:xfrm>
+          <a:prstGeom prst="rect">
+            <a:avLst/>
+          </a:prstGeom>
+          <a:noFill/>
+        </p:spPr>
+        <p:txBody>
+          <a:bodyPr wrap="none" rtlCol="0">
+            <a:spAutoFit/>
+          </a:bodyPr>
+          <a:lstStyle/>
+          <a:p>
+            <a:r>
+              <a:rPr lang="en-US" altLang="zh-TW" b="1" dirty="0">
+                <a:latin typeface="微軟正黑體" panose="020B0604030504040204" pitchFamily="34" charset="-120"/>
+                <a:ea typeface="微軟正黑體" panose="020B0604030504040204" pitchFamily="34" charset="-120"/>
+                <a:cs typeface="Times New Roman" panose="02020603050405020304" pitchFamily="18" charset="0"/>
+              </a:rPr>
+              <a:t>4</a:t>
+            </a:r>
+            <a:r>
+              <a:rPr lang="zh-TW" altLang="en-US" b="1" dirty="0">
+                <a:latin typeface="微軟正黑體" panose="020B0604030504040204" pitchFamily="34" charset="-120"/>
+                <a:ea typeface="微軟正黑體" panose="020B0604030504040204" pitchFamily="34" charset="-120"/>
+                <a:cs typeface="Times New Roman" panose="02020603050405020304" pitchFamily="18" charset="0"/>
+              </a:rPr>
+              <a:t> 個</a:t>
+            </a:r>
+          </a:p>
+        </p:txBody>
+      </p:sp>
+      <p:sp>
+        <p:nvSpPr>
+          <p:cNvPr id="36" name="文字方塊 55">
+            <a:extLst>
+              <a:ext uri="{FF2B5EF4-FFF2-40B4-BE49-F238E27FC236}">
+                <a16:creationId xmlns:a16="http://schemas.microsoft.com/office/drawing/2014/main" id="{67B4526C-C676-5F4D-C9A4-34F68EF7A980}"/>
+              </a:ext>
+            </a:extLst>
+          </p:cNvPr>
+          <p:cNvSpPr txBox="1"/>
+          <p:nvPr/>
+        </p:nvSpPr>
+        <p:spPr>
+          <a:xfrm>
+            <a:off x="8444407" y="4853352"/>
+            <a:ext cx="611065" cy="369332"/>
+          </a:xfrm>
+          <a:prstGeom prst="rect">
+            <a:avLst/>
+          </a:prstGeom>
+          <a:noFill/>
+        </p:spPr>
+        <p:txBody>
+          <a:bodyPr wrap="none" rtlCol="0">
+            <a:spAutoFit/>
+          </a:bodyPr>
+          <a:lstStyle/>
+          <a:p>
+            <a:r>
+              <a:rPr lang="en-US" altLang="zh-TW" b="1" dirty="0">
+                <a:latin typeface="微軟正黑體" panose="020B0604030504040204" pitchFamily="34" charset="-120"/>
+                <a:ea typeface="微軟正黑體" panose="020B0604030504040204" pitchFamily="34" charset="-120"/>
+                <a:cs typeface="Times New Roman" panose="02020603050405020304" pitchFamily="18" charset="0"/>
+              </a:rPr>
+              <a:t>2</a:t>
+            </a:r>
+            <a:r>
+              <a:rPr lang="zh-TW" altLang="en-US" b="1" dirty="0">
+                <a:latin typeface="微軟正黑體" panose="020B0604030504040204" pitchFamily="34" charset="-120"/>
+                <a:ea typeface="微軟正黑體" panose="020B0604030504040204" pitchFamily="34" charset="-120"/>
+                <a:cs typeface="Times New Roman" panose="02020603050405020304" pitchFamily="18" charset="0"/>
+              </a:rPr>
+              <a:t> 個</a:t>
+            </a:r>
+          </a:p>
+        </p:txBody>
+      </p:sp>
+      <p:cxnSp>
+        <p:nvCxnSpPr>
+          <p:cNvPr id="37" name="直線單箭頭接點 57">
+            <a:extLst>
+              <a:ext uri="{FF2B5EF4-FFF2-40B4-BE49-F238E27FC236}">
+                <a16:creationId xmlns:a16="http://schemas.microsoft.com/office/drawing/2014/main" id="{6B28A112-FCDD-34D2-6245-33679C55B31D}"/>
+              </a:ext>
+            </a:extLst>
+          </p:cNvPr>
+          <p:cNvCxnSpPr>
+            <a:cxnSpLocks/>
+            <a:stCxn id="14" idx="3"/>
+            <a:endCxn id="31" idx="1"/>
+          </p:cNvCxnSpPr>
+          <p:nvPr/>
+        </p:nvCxnSpPr>
+        <p:spPr>
+          <a:xfrm>
+            <a:off x="5180460" y="2136558"/>
+            <a:ext cx="3263947" cy="0"/>
+          </a:xfrm>
+          <a:prstGeom prst="straightConnector1">
+            <a:avLst/>
+          </a:prstGeom>
+          <a:ln w="28575">
+            <a:solidFill>
+              <a:schemeClr val="accent4">
+                <a:lumMod val="75000"/>
+              </a:schemeClr>
+            </a:solidFill>
+            <a:tailEnd type="triangle"/>
+          </a:ln>
+        </p:spPr>
+        <p:style>
+          <a:lnRef idx="1">
+            <a:schemeClr val="accent1"/>
+          </a:lnRef>
+          <a:fillRef idx="0">
+            <a:schemeClr val="accent1"/>
+          </a:fillRef>
+          <a:effectRef idx="0">
+            <a:schemeClr val="accent1"/>
+          </a:effectRef>
+          <a:fontRef idx="minor">
+            <a:schemeClr val="tx1"/>
+          </a:fontRef>
+        </p:style>
+      </p:cxnSp>
+      <p:cxnSp>
+        <p:nvCxnSpPr>
+          <p:cNvPr id="38" name="直線單箭頭接點 60">
+            <a:extLst>
+              <a:ext uri="{FF2B5EF4-FFF2-40B4-BE49-F238E27FC236}">
+                <a16:creationId xmlns:a16="http://schemas.microsoft.com/office/drawing/2014/main" id="{971D34D9-1BA9-F5B5-2830-2D0056B1D795}"/>
+              </a:ext>
+            </a:extLst>
+          </p:cNvPr>
+          <p:cNvCxnSpPr>
+            <a:cxnSpLocks/>
+            <a:endCxn id="32" idx="1"/>
+          </p:cNvCxnSpPr>
+          <p:nvPr/>
+        </p:nvCxnSpPr>
+        <p:spPr>
+          <a:xfrm>
+            <a:off x="5363306" y="2716850"/>
+            <a:ext cx="3081101" cy="0"/>
+          </a:xfrm>
+          <a:prstGeom prst="straightConnector1">
+            <a:avLst/>
+          </a:prstGeom>
+          <a:ln w="28575">
+            <a:solidFill>
+              <a:schemeClr val="accent4">
+                <a:lumMod val="75000"/>
+              </a:schemeClr>
+            </a:solidFill>
+            <a:tailEnd type="triangle"/>
+          </a:ln>
+        </p:spPr>
+        <p:style>
+          <a:lnRef idx="1">
+            <a:schemeClr val="accent1"/>
+          </a:lnRef>
+          <a:fillRef idx="0">
+            <a:schemeClr val="accent1"/>
+          </a:fillRef>
+          <a:effectRef idx="0">
+            <a:schemeClr val="accent1"/>
+          </a:effectRef>
+          <a:fontRef idx="minor">
+            <a:schemeClr val="tx1"/>
+          </a:fontRef>
+        </p:style>
+      </p:cxnSp>
+      <p:cxnSp>
+        <p:nvCxnSpPr>
+          <p:cNvPr id="39" name="直線單箭頭接點 63">
+            <a:extLst>
+              <a:ext uri="{FF2B5EF4-FFF2-40B4-BE49-F238E27FC236}">
+                <a16:creationId xmlns:a16="http://schemas.microsoft.com/office/drawing/2014/main" id="{5B25DC1F-6222-F7D3-DE6E-9C1A3E66E66E}"/>
+              </a:ext>
+            </a:extLst>
+          </p:cNvPr>
+          <p:cNvCxnSpPr>
+            <a:cxnSpLocks/>
+            <a:stCxn id="16" idx="3"/>
+            <a:endCxn id="33" idx="1"/>
+          </p:cNvCxnSpPr>
+          <p:nvPr/>
+        </p:nvCxnSpPr>
+        <p:spPr>
+          <a:xfrm flipV="1">
+            <a:off x="6841171" y="3297142"/>
+            <a:ext cx="1603236" cy="1"/>
+          </a:xfrm>
+          <a:prstGeom prst="straightConnector1">
+            <a:avLst/>
+          </a:prstGeom>
+          <a:ln w="28575">
+            <a:solidFill>
+              <a:schemeClr val="accent4">
+                <a:lumMod val="75000"/>
+              </a:schemeClr>
+            </a:solidFill>
+            <a:tailEnd type="triangle"/>
+          </a:ln>
+        </p:spPr>
+        <p:style>
+          <a:lnRef idx="1">
+            <a:schemeClr val="accent1"/>
+          </a:lnRef>
+          <a:fillRef idx="0">
+            <a:schemeClr val="accent1"/>
+          </a:fillRef>
+          <a:effectRef idx="0">
+            <a:schemeClr val="accent1"/>
+          </a:effectRef>
+          <a:fontRef idx="minor">
+            <a:schemeClr val="tx1"/>
+          </a:fontRef>
+        </p:style>
+      </p:cxnSp>
+      <p:cxnSp>
+        <p:nvCxnSpPr>
+          <p:cNvPr id="40" name="直線單箭頭接點 66">
+            <a:extLst>
+              <a:ext uri="{FF2B5EF4-FFF2-40B4-BE49-F238E27FC236}">
+                <a16:creationId xmlns:a16="http://schemas.microsoft.com/office/drawing/2014/main" id="{9D0884E7-8AA3-92A0-97E5-658127DFD4FB}"/>
+              </a:ext>
+            </a:extLst>
+          </p:cNvPr>
+          <p:cNvCxnSpPr>
+            <a:cxnSpLocks/>
+            <a:stCxn id="17" idx="3"/>
+            <a:endCxn id="34" idx="1"/>
+          </p:cNvCxnSpPr>
+          <p:nvPr/>
+        </p:nvCxnSpPr>
+        <p:spPr>
+          <a:xfrm>
+            <a:off x="5180460" y="3877434"/>
+            <a:ext cx="3263947" cy="0"/>
+          </a:xfrm>
+          <a:prstGeom prst="straightConnector1">
+            <a:avLst/>
+          </a:prstGeom>
+          <a:ln w="28575">
+            <a:solidFill>
+              <a:schemeClr val="accent4">
+                <a:lumMod val="75000"/>
+              </a:schemeClr>
+            </a:solidFill>
+            <a:tailEnd type="triangle"/>
+          </a:ln>
+        </p:spPr>
+        <p:style>
+          <a:lnRef idx="1">
+            <a:schemeClr val="accent1"/>
+          </a:lnRef>
+          <a:fillRef idx="0">
+            <a:schemeClr val="accent1"/>
+          </a:fillRef>
+          <a:effectRef idx="0">
+            <a:schemeClr val="accent1"/>
+          </a:effectRef>
+          <a:fontRef idx="minor">
+            <a:schemeClr val="tx1"/>
+          </a:fontRef>
+        </p:style>
+      </p:cxnSp>
+      <p:cxnSp>
+        <p:nvCxnSpPr>
+          <p:cNvPr id="41" name="直線單箭頭接點 72">
+            <a:extLst>
+              <a:ext uri="{FF2B5EF4-FFF2-40B4-BE49-F238E27FC236}">
+                <a16:creationId xmlns:a16="http://schemas.microsoft.com/office/drawing/2014/main" id="{8023461F-C77A-6455-17B6-22E8AD97FC5F}"/>
+              </a:ext>
+            </a:extLst>
+          </p:cNvPr>
+          <p:cNvCxnSpPr>
+            <a:cxnSpLocks/>
+            <a:stCxn id="18" idx="3"/>
+            <a:endCxn id="35" idx="1"/>
+          </p:cNvCxnSpPr>
+          <p:nvPr/>
+        </p:nvCxnSpPr>
+        <p:spPr>
+          <a:xfrm>
+            <a:off x="7947243" y="4457726"/>
+            <a:ext cx="497164" cy="0"/>
+          </a:xfrm>
+          <a:prstGeom prst="straightConnector1">
+            <a:avLst/>
+          </a:prstGeom>
+          <a:ln w="28575">
+            <a:solidFill>
+              <a:schemeClr val="accent4">
+                <a:lumMod val="75000"/>
+              </a:schemeClr>
+            </a:solidFill>
+            <a:tailEnd type="triangle"/>
+          </a:ln>
+        </p:spPr>
+        <p:style>
+          <a:lnRef idx="1">
+            <a:schemeClr val="accent1"/>
+          </a:lnRef>
+          <a:fillRef idx="0">
+            <a:schemeClr val="accent1"/>
+          </a:fillRef>
+          <a:effectRef idx="0">
+            <a:schemeClr val="accent1"/>
+          </a:effectRef>
+          <a:fontRef idx="minor">
+            <a:schemeClr val="tx1"/>
+          </a:fontRef>
+        </p:style>
+      </p:cxnSp>
+      <p:cxnSp>
+        <p:nvCxnSpPr>
+          <p:cNvPr id="42" name="直線單箭頭接點 77">
+            <a:extLst>
+              <a:ext uri="{FF2B5EF4-FFF2-40B4-BE49-F238E27FC236}">
+                <a16:creationId xmlns:a16="http://schemas.microsoft.com/office/drawing/2014/main" id="{46D5B397-E6D7-83A3-8BF7-0B0E7290E555}"/>
+              </a:ext>
+            </a:extLst>
+          </p:cNvPr>
+          <p:cNvCxnSpPr>
+            <a:cxnSpLocks/>
+            <a:stCxn id="19" idx="3"/>
+            <a:endCxn id="36" idx="1"/>
+          </p:cNvCxnSpPr>
+          <p:nvPr/>
+        </p:nvCxnSpPr>
+        <p:spPr>
+          <a:xfrm>
+            <a:off x="6286532" y="5038018"/>
+            <a:ext cx="2157875" cy="0"/>
+          </a:xfrm>
+          <a:prstGeom prst="straightConnector1">
+            <a:avLst/>
+          </a:prstGeom>
+          <a:ln w="28575">
+            <a:solidFill>
+              <a:schemeClr val="accent4">
+                <a:lumMod val="75000"/>
+              </a:schemeClr>
+            </a:solidFill>
+            <a:tailEnd type="triangle"/>
+          </a:ln>
+        </p:spPr>
+        <p:style>
+          <a:lnRef idx="1">
+            <a:schemeClr val="accent1"/>
+          </a:lnRef>
+          <a:fillRef idx="0">
+            <a:schemeClr val="accent1"/>
+          </a:fillRef>
+          <a:effectRef idx="0">
+            <a:schemeClr val="accent1"/>
+          </a:effectRef>
+          <a:fontRef idx="minor">
+            <a:schemeClr val="tx1"/>
+          </a:fontRef>
+        </p:style>
+      </p:cxnSp>
+      <p:sp>
+        <p:nvSpPr>
+          <p:cNvPr id="43" name="箭號: 向上 80">
+            <a:extLst>
+              <a:ext uri="{FF2B5EF4-FFF2-40B4-BE49-F238E27FC236}">
+                <a16:creationId xmlns:a16="http://schemas.microsoft.com/office/drawing/2014/main" id="{0387FB50-17CC-69FD-98B5-236045D5B61D}"/>
+              </a:ext>
+            </a:extLst>
+          </p:cNvPr>
+          <p:cNvSpPr/>
+          <p:nvPr/>
+        </p:nvSpPr>
+        <p:spPr>
+          <a:xfrm>
+            <a:off x="3007631" y="5372157"/>
+            <a:ext cx="439616" cy="386806"/>
+          </a:xfrm>
+          <a:prstGeom prst="upArrow">
+            <a:avLst/>
+          </a:prstGeom>
+          <a:solidFill>
+            <a:srgbClr val="FF0000"/>
+          </a:solidFill>
+          <a:ln>
+            <a:noFill/>
+          </a:ln>
+        </p:spPr>
+        <p:style>
+          <a:lnRef idx="2">
+            <a:schemeClr val="accent1">
+              <a:shade val="50000"/>
+            </a:schemeClr>
+          </a:lnRef>
+          <a:fillRef idx="1">
+            <a:schemeClr val="accent1"/>
+          </a:fillRef>
+          <a:effectRef idx="0">
+            <a:schemeClr val="accent1"/>
+          </a:effectRef>
+          <a:fontRef idx="minor">
+            <a:schemeClr val="lt1"/>
+          </a:fontRef>
+        </p:style>
+        <p:txBody>
+          <a:bodyPr rtlCol="0" anchor="ctr"/>
+          <a:lstStyle/>
+          <a:p>
+            <a:pPr algn="ctr"/>
+            <a:endParaRPr lang="zh-TW" altLang="en-US">
+              <a:latin typeface="微軟正黑體" panose="020B0604030504040204" pitchFamily="34" charset="-120"/>
+              <a:ea typeface="微軟正黑體" panose="020B0604030504040204" pitchFamily="34" charset="-120"/>
+            </a:endParaRPr>
+          </a:p>
+        </p:txBody>
+      </p:sp>
+      <p:sp>
+        <p:nvSpPr>
+          <p:cNvPr id="44" name="文字方塊 81">
+            <a:extLst>
+              <a:ext uri="{FF2B5EF4-FFF2-40B4-BE49-F238E27FC236}">
+                <a16:creationId xmlns:a16="http://schemas.microsoft.com/office/drawing/2014/main" id="{3764CF4F-A595-5118-C971-B4BC5B560BB2}"/>
+              </a:ext>
+            </a:extLst>
+          </p:cNvPr>
+          <p:cNvSpPr txBox="1"/>
+          <p:nvPr/>
+        </p:nvSpPr>
+        <p:spPr>
+          <a:xfrm>
+            <a:off x="1939307" y="5802975"/>
+            <a:ext cx="2504600" cy="369332"/>
+          </a:xfrm>
+          <a:prstGeom prst="rect">
+            <a:avLst/>
+          </a:prstGeom>
+          <a:noFill/>
+        </p:spPr>
+        <p:txBody>
+          <a:bodyPr wrap="square" rtlCol="0">
+            <a:spAutoFit/>
+          </a:bodyPr>
+          <a:lstStyle/>
+          <a:p>
+            <a:pPr algn="ctr"/>
+            <a:r>
+              <a:rPr lang="zh-TW" altLang="en-US" b="1" dirty="0">
+                <a:solidFill>
+                  <a:srgbClr val="FF0000"/>
+                </a:solidFill>
+                <a:latin typeface="微軟正黑體" panose="020B0604030504040204" pitchFamily="34" charset="-120"/>
+                <a:ea typeface="微軟正黑體" panose="020B0604030504040204" pitchFamily="34" charset="-120"/>
+                <a:cs typeface="Times New Roman" panose="02020603050405020304" pitchFamily="18" charset="0"/>
+              </a:rPr>
+              <a:t>陣列內陣列個數：</a:t>
+            </a:r>
+            <a:r>
+              <a:rPr lang="en-US" altLang="zh-TW" b="1" dirty="0">
+                <a:solidFill>
+                  <a:srgbClr val="FF0000"/>
+                </a:solidFill>
+                <a:latin typeface="微軟正黑體" panose="020B0604030504040204" pitchFamily="34" charset="-120"/>
+                <a:ea typeface="微軟正黑體" panose="020B0604030504040204" pitchFamily="34" charset="-120"/>
+                <a:cs typeface="Times New Roman" panose="02020603050405020304" pitchFamily="18" charset="0"/>
+              </a:rPr>
+              <a:t>7</a:t>
+            </a:r>
+            <a:r>
+              <a:rPr lang="zh-TW" altLang="en-US" b="1" dirty="0">
+                <a:solidFill>
+                  <a:srgbClr val="FF0000"/>
+                </a:solidFill>
+                <a:latin typeface="微軟正黑體" panose="020B0604030504040204" pitchFamily="34" charset="-120"/>
+                <a:ea typeface="微軟正黑體" panose="020B0604030504040204" pitchFamily="34" charset="-120"/>
+                <a:cs typeface="Times New Roman" panose="02020603050405020304" pitchFamily="18" charset="0"/>
+              </a:rPr>
+              <a:t> 個</a:t>
+            </a:r>
+          </a:p>
+        </p:txBody>
+      </p:sp>
+      <p:sp>
+        <p:nvSpPr>
+          <p:cNvPr id="45" name="箭號: 向上 82">
+            <a:extLst>
+              <a:ext uri="{FF2B5EF4-FFF2-40B4-BE49-F238E27FC236}">
+                <a16:creationId xmlns:a16="http://schemas.microsoft.com/office/drawing/2014/main" id="{846ED376-CDFA-F388-7739-7D3C03A92917}"/>
+              </a:ext>
+            </a:extLst>
+          </p:cNvPr>
+          <p:cNvSpPr/>
+          <p:nvPr/>
+        </p:nvSpPr>
+        <p:spPr>
+          <a:xfrm>
+            <a:off x="8444407" y="5372157"/>
+            <a:ext cx="439616" cy="386806"/>
+          </a:xfrm>
+          <a:prstGeom prst="upArrow">
+            <a:avLst/>
+          </a:prstGeom>
+          <a:solidFill>
+            <a:schemeClr val="accent4">
+              <a:lumMod val="75000"/>
+            </a:schemeClr>
+          </a:solidFill>
+          <a:ln>
+            <a:noFill/>
+          </a:ln>
+        </p:spPr>
+        <p:style>
+          <a:lnRef idx="2">
+            <a:schemeClr val="accent1">
+              <a:shade val="50000"/>
+            </a:schemeClr>
+          </a:lnRef>
+          <a:fillRef idx="1">
+            <a:schemeClr val="accent1"/>
+          </a:fillRef>
+          <a:effectRef idx="0">
+            <a:schemeClr val="accent1"/>
+          </a:effectRef>
+          <a:fontRef idx="minor">
+            <a:schemeClr val="lt1"/>
+          </a:fontRef>
+        </p:style>
+        <p:txBody>
+          <a:bodyPr rtlCol="0" anchor="ctr"/>
+          <a:lstStyle/>
+          <a:p>
+            <a:pPr algn="ctr"/>
+            <a:endParaRPr lang="zh-TW" altLang="en-US">
+              <a:solidFill>
+                <a:schemeClr val="accent4">
+                  <a:lumMod val="75000"/>
+                </a:schemeClr>
+              </a:solidFill>
+              <a:latin typeface="微軟正黑體" panose="020B0604030504040204" pitchFamily="34" charset="-120"/>
+              <a:ea typeface="微軟正黑體" panose="020B0604030504040204" pitchFamily="34" charset="-120"/>
+            </a:endParaRPr>
+          </a:p>
+        </p:txBody>
+      </p:sp>
+      <p:sp>
+        <p:nvSpPr>
+          <p:cNvPr id="46" name="文字方塊 83">
+            <a:extLst>
+              <a:ext uri="{FF2B5EF4-FFF2-40B4-BE49-F238E27FC236}">
+                <a16:creationId xmlns:a16="http://schemas.microsoft.com/office/drawing/2014/main" id="{ED229977-340D-B0B6-8AB1-5961C6F6ADD0}"/>
+              </a:ext>
+            </a:extLst>
+          </p:cNvPr>
+          <p:cNvSpPr txBox="1"/>
+          <p:nvPr/>
+        </p:nvSpPr>
+        <p:spPr>
+          <a:xfrm>
+            <a:off x="7071471" y="5802975"/>
+            <a:ext cx="3185487" cy="369332"/>
+          </a:xfrm>
+          <a:prstGeom prst="rect">
+            <a:avLst/>
+          </a:prstGeom>
+          <a:noFill/>
+        </p:spPr>
+        <p:txBody>
+          <a:bodyPr wrap="none" rtlCol="0">
+            <a:spAutoFit/>
+          </a:bodyPr>
+          <a:lstStyle/>
+          <a:p>
+            <a:r>
+              <a:rPr lang="zh-TW" altLang="en-US" b="1" dirty="0">
+                <a:solidFill>
+                  <a:schemeClr val="accent4">
+                    <a:lumMod val="75000"/>
+                  </a:schemeClr>
+                </a:solidFill>
+                <a:latin typeface="微軟正黑體" panose="020B0604030504040204" pitchFamily="34" charset="-120"/>
+                <a:ea typeface="微軟正黑體" panose="020B0604030504040204" pitchFamily="34" charset="-120"/>
+                <a:cs typeface="Times New Roman" panose="02020603050405020304" pitchFamily="18" charset="0"/>
+              </a:rPr>
+              <a:t>陣列內每一陣列中的元素個數</a:t>
+            </a:r>
+          </a:p>
+        </p:txBody>
+      </p:sp>
+      <p:sp>
+        <p:nvSpPr>
+          <p:cNvPr id="47" name="文字方塊 85">
+            <a:extLst>
+              <a:ext uri="{FF2B5EF4-FFF2-40B4-BE49-F238E27FC236}">
+                <a16:creationId xmlns:a16="http://schemas.microsoft.com/office/drawing/2014/main" id="{CBDA6ED4-FF9C-B4D3-B9E8-48191E3BBF33}"/>
+              </a:ext>
+            </a:extLst>
+          </p:cNvPr>
+          <p:cNvSpPr txBox="1"/>
+          <p:nvPr/>
+        </p:nvSpPr>
+        <p:spPr>
+          <a:xfrm>
+            <a:off x="2324919" y="6154587"/>
+            <a:ext cx="1805039" cy="369332"/>
+          </a:xfrm>
+          <a:prstGeom prst="rect">
+            <a:avLst/>
+          </a:prstGeom>
+          <a:noFill/>
+        </p:spPr>
+        <p:txBody>
+          <a:bodyPr wrap="square">
+            <a:spAutoFit/>
+          </a:bodyPr>
+          <a:lstStyle/>
+          <a:p>
+            <a:pPr algn="ctr"/>
+            <a:r>
+              <a:rPr lang="en-US" altLang="zh-TW" sz="1800" b="1" dirty="0">
+                <a:solidFill>
+                  <a:srgbClr val="000000"/>
+                </a:solidFill>
+                <a:effectLst/>
+                <a:latin typeface="Consolas" panose="020B0609020204030204" pitchFamily="49" charset="0"/>
+                <a:ea typeface="標楷體" panose="03000509000000000000" pitchFamily="65" charset="-120"/>
+                <a:cs typeface="Times New Roman" panose="02020603050405020304" pitchFamily="18" charset="0"/>
+              </a:rPr>
+              <a:t>length(</a:t>
+            </a:r>
+            <a:r>
+              <a:rPr lang="zh-TW" altLang="en-US" sz="1800" b="1" dirty="0">
+                <a:solidFill>
+                  <a:srgbClr val="000000"/>
+                </a:solidFill>
+                <a:effectLst/>
+                <a:latin typeface="Consolas" panose="020B0609020204030204" pitchFamily="49" charset="0"/>
+                <a:ea typeface="標楷體" panose="03000509000000000000" pitchFamily="65" charset="-120"/>
+                <a:cs typeface="Times New Roman" panose="02020603050405020304" pitchFamily="18" charset="0"/>
+              </a:rPr>
+              <a:t>陣列</a:t>
+            </a:r>
+            <a:r>
+              <a:rPr lang="en-US" altLang="zh-TW" sz="1800" b="1" dirty="0">
+                <a:solidFill>
+                  <a:srgbClr val="000000"/>
+                </a:solidFill>
+                <a:effectLst/>
+                <a:latin typeface="Consolas" panose="020B0609020204030204" pitchFamily="49" charset="0"/>
+                <a:ea typeface="標楷體" panose="03000509000000000000" pitchFamily="65" charset="-120"/>
+                <a:cs typeface="Times New Roman" panose="02020603050405020304" pitchFamily="18" charset="0"/>
+              </a:rPr>
+              <a:t>)</a:t>
+            </a:r>
+            <a:endParaRPr lang="zh-TW" altLang="en-US" b="1" dirty="0"/>
+          </a:p>
+        </p:txBody>
+      </p:sp>
+      <p:sp>
+        <p:nvSpPr>
+          <p:cNvPr id="48" name="文字方塊 88">
+            <a:extLst>
+              <a:ext uri="{FF2B5EF4-FFF2-40B4-BE49-F238E27FC236}">
+                <a16:creationId xmlns:a16="http://schemas.microsoft.com/office/drawing/2014/main" id="{7A55A224-38FD-ACD9-53D0-C2B80DFBBAFA}"/>
+              </a:ext>
+            </a:extLst>
+          </p:cNvPr>
+          <p:cNvSpPr txBox="1"/>
+          <p:nvPr/>
+        </p:nvSpPr>
+        <p:spPr>
+          <a:xfrm>
+            <a:off x="7761694" y="6154587"/>
+            <a:ext cx="1805039" cy="369332"/>
+          </a:xfrm>
+          <a:prstGeom prst="rect">
+            <a:avLst/>
+          </a:prstGeom>
+          <a:noFill/>
+        </p:spPr>
+        <p:txBody>
+          <a:bodyPr wrap="square">
+            <a:spAutoFit/>
+          </a:bodyPr>
+          <a:lstStyle/>
+          <a:p>
+            <a:pPr algn="ctr"/>
+            <a:r>
+              <a:rPr lang="en-US" altLang="zh-TW" sz="1800" b="1" dirty="0">
+                <a:solidFill>
+                  <a:srgbClr val="000000"/>
+                </a:solidFill>
+                <a:effectLst/>
+                <a:latin typeface="Consolas" panose="020B0609020204030204" pitchFamily="49" charset="0"/>
+                <a:ea typeface="標楷體" panose="03000509000000000000" pitchFamily="65" charset="-120"/>
+                <a:cs typeface="Times New Roman" panose="02020603050405020304" pitchFamily="18" charset="0"/>
+              </a:rPr>
+              <a:t>lengths(</a:t>
+            </a:r>
+            <a:r>
+              <a:rPr lang="zh-TW" altLang="en-US" sz="1800" b="1" dirty="0">
+                <a:solidFill>
+                  <a:srgbClr val="000000"/>
+                </a:solidFill>
+                <a:effectLst/>
+                <a:latin typeface="Consolas" panose="020B0609020204030204" pitchFamily="49" charset="0"/>
+                <a:ea typeface="標楷體" panose="03000509000000000000" pitchFamily="65" charset="-120"/>
+                <a:cs typeface="Times New Roman" panose="02020603050405020304" pitchFamily="18" charset="0"/>
+              </a:rPr>
+              <a:t>陣列</a:t>
+            </a:r>
+            <a:r>
+              <a:rPr lang="en-US" altLang="zh-TW" sz="1800" b="1" dirty="0">
+                <a:solidFill>
+                  <a:srgbClr val="000000"/>
+                </a:solidFill>
+                <a:effectLst/>
+                <a:latin typeface="Consolas" panose="020B0609020204030204" pitchFamily="49" charset="0"/>
+                <a:ea typeface="標楷體" panose="03000509000000000000" pitchFamily="65" charset="-120"/>
+                <a:cs typeface="Times New Roman" panose="02020603050405020304" pitchFamily="18" charset="0"/>
+              </a:rPr>
+              <a:t>)</a:t>
+            </a:r>
+            <a:endParaRPr lang="zh-TW" altLang="en-US" b="1" dirty="0"/>
+          </a:p>
+        </p:txBody>
+      </p:sp>
+    </p:spTree>
+    <p:extLst>
+      <p:ext uri="{BB962C8B-B14F-4D97-AF65-F5344CB8AC3E}">
+        <p14:creationId xmlns:p14="http://schemas.microsoft.com/office/powerpoint/2010/main" val="3018927091"/>
+      </p:ext>
+    </p:extLst>
+  </p:cSld>
+  <p:clrMapOvr>
+    <a:masterClrMapping/>
+  </p:clrMapOvr>
+</p:sld>
+</file>
+
 <file path=ppt/theme/theme1.xml><?xml version="1.0" encoding="utf-8"?>
 <a:theme xmlns:a="http://schemas.openxmlformats.org/drawingml/2006/main" name="Office Theme">
   <a:themeElements>

--- a/figure/figure.pptx
+++ b/figure/figure.pptx
@@ -5,11 +5,12 @@
     <p:sldMasterId id="2147483648" r:id="rId1"/>
   </p:sldMasterIdLst>
   <p:sldIdLst>
-    <p:sldId id="256" r:id="rId2"/>
-    <p:sldId id="257" r:id="rId3"/>
-    <p:sldId id="258" r:id="rId4"/>
-    <p:sldId id="259" r:id="rId5"/>
-    <p:sldId id="260" r:id="rId6"/>
+    <p:sldId id="261" r:id="rId2"/>
+    <p:sldId id="256" r:id="rId3"/>
+    <p:sldId id="257" r:id="rId4"/>
+    <p:sldId id="258" r:id="rId5"/>
+    <p:sldId id="259" r:id="rId6"/>
+    <p:sldId id="260" r:id="rId7"/>
   </p:sldIdLst>
   <p:sldSz cx="12192000" cy="6858000"/>
   <p:notesSz cx="6858000" cy="9144000"/>
@@ -119,7 +120,7 @@
 <file path=ppt/revisionInfo.xml><?xml version="1.0" encoding="utf-8"?>
 <p1510:revInfo xmlns:a="http://schemas.openxmlformats.org/drawingml/2006/main" xmlns:r="http://schemas.openxmlformats.org/officeDocument/2006/relationships" xmlns:p1510="http://schemas.microsoft.com/office/powerpoint/2015/10/main">
   <p1510:revLst>
-    <p1510:client id="{E564DA1F-E2FD-475F-919F-BD2F09682F78}" v="208" dt="2024-01-23T13:10:13.721"/>
+    <p1510:client id="{E564DA1F-E2FD-475F-919F-BD2F09682F78}" v="213" dt="2024-01-24T04:26:54.939"/>
   </p1510:revLst>
 </p1510:revInfo>
 </file>
@@ -129,7 +130,7 @@
   <pc:docChgLst>
     <pc:chgData name="Chia-jung Yeh" userId="f328d6f4-0757-42dc-943f-c4685e047ee8" providerId="ADAL" clId="{E564DA1F-E2FD-475F-919F-BD2F09682F78}"/>
     <pc:docChg chg="undo redo custSel addSld modSld">
-      <pc:chgData name="Chia-jung Yeh" userId="f328d6f4-0757-42dc-943f-c4685e047ee8" providerId="ADAL" clId="{E564DA1F-E2FD-475F-919F-BD2F09682F78}" dt="2024-01-23T13:10:28.031" v="1370" actId="1076"/>
+      <pc:chgData name="Chia-jung Yeh" userId="f328d6f4-0757-42dc-943f-c4685e047ee8" providerId="ADAL" clId="{E564DA1F-E2FD-475F-919F-BD2F09682F78}" dt="2024-01-24T04:27:48.459" v="1402" actId="1076"/>
       <pc:docMkLst>
         <pc:docMk/>
       </pc:docMkLst>
@@ -2029,6 +2030,437 @@
             <pc:docMk/>
             <pc:sldMk cId="3018927091" sldId="260"/>
             <ac:cxnSpMk id="42" creationId="{46D5B397-E6D7-83A3-8BF7-0B0E7290E555}"/>
+          </ac:cxnSpMkLst>
+        </pc:cxnChg>
+      </pc:sldChg>
+      <pc:sldChg chg="addSp delSp modSp new mod">
+        <pc:chgData name="Chia-jung Yeh" userId="f328d6f4-0757-42dc-943f-c4685e047ee8" providerId="ADAL" clId="{E564DA1F-E2FD-475F-919F-BD2F09682F78}" dt="2024-01-24T04:27:48.459" v="1402" actId="1076"/>
+        <pc:sldMkLst>
+          <pc:docMk/>
+          <pc:sldMk cId="683953178" sldId="261"/>
+        </pc:sldMkLst>
+        <pc:spChg chg="del">
+          <ac:chgData name="Chia-jung Yeh" userId="f328d6f4-0757-42dc-943f-c4685e047ee8" providerId="ADAL" clId="{E564DA1F-E2FD-475F-919F-BD2F09682F78}" dt="2024-01-24T04:25:09.711" v="1372" actId="478"/>
+          <ac:spMkLst>
+            <pc:docMk/>
+            <pc:sldMk cId="683953178" sldId="261"/>
+            <ac:spMk id="2" creationId="{0C98E980-9D4B-7CDA-A18A-7CFA97A6B8E2}"/>
+          </ac:spMkLst>
+        </pc:spChg>
+        <pc:spChg chg="del">
+          <ac:chgData name="Chia-jung Yeh" userId="f328d6f4-0757-42dc-943f-c4685e047ee8" providerId="ADAL" clId="{E564DA1F-E2FD-475F-919F-BD2F09682F78}" dt="2024-01-24T04:25:09.711" v="1372" actId="478"/>
+          <ac:spMkLst>
+            <pc:docMk/>
+            <pc:sldMk cId="683953178" sldId="261"/>
+            <ac:spMk id="3" creationId="{904A64D4-3BE6-0627-CC51-2D80579BA333}"/>
+          </ac:spMkLst>
+        </pc:spChg>
+        <pc:spChg chg="add mod">
+          <ac:chgData name="Chia-jung Yeh" userId="f328d6f4-0757-42dc-943f-c4685e047ee8" providerId="ADAL" clId="{E564DA1F-E2FD-475F-919F-BD2F09682F78}" dt="2024-01-24T04:26:36.466" v="1382" actId="1076"/>
+          <ac:spMkLst>
+            <pc:docMk/>
+            <pc:sldMk cId="683953178" sldId="261"/>
+            <ac:spMk id="8" creationId="{69BA9E71-B5CB-2389-14B3-BD26812B4F87}"/>
+          </ac:spMkLst>
+        </pc:spChg>
+        <pc:spChg chg="add mod">
+          <ac:chgData name="Chia-jung Yeh" userId="f328d6f4-0757-42dc-943f-c4685e047ee8" providerId="ADAL" clId="{E564DA1F-E2FD-475F-919F-BD2F09682F78}" dt="2024-01-24T04:26:36.466" v="1382" actId="1076"/>
+          <ac:spMkLst>
+            <pc:docMk/>
+            <pc:sldMk cId="683953178" sldId="261"/>
+            <ac:spMk id="9" creationId="{D120717A-ABE5-EF41-8EBD-2CCC5F46CE03}"/>
+          </ac:spMkLst>
+        </pc:spChg>
+        <pc:spChg chg="add mod">
+          <ac:chgData name="Chia-jung Yeh" userId="f328d6f4-0757-42dc-943f-c4685e047ee8" providerId="ADAL" clId="{E564DA1F-E2FD-475F-919F-BD2F09682F78}" dt="2024-01-24T04:26:36.466" v="1382" actId="1076"/>
+          <ac:spMkLst>
+            <pc:docMk/>
+            <pc:sldMk cId="683953178" sldId="261"/>
+            <ac:spMk id="10" creationId="{3FB9EB92-BB4F-3E0A-FBEA-0FA9ED432C84}"/>
+          </ac:spMkLst>
+        </pc:spChg>
+        <pc:spChg chg="add mod">
+          <ac:chgData name="Chia-jung Yeh" userId="f328d6f4-0757-42dc-943f-c4685e047ee8" providerId="ADAL" clId="{E564DA1F-E2FD-475F-919F-BD2F09682F78}" dt="2024-01-24T04:26:36.466" v="1382" actId="1076"/>
+          <ac:spMkLst>
+            <pc:docMk/>
+            <pc:sldMk cId="683953178" sldId="261"/>
+            <ac:spMk id="12" creationId="{7D966524-709E-FEE6-BE06-7B2C8B670A5A}"/>
+          </ac:spMkLst>
+        </pc:spChg>
+        <pc:spChg chg="add mod">
+          <ac:chgData name="Chia-jung Yeh" userId="f328d6f4-0757-42dc-943f-c4685e047ee8" providerId="ADAL" clId="{E564DA1F-E2FD-475F-919F-BD2F09682F78}" dt="2024-01-24T04:26:36.466" v="1382" actId="1076"/>
+          <ac:spMkLst>
+            <pc:docMk/>
+            <pc:sldMk cId="683953178" sldId="261"/>
+            <ac:spMk id="13" creationId="{4B6B7B81-31DD-96D2-846A-66C557DB1C82}"/>
+          </ac:spMkLst>
+        </pc:spChg>
+        <pc:spChg chg="add mod">
+          <ac:chgData name="Chia-jung Yeh" userId="f328d6f4-0757-42dc-943f-c4685e047ee8" providerId="ADAL" clId="{E564DA1F-E2FD-475F-919F-BD2F09682F78}" dt="2024-01-24T04:26:36.466" v="1382" actId="1076"/>
+          <ac:spMkLst>
+            <pc:docMk/>
+            <pc:sldMk cId="683953178" sldId="261"/>
+            <ac:spMk id="14" creationId="{6C032BDE-9895-4172-EE89-E7AB6D339F47}"/>
+          </ac:spMkLst>
+        </pc:spChg>
+        <pc:spChg chg="add mod">
+          <ac:chgData name="Chia-jung Yeh" userId="f328d6f4-0757-42dc-943f-c4685e047ee8" providerId="ADAL" clId="{E564DA1F-E2FD-475F-919F-BD2F09682F78}" dt="2024-01-24T04:26:36.466" v="1382" actId="1076"/>
+          <ac:spMkLst>
+            <pc:docMk/>
+            <pc:sldMk cId="683953178" sldId="261"/>
+            <ac:spMk id="17" creationId="{FAABD080-EF13-AB8D-843F-DA52F579370B}"/>
+          </ac:spMkLst>
+        </pc:spChg>
+        <pc:spChg chg="add mod">
+          <ac:chgData name="Chia-jung Yeh" userId="f328d6f4-0757-42dc-943f-c4685e047ee8" providerId="ADAL" clId="{E564DA1F-E2FD-475F-919F-BD2F09682F78}" dt="2024-01-24T04:26:36.466" v="1382" actId="1076"/>
+          <ac:spMkLst>
+            <pc:docMk/>
+            <pc:sldMk cId="683953178" sldId="261"/>
+            <ac:spMk id="18" creationId="{D5EF1617-7E8D-6A58-C82E-E2C72AAE6793}"/>
+          </ac:spMkLst>
+        </pc:spChg>
+        <pc:spChg chg="add mod ord">
+          <ac:chgData name="Chia-jung Yeh" userId="f328d6f4-0757-42dc-943f-c4685e047ee8" providerId="ADAL" clId="{E564DA1F-E2FD-475F-919F-BD2F09682F78}" dt="2024-01-24T04:26:38.711" v="1385" actId="1076"/>
+          <ac:spMkLst>
+            <pc:docMk/>
+            <pc:sldMk cId="683953178" sldId="261"/>
+            <ac:spMk id="19" creationId="{A5043CE1-67A3-07EE-00B3-8DE7EE094757}"/>
+          </ac:spMkLst>
+        </pc:spChg>
+        <pc:spChg chg="add del mod">
+          <ac:chgData name="Chia-jung Yeh" userId="f328d6f4-0757-42dc-943f-c4685e047ee8" providerId="ADAL" clId="{E564DA1F-E2FD-475F-919F-BD2F09682F78}" dt="2024-01-24T04:26:39.081" v="1386"/>
+          <ac:spMkLst>
+            <pc:docMk/>
+            <pc:sldMk cId="683953178" sldId="261"/>
+            <ac:spMk id="24" creationId="{CECB4BAC-3AA4-D575-AE33-5E6C66F98C44}"/>
+          </ac:spMkLst>
+        </pc:spChg>
+        <pc:spChg chg="add del mod">
+          <ac:chgData name="Chia-jung Yeh" userId="f328d6f4-0757-42dc-943f-c4685e047ee8" providerId="ADAL" clId="{E564DA1F-E2FD-475F-919F-BD2F09682F78}" dt="2024-01-24T04:26:39.081" v="1386"/>
+          <ac:spMkLst>
+            <pc:docMk/>
+            <pc:sldMk cId="683953178" sldId="261"/>
+            <ac:spMk id="27" creationId="{5C8A062D-9CCE-287D-6E3E-59F03176FBDD}"/>
+          </ac:spMkLst>
+        </pc:spChg>
+        <pc:spChg chg="add del mod">
+          <ac:chgData name="Chia-jung Yeh" userId="f328d6f4-0757-42dc-943f-c4685e047ee8" providerId="ADAL" clId="{E564DA1F-E2FD-475F-919F-BD2F09682F78}" dt="2024-01-24T04:26:39.081" v="1386"/>
+          <ac:spMkLst>
+            <pc:docMk/>
+            <pc:sldMk cId="683953178" sldId="261"/>
+            <ac:spMk id="28" creationId="{97C39A1B-F4B6-742D-4E4E-9E7C2A82CC0D}"/>
+          </ac:spMkLst>
+        </pc:spChg>
+        <pc:spChg chg="add del mod">
+          <ac:chgData name="Chia-jung Yeh" userId="f328d6f4-0757-42dc-943f-c4685e047ee8" providerId="ADAL" clId="{E564DA1F-E2FD-475F-919F-BD2F09682F78}" dt="2024-01-24T04:26:39.081" v="1386"/>
+          <ac:spMkLst>
+            <pc:docMk/>
+            <pc:sldMk cId="683953178" sldId="261"/>
+            <ac:spMk id="29" creationId="{59BBB8F2-6068-AB83-B297-DA33D3E17A14}"/>
+          </ac:spMkLst>
+        </pc:spChg>
+        <pc:spChg chg="add del mod">
+          <ac:chgData name="Chia-jung Yeh" userId="f328d6f4-0757-42dc-943f-c4685e047ee8" providerId="ADAL" clId="{E564DA1F-E2FD-475F-919F-BD2F09682F78}" dt="2024-01-24T04:26:39.081" v="1386"/>
+          <ac:spMkLst>
+            <pc:docMk/>
+            <pc:sldMk cId="683953178" sldId="261"/>
+            <ac:spMk id="30" creationId="{F9713A97-BBEE-7C08-283D-E4D534787CE1}"/>
+          </ac:spMkLst>
+        </pc:spChg>
+        <pc:spChg chg="add del mod">
+          <ac:chgData name="Chia-jung Yeh" userId="f328d6f4-0757-42dc-943f-c4685e047ee8" providerId="ADAL" clId="{E564DA1F-E2FD-475F-919F-BD2F09682F78}" dt="2024-01-24T04:26:39.081" v="1386"/>
+          <ac:spMkLst>
+            <pc:docMk/>
+            <pc:sldMk cId="683953178" sldId="261"/>
+            <ac:spMk id="31" creationId="{A1C780FE-13DF-D21C-EA2F-5E3413FBF363}"/>
+          </ac:spMkLst>
+        </pc:spChg>
+        <pc:spChg chg="add del mod">
+          <ac:chgData name="Chia-jung Yeh" userId="f328d6f4-0757-42dc-943f-c4685e047ee8" providerId="ADAL" clId="{E564DA1F-E2FD-475F-919F-BD2F09682F78}" dt="2024-01-24T04:26:39.081" v="1386"/>
+          <ac:spMkLst>
+            <pc:docMk/>
+            <pc:sldMk cId="683953178" sldId="261"/>
+            <ac:spMk id="32" creationId="{8BA211AB-C461-50F3-3A1C-B311B7278DCC}"/>
+          </ac:spMkLst>
+        </pc:spChg>
+        <pc:spChg chg="add del mod">
+          <ac:chgData name="Chia-jung Yeh" userId="f328d6f4-0757-42dc-943f-c4685e047ee8" providerId="ADAL" clId="{E564DA1F-E2FD-475F-919F-BD2F09682F78}" dt="2024-01-24T04:26:39.081" v="1386"/>
+          <ac:spMkLst>
+            <pc:docMk/>
+            <pc:sldMk cId="683953178" sldId="261"/>
+            <ac:spMk id="33" creationId="{E1D36DA4-8D0B-A360-6BEA-77D4D1BDD834}"/>
+          </ac:spMkLst>
+        </pc:spChg>
+        <pc:spChg chg="add del mod">
+          <ac:chgData name="Chia-jung Yeh" userId="f328d6f4-0757-42dc-943f-c4685e047ee8" providerId="ADAL" clId="{E564DA1F-E2FD-475F-919F-BD2F09682F78}" dt="2024-01-24T04:26:39.081" v="1386"/>
+          <ac:spMkLst>
+            <pc:docMk/>
+            <pc:sldMk cId="683953178" sldId="261"/>
+            <ac:spMk id="34" creationId="{45FF57D6-8C92-D88B-B87C-A790829E7044}"/>
+          </ac:spMkLst>
+        </pc:spChg>
+        <pc:spChg chg="add del mod">
+          <ac:chgData name="Chia-jung Yeh" userId="f328d6f4-0757-42dc-943f-c4685e047ee8" providerId="ADAL" clId="{E564DA1F-E2FD-475F-919F-BD2F09682F78}" dt="2024-01-24T04:26:39.081" v="1386"/>
+          <ac:spMkLst>
+            <pc:docMk/>
+            <pc:sldMk cId="683953178" sldId="261"/>
+            <ac:spMk id="35" creationId="{A2B230FC-8F2C-565C-D840-641087D6586D}"/>
+          </ac:spMkLst>
+        </pc:spChg>
+        <pc:spChg chg="add del mod">
+          <ac:chgData name="Chia-jung Yeh" userId="f328d6f4-0757-42dc-943f-c4685e047ee8" providerId="ADAL" clId="{E564DA1F-E2FD-475F-919F-BD2F09682F78}" dt="2024-01-24T04:26:39.081" v="1386"/>
+          <ac:spMkLst>
+            <pc:docMk/>
+            <pc:sldMk cId="683953178" sldId="261"/>
+            <ac:spMk id="36" creationId="{1B7E431B-4C9A-5EFE-27E2-B9DDAB43C302}"/>
+          </ac:spMkLst>
+        </pc:spChg>
+        <pc:spChg chg="add mod">
+          <ac:chgData name="Chia-jung Yeh" userId="f328d6f4-0757-42dc-943f-c4685e047ee8" providerId="ADAL" clId="{E564DA1F-E2FD-475F-919F-BD2F09682F78}" dt="2024-01-24T04:27:48.459" v="1402" actId="1076"/>
+          <ac:spMkLst>
+            <pc:docMk/>
+            <pc:sldMk cId="683953178" sldId="261"/>
+            <ac:spMk id="41" creationId="{F48E67BE-BB84-0B1E-6B77-07AF170E224F}"/>
+          </ac:spMkLst>
+        </pc:spChg>
+        <pc:spChg chg="add mod">
+          <ac:chgData name="Chia-jung Yeh" userId="f328d6f4-0757-42dc-943f-c4685e047ee8" providerId="ADAL" clId="{E564DA1F-E2FD-475F-919F-BD2F09682F78}" dt="2024-01-24T04:27:48.459" v="1402" actId="1076"/>
+          <ac:spMkLst>
+            <pc:docMk/>
+            <pc:sldMk cId="683953178" sldId="261"/>
+            <ac:spMk id="44" creationId="{BFBFB94E-1853-1454-7638-271E658D2A6C}"/>
+          </ac:spMkLst>
+        </pc:spChg>
+        <pc:spChg chg="add mod">
+          <ac:chgData name="Chia-jung Yeh" userId="f328d6f4-0757-42dc-943f-c4685e047ee8" providerId="ADAL" clId="{E564DA1F-E2FD-475F-919F-BD2F09682F78}" dt="2024-01-24T04:27:48.459" v="1402" actId="1076"/>
+          <ac:spMkLst>
+            <pc:docMk/>
+            <pc:sldMk cId="683953178" sldId="261"/>
+            <ac:spMk id="45" creationId="{FA032930-4E41-824F-649D-453C4BD8FD60}"/>
+          </ac:spMkLst>
+        </pc:spChg>
+        <pc:spChg chg="add mod">
+          <ac:chgData name="Chia-jung Yeh" userId="f328d6f4-0757-42dc-943f-c4685e047ee8" providerId="ADAL" clId="{E564DA1F-E2FD-475F-919F-BD2F09682F78}" dt="2024-01-24T04:27:48.459" v="1402" actId="1076"/>
+          <ac:spMkLst>
+            <pc:docMk/>
+            <pc:sldMk cId="683953178" sldId="261"/>
+            <ac:spMk id="46" creationId="{977BE373-6689-EDDC-201D-FE361F100215}"/>
+          </ac:spMkLst>
+        </pc:spChg>
+        <pc:spChg chg="add mod">
+          <ac:chgData name="Chia-jung Yeh" userId="f328d6f4-0757-42dc-943f-c4685e047ee8" providerId="ADAL" clId="{E564DA1F-E2FD-475F-919F-BD2F09682F78}" dt="2024-01-24T04:27:48.459" v="1402" actId="1076"/>
+          <ac:spMkLst>
+            <pc:docMk/>
+            <pc:sldMk cId="683953178" sldId="261"/>
+            <ac:spMk id="47" creationId="{4B50921A-83C7-7276-DE5A-1FE682F0056A}"/>
+          </ac:spMkLst>
+        </pc:spChg>
+        <pc:spChg chg="add mod">
+          <ac:chgData name="Chia-jung Yeh" userId="f328d6f4-0757-42dc-943f-c4685e047ee8" providerId="ADAL" clId="{E564DA1F-E2FD-475F-919F-BD2F09682F78}" dt="2024-01-24T04:27:48.459" v="1402" actId="1076"/>
+          <ac:spMkLst>
+            <pc:docMk/>
+            <pc:sldMk cId="683953178" sldId="261"/>
+            <ac:spMk id="48" creationId="{5487A05D-D9E4-22BE-6C25-2D00D02ECB6C}"/>
+          </ac:spMkLst>
+        </pc:spChg>
+        <pc:spChg chg="add mod">
+          <ac:chgData name="Chia-jung Yeh" userId="f328d6f4-0757-42dc-943f-c4685e047ee8" providerId="ADAL" clId="{E564DA1F-E2FD-475F-919F-BD2F09682F78}" dt="2024-01-24T04:27:48.459" v="1402" actId="1076"/>
+          <ac:spMkLst>
+            <pc:docMk/>
+            <pc:sldMk cId="683953178" sldId="261"/>
+            <ac:spMk id="49" creationId="{E43C5A60-420C-65AE-19A0-ED1E6774E8A3}"/>
+          </ac:spMkLst>
+        </pc:spChg>
+        <pc:spChg chg="add mod">
+          <ac:chgData name="Chia-jung Yeh" userId="f328d6f4-0757-42dc-943f-c4685e047ee8" providerId="ADAL" clId="{E564DA1F-E2FD-475F-919F-BD2F09682F78}" dt="2024-01-24T04:27:48.459" v="1402" actId="1076"/>
+          <ac:spMkLst>
+            <pc:docMk/>
+            <pc:sldMk cId="683953178" sldId="261"/>
+            <ac:spMk id="50" creationId="{B3FE3B7E-CC91-81B1-F377-F19608B8B42D}"/>
+          </ac:spMkLst>
+        </pc:spChg>
+        <pc:spChg chg="add mod">
+          <ac:chgData name="Chia-jung Yeh" userId="f328d6f4-0757-42dc-943f-c4685e047ee8" providerId="ADAL" clId="{E564DA1F-E2FD-475F-919F-BD2F09682F78}" dt="2024-01-24T04:27:48.459" v="1402" actId="1076"/>
+          <ac:spMkLst>
+            <pc:docMk/>
+            <pc:sldMk cId="683953178" sldId="261"/>
+            <ac:spMk id="51" creationId="{251C06B7-B0FD-6F25-C83F-32883653A9A1}"/>
+          </ac:spMkLst>
+        </pc:spChg>
+        <pc:spChg chg="add mod">
+          <ac:chgData name="Chia-jung Yeh" userId="f328d6f4-0757-42dc-943f-c4685e047ee8" providerId="ADAL" clId="{E564DA1F-E2FD-475F-919F-BD2F09682F78}" dt="2024-01-24T04:27:48.459" v="1402" actId="1076"/>
+          <ac:spMkLst>
+            <pc:docMk/>
+            <pc:sldMk cId="683953178" sldId="261"/>
+            <ac:spMk id="52" creationId="{3AB92F3E-9E50-8E70-792F-4C6F10C804D7}"/>
+          </ac:spMkLst>
+        </pc:spChg>
+        <pc:spChg chg="add mod">
+          <ac:chgData name="Chia-jung Yeh" userId="f328d6f4-0757-42dc-943f-c4685e047ee8" providerId="ADAL" clId="{E564DA1F-E2FD-475F-919F-BD2F09682F78}" dt="2024-01-24T04:27:48.459" v="1402" actId="1076"/>
+          <ac:spMkLst>
+            <pc:docMk/>
+            <pc:sldMk cId="683953178" sldId="261"/>
+            <ac:spMk id="53" creationId="{F7F30FD3-EADD-79B9-38C5-40897A2AE014}"/>
+          </ac:spMkLst>
+        </pc:spChg>
+        <pc:spChg chg="add mod ord">
+          <ac:chgData name="Chia-jung Yeh" userId="f328d6f4-0757-42dc-943f-c4685e047ee8" providerId="ADAL" clId="{E564DA1F-E2FD-475F-919F-BD2F09682F78}" dt="2024-01-24T04:27:48.459" v="1402" actId="1076"/>
+          <ac:spMkLst>
+            <pc:docMk/>
+            <pc:sldMk cId="683953178" sldId="261"/>
+            <ac:spMk id="54" creationId="{A5CEB656-0359-821E-08DE-C21C358CEEBC}"/>
+          </ac:spMkLst>
+        </pc:spChg>
+        <pc:picChg chg="add mod">
+          <ac:chgData name="Chia-jung Yeh" userId="f328d6f4-0757-42dc-943f-c4685e047ee8" providerId="ADAL" clId="{E564DA1F-E2FD-475F-919F-BD2F09682F78}" dt="2024-01-24T04:26:36.466" v="1382" actId="1076"/>
+          <ac:picMkLst>
+            <pc:docMk/>
+            <pc:sldMk cId="683953178" sldId="261"/>
+            <ac:picMk id="4" creationId="{0CDCB42A-260B-6DAF-39EB-24A63CB69815}"/>
+          </ac:picMkLst>
+        </pc:picChg>
+        <pc:picChg chg="add mod">
+          <ac:chgData name="Chia-jung Yeh" userId="f328d6f4-0757-42dc-943f-c4685e047ee8" providerId="ADAL" clId="{E564DA1F-E2FD-475F-919F-BD2F09682F78}" dt="2024-01-24T04:26:36.466" v="1382" actId="1076"/>
+          <ac:picMkLst>
+            <pc:docMk/>
+            <pc:sldMk cId="683953178" sldId="261"/>
+            <ac:picMk id="5" creationId="{15C5161B-AF09-82F4-D471-31AE5D3B366F}"/>
+          </ac:picMkLst>
+        </pc:picChg>
+        <pc:picChg chg="add mod">
+          <ac:chgData name="Chia-jung Yeh" userId="f328d6f4-0757-42dc-943f-c4685e047ee8" providerId="ADAL" clId="{E564DA1F-E2FD-475F-919F-BD2F09682F78}" dt="2024-01-24T04:26:36.466" v="1382" actId="1076"/>
+          <ac:picMkLst>
+            <pc:docMk/>
+            <pc:sldMk cId="683953178" sldId="261"/>
+            <ac:picMk id="6" creationId="{FC581FCD-45F1-6ECA-5336-28AF454B7487}"/>
+          </ac:picMkLst>
+        </pc:picChg>
+        <pc:picChg chg="add mod">
+          <ac:chgData name="Chia-jung Yeh" userId="f328d6f4-0757-42dc-943f-c4685e047ee8" providerId="ADAL" clId="{E564DA1F-E2FD-475F-919F-BD2F09682F78}" dt="2024-01-24T04:26:36.466" v="1382" actId="1076"/>
+          <ac:picMkLst>
+            <pc:docMk/>
+            <pc:sldMk cId="683953178" sldId="261"/>
+            <ac:picMk id="7" creationId="{0677D785-A73B-1764-6C33-5CCB1FCAA309}"/>
+          </ac:picMkLst>
+        </pc:picChg>
+        <pc:picChg chg="add mod">
+          <ac:chgData name="Chia-jung Yeh" userId="f328d6f4-0757-42dc-943f-c4685e047ee8" providerId="ADAL" clId="{E564DA1F-E2FD-475F-919F-BD2F09682F78}" dt="2024-01-24T04:26:36.466" v="1382" actId="1076"/>
+          <ac:picMkLst>
+            <pc:docMk/>
+            <pc:sldMk cId="683953178" sldId="261"/>
+            <ac:picMk id="11" creationId="{8DBE7DD3-750F-6E07-3F75-9DFF2552DA85}"/>
+          </ac:picMkLst>
+        </pc:picChg>
+        <pc:picChg chg="add mod">
+          <ac:chgData name="Chia-jung Yeh" userId="f328d6f4-0757-42dc-943f-c4685e047ee8" providerId="ADAL" clId="{E564DA1F-E2FD-475F-919F-BD2F09682F78}" dt="2024-01-24T04:26:36.466" v="1382" actId="1076"/>
+          <ac:picMkLst>
+            <pc:docMk/>
+            <pc:sldMk cId="683953178" sldId="261"/>
+            <ac:picMk id="15" creationId="{48102E05-8645-3808-6280-DF7C077D493C}"/>
+          </ac:picMkLst>
+        </pc:picChg>
+        <pc:picChg chg="add mod">
+          <ac:chgData name="Chia-jung Yeh" userId="f328d6f4-0757-42dc-943f-c4685e047ee8" providerId="ADAL" clId="{E564DA1F-E2FD-475F-919F-BD2F09682F78}" dt="2024-01-24T04:26:36.466" v="1382" actId="1076"/>
+          <ac:picMkLst>
+            <pc:docMk/>
+            <pc:sldMk cId="683953178" sldId="261"/>
+            <ac:picMk id="16" creationId="{194E0CD3-CFC1-BE66-C6CF-E4F7CF2B33FC}"/>
+          </ac:picMkLst>
+        </pc:picChg>
+        <pc:cxnChg chg="add del mod">
+          <ac:chgData name="Chia-jung Yeh" userId="f328d6f4-0757-42dc-943f-c4685e047ee8" providerId="ADAL" clId="{E564DA1F-E2FD-475F-919F-BD2F09682F78}" dt="2024-01-24T04:26:39.081" v="1386"/>
+          <ac:cxnSpMkLst>
+            <pc:docMk/>
+            <pc:sldMk cId="683953178" sldId="261"/>
+            <ac:cxnSpMk id="20" creationId="{59F31324-3A50-D4D0-545D-14B180864698}"/>
+          </ac:cxnSpMkLst>
+        </pc:cxnChg>
+        <pc:cxnChg chg="add del mod">
+          <ac:chgData name="Chia-jung Yeh" userId="f328d6f4-0757-42dc-943f-c4685e047ee8" providerId="ADAL" clId="{E564DA1F-E2FD-475F-919F-BD2F09682F78}" dt="2024-01-24T04:26:39.081" v="1386"/>
+          <ac:cxnSpMkLst>
+            <pc:docMk/>
+            <pc:sldMk cId="683953178" sldId="261"/>
+            <ac:cxnSpMk id="21" creationId="{A5897430-F0D5-1A44-134D-FF9A2673DA84}"/>
+          </ac:cxnSpMkLst>
+        </pc:cxnChg>
+        <pc:cxnChg chg="add del mod">
+          <ac:chgData name="Chia-jung Yeh" userId="f328d6f4-0757-42dc-943f-c4685e047ee8" providerId="ADAL" clId="{E564DA1F-E2FD-475F-919F-BD2F09682F78}" dt="2024-01-24T04:26:39.081" v="1386"/>
+          <ac:cxnSpMkLst>
+            <pc:docMk/>
+            <pc:sldMk cId="683953178" sldId="261"/>
+            <ac:cxnSpMk id="22" creationId="{7C0EED41-58CC-6964-C492-1A67D4F5A499}"/>
+          </ac:cxnSpMkLst>
+        </pc:cxnChg>
+        <pc:cxnChg chg="add del mod">
+          <ac:chgData name="Chia-jung Yeh" userId="f328d6f4-0757-42dc-943f-c4685e047ee8" providerId="ADAL" clId="{E564DA1F-E2FD-475F-919F-BD2F09682F78}" dt="2024-01-24T04:26:39.081" v="1386"/>
+          <ac:cxnSpMkLst>
+            <pc:docMk/>
+            <pc:sldMk cId="683953178" sldId="261"/>
+            <ac:cxnSpMk id="23" creationId="{AA0D1B9A-B9D6-9E8B-BD57-60DF5CD705D9}"/>
+          </ac:cxnSpMkLst>
+        </pc:cxnChg>
+        <pc:cxnChg chg="add del mod">
+          <ac:chgData name="Chia-jung Yeh" userId="f328d6f4-0757-42dc-943f-c4685e047ee8" providerId="ADAL" clId="{E564DA1F-E2FD-475F-919F-BD2F09682F78}" dt="2024-01-24T04:26:39.081" v="1386"/>
+          <ac:cxnSpMkLst>
+            <pc:docMk/>
+            <pc:sldMk cId="683953178" sldId="261"/>
+            <ac:cxnSpMk id="25" creationId="{73F16A84-6F9C-2427-CB15-6F8D7ADBA748}"/>
+          </ac:cxnSpMkLst>
+        </pc:cxnChg>
+        <pc:cxnChg chg="add del mod">
+          <ac:chgData name="Chia-jung Yeh" userId="f328d6f4-0757-42dc-943f-c4685e047ee8" providerId="ADAL" clId="{E564DA1F-E2FD-475F-919F-BD2F09682F78}" dt="2024-01-24T04:26:39.081" v="1386"/>
+          <ac:cxnSpMkLst>
+            <pc:docMk/>
+            <pc:sldMk cId="683953178" sldId="261"/>
+            <ac:cxnSpMk id="26" creationId="{EFB47745-7042-2662-4D41-553760C57E93}"/>
+          </ac:cxnSpMkLst>
+        </pc:cxnChg>
+        <pc:cxnChg chg="add mod">
+          <ac:chgData name="Chia-jung Yeh" userId="f328d6f4-0757-42dc-943f-c4685e047ee8" providerId="ADAL" clId="{E564DA1F-E2FD-475F-919F-BD2F09682F78}" dt="2024-01-24T04:27:48.459" v="1402" actId="1076"/>
+          <ac:cxnSpMkLst>
+            <pc:docMk/>
+            <pc:sldMk cId="683953178" sldId="261"/>
+            <ac:cxnSpMk id="37" creationId="{393B5AC9-3DD0-7ED7-C90E-D65C85094E7E}"/>
+          </ac:cxnSpMkLst>
+        </pc:cxnChg>
+        <pc:cxnChg chg="add mod">
+          <ac:chgData name="Chia-jung Yeh" userId="f328d6f4-0757-42dc-943f-c4685e047ee8" providerId="ADAL" clId="{E564DA1F-E2FD-475F-919F-BD2F09682F78}" dt="2024-01-24T04:27:48.459" v="1402" actId="1076"/>
+          <ac:cxnSpMkLst>
+            <pc:docMk/>
+            <pc:sldMk cId="683953178" sldId="261"/>
+            <ac:cxnSpMk id="38" creationId="{EFDB0A4E-C7DD-97B4-F60E-2B10484DA89D}"/>
+          </ac:cxnSpMkLst>
+        </pc:cxnChg>
+        <pc:cxnChg chg="add mod">
+          <ac:chgData name="Chia-jung Yeh" userId="f328d6f4-0757-42dc-943f-c4685e047ee8" providerId="ADAL" clId="{E564DA1F-E2FD-475F-919F-BD2F09682F78}" dt="2024-01-24T04:27:48.459" v="1402" actId="1076"/>
+          <ac:cxnSpMkLst>
+            <pc:docMk/>
+            <pc:sldMk cId="683953178" sldId="261"/>
+            <ac:cxnSpMk id="39" creationId="{7490C029-9D9F-EA45-D0DB-210034DA7546}"/>
+          </ac:cxnSpMkLst>
+        </pc:cxnChg>
+        <pc:cxnChg chg="add mod">
+          <ac:chgData name="Chia-jung Yeh" userId="f328d6f4-0757-42dc-943f-c4685e047ee8" providerId="ADAL" clId="{E564DA1F-E2FD-475F-919F-BD2F09682F78}" dt="2024-01-24T04:27:48.459" v="1402" actId="1076"/>
+          <ac:cxnSpMkLst>
+            <pc:docMk/>
+            <pc:sldMk cId="683953178" sldId="261"/>
+            <ac:cxnSpMk id="40" creationId="{81F56FC8-2E4B-71FA-2A30-A3E738C3B1CF}"/>
+          </ac:cxnSpMkLst>
+        </pc:cxnChg>
+        <pc:cxnChg chg="add mod">
+          <ac:chgData name="Chia-jung Yeh" userId="f328d6f4-0757-42dc-943f-c4685e047ee8" providerId="ADAL" clId="{E564DA1F-E2FD-475F-919F-BD2F09682F78}" dt="2024-01-24T04:27:48.459" v="1402" actId="1076"/>
+          <ac:cxnSpMkLst>
+            <pc:docMk/>
+            <pc:sldMk cId="683953178" sldId="261"/>
+            <ac:cxnSpMk id="42" creationId="{C23349E0-34DF-998A-9894-D38B3025D536}"/>
+          </ac:cxnSpMkLst>
+        </pc:cxnChg>
+        <pc:cxnChg chg="add mod">
+          <ac:chgData name="Chia-jung Yeh" userId="f328d6f4-0757-42dc-943f-c4685e047ee8" providerId="ADAL" clId="{E564DA1F-E2FD-475F-919F-BD2F09682F78}" dt="2024-01-24T04:27:48.459" v="1402" actId="1076"/>
+          <ac:cxnSpMkLst>
+            <pc:docMk/>
+            <pc:sldMk cId="683953178" sldId="261"/>
+            <ac:cxnSpMk id="43" creationId="{7C9935B9-4FC3-7B93-0012-97309A838DFF}"/>
           </ac:cxnSpMkLst>
         </pc:cxnChg>
       </pc:sldChg>
@@ -5256,6 +5688,1974 @@
 </file>
 
 <file path=ppt/slides/slide1.xml><?xml version="1.0" encoding="utf-8"?>
+<p:sld xmlns:a="http://schemas.openxmlformats.org/drawingml/2006/main" xmlns:r="http://schemas.openxmlformats.org/officeDocument/2006/relationships" xmlns:p="http://schemas.openxmlformats.org/presentationml/2006/main">
+  <p:cSld>
+    <p:spTree>
+      <p:nvGrpSpPr>
+        <p:cNvPr id="1" name=""/>
+        <p:cNvGrpSpPr/>
+        <p:nvPr/>
+      </p:nvGrpSpPr>
+      <p:grpSpPr>
+        <a:xfrm>
+          <a:off x="0" y="0"/>
+          <a:ext cx="0" cy="0"/>
+          <a:chOff x="0" y="0"/>
+          <a:chExt cx="0" cy="0"/>
+        </a:xfrm>
+      </p:grpSpPr>
+      <p:sp>
+        <p:nvSpPr>
+          <p:cNvPr id="54" name="Rectangle 53">
+            <a:extLst>
+              <a:ext uri="{FF2B5EF4-FFF2-40B4-BE49-F238E27FC236}">
+                <a16:creationId xmlns:a16="http://schemas.microsoft.com/office/drawing/2014/main" id="{A5CEB656-0359-821E-08DE-C21C358CEEBC}"/>
+              </a:ext>
+            </a:extLst>
+          </p:cNvPr>
+          <p:cNvSpPr/>
+          <p:nvPr/>
+        </p:nvSpPr>
+        <p:spPr>
+          <a:xfrm>
+            <a:off x="6307412" y="590756"/>
+            <a:ext cx="7358050" cy="5254995"/>
+          </a:xfrm>
+          <a:prstGeom prst="rect">
+            <a:avLst/>
+          </a:prstGeom>
+          <a:solidFill>
+            <a:srgbClr val="FFF3FD"/>
+          </a:solidFill>
+          <a:ln>
+            <a:noFill/>
+          </a:ln>
+          <a:effectLst>
+            <a:softEdge rad="63500"/>
+          </a:effectLst>
+        </p:spPr>
+        <p:style>
+          <a:lnRef idx="2">
+            <a:schemeClr val="accent1">
+              <a:shade val="15000"/>
+            </a:schemeClr>
+          </a:lnRef>
+          <a:fillRef idx="1">
+            <a:schemeClr val="accent1"/>
+          </a:fillRef>
+          <a:effectRef idx="0">
+            <a:schemeClr val="accent1"/>
+          </a:effectRef>
+          <a:fontRef idx="minor">
+            <a:schemeClr val="lt1"/>
+          </a:fontRef>
+        </p:style>
+        <p:txBody>
+          <a:bodyPr rtlCol="0" anchor="ctr"/>
+          <a:lstStyle/>
+          <a:p>
+            <a:pPr algn="ctr"/>
+            <a:endParaRPr lang="en-GB" dirty="0"/>
+          </a:p>
+        </p:txBody>
+      </p:sp>
+      <p:sp>
+        <p:nvSpPr>
+          <p:cNvPr id="19" name="Rectangle 18">
+            <a:extLst>
+              <a:ext uri="{FF2B5EF4-FFF2-40B4-BE49-F238E27FC236}">
+                <a16:creationId xmlns:a16="http://schemas.microsoft.com/office/drawing/2014/main" id="{A5043CE1-67A3-07EE-00B3-8DE7EE094757}"/>
+              </a:ext>
+            </a:extLst>
+          </p:cNvPr>
+          <p:cNvSpPr/>
+          <p:nvPr/>
+        </p:nvSpPr>
+        <p:spPr>
+          <a:xfrm>
+            <a:off x="-99940" y="449971"/>
+            <a:ext cx="5933992" cy="5536567"/>
+          </a:xfrm>
+          <a:prstGeom prst="rect">
+            <a:avLst/>
+          </a:prstGeom>
+          <a:solidFill>
+            <a:srgbClr val="FFF8E5"/>
+          </a:solidFill>
+          <a:ln>
+            <a:noFill/>
+          </a:ln>
+          <a:effectLst>
+            <a:softEdge rad="63500"/>
+          </a:effectLst>
+        </p:spPr>
+        <p:style>
+          <a:lnRef idx="2">
+            <a:schemeClr val="accent1">
+              <a:shade val="15000"/>
+            </a:schemeClr>
+          </a:lnRef>
+          <a:fillRef idx="1">
+            <a:schemeClr val="accent1"/>
+          </a:fillRef>
+          <a:effectRef idx="0">
+            <a:schemeClr val="accent1"/>
+          </a:effectRef>
+          <a:fontRef idx="minor">
+            <a:schemeClr val="lt1"/>
+          </a:fontRef>
+        </p:style>
+        <p:txBody>
+          <a:bodyPr rtlCol="0" anchor="ctr"/>
+          <a:lstStyle/>
+          <a:p>
+            <a:pPr algn="ctr"/>
+            <a:endParaRPr lang="en-GB" dirty="0"/>
+          </a:p>
+        </p:txBody>
+      </p:sp>
+      <p:pic>
+        <p:nvPicPr>
+          <p:cNvPr id="4" name="Picture 3">
+            <a:extLst>
+              <a:ext uri="{FF2B5EF4-FFF2-40B4-BE49-F238E27FC236}">
+                <a16:creationId xmlns:a16="http://schemas.microsoft.com/office/drawing/2014/main" id="{0CDCB42A-260B-6DAF-39EB-24A63CB69815}"/>
+              </a:ext>
+            </a:extLst>
+          </p:cNvPr>
+          <p:cNvPicPr>
+            <a:picLocks noChangeAspect="1"/>
+          </p:cNvPicPr>
+          <p:nvPr/>
+        </p:nvPicPr>
+        <p:blipFill>
+          <a:blip r:embed="rId2">
+            <a:duotone>
+              <a:schemeClr val="accent5">
+                <a:shade val="45000"/>
+                <a:satMod val="135000"/>
+              </a:schemeClr>
+              <a:prstClr val="white"/>
+            </a:duotone>
+            <a:extLst>
+              <a:ext uri="{BEBA8EAE-BF5A-486C-A8C5-ECC9F3942E4B}">
+                <a14:imgProps xmlns:a14="http://schemas.microsoft.com/office/drawing/2010/main">
+                  <a14:imgLayer r:embed="rId3">
+                    <a14:imgEffect>
+                      <a14:artisticMarker/>
+                    </a14:imgEffect>
+                  </a14:imgLayer>
+                </a14:imgProps>
+              </a:ext>
+            </a:extLst>
+          </a:blip>
+          <a:stretch>
+            <a:fillRect/>
+          </a:stretch>
+        </p:blipFill>
+        <p:spPr>
+          <a:xfrm>
+            <a:off x="315695" y="449971"/>
+            <a:ext cx="1400791" cy="1400791"/>
+          </a:xfrm>
+          <a:prstGeom prst="rect">
+            <a:avLst/>
+          </a:prstGeom>
+        </p:spPr>
+      </p:pic>
+      <p:pic>
+        <p:nvPicPr>
+          <p:cNvPr id="5" name="Picture 4">
+            <a:extLst>
+              <a:ext uri="{FF2B5EF4-FFF2-40B4-BE49-F238E27FC236}">
+                <a16:creationId xmlns:a16="http://schemas.microsoft.com/office/drawing/2014/main" id="{15C5161B-AF09-82F4-D471-31AE5D3B366F}"/>
+              </a:ext>
+            </a:extLst>
+          </p:cNvPr>
+          <p:cNvPicPr>
+            <a:picLocks noChangeAspect="1"/>
+          </p:cNvPicPr>
+          <p:nvPr/>
+        </p:nvPicPr>
+        <p:blipFill>
+          <a:blip r:embed="rId4">
+            <a:clrChange>
+              <a:clrFrom>
+                <a:srgbClr val="FFFFFF"/>
+              </a:clrFrom>
+              <a:clrTo>
+                <a:srgbClr val="FFFFFF">
+                  <a:alpha val="0"/>
+                </a:srgbClr>
+              </a:clrTo>
+            </a:clrChange>
+            <a:biLevel thresh="75000"/>
+          </a:blip>
+          <a:stretch>
+            <a:fillRect/>
+          </a:stretch>
+        </p:blipFill>
+        <p:spPr>
+          <a:xfrm>
+            <a:off x="1667890" y="3503040"/>
+            <a:ext cx="707308" cy="826326"/>
+          </a:xfrm>
+          <a:prstGeom prst="rect">
+            <a:avLst/>
+          </a:prstGeom>
+        </p:spPr>
+      </p:pic>
+      <p:pic>
+        <p:nvPicPr>
+          <p:cNvPr id="6" name="Graphic 5" descr="Bar chart with solid fill">
+            <a:extLst>
+              <a:ext uri="{FF2B5EF4-FFF2-40B4-BE49-F238E27FC236}">
+                <a16:creationId xmlns:a16="http://schemas.microsoft.com/office/drawing/2014/main" id="{FC581FCD-45F1-6ECA-5336-28AF454B7487}"/>
+              </a:ext>
+            </a:extLst>
+          </p:cNvPr>
+          <p:cNvPicPr>
+            <a:picLocks noChangeAspect="1"/>
+          </p:cNvPicPr>
+          <p:nvPr/>
+        </p:nvPicPr>
+        <p:blipFill>
+          <a:blip r:embed="rId5">
+            <a:extLst>
+              <a:ext uri="{28A0092B-C50C-407E-A947-70E740481C1C}">
+                <a14:useLocalDpi xmlns:a14="http://schemas.microsoft.com/office/drawing/2010/main" val="0"/>
+              </a:ext>
+              <a:ext uri="{96DAC541-7B7A-43D3-8B79-37D633B846F1}">
+                <asvg:svgBlip xmlns:asvg="http://schemas.microsoft.com/office/drawing/2016/SVG/main" r:embed="rId6"/>
+              </a:ext>
+            </a:extLst>
+          </a:blip>
+          <a:stretch>
+            <a:fillRect/>
+          </a:stretch>
+        </p:blipFill>
+        <p:spPr>
+          <a:xfrm>
+            <a:off x="33006" y="2405344"/>
+            <a:ext cx="914400" cy="914400"/>
+          </a:xfrm>
+          <a:prstGeom prst="rect">
+            <a:avLst/>
+          </a:prstGeom>
+        </p:spPr>
+      </p:pic>
+      <p:pic>
+        <p:nvPicPr>
+          <p:cNvPr id="7" name="Graphic 6" descr="Table with solid fill">
+            <a:extLst>
+              <a:ext uri="{FF2B5EF4-FFF2-40B4-BE49-F238E27FC236}">
+                <a16:creationId xmlns:a16="http://schemas.microsoft.com/office/drawing/2014/main" id="{0677D785-A73B-1764-6C33-5CCB1FCAA309}"/>
+              </a:ext>
+            </a:extLst>
+          </p:cNvPr>
+          <p:cNvPicPr>
+            <a:picLocks noChangeAspect="1"/>
+          </p:cNvPicPr>
+          <p:nvPr/>
+        </p:nvPicPr>
+        <p:blipFill>
+          <a:blip r:embed="rId7">
+            <a:extLst>
+              <a:ext uri="{28A0092B-C50C-407E-A947-70E740481C1C}">
+                <a14:useLocalDpi xmlns:a14="http://schemas.microsoft.com/office/drawing/2010/main" val="0"/>
+              </a:ext>
+              <a:ext uri="{96DAC541-7B7A-43D3-8B79-37D633B846F1}">
+                <asvg:svgBlip xmlns:asvg="http://schemas.microsoft.com/office/drawing/2016/SVG/main" r:embed="rId8"/>
+              </a:ext>
+            </a:extLst>
+          </a:blip>
+          <a:stretch>
+            <a:fillRect/>
+          </a:stretch>
+        </p:blipFill>
+        <p:spPr>
+          <a:xfrm>
+            <a:off x="1023559" y="2451471"/>
+            <a:ext cx="914400" cy="914400"/>
+          </a:xfrm>
+          <a:prstGeom prst="rect">
+            <a:avLst/>
+          </a:prstGeom>
+        </p:spPr>
+      </p:pic>
+      <p:sp>
+        <p:nvSpPr>
+          <p:cNvPr id="8" name="Arrow: Down 7">
+            <a:extLst>
+              <a:ext uri="{FF2B5EF4-FFF2-40B4-BE49-F238E27FC236}">
+                <a16:creationId xmlns:a16="http://schemas.microsoft.com/office/drawing/2014/main" id="{69BA9E71-B5CB-2389-14B3-BD26812B4F87}"/>
+              </a:ext>
+            </a:extLst>
+          </p:cNvPr>
+          <p:cNvSpPr/>
+          <p:nvPr/>
+        </p:nvSpPr>
+        <p:spPr>
+          <a:xfrm>
+            <a:off x="863785" y="1798697"/>
+            <a:ext cx="319548" cy="733597"/>
+          </a:xfrm>
+          <a:prstGeom prst="downArrow">
+            <a:avLst/>
+          </a:prstGeom>
+          <a:solidFill>
+            <a:schemeClr val="bg1">
+              <a:lumMod val="50000"/>
+            </a:schemeClr>
+          </a:solidFill>
+          <a:ln>
+            <a:noFill/>
+          </a:ln>
+          <a:effectLst>
+            <a:outerShdw blurRad="44450" dist="27940" dir="5400000" algn="ctr">
+              <a:srgbClr val="000000">
+                <a:alpha val="32000"/>
+              </a:srgbClr>
+            </a:outerShdw>
+          </a:effectLst>
+          <a:scene3d>
+            <a:camera prst="orthographicFront">
+              <a:rot lat="0" lon="0" rev="0"/>
+            </a:camera>
+            <a:lightRig rig="balanced" dir="t">
+              <a:rot lat="0" lon="0" rev="8700000"/>
+            </a:lightRig>
+          </a:scene3d>
+          <a:sp3d>
+            <a:bevelT w="190500" h="38100"/>
+          </a:sp3d>
+        </p:spPr>
+        <p:style>
+          <a:lnRef idx="2">
+            <a:schemeClr val="accent1">
+              <a:shade val="15000"/>
+            </a:schemeClr>
+          </a:lnRef>
+          <a:fillRef idx="1">
+            <a:schemeClr val="accent1"/>
+          </a:fillRef>
+          <a:effectRef idx="0">
+            <a:schemeClr val="accent1"/>
+          </a:effectRef>
+          <a:fontRef idx="minor">
+            <a:schemeClr val="lt1"/>
+          </a:fontRef>
+        </p:style>
+        <p:txBody>
+          <a:bodyPr rtlCol="0" anchor="ctr"/>
+          <a:lstStyle/>
+          <a:p>
+            <a:pPr algn="ctr"/>
+            <a:endParaRPr lang="en-GB"/>
+          </a:p>
+        </p:txBody>
+      </p:sp>
+      <p:sp>
+        <p:nvSpPr>
+          <p:cNvPr id="9" name="TextBox 8">
+            <a:extLst>
+              <a:ext uri="{FF2B5EF4-FFF2-40B4-BE49-F238E27FC236}">
+                <a16:creationId xmlns:a16="http://schemas.microsoft.com/office/drawing/2014/main" id="{D120717A-ABE5-EF41-8EBD-2CCC5F46CE03}"/>
+              </a:ext>
+            </a:extLst>
+          </p:cNvPr>
+          <p:cNvSpPr txBox="1"/>
+          <p:nvPr/>
+        </p:nvSpPr>
+        <p:spPr>
+          <a:xfrm>
+            <a:off x="1429086" y="1141091"/>
+            <a:ext cx="1066705" cy="523220"/>
+          </a:xfrm>
+          <a:prstGeom prst="rect">
+            <a:avLst/>
+          </a:prstGeom>
+          <a:noFill/>
+        </p:spPr>
+        <p:txBody>
+          <a:bodyPr wrap="square">
+            <a:spAutoFit/>
+          </a:bodyPr>
+          <a:lstStyle>
+            <a:defPPr>
+              <a:defRPr lang="zh-TW"/>
+            </a:defPPr>
+            <a:lvl1pPr>
+              <a:defRPr sz="2000" b="1">
+                <a:solidFill>
+                  <a:schemeClr val="accent1">
+                    <a:lumMod val="75000"/>
+                  </a:schemeClr>
+                </a:solidFill>
+                <a:latin typeface="Tw Cen MT" panose="020B0602020104020603" pitchFamily="34" charset="0"/>
+                <a:ea typeface="Taipei Sans TC Beta" pitchFamily="2" charset="-120"/>
+              </a:defRPr>
+            </a:lvl1pPr>
+          </a:lstStyle>
+          <a:p>
+            <a:pPr algn="ctr"/>
+            <a:r>
+              <a:rPr lang="en-US" sz="2800" dirty="0">
+                <a:solidFill>
+                  <a:schemeClr val="accent5">
+                    <a:lumMod val="75000"/>
+                  </a:schemeClr>
+                </a:solidFill>
+              </a:rPr>
+              <a:t>Data</a:t>
+            </a:r>
+            <a:endParaRPr lang="en-GB" sz="2800" dirty="0">
+              <a:solidFill>
+                <a:schemeClr val="accent5">
+                  <a:lumMod val="75000"/>
+                </a:schemeClr>
+              </a:solidFill>
+            </a:endParaRPr>
+          </a:p>
+        </p:txBody>
+      </p:sp>
+      <p:sp>
+        <p:nvSpPr>
+          <p:cNvPr id="10" name="TextBox 9">
+            <a:extLst>
+              <a:ext uri="{FF2B5EF4-FFF2-40B4-BE49-F238E27FC236}">
+                <a16:creationId xmlns:a16="http://schemas.microsoft.com/office/drawing/2014/main" id="{3FB9EB92-BB4F-3E0A-FBEA-0FA9ED432C84}"/>
+              </a:ext>
+            </a:extLst>
+          </p:cNvPr>
+          <p:cNvSpPr txBox="1"/>
+          <p:nvPr/>
+        </p:nvSpPr>
+        <p:spPr>
+          <a:xfrm>
+            <a:off x="1841235" y="2782012"/>
+            <a:ext cx="2251540" cy="523220"/>
+          </a:xfrm>
+          <a:prstGeom prst="rect">
+            <a:avLst/>
+          </a:prstGeom>
+          <a:noFill/>
+        </p:spPr>
+        <p:txBody>
+          <a:bodyPr wrap="square">
+            <a:spAutoFit/>
+          </a:bodyPr>
+          <a:lstStyle>
+            <a:defPPr>
+              <a:defRPr lang="zh-TW"/>
+            </a:defPPr>
+            <a:lvl1pPr>
+              <a:defRPr sz="2000" b="1">
+                <a:solidFill>
+                  <a:schemeClr val="accent1">
+                    <a:lumMod val="75000"/>
+                  </a:schemeClr>
+                </a:solidFill>
+                <a:latin typeface="Tw Cen MT" panose="020B0602020104020603" pitchFamily="34" charset="0"/>
+                <a:ea typeface="Taipei Sans TC Beta" pitchFamily="2" charset="-120"/>
+              </a:defRPr>
+            </a:lvl1pPr>
+          </a:lstStyle>
+          <a:p>
+            <a:pPr algn="ctr"/>
+            <a:r>
+              <a:rPr lang="en-US" altLang="zh-TW" sz="2800" dirty="0">
+                <a:solidFill>
+                  <a:schemeClr val="tx2">
+                    <a:lumMod val="75000"/>
+                    <a:lumOff val="25000"/>
+                  </a:schemeClr>
+                </a:solidFill>
+              </a:rPr>
+              <a:t>Information</a:t>
+            </a:r>
+            <a:endParaRPr lang="en-GB" sz="2800" dirty="0">
+              <a:solidFill>
+                <a:schemeClr val="tx2">
+                  <a:lumMod val="75000"/>
+                  <a:lumOff val="25000"/>
+                </a:schemeClr>
+              </a:solidFill>
+            </a:endParaRPr>
+          </a:p>
+        </p:txBody>
+      </p:sp>
+      <p:pic>
+        <p:nvPicPr>
+          <p:cNvPr id="11" name="Graphic 10" descr="Computer with solid fill">
+            <a:extLst>
+              <a:ext uri="{FF2B5EF4-FFF2-40B4-BE49-F238E27FC236}">
+                <a16:creationId xmlns:a16="http://schemas.microsoft.com/office/drawing/2014/main" id="{8DBE7DD3-750F-6E07-3F75-9DFF2552DA85}"/>
+              </a:ext>
+            </a:extLst>
+          </p:cNvPr>
+          <p:cNvPicPr>
+            <a:picLocks noChangeAspect="1"/>
+          </p:cNvPicPr>
+          <p:nvPr/>
+        </p:nvPicPr>
+        <p:blipFill>
+          <a:blip r:embed="rId9">
+            <a:extLst>
+              <a:ext uri="{28A0092B-C50C-407E-A947-70E740481C1C}">
+                <a14:useLocalDpi xmlns:a14="http://schemas.microsoft.com/office/drawing/2010/main" val="0"/>
+              </a:ext>
+              <a:ext uri="{96DAC541-7B7A-43D3-8B79-37D633B846F1}">
+                <asvg:svgBlip xmlns:asvg="http://schemas.microsoft.com/office/drawing/2016/SVG/main" r:embed="rId10"/>
+              </a:ext>
+            </a:extLst>
+          </a:blip>
+          <a:stretch>
+            <a:fillRect/>
+          </a:stretch>
+        </p:blipFill>
+        <p:spPr>
+          <a:xfrm>
+            <a:off x="1323635" y="1814821"/>
+            <a:ext cx="638804" cy="638804"/>
+          </a:xfrm>
+          <a:prstGeom prst="rect">
+            <a:avLst/>
+          </a:prstGeom>
+        </p:spPr>
+      </p:pic>
+      <p:sp>
+        <p:nvSpPr>
+          <p:cNvPr id="12" name="TextBox 11">
+            <a:extLst>
+              <a:ext uri="{FF2B5EF4-FFF2-40B4-BE49-F238E27FC236}">
+                <a16:creationId xmlns:a16="http://schemas.microsoft.com/office/drawing/2014/main" id="{7D966524-709E-FEE6-BE06-7B2C8B670A5A}"/>
+              </a:ext>
+            </a:extLst>
+          </p:cNvPr>
+          <p:cNvSpPr txBox="1"/>
+          <p:nvPr/>
+        </p:nvSpPr>
+        <p:spPr>
+          <a:xfrm>
+            <a:off x="2102741" y="1925321"/>
+            <a:ext cx="3072290" cy="461665"/>
+          </a:xfrm>
+          <a:prstGeom prst="rect">
+            <a:avLst/>
+          </a:prstGeom>
+          <a:noFill/>
+        </p:spPr>
+        <p:txBody>
+          <a:bodyPr wrap="square">
+            <a:spAutoFit/>
+          </a:bodyPr>
+          <a:lstStyle>
+            <a:defPPr>
+              <a:defRPr lang="zh-TW"/>
+            </a:defPPr>
+            <a:lvl1pPr>
+              <a:defRPr sz="2000" b="1">
+                <a:solidFill>
+                  <a:schemeClr val="accent1">
+                    <a:lumMod val="75000"/>
+                  </a:schemeClr>
+                </a:solidFill>
+                <a:latin typeface="Tw Cen MT" panose="020B0602020104020603" pitchFamily="34" charset="0"/>
+                <a:ea typeface="Taipei Sans TC Beta" pitchFamily="2" charset="-120"/>
+              </a:defRPr>
+            </a:lvl1pPr>
+          </a:lstStyle>
+          <a:p>
+            <a:pPr algn="ctr"/>
+            <a:r>
+              <a:rPr lang="en-US" sz="2400" dirty="0">
+                <a:solidFill>
+                  <a:schemeClr val="tx1"/>
+                </a:solidFill>
+              </a:rPr>
+              <a:t>Tools/Skills/Theories</a:t>
+            </a:r>
+            <a:endParaRPr lang="en-GB" sz="2400" dirty="0">
+              <a:solidFill>
+                <a:schemeClr val="tx1"/>
+              </a:solidFill>
+            </a:endParaRPr>
+          </a:p>
+        </p:txBody>
+      </p:sp>
+      <p:sp>
+        <p:nvSpPr>
+          <p:cNvPr id="13" name="Arrow: Down 12">
+            <a:extLst>
+              <a:ext uri="{FF2B5EF4-FFF2-40B4-BE49-F238E27FC236}">
+                <a16:creationId xmlns:a16="http://schemas.microsoft.com/office/drawing/2014/main" id="{4B6B7B81-31DD-96D2-846A-66C557DB1C82}"/>
+              </a:ext>
+            </a:extLst>
+          </p:cNvPr>
+          <p:cNvSpPr/>
+          <p:nvPr/>
+        </p:nvSpPr>
+        <p:spPr>
+          <a:xfrm>
+            <a:off x="863785" y="3458123"/>
+            <a:ext cx="319548" cy="1062279"/>
+          </a:xfrm>
+          <a:prstGeom prst="downArrow">
+            <a:avLst/>
+          </a:prstGeom>
+          <a:solidFill>
+            <a:schemeClr val="bg1">
+              <a:lumMod val="50000"/>
+            </a:schemeClr>
+          </a:solidFill>
+          <a:ln>
+            <a:noFill/>
+          </a:ln>
+          <a:effectLst>
+            <a:outerShdw blurRad="44450" dist="27940" dir="5400000" algn="ctr">
+              <a:srgbClr val="000000">
+                <a:alpha val="32000"/>
+              </a:srgbClr>
+            </a:outerShdw>
+          </a:effectLst>
+          <a:scene3d>
+            <a:camera prst="orthographicFront">
+              <a:rot lat="0" lon="0" rev="0"/>
+            </a:camera>
+            <a:lightRig rig="balanced" dir="t">
+              <a:rot lat="0" lon="0" rev="8700000"/>
+            </a:lightRig>
+          </a:scene3d>
+          <a:sp3d>
+            <a:bevelT w="190500" h="38100"/>
+          </a:sp3d>
+        </p:spPr>
+        <p:style>
+          <a:lnRef idx="2">
+            <a:schemeClr val="accent1">
+              <a:shade val="15000"/>
+            </a:schemeClr>
+          </a:lnRef>
+          <a:fillRef idx="1">
+            <a:schemeClr val="accent1"/>
+          </a:fillRef>
+          <a:effectRef idx="0">
+            <a:schemeClr val="accent1"/>
+          </a:effectRef>
+          <a:fontRef idx="minor">
+            <a:schemeClr val="lt1"/>
+          </a:fontRef>
+        </p:style>
+        <p:txBody>
+          <a:bodyPr rtlCol="0" anchor="ctr"/>
+          <a:lstStyle/>
+          <a:p>
+            <a:pPr algn="ctr"/>
+            <a:endParaRPr lang="en-GB"/>
+          </a:p>
+        </p:txBody>
+      </p:sp>
+      <p:sp>
+        <p:nvSpPr>
+          <p:cNvPr id="14" name="TextBox 13">
+            <a:extLst>
+              <a:ext uri="{FF2B5EF4-FFF2-40B4-BE49-F238E27FC236}">
+                <a16:creationId xmlns:a16="http://schemas.microsoft.com/office/drawing/2014/main" id="{6C032BDE-9895-4172-EE89-E7AB6D339F47}"/>
+              </a:ext>
+            </a:extLst>
+          </p:cNvPr>
+          <p:cNvSpPr txBox="1"/>
+          <p:nvPr/>
+        </p:nvSpPr>
+        <p:spPr>
+          <a:xfrm>
+            <a:off x="2193039" y="3695419"/>
+            <a:ext cx="3641013" cy="461665"/>
+          </a:xfrm>
+          <a:prstGeom prst="rect">
+            <a:avLst/>
+          </a:prstGeom>
+          <a:noFill/>
+        </p:spPr>
+        <p:txBody>
+          <a:bodyPr wrap="square">
+            <a:spAutoFit/>
+          </a:bodyPr>
+          <a:lstStyle>
+            <a:defPPr>
+              <a:defRPr lang="zh-TW"/>
+            </a:defPPr>
+            <a:lvl1pPr>
+              <a:defRPr sz="2000" b="1">
+                <a:solidFill>
+                  <a:schemeClr val="accent1">
+                    <a:lumMod val="75000"/>
+                  </a:schemeClr>
+                </a:solidFill>
+                <a:latin typeface="Tw Cen MT" panose="020B0602020104020603" pitchFamily="34" charset="0"/>
+                <a:ea typeface="Taipei Sans TC Beta" pitchFamily="2" charset="-120"/>
+              </a:defRPr>
+            </a:lvl1pPr>
+          </a:lstStyle>
+          <a:p>
+            <a:pPr algn="ctr"/>
+            <a:r>
+              <a:rPr lang="en-US" altLang="zh-TW" sz="2400" dirty="0">
+                <a:solidFill>
+                  <a:schemeClr val="tx1"/>
+                </a:solidFill>
+              </a:rPr>
+              <a:t>Knowledge/</a:t>
+            </a:r>
+            <a:r>
+              <a:rPr lang="en-US" sz="2400" dirty="0">
+                <a:solidFill>
+                  <a:schemeClr val="tx1"/>
+                </a:solidFill>
+              </a:rPr>
+              <a:t>Experience</a:t>
+            </a:r>
+            <a:endParaRPr lang="en-GB" sz="2400" dirty="0">
+              <a:solidFill>
+                <a:schemeClr val="tx1"/>
+              </a:solidFill>
+            </a:endParaRPr>
+          </a:p>
+        </p:txBody>
+      </p:sp>
+      <p:pic>
+        <p:nvPicPr>
+          <p:cNvPr id="15" name="Graphic 14" descr="Open book outline">
+            <a:extLst>
+              <a:ext uri="{FF2B5EF4-FFF2-40B4-BE49-F238E27FC236}">
+                <a16:creationId xmlns:a16="http://schemas.microsoft.com/office/drawing/2014/main" id="{48102E05-8645-3808-6280-DF7C077D493C}"/>
+              </a:ext>
+            </a:extLst>
+          </p:cNvPr>
+          <p:cNvPicPr>
+            <a:picLocks noChangeAspect="1"/>
+          </p:cNvPicPr>
+          <p:nvPr/>
+        </p:nvPicPr>
+        <p:blipFill>
+          <a:blip r:embed="rId11">
+            <a:extLst>
+              <a:ext uri="{28A0092B-C50C-407E-A947-70E740481C1C}">
+                <a14:useLocalDpi xmlns:a14="http://schemas.microsoft.com/office/drawing/2010/main" val="0"/>
+              </a:ext>
+              <a:ext uri="{96DAC541-7B7A-43D3-8B79-37D633B846F1}">
+                <asvg:svgBlip xmlns:asvg="http://schemas.microsoft.com/office/drawing/2016/SVG/main" r:embed="rId12"/>
+              </a:ext>
+            </a:extLst>
+          </a:blip>
+          <a:stretch>
+            <a:fillRect/>
+          </a:stretch>
+        </p:blipFill>
+        <p:spPr>
+          <a:xfrm rot="18813819">
+            <a:off x="1253745" y="3900099"/>
+            <a:ext cx="513970" cy="513970"/>
+          </a:xfrm>
+          <a:prstGeom prst="rect">
+            <a:avLst/>
+          </a:prstGeom>
+        </p:spPr>
+      </p:pic>
+      <p:pic>
+        <p:nvPicPr>
+          <p:cNvPr id="16" name="Picture 15">
+            <a:extLst>
+              <a:ext uri="{FF2B5EF4-FFF2-40B4-BE49-F238E27FC236}">
+                <a16:creationId xmlns:a16="http://schemas.microsoft.com/office/drawing/2014/main" id="{194E0CD3-CFC1-BE66-C6CF-E4F7CF2B33FC}"/>
+              </a:ext>
+            </a:extLst>
+          </p:cNvPr>
+          <p:cNvPicPr>
+            <a:picLocks noChangeAspect="1"/>
+          </p:cNvPicPr>
+          <p:nvPr/>
+        </p:nvPicPr>
+        <p:blipFill rotWithShape="1">
+          <a:blip r:embed="rId13">
+            <a:clrChange>
+              <a:clrFrom>
+                <a:srgbClr val="FFFFFF"/>
+              </a:clrFrom>
+              <a:clrTo>
+                <a:srgbClr val="FFFFFF">
+                  <a:alpha val="0"/>
+                </a:srgbClr>
+              </a:clrTo>
+            </a:clrChange>
+            <a:duotone>
+              <a:schemeClr val="accent6">
+                <a:shade val="45000"/>
+                <a:satMod val="135000"/>
+              </a:schemeClr>
+              <a:prstClr val="white"/>
+            </a:duotone>
+          </a:blip>
+          <a:srcRect l="21775" t="13830" r="21689" b="14170"/>
+          <a:stretch/>
+        </p:blipFill>
+        <p:spPr>
+          <a:xfrm>
+            <a:off x="514686" y="4606334"/>
+            <a:ext cx="914400" cy="1164493"/>
+          </a:xfrm>
+          <a:prstGeom prst="rect">
+            <a:avLst/>
+          </a:prstGeom>
+        </p:spPr>
+      </p:pic>
+      <p:sp>
+        <p:nvSpPr>
+          <p:cNvPr id="17" name="TextBox 16">
+            <a:extLst>
+              <a:ext uri="{FF2B5EF4-FFF2-40B4-BE49-F238E27FC236}">
+                <a16:creationId xmlns:a16="http://schemas.microsoft.com/office/drawing/2014/main" id="{FAABD080-EF13-AB8D-843F-DA52F579370B}"/>
+              </a:ext>
+            </a:extLst>
+          </p:cNvPr>
+          <p:cNvSpPr txBox="1"/>
+          <p:nvPr/>
+        </p:nvSpPr>
+        <p:spPr>
+          <a:xfrm>
+            <a:off x="988046" y="4818097"/>
+            <a:ext cx="2251540" cy="523220"/>
+          </a:xfrm>
+          <a:prstGeom prst="rect">
+            <a:avLst/>
+          </a:prstGeom>
+          <a:noFill/>
+        </p:spPr>
+        <p:txBody>
+          <a:bodyPr wrap="square">
+            <a:spAutoFit/>
+          </a:bodyPr>
+          <a:lstStyle>
+            <a:defPPr>
+              <a:defRPr lang="zh-TW"/>
+            </a:defPPr>
+            <a:lvl1pPr>
+              <a:defRPr sz="2000" b="1">
+                <a:solidFill>
+                  <a:schemeClr val="accent1">
+                    <a:lumMod val="75000"/>
+                  </a:schemeClr>
+                </a:solidFill>
+                <a:latin typeface="Tw Cen MT" panose="020B0602020104020603" pitchFamily="34" charset="0"/>
+                <a:ea typeface="Taipei Sans TC Beta" pitchFamily="2" charset="-120"/>
+              </a:defRPr>
+            </a:lvl1pPr>
+          </a:lstStyle>
+          <a:p>
+            <a:pPr algn="ctr"/>
+            <a:r>
+              <a:rPr lang="en-US" altLang="zh-TW" sz="2800" dirty="0">
+                <a:solidFill>
+                  <a:schemeClr val="accent6">
+                    <a:lumMod val="75000"/>
+                  </a:schemeClr>
+                </a:solidFill>
+              </a:rPr>
+              <a:t>Wisdom</a:t>
+            </a:r>
+            <a:endParaRPr lang="en-GB" sz="2800" dirty="0">
+              <a:solidFill>
+                <a:schemeClr val="accent6">
+                  <a:lumMod val="75000"/>
+                </a:schemeClr>
+              </a:solidFill>
+            </a:endParaRPr>
+          </a:p>
+        </p:txBody>
+      </p:sp>
+      <p:sp>
+        <p:nvSpPr>
+          <p:cNvPr id="18" name="TextBox 17">
+            <a:extLst>
+              <a:ext uri="{FF2B5EF4-FFF2-40B4-BE49-F238E27FC236}">
+                <a16:creationId xmlns:a16="http://schemas.microsoft.com/office/drawing/2014/main" id="{D5EF1617-7E8D-6A58-C82E-E2C72AAE6793}"/>
+              </a:ext>
+            </a:extLst>
+          </p:cNvPr>
+          <p:cNvSpPr txBox="1"/>
+          <p:nvPr/>
+        </p:nvSpPr>
+        <p:spPr>
+          <a:xfrm>
+            <a:off x="1431507" y="5229506"/>
+            <a:ext cx="4274519" cy="400110"/>
+          </a:xfrm>
+          <a:prstGeom prst="rect">
+            <a:avLst/>
+          </a:prstGeom>
+          <a:noFill/>
+        </p:spPr>
+        <p:txBody>
+          <a:bodyPr wrap="square">
+            <a:spAutoFit/>
+          </a:bodyPr>
+          <a:lstStyle>
+            <a:defPPr>
+              <a:defRPr lang="zh-TW"/>
+            </a:defPPr>
+            <a:lvl1pPr>
+              <a:defRPr sz="2000" b="1">
+                <a:solidFill>
+                  <a:schemeClr val="accent1">
+                    <a:lumMod val="75000"/>
+                  </a:schemeClr>
+                </a:solidFill>
+                <a:latin typeface="Tw Cen MT" panose="020B0602020104020603" pitchFamily="34" charset="0"/>
+                <a:ea typeface="Taipei Sans TC Beta" pitchFamily="2" charset="-120"/>
+              </a:defRPr>
+            </a:lvl1pPr>
+          </a:lstStyle>
+          <a:p>
+            <a:r>
+              <a:rPr lang="en-US" altLang="zh-TW" dirty="0">
+                <a:solidFill>
+                  <a:schemeClr val="accent6">
+                    <a:lumMod val="75000"/>
+                  </a:schemeClr>
+                </a:solidFill>
+              </a:rPr>
+              <a:t>(Policy Implications, Decision Making)</a:t>
+            </a:r>
+            <a:endParaRPr lang="en-GB" dirty="0">
+              <a:solidFill>
+                <a:schemeClr val="accent6">
+                  <a:lumMod val="75000"/>
+                </a:schemeClr>
+              </a:solidFill>
+            </a:endParaRPr>
+          </a:p>
+        </p:txBody>
+      </p:sp>
+      <p:cxnSp>
+        <p:nvCxnSpPr>
+          <p:cNvPr id="37" name="Straight Connector 36">
+            <a:extLst>
+              <a:ext uri="{FF2B5EF4-FFF2-40B4-BE49-F238E27FC236}">
+                <a16:creationId xmlns:a16="http://schemas.microsoft.com/office/drawing/2014/main" id="{393B5AC9-3DD0-7ED7-C90E-D65C85094E7E}"/>
+              </a:ext>
+            </a:extLst>
+          </p:cNvPr>
+          <p:cNvCxnSpPr>
+            <a:cxnSpLocks/>
+            <a:endCxn id="44" idx="7"/>
+          </p:cNvCxnSpPr>
+          <p:nvPr/>
+        </p:nvCxnSpPr>
+        <p:spPr>
+          <a:xfrm flipV="1">
+            <a:off x="7102557" y="1979978"/>
+            <a:ext cx="3190241" cy="18782"/>
+          </a:xfrm>
+          <a:prstGeom prst="line">
+            <a:avLst/>
+          </a:prstGeom>
+          <a:ln w="19050">
+            <a:solidFill>
+              <a:schemeClr val="bg1">
+                <a:lumMod val="65000"/>
+              </a:schemeClr>
+            </a:solidFill>
+            <a:prstDash val="sysDash"/>
+          </a:ln>
+        </p:spPr>
+        <p:style>
+          <a:lnRef idx="1">
+            <a:schemeClr val="accent1"/>
+          </a:lnRef>
+          <a:fillRef idx="0">
+            <a:schemeClr val="accent1"/>
+          </a:fillRef>
+          <a:effectRef idx="0">
+            <a:schemeClr val="accent1"/>
+          </a:effectRef>
+          <a:fontRef idx="minor">
+            <a:schemeClr val="tx1"/>
+          </a:fontRef>
+        </p:style>
+      </p:cxnSp>
+      <p:cxnSp>
+        <p:nvCxnSpPr>
+          <p:cNvPr id="38" name="Straight Connector 37">
+            <a:extLst>
+              <a:ext uri="{FF2B5EF4-FFF2-40B4-BE49-F238E27FC236}">
+                <a16:creationId xmlns:a16="http://schemas.microsoft.com/office/drawing/2014/main" id="{EFDB0A4E-C7DD-97B4-F60E-2B10484DA89D}"/>
+              </a:ext>
+            </a:extLst>
+          </p:cNvPr>
+          <p:cNvCxnSpPr>
+            <a:cxnSpLocks/>
+          </p:cNvCxnSpPr>
+          <p:nvPr/>
+        </p:nvCxnSpPr>
+        <p:spPr>
+          <a:xfrm>
+            <a:off x="10292798" y="1998760"/>
+            <a:ext cx="0" cy="2216417"/>
+          </a:xfrm>
+          <a:prstGeom prst="line">
+            <a:avLst/>
+          </a:prstGeom>
+          <a:ln w="19050">
+            <a:solidFill>
+              <a:schemeClr val="bg1">
+                <a:lumMod val="65000"/>
+              </a:schemeClr>
+            </a:solidFill>
+            <a:prstDash val="sysDash"/>
+          </a:ln>
+        </p:spPr>
+        <p:style>
+          <a:lnRef idx="1">
+            <a:schemeClr val="accent1"/>
+          </a:lnRef>
+          <a:fillRef idx="0">
+            <a:schemeClr val="accent1"/>
+          </a:fillRef>
+          <a:effectRef idx="0">
+            <a:schemeClr val="accent1"/>
+          </a:effectRef>
+          <a:fontRef idx="minor">
+            <a:schemeClr val="tx1"/>
+          </a:fontRef>
+        </p:style>
+      </p:cxnSp>
+      <p:cxnSp>
+        <p:nvCxnSpPr>
+          <p:cNvPr id="39" name="Straight Connector 38">
+            <a:extLst>
+              <a:ext uri="{FF2B5EF4-FFF2-40B4-BE49-F238E27FC236}">
+                <a16:creationId xmlns:a16="http://schemas.microsoft.com/office/drawing/2014/main" id="{7490C029-9D9F-EA45-D0DB-210034DA7546}"/>
+              </a:ext>
+            </a:extLst>
+          </p:cNvPr>
+          <p:cNvCxnSpPr>
+            <a:cxnSpLocks/>
+          </p:cNvCxnSpPr>
+          <p:nvPr/>
+        </p:nvCxnSpPr>
+        <p:spPr>
+          <a:xfrm>
+            <a:off x="8717998" y="3700676"/>
+            <a:ext cx="0" cy="514501"/>
+          </a:xfrm>
+          <a:prstGeom prst="line">
+            <a:avLst/>
+          </a:prstGeom>
+          <a:ln w="19050">
+            <a:solidFill>
+              <a:schemeClr val="bg1">
+                <a:lumMod val="65000"/>
+              </a:schemeClr>
+            </a:solidFill>
+            <a:prstDash val="sysDash"/>
+          </a:ln>
+        </p:spPr>
+        <p:style>
+          <a:lnRef idx="1">
+            <a:schemeClr val="accent1"/>
+          </a:lnRef>
+          <a:fillRef idx="0">
+            <a:schemeClr val="accent1"/>
+          </a:fillRef>
+          <a:effectRef idx="0">
+            <a:schemeClr val="accent1"/>
+          </a:effectRef>
+          <a:fontRef idx="minor">
+            <a:schemeClr val="tx1"/>
+          </a:fontRef>
+        </p:style>
+      </p:cxnSp>
+      <p:cxnSp>
+        <p:nvCxnSpPr>
+          <p:cNvPr id="40" name="Straight Connector 39">
+            <a:extLst>
+              <a:ext uri="{FF2B5EF4-FFF2-40B4-BE49-F238E27FC236}">
+                <a16:creationId xmlns:a16="http://schemas.microsoft.com/office/drawing/2014/main" id="{81F56FC8-2E4B-71FA-2A30-A3E738C3B1CF}"/>
+              </a:ext>
+            </a:extLst>
+          </p:cNvPr>
+          <p:cNvCxnSpPr>
+            <a:cxnSpLocks/>
+          </p:cNvCxnSpPr>
+          <p:nvPr/>
+        </p:nvCxnSpPr>
+        <p:spPr>
+          <a:xfrm>
+            <a:off x="7102558" y="3700676"/>
+            <a:ext cx="1615440" cy="0"/>
+          </a:xfrm>
+          <a:prstGeom prst="line">
+            <a:avLst/>
+          </a:prstGeom>
+          <a:ln w="19050">
+            <a:solidFill>
+              <a:schemeClr val="bg1">
+                <a:lumMod val="65000"/>
+              </a:schemeClr>
+            </a:solidFill>
+            <a:prstDash val="sysDash"/>
+          </a:ln>
+        </p:spPr>
+        <p:style>
+          <a:lnRef idx="1">
+            <a:schemeClr val="accent1"/>
+          </a:lnRef>
+          <a:fillRef idx="0">
+            <a:schemeClr val="accent1"/>
+          </a:fillRef>
+          <a:effectRef idx="0">
+            <a:schemeClr val="accent1"/>
+          </a:effectRef>
+          <a:fontRef idx="minor">
+            <a:schemeClr val="tx1"/>
+          </a:fontRef>
+        </p:style>
+      </p:cxnSp>
+      <p:sp>
+        <p:nvSpPr>
+          <p:cNvPr id="41" name="文字方塊 9">
+            <a:extLst>
+              <a:ext uri="{FF2B5EF4-FFF2-40B4-BE49-F238E27FC236}">
+                <a16:creationId xmlns:a16="http://schemas.microsoft.com/office/drawing/2014/main" id="{F48E67BE-BB84-0B1E-6B77-07AF170E224F}"/>
+              </a:ext>
+            </a:extLst>
+          </p:cNvPr>
+          <p:cNvSpPr txBox="1"/>
+          <p:nvPr/>
+        </p:nvSpPr>
+        <p:spPr>
+          <a:xfrm>
+            <a:off x="6462728" y="709674"/>
+            <a:ext cx="1620957" cy="523220"/>
+          </a:xfrm>
+          <a:prstGeom prst="rect">
+            <a:avLst/>
+          </a:prstGeom>
+          <a:noFill/>
+        </p:spPr>
+        <p:txBody>
+          <a:bodyPr wrap="none" rtlCol="0">
+            <a:spAutoFit/>
+          </a:bodyPr>
+          <a:lstStyle/>
+          <a:p>
+            <a:r>
+              <a:rPr lang="zh-TW" altLang="en-US" sz="2800" b="1" dirty="0">
+                <a:solidFill>
+                  <a:schemeClr val="accent1">
+                    <a:lumMod val="75000"/>
+                  </a:schemeClr>
+                </a:solidFill>
+                <a:latin typeface="Taipei Sans TC Beta" pitchFamily="2" charset="-120"/>
+                <a:ea typeface="Taipei Sans TC Beta" pitchFamily="2" charset="-120"/>
+              </a:rPr>
+              <a:t>學習曲線</a:t>
+            </a:r>
+            <a:endParaRPr lang="en-US" altLang="zh-TW" sz="2800" b="1" dirty="0">
+              <a:solidFill>
+                <a:schemeClr val="accent1">
+                  <a:lumMod val="75000"/>
+                </a:schemeClr>
+              </a:solidFill>
+              <a:latin typeface="Taipei Sans TC Beta" pitchFamily="2" charset="-120"/>
+              <a:ea typeface="Taipei Sans TC Beta" pitchFamily="2" charset="-120"/>
+            </a:endParaRPr>
+          </a:p>
+        </p:txBody>
+      </p:sp>
+      <p:cxnSp>
+        <p:nvCxnSpPr>
+          <p:cNvPr id="42" name="Straight Arrow Connector 41">
+            <a:extLst>
+              <a:ext uri="{FF2B5EF4-FFF2-40B4-BE49-F238E27FC236}">
+                <a16:creationId xmlns:a16="http://schemas.microsoft.com/office/drawing/2014/main" id="{C23349E0-34DF-998A-9894-D38B3025D536}"/>
+              </a:ext>
+            </a:extLst>
+          </p:cNvPr>
+          <p:cNvCxnSpPr>
+            <a:cxnSpLocks/>
+          </p:cNvCxnSpPr>
+          <p:nvPr/>
+        </p:nvCxnSpPr>
+        <p:spPr>
+          <a:xfrm flipV="1">
+            <a:off x="7102558" y="1500800"/>
+            <a:ext cx="0" cy="2844957"/>
+          </a:xfrm>
+          <a:prstGeom prst="straightConnector1">
+            <a:avLst/>
+          </a:prstGeom>
+          <a:ln w="38100">
+            <a:tailEnd type="triangle"/>
+          </a:ln>
+        </p:spPr>
+        <p:style>
+          <a:lnRef idx="1">
+            <a:schemeClr val="accent1"/>
+          </a:lnRef>
+          <a:fillRef idx="0">
+            <a:schemeClr val="accent1"/>
+          </a:fillRef>
+          <a:effectRef idx="0">
+            <a:schemeClr val="accent1"/>
+          </a:effectRef>
+          <a:fontRef idx="minor">
+            <a:schemeClr val="tx1"/>
+          </a:fontRef>
+        </p:style>
+      </p:cxnSp>
+      <p:cxnSp>
+        <p:nvCxnSpPr>
+          <p:cNvPr id="43" name="Straight Arrow Connector 42">
+            <a:extLst>
+              <a:ext uri="{FF2B5EF4-FFF2-40B4-BE49-F238E27FC236}">
+                <a16:creationId xmlns:a16="http://schemas.microsoft.com/office/drawing/2014/main" id="{7C9935B9-4FC3-7B93-0012-97309A838DFF}"/>
+              </a:ext>
+            </a:extLst>
+          </p:cNvPr>
+          <p:cNvCxnSpPr>
+            <a:cxnSpLocks/>
+          </p:cNvCxnSpPr>
+          <p:nvPr/>
+        </p:nvCxnSpPr>
+        <p:spPr>
+          <a:xfrm>
+            <a:off x="6950158" y="4215178"/>
+            <a:ext cx="6264738" cy="0"/>
+          </a:xfrm>
+          <a:prstGeom prst="straightConnector1">
+            <a:avLst/>
+          </a:prstGeom>
+          <a:ln w="38100">
+            <a:tailEnd type="triangle"/>
+          </a:ln>
+        </p:spPr>
+        <p:style>
+          <a:lnRef idx="1">
+            <a:schemeClr val="accent1"/>
+          </a:lnRef>
+          <a:fillRef idx="0">
+            <a:schemeClr val="accent1"/>
+          </a:fillRef>
+          <a:effectRef idx="0">
+            <a:schemeClr val="accent1"/>
+          </a:effectRef>
+          <a:fontRef idx="minor">
+            <a:schemeClr val="tx1"/>
+          </a:fontRef>
+        </p:style>
+      </p:cxnSp>
+      <p:sp>
+        <p:nvSpPr>
+          <p:cNvPr id="44" name="Freeform: Shape 43">
+            <a:extLst>
+              <a:ext uri="{FF2B5EF4-FFF2-40B4-BE49-F238E27FC236}">
+                <a16:creationId xmlns:a16="http://schemas.microsoft.com/office/drawing/2014/main" id="{BFBFB94E-1853-1454-7638-271E658D2A6C}"/>
+              </a:ext>
+            </a:extLst>
+          </p:cNvPr>
+          <p:cNvSpPr/>
+          <p:nvPr/>
+        </p:nvSpPr>
+        <p:spPr>
+          <a:xfrm>
+            <a:off x="7102558" y="1742388"/>
+            <a:ext cx="5134345" cy="2472790"/>
+          </a:xfrm>
+          <a:custGeom>
+            <a:avLst/>
+            <a:gdLst>
+              <a:gd name="connsiteX0" fmla="*/ 0 w 5134345"/>
+              <a:gd name="connsiteY0" fmla="*/ 2472790 h 2472790"/>
+              <a:gd name="connsiteX1" fmla="*/ 538480 w 5134345"/>
+              <a:gd name="connsiteY1" fmla="*/ 2411830 h 2472790"/>
+              <a:gd name="connsiteX2" fmla="*/ 1178560 w 5134345"/>
+              <a:gd name="connsiteY2" fmla="*/ 2218790 h 2472790"/>
+              <a:gd name="connsiteX3" fmla="*/ 1818640 w 5134345"/>
+              <a:gd name="connsiteY3" fmla="*/ 1792070 h 2472790"/>
+              <a:gd name="connsiteX4" fmla="*/ 2275840 w 5134345"/>
+              <a:gd name="connsiteY4" fmla="*/ 1101190 h 2472790"/>
+              <a:gd name="connsiteX5" fmla="*/ 2611120 w 5134345"/>
+              <a:gd name="connsiteY5" fmla="*/ 643990 h 2472790"/>
+              <a:gd name="connsiteX6" fmla="*/ 2834640 w 5134345"/>
+              <a:gd name="connsiteY6" fmla="*/ 420470 h 2472790"/>
+              <a:gd name="connsiteX7" fmla="*/ 3190240 w 5134345"/>
+              <a:gd name="connsiteY7" fmla="*/ 237590 h 2472790"/>
+              <a:gd name="connsiteX8" fmla="*/ 4003040 w 5134345"/>
+              <a:gd name="connsiteY8" fmla="*/ 44550 h 2472790"/>
+              <a:gd name="connsiteX9" fmla="*/ 4988560 w 5134345"/>
+              <a:gd name="connsiteY9" fmla="*/ 3910 h 2472790"/>
+              <a:gd name="connsiteX10" fmla="*/ 5110480 w 5134345"/>
+              <a:gd name="connsiteY10" fmla="*/ 3910 h 2472790"/>
+            </a:gdLst>
+            <a:ahLst/>
+            <a:cxnLst>
+              <a:cxn ang="0">
+                <a:pos x="connsiteX0" y="connsiteY0"/>
+              </a:cxn>
+              <a:cxn ang="0">
+                <a:pos x="connsiteX1" y="connsiteY1"/>
+              </a:cxn>
+              <a:cxn ang="0">
+                <a:pos x="connsiteX2" y="connsiteY2"/>
+              </a:cxn>
+              <a:cxn ang="0">
+                <a:pos x="connsiteX3" y="connsiteY3"/>
+              </a:cxn>
+              <a:cxn ang="0">
+                <a:pos x="connsiteX4" y="connsiteY4"/>
+              </a:cxn>
+              <a:cxn ang="0">
+                <a:pos x="connsiteX5" y="connsiteY5"/>
+              </a:cxn>
+              <a:cxn ang="0">
+                <a:pos x="connsiteX6" y="connsiteY6"/>
+              </a:cxn>
+              <a:cxn ang="0">
+                <a:pos x="connsiteX7" y="connsiteY7"/>
+              </a:cxn>
+              <a:cxn ang="0">
+                <a:pos x="connsiteX8" y="connsiteY8"/>
+              </a:cxn>
+              <a:cxn ang="0">
+                <a:pos x="connsiteX9" y="connsiteY9"/>
+              </a:cxn>
+              <a:cxn ang="0">
+                <a:pos x="connsiteX10" y="connsiteY10"/>
+              </a:cxn>
+            </a:cxnLst>
+            <a:rect l="l" t="t" r="r" b="b"/>
+            <a:pathLst>
+              <a:path w="5134345" h="2472790">
+                <a:moveTo>
+                  <a:pt x="0" y="2472790"/>
+                </a:moveTo>
+                <a:cubicBezTo>
+                  <a:pt x="171026" y="2463476"/>
+                  <a:pt x="342053" y="2454163"/>
+                  <a:pt x="538480" y="2411830"/>
+                </a:cubicBezTo>
+                <a:cubicBezTo>
+                  <a:pt x="734907" y="2369497"/>
+                  <a:pt x="965200" y="2322083"/>
+                  <a:pt x="1178560" y="2218790"/>
+                </a:cubicBezTo>
+                <a:cubicBezTo>
+                  <a:pt x="1391920" y="2115497"/>
+                  <a:pt x="1635760" y="1978337"/>
+                  <a:pt x="1818640" y="1792070"/>
+                </a:cubicBezTo>
+                <a:cubicBezTo>
+                  <a:pt x="2001520" y="1605803"/>
+                  <a:pt x="2143760" y="1292537"/>
+                  <a:pt x="2275840" y="1101190"/>
+                </a:cubicBezTo>
+                <a:cubicBezTo>
+                  <a:pt x="2407920" y="909843"/>
+                  <a:pt x="2517987" y="757443"/>
+                  <a:pt x="2611120" y="643990"/>
+                </a:cubicBezTo>
+                <a:cubicBezTo>
+                  <a:pt x="2704253" y="530537"/>
+                  <a:pt x="2738120" y="488203"/>
+                  <a:pt x="2834640" y="420470"/>
+                </a:cubicBezTo>
+                <a:cubicBezTo>
+                  <a:pt x="2931160" y="352737"/>
+                  <a:pt x="2995507" y="300243"/>
+                  <a:pt x="3190240" y="237590"/>
+                </a:cubicBezTo>
+                <a:cubicBezTo>
+                  <a:pt x="3384973" y="174937"/>
+                  <a:pt x="3703320" y="83497"/>
+                  <a:pt x="4003040" y="44550"/>
+                </a:cubicBezTo>
+                <a:cubicBezTo>
+                  <a:pt x="4302760" y="5603"/>
+                  <a:pt x="4803987" y="10683"/>
+                  <a:pt x="4988560" y="3910"/>
+                </a:cubicBezTo>
+                <a:cubicBezTo>
+                  <a:pt x="5173133" y="-2863"/>
+                  <a:pt x="5141806" y="523"/>
+                  <a:pt x="5110480" y="3910"/>
+                </a:cubicBezTo>
+              </a:path>
+            </a:pathLst>
+          </a:custGeom>
+          <a:noFill/>
+          <a:ln w="38100">
+            <a:solidFill>
+              <a:schemeClr val="accent3">
+                <a:lumMod val="50000"/>
+              </a:schemeClr>
+            </a:solidFill>
+          </a:ln>
+        </p:spPr>
+        <p:style>
+          <a:lnRef idx="2">
+            <a:schemeClr val="accent1">
+              <a:shade val="15000"/>
+            </a:schemeClr>
+          </a:lnRef>
+          <a:fillRef idx="1">
+            <a:schemeClr val="accent1"/>
+          </a:fillRef>
+          <a:effectRef idx="0">
+            <a:schemeClr val="accent1"/>
+          </a:effectRef>
+          <a:fontRef idx="minor">
+            <a:schemeClr val="lt1"/>
+          </a:fontRef>
+        </p:style>
+        <p:txBody>
+          <a:bodyPr rtlCol="0" anchor="ctr"/>
+          <a:lstStyle/>
+          <a:p>
+            <a:pPr algn="ctr"/>
+            <a:endParaRPr lang="en-GB"/>
+          </a:p>
+        </p:txBody>
+      </p:sp>
+      <p:sp>
+        <p:nvSpPr>
+          <p:cNvPr id="45" name="文字方塊 9">
+            <a:extLst>
+              <a:ext uri="{FF2B5EF4-FFF2-40B4-BE49-F238E27FC236}">
+                <a16:creationId xmlns:a16="http://schemas.microsoft.com/office/drawing/2014/main" id="{FA032930-4E41-824F-649D-453C4BD8FD60}"/>
+              </a:ext>
+            </a:extLst>
+          </p:cNvPr>
+          <p:cNvSpPr txBox="1"/>
+          <p:nvPr/>
+        </p:nvSpPr>
+        <p:spPr>
+          <a:xfrm>
+            <a:off x="12517269" y="4215177"/>
+            <a:ext cx="697627" cy="400110"/>
+          </a:xfrm>
+          <a:prstGeom prst="rect">
+            <a:avLst/>
+          </a:prstGeom>
+          <a:noFill/>
+        </p:spPr>
+        <p:txBody>
+          <a:bodyPr wrap="none" rtlCol="0">
+            <a:spAutoFit/>
+          </a:bodyPr>
+          <a:lstStyle/>
+          <a:p>
+            <a:r>
+              <a:rPr lang="zh-TW" altLang="en-US" sz="2000" b="1" dirty="0">
+                <a:solidFill>
+                  <a:schemeClr val="accent1">
+                    <a:lumMod val="75000"/>
+                  </a:schemeClr>
+                </a:solidFill>
+                <a:latin typeface="Taipei Sans TC Beta" pitchFamily="2" charset="-120"/>
+                <a:ea typeface="Taipei Sans TC Beta" pitchFamily="2" charset="-120"/>
+              </a:rPr>
+              <a:t>時間</a:t>
+            </a:r>
+            <a:endParaRPr lang="en-US" altLang="zh-TW" sz="2000" b="1" dirty="0">
+              <a:solidFill>
+                <a:schemeClr val="accent1">
+                  <a:lumMod val="75000"/>
+                </a:schemeClr>
+              </a:solidFill>
+              <a:latin typeface="Taipei Sans TC Beta" pitchFamily="2" charset="-120"/>
+              <a:ea typeface="Taipei Sans TC Beta" pitchFamily="2" charset="-120"/>
+            </a:endParaRPr>
+          </a:p>
+        </p:txBody>
+      </p:sp>
+      <p:sp>
+        <p:nvSpPr>
+          <p:cNvPr id="46" name="文字方塊 9">
+            <a:extLst>
+              <a:ext uri="{FF2B5EF4-FFF2-40B4-BE49-F238E27FC236}">
+                <a16:creationId xmlns:a16="http://schemas.microsoft.com/office/drawing/2014/main" id="{977BE373-6689-EDDC-201D-FE361F100215}"/>
+              </a:ext>
+            </a:extLst>
+          </p:cNvPr>
+          <p:cNvSpPr txBox="1"/>
+          <p:nvPr/>
+        </p:nvSpPr>
+        <p:spPr>
+          <a:xfrm rot="16200000">
+            <a:off x="6102709" y="1910046"/>
+            <a:ext cx="1309974" cy="400110"/>
+          </a:xfrm>
+          <a:prstGeom prst="rect">
+            <a:avLst/>
+          </a:prstGeom>
+          <a:noFill/>
+        </p:spPr>
+        <p:txBody>
+          <a:bodyPr wrap="none" rtlCol="0">
+            <a:spAutoFit/>
+          </a:bodyPr>
+          <a:lstStyle/>
+          <a:p>
+            <a:r>
+              <a:rPr lang="zh-TW" altLang="en-US" sz="2000" b="1" dirty="0">
+                <a:solidFill>
+                  <a:schemeClr val="accent1">
+                    <a:lumMod val="75000"/>
+                  </a:schemeClr>
+                </a:solidFill>
+                <a:latin typeface="Taipei Sans TC Beta" pitchFamily="2" charset="-120"/>
+                <a:ea typeface="Taipei Sans TC Beta" pitchFamily="2" charset="-120"/>
+              </a:rPr>
+              <a:t>知識</a:t>
+            </a:r>
+            <a:r>
+              <a:rPr lang="en-US" altLang="zh-TW" sz="2000" b="1" dirty="0">
+                <a:solidFill>
+                  <a:schemeClr val="accent1">
+                    <a:lumMod val="75000"/>
+                  </a:schemeClr>
+                </a:solidFill>
+                <a:latin typeface="Taipei Sans TC Beta" pitchFamily="2" charset="-120"/>
+                <a:ea typeface="Taipei Sans TC Beta" pitchFamily="2" charset="-120"/>
+              </a:rPr>
+              <a:t>/</a:t>
+            </a:r>
+            <a:r>
+              <a:rPr lang="zh-TW" altLang="en-US" sz="2000" b="1" dirty="0">
+                <a:solidFill>
+                  <a:schemeClr val="accent1">
+                    <a:lumMod val="75000"/>
+                  </a:schemeClr>
+                </a:solidFill>
+                <a:latin typeface="Taipei Sans TC Beta" pitchFamily="2" charset="-120"/>
+                <a:ea typeface="Taipei Sans TC Beta" pitchFamily="2" charset="-120"/>
+              </a:rPr>
+              <a:t>技術</a:t>
+            </a:r>
+            <a:endParaRPr lang="en-US" altLang="zh-TW" sz="2000" b="1" dirty="0">
+              <a:solidFill>
+                <a:schemeClr val="accent1">
+                  <a:lumMod val="75000"/>
+                </a:schemeClr>
+              </a:solidFill>
+              <a:latin typeface="Taipei Sans TC Beta" pitchFamily="2" charset="-120"/>
+              <a:ea typeface="Taipei Sans TC Beta" pitchFamily="2" charset="-120"/>
+            </a:endParaRPr>
+          </a:p>
+        </p:txBody>
+      </p:sp>
+      <p:sp>
+        <p:nvSpPr>
+          <p:cNvPr id="47" name="文字方塊 9">
+            <a:extLst>
+              <a:ext uri="{FF2B5EF4-FFF2-40B4-BE49-F238E27FC236}">
+                <a16:creationId xmlns:a16="http://schemas.microsoft.com/office/drawing/2014/main" id="{4B50921A-83C7-7276-DE5A-1FE682F0056A}"/>
+              </a:ext>
+            </a:extLst>
+          </p:cNvPr>
+          <p:cNvSpPr txBox="1"/>
+          <p:nvPr/>
+        </p:nvSpPr>
+        <p:spPr>
+          <a:xfrm>
+            <a:off x="7147799" y="4313028"/>
+            <a:ext cx="1467068" cy="400110"/>
+          </a:xfrm>
+          <a:prstGeom prst="rect">
+            <a:avLst/>
+          </a:prstGeom>
+          <a:noFill/>
+        </p:spPr>
+        <p:txBody>
+          <a:bodyPr wrap="none" rtlCol="0">
+            <a:spAutoFit/>
+          </a:bodyPr>
+          <a:lstStyle/>
+          <a:p>
+            <a:r>
+              <a:rPr lang="zh-TW" altLang="en-US" sz="2000" b="1" dirty="0">
+                <a:solidFill>
+                  <a:schemeClr val="accent3">
+                    <a:lumMod val="50000"/>
+                  </a:schemeClr>
+                </a:solidFill>
+                <a:latin typeface="Taipei Sans TC Beta" pitchFamily="2" charset="-120"/>
+                <a:ea typeface="Taipei Sans TC Beta" pitchFamily="2" charset="-120"/>
+              </a:rPr>
+              <a:t>初學緩慢期</a:t>
+            </a:r>
+            <a:endParaRPr lang="en-US" altLang="zh-TW" sz="2000" b="1" dirty="0">
+              <a:solidFill>
+                <a:schemeClr val="accent3">
+                  <a:lumMod val="50000"/>
+                </a:schemeClr>
+              </a:solidFill>
+              <a:latin typeface="Taipei Sans TC Beta" pitchFamily="2" charset="-120"/>
+              <a:ea typeface="Taipei Sans TC Beta" pitchFamily="2" charset="-120"/>
+            </a:endParaRPr>
+          </a:p>
+        </p:txBody>
+      </p:sp>
+      <p:sp>
+        <p:nvSpPr>
+          <p:cNvPr id="48" name="文字方塊 9">
+            <a:extLst>
+              <a:ext uri="{FF2B5EF4-FFF2-40B4-BE49-F238E27FC236}">
+                <a16:creationId xmlns:a16="http://schemas.microsoft.com/office/drawing/2014/main" id="{5487A05D-D9E4-22BE-6C25-2D00D02ECB6C}"/>
+              </a:ext>
+            </a:extLst>
+          </p:cNvPr>
+          <p:cNvSpPr txBox="1"/>
+          <p:nvPr/>
+        </p:nvSpPr>
+        <p:spPr>
+          <a:xfrm>
+            <a:off x="8809043" y="4313028"/>
+            <a:ext cx="1467068" cy="400110"/>
+          </a:xfrm>
+          <a:prstGeom prst="rect">
+            <a:avLst/>
+          </a:prstGeom>
+          <a:noFill/>
+        </p:spPr>
+        <p:txBody>
+          <a:bodyPr wrap="none" rtlCol="0">
+            <a:spAutoFit/>
+          </a:bodyPr>
+          <a:lstStyle/>
+          <a:p>
+            <a:r>
+              <a:rPr lang="zh-TW" altLang="en-US" sz="2000" b="1" dirty="0">
+                <a:solidFill>
+                  <a:schemeClr val="accent3">
+                    <a:lumMod val="50000"/>
+                  </a:schemeClr>
+                </a:solidFill>
+                <a:latin typeface="Taipei Sans TC Beta" pitchFamily="2" charset="-120"/>
+                <a:ea typeface="Taipei Sans TC Beta" pitchFamily="2" charset="-120"/>
+              </a:rPr>
+              <a:t>快速提升期</a:t>
+            </a:r>
+            <a:endParaRPr lang="en-US" altLang="zh-TW" sz="2000" b="1" dirty="0">
+              <a:solidFill>
+                <a:schemeClr val="accent3">
+                  <a:lumMod val="50000"/>
+                </a:schemeClr>
+              </a:solidFill>
+              <a:latin typeface="Taipei Sans TC Beta" pitchFamily="2" charset="-120"/>
+              <a:ea typeface="Taipei Sans TC Beta" pitchFamily="2" charset="-120"/>
+            </a:endParaRPr>
+          </a:p>
+        </p:txBody>
+      </p:sp>
+      <p:sp>
+        <p:nvSpPr>
+          <p:cNvPr id="49" name="文字方塊 9">
+            <a:extLst>
+              <a:ext uri="{FF2B5EF4-FFF2-40B4-BE49-F238E27FC236}">
+                <a16:creationId xmlns:a16="http://schemas.microsoft.com/office/drawing/2014/main" id="{E43C5A60-420C-65AE-19A0-ED1E6774E8A3}"/>
+              </a:ext>
+            </a:extLst>
+          </p:cNvPr>
+          <p:cNvSpPr txBox="1"/>
+          <p:nvPr/>
+        </p:nvSpPr>
+        <p:spPr>
+          <a:xfrm>
+            <a:off x="10675757" y="4313028"/>
+            <a:ext cx="1467068" cy="400110"/>
+          </a:xfrm>
+          <a:prstGeom prst="rect">
+            <a:avLst/>
+          </a:prstGeom>
+          <a:noFill/>
+        </p:spPr>
+        <p:txBody>
+          <a:bodyPr wrap="none" rtlCol="0">
+            <a:spAutoFit/>
+          </a:bodyPr>
+          <a:lstStyle/>
+          <a:p>
+            <a:r>
+              <a:rPr lang="zh-TW" altLang="en-US" sz="2000" b="1" dirty="0">
+                <a:solidFill>
+                  <a:schemeClr val="accent3">
+                    <a:lumMod val="50000"/>
+                  </a:schemeClr>
+                </a:solidFill>
+                <a:latin typeface="Taipei Sans TC Beta" pitchFamily="2" charset="-120"/>
+                <a:ea typeface="Taipei Sans TC Beta" pitchFamily="2" charset="-120"/>
+              </a:rPr>
+              <a:t>穩定成熟期</a:t>
+            </a:r>
+            <a:endParaRPr lang="en-US" altLang="zh-TW" sz="2000" b="1" dirty="0">
+              <a:solidFill>
+                <a:schemeClr val="accent3">
+                  <a:lumMod val="50000"/>
+                </a:schemeClr>
+              </a:solidFill>
+              <a:latin typeface="Taipei Sans TC Beta" pitchFamily="2" charset="-120"/>
+              <a:ea typeface="Taipei Sans TC Beta" pitchFamily="2" charset="-120"/>
+            </a:endParaRPr>
+          </a:p>
+        </p:txBody>
+      </p:sp>
+      <p:sp>
+        <p:nvSpPr>
+          <p:cNvPr id="50" name="文字方塊 9">
+            <a:extLst>
+              <a:ext uri="{FF2B5EF4-FFF2-40B4-BE49-F238E27FC236}">
+                <a16:creationId xmlns:a16="http://schemas.microsoft.com/office/drawing/2014/main" id="{B3FE3B7E-CC91-81B1-F377-F19608B8B42D}"/>
+              </a:ext>
+            </a:extLst>
+          </p:cNvPr>
+          <p:cNvSpPr txBox="1"/>
+          <p:nvPr/>
+        </p:nvSpPr>
+        <p:spPr>
+          <a:xfrm>
+            <a:off x="7532519" y="4688854"/>
+            <a:ext cx="697627" cy="400110"/>
+          </a:xfrm>
+          <a:prstGeom prst="rect">
+            <a:avLst/>
+          </a:prstGeom>
+          <a:noFill/>
+        </p:spPr>
+        <p:txBody>
+          <a:bodyPr wrap="none" rtlCol="0">
+            <a:spAutoFit/>
+          </a:bodyPr>
+          <a:lstStyle/>
+          <a:p>
+            <a:r>
+              <a:rPr lang="zh-TW" altLang="en-US" sz="2000" b="1" dirty="0">
+                <a:solidFill>
+                  <a:schemeClr val="tx2">
+                    <a:lumMod val="75000"/>
+                    <a:lumOff val="25000"/>
+                  </a:schemeClr>
+                </a:solidFill>
+                <a:latin typeface="Taipei Sans TC Beta" pitchFamily="2" charset="-120"/>
+                <a:ea typeface="Taipei Sans TC Beta" pitchFamily="2" charset="-120"/>
+              </a:rPr>
+              <a:t>複製</a:t>
+            </a:r>
+            <a:endParaRPr lang="en-US" altLang="zh-TW" sz="2000" b="1" dirty="0">
+              <a:solidFill>
+                <a:schemeClr val="tx2">
+                  <a:lumMod val="75000"/>
+                  <a:lumOff val="25000"/>
+                </a:schemeClr>
+              </a:solidFill>
+              <a:latin typeface="Taipei Sans TC Beta" pitchFamily="2" charset="-120"/>
+              <a:ea typeface="Taipei Sans TC Beta" pitchFamily="2" charset="-120"/>
+            </a:endParaRPr>
+          </a:p>
+        </p:txBody>
+      </p:sp>
+      <p:sp>
+        <p:nvSpPr>
+          <p:cNvPr id="51" name="文字方塊 9">
+            <a:extLst>
+              <a:ext uri="{FF2B5EF4-FFF2-40B4-BE49-F238E27FC236}">
+                <a16:creationId xmlns:a16="http://schemas.microsoft.com/office/drawing/2014/main" id="{251C06B7-B0FD-6F25-C83F-32883653A9A1}"/>
+              </a:ext>
+            </a:extLst>
+          </p:cNvPr>
+          <p:cNvSpPr txBox="1"/>
+          <p:nvPr/>
+        </p:nvSpPr>
+        <p:spPr>
+          <a:xfrm>
+            <a:off x="9193763" y="4688854"/>
+            <a:ext cx="697627" cy="400110"/>
+          </a:xfrm>
+          <a:prstGeom prst="rect">
+            <a:avLst/>
+          </a:prstGeom>
+          <a:noFill/>
+        </p:spPr>
+        <p:txBody>
+          <a:bodyPr wrap="none" rtlCol="0">
+            <a:spAutoFit/>
+          </a:bodyPr>
+          <a:lstStyle/>
+          <a:p>
+            <a:r>
+              <a:rPr lang="zh-TW" altLang="en-US" sz="2000" b="1" dirty="0">
+                <a:solidFill>
+                  <a:schemeClr val="tx2">
+                    <a:lumMod val="75000"/>
+                    <a:lumOff val="25000"/>
+                  </a:schemeClr>
+                </a:solidFill>
+                <a:latin typeface="Taipei Sans TC Beta" pitchFamily="2" charset="-120"/>
+                <a:ea typeface="Taipei Sans TC Beta" pitchFamily="2" charset="-120"/>
+              </a:rPr>
+              <a:t>發想</a:t>
+            </a:r>
+            <a:endParaRPr lang="en-US" altLang="zh-TW" sz="2000" b="1" dirty="0">
+              <a:solidFill>
+                <a:schemeClr val="tx2">
+                  <a:lumMod val="75000"/>
+                  <a:lumOff val="25000"/>
+                </a:schemeClr>
+              </a:solidFill>
+              <a:latin typeface="Taipei Sans TC Beta" pitchFamily="2" charset="-120"/>
+              <a:ea typeface="Taipei Sans TC Beta" pitchFamily="2" charset="-120"/>
+            </a:endParaRPr>
+          </a:p>
+        </p:txBody>
+      </p:sp>
+      <p:sp>
+        <p:nvSpPr>
+          <p:cNvPr id="52" name="Arrow: Right 51">
+            <a:extLst>
+              <a:ext uri="{FF2B5EF4-FFF2-40B4-BE49-F238E27FC236}">
+                <a16:creationId xmlns:a16="http://schemas.microsoft.com/office/drawing/2014/main" id="{3AB92F3E-9E50-8E70-792F-4C6F10C804D7}"/>
+              </a:ext>
+            </a:extLst>
+          </p:cNvPr>
+          <p:cNvSpPr/>
+          <p:nvPr/>
+        </p:nvSpPr>
+        <p:spPr>
+          <a:xfrm>
+            <a:off x="7147800" y="5083920"/>
+            <a:ext cx="5089104" cy="159644"/>
+          </a:xfrm>
+          <a:prstGeom prst="rightArrow">
+            <a:avLst/>
+          </a:prstGeom>
+          <a:solidFill>
+            <a:schemeClr val="accent1">
+              <a:lumMod val="60000"/>
+              <a:lumOff val="40000"/>
+            </a:schemeClr>
+          </a:solidFill>
+          <a:ln>
+            <a:noFill/>
+          </a:ln>
+        </p:spPr>
+        <p:style>
+          <a:lnRef idx="2">
+            <a:schemeClr val="accent1">
+              <a:shade val="15000"/>
+            </a:schemeClr>
+          </a:lnRef>
+          <a:fillRef idx="1">
+            <a:schemeClr val="accent1"/>
+          </a:fillRef>
+          <a:effectRef idx="0">
+            <a:schemeClr val="accent1"/>
+          </a:effectRef>
+          <a:fontRef idx="minor">
+            <a:schemeClr val="lt1"/>
+          </a:fontRef>
+        </p:style>
+        <p:txBody>
+          <a:bodyPr rtlCol="0" anchor="ctr"/>
+          <a:lstStyle/>
+          <a:p>
+            <a:pPr algn="ctr"/>
+            <a:endParaRPr lang="en-GB"/>
+          </a:p>
+        </p:txBody>
+      </p:sp>
+      <p:sp>
+        <p:nvSpPr>
+          <p:cNvPr id="53" name="文字方塊 9">
+            <a:extLst>
+              <a:ext uri="{FF2B5EF4-FFF2-40B4-BE49-F238E27FC236}">
+                <a16:creationId xmlns:a16="http://schemas.microsoft.com/office/drawing/2014/main" id="{F7F30FD3-EADD-79B9-38C5-40897A2AE014}"/>
+              </a:ext>
+            </a:extLst>
+          </p:cNvPr>
+          <p:cNvSpPr txBox="1"/>
+          <p:nvPr/>
+        </p:nvSpPr>
+        <p:spPr>
+          <a:xfrm>
+            <a:off x="8568171" y="5214236"/>
+            <a:ext cx="2428870" cy="400110"/>
+          </a:xfrm>
+          <a:prstGeom prst="rect">
+            <a:avLst/>
+          </a:prstGeom>
+          <a:noFill/>
+        </p:spPr>
+        <p:txBody>
+          <a:bodyPr wrap="none" rtlCol="0">
+            <a:spAutoFit/>
+          </a:bodyPr>
+          <a:lstStyle/>
+          <a:p>
+            <a:r>
+              <a:rPr lang="en-US" altLang="zh-TW" sz="2000" b="1" dirty="0">
+                <a:solidFill>
+                  <a:schemeClr val="accent6">
+                    <a:lumMod val="75000"/>
+                  </a:schemeClr>
+                </a:solidFill>
+                <a:latin typeface="Taipei Sans TC Beta" pitchFamily="2" charset="-120"/>
+                <a:ea typeface="Taipei Sans TC Beta" pitchFamily="2" charset="-120"/>
+              </a:rPr>
+              <a:t>[</a:t>
+            </a:r>
+            <a:r>
+              <a:rPr lang="zh-TW" altLang="en-US" sz="2000" b="1" dirty="0">
+                <a:solidFill>
+                  <a:schemeClr val="accent6">
+                    <a:lumMod val="75000"/>
+                  </a:schemeClr>
+                </a:solidFill>
+                <a:latin typeface="Taipei Sans TC Beta" pitchFamily="2" charset="-120"/>
+                <a:ea typeface="Taipei Sans TC Beta" pitchFamily="2" charset="-120"/>
+              </a:rPr>
+              <a:t>原動力：解決問題</a:t>
+            </a:r>
+            <a:r>
+              <a:rPr lang="en-US" altLang="zh-TW" sz="2000" b="1" dirty="0">
+                <a:solidFill>
+                  <a:schemeClr val="accent6">
+                    <a:lumMod val="75000"/>
+                  </a:schemeClr>
+                </a:solidFill>
+                <a:latin typeface="Taipei Sans TC Beta" pitchFamily="2" charset="-120"/>
+                <a:ea typeface="Taipei Sans TC Beta" pitchFamily="2" charset="-120"/>
+              </a:rPr>
+              <a:t>]</a:t>
+            </a:r>
+          </a:p>
+        </p:txBody>
+      </p:sp>
+    </p:spTree>
+    <p:extLst>
+      <p:ext uri="{BB962C8B-B14F-4D97-AF65-F5344CB8AC3E}">
+        <p14:creationId xmlns:p14="http://schemas.microsoft.com/office/powerpoint/2010/main" val="683953178"/>
+      </p:ext>
+    </p:extLst>
+  </p:cSld>
+  <p:clrMapOvr>
+    <a:masterClrMapping/>
+  </p:clrMapOvr>
+</p:sld>
+</file>
+
+<file path=ppt/slides/slide2.xml><?xml version="1.0" encoding="utf-8"?>
 <p:sld xmlns:a="http://schemas.openxmlformats.org/drawingml/2006/main" xmlns:r="http://schemas.openxmlformats.org/officeDocument/2006/relationships" xmlns:p="http://schemas.openxmlformats.org/presentationml/2006/main">
   <p:cSld>
     <p:spTree>
@@ -7770,7 +10170,7 @@
 </p:sld>
 </file>
 
-<file path=ppt/slides/slide2.xml><?xml version="1.0" encoding="utf-8"?>
+<file path=ppt/slides/slide3.xml><?xml version="1.0" encoding="utf-8"?>
 <p:sld xmlns:a="http://schemas.openxmlformats.org/drawingml/2006/main" xmlns:r="http://schemas.openxmlformats.org/officeDocument/2006/relationships" xmlns:p="http://schemas.openxmlformats.org/presentationml/2006/main">
   <p:cSld>
     <p:spTree>
@@ -11058,7 +13458,7 @@
 </p:sld>
 </file>
 
-<file path=ppt/slides/slide3.xml><?xml version="1.0" encoding="utf-8"?>
+<file path=ppt/slides/slide4.xml><?xml version="1.0" encoding="utf-8"?>
 <p:sld xmlns:a="http://schemas.openxmlformats.org/drawingml/2006/main" xmlns:r="http://schemas.openxmlformats.org/officeDocument/2006/relationships" xmlns:p="http://schemas.openxmlformats.org/presentationml/2006/main">
   <p:cSld>
     <p:spTree>
@@ -14512,7 +16912,7 @@
 </p:sld>
 </file>
 
-<file path=ppt/slides/slide4.xml><?xml version="1.0" encoding="utf-8"?>
+<file path=ppt/slides/slide5.xml><?xml version="1.0" encoding="utf-8"?>
 <p:sld xmlns:a="http://schemas.openxmlformats.org/drawingml/2006/main" xmlns:r="http://schemas.openxmlformats.org/officeDocument/2006/relationships" xmlns:p="http://schemas.openxmlformats.org/presentationml/2006/main">
   <p:cSld>
     <p:spTree>
@@ -17716,7 +20116,7 @@
 </p:sld>
 </file>
 
-<file path=ppt/slides/slide5.xml><?xml version="1.0" encoding="utf-8"?>
+<file path=ppt/slides/slide6.xml><?xml version="1.0" encoding="utf-8"?>
 <p:sld xmlns:a="http://schemas.openxmlformats.org/drawingml/2006/main" xmlns:r="http://schemas.openxmlformats.org/officeDocument/2006/relationships" xmlns:p="http://schemas.openxmlformats.org/presentationml/2006/main">
   <p:cSld>
     <p:spTree>

--- a/figure/figure.pptx
+++ b/figure/figure.pptx
@@ -121,7 +121,7 @@
 <file path=ppt/revisionInfo.xml><?xml version="1.0" encoding="utf-8"?>
 <p1510:revInfo xmlns:a="http://schemas.openxmlformats.org/drawingml/2006/main" xmlns:r="http://schemas.openxmlformats.org/officeDocument/2006/relationships" xmlns:p1510="http://schemas.microsoft.com/office/powerpoint/2015/10/main">
   <p1510:revLst>
-    <p1510:client id="{E564DA1F-E2FD-475F-919F-BD2F09682F78}" v="320" dt="2024-01-24T10:09:42.434"/>
+    <p1510:client id="{E564DA1F-E2FD-475F-919F-BD2F09682F78}" v="323" dt="2024-01-24T10:19:42.582"/>
   </p1510:revLst>
 </p1510:revInfo>
 </file>
@@ -131,7 +131,7 @@
   <pc:docChgLst>
     <pc:chgData name="Chia-jung Yeh" userId="f328d6f4-0757-42dc-943f-c4685e047ee8" providerId="ADAL" clId="{E564DA1F-E2FD-475F-919F-BD2F09682F78}"/>
     <pc:docChg chg="undo redo custSel addSld modSld">
-      <pc:chgData name="Chia-jung Yeh" userId="f328d6f4-0757-42dc-943f-c4685e047ee8" providerId="ADAL" clId="{E564DA1F-E2FD-475F-919F-BD2F09682F78}" dt="2024-01-24T10:09:45.323" v="1888" actId="1037"/>
+      <pc:chgData name="Chia-jung Yeh" userId="f328d6f4-0757-42dc-943f-c4685e047ee8" providerId="ADAL" clId="{E564DA1F-E2FD-475F-919F-BD2F09682F78}" dt="2024-01-24T10:19:44.631" v="1895" actId="1076"/>
       <pc:docMkLst>
         <pc:docMk/>
       </pc:docMkLst>
@@ -2466,11 +2466,19 @@
         </pc:cxnChg>
       </pc:sldChg>
       <pc:sldChg chg="addSp delSp modSp new mod">
-        <pc:chgData name="Chia-jung Yeh" userId="f328d6f4-0757-42dc-943f-c4685e047ee8" providerId="ADAL" clId="{E564DA1F-E2FD-475F-919F-BD2F09682F78}" dt="2024-01-24T10:09:45.323" v="1888" actId="1037"/>
+        <pc:chgData name="Chia-jung Yeh" userId="f328d6f4-0757-42dc-943f-c4685e047ee8" providerId="ADAL" clId="{E564DA1F-E2FD-475F-919F-BD2F09682F78}" dt="2024-01-24T10:19:44.631" v="1895" actId="1076"/>
         <pc:sldMkLst>
           <pc:docMk/>
           <pc:sldMk cId="1144307710" sldId="262"/>
         </pc:sldMkLst>
+        <pc:spChg chg="add del mod">
+          <ac:chgData name="Chia-jung Yeh" userId="f328d6f4-0757-42dc-943f-c4685e047ee8" providerId="ADAL" clId="{E564DA1F-E2FD-475F-919F-BD2F09682F78}" dt="2024-01-24T10:19:41.992" v="1893"/>
+          <ac:spMkLst>
+            <pc:docMk/>
+            <pc:sldMk cId="1144307710" sldId="262"/>
+            <ac:spMk id="2" creationId="{3883D9BE-B9F3-4E5B-920E-DD146FDB2A29}"/>
+          </ac:spMkLst>
+        </pc:spChg>
         <pc:spChg chg="del">
           <ac:chgData name="Chia-jung Yeh" userId="f328d6f4-0757-42dc-943f-c4685e047ee8" providerId="ADAL" clId="{E564DA1F-E2FD-475F-919F-BD2F09682F78}" dt="2024-01-24T08:11:53.609" v="1405" actId="478"/>
           <ac:spMkLst>
@@ -2487,6 +2495,14 @@
             <ac:spMk id="3" creationId="{F2637B4B-9C35-A8D2-9A19-BE7FCEB37DA0}"/>
           </ac:spMkLst>
         </pc:spChg>
+        <pc:spChg chg="add del mod">
+          <ac:chgData name="Chia-jung Yeh" userId="f328d6f4-0757-42dc-943f-c4685e047ee8" providerId="ADAL" clId="{E564DA1F-E2FD-475F-919F-BD2F09682F78}" dt="2024-01-24T10:19:41.992" v="1893"/>
+          <ac:spMkLst>
+            <pc:docMk/>
+            <pc:sldMk cId="1144307710" sldId="262"/>
+            <ac:spMk id="3" creationId="{F4AA4267-EA46-175B-38CD-4C4324372A36}"/>
+          </ac:spMkLst>
+        </pc:spChg>
         <pc:spChg chg="add mod">
           <ac:chgData name="Chia-jung Yeh" userId="f328d6f4-0757-42dc-943f-c4685e047ee8" providerId="ADAL" clId="{E564DA1F-E2FD-475F-919F-BD2F09682F78}" dt="2024-01-24T10:09:05.865" v="1878" actId="1076"/>
           <ac:spMkLst>
@@ -2543,6 +2559,14 @@
             <ac:spMk id="10" creationId="{10694C20-0E24-1201-943D-02EBD814BCC6}"/>
           </ac:spMkLst>
         </pc:spChg>
+        <pc:spChg chg="add del mod">
+          <ac:chgData name="Chia-jung Yeh" userId="f328d6f4-0757-42dc-943f-c4685e047ee8" providerId="ADAL" clId="{E564DA1F-E2FD-475F-919F-BD2F09682F78}" dt="2024-01-24T10:19:41.992" v="1893"/>
+          <ac:spMkLst>
+            <pc:docMk/>
+            <pc:sldMk cId="1144307710" sldId="262"/>
+            <ac:spMk id="10" creationId="{E2FA2B46-CECC-007B-FDA0-07ACF018448B}"/>
+          </ac:spMkLst>
+        </pc:spChg>
         <pc:spChg chg="add mod">
           <ac:chgData name="Chia-jung Yeh" userId="f328d6f4-0757-42dc-943f-c4685e047ee8" providerId="ADAL" clId="{E564DA1F-E2FD-475F-919F-BD2F09682F78}" dt="2024-01-24T08:15:37.307" v="1431" actId="571"/>
           <ac:spMkLst>
@@ -2551,6 +2575,14 @@
             <ac:spMk id="11" creationId="{769C7642-F5E4-AB7B-BCEE-9590795D36C4}"/>
           </ac:spMkLst>
         </pc:spChg>
+        <pc:spChg chg="add del mod">
+          <ac:chgData name="Chia-jung Yeh" userId="f328d6f4-0757-42dc-943f-c4685e047ee8" providerId="ADAL" clId="{E564DA1F-E2FD-475F-919F-BD2F09682F78}" dt="2024-01-24T10:19:41.992" v="1893"/>
+          <ac:spMkLst>
+            <pc:docMk/>
+            <pc:sldMk cId="1144307710" sldId="262"/>
+            <ac:spMk id="11" creationId="{7CF22356-F135-B9E7-7469-C9667A5A465A}"/>
+          </ac:spMkLst>
+        </pc:spChg>
         <pc:spChg chg="add mod">
           <ac:chgData name="Chia-jung Yeh" userId="f328d6f4-0757-42dc-943f-c4685e047ee8" providerId="ADAL" clId="{E564DA1F-E2FD-475F-919F-BD2F09682F78}" dt="2024-01-24T10:09:05.865" v="1878" actId="1076"/>
           <ac:spMkLst>
@@ -2583,6 +2615,14 @@
             <ac:spMk id="15" creationId="{190AE792-1AB9-33CC-9F68-204B5B7C3CC0}"/>
           </ac:spMkLst>
         </pc:spChg>
+        <pc:spChg chg="add del mod">
+          <ac:chgData name="Chia-jung Yeh" userId="f328d6f4-0757-42dc-943f-c4685e047ee8" providerId="ADAL" clId="{E564DA1F-E2FD-475F-919F-BD2F09682F78}" dt="2024-01-24T10:19:41.992" v="1893"/>
+          <ac:spMkLst>
+            <pc:docMk/>
+            <pc:sldMk cId="1144307710" sldId="262"/>
+            <ac:spMk id="15" creationId="{6ADF1F2D-0110-38DF-5864-564ED06F9ABA}"/>
+          </ac:spMkLst>
+        </pc:spChg>
         <pc:spChg chg="add mod">
           <ac:chgData name="Chia-jung Yeh" userId="f328d6f4-0757-42dc-943f-c4685e047ee8" providerId="ADAL" clId="{E564DA1F-E2FD-475F-919F-BD2F09682F78}" dt="2024-01-24T10:09:05.865" v="1878" actId="1076"/>
           <ac:spMkLst>
@@ -2615,6 +2655,14 @@
             <ac:spMk id="19" creationId="{E1EB4276-10A3-B124-6402-0F73562CA72E}"/>
           </ac:spMkLst>
         </pc:spChg>
+        <pc:spChg chg="add del mod">
+          <ac:chgData name="Chia-jung Yeh" userId="f328d6f4-0757-42dc-943f-c4685e047ee8" providerId="ADAL" clId="{E564DA1F-E2FD-475F-919F-BD2F09682F78}" dt="2024-01-24T10:19:41.992" v="1893"/>
+          <ac:spMkLst>
+            <pc:docMk/>
+            <pc:sldMk cId="1144307710" sldId="262"/>
+            <ac:spMk id="20" creationId="{1BDBAF8B-2D4F-84DD-77DE-FE666A11261E}"/>
+          </ac:spMkLst>
+        </pc:spChg>
         <pc:spChg chg="add mod">
           <ac:chgData name="Chia-jung Yeh" userId="f328d6f4-0757-42dc-943f-c4685e047ee8" providerId="ADAL" clId="{E564DA1F-E2FD-475F-919F-BD2F09682F78}" dt="2024-01-24T08:16:33.225" v="1443" actId="571"/>
           <ac:spMkLst>
@@ -2623,6 +2671,14 @@
             <ac:spMk id="20" creationId="{EB94BCCC-60C9-5AA2-DDAB-FB465873BBDC}"/>
           </ac:spMkLst>
         </pc:spChg>
+        <pc:spChg chg="add del mod">
+          <ac:chgData name="Chia-jung Yeh" userId="f328d6f4-0757-42dc-943f-c4685e047ee8" providerId="ADAL" clId="{E564DA1F-E2FD-475F-919F-BD2F09682F78}" dt="2024-01-24T10:19:41.992" v="1893"/>
+          <ac:spMkLst>
+            <pc:docMk/>
+            <pc:sldMk cId="1144307710" sldId="262"/>
+            <ac:spMk id="21" creationId="{147A7459-8457-0F4C-1EC2-091ADB673087}"/>
+          </ac:spMkLst>
+        </pc:spChg>
         <pc:spChg chg="add mod">
           <ac:chgData name="Chia-jung Yeh" userId="f328d6f4-0757-42dc-943f-c4685e047ee8" providerId="ADAL" clId="{E564DA1F-E2FD-475F-919F-BD2F09682F78}" dt="2024-01-24T08:16:33.225" v="1443" actId="571"/>
           <ac:spMkLst>
@@ -2631,6 +2687,14 @@
             <ac:spMk id="21" creationId="{95987D66-A39C-118C-0245-2FD5195E877B}"/>
           </ac:spMkLst>
         </pc:spChg>
+        <pc:spChg chg="add del mod">
+          <ac:chgData name="Chia-jung Yeh" userId="f328d6f4-0757-42dc-943f-c4685e047ee8" providerId="ADAL" clId="{E564DA1F-E2FD-475F-919F-BD2F09682F78}" dt="2024-01-24T10:19:41.992" v="1893"/>
+          <ac:spMkLst>
+            <pc:docMk/>
+            <pc:sldMk cId="1144307710" sldId="262"/>
+            <ac:spMk id="22" creationId="{5BEDFB6E-400B-7318-FDD6-10CD93E55A97}"/>
+          </ac:spMkLst>
+        </pc:spChg>
         <pc:spChg chg="add mod">
           <ac:chgData name="Chia-jung Yeh" userId="f328d6f4-0757-42dc-943f-c4685e047ee8" providerId="ADAL" clId="{E564DA1F-E2FD-475F-919F-BD2F09682F78}" dt="2024-01-24T08:16:33.225" v="1443" actId="571"/>
           <ac:spMkLst>
@@ -2648,6 +2712,14 @@
           </ac:spMkLst>
         </pc:spChg>
         <pc:spChg chg="add mod">
+          <ac:chgData name="Chia-jung Yeh" userId="f328d6f4-0757-42dc-943f-c4685e047ee8" providerId="ADAL" clId="{E564DA1F-E2FD-475F-919F-BD2F09682F78}" dt="2024-01-24T10:19:44.631" v="1895" actId="1076"/>
+          <ac:spMkLst>
+            <pc:docMk/>
+            <pc:sldMk cId="1144307710" sldId="262"/>
+            <ac:spMk id="23" creationId="{EBAA2B6E-9319-FE5E-8A8D-4D1C65FEA175}"/>
+          </ac:spMkLst>
+        </pc:spChg>
+        <pc:spChg chg="add mod">
           <ac:chgData name="Chia-jung Yeh" userId="f328d6f4-0757-42dc-943f-c4685e047ee8" providerId="ADAL" clId="{E564DA1F-E2FD-475F-919F-BD2F09682F78}" dt="2024-01-24T08:16:33.225" v="1443" actId="571"/>
           <ac:spMkLst>
             <pc:docMk/>
@@ -2656,6 +2728,14 @@
           </ac:spMkLst>
         </pc:spChg>
         <pc:spChg chg="add mod">
+          <ac:chgData name="Chia-jung Yeh" userId="f328d6f4-0757-42dc-943f-c4685e047ee8" providerId="ADAL" clId="{E564DA1F-E2FD-475F-919F-BD2F09682F78}" dt="2024-01-24T10:19:44.631" v="1895" actId="1076"/>
+          <ac:spMkLst>
+            <pc:docMk/>
+            <pc:sldMk cId="1144307710" sldId="262"/>
+            <ac:spMk id="24" creationId="{B5BF6523-6E0C-5390-EF75-7DF512FDC32A}"/>
+          </ac:spMkLst>
+        </pc:spChg>
+        <pc:spChg chg="add mod">
           <ac:chgData name="Chia-jung Yeh" userId="f328d6f4-0757-42dc-943f-c4685e047ee8" providerId="ADAL" clId="{E564DA1F-E2FD-475F-919F-BD2F09682F78}" dt="2024-01-24T08:16:33.225" v="1443" actId="571"/>
           <ac:spMkLst>
             <pc:docMk/>
@@ -2664,6 +2744,14 @@
           </ac:spMkLst>
         </pc:spChg>
         <pc:spChg chg="add mod">
+          <ac:chgData name="Chia-jung Yeh" userId="f328d6f4-0757-42dc-943f-c4685e047ee8" providerId="ADAL" clId="{E564DA1F-E2FD-475F-919F-BD2F09682F78}" dt="2024-01-24T10:19:44.631" v="1895" actId="1076"/>
+          <ac:spMkLst>
+            <pc:docMk/>
+            <pc:sldMk cId="1144307710" sldId="262"/>
+            <ac:spMk id="25" creationId="{52486157-74C4-D274-F4A4-8C2DE43AA3B2}"/>
+          </ac:spMkLst>
+        </pc:spChg>
+        <pc:spChg chg="add mod">
           <ac:chgData name="Chia-jung Yeh" userId="f328d6f4-0757-42dc-943f-c4685e047ee8" providerId="ADAL" clId="{E564DA1F-E2FD-475F-919F-BD2F09682F78}" dt="2024-01-24T10:09:05.865" v="1878" actId="1076"/>
           <ac:spMkLst>
             <pc:docMk/>
@@ -2679,6 +2767,14 @@
             <ac:spMk id="27" creationId="{0A7524FC-3A0D-9403-F174-A1068F2DD417}"/>
           </ac:spMkLst>
         </pc:spChg>
+        <pc:spChg chg="add mod">
+          <ac:chgData name="Chia-jung Yeh" userId="f328d6f4-0757-42dc-943f-c4685e047ee8" providerId="ADAL" clId="{E564DA1F-E2FD-475F-919F-BD2F09682F78}" dt="2024-01-24T10:19:44.631" v="1895" actId="1076"/>
+          <ac:spMkLst>
+            <pc:docMk/>
+            <pc:sldMk cId="1144307710" sldId="262"/>
+            <ac:spMk id="28" creationId="{675012A3-1B97-D127-38F1-D2B0CAEF163D}"/>
+          </ac:spMkLst>
+        </pc:spChg>
         <pc:spChg chg="add del mod">
           <ac:chgData name="Chia-jung Yeh" userId="f328d6f4-0757-42dc-943f-c4685e047ee8" providerId="ADAL" clId="{E564DA1F-E2FD-475F-919F-BD2F09682F78}" dt="2024-01-24T08:17:13.431" v="1448" actId="478"/>
           <ac:spMkLst>
@@ -2880,6 +2976,14 @@
           </ac:spMkLst>
         </pc:spChg>
         <pc:spChg chg="add mod">
+          <ac:chgData name="Chia-jung Yeh" userId="f328d6f4-0757-42dc-943f-c4685e047ee8" providerId="ADAL" clId="{E564DA1F-E2FD-475F-919F-BD2F09682F78}" dt="2024-01-24T10:19:44.631" v="1895" actId="1076"/>
+          <ac:spMkLst>
+            <pc:docMk/>
+            <pc:sldMk cId="1144307710" sldId="262"/>
+            <ac:spMk id="55" creationId="{A1A74C33-DAC3-5328-A8CD-FC58FBCE3DD1}"/>
+          </ac:spMkLst>
+        </pc:spChg>
+        <pc:spChg chg="add mod">
           <ac:chgData name="Chia-jung Yeh" userId="f328d6f4-0757-42dc-943f-c4685e047ee8" providerId="ADAL" clId="{E564DA1F-E2FD-475F-919F-BD2F09682F78}" dt="2024-01-24T10:09:05.865" v="1878" actId="1076"/>
           <ac:spMkLst>
             <pc:docMk/>
@@ -2960,6 +3064,30 @@
           </ac:spMkLst>
         </pc:spChg>
         <pc:spChg chg="add mod">
+          <ac:chgData name="Chia-jung Yeh" userId="f328d6f4-0757-42dc-943f-c4685e047ee8" providerId="ADAL" clId="{E564DA1F-E2FD-475F-919F-BD2F09682F78}" dt="2024-01-24T10:19:44.631" v="1895" actId="1076"/>
+          <ac:spMkLst>
+            <pc:docMk/>
+            <pc:sldMk cId="1144307710" sldId="262"/>
+            <ac:spMk id="70" creationId="{C01F707C-96D0-B5DE-3610-67AA72E3B078}"/>
+          </ac:spMkLst>
+        </pc:spChg>
+        <pc:spChg chg="add mod">
+          <ac:chgData name="Chia-jung Yeh" userId="f328d6f4-0757-42dc-943f-c4685e047ee8" providerId="ADAL" clId="{E564DA1F-E2FD-475F-919F-BD2F09682F78}" dt="2024-01-24T10:19:44.631" v="1895" actId="1076"/>
+          <ac:spMkLst>
+            <pc:docMk/>
+            <pc:sldMk cId="1144307710" sldId="262"/>
+            <ac:spMk id="71" creationId="{17DB9A34-E342-761E-4213-D43053FAD372}"/>
+          </ac:spMkLst>
+        </pc:spChg>
+        <pc:spChg chg="add mod">
+          <ac:chgData name="Chia-jung Yeh" userId="f328d6f4-0757-42dc-943f-c4685e047ee8" providerId="ADAL" clId="{E564DA1F-E2FD-475F-919F-BD2F09682F78}" dt="2024-01-24T10:19:44.631" v="1895" actId="1076"/>
+          <ac:spMkLst>
+            <pc:docMk/>
+            <pc:sldMk cId="1144307710" sldId="262"/>
+            <ac:spMk id="72" creationId="{92E9D97E-5308-2BBC-6ED3-06FB9B82BCC6}"/>
+          </ac:spMkLst>
+        </pc:spChg>
+        <pc:spChg chg="add mod">
           <ac:chgData name="Chia-jung Yeh" userId="f328d6f4-0757-42dc-943f-c4685e047ee8" providerId="ADAL" clId="{E564DA1F-E2FD-475F-919F-BD2F09682F78}" dt="2024-01-24T10:09:05.865" v="1878" actId="1076"/>
           <ac:spMkLst>
             <pc:docMk/>
@@ -3239,16 +3367,16 @@
             <ac:spMk id="115" creationId="{86257261-DDC6-D4A9-1E25-B02E78C527B3}"/>
           </ac:spMkLst>
         </pc:spChg>
-        <pc:spChg chg="add mod">
-          <ac:chgData name="Chia-jung Yeh" userId="f328d6f4-0757-42dc-943f-c4685e047ee8" providerId="ADAL" clId="{E564DA1F-E2FD-475F-919F-BD2F09682F78}" dt="2024-01-24T10:09:05.865" v="1878" actId="1076"/>
+        <pc:spChg chg="add del mod">
+          <ac:chgData name="Chia-jung Yeh" userId="f328d6f4-0757-42dc-943f-c4685e047ee8" providerId="ADAL" clId="{E564DA1F-E2FD-475F-919F-BD2F09682F78}" dt="2024-01-24T10:19:37.705" v="1890" actId="21"/>
           <ac:spMkLst>
             <pc:docMk/>
             <pc:sldMk cId="1144307710" sldId="262"/>
             <ac:spMk id="116" creationId="{BA118A74-F4B4-39ED-E0F2-FC99C8474D9F}"/>
           </ac:spMkLst>
         </pc:spChg>
-        <pc:spChg chg="add mod">
-          <ac:chgData name="Chia-jung Yeh" userId="f328d6f4-0757-42dc-943f-c4685e047ee8" providerId="ADAL" clId="{E564DA1F-E2FD-475F-919F-BD2F09682F78}" dt="2024-01-24T10:09:05.865" v="1878" actId="1076"/>
+        <pc:spChg chg="add del mod">
+          <ac:chgData name="Chia-jung Yeh" userId="f328d6f4-0757-42dc-943f-c4685e047ee8" providerId="ADAL" clId="{E564DA1F-E2FD-475F-919F-BD2F09682F78}" dt="2024-01-24T10:19:37.705" v="1890" actId="21"/>
           <ac:spMkLst>
             <pc:docMk/>
             <pc:sldMk cId="1144307710" sldId="262"/>
@@ -3256,15 +3384,15 @@
           </ac:spMkLst>
         </pc:spChg>
         <pc:spChg chg="add del mod">
-          <ac:chgData name="Chia-jung Yeh" userId="f328d6f4-0757-42dc-943f-c4685e047ee8" providerId="ADAL" clId="{E564DA1F-E2FD-475F-919F-BD2F09682F78}" dt="2024-01-24T10:09:05.865" v="1878" actId="1076"/>
+          <ac:chgData name="Chia-jung Yeh" userId="f328d6f4-0757-42dc-943f-c4685e047ee8" providerId="ADAL" clId="{E564DA1F-E2FD-475F-919F-BD2F09682F78}" dt="2024-01-24T10:19:37.705" v="1890" actId="21"/>
           <ac:spMkLst>
             <pc:docMk/>
             <pc:sldMk cId="1144307710" sldId="262"/>
             <ac:spMk id="118" creationId="{E468ECCF-78E7-B790-6BF2-3AA675AB9277}"/>
           </ac:spMkLst>
         </pc:spChg>
-        <pc:spChg chg="add mod">
-          <ac:chgData name="Chia-jung Yeh" userId="f328d6f4-0757-42dc-943f-c4685e047ee8" providerId="ADAL" clId="{E564DA1F-E2FD-475F-919F-BD2F09682F78}" dt="2024-01-24T10:09:05.865" v="1878" actId="1076"/>
+        <pc:spChg chg="add del mod">
+          <ac:chgData name="Chia-jung Yeh" userId="f328d6f4-0757-42dc-943f-c4685e047ee8" providerId="ADAL" clId="{E564DA1F-E2FD-475F-919F-BD2F09682F78}" dt="2024-01-24T10:19:37.705" v="1890" actId="21"/>
           <ac:spMkLst>
             <pc:docMk/>
             <pc:sldMk cId="1144307710" sldId="262"/>
@@ -3367,16 +3495,16 @@
             <ac:spMk id="133" creationId="{8B6A918B-0451-1964-0283-516557DCDF60}"/>
           </ac:spMkLst>
         </pc:spChg>
-        <pc:spChg chg="add mod">
-          <ac:chgData name="Chia-jung Yeh" userId="f328d6f4-0757-42dc-943f-c4685e047ee8" providerId="ADAL" clId="{E564DA1F-E2FD-475F-919F-BD2F09682F78}" dt="2024-01-24T10:09:05.865" v="1878" actId="1076"/>
+        <pc:spChg chg="add del mod">
+          <ac:chgData name="Chia-jung Yeh" userId="f328d6f4-0757-42dc-943f-c4685e047ee8" providerId="ADAL" clId="{E564DA1F-E2FD-475F-919F-BD2F09682F78}" dt="2024-01-24T10:19:37.705" v="1890" actId="21"/>
           <ac:spMkLst>
             <pc:docMk/>
             <pc:sldMk cId="1144307710" sldId="262"/>
             <ac:spMk id="134" creationId="{E271F109-DD92-A28C-B6F9-377923A6E712}"/>
           </ac:spMkLst>
         </pc:spChg>
-        <pc:spChg chg="add mod">
-          <ac:chgData name="Chia-jung Yeh" userId="f328d6f4-0757-42dc-943f-c4685e047ee8" providerId="ADAL" clId="{E564DA1F-E2FD-475F-919F-BD2F09682F78}" dt="2024-01-24T10:09:05.865" v="1878" actId="1076"/>
+        <pc:spChg chg="add del mod">
+          <ac:chgData name="Chia-jung Yeh" userId="f328d6f4-0757-42dc-943f-c4685e047ee8" providerId="ADAL" clId="{E564DA1F-E2FD-475F-919F-BD2F09682F78}" dt="2024-01-24T10:19:37.705" v="1890" actId="21"/>
           <ac:spMkLst>
             <pc:docMk/>
             <pc:sldMk cId="1144307710" sldId="262"/>
@@ -3384,7 +3512,7 @@
           </ac:spMkLst>
         </pc:spChg>
         <pc:spChg chg="add mod">
-          <ac:chgData name="Chia-jung Yeh" userId="f328d6f4-0757-42dc-943f-c4685e047ee8" providerId="ADAL" clId="{E564DA1F-E2FD-475F-919F-BD2F09682F78}" dt="2024-01-24T10:09:05.865" v="1878" actId="1076"/>
+          <ac:chgData name="Chia-jung Yeh" userId="f328d6f4-0757-42dc-943f-c4685e047ee8" providerId="ADAL" clId="{E564DA1F-E2FD-475F-919F-BD2F09682F78}" dt="2024-01-24T10:19:40.311" v="1891" actId="1076"/>
           <ac:spMkLst>
             <pc:docMk/>
             <pc:sldMk cId="1144307710" sldId="262"/>
@@ -3392,7 +3520,7 @@
           </ac:spMkLst>
         </pc:spChg>
         <pc:spChg chg="add mod">
-          <ac:chgData name="Chia-jung Yeh" userId="f328d6f4-0757-42dc-943f-c4685e047ee8" providerId="ADAL" clId="{E564DA1F-E2FD-475F-919F-BD2F09682F78}" dt="2024-01-24T10:09:05.865" v="1878" actId="1076"/>
+          <ac:chgData name="Chia-jung Yeh" userId="f328d6f4-0757-42dc-943f-c4685e047ee8" providerId="ADAL" clId="{E564DA1F-E2FD-475F-919F-BD2F09682F78}" dt="2024-01-24T10:19:40.311" v="1891" actId="1076"/>
           <ac:spMkLst>
             <pc:docMk/>
             <pc:sldMk cId="1144307710" sldId="262"/>
@@ -3400,7 +3528,7 @@
           </ac:spMkLst>
         </pc:spChg>
         <pc:spChg chg="add mod">
-          <ac:chgData name="Chia-jung Yeh" userId="f328d6f4-0757-42dc-943f-c4685e047ee8" providerId="ADAL" clId="{E564DA1F-E2FD-475F-919F-BD2F09682F78}" dt="2024-01-24T10:09:05.865" v="1878" actId="1076"/>
+          <ac:chgData name="Chia-jung Yeh" userId="f328d6f4-0757-42dc-943f-c4685e047ee8" providerId="ADAL" clId="{E564DA1F-E2FD-475F-919F-BD2F09682F78}" dt="2024-01-24T10:19:40.311" v="1891" actId="1076"/>
           <ac:spMkLst>
             <pc:docMk/>
             <pc:sldMk cId="1144307710" sldId="262"/>
@@ -3408,7 +3536,7 @@
           </ac:spMkLst>
         </pc:spChg>
         <pc:spChg chg="add mod">
-          <ac:chgData name="Chia-jung Yeh" userId="f328d6f4-0757-42dc-943f-c4685e047ee8" providerId="ADAL" clId="{E564DA1F-E2FD-475F-919F-BD2F09682F78}" dt="2024-01-24T10:09:05.865" v="1878" actId="1076"/>
+          <ac:chgData name="Chia-jung Yeh" userId="f328d6f4-0757-42dc-943f-c4685e047ee8" providerId="ADAL" clId="{E564DA1F-E2FD-475F-919F-BD2F09682F78}" dt="2024-01-24T10:19:40.311" v="1891" actId="1076"/>
           <ac:spMkLst>
             <pc:docMk/>
             <pc:sldMk cId="1144307710" sldId="262"/>
@@ -3416,7 +3544,7 @@
           </ac:spMkLst>
         </pc:spChg>
         <pc:spChg chg="add mod">
-          <ac:chgData name="Chia-jung Yeh" userId="f328d6f4-0757-42dc-943f-c4685e047ee8" providerId="ADAL" clId="{E564DA1F-E2FD-475F-919F-BD2F09682F78}" dt="2024-01-24T10:09:05.865" v="1878" actId="1076"/>
+          <ac:chgData name="Chia-jung Yeh" userId="f328d6f4-0757-42dc-943f-c4685e047ee8" providerId="ADAL" clId="{E564DA1F-E2FD-475F-919F-BD2F09682F78}" dt="2024-01-24T10:19:40.311" v="1891" actId="1076"/>
           <ac:spMkLst>
             <pc:docMk/>
             <pc:sldMk cId="1144307710" sldId="262"/>
@@ -3424,7 +3552,7 @@
           </ac:spMkLst>
         </pc:spChg>
         <pc:spChg chg="add mod">
-          <ac:chgData name="Chia-jung Yeh" userId="f328d6f4-0757-42dc-943f-c4685e047ee8" providerId="ADAL" clId="{E564DA1F-E2FD-475F-919F-BD2F09682F78}" dt="2024-01-24T10:09:05.865" v="1878" actId="1076"/>
+          <ac:chgData name="Chia-jung Yeh" userId="f328d6f4-0757-42dc-943f-c4685e047ee8" providerId="ADAL" clId="{E564DA1F-E2FD-475F-919F-BD2F09682F78}" dt="2024-01-24T10:19:40.311" v="1891" actId="1076"/>
           <ac:spMkLst>
             <pc:docMk/>
             <pc:sldMk cId="1144307710" sldId="262"/>
@@ -3752,7 +3880,7 @@
           </ac:spMkLst>
         </pc:spChg>
         <pc:spChg chg="add mod">
-          <ac:chgData name="Chia-jung Yeh" userId="f328d6f4-0757-42dc-943f-c4685e047ee8" providerId="ADAL" clId="{E564DA1F-E2FD-475F-919F-BD2F09682F78}" dt="2024-01-24T10:09:05.865" v="1878" actId="1076"/>
+          <ac:chgData name="Chia-jung Yeh" userId="f328d6f4-0757-42dc-943f-c4685e047ee8" providerId="ADAL" clId="{E564DA1F-E2FD-475F-919F-BD2F09682F78}" dt="2024-01-24T10:19:34.586" v="1889" actId="1076"/>
           <ac:spMkLst>
             <pc:docMk/>
             <pc:sldMk cId="1144307710" sldId="262"/>
@@ -3776,7 +3904,7 @@
           </ac:spMkLst>
         </pc:spChg>
         <pc:spChg chg="add mod">
-          <ac:chgData name="Chia-jung Yeh" userId="f328d6f4-0757-42dc-943f-c4685e047ee8" providerId="ADAL" clId="{E564DA1F-E2FD-475F-919F-BD2F09682F78}" dt="2024-01-24T10:09:05.865" v="1878" actId="1076"/>
+          <ac:chgData name="Chia-jung Yeh" userId="f328d6f4-0757-42dc-943f-c4685e047ee8" providerId="ADAL" clId="{E564DA1F-E2FD-475F-919F-BD2F09682F78}" dt="2024-01-24T10:19:34.586" v="1889" actId="1076"/>
           <ac:spMkLst>
             <pc:docMk/>
             <pc:sldMk cId="1144307710" sldId="262"/>
@@ -3784,7 +3912,7 @@
           </ac:spMkLst>
         </pc:spChg>
         <pc:spChg chg="add mod">
-          <ac:chgData name="Chia-jung Yeh" userId="f328d6f4-0757-42dc-943f-c4685e047ee8" providerId="ADAL" clId="{E564DA1F-E2FD-475F-919F-BD2F09682F78}" dt="2024-01-24T10:09:05.865" v="1878" actId="1076"/>
+          <ac:chgData name="Chia-jung Yeh" userId="f328d6f4-0757-42dc-943f-c4685e047ee8" providerId="ADAL" clId="{E564DA1F-E2FD-475F-919F-BD2F09682F78}" dt="2024-01-24T10:19:34.586" v="1889" actId="1076"/>
           <ac:spMkLst>
             <pc:docMk/>
             <pc:sldMk cId="1144307710" sldId="262"/>
@@ -3800,7 +3928,7 @@
           </ac:spMkLst>
         </pc:spChg>
         <pc:spChg chg="add mod">
-          <ac:chgData name="Chia-jung Yeh" userId="f328d6f4-0757-42dc-943f-c4685e047ee8" providerId="ADAL" clId="{E564DA1F-E2FD-475F-919F-BD2F09682F78}" dt="2024-01-24T10:09:05.865" v="1878" actId="1076"/>
+          <ac:chgData name="Chia-jung Yeh" userId="f328d6f4-0757-42dc-943f-c4685e047ee8" providerId="ADAL" clId="{E564DA1F-E2FD-475F-919F-BD2F09682F78}" dt="2024-01-24T10:19:34.586" v="1889" actId="1076"/>
           <ac:spMkLst>
             <pc:docMk/>
             <pc:sldMk cId="1144307710" sldId="262"/>
@@ -3808,7 +3936,7 @@
           </ac:spMkLst>
         </pc:spChg>
         <pc:spChg chg="add mod">
-          <ac:chgData name="Chia-jung Yeh" userId="f328d6f4-0757-42dc-943f-c4685e047ee8" providerId="ADAL" clId="{E564DA1F-E2FD-475F-919F-BD2F09682F78}" dt="2024-01-24T10:09:05.865" v="1878" actId="1076"/>
+          <ac:chgData name="Chia-jung Yeh" userId="f328d6f4-0757-42dc-943f-c4685e047ee8" providerId="ADAL" clId="{E564DA1F-E2FD-475F-919F-BD2F09682F78}" dt="2024-01-24T10:19:34.586" v="1889" actId="1076"/>
           <ac:spMkLst>
             <pc:docMk/>
             <pc:sldMk cId="1144307710" sldId="262"/>
@@ -3832,7 +3960,7 @@
           </ac:spMkLst>
         </pc:spChg>
         <pc:spChg chg="add mod">
-          <ac:chgData name="Chia-jung Yeh" userId="f328d6f4-0757-42dc-943f-c4685e047ee8" providerId="ADAL" clId="{E564DA1F-E2FD-475F-919F-BD2F09682F78}" dt="2024-01-24T10:09:05.865" v="1878" actId="1076"/>
+          <ac:chgData name="Chia-jung Yeh" userId="f328d6f4-0757-42dc-943f-c4685e047ee8" providerId="ADAL" clId="{E564DA1F-E2FD-475F-919F-BD2F09682F78}" dt="2024-01-24T10:19:34.586" v="1889" actId="1076"/>
           <ac:spMkLst>
             <pc:docMk/>
             <pc:sldMk cId="1144307710" sldId="262"/>
@@ -3840,7 +3968,7 @@
           </ac:spMkLst>
         </pc:spChg>
         <pc:spChg chg="add mod">
-          <ac:chgData name="Chia-jung Yeh" userId="f328d6f4-0757-42dc-943f-c4685e047ee8" providerId="ADAL" clId="{E564DA1F-E2FD-475F-919F-BD2F09682F78}" dt="2024-01-24T10:09:05.865" v="1878" actId="1076"/>
+          <ac:chgData name="Chia-jung Yeh" userId="f328d6f4-0757-42dc-943f-c4685e047ee8" providerId="ADAL" clId="{E564DA1F-E2FD-475F-919F-BD2F09682F78}" dt="2024-01-24T10:19:34.586" v="1889" actId="1076"/>
           <ac:spMkLst>
             <pc:docMk/>
             <pc:sldMk cId="1144307710" sldId="262"/>
@@ -3848,7 +3976,7 @@
           </ac:spMkLst>
         </pc:spChg>
         <pc:spChg chg="add mod">
-          <ac:chgData name="Chia-jung Yeh" userId="f328d6f4-0757-42dc-943f-c4685e047ee8" providerId="ADAL" clId="{E564DA1F-E2FD-475F-919F-BD2F09682F78}" dt="2024-01-24T10:09:05.865" v="1878" actId="1076"/>
+          <ac:chgData name="Chia-jung Yeh" userId="f328d6f4-0757-42dc-943f-c4685e047ee8" providerId="ADAL" clId="{E564DA1F-E2FD-475F-919F-BD2F09682F78}" dt="2024-01-24T10:19:34.586" v="1889" actId="1076"/>
           <ac:spMkLst>
             <pc:docMk/>
             <pc:sldMk cId="1144307710" sldId="262"/>
@@ -3856,7 +3984,7 @@
           </ac:spMkLst>
         </pc:spChg>
         <pc:spChg chg="add mod">
-          <ac:chgData name="Chia-jung Yeh" userId="f328d6f4-0757-42dc-943f-c4685e047ee8" providerId="ADAL" clId="{E564DA1F-E2FD-475F-919F-BD2F09682F78}" dt="2024-01-24T10:09:05.865" v="1878" actId="1076"/>
+          <ac:chgData name="Chia-jung Yeh" userId="f328d6f4-0757-42dc-943f-c4685e047ee8" providerId="ADAL" clId="{E564DA1F-E2FD-475F-919F-BD2F09682F78}" dt="2024-01-24T10:19:34.586" v="1889" actId="1076"/>
           <ac:spMkLst>
             <pc:docMk/>
             <pc:sldMk cId="1144307710" sldId="262"/>
@@ -3864,7 +3992,7 @@
           </ac:spMkLst>
         </pc:spChg>
         <pc:spChg chg="add mod">
-          <ac:chgData name="Chia-jung Yeh" userId="f328d6f4-0757-42dc-943f-c4685e047ee8" providerId="ADAL" clId="{E564DA1F-E2FD-475F-919F-BD2F09682F78}" dt="2024-01-24T10:09:25.647" v="1879" actId="1076"/>
+          <ac:chgData name="Chia-jung Yeh" userId="f328d6f4-0757-42dc-943f-c4685e047ee8" providerId="ADAL" clId="{E564DA1F-E2FD-475F-919F-BD2F09682F78}" dt="2024-01-24T10:19:34.586" v="1889" actId="1076"/>
           <ac:spMkLst>
             <pc:docMk/>
             <pc:sldMk cId="1144307710" sldId="262"/>
@@ -3872,7 +4000,7 @@
           </ac:spMkLst>
         </pc:spChg>
         <pc:spChg chg="add mod">
-          <ac:chgData name="Chia-jung Yeh" userId="f328d6f4-0757-42dc-943f-c4685e047ee8" providerId="ADAL" clId="{E564DA1F-E2FD-475F-919F-BD2F09682F78}" dt="2024-01-24T10:09:25.647" v="1879" actId="1076"/>
+          <ac:chgData name="Chia-jung Yeh" userId="f328d6f4-0757-42dc-943f-c4685e047ee8" providerId="ADAL" clId="{E564DA1F-E2FD-475F-919F-BD2F09682F78}" dt="2024-01-24T10:19:34.586" v="1889" actId="1076"/>
           <ac:spMkLst>
             <pc:docMk/>
             <pc:sldMk cId="1144307710" sldId="262"/>
@@ -3880,7 +4008,7 @@
           </ac:spMkLst>
         </pc:spChg>
         <pc:spChg chg="add mod">
-          <ac:chgData name="Chia-jung Yeh" userId="f328d6f4-0757-42dc-943f-c4685e047ee8" providerId="ADAL" clId="{E564DA1F-E2FD-475F-919F-BD2F09682F78}" dt="2024-01-24T10:09:25.647" v="1879" actId="1076"/>
+          <ac:chgData name="Chia-jung Yeh" userId="f328d6f4-0757-42dc-943f-c4685e047ee8" providerId="ADAL" clId="{E564DA1F-E2FD-475F-919F-BD2F09682F78}" dt="2024-01-24T10:19:34.586" v="1889" actId="1076"/>
           <ac:spMkLst>
             <pc:docMk/>
             <pc:sldMk cId="1144307710" sldId="262"/>
@@ -3888,7 +4016,7 @@
           </ac:spMkLst>
         </pc:spChg>
         <pc:spChg chg="add mod">
-          <ac:chgData name="Chia-jung Yeh" userId="f328d6f4-0757-42dc-943f-c4685e047ee8" providerId="ADAL" clId="{E564DA1F-E2FD-475F-919F-BD2F09682F78}" dt="2024-01-24T10:09:25.647" v="1879" actId="1076"/>
+          <ac:chgData name="Chia-jung Yeh" userId="f328d6f4-0757-42dc-943f-c4685e047ee8" providerId="ADAL" clId="{E564DA1F-E2FD-475F-919F-BD2F09682F78}" dt="2024-01-24T10:19:34.586" v="1889" actId="1076"/>
           <ac:spMkLst>
             <pc:docMk/>
             <pc:sldMk cId="1144307710" sldId="262"/>
@@ -3896,7 +4024,7 @@
           </ac:spMkLst>
         </pc:spChg>
         <pc:spChg chg="add mod">
-          <ac:chgData name="Chia-jung Yeh" userId="f328d6f4-0757-42dc-943f-c4685e047ee8" providerId="ADAL" clId="{E564DA1F-E2FD-475F-919F-BD2F09682F78}" dt="2024-01-24T10:09:25.647" v="1879" actId="1076"/>
+          <ac:chgData name="Chia-jung Yeh" userId="f328d6f4-0757-42dc-943f-c4685e047ee8" providerId="ADAL" clId="{E564DA1F-E2FD-475F-919F-BD2F09682F78}" dt="2024-01-24T10:19:34.586" v="1889" actId="1076"/>
           <ac:spMkLst>
             <pc:docMk/>
             <pc:sldMk cId="1144307710" sldId="262"/>
@@ -3904,7 +4032,7 @@
           </ac:spMkLst>
         </pc:spChg>
         <pc:spChg chg="add mod">
-          <ac:chgData name="Chia-jung Yeh" userId="f328d6f4-0757-42dc-943f-c4685e047ee8" providerId="ADAL" clId="{E564DA1F-E2FD-475F-919F-BD2F09682F78}" dt="2024-01-24T10:09:25.647" v="1879" actId="1076"/>
+          <ac:chgData name="Chia-jung Yeh" userId="f328d6f4-0757-42dc-943f-c4685e047ee8" providerId="ADAL" clId="{E564DA1F-E2FD-475F-919F-BD2F09682F78}" dt="2024-01-24T10:19:34.586" v="1889" actId="1076"/>
           <ac:spMkLst>
             <pc:docMk/>
             <pc:sldMk cId="1144307710" sldId="262"/>
@@ -3912,7 +4040,7 @@
           </ac:spMkLst>
         </pc:spChg>
         <pc:spChg chg="add mod">
-          <ac:chgData name="Chia-jung Yeh" userId="f328d6f4-0757-42dc-943f-c4685e047ee8" providerId="ADAL" clId="{E564DA1F-E2FD-475F-919F-BD2F09682F78}" dt="2024-01-24T10:09:25.647" v="1879" actId="1076"/>
+          <ac:chgData name="Chia-jung Yeh" userId="f328d6f4-0757-42dc-943f-c4685e047ee8" providerId="ADAL" clId="{E564DA1F-E2FD-475F-919F-BD2F09682F78}" dt="2024-01-24T10:19:34.586" v="1889" actId="1076"/>
           <ac:spMkLst>
             <pc:docMk/>
             <pc:sldMk cId="1144307710" sldId="262"/>
@@ -3920,7 +4048,7 @@
           </ac:spMkLst>
         </pc:spChg>
         <pc:spChg chg="add mod">
-          <ac:chgData name="Chia-jung Yeh" userId="f328d6f4-0757-42dc-943f-c4685e047ee8" providerId="ADAL" clId="{E564DA1F-E2FD-475F-919F-BD2F09682F78}" dt="2024-01-24T10:09:25.647" v="1879" actId="1076"/>
+          <ac:chgData name="Chia-jung Yeh" userId="f328d6f4-0757-42dc-943f-c4685e047ee8" providerId="ADAL" clId="{E564DA1F-E2FD-475F-919F-BD2F09682F78}" dt="2024-01-24T10:19:34.586" v="1889" actId="1076"/>
           <ac:spMkLst>
             <pc:docMk/>
             <pc:sldMk cId="1144307710" sldId="262"/>
@@ -3928,7 +4056,7 @@
           </ac:spMkLst>
         </pc:spChg>
         <pc:spChg chg="add mod">
-          <ac:chgData name="Chia-jung Yeh" userId="f328d6f4-0757-42dc-943f-c4685e047ee8" providerId="ADAL" clId="{E564DA1F-E2FD-475F-919F-BD2F09682F78}" dt="2024-01-24T10:09:25.647" v="1879" actId="1076"/>
+          <ac:chgData name="Chia-jung Yeh" userId="f328d6f4-0757-42dc-943f-c4685e047ee8" providerId="ADAL" clId="{E564DA1F-E2FD-475F-919F-BD2F09682F78}" dt="2024-01-24T10:19:34.586" v="1889" actId="1076"/>
           <ac:spMkLst>
             <pc:docMk/>
             <pc:sldMk cId="1144307710" sldId="262"/>
@@ -3936,7 +4064,7 @@
           </ac:spMkLst>
         </pc:spChg>
         <pc:spChg chg="add mod">
-          <ac:chgData name="Chia-jung Yeh" userId="f328d6f4-0757-42dc-943f-c4685e047ee8" providerId="ADAL" clId="{E564DA1F-E2FD-475F-919F-BD2F09682F78}" dt="2024-01-24T10:09:25.647" v="1879" actId="1076"/>
+          <ac:chgData name="Chia-jung Yeh" userId="f328d6f4-0757-42dc-943f-c4685e047ee8" providerId="ADAL" clId="{E564DA1F-E2FD-475F-919F-BD2F09682F78}" dt="2024-01-24T10:19:34.586" v="1889" actId="1076"/>
           <ac:spMkLst>
             <pc:docMk/>
             <pc:sldMk cId="1144307710" sldId="262"/>
@@ -3944,7 +4072,7 @@
           </ac:spMkLst>
         </pc:spChg>
         <pc:spChg chg="add mod">
-          <ac:chgData name="Chia-jung Yeh" userId="f328d6f4-0757-42dc-943f-c4685e047ee8" providerId="ADAL" clId="{E564DA1F-E2FD-475F-919F-BD2F09682F78}" dt="2024-01-24T10:09:25.647" v="1879" actId="1076"/>
+          <ac:chgData name="Chia-jung Yeh" userId="f328d6f4-0757-42dc-943f-c4685e047ee8" providerId="ADAL" clId="{E564DA1F-E2FD-475F-919F-BD2F09682F78}" dt="2024-01-24T10:19:34.586" v="1889" actId="1076"/>
           <ac:spMkLst>
             <pc:docMk/>
             <pc:sldMk cId="1144307710" sldId="262"/>
@@ -3952,7 +4080,7 @@
           </ac:spMkLst>
         </pc:spChg>
         <pc:spChg chg="add mod">
-          <ac:chgData name="Chia-jung Yeh" userId="f328d6f4-0757-42dc-943f-c4685e047ee8" providerId="ADAL" clId="{E564DA1F-E2FD-475F-919F-BD2F09682F78}" dt="2024-01-24T10:09:25.647" v="1879" actId="1076"/>
+          <ac:chgData name="Chia-jung Yeh" userId="f328d6f4-0757-42dc-943f-c4685e047ee8" providerId="ADAL" clId="{E564DA1F-E2FD-475F-919F-BD2F09682F78}" dt="2024-01-24T10:19:34.586" v="1889" actId="1076"/>
           <ac:spMkLst>
             <pc:docMk/>
             <pc:sldMk cId="1144307710" sldId="262"/>
@@ -3960,7 +4088,7 @@
           </ac:spMkLst>
         </pc:spChg>
         <pc:spChg chg="add mod">
-          <ac:chgData name="Chia-jung Yeh" userId="f328d6f4-0757-42dc-943f-c4685e047ee8" providerId="ADAL" clId="{E564DA1F-E2FD-475F-919F-BD2F09682F78}" dt="2024-01-24T10:09:39.907" v="1882" actId="1076"/>
+          <ac:chgData name="Chia-jung Yeh" userId="f328d6f4-0757-42dc-943f-c4685e047ee8" providerId="ADAL" clId="{E564DA1F-E2FD-475F-919F-BD2F09682F78}" dt="2024-01-24T10:19:34.586" v="1889" actId="1076"/>
           <ac:spMkLst>
             <pc:docMk/>
             <pc:sldMk cId="1144307710" sldId="262"/>
@@ -3968,7 +4096,7 @@
           </ac:spMkLst>
         </pc:spChg>
         <pc:spChg chg="add mod">
-          <ac:chgData name="Chia-jung Yeh" userId="f328d6f4-0757-42dc-943f-c4685e047ee8" providerId="ADAL" clId="{E564DA1F-E2FD-475F-919F-BD2F09682F78}" dt="2024-01-24T10:09:39.907" v="1882" actId="1076"/>
+          <ac:chgData name="Chia-jung Yeh" userId="f328d6f4-0757-42dc-943f-c4685e047ee8" providerId="ADAL" clId="{E564DA1F-E2FD-475F-919F-BD2F09682F78}" dt="2024-01-24T10:19:34.586" v="1889" actId="1076"/>
           <ac:spMkLst>
             <pc:docMk/>
             <pc:sldMk cId="1144307710" sldId="262"/>
@@ -3976,7 +4104,7 @@
           </ac:spMkLst>
         </pc:spChg>
         <pc:spChg chg="add mod">
-          <ac:chgData name="Chia-jung Yeh" userId="f328d6f4-0757-42dc-943f-c4685e047ee8" providerId="ADAL" clId="{E564DA1F-E2FD-475F-919F-BD2F09682F78}" dt="2024-01-24T10:09:39.907" v="1882" actId="1076"/>
+          <ac:chgData name="Chia-jung Yeh" userId="f328d6f4-0757-42dc-943f-c4685e047ee8" providerId="ADAL" clId="{E564DA1F-E2FD-475F-919F-BD2F09682F78}" dt="2024-01-24T10:19:34.586" v="1889" actId="1076"/>
           <ac:spMkLst>
             <pc:docMk/>
             <pc:sldMk cId="1144307710" sldId="262"/>
@@ -3984,7 +4112,7 @@
           </ac:spMkLst>
         </pc:spChg>
         <pc:spChg chg="add mod">
-          <ac:chgData name="Chia-jung Yeh" userId="f328d6f4-0757-42dc-943f-c4685e047ee8" providerId="ADAL" clId="{E564DA1F-E2FD-475F-919F-BD2F09682F78}" dt="2024-01-24T10:09:39.907" v="1882" actId="1076"/>
+          <ac:chgData name="Chia-jung Yeh" userId="f328d6f4-0757-42dc-943f-c4685e047ee8" providerId="ADAL" clId="{E564DA1F-E2FD-475F-919F-BD2F09682F78}" dt="2024-01-24T10:19:34.586" v="1889" actId="1076"/>
           <ac:spMkLst>
             <pc:docMk/>
             <pc:sldMk cId="1144307710" sldId="262"/>
@@ -3992,7 +4120,7 @@
           </ac:spMkLst>
         </pc:spChg>
         <pc:spChg chg="add mod">
-          <ac:chgData name="Chia-jung Yeh" userId="f328d6f4-0757-42dc-943f-c4685e047ee8" providerId="ADAL" clId="{E564DA1F-E2FD-475F-919F-BD2F09682F78}" dt="2024-01-24T10:09:39.907" v="1882" actId="1076"/>
+          <ac:chgData name="Chia-jung Yeh" userId="f328d6f4-0757-42dc-943f-c4685e047ee8" providerId="ADAL" clId="{E564DA1F-E2FD-475F-919F-BD2F09682F78}" dt="2024-01-24T10:19:34.586" v="1889" actId="1076"/>
           <ac:spMkLst>
             <pc:docMk/>
             <pc:sldMk cId="1144307710" sldId="262"/>
@@ -4000,7 +4128,7 @@
           </ac:spMkLst>
         </pc:spChg>
         <pc:spChg chg="add mod">
-          <ac:chgData name="Chia-jung Yeh" userId="f328d6f4-0757-42dc-943f-c4685e047ee8" providerId="ADAL" clId="{E564DA1F-E2FD-475F-919F-BD2F09682F78}" dt="2024-01-24T10:09:39.907" v="1882" actId="1076"/>
+          <ac:chgData name="Chia-jung Yeh" userId="f328d6f4-0757-42dc-943f-c4685e047ee8" providerId="ADAL" clId="{E564DA1F-E2FD-475F-919F-BD2F09682F78}" dt="2024-01-24T10:19:34.586" v="1889" actId="1076"/>
           <ac:spMkLst>
             <pc:docMk/>
             <pc:sldMk cId="1144307710" sldId="262"/>
@@ -4008,7 +4136,7 @@
           </ac:spMkLst>
         </pc:spChg>
         <pc:spChg chg="add mod">
-          <ac:chgData name="Chia-jung Yeh" userId="f328d6f4-0757-42dc-943f-c4685e047ee8" providerId="ADAL" clId="{E564DA1F-E2FD-475F-919F-BD2F09682F78}" dt="2024-01-24T10:09:39.907" v="1882" actId="1076"/>
+          <ac:chgData name="Chia-jung Yeh" userId="f328d6f4-0757-42dc-943f-c4685e047ee8" providerId="ADAL" clId="{E564DA1F-E2FD-475F-919F-BD2F09682F78}" dt="2024-01-24T10:19:34.586" v="1889" actId="1076"/>
           <ac:spMkLst>
             <pc:docMk/>
             <pc:sldMk cId="1144307710" sldId="262"/>
@@ -4072,7 +4200,7 @@
           </ac:spMkLst>
         </pc:spChg>
         <pc:spChg chg="add mod">
-          <ac:chgData name="Chia-jung Yeh" userId="f328d6f4-0757-42dc-943f-c4685e047ee8" providerId="ADAL" clId="{E564DA1F-E2FD-475F-919F-BD2F09682F78}" dt="2024-01-24T10:09:05.865" v="1878" actId="1076"/>
+          <ac:chgData name="Chia-jung Yeh" userId="f328d6f4-0757-42dc-943f-c4685e047ee8" providerId="ADAL" clId="{E564DA1F-E2FD-475F-919F-BD2F09682F78}" dt="2024-01-24T10:19:34.586" v="1889" actId="1076"/>
           <ac:spMkLst>
             <pc:docMk/>
             <pc:sldMk cId="1144307710" sldId="262"/>
@@ -4103,16 +4231,16 @@
             <ac:spMk id="242" creationId="{AAD60E0F-314D-3269-61DA-32B221C0BD82}"/>
           </ac:spMkLst>
         </pc:spChg>
-        <pc:spChg chg="add mod">
-          <ac:chgData name="Chia-jung Yeh" userId="f328d6f4-0757-42dc-943f-c4685e047ee8" providerId="ADAL" clId="{E564DA1F-E2FD-475F-919F-BD2F09682F78}" dt="2024-01-24T10:09:05.865" v="1878" actId="1076"/>
+        <pc:spChg chg="add del mod">
+          <ac:chgData name="Chia-jung Yeh" userId="f328d6f4-0757-42dc-943f-c4685e047ee8" providerId="ADAL" clId="{E564DA1F-E2FD-475F-919F-BD2F09682F78}" dt="2024-01-24T10:19:37.705" v="1890" actId="21"/>
           <ac:spMkLst>
             <pc:docMk/>
             <pc:sldMk cId="1144307710" sldId="262"/>
             <ac:spMk id="243" creationId="{B6CE295D-0CEE-1AC1-AB3C-69389CBBF366}"/>
           </ac:spMkLst>
         </pc:spChg>
-        <pc:spChg chg="add mod">
-          <ac:chgData name="Chia-jung Yeh" userId="f328d6f4-0757-42dc-943f-c4685e047ee8" providerId="ADAL" clId="{E564DA1F-E2FD-475F-919F-BD2F09682F78}" dt="2024-01-24T10:09:05.865" v="1878" actId="1076"/>
+        <pc:spChg chg="add del mod">
+          <ac:chgData name="Chia-jung Yeh" userId="f328d6f4-0757-42dc-943f-c4685e047ee8" providerId="ADAL" clId="{E564DA1F-E2FD-475F-919F-BD2F09682F78}" dt="2024-01-24T10:19:37.705" v="1890" actId="21"/>
           <ac:spMkLst>
             <pc:docMk/>
             <pc:sldMk cId="1144307710" sldId="262"/>
@@ -4120,7 +4248,7 @@
           </ac:spMkLst>
         </pc:spChg>
         <pc:spChg chg="add mod">
-          <ac:chgData name="Chia-jung Yeh" userId="f328d6f4-0757-42dc-943f-c4685e047ee8" providerId="ADAL" clId="{E564DA1F-E2FD-475F-919F-BD2F09682F78}" dt="2024-01-24T10:09:05.865" v="1878" actId="1076"/>
+          <ac:chgData name="Chia-jung Yeh" userId="f328d6f4-0757-42dc-943f-c4685e047ee8" providerId="ADAL" clId="{E564DA1F-E2FD-475F-919F-BD2F09682F78}" dt="2024-01-24T10:19:40.311" v="1891" actId="1076"/>
           <ac:spMkLst>
             <pc:docMk/>
             <pc:sldMk cId="1144307710" sldId="262"/>
@@ -4184,7 +4312,7 @@
           </ac:spMkLst>
         </pc:spChg>
         <pc:spChg chg="add mod">
-          <ac:chgData name="Chia-jung Yeh" userId="f328d6f4-0757-42dc-943f-c4685e047ee8" providerId="ADAL" clId="{E564DA1F-E2FD-475F-919F-BD2F09682F78}" dt="2024-01-24T10:09:30.044" v="1880" actId="571"/>
+          <ac:chgData name="Chia-jung Yeh" userId="f328d6f4-0757-42dc-943f-c4685e047ee8" providerId="ADAL" clId="{E564DA1F-E2FD-475F-919F-BD2F09682F78}" dt="2024-01-24T10:19:34.586" v="1889" actId="1076"/>
           <ac:spMkLst>
             <pc:docMk/>
             <pc:sldMk cId="1144307710" sldId="262"/>
@@ -4192,7 +4320,7 @@
           </ac:spMkLst>
         </pc:spChg>
         <pc:spChg chg="add mod">
-          <ac:chgData name="Chia-jung Yeh" userId="f328d6f4-0757-42dc-943f-c4685e047ee8" providerId="ADAL" clId="{E564DA1F-E2FD-475F-919F-BD2F09682F78}" dt="2024-01-24T10:09:45.323" v="1888" actId="1037"/>
+          <ac:chgData name="Chia-jung Yeh" userId="f328d6f4-0757-42dc-943f-c4685e047ee8" providerId="ADAL" clId="{E564DA1F-E2FD-475F-919F-BD2F09682F78}" dt="2024-01-24T10:19:34.586" v="1889" actId="1076"/>
           <ac:spMkLst>
             <pc:docMk/>
             <pc:sldMk cId="1144307710" sldId="262"/>
@@ -4215,6 +4343,22 @@
             <ac:picMk id="171" creationId="{928AF1C3-7ED2-D289-0D37-DF030F02FE6B}"/>
           </ac:picMkLst>
         </pc:picChg>
+        <pc:cxnChg chg="add del mod">
+          <ac:chgData name="Chia-jung Yeh" userId="f328d6f4-0757-42dc-943f-c4685e047ee8" providerId="ADAL" clId="{E564DA1F-E2FD-475F-919F-BD2F09682F78}" dt="2024-01-24T10:19:41.992" v="1893"/>
+          <ac:cxnSpMkLst>
+            <pc:docMk/>
+            <pc:sldMk cId="1144307710" sldId="262"/>
+            <ac:cxnSpMk id="14" creationId="{2630046A-7BC1-E9C1-5309-57A24CC46334}"/>
+          </ac:cxnSpMkLst>
+        </pc:cxnChg>
+        <pc:cxnChg chg="add mod">
+          <ac:chgData name="Chia-jung Yeh" userId="f328d6f4-0757-42dc-943f-c4685e047ee8" providerId="ADAL" clId="{E564DA1F-E2FD-475F-919F-BD2F09682F78}" dt="2024-01-24T10:19:44.631" v="1895" actId="1076"/>
+          <ac:cxnSpMkLst>
+            <pc:docMk/>
+            <pc:sldMk cId="1144307710" sldId="262"/>
+            <ac:cxnSpMk id="53" creationId="{26E75D61-5BCC-2288-D4C0-1607CE67D74C}"/>
+          </ac:cxnSpMkLst>
+        </pc:cxnChg>
         <pc:cxnChg chg="add mod">
           <ac:chgData name="Chia-jung Yeh" userId="f328d6f4-0757-42dc-943f-c4685e047ee8" providerId="ADAL" clId="{E564DA1F-E2FD-475F-919F-BD2F09682F78}" dt="2024-01-24T10:09:05.865" v="1878" actId="1076"/>
           <ac:cxnSpMkLst>
@@ -4303,8 +4447,8 @@
             <ac:cxnSpMk id="114" creationId="{A4AFCA10-EB61-6ABB-24C9-65D77C6BF98F}"/>
           </ac:cxnSpMkLst>
         </pc:cxnChg>
-        <pc:cxnChg chg="add mod">
-          <ac:chgData name="Chia-jung Yeh" userId="f328d6f4-0757-42dc-943f-c4685e047ee8" providerId="ADAL" clId="{E564DA1F-E2FD-475F-919F-BD2F09682F78}" dt="2024-01-24T10:09:05.865" v="1878" actId="1076"/>
+        <pc:cxnChg chg="add del mod">
+          <ac:chgData name="Chia-jung Yeh" userId="f328d6f4-0757-42dc-943f-c4685e047ee8" providerId="ADAL" clId="{E564DA1F-E2FD-475F-919F-BD2F09682F78}" dt="2024-01-24T10:19:37.705" v="1890" actId="21"/>
           <ac:cxnSpMkLst>
             <pc:docMk/>
             <pc:sldMk cId="1144307710" sldId="262"/>
@@ -4320,7 +4464,7 @@
           </ac:cxnSpMkLst>
         </pc:cxnChg>
         <pc:cxnChg chg="add mod">
-          <ac:chgData name="Chia-jung Yeh" userId="f328d6f4-0757-42dc-943f-c4685e047ee8" providerId="ADAL" clId="{E564DA1F-E2FD-475F-919F-BD2F09682F78}" dt="2024-01-24T10:09:05.865" v="1878" actId="1076"/>
+          <ac:chgData name="Chia-jung Yeh" userId="f328d6f4-0757-42dc-943f-c4685e047ee8" providerId="ADAL" clId="{E564DA1F-E2FD-475F-919F-BD2F09682F78}" dt="2024-01-24T10:19:40.311" v="1891" actId="1076"/>
           <ac:cxnSpMkLst>
             <pc:docMk/>
             <pc:sldMk cId="1144307710" sldId="262"/>
@@ -4376,7 +4520,7 @@
           </ac:cxnSpMkLst>
         </pc:cxnChg>
         <pc:cxnChg chg="add mod">
-          <ac:chgData name="Chia-jung Yeh" userId="f328d6f4-0757-42dc-943f-c4685e047ee8" providerId="ADAL" clId="{E564DA1F-E2FD-475F-919F-BD2F09682F78}" dt="2024-01-24T10:09:05.865" v="1878" actId="1076"/>
+          <ac:chgData name="Chia-jung Yeh" userId="f328d6f4-0757-42dc-943f-c4685e047ee8" providerId="ADAL" clId="{E564DA1F-E2FD-475F-919F-BD2F09682F78}" dt="2024-01-24T10:19:34.586" v="1889" actId="1076"/>
           <ac:cxnSpMkLst>
             <pc:docMk/>
             <pc:sldMk cId="1144307710" sldId="262"/>
@@ -4384,7 +4528,7 @@
           </ac:cxnSpMkLst>
         </pc:cxnChg>
         <pc:cxnChg chg="add mod">
-          <ac:chgData name="Chia-jung Yeh" userId="f328d6f4-0757-42dc-943f-c4685e047ee8" providerId="ADAL" clId="{E564DA1F-E2FD-475F-919F-BD2F09682F78}" dt="2024-01-24T10:09:05.865" v="1878" actId="1076"/>
+          <ac:chgData name="Chia-jung Yeh" userId="f328d6f4-0757-42dc-943f-c4685e047ee8" providerId="ADAL" clId="{E564DA1F-E2FD-475F-919F-BD2F09682F78}" dt="2024-01-24T10:19:34.586" v="1889" actId="1076"/>
           <ac:cxnSpMkLst>
             <pc:docMk/>
             <pc:sldMk cId="1144307710" sldId="262"/>
@@ -4392,7 +4536,7 @@
           </ac:cxnSpMkLst>
         </pc:cxnChg>
         <pc:cxnChg chg="add mod">
-          <ac:chgData name="Chia-jung Yeh" userId="f328d6f4-0757-42dc-943f-c4685e047ee8" providerId="ADAL" clId="{E564DA1F-E2FD-475F-919F-BD2F09682F78}" dt="2024-01-24T10:09:25.647" v="1879" actId="1076"/>
+          <ac:chgData name="Chia-jung Yeh" userId="f328d6f4-0757-42dc-943f-c4685e047ee8" providerId="ADAL" clId="{E564DA1F-E2FD-475F-919F-BD2F09682F78}" dt="2024-01-24T10:19:34.586" v="1889" actId="1076"/>
           <ac:cxnSpMkLst>
             <pc:docMk/>
             <pc:sldMk cId="1144307710" sldId="262"/>
@@ -4400,7 +4544,7 @@
           </ac:cxnSpMkLst>
         </pc:cxnChg>
         <pc:cxnChg chg="add mod">
-          <ac:chgData name="Chia-jung Yeh" userId="f328d6f4-0757-42dc-943f-c4685e047ee8" providerId="ADAL" clId="{E564DA1F-E2FD-475F-919F-BD2F09682F78}" dt="2024-01-24T10:09:39.907" v="1882" actId="1076"/>
+          <ac:chgData name="Chia-jung Yeh" userId="f328d6f4-0757-42dc-943f-c4685e047ee8" providerId="ADAL" clId="{E564DA1F-E2FD-475F-919F-BD2F09682F78}" dt="2024-01-24T10:19:34.586" v="1889" actId="1076"/>
           <ac:cxnSpMkLst>
             <pc:docMk/>
             <pc:sldMk cId="1144307710" sldId="262"/>
@@ -29793,10 +29937,10 @@
       </p:sp>
       <p:sp>
         <p:nvSpPr>
-          <p:cNvPr id="116" name="Rectangle 115">
-            <a:extLst>
-              <a:ext uri="{FF2B5EF4-FFF2-40B4-BE49-F238E27FC236}">
-                <a16:creationId xmlns:a16="http://schemas.microsoft.com/office/drawing/2014/main" id="{BA118A74-F4B4-39ED-E0F2-FC99C8474D9F}"/>
+          <p:cNvPr id="136" name="Rectangle 135">
+            <a:extLst>
+              <a:ext uri="{FF2B5EF4-FFF2-40B4-BE49-F238E27FC236}">
+                <a16:creationId xmlns:a16="http://schemas.microsoft.com/office/drawing/2014/main" id="{CC87A6CE-1D20-D4EC-0FFF-22455B8FA281}"/>
               </a:ext>
             </a:extLst>
           </p:cNvPr>
@@ -29805,7 +29949,7 @@
         </p:nvSpPr>
         <p:spPr>
           <a:xfrm>
-            <a:off x="5666347" y="1320584"/>
+            <a:off x="5666347" y="1366781"/>
             <a:ext cx="350196" cy="505838"/>
           </a:xfrm>
           <a:prstGeom prst="rect">
@@ -29845,10 +29989,10 @@
       </p:sp>
       <p:sp>
         <p:nvSpPr>
-          <p:cNvPr id="117" name="Rectangle 116">
-            <a:extLst>
-              <a:ext uri="{FF2B5EF4-FFF2-40B4-BE49-F238E27FC236}">
-                <a16:creationId xmlns:a16="http://schemas.microsoft.com/office/drawing/2014/main" id="{BF644783-5E63-D512-A1CF-7D08C5CFA102}"/>
+          <p:cNvPr id="137" name="Rectangle 136">
+            <a:extLst>
+              <a:ext uri="{FF2B5EF4-FFF2-40B4-BE49-F238E27FC236}">
+                <a16:creationId xmlns:a16="http://schemas.microsoft.com/office/drawing/2014/main" id="{EB88266A-EF61-2852-C5EB-D45910360C73}"/>
               </a:ext>
             </a:extLst>
           </p:cNvPr>
@@ -29857,7 +30001,7 @@
         </p:nvSpPr>
         <p:spPr>
           <a:xfrm>
-            <a:off x="6176490" y="1320584"/>
+            <a:off x="6176490" y="1366781"/>
             <a:ext cx="350196" cy="505838"/>
           </a:xfrm>
           <a:prstGeom prst="rect">
@@ -29897,10 +30041,10 @@
       </p:sp>
       <p:sp>
         <p:nvSpPr>
-          <p:cNvPr id="118" name="Rectangle 117">
-            <a:extLst>
-              <a:ext uri="{FF2B5EF4-FFF2-40B4-BE49-F238E27FC236}">
-                <a16:creationId xmlns:a16="http://schemas.microsoft.com/office/drawing/2014/main" id="{E468ECCF-78E7-B790-6BF2-3AA675AB9277}"/>
+          <p:cNvPr id="138" name="Rectangle 137">
+            <a:extLst>
+              <a:ext uri="{FF2B5EF4-FFF2-40B4-BE49-F238E27FC236}">
+                <a16:creationId xmlns:a16="http://schemas.microsoft.com/office/drawing/2014/main" id="{BC31A31C-8484-E561-24E5-277B67070144}"/>
               </a:ext>
             </a:extLst>
           </p:cNvPr>
@@ -29909,7 +30053,7 @@
         </p:nvSpPr>
         <p:spPr>
           <a:xfrm>
-            <a:off x="6686633" y="1320584"/>
+            <a:off x="6686633" y="1366781"/>
             <a:ext cx="350196" cy="505838"/>
           </a:xfrm>
           <a:prstGeom prst="rect">
@@ -29949,10 +30093,10 @@
       </p:sp>
       <p:sp>
         <p:nvSpPr>
-          <p:cNvPr id="119" name="Rectangle 118">
-            <a:extLst>
-              <a:ext uri="{FF2B5EF4-FFF2-40B4-BE49-F238E27FC236}">
-                <a16:creationId xmlns:a16="http://schemas.microsoft.com/office/drawing/2014/main" id="{8819AF77-53E8-3911-7764-63718261EAB7}"/>
+          <p:cNvPr id="139" name="Rectangle 138">
+            <a:extLst>
+              <a:ext uri="{FF2B5EF4-FFF2-40B4-BE49-F238E27FC236}">
+                <a16:creationId xmlns:a16="http://schemas.microsoft.com/office/drawing/2014/main" id="{8C67DA7D-1494-7DF4-FA8C-4A8A7C9E8462}"/>
               </a:ext>
             </a:extLst>
           </p:cNvPr>
@@ -29961,7 +30105,7 @@
         </p:nvSpPr>
         <p:spPr>
           <a:xfrm>
-            <a:off x="7196776" y="1320584"/>
+            <a:off x="7196776" y="1366781"/>
             <a:ext cx="350196" cy="505838"/>
           </a:xfrm>
           <a:prstGeom prst="rect">
@@ -30004,10 +30148,10 @@
       </p:sp>
       <p:cxnSp>
         <p:nvCxnSpPr>
-          <p:cNvPr id="122" name="Straight Arrow Connector 121">
-            <a:extLst>
-              <a:ext uri="{FF2B5EF4-FFF2-40B4-BE49-F238E27FC236}">
-                <a16:creationId xmlns:a16="http://schemas.microsoft.com/office/drawing/2014/main" id="{EB7F034C-1F10-55B9-521A-D442B111942F}"/>
+          <p:cNvPr id="140" name="Straight Arrow Connector 139">
+            <a:extLst>
+              <a:ext uri="{FF2B5EF4-FFF2-40B4-BE49-F238E27FC236}">
+                <a16:creationId xmlns:a16="http://schemas.microsoft.com/office/drawing/2014/main" id="{69EB27A4-C9DF-BB86-FF0D-5E7600C7B419}"/>
               </a:ext>
             </a:extLst>
           </p:cNvPr>
@@ -30018,7 +30162,7 @@
         </p:nvCxnSpPr>
         <p:spPr>
           <a:xfrm>
-            <a:off x="7725325" y="1600007"/>
+            <a:off x="7725325" y="1646204"/>
             <a:ext cx="597590" cy="0"/>
           </a:xfrm>
           <a:prstGeom prst="straightConnector1">
@@ -30051,10 +30195,10 @@
       </p:cxnSp>
       <p:sp>
         <p:nvSpPr>
-          <p:cNvPr id="134" name="Rectangle 133">
-            <a:extLst>
-              <a:ext uri="{FF2B5EF4-FFF2-40B4-BE49-F238E27FC236}">
-                <a16:creationId xmlns:a16="http://schemas.microsoft.com/office/drawing/2014/main" id="{E271F109-DD92-A28C-B6F9-377923A6E712}"/>
+          <p:cNvPr id="141" name="Rectangle 140">
+            <a:extLst>
+              <a:ext uri="{FF2B5EF4-FFF2-40B4-BE49-F238E27FC236}">
+                <a16:creationId xmlns:a16="http://schemas.microsoft.com/office/drawing/2014/main" id="{BE5D3502-AEFB-8425-4E53-BBE8C5689B3A}"/>
               </a:ext>
             </a:extLst>
           </p:cNvPr>
@@ -30063,7 +30207,7 @@
         </p:nvSpPr>
         <p:spPr>
           <a:xfrm>
-            <a:off x="7864645" y="1253956"/>
+            <a:off x="7864645" y="1300153"/>
             <a:ext cx="195142" cy="280599"/>
           </a:xfrm>
           <a:prstGeom prst="rect">
@@ -30103,10 +30247,10 @@
       </p:sp>
       <p:sp>
         <p:nvSpPr>
-          <p:cNvPr id="135" name="TextBox 134">
-            <a:extLst>
-              <a:ext uri="{FF2B5EF4-FFF2-40B4-BE49-F238E27FC236}">
-                <a16:creationId xmlns:a16="http://schemas.microsoft.com/office/drawing/2014/main" id="{BE474C46-433A-3F80-9D24-F80CC70576C6}"/>
+          <p:cNvPr id="142" name="TextBox 141">
+            <a:extLst>
+              <a:ext uri="{FF2B5EF4-FFF2-40B4-BE49-F238E27FC236}">
+                <a16:creationId xmlns:a16="http://schemas.microsoft.com/office/drawing/2014/main" id="{E42A14F0-B7D8-C606-1157-77E90B6169BA}"/>
               </a:ext>
             </a:extLst>
           </p:cNvPr>
@@ -30115,371 +30259,7 @@
         </p:nvSpPr>
         <p:spPr>
           <a:xfrm>
-            <a:off x="8473041" y="1307619"/>
-            <a:ext cx="1130085" cy="584775"/>
-          </a:xfrm>
-          <a:prstGeom prst="rect">
-            <a:avLst/>
-          </a:prstGeom>
-          <a:noFill/>
-        </p:spPr>
-        <p:txBody>
-          <a:bodyPr wrap="square" rtlCol="0">
-            <a:spAutoFit/>
-          </a:bodyPr>
-          <a:lstStyle/>
-          <a:p>
-            <a:r>
-              <a:rPr lang="en-US" altLang="zh-TW" sz="3200" b="1" dirty="0">
-                <a:solidFill>
-                  <a:schemeClr val="tx1">
-                    <a:lumMod val="50000"/>
-                    <a:lumOff val="50000"/>
-                  </a:schemeClr>
-                </a:solidFill>
-                <a:latin typeface="微軟正黑體" panose="020B0604030504040204" pitchFamily="34" charset="-120"/>
-                <a:ea typeface="微軟正黑體" panose="020B0604030504040204" pitchFamily="34" charset="-120"/>
-              </a:rPr>
-              <a:t>FTFF</a:t>
-            </a:r>
-            <a:endParaRPr lang="en-GB" sz="3200" b="1" dirty="0">
-              <a:solidFill>
-                <a:schemeClr val="tx1">
-                  <a:lumMod val="50000"/>
-                  <a:lumOff val="50000"/>
-                </a:schemeClr>
-              </a:solidFill>
-              <a:latin typeface="微軟正黑體" panose="020B0604030504040204" pitchFamily="34" charset="-120"/>
-              <a:ea typeface="微軟正黑體" panose="020B0604030504040204" pitchFamily="34" charset="-120"/>
-            </a:endParaRPr>
-          </a:p>
-        </p:txBody>
-      </p:sp>
-      <p:sp>
-        <p:nvSpPr>
-          <p:cNvPr id="136" name="Rectangle 135">
-            <a:extLst>
-              <a:ext uri="{FF2B5EF4-FFF2-40B4-BE49-F238E27FC236}">
-                <a16:creationId xmlns:a16="http://schemas.microsoft.com/office/drawing/2014/main" id="{CC87A6CE-1D20-D4EC-0FFF-22455B8FA281}"/>
-              </a:ext>
-            </a:extLst>
-          </p:cNvPr>
-          <p:cNvSpPr/>
-          <p:nvPr/>
-        </p:nvSpPr>
-        <p:spPr>
-          <a:xfrm>
-            <a:off x="5666347" y="2138662"/>
-            <a:ext cx="350196" cy="505838"/>
-          </a:xfrm>
-          <a:prstGeom prst="rect">
-            <a:avLst/>
-          </a:prstGeom>
-          <a:solidFill>
-            <a:srgbClr val="FFC1C1"/>
-          </a:solidFill>
-          <a:ln>
-            <a:noFill/>
-          </a:ln>
-        </p:spPr>
-        <p:style>
-          <a:lnRef idx="2">
-            <a:schemeClr val="accent1">
-              <a:shade val="15000"/>
-            </a:schemeClr>
-          </a:lnRef>
-          <a:fillRef idx="1">
-            <a:schemeClr val="accent1"/>
-          </a:fillRef>
-          <a:effectRef idx="0">
-            <a:schemeClr val="accent1"/>
-          </a:effectRef>
-          <a:fontRef idx="minor">
-            <a:schemeClr val="lt1"/>
-          </a:fontRef>
-        </p:style>
-        <p:txBody>
-          <a:bodyPr rtlCol="0" anchor="ctr"/>
-          <a:lstStyle/>
-          <a:p>
-            <a:pPr algn="ctr"/>
-            <a:endParaRPr lang="en-GB"/>
-          </a:p>
-        </p:txBody>
-      </p:sp>
-      <p:sp>
-        <p:nvSpPr>
-          <p:cNvPr id="137" name="Rectangle 136">
-            <a:extLst>
-              <a:ext uri="{FF2B5EF4-FFF2-40B4-BE49-F238E27FC236}">
-                <a16:creationId xmlns:a16="http://schemas.microsoft.com/office/drawing/2014/main" id="{EB88266A-EF61-2852-C5EB-D45910360C73}"/>
-              </a:ext>
-            </a:extLst>
-          </p:cNvPr>
-          <p:cNvSpPr/>
-          <p:nvPr/>
-        </p:nvSpPr>
-        <p:spPr>
-          <a:xfrm>
-            <a:off x="6176490" y="2138662"/>
-            <a:ext cx="350196" cy="505838"/>
-          </a:xfrm>
-          <a:prstGeom prst="rect">
-            <a:avLst/>
-          </a:prstGeom>
-          <a:solidFill>
-            <a:srgbClr val="F9D999"/>
-          </a:solidFill>
-          <a:ln>
-            <a:noFill/>
-          </a:ln>
-        </p:spPr>
-        <p:style>
-          <a:lnRef idx="2">
-            <a:schemeClr val="accent1">
-              <a:shade val="15000"/>
-            </a:schemeClr>
-          </a:lnRef>
-          <a:fillRef idx="1">
-            <a:schemeClr val="accent1"/>
-          </a:fillRef>
-          <a:effectRef idx="0">
-            <a:schemeClr val="accent1"/>
-          </a:effectRef>
-          <a:fontRef idx="minor">
-            <a:schemeClr val="lt1"/>
-          </a:fontRef>
-        </p:style>
-        <p:txBody>
-          <a:bodyPr rtlCol="0" anchor="ctr"/>
-          <a:lstStyle/>
-          <a:p>
-            <a:pPr algn="ctr"/>
-            <a:endParaRPr lang="en-GB"/>
-          </a:p>
-        </p:txBody>
-      </p:sp>
-      <p:sp>
-        <p:nvSpPr>
-          <p:cNvPr id="138" name="Rectangle 137">
-            <a:extLst>
-              <a:ext uri="{FF2B5EF4-FFF2-40B4-BE49-F238E27FC236}">
-                <a16:creationId xmlns:a16="http://schemas.microsoft.com/office/drawing/2014/main" id="{BC31A31C-8484-E561-24E5-277B67070144}"/>
-              </a:ext>
-            </a:extLst>
-          </p:cNvPr>
-          <p:cNvSpPr/>
-          <p:nvPr/>
-        </p:nvSpPr>
-        <p:spPr>
-          <a:xfrm>
-            <a:off x="6686633" y="2138662"/>
-            <a:ext cx="350196" cy="505838"/>
-          </a:xfrm>
-          <a:prstGeom prst="rect">
-            <a:avLst/>
-          </a:prstGeom>
-          <a:solidFill>
-            <a:srgbClr val="FFFBB3"/>
-          </a:solidFill>
-          <a:ln>
-            <a:noFill/>
-          </a:ln>
-        </p:spPr>
-        <p:style>
-          <a:lnRef idx="2">
-            <a:schemeClr val="accent1">
-              <a:shade val="15000"/>
-            </a:schemeClr>
-          </a:lnRef>
-          <a:fillRef idx="1">
-            <a:schemeClr val="accent1"/>
-          </a:fillRef>
-          <a:effectRef idx="0">
-            <a:schemeClr val="accent1"/>
-          </a:effectRef>
-          <a:fontRef idx="minor">
-            <a:schemeClr val="lt1"/>
-          </a:fontRef>
-        </p:style>
-        <p:txBody>
-          <a:bodyPr rtlCol="0" anchor="ctr"/>
-          <a:lstStyle/>
-          <a:p>
-            <a:pPr algn="ctr"/>
-            <a:endParaRPr lang="en-GB" dirty="0"/>
-          </a:p>
-        </p:txBody>
-      </p:sp>
-      <p:sp>
-        <p:nvSpPr>
-          <p:cNvPr id="139" name="Rectangle 138">
-            <a:extLst>
-              <a:ext uri="{FF2B5EF4-FFF2-40B4-BE49-F238E27FC236}">
-                <a16:creationId xmlns:a16="http://schemas.microsoft.com/office/drawing/2014/main" id="{8C67DA7D-1494-7DF4-FA8C-4A8A7C9E8462}"/>
-              </a:ext>
-            </a:extLst>
-          </p:cNvPr>
-          <p:cNvSpPr/>
-          <p:nvPr/>
-        </p:nvSpPr>
-        <p:spPr>
-          <a:xfrm>
-            <a:off x="7196776" y="2138662"/>
-            <a:ext cx="350196" cy="505838"/>
-          </a:xfrm>
-          <a:prstGeom prst="rect">
-            <a:avLst/>
-          </a:prstGeom>
-          <a:solidFill>
-            <a:schemeClr val="accent6">
-              <a:lumMod val="40000"/>
-              <a:lumOff val="60000"/>
-            </a:schemeClr>
-          </a:solidFill>
-          <a:ln>
-            <a:noFill/>
-          </a:ln>
-        </p:spPr>
-        <p:style>
-          <a:lnRef idx="2">
-            <a:schemeClr val="accent1">
-              <a:shade val="15000"/>
-            </a:schemeClr>
-          </a:lnRef>
-          <a:fillRef idx="1">
-            <a:schemeClr val="accent1"/>
-          </a:fillRef>
-          <a:effectRef idx="0">
-            <a:schemeClr val="accent1"/>
-          </a:effectRef>
-          <a:fontRef idx="minor">
-            <a:schemeClr val="lt1"/>
-          </a:fontRef>
-        </p:style>
-        <p:txBody>
-          <a:bodyPr rtlCol="0" anchor="ctr"/>
-          <a:lstStyle/>
-          <a:p>
-            <a:pPr algn="ctr"/>
-            <a:endParaRPr lang="en-GB"/>
-          </a:p>
-        </p:txBody>
-      </p:sp>
-      <p:cxnSp>
-        <p:nvCxnSpPr>
-          <p:cNvPr id="140" name="Straight Arrow Connector 139">
-            <a:extLst>
-              <a:ext uri="{FF2B5EF4-FFF2-40B4-BE49-F238E27FC236}">
-                <a16:creationId xmlns:a16="http://schemas.microsoft.com/office/drawing/2014/main" id="{69EB27A4-C9DF-BB86-FF0D-5E7600C7B419}"/>
-              </a:ext>
-            </a:extLst>
-          </p:cNvPr>
-          <p:cNvCxnSpPr>
-            <a:cxnSpLocks/>
-          </p:cNvCxnSpPr>
-          <p:nvPr/>
-        </p:nvCxnSpPr>
-        <p:spPr>
-          <a:xfrm>
-            <a:off x="7725325" y="2418085"/>
-            <a:ext cx="597590" cy="0"/>
-          </a:xfrm>
-          <a:prstGeom prst="straightConnector1">
-            <a:avLst/>
-          </a:prstGeom>
-          <a:ln w="57150">
-            <a:solidFill>
-              <a:schemeClr val="tx1">
-                <a:lumMod val="50000"/>
-                <a:lumOff val="50000"/>
-              </a:schemeClr>
-            </a:solidFill>
-            <a:tailEnd type="triangle"/>
-          </a:ln>
-        </p:spPr>
-        <p:style>
-          <a:lnRef idx="1">
-            <a:schemeClr val="accent1"/>
-          </a:lnRef>
-          <a:fillRef idx="0">
-            <a:schemeClr val="accent1"/>
-          </a:fillRef>
-          <a:effectRef idx="0">
-            <a:schemeClr val="accent1"/>
-          </a:effectRef>
-          <a:fontRef idx="minor">
-            <a:schemeClr val="tx1"/>
-          </a:fontRef>
-        </p:style>
-      </p:cxnSp>
-      <p:sp>
-        <p:nvSpPr>
-          <p:cNvPr id="141" name="Rectangle 140">
-            <a:extLst>
-              <a:ext uri="{FF2B5EF4-FFF2-40B4-BE49-F238E27FC236}">
-                <a16:creationId xmlns:a16="http://schemas.microsoft.com/office/drawing/2014/main" id="{BE5D3502-AEFB-8425-4E53-BBE8C5689B3A}"/>
-              </a:ext>
-            </a:extLst>
-          </p:cNvPr>
-          <p:cNvSpPr/>
-          <p:nvPr/>
-        </p:nvSpPr>
-        <p:spPr>
-          <a:xfrm>
-            <a:off x="7864645" y="2072034"/>
-            <a:ext cx="195142" cy="280599"/>
-          </a:xfrm>
-          <a:prstGeom prst="rect">
-            <a:avLst/>
-          </a:prstGeom>
-          <a:solidFill>
-            <a:srgbClr val="F9D999"/>
-          </a:solidFill>
-          <a:ln>
-            <a:noFill/>
-          </a:ln>
-        </p:spPr>
-        <p:style>
-          <a:lnRef idx="2">
-            <a:schemeClr val="accent1">
-              <a:shade val="15000"/>
-            </a:schemeClr>
-          </a:lnRef>
-          <a:fillRef idx="1">
-            <a:schemeClr val="accent1"/>
-          </a:fillRef>
-          <a:effectRef idx="0">
-            <a:schemeClr val="accent1"/>
-          </a:effectRef>
-          <a:fontRef idx="minor">
-            <a:schemeClr val="lt1"/>
-          </a:fontRef>
-        </p:style>
-        <p:txBody>
-          <a:bodyPr rtlCol="0" anchor="ctr"/>
-          <a:lstStyle/>
-          <a:p>
-            <a:pPr algn="ctr"/>
-            <a:endParaRPr lang="en-GB"/>
-          </a:p>
-        </p:txBody>
-      </p:sp>
-      <p:sp>
-        <p:nvSpPr>
-          <p:cNvPr id="142" name="TextBox 141">
-            <a:extLst>
-              <a:ext uri="{FF2B5EF4-FFF2-40B4-BE49-F238E27FC236}">
-                <a16:creationId xmlns:a16="http://schemas.microsoft.com/office/drawing/2014/main" id="{E42A14F0-B7D8-C606-1157-77E90B6169BA}"/>
-              </a:ext>
-            </a:extLst>
-          </p:cNvPr>
-          <p:cNvSpPr txBox="1"/>
-          <p:nvPr/>
-        </p:nvSpPr>
-        <p:spPr>
-          <a:xfrm>
-            <a:off x="8473041" y="2072034"/>
+            <a:off x="8473041" y="1300153"/>
             <a:ext cx="866031" cy="584775"/>
           </a:xfrm>
           <a:prstGeom prst="rect">
@@ -32138,7 +31918,7 @@
         </p:nvSpPr>
         <p:spPr>
           <a:xfrm>
-            <a:off x="10783820" y="331072"/>
+            <a:off x="13660662" y="331072"/>
             <a:ext cx="350196" cy="505838"/>
           </a:xfrm>
           <a:prstGeom prst="rect">
@@ -32190,7 +31970,7 @@
         </p:nvSpPr>
         <p:spPr>
           <a:xfrm>
-            <a:off x="13799078" y="331072"/>
+            <a:off x="16675920" y="331072"/>
             <a:ext cx="350196" cy="505838"/>
           </a:xfrm>
           <a:prstGeom prst="rect">
@@ -32245,7 +32025,7 @@
         </p:nvSpPr>
         <p:spPr>
           <a:xfrm>
-            <a:off x="14149274" y="331072"/>
+            <a:off x="17026116" y="331072"/>
             <a:ext cx="350196" cy="505838"/>
           </a:xfrm>
           <a:prstGeom prst="rect">
@@ -32299,7 +32079,7 @@
         </p:nvCxnSpPr>
         <p:spPr>
           <a:xfrm>
-            <a:off x="11234115" y="570630"/>
+            <a:off x="14110957" y="570630"/>
             <a:ext cx="433301" cy="0"/>
           </a:xfrm>
           <a:prstGeom prst="straightConnector1">
@@ -32344,7 +32124,7 @@
         </p:nvSpPr>
         <p:spPr>
           <a:xfrm>
-            <a:off x="12126744" y="331072"/>
+            <a:off x="15003586" y="331072"/>
             <a:ext cx="350196" cy="505838"/>
           </a:xfrm>
           <a:prstGeom prst="rect">
@@ -32398,7 +32178,7 @@
         </p:nvSpPr>
         <p:spPr>
           <a:xfrm>
-            <a:off x="12478198" y="331072"/>
+            <a:off x="15355040" y="331072"/>
             <a:ext cx="350196" cy="505838"/>
           </a:xfrm>
           <a:prstGeom prst="rect">
@@ -32452,7 +32232,7 @@
         </p:nvCxnSpPr>
         <p:spPr>
           <a:xfrm>
-            <a:off x="14530913" y="570630"/>
+            <a:off x="17407755" y="570630"/>
             <a:ext cx="433301" cy="0"/>
           </a:xfrm>
           <a:prstGeom prst="straightConnector1">
@@ -32497,7 +32277,7 @@
         </p:nvSpPr>
         <p:spPr>
           <a:xfrm>
-            <a:off x="15423542" y="331072"/>
+            <a:off x="18300384" y="331072"/>
             <a:ext cx="350196" cy="505838"/>
           </a:xfrm>
           <a:prstGeom prst="rect">
@@ -32552,7 +32332,7 @@
         </p:nvSpPr>
         <p:spPr>
           <a:xfrm>
-            <a:off x="15773738" y="331072"/>
+            <a:off x="18650580" y="331072"/>
             <a:ext cx="350196" cy="505838"/>
           </a:xfrm>
           <a:prstGeom prst="rect">
@@ -32604,7 +32384,7 @@
         </p:nvSpPr>
         <p:spPr>
           <a:xfrm>
-            <a:off x="11776548" y="331072"/>
+            <a:off x="14653390" y="331072"/>
             <a:ext cx="350196" cy="505838"/>
           </a:xfrm>
           <a:prstGeom prst="rect">
@@ -32658,7 +32438,7 @@
         </p:nvSpPr>
         <p:spPr>
           <a:xfrm>
-            <a:off x="15073346" y="331072"/>
+            <a:off x="17950188" y="331072"/>
             <a:ext cx="350196" cy="505838"/>
           </a:xfrm>
           <a:prstGeom prst="rect">
@@ -32712,7 +32492,7 @@
         </p:nvSpPr>
         <p:spPr>
           <a:xfrm>
-            <a:off x="11418421" y="1255596"/>
+            <a:off x="14295263" y="1255596"/>
             <a:ext cx="350196" cy="505838"/>
           </a:xfrm>
           <a:prstGeom prst="rect">
@@ -32764,7 +32544,7 @@
         </p:nvSpPr>
         <p:spPr>
           <a:xfrm>
-            <a:off x="11068225" y="1255596"/>
+            <a:off x="13945067" y="1255596"/>
             <a:ext cx="350196" cy="505838"/>
           </a:xfrm>
           <a:prstGeom prst="rect">
@@ -32816,7 +32596,7 @@
         </p:nvSpPr>
         <p:spPr>
           <a:xfrm>
-            <a:off x="10718029" y="1255596"/>
+            <a:off x="13594871" y="1255596"/>
             <a:ext cx="350196" cy="505838"/>
           </a:xfrm>
           <a:prstGeom prst="rect">
@@ -32868,7 +32648,7 @@
         </p:nvSpPr>
         <p:spPr>
           <a:xfrm>
-            <a:off x="12469009" y="1255596"/>
+            <a:off x="15345851" y="1255596"/>
             <a:ext cx="350196" cy="505838"/>
           </a:xfrm>
           <a:prstGeom prst="rect">
@@ -32923,7 +32703,7 @@
         </p:nvSpPr>
         <p:spPr>
           <a:xfrm>
-            <a:off x="11768617" y="1255596"/>
+            <a:off x="14645459" y="1255596"/>
             <a:ext cx="350196" cy="505838"/>
           </a:xfrm>
           <a:prstGeom prst="rect">
@@ -32975,7 +32755,7 @@
         </p:nvSpPr>
         <p:spPr>
           <a:xfrm>
-            <a:off x="12118813" y="1255596"/>
+            <a:off x="14995655" y="1255596"/>
             <a:ext cx="350196" cy="505838"/>
           </a:xfrm>
           <a:prstGeom prst="rect">
@@ -33029,7 +32809,7 @@
         </p:nvCxnSpPr>
         <p:spPr>
           <a:xfrm>
-            <a:off x="12999874" y="1505123"/>
+            <a:off x="15876716" y="1505123"/>
             <a:ext cx="597590" cy="0"/>
           </a:xfrm>
           <a:prstGeom prst="straightConnector1">
@@ -33074,7 +32854,7 @@
         </p:nvSpPr>
         <p:spPr>
           <a:xfrm>
-            <a:off x="13778133" y="1253956"/>
+            <a:off x="16654975" y="1253956"/>
             <a:ext cx="350196" cy="505838"/>
           </a:xfrm>
           <a:prstGeom prst="rect">
@@ -33126,7 +32906,7 @@
         </p:nvSpPr>
         <p:spPr>
           <a:xfrm>
-            <a:off x="14128329" y="1253956"/>
+            <a:off x="17005171" y="1253956"/>
             <a:ext cx="350196" cy="505838"/>
           </a:xfrm>
           <a:prstGeom prst="rect">
@@ -33178,7 +32958,7 @@
         </p:nvSpPr>
         <p:spPr>
           <a:xfrm>
-            <a:off x="14478525" y="1253956"/>
+            <a:off x="17355367" y="1253956"/>
             <a:ext cx="350196" cy="505838"/>
           </a:xfrm>
           <a:prstGeom prst="rect">
@@ -33230,7 +33010,7 @@
         </p:nvSpPr>
         <p:spPr>
           <a:xfrm>
-            <a:off x="14828721" y="1253956"/>
+            <a:off x="17705563" y="1253956"/>
             <a:ext cx="350196" cy="505838"/>
           </a:xfrm>
           <a:prstGeom prst="rect">
@@ -33285,7 +33065,7 @@
         </p:nvSpPr>
         <p:spPr>
           <a:xfrm>
-            <a:off x="15178917" y="1253956"/>
+            <a:off x="18055759" y="1253956"/>
             <a:ext cx="350196" cy="505838"/>
           </a:xfrm>
           <a:prstGeom prst="rect">
@@ -33337,7 +33117,7 @@
         </p:nvSpPr>
         <p:spPr>
           <a:xfrm>
-            <a:off x="15529113" y="1253956"/>
+            <a:off x="18405955" y="1253956"/>
             <a:ext cx="350196" cy="505838"/>
           </a:xfrm>
           <a:prstGeom prst="rect">
@@ -33389,7 +33169,7 @@
         </p:nvSpPr>
         <p:spPr>
           <a:xfrm>
-            <a:off x="11653864" y="2298870"/>
+            <a:off x="14530706" y="2298870"/>
             <a:ext cx="350196" cy="505838"/>
           </a:xfrm>
           <a:prstGeom prst="rect">
@@ -33441,7 +33221,7 @@
         </p:nvSpPr>
         <p:spPr>
           <a:xfrm>
-            <a:off x="11303668" y="2298870"/>
+            <a:off x="14180510" y="2298870"/>
             <a:ext cx="350196" cy="505838"/>
           </a:xfrm>
           <a:prstGeom prst="rect">
@@ -33493,7 +33273,7 @@
         </p:nvSpPr>
         <p:spPr>
           <a:xfrm>
-            <a:off x="10953472" y="2298870"/>
+            <a:off x="13830314" y="2298870"/>
             <a:ext cx="350196" cy="505838"/>
           </a:xfrm>
           <a:prstGeom prst="rect">
@@ -33545,7 +33325,7 @@
         </p:nvSpPr>
         <p:spPr>
           <a:xfrm>
-            <a:off x="12704452" y="2298870"/>
+            <a:off x="15581294" y="2298870"/>
             <a:ext cx="350196" cy="505838"/>
           </a:xfrm>
           <a:prstGeom prst="rect">
@@ -33600,7 +33380,7 @@
         </p:nvSpPr>
         <p:spPr>
           <a:xfrm>
-            <a:off x="12004060" y="2298870"/>
+            <a:off x="14880902" y="2298870"/>
             <a:ext cx="350196" cy="505838"/>
           </a:xfrm>
           <a:prstGeom prst="rect">
@@ -33652,7 +33432,7 @@
         </p:nvSpPr>
         <p:spPr>
           <a:xfrm>
-            <a:off x="12354256" y="2298870"/>
+            <a:off x="15231098" y="2298870"/>
             <a:ext cx="350196" cy="505838"/>
           </a:xfrm>
           <a:prstGeom prst="rect">
@@ -33706,7 +33486,7 @@
         </p:nvCxnSpPr>
         <p:spPr>
           <a:xfrm>
-            <a:off x="13235317" y="2548397"/>
+            <a:off x="16112159" y="2548397"/>
             <a:ext cx="597590" cy="0"/>
           </a:xfrm>
           <a:prstGeom prst="straightConnector1">
@@ -33751,7 +33531,7 @@
         </p:nvSpPr>
         <p:spPr>
           <a:xfrm>
-            <a:off x="14011806" y="2273698"/>
+            <a:off x="16888648" y="2273698"/>
             <a:ext cx="2041791" cy="523220"/>
           </a:xfrm>
           <a:prstGeom prst="rect">
@@ -34155,7 +33935,7 @@
         </p:nvSpPr>
         <p:spPr>
           <a:xfrm>
-            <a:off x="10239689" y="197793"/>
+            <a:off x="13116531" y="197793"/>
             <a:ext cx="6234557" cy="721491"/>
           </a:xfrm>
           <a:prstGeom prst="rect">
@@ -34243,10 +34023,10 @@
       </p:sp>
       <p:sp>
         <p:nvSpPr>
-          <p:cNvPr id="243" name="Rectangle 242">
-            <a:extLst>
-              <a:ext uri="{FF2B5EF4-FFF2-40B4-BE49-F238E27FC236}">
-                <a16:creationId xmlns:a16="http://schemas.microsoft.com/office/drawing/2014/main" id="{B6CE295D-0CEE-1AC1-AB3C-69389CBBF366}"/>
+          <p:cNvPr id="245" name="Rectangle 244">
+            <a:extLst>
+              <a:ext uri="{FF2B5EF4-FFF2-40B4-BE49-F238E27FC236}">
+                <a16:creationId xmlns:a16="http://schemas.microsoft.com/office/drawing/2014/main" id="{D1FD333F-1E0B-B888-89EB-BAC4812982C8}"/>
               </a:ext>
             </a:extLst>
           </p:cNvPr>
@@ -34255,7 +34035,7 @@
         </p:nvSpPr>
         <p:spPr>
           <a:xfrm>
-            <a:off x="4007058" y="1285152"/>
+            <a:off x="3919550" y="1201024"/>
             <a:ext cx="6234557" cy="721491"/>
           </a:xfrm>
           <a:prstGeom prst="rect">
@@ -34293,10 +34073,10 @@
       </p:sp>
       <p:sp>
         <p:nvSpPr>
-          <p:cNvPr id="244" name="Rectangle 243">
-            <a:extLst>
-              <a:ext uri="{FF2B5EF4-FFF2-40B4-BE49-F238E27FC236}">
-                <a16:creationId xmlns:a16="http://schemas.microsoft.com/office/drawing/2014/main" id="{130381AF-3590-DB6F-A6F6-481B26441D6C}"/>
+          <p:cNvPr id="246" name="Rectangle 245">
+            <a:extLst>
+              <a:ext uri="{FF2B5EF4-FFF2-40B4-BE49-F238E27FC236}">
+                <a16:creationId xmlns:a16="http://schemas.microsoft.com/office/drawing/2014/main" id="{21592AE2-D7B3-BF39-7D0D-BFF0565B80F7}"/>
               </a:ext>
             </a:extLst>
           </p:cNvPr>
@@ -34305,7 +34085,7 @@
         </p:nvSpPr>
         <p:spPr>
           <a:xfrm>
-            <a:off x="4206922" y="1180889"/>
+            <a:off x="4225623" y="3038730"/>
             <a:ext cx="6234557" cy="721491"/>
           </a:xfrm>
           <a:prstGeom prst="rect">
@@ -34343,10 +34123,10 @@
       </p:sp>
       <p:sp>
         <p:nvSpPr>
-          <p:cNvPr id="245" name="Rectangle 244">
-            <a:extLst>
-              <a:ext uri="{FF2B5EF4-FFF2-40B4-BE49-F238E27FC236}">
-                <a16:creationId xmlns:a16="http://schemas.microsoft.com/office/drawing/2014/main" id="{D1FD333F-1E0B-B888-89EB-BAC4812982C8}"/>
+          <p:cNvPr id="247" name="Rectangle 246">
+            <a:extLst>
+              <a:ext uri="{FF2B5EF4-FFF2-40B4-BE49-F238E27FC236}">
+                <a16:creationId xmlns:a16="http://schemas.microsoft.com/office/drawing/2014/main" id="{A0819C11-65E1-EDDC-DA13-05231E7A7AAA}"/>
               </a:ext>
             </a:extLst>
           </p:cNvPr>
@@ -34355,7 +34135,7 @@
         </p:nvSpPr>
         <p:spPr>
           <a:xfrm>
-            <a:off x="3919550" y="1972905"/>
+            <a:off x="4408503" y="3861525"/>
             <a:ext cx="6234557" cy="721491"/>
           </a:xfrm>
           <a:prstGeom prst="rect">
@@ -34393,10 +34173,10 @@
       </p:sp>
       <p:sp>
         <p:nvSpPr>
-          <p:cNvPr id="246" name="Rectangle 245">
-            <a:extLst>
-              <a:ext uri="{FF2B5EF4-FFF2-40B4-BE49-F238E27FC236}">
-                <a16:creationId xmlns:a16="http://schemas.microsoft.com/office/drawing/2014/main" id="{21592AE2-D7B3-BF39-7D0D-BFF0565B80F7}"/>
+          <p:cNvPr id="250" name="Rectangle 249">
+            <a:extLst>
+              <a:ext uri="{FF2B5EF4-FFF2-40B4-BE49-F238E27FC236}">
+                <a16:creationId xmlns:a16="http://schemas.microsoft.com/office/drawing/2014/main" id="{CD7A3D63-E1D1-0474-B94A-823B71F5EE11}"/>
               </a:ext>
             </a:extLst>
           </p:cNvPr>
@@ -34405,7 +34185,7 @@
         </p:nvSpPr>
         <p:spPr>
           <a:xfrm>
-            <a:off x="4225623" y="3038730"/>
+            <a:off x="4078567" y="5004922"/>
             <a:ext cx="6234557" cy="721491"/>
           </a:xfrm>
           <a:prstGeom prst="rect">
@@ -34443,10 +34223,10 @@
       </p:sp>
       <p:sp>
         <p:nvSpPr>
-          <p:cNvPr id="247" name="Rectangle 246">
-            <a:extLst>
-              <a:ext uri="{FF2B5EF4-FFF2-40B4-BE49-F238E27FC236}">
-                <a16:creationId xmlns:a16="http://schemas.microsoft.com/office/drawing/2014/main" id="{A0819C11-65E1-EDDC-DA13-05231E7A7AAA}"/>
+          <p:cNvPr id="251" name="Rectangle 250">
+            <a:extLst>
+              <a:ext uri="{FF2B5EF4-FFF2-40B4-BE49-F238E27FC236}">
+                <a16:creationId xmlns:a16="http://schemas.microsoft.com/office/drawing/2014/main" id="{DF60C8D7-F631-7616-0635-CD97B2494653}"/>
               </a:ext>
             </a:extLst>
           </p:cNvPr>
@@ -34455,7 +34235,7 @@
         </p:nvSpPr>
         <p:spPr>
           <a:xfrm>
-            <a:off x="4408503" y="3861525"/>
+            <a:off x="4078567" y="6087106"/>
             <a:ext cx="6234557" cy="721491"/>
           </a:xfrm>
           <a:prstGeom prst="rect">
@@ -34493,10 +34273,10 @@
       </p:sp>
       <p:sp>
         <p:nvSpPr>
-          <p:cNvPr id="250" name="Rectangle 249">
-            <a:extLst>
-              <a:ext uri="{FF2B5EF4-FFF2-40B4-BE49-F238E27FC236}">
-                <a16:creationId xmlns:a16="http://schemas.microsoft.com/office/drawing/2014/main" id="{CD7A3D63-E1D1-0474-B94A-823B71F5EE11}"/>
+          <p:cNvPr id="253" name="Rectangle 252">
+            <a:extLst>
+              <a:ext uri="{FF2B5EF4-FFF2-40B4-BE49-F238E27FC236}">
+                <a16:creationId xmlns:a16="http://schemas.microsoft.com/office/drawing/2014/main" id="{EACC66F7-6513-1EDF-5492-B3FD23A8DF7D}"/>
               </a:ext>
             </a:extLst>
           </p:cNvPr>
@@ -34505,7 +34285,7 @@
         </p:nvSpPr>
         <p:spPr>
           <a:xfrm>
-            <a:off x="4078567" y="5004922"/>
+            <a:off x="13116531" y="1142278"/>
             <a:ext cx="6234557" cy="721491"/>
           </a:xfrm>
           <a:prstGeom prst="rect">
@@ -34543,10 +34323,10 @@
       </p:sp>
       <p:sp>
         <p:nvSpPr>
-          <p:cNvPr id="251" name="Rectangle 250">
-            <a:extLst>
-              <a:ext uri="{FF2B5EF4-FFF2-40B4-BE49-F238E27FC236}">
-                <a16:creationId xmlns:a16="http://schemas.microsoft.com/office/drawing/2014/main" id="{DF60C8D7-F631-7616-0635-CD97B2494653}"/>
+          <p:cNvPr id="254" name="Rectangle 253">
+            <a:extLst>
+              <a:ext uri="{FF2B5EF4-FFF2-40B4-BE49-F238E27FC236}">
+                <a16:creationId xmlns:a16="http://schemas.microsoft.com/office/drawing/2014/main" id="{C9759C0C-F9B9-613F-8CE1-92D10340CF63}"/>
               </a:ext>
             </a:extLst>
           </p:cNvPr>
@@ -34555,7 +34335,7 @@
         </p:nvSpPr>
         <p:spPr>
           <a:xfrm>
-            <a:off x="4078567" y="6087106"/>
+            <a:off x="13086051" y="2209222"/>
             <a:ext cx="6234557" cy="721491"/>
           </a:xfrm>
           <a:prstGeom prst="rect">
@@ -34593,10 +34373,10 @@
       </p:sp>
       <p:sp>
         <p:nvSpPr>
-          <p:cNvPr id="253" name="Rectangle 252">
-            <a:extLst>
-              <a:ext uri="{FF2B5EF4-FFF2-40B4-BE49-F238E27FC236}">
-                <a16:creationId xmlns:a16="http://schemas.microsoft.com/office/drawing/2014/main" id="{EACC66F7-6513-1EDF-5492-B3FD23A8DF7D}"/>
+          <p:cNvPr id="23" name="Rectangle 22">
+            <a:extLst>
+              <a:ext uri="{FF2B5EF4-FFF2-40B4-BE49-F238E27FC236}">
+                <a16:creationId xmlns:a16="http://schemas.microsoft.com/office/drawing/2014/main" id="{EBAA2B6E-9319-FE5E-8A8D-4D1C65FEA175}"/>
               </a:ext>
             </a:extLst>
           </p:cNvPr>
@@ -34605,13 +34385,15 @@
         </p:nvSpPr>
         <p:spPr>
           <a:xfrm>
-            <a:off x="10239689" y="1142278"/>
-            <a:ext cx="6234557" cy="721491"/>
+            <a:off x="5666347" y="2232410"/>
+            <a:ext cx="350196" cy="505838"/>
           </a:xfrm>
           <a:prstGeom prst="rect">
             <a:avLst/>
           </a:prstGeom>
-          <a:noFill/>
+          <a:solidFill>
+            <a:srgbClr val="FFC1C1"/>
+          </a:solidFill>
           <a:ln>
             <a:noFill/>
           </a:ln>
@@ -34643,10 +34425,10 @@
       </p:sp>
       <p:sp>
         <p:nvSpPr>
-          <p:cNvPr id="254" name="Rectangle 253">
-            <a:extLst>
-              <a:ext uri="{FF2B5EF4-FFF2-40B4-BE49-F238E27FC236}">
-                <a16:creationId xmlns:a16="http://schemas.microsoft.com/office/drawing/2014/main" id="{C9759C0C-F9B9-613F-8CE1-92D10340CF63}"/>
+          <p:cNvPr id="24" name="Rectangle 23">
+            <a:extLst>
+              <a:ext uri="{FF2B5EF4-FFF2-40B4-BE49-F238E27FC236}">
+                <a16:creationId xmlns:a16="http://schemas.microsoft.com/office/drawing/2014/main" id="{B5BF6523-6E0C-5390-EF75-7DF512FDC32A}"/>
               </a:ext>
             </a:extLst>
           </p:cNvPr>
@@ -34655,7 +34437,369 @@
         </p:nvSpPr>
         <p:spPr>
           <a:xfrm>
-            <a:off x="10209209" y="2209222"/>
+            <a:off x="6176490" y="2232410"/>
+            <a:ext cx="350196" cy="505838"/>
+          </a:xfrm>
+          <a:prstGeom prst="rect">
+            <a:avLst/>
+          </a:prstGeom>
+          <a:solidFill>
+            <a:srgbClr val="F9D999"/>
+          </a:solidFill>
+          <a:ln>
+            <a:noFill/>
+          </a:ln>
+        </p:spPr>
+        <p:style>
+          <a:lnRef idx="2">
+            <a:schemeClr val="accent1">
+              <a:shade val="15000"/>
+            </a:schemeClr>
+          </a:lnRef>
+          <a:fillRef idx="1">
+            <a:schemeClr val="accent1"/>
+          </a:fillRef>
+          <a:effectRef idx="0">
+            <a:schemeClr val="accent1"/>
+          </a:effectRef>
+          <a:fontRef idx="minor">
+            <a:schemeClr val="lt1"/>
+          </a:fontRef>
+        </p:style>
+        <p:txBody>
+          <a:bodyPr rtlCol="0" anchor="ctr"/>
+          <a:lstStyle/>
+          <a:p>
+            <a:pPr algn="ctr"/>
+            <a:endParaRPr lang="en-GB"/>
+          </a:p>
+        </p:txBody>
+      </p:sp>
+      <p:sp>
+        <p:nvSpPr>
+          <p:cNvPr id="25" name="Rectangle 24">
+            <a:extLst>
+              <a:ext uri="{FF2B5EF4-FFF2-40B4-BE49-F238E27FC236}">
+                <a16:creationId xmlns:a16="http://schemas.microsoft.com/office/drawing/2014/main" id="{52486157-74C4-D274-F4A4-8C2DE43AA3B2}"/>
+              </a:ext>
+            </a:extLst>
+          </p:cNvPr>
+          <p:cNvSpPr/>
+          <p:nvPr/>
+        </p:nvSpPr>
+        <p:spPr>
+          <a:xfrm>
+            <a:off x="6686633" y="2232410"/>
+            <a:ext cx="350196" cy="505838"/>
+          </a:xfrm>
+          <a:prstGeom prst="rect">
+            <a:avLst/>
+          </a:prstGeom>
+          <a:solidFill>
+            <a:srgbClr val="FFFBB3"/>
+          </a:solidFill>
+          <a:ln>
+            <a:noFill/>
+          </a:ln>
+        </p:spPr>
+        <p:style>
+          <a:lnRef idx="2">
+            <a:schemeClr val="accent1">
+              <a:shade val="15000"/>
+            </a:schemeClr>
+          </a:lnRef>
+          <a:fillRef idx="1">
+            <a:schemeClr val="accent1"/>
+          </a:fillRef>
+          <a:effectRef idx="0">
+            <a:schemeClr val="accent1"/>
+          </a:effectRef>
+          <a:fontRef idx="minor">
+            <a:schemeClr val="lt1"/>
+          </a:fontRef>
+        </p:style>
+        <p:txBody>
+          <a:bodyPr rtlCol="0" anchor="ctr"/>
+          <a:lstStyle/>
+          <a:p>
+            <a:pPr algn="ctr"/>
+            <a:endParaRPr lang="en-GB" dirty="0"/>
+          </a:p>
+        </p:txBody>
+      </p:sp>
+      <p:sp>
+        <p:nvSpPr>
+          <p:cNvPr id="28" name="Rectangle 27">
+            <a:extLst>
+              <a:ext uri="{FF2B5EF4-FFF2-40B4-BE49-F238E27FC236}">
+                <a16:creationId xmlns:a16="http://schemas.microsoft.com/office/drawing/2014/main" id="{675012A3-1B97-D127-38F1-D2B0CAEF163D}"/>
+              </a:ext>
+            </a:extLst>
+          </p:cNvPr>
+          <p:cNvSpPr/>
+          <p:nvPr/>
+        </p:nvSpPr>
+        <p:spPr>
+          <a:xfrm>
+            <a:off x="7196776" y="2232410"/>
+            <a:ext cx="350196" cy="505838"/>
+          </a:xfrm>
+          <a:prstGeom prst="rect">
+            <a:avLst/>
+          </a:prstGeom>
+          <a:solidFill>
+            <a:schemeClr val="accent6">
+              <a:lumMod val="40000"/>
+              <a:lumOff val="60000"/>
+            </a:schemeClr>
+          </a:solidFill>
+          <a:ln>
+            <a:noFill/>
+          </a:ln>
+        </p:spPr>
+        <p:style>
+          <a:lnRef idx="2">
+            <a:schemeClr val="accent1">
+              <a:shade val="15000"/>
+            </a:schemeClr>
+          </a:lnRef>
+          <a:fillRef idx="1">
+            <a:schemeClr val="accent1"/>
+          </a:fillRef>
+          <a:effectRef idx="0">
+            <a:schemeClr val="accent1"/>
+          </a:effectRef>
+          <a:fontRef idx="minor">
+            <a:schemeClr val="lt1"/>
+          </a:fontRef>
+        </p:style>
+        <p:txBody>
+          <a:bodyPr rtlCol="0" anchor="ctr"/>
+          <a:lstStyle/>
+          <a:p>
+            <a:pPr algn="ctr"/>
+            <a:endParaRPr lang="en-GB"/>
+          </a:p>
+        </p:txBody>
+      </p:sp>
+      <p:cxnSp>
+        <p:nvCxnSpPr>
+          <p:cNvPr id="53" name="Straight Arrow Connector 52">
+            <a:extLst>
+              <a:ext uri="{FF2B5EF4-FFF2-40B4-BE49-F238E27FC236}">
+                <a16:creationId xmlns:a16="http://schemas.microsoft.com/office/drawing/2014/main" id="{26E75D61-5BCC-2288-D4C0-1607CE67D74C}"/>
+              </a:ext>
+            </a:extLst>
+          </p:cNvPr>
+          <p:cNvCxnSpPr>
+            <a:cxnSpLocks/>
+          </p:cNvCxnSpPr>
+          <p:nvPr/>
+        </p:nvCxnSpPr>
+        <p:spPr>
+          <a:xfrm>
+            <a:off x="7725325" y="2511833"/>
+            <a:ext cx="597590" cy="0"/>
+          </a:xfrm>
+          <a:prstGeom prst="straightConnector1">
+            <a:avLst/>
+          </a:prstGeom>
+          <a:ln w="57150">
+            <a:solidFill>
+              <a:schemeClr val="tx1">
+                <a:lumMod val="50000"/>
+                <a:lumOff val="50000"/>
+              </a:schemeClr>
+            </a:solidFill>
+            <a:tailEnd type="triangle"/>
+          </a:ln>
+        </p:spPr>
+        <p:style>
+          <a:lnRef idx="1">
+            <a:schemeClr val="accent1"/>
+          </a:lnRef>
+          <a:fillRef idx="0">
+            <a:schemeClr val="accent1"/>
+          </a:fillRef>
+          <a:effectRef idx="0">
+            <a:schemeClr val="accent1"/>
+          </a:effectRef>
+          <a:fontRef idx="minor">
+            <a:schemeClr val="tx1"/>
+          </a:fontRef>
+        </p:style>
+      </p:cxnSp>
+      <p:sp>
+        <p:nvSpPr>
+          <p:cNvPr id="55" name="Rectangle 54">
+            <a:extLst>
+              <a:ext uri="{FF2B5EF4-FFF2-40B4-BE49-F238E27FC236}">
+                <a16:creationId xmlns:a16="http://schemas.microsoft.com/office/drawing/2014/main" id="{A1A74C33-DAC3-5328-A8CD-FC58FBCE3DD1}"/>
+              </a:ext>
+            </a:extLst>
+          </p:cNvPr>
+          <p:cNvSpPr/>
+          <p:nvPr/>
+        </p:nvSpPr>
+        <p:spPr>
+          <a:xfrm>
+            <a:off x="7864645" y="2165782"/>
+            <a:ext cx="195142" cy="280599"/>
+          </a:xfrm>
+          <a:prstGeom prst="rect">
+            <a:avLst/>
+          </a:prstGeom>
+          <a:solidFill>
+            <a:srgbClr val="F9D999"/>
+          </a:solidFill>
+          <a:ln>
+            <a:noFill/>
+          </a:ln>
+        </p:spPr>
+        <p:style>
+          <a:lnRef idx="2">
+            <a:schemeClr val="accent1">
+              <a:shade val="15000"/>
+            </a:schemeClr>
+          </a:lnRef>
+          <a:fillRef idx="1">
+            <a:schemeClr val="accent1"/>
+          </a:fillRef>
+          <a:effectRef idx="0">
+            <a:schemeClr val="accent1"/>
+          </a:effectRef>
+          <a:fontRef idx="minor">
+            <a:schemeClr val="lt1"/>
+          </a:fontRef>
+        </p:style>
+        <p:txBody>
+          <a:bodyPr rtlCol="0" anchor="ctr"/>
+          <a:lstStyle/>
+          <a:p>
+            <a:pPr algn="ctr"/>
+            <a:endParaRPr lang="en-GB"/>
+          </a:p>
+        </p:txBody>
+      </p:sp>
+      <p:sp>
+        <p:nvSpPr>
+          <p:cNvPr id="70" name="TextBox 69">
+            <a:extLst>
+              <a:ext uri="{FF2B5EF4-FFF2-40B4-BE49-F238E27FC236}">
+                <a16:creationId xmlns:a16="http://schemas.microsoft.com/office/drawing/2014/main" id="{C01F707C-96D0-B5DE-3610-67AA72E3B078}"/>
+              </a:ext>
+            </a:extLst>
+          </p:cNvPr>
+          <p:cNvSpPr txBox="1"/>
+          <p:nvPr/>
+        </p:nvSpPr>
+        <p:spPr>
+          <a:xfrm>
+            <a:off x="8473041" y="2219445"/>
+            <a:ext cx="1130085" cy="584775"/>
+          </a:xfrm>
+          <a:prstGeom prst="rect">
+            <a:avLst/>
+          </a:prstGeom>
+          <a:noFill/>
+        </p:spPr>
+        <p:txBody>
+          <a:bodyPr wrap="square" rtlCol="0">
+            <a:spAutoFit/>
+          </a:bodyPr>
+          <a:lstStyle/>
+          <a:p>
+            <a:r>
+              <a:rPr lang="en-US" altLang="zh-TW" sz="3200" b="1" dirty="0">
+                <a:solidFill>
+                  <a:schemeClr val="tx1">
+                    <a:lumMod val="50000"/>
+                    <a:lumOff val="50000"/>
+                  </a:schemeClr>
+                </a:solidFill>
+                <a:latin typeface="微軟正黑體" panose="020B0604030504040204" pitchFamily="34" charset="-120"/>
+                <a:ea typeface="微軟正黑體" panose="020B0604030504040204" pitchFamily="34" charset="-120"/>
+              </a:rPr>
+              <a:t>FTFF</a:t>
+            </a:r>
+            <a:endParaRPr lang="en-GB" sz="3200" b="1" dirty="0">
+              <a:solidFill>
+                <a:schemeClr val="tx1">
+                  <a:lumMod val="50000"/>
+                  <a:lumOff val="50000"/>
+                </a:schemeClr>
+              </a:solidFill>
+              <a:latin typeface="微軟正黑體" panose="020B0604030504040204" pitchFamily="34" charset="-120"/>
+              <a:ea typeface="微軟正黑體" panose="020B0604030504040204" pitchFamily="34" charset="-120"/>
+            </a:endParaRPr>
+          </a:p>
+        </p:txBody>
+      </p:sp>
+      <p:sp>
+        <p:nvSpPr>
+          <p:cNvPr id="71" name="Rectangle 70">
+            <a:extLst>
+              <a:ext uri="{FF2B5EF4-FFF2-40B4-BE49-F238E27FC236}">
+                <a16:creationId xmlns:a16="http://schemas.microsoft.com/office/drawing/2014/main" id="{17DB9A34-E342-761E-4213-D43053FAD372}"/>
+              </a:ext>
+            </a:extLst>
+          </p:cNvPr>
+          <p:cNvSpPr/>
+          <p:nvPr/>
+        </p:nvSpPr>
+        <p:spPr>
+          <a:xfrm>
+            <a:off x="4007058" y="2196978"/>
+            <a:ext cx="6234557" cy="721491"/>
+          </a:xfrm>
+          <a:prstGeom prst="rect">
+            <a:avLst/>
+          </a:prstGeom>
+          <a:noFill/>
+          <a:ln>
+            <a:noFill/>
+          </a:ln>
+        </p:spPr>
+        <p:style>
+          <a:lnRef idx="2">
+            <a:schemeClr val="accent1">
+              <a:shade val="15000"/>
+            </a:schemeClr>
+          </a:lnRef>
+          <a:fillRef idx="1">
+            <a:schemeClr val="accent1"/>
+          </a:fillRef>
+          <a:effectRef idx="0">
+            <a:schemeClr val="accent1"/>
+          </a:effectRef>
+          <a:fontRef idx="minor">
+            <a:schemeClr val="lt1"/>
+          </a:fontRef>
+        </p:style>
+        <p:txBody>
+          <a:bodyPr rtlCol="0" anchor="ctr"/>
+          <a:lstStyle/>
+          <a:p>
+            <a:pPr algn="ctr"/>
+            <a:endParaRPr lang="en-GB"/>
+          </a:p>
+        </p:txBody>
+      </p:sp>
+      <p:sp>
+        <p:nvSpPr>
+          <p:cNvPr id="72" name="Rectangle 71">
+            <a:extLst>
+              <a:ext uri="{FF2B5EF4-FFF2-40B4-BE49-F238E27FC236}">
+                <a16:creationId xmlns:a16="http://schemas.microsoft.com/office/drawing/2014/main" id="{92E9D97E-5308-2BBC-6ED3-06FB9B82BCC6}"/>
+              </a:ext>
+            </a:extLst>
+          </p:cNvPr>
+          <p:cNvSpPr/>
+          <p:nvPr/>
+        </p:nvSpPr>
+        <p:spPr>
+          <a:xfrm>
+            <a:off x="4206922" y="2092715"/>
             <a:ext cx="6234557" cy="721491"/>
           </a:xfrm>
           <a:prstGeom prst="rect">

--- a/figure/figure.pptx
+++ b/figure/figure.pptx
@@ -12,6 +12,7 @@
     <p:sldId id="259" r:id="rId6"/>
     <p:sldId id="260" r:id="rId7"/>
     <p:sldId id="262" r:id="rId8"/>
+    <p:sldId id="263" r:id="rId9"/>
   </p:sldIdLst>
   <p:sldSz cx="12192000" cy="6858000"/>
   <p:notesSz cx="6858000" cy="9144000"/>
@@ -121,7 +122,7 @@
 <file path=ppt/revisionInfo.xml><?xml version="1.0" encoding="utf-8"?>
 <p1510:revInfo xmlns:a="http://schemas.openxmlformats.org/drawingml/2006/main" xmlns:r="http://schemas.openxmlformats.org/officeDocument/2006/relationships" xmlns:p1510="http://schemas.microsoft.com/office/powerpoint/2015/10/main">
   <p1510:revLst>
-    <p1510:client id="{E564DA1F-E2FD-475F-919F-BD2F09682F78}" v="323" dt="2024-01-24T10:19:42.582"/>
+    <p1510:client id="{E564DA1F-E2FD-475F-919F-BD2F09682F78}" v="339" dt="2024-01-25T00:07:15.518"/>
   </p1510:revLst>
 </p1510:revInfo>
 </file>
@@ -130,8 +131,8 @@
 <pc:chgInfo xmlns:a="http://schemas.openxmlformats.org/drawingml/2006/main" xmlns:r="http://schemas.openxmlformats.org/officeDocument/2006/relationships" xmlns:ac="http://schemas.microsoft.com/office/drawing/2013/main/command" xmlns:pc="http://schemas.microsoft.com/office/powerpoint/2013/main/command">
   <pc:docChgLst>
     <pc:chgData name="Chia-jung Yeh" userId="f328d6f4-0757-42dc-943f-c4685e047ee8" providerId="ADAL" clId="{E564DA1F-E2FD-475F-919F-BD2F09682F78}"/>
-    <pc:docChg chg="undo redo custSel addSld modSld">
-      <pc:chgData name="Chia-jung Yeh" userId="f328d6f4-0757-42dc-943f-c4685e047ee8" providerId="ADAL" clId="{E564DA1F-E2FD-475F-919F-BD2F09682F78}" dt="2024-01-24T10:19:44.631" v="1895" actId="1076"/>
+    <pc:docChg chg="undo redo custSel addSld delSld modSld">
+      <pc:chgData name="Chia-jung Yeh" userId="f328d6f4-0757-42dc-943f-c4685e047ee8" providerId="ADAL" clId="{E564DA1F-E2FD-475F-919F-BD2F09682F78}" dt="2024-01-25T00:07:15.518" v="2177" actId="571"/>
       <pc:docMkLst>
         <pc:docMk/>
       </pc:docMkLst>
@@ -4551,6 +4552,395 @@
             <ac:cxnSpMk id="230" creationId="{FBC665CE-C076-05A8-49B7-516987614D9B}"/>
           </ac:cxnSpMkLst>
         </pc:cxnChg>
+      </pc:sldChg>
+      <pc:sldChg chg="addSp delSp modSp new mod">
+        <pc:chgData name="Chia-jung Yeh" userId="f328d6f4-0757-42dc-943f-c4685e047ee8" providerId="ADAL" clId="{E564DA1F-E2FD-475F-919F-BD2F09682F78}" dt="2024-01-25T00:07:15.518" v="2177" actId="571"/>
+        <pc:sldMkLst>
+          <pc:docMk/>
+          <pc:sldMk cId="3709921384" sldId="263"/>
+        </pc:sldMkLst>
+        <pc:spChg chg="del">
+          <ac:chgData name="Chia-jung Yeh" userId="f328d6f4-0757-42dc-943f-c4685e047ee8" providerId="ADAL" clId="{E564DA1F-E2FD-475F-919F-BD2F09682F78}" dt="2024-01-24T23:37:33.692" v="1899" actId="478"/>
+          <ac:spMkLst>
+            <pc:docMk/>
+            <pc:sldMk cId="3709921384" sldId="263"/>
+            <ac:spMk id="2" creationId="{7DD403E7-E5DD-565F-4EA9-101D40256089}"/>
+          </ac:spMkLst>
+        </pc:spChg>
+        <pc:spChg chg="del">
+          <ac:chgData name="Chia-jung Yeh" userId="f328d6f4-0757-42dc-943f-c4685e047ee8" providerId="ADAL" clId="{E564DA1F-E2FD-475F-919F-BD2F09682F78}" dt="2024-01-24T23:37:33.692" v="1899" actId="478"/>
+          <ac:spMkLst>
+            <pc:docMk/>
+            <pc:sldMk cId="3709921384" sldId="263"/>
+            <ac:spMk id="3" creationId="{24620B1F-38DB-4BE9-BF7A-55F0F5F67A75}"/>
+          </ac:spMkLst>
+        </pc:spChg>
+        <pc:spChg chg="add mod">
+          <ac:chgData name="Chia-jung Yeh" userId="f328d6f4-0757-42dc-943f-c4685e047ee8" providerId="ADAL" clId="{E564DA1F-E2FD-475F-919F-BD2F09682F78}" dt="2024-01-24T23:53:15.802" v="2123" actId="1035"/>
+          <ac:spMkLst>
+            <pc:docMk/>
+            <pc:sldMk cId="3709921384" sldId="263"/>
+            <ac:spMk id="4" creationId="{ED158466-DFF1-670C-CD14-3ED7516F4527}"/>
+          </ac:spMkLst>
+        </pc:spChg>
+        <pc:spChg chg="add mod">
+          <ac:chgData name="Chia-jung Yeh" userId="f328d6f4-0757-42dc-943f-c4685e047ee8" providerId="ADAL" clId="{E564DA1F-E2FD-475F-919F-BD2F09682F78}" dt="2024-01-24T23:53:15.802" v="2123" actId="1035"/>
+          <ac:spMkLst>
+            <pc:docMk/>
+            <pc:sldMk cId="3709921384" sldId="263"/>
+            <ac:spMk id="5" creationId="{91A7630F-49C7-B611-6098-8132ACDEEB2F}"/>
+          </ac:spMkLst>
+        </pc:spChg>
+        <pc:spChg chg="add mod">
+          <ac:chgData name="Chia-jung Yeh" userId="f328d6f4-0757-42dc-943f-c4685e047ee8" providerId="ADAL" clId="{E564DA1F-E2FD-475F-919F-BD2F09682F78}" dt="2024-01-24T23:53:15.802" v="2123" actId="1035"/>
+          <ac:spMkLst>
+            <pc:docMk/>
+            <pc:sldMk cId="3709921384" sldId="263"/>
+            <ac:spMk id="20" creationId="{3309C5BF-3590-9976-9CA9-D67EB6F61330}"/>
+          </ac:spMkLst>
+        </pc:spChg>
+        <pc:spChg chg="add mod">
+          <ac:chgData name="Chia-jung Yeh" userId="f328d6f4-0757-42dc-943f-c4685e047ee8" providerId="ADAL" clId="{E564DA1F-E2FD-475F-919F-BD2F09682F78}" dt="2024-01-24T23:53:15.802" v="2123" actId="1035"/>
+          <ac:spMkLst>
+            <pc:docMk/>
+            <pc:sldMk cId="3709921384" sldId="263"/>
+            <ac:spMk id="25" creationId="{2D745644-2BBD-6E5F-72B5-0EB6C2DA9DBE}"/>
+          </ac:spMkLst>
+        </pc:spChg>
+        <pc:spChg chg="add mod">
+          <ac:chgData name="Chia-jung Yeh" userId="f328d6f4-0757-42dc-943f-c4685e047ee8" providerId="ADAL" clId="{E564DA1F-E2FD-475F-919F-BD2F09682F78}" dt="2024-01-24T23:46:46.663" v="1986" actId="571"/>
+          <ac:spMkLst>
+            <pc:docMk/>
+            <pc:sldMk cId="3709921384" sldId="263"/>
+            <ac:spMk id="26" creationId="{176FFD58-974A-2DF2-8F7D-6C2AC9A24007}"/>
+          </ac:spMkLst>
+        </pc:spChg>
+        <pc:spChg chg="add mod">
+          <ac:chgData name="Chia-jung Yeh" userId="f328d6f4-0757-42dc-943f-c4685e047ee8" providerId="ADAL" clId="{E564DA1F-E2FD-475F-919F-BD2F09682F78}" dt="2024-01-24T23:46:46.663" v="1986" actId="571"/>
+          <ac:spMkLst>
+            <pc:docMk/>
+            <pc:sldMk cId="3709921384" sldId="263"/>
+            <ac:spMk id="27" creationId="{8A9F6111-A6BB-A340-8C3F-8AEC1495461C}"/>
+          </ac:spMkLst>
+        </pc:spChg>
+        <pc:spChg chg="add mod">
+          <ac:chgData name="Chia-jung Yeh" userId="f328d6f4-0757-42dc-943f-c4685e047ee8" providerId="ADAL" clId="{E564DA1F-E2FD-475F-919F-BD2F09682F78}" dt="2024-01-24T23:46:46.663" v="1986" actId="571"/>
+          <ac:spMkLst>
+            <pc:docMk/>
+            <pc:sldMk cId="3709921384" sldId="263"/>
+            <ac:spMk id="30" creationId="{760F6CF7-5276-59F9-E7AE-C44AF5F75A82}"/>
+          </ac:spMkLst>
+        </pc:spChg>
+        <pc:spChg chg="add mod">
+          <ac:chgData name="Chia-jung Yeh" userId="f328d6f4-0757-42dc-943f-c4685e047ee8" providerId="ADAL" clId="{E564DA1F-E2FD-475F-919F-BD2F09682F78}" dt="2024-01-24T23:46:46.663" v="1986" actId="571"/>
+          <ac:spMkLst>
+            <pc:docMk/>
+            <pc:sldMk cId="3709921384" sldId="263"/>
+            <ac:spMk id="31" creationId="{AE7B031E-4FF1-D075-E92B-6B25336BB7A1}"/>
+          </ac:spMkLst>
+        </pc:spChg>
+        <pc:spChg chg="add mod">
+          <ac:chgData name="Chia-jung Yeh" userId="f328d6f4-0757-42dc-943f-c4685e047ee8" providerId="ADAL" clId="{E564DA1F-E2FD-475F-919F-BD2F09682F78}" dt="2024-01-24T23:53:15.802" v="2123" actId="1035"/>
+          <ac:spMkLst>
+            <pc:docMk/>
+            <pc:sldMk cId="3709921384" sldId="263"/>
+            <ac:spMk id="33" creationId="{F58BDD34-D135-342B-0133-6BB735AF5D3E}"/>
+          </ac:spMkLst>
+        </pc:spChg>
+        <pc:spChg chg="add mod">
+          <ac:chgData name="Chia-jung Yeh" userId="f328d6f4-0757-42dc-943f-c4685e047ee8" providerId="ADAL" clId="{E564DA1F-E2FD-475F-919F-BD2F09682F78}" dt="2024-01-24T23:53:15.802" v="2123" actId="1035"/>
+          <ac:spMkLst>
+            <pc:docMk/>
+            <pc:sldMk cId="3709921384" sldId="263"/>
+            <ac:spMk id="34" creationId="{E6F063D8-096D-D83E-4F0C-8243EFE55B29}"/>
+          </ac:spMkLst>
+        </pc:spChg>
+        <pc:spChg chg="add mod">
+          <ac:chgData name="Chia-jung Yeh" userId="f328d6f4-0757-42dc-943f-c4685e047ee8" providerId="ADAL" clId="{E564DA1F-E2FD-475F-919F-BD2F09682F78}" dt="2024-01-24T23:53:15.802" v="2123" actId="1035"/>
+          <ac:spMkLst>
+            <pc:docMk/>
+            <pc:sldMk cId="3709921384" sldId="263"/>
+            <ac:spMk id="35" creationId="{FF585AB3-291E-593A-13CA-569D2B79734F}"/>
+          </ac:spMkLst>
+        </pc:spChg>
+        <pc:spChg chg="add mod">
+          <ac:chgData name="Chia-jung Yeh" userId="f328d6f4-0757-42dc-943f-c4685e047ee8" providerId="ADAL" clId="{E564DA1F-E2FD-475F-919F-BD2F09682F78}" dt="2024-01-24T23:53:15.802" v="2123" actId="1035"/>
+          <ac:spMkLst>
+            <pc:docMk/>
+            <pc:sldMk cId="3709921384" sldId="263"/>
+            <ac:spMk id="38" creationId="{AC2D5071-2C0C-B3AC-8401-29C04A677F6F}"/>
+          </ac:spMkLst>
+        </pc:spChg>
+        <pc:spChg chg="add mod">
+          <ac:chgData name="Chia-jung Yeh" userId="f328d6f4-0757-42dc-943f-c4685e047ee8" providerId="ADAL" clId="{E564DA1F-E2FD-475F-919F-BD2F09682F78}" dt="2024-01-24T23:53:15.802" v="2123" actId="1035"/>
+          <ac:spMkLst>
+            <pc:docMk/>
+            <pc:sldMk cId="3709921384" sldId="263"/>
+            <ac:spMk id="39" creationId="{42A662C4-3A76-2E0F-82B6-DAE0DB8226BD}"/>
+          </ac:spMkLst>
+        </pc:spChg>
+        <pc:spChg chg="add mod">
+          <ac:chgData name="Chia-jung Yeh" userId="f328d6f4-0757-42dc-943f-c4685e047ee8" providerId="ADAL" clId="{E564DA1F-E2FD-475F-919F-BD2F09682F78}" dt="2024-01-24T23:53:15.802" v="2123" actId="1035"/>
+          <ac:spMkLst>
+            <pc:docMk/>
+            <pc:sldMk cId="3709921384" sldId="263"/>
+            <ac:spMk id="41" creationId="{C46C2047-0073-7E1B-3E22-64C70596C4BA}"/>
+          </ac:spMkLst>
+        </pc:spChg>
+        <pc:spChg chg="add del mod">
+          <ac:chgData name="Chia-jung Yeh" userId="f328d6f4-0757-42dc-943f-c4685e047ee8" providerId="ADAL" clId="{E564DA1F-E2FD-475F-919F-BD2F09682F78}" dt="2024-01-25T00:07:12.719" v="2176" actId="478"/>
+          <ac:spMkLst>
+            <pc:docMk/>
+            <pc:sldMk cId="3709921384" sldId="263"/>
+            <ac:spMk id="47" creationId="{992C2604-DFE3-73EC-D5E4-1FE4C61A3B74}"/>
+          </ac:spMkLst>
+        </pc:spChg>
+        <pc:spChg chg="add mod">
+          <ac:chgData name="Chia-jung Yeh" userId="f328d6f4-0757-42dc-943f-c4685e047ee8" providerId="ADAL" clId="{E564DA1F-E2FD-475F-919F-BD2F09682F78}" dt="2024-01-24T23:53:41.660" v="2137" actId="1076"/>
+          <ac:spMkLst>
+            <pc:docMk/>
+            <pc:sldMk cId="3709921384" sldId="263"/>
+            <ac:spMk id="48" creationId="{EAEC731E-8F27-AEFD-BAA8-AF1B1129419C}"/>
+          </ac:spMkLst>
+        </pc:spChg>
+        <pc:spChg chg="add mod">
+          <ac:chgData name="Chia-jung Yeh" userId="f328d6f4-0757-42dc-943f-c4685e047ee8" providerId="ADAL" clId="{E564DA1F-E2FD-475F-919F-BD2F09682F78}" dt="2024-01-24T23:53:41.660" v="2137" actId="1076"/>
+          <ac:spMkLst>
+            <pc:docMk/>
+            <pc:sldMk cId="3709921384" sldId="263"/>
+            <ac:spMk id="49" creationId="{3D2D219B-535F-B1F7-47C5-F516A2C5DC28}"/>
+          </ac:spMkLst>
+        </pc:spChg>
+        <pc:spChg chg="add mod">
+          <ac:chgData name="Chia-jung Yeh" userId="f328d6f4-0757-42dc-943f-c4685e047ee8" providerId="ADAL" clId="{E564DA1F-E2FD-475F-919F-BD2F09682F78}" dt="2024-01-24T23:53:41.660" v="2137" actId="1076"/>
+          <ac:spMkLst>
+            <pc:docMk/>
+            <pc:sldMk cId="3709921384" sldId="263"/>
+            <ac:spMk id="52" creationId="{73C7CC8F-5B85-267B-A504-AB64A48BE139}"/>
+          </ac:spMkLst>
+        </pc:spChg>
+        <pc:spChg chg="add mod">
+          <ac:chgData name="Chia-jung Yeh" userId="f328d6f4-0757-42dc-943f-c4685e047ee8" providerId="ADAL" clId="{E564DA1F-E2FD-475F-919F-BD2F09682F78}" dt="2024-01-24T23:53:41.660" v="2137" actId="1076"/>
+          <ac:spMkLst>
+            <pc:docMk/>
+            <pc:sldMk cId="3709921384" sldId="263"/>
+            <ac:spMk id="53" creationId="{8AC92C1D-E639-A35F-478B-1C00AC8C6699}"/>
+          </ac:spMkLst>
+        </pc:spChg>
+        <pc:spChg chg="add mod">
+          <ac:chgData name="Chia-jung Yeh" userId="f328d6f4-0757-42dc-943f-c4685e047ee8" providerId="ADAL" clId="{E564DA1F-E2FD-475F-919F-BD2F09682F78}" dt="2024-01-24T23:53:41.660" v="2137" actId="1076"/>
+          <ac:spMkLst>
+            <pc:docMk/>
+            <pc:sldMk cId="3709921384" sldId="263"/>
+            <ac:spMk id="54" creationId="{41679924-4E54-796E-86FD-415168CE52F4}"/>
+          </ac:spMkLst>
+        </pc:spChg>
+        <pc:spChg chg="add mod">
+          <ac:chgData name="Chia-jung Yeh" userId="f328d6f4-0757-42dc-943f-c4685e047ee8" providerId="ADAL" clId="{E564DA1F-E2FD-475F-919F-BD2F09682F78}" dt="2024-01-24T23:53:41.660" v="2137" actId="1076"/>
+          <ac:spMkLst>
+            <pc:docMk/>
+            <pc:sldMk cId="3709921384" sldId="263"/>
+            <ac:spMk id="64" creationId="{0D45292A-C652-5E88-CE35-E262F2263822}"/>
+          </ac:spMkLst>
+        </pc:spChg>
+        <pc:spChg chg="add mod">
+          <ac:chgData name="Chia-jung Yeh" userId="f328d6f4-0757-42dc-943f-c4685e047ee8" providerId="ADAL" clId="{E564DA1F-E2FD-475F-919F-BD2F09682F78}" dt="2024-01-24T23:53:41.660" v="2137" actId="1076"/>
+          <ac:spMkLst>
+            <pc:docMk/>
+            <pc:sldMk cId="3709921384" sldId="263"/>
+            <ac:spMk id="68" creationId="{B742E9E9-E590-5F5E-FA43-0D7200867EA7}"/>
+          </ac:spMkLst>
+        </pc:spChg>
+        <pc:spChg chg="add mod">
+          <ac:chgData name="Chia-jung Yeh" userId="f328d6f4-0757-42dc-943f-c4685e047ee8" providerId="ADAL" clId="{E564DA1F-E2FD-475F-919F-BD2F09682F78}" dt="2024-01-24T23:53:41.660" v="2137" actId="1076"/>
+          <ac:spMkLst>
+            <pc:docMk/>
+            <pc:sldMk cId="3709921384" sldId="263"/>
+            <ac:spMk id="69" creationId="{D7B0EF1C-D1EA-F907-5204-D7E0B907D884}"/>
+          </ac:spMkLst>
+        </pc:spChg>
+        <pc:spChg chg="add mod">
+          <ac:chgData name="Chia-jung Yeh" userId="f328d6f4-0757-42dc-943f-c4685e047ee8" providerId="ADAL" clId="{E564DA1F-E2FD-475F-919F-BD2F09682F78}" dt="2024-01-24T23:53:41.660" v="2137" actId="1076"/>
+          <ac:spMkLst>
+            <pc:docMk/>
+            <pc:sldMk cId="3709921384" sldId="263"/>
+            <ac:spMk id="74" creationId="{052A85FE-20A6-5F69-AA7E-1329B7A10355}"/>
+          </ac:spMkLst>
+        </pc:spChg>
+        <pc:spChg chg="add mod">
+          <ac:chgData name="Chia-jung Yeh" userId="f328d6f4-0757-42dc-943f-c4685e047ee8" providerId="ADAL" clId="{E564DA1F-E2FD-475F-919F-BD2F09682F78}" dt="2024-01-24T23:50:36.238" v="2059" actId="14100"/>
+          <ac:spMkLst>
+            <pc:docMk/>
+            <pc:sldMk cId="3709921384" sldId="263"/>
+            <ac:spMk id="75" creationId="{DB928BE4-3A5B-0DA1-F148-8BF57042D3D7}"/>
+          </ac:spMkLst>
+        </pc:spChg>
+        <pc:spChg chg="add mod">
+          <ac:chgData name="Chia-jung Yeh" userId="f328d6f4-0757-42dc-943f-c4685e047ee8" providerId="ADAL" clId="{E564DA1F-E2FD-475F-919F-BD2F09682F78}" dt="2024-01-24T23:51:13.321" v="2061" actId="14100"/>
+          <ac:spMkLst>
+            <pc:docMk/>
+            <pc:sldMk cId="3709921384" sldId="263"/>
+            <ac:spMk id="76" creationId="{E24CCF30-FC8C-D65B-FE58-BB3B8D661153}"/>
+          </ac:spMkLst>
+        </pc:spChg>
+        <pc:spChg chg="add mod">
+          <ac:chgData name="Chia-jung Yeh" userId="f328d6f4-0757-42dc-943f-c4685e047ee8" providerId="ADAL" clId="{E564DA1F-E2FD-475F-919F-BD2F09682F78}" dt="2024-01-24T23:51:18.941" v="2063" actId="14100"/>
+          <ac:spMkLst>
+            <pc:docMk/>
+            <pc:sldMk cId="3709921384" sldId="263"/>
+            <ac:spMk id="77" creationId="{740A19F9-AB4E-FD7D-959C-7792230DC448}"/>
+          </ac:spMkLst>
+        </pc:spChg>
+        <pc:spChg chg="add mod">
+          <ac:chgData name="Chia-jung Yeh" userId="f328d6f4-0757-42dc-943f-c4685e047ee8" providerId="ADAL" clId="{E564DA1F-E2FD-475F-919F-BD2F09682F78}" dt="2024-01-24T23:53:25.315" v="2125" actId="14100"/>
+          <ac:spMkLst>
+            <pc:docMk/>
+            <pc:sldMk cId="3709921384" sldId="263"/>
+            <ac:spMk id="78" creationId="{BE6FFDAA-EC27-AC7E-61AF-2D4187B9E9A5}"/>
+          </ac:spMkLst>
+        </pc:spChg>
+        <pc:spChg chg="add mod">
+          <ac:chgData name="Chia-jung Yeh" userId="f328d6f4-0757-42dc-943f-c4685e047ee8" providerId="ADAL" clId="{E564DA1F-E2FD-475F-919F-BD2F09682F78}" dt="2024-01-24T23:56:08.451" v="2172" actId="14100"/>
+          <ac:spMkLst>
+            <pc:docMk/>
+            <pc:sldMk cId="3709921384" sldId="263"/>
+            <ac:spMk id="79" creationId="{AE44D553-B175-1110-B86C-B90C8D66FC36}"/>
+          </ac:spMkLst>
+        </pc:spChg>
+        <pc:spChg chg="add mod">
+          <ac:chgData name="Chia-jung Yeh" userId="f328d6f4-0757-42dc-943f-c4685e047ee8" providerId="ADAL" clId="{E564DA1F-E2FD-475F-919F-BD2F09682F78}" dt="2024-01-24T23:56:00.465" v="2168" actId="20577"/>
+          <ac:spMkLst>
+            <pc:docMk/>
+            <pc:sldMk cId="3709921384" sldId="263"/>
+            <ac:spMk id="80" creationId="{61514BF2-2103-A422-39E4-566CFFFCF12F}"/>
+          </ac:spMkLst>
+        </pc:spChg>
+        <pc:spChg chg="add mod ord">
+          <ac:chgData name="Chia-jung Yeh" userId="f328d6f4-0757-42dc-943f-c4685e047ee8" providerId="ADAL" clId="{E564DA1F-E2FD-475F-919F-BD2F09682F78}" dt="2024-01-24T23:54:15.143" v="2157" actId="207"/>
+          <ac:spMkLst>
+            <pc:docMk/>
+            <pc:sldMk cId="3709921384" sldId="263"/>
+            <ac:spMk id="81" creationId="{60EEE709-2F39-F45C-AAA1-359ABC959DAF}"/>
+          </ac:spMkLst>
+        </pc:spChg>
+        <pc:spChg chg="add mod">
+          <ac:chgData name="Chia-jung Yeh" userId="f328d6f4-0757-42dc-943f-c4685e047ee8" providerId="ADAL" clId="{E564DA1F-E2FD-475F-919F-BD2F09682F78}" dt="2024-01-25T00:07:15.518" v="2177" actId="571"/>
+          <ac:spMkLst>
+            <pc:docMk/>
+            <pc:sldMk cId="3709921384" sldId="263"/>
+            <ac:spMk id="82" creationId="{3E955372-718D-0AAB-4FDC-A73C7E6CDA2B}"/>
+          </ac:spMkLst>
+        </pc:spChg>
+        <pc:cxnChg chg="add mod">
+          <ac:chgData name="Chia-jung Yeh" userId="f328d6f4-0757-42dc-943f-c4685e047ee8" providerId="ADAL" clId="{E564DA1F-E2FD-475F-919F-BD2F09682F78}" dt="2024-01-24T23:53:15.802" v="2123" actId="1035"/>
+          <ac:cxnSpMkLst>
+            <pc:docMk/>
+            <pc:sldMk cId="3709921384" sldId="263"/>
+            <ac:cxnSpMk id="7" creationId="{0204FCC6-9DBF-CCAC-FD9A-90F38DBA7E2C}"/>
+          </ac:cxnSpMkLst>
+        </pc:cxnChg>
+        <pc:cxnChg chg="add mod">
+          <ac:chgData name="Chia-jung Yeh" userId="f328d6f4-0757-42dc-943f-c4685e047ee8" providerId="ADAL" clId="{E564DA1F-E2FD-475F-919F-BD2F09682F78}" dt="2024-01-24T23:53:15.802" v="2123" actId="1035"/>
+          <ac:cxnSpMkLst>
+            <pc:docMk/>
+            <pc:sldMk cId="3709921384" sldId="263"/>
+            <ac:cxnSpMk id="19" creationId="{07B6745C-4CE7-EEBC-F932-6132E2BD3C17}"/>
+          </ac:cxnSpMkLst>
+        </pc:cxnChg>
+        <pc:cxnChg chg="add mod">
+          <ac:chgData name="Chia-jung Yeh" userId="f328d6f4-0757-42dc-943f-c4685e047ee8" providerId="ADAL" clId="{E564DA1F-E2FD-475F-919F-BD2F09682F78}" dt="2024-01-24T23:46:46.663" v="1986" actId="571"/>
+          <ac:cxnSpMkLst>
+            <pc:docMk/>
+            <pc:sldMk cId="3709921384" sldId="263"/>
+            <ac:cxnSpMk id="28" creationId="{201232F7-B2B1-B358-EE1C-ECEBA60FCF90}"/>
+          </ac:cxnSpMkLst>
+        </pc:cxnChg>
+        <pc:cxnChg chg="add mod">
+          <ac:chgData name="Chia-jung Yeh" userId="f328d6f4-0757-42dc-943f-c4685e047ee8" providerId="ADAL" clId="{E564DA1F-E2FD-475F-919F-BD2F09682F78}" dt="2024-01-24T23:46:46.663" v="1986" actId="571"/>
+          <ac:cxnSpMkLst>
+            <pc:docMk/>
+            <pc:sldMk cId="3709921384" sldId="263"/>
+            <ac:cxnSpMk id="29" creationId="{783B7E19-D2D6-A6EC-10E0-E5F812A25A2B}"/>
+          </ac:cxnSpMkLst>
+        </pc:cxnChg>
+        <pc:cxnChg chg="add mod">
+          <ac:chgData name="Chia-jung Yeh" userId="f328d6f4-0757-42dc-943f-c4685e047ee8" providerId="ADAL" clId="{E564DA1F-E2FD-475F-919F-BD2F09682F78}" dt="2024-01-24T23:53:15.802" v="2123" actId="1035"/>
+          <ac:cxnSpMkLst>
+            <pc:docMk/>
+            <pc:sldMk cId="3709921384" sldId="263"/>
+            <ac:cxnSpMk id="32" creationId="{9DEAC3D7-2B67-4C90-EE79-47FB97C9A72D}"/>
+          </ac:cxnSpMkLst>
+        </pc:cxnChg>
+        <pc:cxnChg chg="add mod">
+          <ac:chgData name="Chia-jung Yeh" userId="f328d6f4-0757-42dc-943f-c4685e047ee8" providerId="ADAL" clId="{E564DA1F-E2FD-475F-919F-BD2F09682F78}" dt="2024-01-24T23:53:15.802" v="2123" actId="1035"/>
+          <ac:cxnSpMkLst>
+            <pc:docMk/>
+            <pc:sldMk cId="3709921384" sldId="263"/>
+            <ac:cxnSpMk id="36" creationId="{3A46EA2A-6CE7-4249-038B-B75F33575712}"/>
+          </ac:cxnSpMkLst>
+        </pc:cxnChg>
+        <pc:cxnChg chg="add mod">
+          <ac:chgData name="Chia-jung Yeh" userId="f328d6f4-0757-42dc-943f-c4685e047ee8" providerId="ADAL" clId="{E564DA1F-E2FD-475F-919F-BD2F09682F78}" dt="2024-01-24T23:53:15.802" v="2123" actId="1035"/>
+          <ac:cxnSpMkLst>
+            <pc:docMk/>
+            <pc:sldMk cId="3709921384" sldId="263"/>
+            <ac:cxnSpMk id="37" creationId="{07D31B23-117C-4751-F078-37A6F949C0CF}"/>
+          </ac:cxnSpMkLst>
+        </pc:cxnChg>
+        <pc:cxnChg chg="add mod">
+          <ac:chgData name="Chia-jung Yeh" userId="f328d6f4-0757-42dc-943f-c4685e047ee8" providerId="ADAL" clId="{E564DA1F-E2FD-475F-919F-BD2F09682F78}" dt="2024-01-24T23:53:41.660" v="2137" actId="1076"/>
+          <ac:cxnSpMkLst>
+            <pc:docMk/>
+            <pc:sldMk cId="3709921384" sldId="263"/>
+            <ac:cxnSpMk id="46" creationId="{87C5F75A-D830-A977-5C51-942E184142CA}"/>
+          </ac:cxnSpMkLst>
+        </pc:cxnChg>
+        <pc:cxnChg chg="add mod">
+          <ac:chgData name="Chia-jung Yeh" userId="f328d6f4-0757-42dc-943f-c4685e047ee8" providerId="ADAL" clId="{E564DA1F-E2FD-475F-919F-BD2F09682F78}" dt="2024-01-24T23:53:41.660" v="2137" actId="1076"/>
+          <ac:cxnSpMkLst>
+            <pc:docMk/>
+            <pc:sldMk cId="3709921384" sldId="263"/>
+            <ac:cxnSpMk id="50" creationId="{1EDE4069-F462-0891-75F7-A525A1C8626C}"/>
+          </ac:cxnSpMkLst>
+        </pc:cxnChg>
+        <pc:cxnChg chg="add mod">
+          <ac:chgData name="Chia-jung Yeh" userId="f328d6f4-0757-42dc-943f-c4685e047ee8" providerId="ADAL" clId="{E564DA1F-E2FD-475F-919F-BD2F09682F78}" dt="2024-01-24T23:53:41.660" v="2137" actId="1076"/>
+          <ac:cxnSpMkLst>
+            <pc:docMk/>
+            <pc:sldMk cId="3709921384" sldId="263"/>
+            <ac:cxnSpMk id="51" creationId="{08F157ED-14A8-8946-515D-8F8B6C13D06E}"/>
+          </ac:cxnSpMkLst>
+        </pc:cxnChg>
+        <pc:cxnChg chg="add mod">
+          <ac:chgData name="Chia-jung Yeh" userId="f328d6f4-0757-42dc-943f-c4685e047ee8" providerId="ADAL" clId="{E564DA1F-E2FD-475F-919F-BD2F09682F78}" dt="2024-01-24T23:53:41.660" v="2137" actId="1076"/>
+          <ac:cxnSpMkLst>
+            <pc:docMk/>
+            <pc:sldMk cId="3709921384" sldId="263"/>
+            <ac:cxnSpMk id="67" creationId="{B33C60E0-5F23-DFBD-6EB0-2AC02D564AFF}"/>
+          </ac:cxnSpMkLst>
+        </pc:cxnChg>
+        <pc:cxnChg chg="add mod">
+          <ac:chgData name="Chia-jung Yeh" userId="f328d6f4-0757-42dc-943f-c4685e047ee8" providerId="ADAL" clId="{E564DA1F-E2FD-475F-919F-BD2F09682F78}" dt="2024-01-24T23:53:41.660" v="2137" actId="1076"/>
+          <ac:cxnSpMkLst>
+            <pc:docMk/>
+            <pc:sldMk cId="3709921384" sldId="263"/>
+            <ac:cxnSpMk id="73" creationId="{3E4CFCC8-5EC6-830D-8BE0-3B8F049FC945}"/>
+          </ac:cxnSpMkLst>
+        </pc:cxnChg>
+      </pc:sldChg>
+      <pc:sldChg chg="new del">
+        <pc:chgData name="Chia-jung Yeh" userId="f328d6f4-0757-42dc-943f-c4685e047ee8" providerId="ADAL" clId="{E564DA1F-E2FD-475F-919F-BD2F09682F78}" dt="2024-01-24T23:53:58.577" v="2152" actId="680"/>
+        <pc:sldMkLst>
+          <pc:docMk/>
+          <pc:sldMk cId="1123329644" sldId="264"/>
+        </pc:sldMkLst>
+      </pc:sldChg>
+      <pc:sldChg chg="new del">
+        <pc:chgData name="Chia-jung Yeh" userId="f328d6f4-0757-42dc-943f-c4685e047ee8" providerId="ADAL" clId="{E564DA1F-E2FD-475F-919F-BD2F09682F78}" dt="2024-01-24T23:37:32.737" v="1898" actId="47"/>
+        <pc:sldMkLst>
+          <pc:docMk/>
+          <pc:sldMk cId="1775319654" sldId="264"/>
+        </pc:sldMkLst>
       </pc:sldChg>
     </pc:docChg>
   </pc:docChgLst>
@@ -4706,7 +5096,7 @@
           <a:p>
             <a:fld id="{26C311DF-3D0C-44AB-BEBF-692FE50B9137}" type="datetimeFigureOut">
               <a:rPr lang="en-GB" smtClean="0"/>
-              <a:t>24/01/2024</a:t>
+              <a:t>25/01/2024</a:t>
             </a:fld>
             <a:endParaRPr lang="en-GB"/>
           </a:p>
@@ -4906,7 +5296,7 @@
           <a:p>
             <a:fld id="{26C311DF-3D0C-44AB-BEBF-692FE50B9137}" type="datetimeFigureOut">
               <a:rPr lang="en-GB" smtClean="0"/>
-              <a:t>24/01/2024</a:t>
+              <a:t>25/01/2024</a:t>
             </a:fld>
             <a:endParaRPr lang="en-GB"/>
           </a:p>
@@ -5116,7 +5506,7 @@
           <a:p>
             <a:fld id="{26C311DF-3D0C-44AB-BEBF-692FE50B9137}" type="datetimeFigureOut">
               <a:rPr lang="en-GB" smtClean="0"/>
-              <a:t>24/01/2024</a:t>
+              <a:t>25/01/2024</a:t>
             </a:fld>
             <a:endParaRPr lang="en-GB"/>
           </a:p>
@@ -5316,7 +5706,7 @@
           <a:p>
             <a:fld id="{26C311DF-3D0C-44AB-BEBF-692FE50B9137}" type="datetimeFigureOut">
               <a:rPr lang="en-GB" smtClean="0"/>
-              <a:t>24/01/2024</a:t>
+              <a:t>25/01/2024</a:t>
             </a:fld>
             <a:endParaRPr lang="en-GB"/>
           </a:p>
@@ -5592,7 +5982,7 @@
           <a:p>
             <a:fld id="{26C311DF-3D0C-44AB-BEBF-692FE50B9137}" type="datetimeFigureOut">
               <a:rPr lang="en-GB" smtClean="0"/>
-              <a:t>24/01/2024</a:t>
+              <a:t>25/01/2024</a:t>
             </a:fld>
             <a:endParaRPr lang="en-GB"/>
           </a:p>
@@ -5860,7 +6250,7 @@
           <a:p>
             <a:fld id="{26C311DF-3D0C-44AB-BEBF-692FE50B9137}" type="datetimeFigureOut">
               <a:rPr lang="en-GB" smtClean="0"/>
-              <a:t>24/01/2024</a:t>
+              <a:t>25/01/2024</a:t>
             </a:fld>
             <a:endParaRPr lang="en-GB"/>
           </a:p>
@@ -6275,7 +6665,7 @@
           <a:p>
             <a:fld id="{26C311DF-3D0C-44AB-BEBF-692FE50B9137}" type="datetimeFigureOut">
               <a:rPr lang="en-GB" smtClean="0"/>
-              <a:t>24/01/2024</a:t>
+              <a:t>25/01/2024</a:t>
             </a:fld>
             <a:endParaRPr lang="en-GB"/>
           </a:p>
@@ -6417,7 +6807,7 @@
           <a:p>
             <a:fld id="{26C311DF-3D0C-44AB-BEBF-692FE50B9137}" type="datetimeFigureOut">
               <a:rPr lang="en-GB" smtClean="0"/>
-              <a:t>24/01/2024</a:t>
+              <a:t>25/01/2024</a:t>
             </a:fld>
             <a:endParaRPr lang="en-GB"/>
           </a:p>
@@ -6530,7 +6920,7 @@
           <a:p>
             <a:fld id="{26C311DF-3D0C-44AB-BEBF-692FE50B9137}" type="datetimeFigureOut">
               <a:rPr lang="en-GB" smtClean="0"/>
-              <a:t>24/01/2024</a:t>
+              <a:t>25/01/2024</a:t>
             </a:fld>
             <a:endParaRPr lang="en-GB"/>
           </a:p>
@@ -6843,7 +7233,7 @@
           <a:p>
             <a:fld id="{26C311DF-3D0C-44AB-BEBF-692FE50B9137}" type="datetimeFigureOut">
               <a:rPr lang="en-GB" smtClean="0"/>
-              <a:t>24/01/2024</a:t>
+              <a:t>25/01/2024</a:t>
             </a:fld>
             <a:endParaRPr lang="en-GB"/>
           </a:p>
@@ -7132,7 +7522,7 @@
           <a:p>
             <a:fld id="{26C311DF-3D0C-44AB-BEBF-692FE50B9137}" type="datetimeFigureOut">
               <a:rPr lang="en-GB" smtClean="0"/>
-              <a:t>24/01/2024</a:t>
+              <a:t>25/01/2024</a:t>
             </a:fld>
             <a:endParaRPr lang="en-GB"/>
           </a:p>
@@ -7375,7 +7765,7 @@
           <a:p>
             <a:fld id="{26C311DF-3D0C-44AB-BEBF-692FE50B9137}" type="datetimeFigureOut">
               <a:rPr lang="en-GB" smtClean="0"/>
-              <a:t>24/01/2024</a:t>
+              <a:t>25/01/2024</a:t>
             </a:fld>
             <a:endParaRPr lang="en-GB"/>
           </a:p>
@@ -34848,6 +35238,2129 @@
 </p:sld>
 </file>
 
+<file path=ppt/slides/slide8.xml><?xml version="1.0" encoding="utf-8"?>
+<p:sld xmlns:a="http://schemas.openxmlformats.org/drawingml/2006/main" xmlns:r="http://schemas.openxmlformats.org/officeDocument/2006/relationships" xmlns:p="http://schemas.openxmlformats.org/presentationml/2006/main">
+  <p:cSld>
+    <p:spTree>
+      <p:nvGrpSpPr>
+        <p:cNvPr id="1" name=""/>
+        <p:cNvGrpSpPr/>
+        <p:nvPr/>
+      </p:nvGrpSpPr>
+      <p:grpSpPr>
+        <a:xfrm>
+          <a:off x="0" y="0"/>
+          <a:ext cx="0" cy="0"/>
+          <a:chOff x="0" y="0"/>
+          <a:chExt cx="0" cy="0"/>
+        </a:xfrm>
+      </p:grpSpPr>
+      <p:sp>
+        <p:nvSpPr>
+          <p:cNvPr id="81" name="Rectangle 80">
+            <a:extLst>
+              <a:ext uri="{FF2B5EF4-FFF2-40B4-BE49-F238E27FC236}">
+                <a16:creationId xmlns:a16="http://schemas.microsoft.com/office/drawing/2014/main" id="{60EEE709-2F39-F45C-AAA1-359ABC959DAF}"/>
+              </a:ext>
+            </a:extLst>
+          </p:cNvPr>
+          <p:cNvSpPr/>
+          <p:nvPr/>
+        </p:nvSpPr>
+        <p:spPr>
+          <a:xfrm>
+            <a:off x="635917" y="447040"/>
+            <a:ext cx="6496400" cy="4874276"/>
+          </a:xfrm>
+          <a:prstGeom prst="rect">
+            <a:avLst/>
+          </a:prstGeom>
+          <a:solidFill>
+            <a:schemeClr val="bg1"/>
+          </a:solidFill>
+          <a:ln>
+            <a:noFill/>
+          </a:ln>
+        </p:spPr>
+        <p:style>
+          <a:lnRef idx="2">
+            <a:schemeClr val="accent1">
+              <a:shade val="15000"/>
+            </a:schemeClr>
+          </a:lnRef>
+          <a:fillRef idx="1">
+            <a:schemeClr val="accent1"/>
+          </a:fillRef>
+          <a:effectRef idx="0">
+            <a:schemeClr val="accent1"/>
+          </a:effectRef>
+          <a:fontRef idx="minor">
+            <a:schemeClr val="lt1"/>
+          </a:fontRef>
+        </p:style>
+        <p:txBody>
+          <a:bodyPr rtlCol="0" anchor="ctr"/>
+          <a:lstStyle/>
+          <a:p>
+            <a:pPr algn="ctr"/>
+            <a:endParaRPr lang="en-GB"/>
+          </a:p>
+        </p:txBody>
+      </p:sp>
+      <p:sp>
+        <p:nvSpPr>
+          <p:cNvPr id="4" name="Diamond 3">
+            <a:extLst>
+              <a:ext uri="{FF2B5EF4-FFF2-40B4-BE49-F238E27FC236}">
+                <a16:creationId xmlns:a16="http://schemas.microsoft.com/office/drawing/2014/main" id="{ED158466-DFF1-670C-CD14-3ED7516F4527}"/>
+              </a:ext>
+            </a:extLst>
+          </p:cNvPr>
+          <p:cNvSpPr/>
+          <p:nvPr/>
+        </p:nvSpPr>
+        <p:spPr>
+          <a:xfrm>
+            <a:off x="872031" y="1149118"/>
+            <a:ext cx="1789889" cy="607914"/>
+          </a:xfrm>
+          <a:prstGeom prst="diamond">
+            <a:avLst/>
+          </a:prstGeom>
+          <a:noFill/>
+          <a:ln w="19050">
+            <a:solidFill>
+              <a:schemeClr val="tx1">
+                <a:lumMod val="50000"/>
+                <a:lumOff val="50000"/>
+              </a:schemeClr>
+            </a:solidFill>
+          </a:ln>
+        </p:spPr>
+        <p:style>
+          <a:lnRef idx="2">
+            <a:schemeClr val="accent1">
+              <a:shade val="15000"/>
+            </a:schemeClr>
+          </a:lnRef>
+          <a:fillRef idx="1">
+            <a:schemeClr val="accent1"/>
+          </a:fillRef>
+          <a:effectRef idx="0">
+            <a:schemeClr val="accent1"/>
+          </a:effectRef>
+          <a:fontRef idx="minor">
+            <a:schemeClr val="lt1"/>
+          </a:fontRef>
+        </p:style>
+        <p:txBody>
+          <a:bodyPr rtlCol="0" anchor="ctr"/>
+          <a:lstStyle/>
+          <a:p>
+            <a:pPr algn="ctr"/>
+            <a:r>
+              <a:rPr lang="zh-TW" altLang="en-US" b="1" dirty="0">
+                <a:solidFill>
+                  <a:schemeClr val="tx1"/>
+                </a:solidFill>
+                <a:latin typeface="微軟正黑體" panose="020B0604030504040204" pitchFamily="34" charset="-120"/>
+                <a:ea typeface="微軟正黑體" panose="020B0604030504040204" pitchFamily="34" charset="-120"/>
+              </a:rPr>
+              <a:t>條件</a:t>
+            </a:r>
+            <a:endParaRPr lang="en-GB" b="1" dirty="0">
+              <a:solidFill>
+                <a:schemeClr val="tx1"/>
+              </a:solidFill>
+              <a:latin typeface="微軟正黑體" panose="020B0604030504040204" pitchFamily="34" charset="-120"/>
+              <a:ea typeface="微軟正黑體" panose="020B0604030504040204" pitchFamily="34" charset="-120"/>
+            </a:endParaRPr>
+          </a:p>
+        </p:txBody>
+      </p:sp>
+      <p:sp>
+        <p:nvSpPr>
+          <p:cNvPr id="5" name="Oval 4">
+            <a:extLst>
+              <a:ext uri="{FF2B5EF4-FFF2-40B4-BE49-F238E27FC236}">
+                <a16:creationId xmlns:a16="http://schemas.microsoft.com/office/drawing/2014/main" id="{91A7630F-49C7-B611-6098-8132ACDEEB2F}"/>
+              </a:ext>
+            </a:extLst>
+          </p:cNvPr>
+          <p:cNvSpPr/>
+          <p:nvPr/>
+        </p:nvSpPr>
+        <p:spPr>
+          <a:xfrm>
+            <a:off x="1623492" y="567499"/>
+            <a:ext cx="286968" cy="286968"/>
+          </a:xfrm>
+          <a:prstGeom prst="ellipse">
+            <a:avLst/>
+          </a:prstGeom>
+          <a:solidFill>
+            <a:schemeClr val="tx1">
+              <a:lumMod val="50000"/>
+              <a:lumOff val="50000"/>
+            </a:schemeClr>
+          </a:solidFill>
+          <a:ln>
+            <a:noFill/>
+          </a:ln>
+        </p:spPr>
+        <p:style>
+          <a:lnRef idx="2">
+            <a:schemeClr val="accent1">
+              <a:shade val="15000"/>
+            </a:schemeClr>
+          </a:lnRef>
+          <a:fillRef idx="1">
+            <a:schemeClr val="accent1"/>
+          </a:fillRef>
+          <a:effectRef idx="0">
+            <a:schemeClr val="accent1"/>
+          </a:effectRef>
+          <a:fontRef idx="minor">
+            <a:schemeClr val="lt1"/>
+          </a:fontRef>
+        </p:style>
+        <p:txBody>
+          <a:bodyPr rtlCol="0" anchor="ctr"/>
+          <a:lstStyle/>
+          <a:p>
+            <a:pPr algn="ctr"/>
+            <a:endParaRPr lang="en-GB"/>
+          </a:p>
+        </p:txBody>
+      </p:sp>
+      <p:cxnSp>
+        <p:nvCxnSpPr>
+          <p:cNvPr id="7" name="Straight Arrow Connector 6">
+            <a:extLst>
+              <a:ext uri="{FF2B5EF4-FFF2-40B4-BE49-F238E27FC236}">
+                <a16:creationId xmlns:a16="http://schemas.microsoft.com/office/drawing/2014/main" id="{0204FCC6-9DBF-CCAC-FD9A-90F38DBA7E2C}"/>
+              </a:ext>
+            </a:extLst>
+          </p:cNvPr>
+          <p:cNvCxnSpPr>
+            <a:cxnSpLocks/>
+            <a:stCxn id="5" idx="4"/>
+            <a:endCxn id="4" idx="0"/>
+          </p:cNvCxnSpPr>
+          <p:nvPr/>
+        </p:nvCxnSpPr>
+        <p:spPr>
+          <a:xfrm>
+            <a:off x="1766976" y="854467"/>
+            <a:ext cx="0" cy="294651"/>
+          </a:xfrm>
+          <a:prstGeom prst="straightConnector1">
+            <a:avLst/>
+          </a:prstGeom>
+          <a:ln w="28575">
+            <a:solidFill>
+              <a:schemeClr val="tx1">
+                <a:lumMod val="75000"/>
+                <a:lumOff val="25000"/>
+              </a:schemeClr>
+            </a:solidFill>
+            <a:tailEnd type="triangle"/>
+          </a:ln>
+        </p:spPr>
+        <p:style>
+          <a:lnRef idx="1">
+            <a:schemeClr val="accent1"/>
+          </a:lnRef>
+          <a:fillRef idx="0">
+            <a:schemeClr val="accent1"/>
+          </a:fillRef>
+          <a:effectRef idx="0">
+            <a:schemeClr val="accent1"/>
+          </a:effectRef>
+          <a:fontRef idx="minor">
+            <a:schemeClr val="tx1"/>
+          </a:fontRef>
+        </p:style>
+      </p:cxnSp>
+      <p:cxnSp>
+        <p:nvCxnSpPr>
+          <p:cNvPr id="19" name="Straight Arrow Connector 18">
+            <a:extLst>
+              <a:ext uri="{FF2B5EF4-FFF2-40B4-BE49-F238E27FC236}">
+                <a16:creationId xmlns:a16="http://schemas.microsoft.com/office/drawing/2014/main" id="{07B6745C-4CE7-EEBC-F932-6132E2BD3C17}"/>
+              </a:ext>
+            </a:extLst>
+          </p:cNvPr>
+          <p:cNvCxnSpPr>
+            <a:cxnSpLocks/>
+            <a:stCxn id="4" idx="2"/>
+            <a:endCxn id="20" idx="0"/>
+          </p:cNvCxnSpPr>
+          <p:nvPr/>
+        </p:nvCxnSpPr>
+        <p:spPr>
+          <a:xfrm flipH="1">
+            <a:off x="1766975" y="1757032"/>
+            <a:ext cx="1" cy="294651"/>
+          </a:xfrm>
+          <a:prstGeom prst="straightConnector1">
+            <a:avLst/>
+          </a:prstGeom>
+          <a:ln w="28575">
+            <a:solidFill>
+              <a:srgbClr val="00B050"/>
+            </a:solidFill>
+            <a:tailEnd type="triangle"/>
+          </a:ln>
+        </p:spPr>
+        <p:style>
+          <a:lnRef idx="1">
+            <a:schemeClr val="accent1"/>
+          </a:lnRef>
+          <a:fillRef idx="0">
+            <a:schemeClr val="accent1"/>
+          </a:fillRef>
+          <a:effectRef idx="0">
+            <a:schemeClr val="accent1"/>
+          </a:effectRef>
+          <a:fontRef idx="minor">
+            <a:schemeClr val="tx1"/>
+          </a:fontRef>
+        </p:style>
+      </p:cxnSp>
+      <p:sp>
+        <p:nvSpPr>
+          <p:cNvPr id="20" name="Rectangle: Rounded Corners 19">
+            <a:extLst>
+              <a:ext uri="{FF2B5EF4-FFF2-40B4-BE49-F238E27FC236}">
+                <a16:creationId xmlns:a16="http://schemas.microsoft.com/office/drawing/2014/main" id="{3309C5BF-3590-9976-9CA9-D67EB6F61330}"/>
+              </a:ext>
+            </a:extLst>
+          </p:cNvPr>
+          <p:cNvSpPr/>
+          <p:nvPr/>
+        </p:nvSpPr>
+        <p:spPr>
+          <a:xfrm>
+            <a:off x="1238655" y="2051683"/>
+            <a:ext cx="1056639" cy="434557"/>
+          </a:xfrm>
+          <a:prstGeom prst="roundRect">
+            <a:avLst/>
+          </a:prstGeom>
+          <a:solidFill>
+            <a:schemeClr val="accent6">
+              <a:lumMod val="20000"/>
+              <a:lumOff val="80000"/>
+            </a:schemeClr>
+          </a:solidFill>
+          <a:ln w="19050">
+            <a:solidFill>
+              <a:schemeClr val="tx1">
+                <a:lumMod val="50000"/>
+                <a:lumOff val="50000"/>
+              </a:schemeClr>
+            </a:solidFill>
+          </a:ln>
+        </p:spPr>
+        <p:style>
+          <a:lnRef idx="2">
+            <a:schemeClr val="accent1">
+              <a:shade val="15000"/>
+            </a:schemeClr>
+          </a:lnRef>
+          <a:fillRef idx="1">
+            <a:schemeClr val="accent1"/>
+          </a:fillRef>
+          <a:effectRef idx="0">
+            <a:schemeClr val="accent1"/>
+          </a:effectRef>
+          <a:fontRef idx="minor">
+            <a:schemeClr val="lt1"/>
+          </a:fontRef>
+        </p:style>
+        <p:txBody>
+          <a:bodyPr rtlCol="0" anchor="ctr"/>
+          <a:lstStyle/>
+          <a:p>
+            <a:pPr algn="ctr"/>
+            <a:r>
+              <a:rPr lang="zh-TW" altLang="en-US" sz="1600" b="1" dirty="0">
+                <a:solidFill>
+                  <a:schemeClr val="tx1"/>
+                </a:solidFill>
+                <a:latin typeface="微軟正黑體" panose="020B0604030504040204" pitchFamily="34" charset="-120"/>
+                <a:ea typeface="微軟正黑體" panose="020B0604030504040204" pitchFamily="34" charset="-120"/>
+              </a:rPr>
+              <a:t>執行程序</a:t>
+            </a:r>
+            <a:endParaRPr lang="en-GB" sz="1600" b="1" dirty="0">
+              <a:solidFill>
+                <a:schemeClr val="tx1"/>
+              </a:solidFill>
+              <a:latin typeface="微軟正黑體" panose="020B0604030504040204" pitchFamily="34" charset="-120"/>
+              <a:ea typeface="微軟正黑體" panose="020B0604030504040204" pitchFamily="34" charset="-120"/>
+            </a:endParaRPr>
+          </a:p>
+        </p:txBody>
+      </p:sp>
+      <p:sp>
+        <p:nvSpPr>
+          <p:cNvPr id="25" name="TextBox 24">
+            <a:extLst>
+              <a:ext uri="{FF2B5EF4-FFF2-40B4-BE49-F238E27FC236}">
+                <a16:creationId xmlns:a16="http://schemas.microsoft.com/office/drawing/2014/main" id="{2D745644-2BBD-6E5F-72B5-0EB6C2DA9DBE}"/>
+              </a:ext>
+            </a:extLst>
+          </p:cNvPr>
+          <p:cNvSpPr txBox="1"/>
+          <p:nvPr/>
+        </p:nvSpPr>
+        <p:spPr>
+          <a:xfrm>
+            <a:off x="1766974" y="1708895"/>
+            <a:ext cx="711200" cy="369332"/>
+          </a:xfrm>
+          <a:prstGeom prst="rect">
+            <a:avLst/>
+          </a:prstGeom>
+          <a:noFill/>
+        </p:spPr>
+        <p:txBody>
+          <a:bodyPr wrap="square">
+            <a:spAutoFit/>
+          </a:bodyPr>
+          <a:lstStyle/>
+          <a:p>
+            <a:pPr algn="ctr"/>
+            <a:r>
+              <a:rPr lang="en-US" altLang="zh-TW" sz="1800" b="1" kern="100" dirty="0">
+                <a:solidFill>
+                  <a:srgbClr val="00B050"/>
+                </a:solidFill>
+                <a:effectLst/>
+                <a:latin typeface="Consolas" panose="020B0609020204030204" pitchFamily="49" charset="0"/>
+                <a:ea typeface="標楷體" panose="03000509000000000000" pitchFamily="65" charset="-120"/>
+                <a:cs typeface="Times New Roman" panose="02020603050405020304" pitchFamily="18" charset="0"/>
+              </a:rPr>
+              <a:t>TRUE</a:t>
+            </a:r>
+            <a:endParaRPr lang="en-GB" dirty="0">
+              <a:solidFill>
+                <a:srgbClr val="00B050"/>
+              </a:solidFill>
+            </a:endParaRPr>
+          </a:p>
+        </p:txBody>
+      </p:sp>
+      <p:cxnSp>
+        <p:nvCxnSpPr>
+          <p:cNvPr id="32" name="Straight Arrow Connector 31">
+            <a:extLst>
+              <a:ext uri="{FF2B5EF4-FFF2-40B4-BE49-F238E27FC236}">
+                <a16:creationId xmlns:a16="http://schemas.microsoft.com/office/drawing/2014/main" id="{9DEAC3D7-2B67-4C90-EE79-47FB97C9A72D}"/>
+              </a:ext>
+            </a:extLst>
+          </p:cNvPr>
+          <p:cNvCxnSpPr>
+            <a:cxnSpLocks/>
+            <a:stCxn id="34" idx="3"/>
+            <a:endCxn id="41" idx="1"/>
+          </p:cNvCxnSpPr>
+          <p:nvPr/>
+        </p:nvCxnSpPr>
+        <p:spPr>
+          <a:xfrm>
+            <a:off x="5189491" y="1453075"/>
+            <a:ext cx="743300" cy="0"/>
+          </a:xfrm>
+          <a:prstGeom prst="straightConnector1">
+            <a:avLst/>
+          </a:prstGeom>
+          <a:ln w="28575">
+            <a:solidFill>
+              <a:srgbClr val="FF0000"/>
+            </a:solidFill>
+            <a:tailEnd type="triangle"/>
+          </a:ln>
+        </p:spPr>
+        <p:style>
+          <a:lnRef idx="1">
+            <a:schemeClr val="accent1"/>
+          </a:lnRef>
+          <a:fillRef idx="0">
+            <a:schemeClr val="accent1"/>
+          </a:fillRef>
+          <a:effectRef idx="0">
+            <a:schemeClr val="accent1"/>
+          </a:effectRef>
+          <a:fontRef idx="minor">
+            <a:schemeClr val="tx1"/>
+          </a:fontRef>
+        </p:style>
+      </p:cxnSp>
+      <p:sp>
+        <p:nvSpPr>
+          <p:cNvPr id="33" name="TextBox 32">
+            <a:extLst>
+              <a:ext uri="{FF2B5EF4-FFF2-40B4-BE49-F238E27FC236}">
+                <a16:creationId xmlns:a16="http://schemas.microsoft.com/office/drawing/2014/main" id="{F58BDD34-D135-342B-0133-6BB735AF5D3E}"/>
+              </a:ext>
+            </a:extLst>
+          </p:cNvPr>
+          <p:cNvSpPr txBox="1"/>
+          <p:nvPr/>
+        </p:nvSpPr>
+        <p:spPr>
+          <a:xfrm>
+            <a:off x="5032877" y="1426694"/>
+            <a:ext cx="899914" cy="369332"/>
+          </a:xfrm>
+          <a:prstGeom prst="rect">
+            <a:avLst/>
+          </a:prstGeom>
+          <a:noFill/>
+        </p:spPr>
+        <p:txBody>
+          <a:bodyPr wrap="square">
+            <a:spAutoFit/>
+          </a:bodyPr>
+          <a:lstStyle/>
+          <a:p>
+            <a:pPr algn="ctr"/>
+            <a:r>
+              <a:rPr lang="en-US" altLang="zh-TW" sz="1800" b="1" kern="100" dirty="0">
+                <a:solidFill>
+                  <a:srgbClr val="FF0000"/>
+                </a:solidFill>
+                <a:effectLst/>
+                <a:latin typeface="Consolas" panose="020B0609020204030204" pitchFamily="49" charset="0"/>
+                <a:ea typeface="標楷體" panose="03000509000000000000" pitchFamily="65" charset="-120"/>
+                <a:cs typeface="Times New Roman" panose="02020603050405020304" pitchFamily="18" charset="0"/>
+              </a:rPr>
+              <a:t>FALSE</a:t>
+            </a:r>
+            <a:endParaRPr lang="en-GB" dirty="0">
+              <a:solidFill>
+                <a:srgbClr val="FF0000"/>
+              </a:solidFill>
+            </a:endParaRPr>
+          </a:p>
+        </p:txBody>
+      </p:sp>
+      <p:sp>
+        <p:nvSpPr>
+          <p:cNvPr id="34" name="Diamond 33">
+            <a:extLst>
+              <a:ext uri="{FF2B5EF4-FFF2-40B4-BE49-F238E27FC236}">
+                <a16:creationId xmlns:a16="http://schemas.microsoft.com/office/drawing/2014/main" id="{E6F063D8-096D-D83E-4F0C-8243EFE55B29}"/>
+              </a:ext>
+            </a:extLst>
+          </p:cNvPr>
+          <p:cNvSpPr/>
+          <p:nvPr/>
+        </p:nvSpPr>
+        <p:spPr>
+          <a:xfrm>
+            <a:off x="3399602" y="1149118"/>
+            <a:ext cx="1789889" cy="607914"/>
+          </a:xfrm>
+          <a:prstGeom prst="diamond">
+            <a:avLst/>
+          </a:prstGeom>
+          <a:noFill/>
+          <a:ln w="19050">
+            <a:solidFill>
+              <a:schemeClr val="tx1">
+                <a:lumMod val="50000"/>
+                <a:lumOff val="50000"/>
+              </a:schemeClr>
+            </a:solidFill>
+          </a:ln>
+        </p:spPr>
+        <p:style>
+          <a:lnRef idx="2">
+            <a:schemeClr val="accent1">
+              <a:shade val="15000"/>
+            </a:schemeClr>
+          </a:lnRef>
+          <a:fillRef idx="1">
+            <a:schemeClr val="accent1"/>
+          </a:fillRef>
+          <a:effectRef idx="0">
+            <a:schemeClr val="accent1"/>
+          </a:effectRef>
+          <a:fontRef idx="minor">
+            <a:schemeClr val="lt1"/>
+          </a:fontRef>
+        </p:style>
+        <p:txBody>
+          <a:bodyPr rtlCol="0" anchor="ctr"/>
+          <a:lstStyle/>
+          <a:p>
+            <a:pPr algn="ctr"/>
+            <a:r>
+              <a:rPr lang="zh-TW" altLang="en-US" b="1" dirty="0">
+                <a:solidFill>
+                  <a:schemeClr val="tx1"/>
+                </a:solidFill>
+                <a:latin typeface="微軟正黑體" panose="020B0604030504040204" pitchFamily="34" charset="-120"/>
+                <a:ea typeface="微軟正黑體" panose="020B0604030504040204" pitchFamily="34" charset="-120"/>
+              </a:rPr>
+              <a:t>條件</a:t>
+            </a:r>
+            <a:endParaRPr lang="en-GB" b="1" dirty="0">
+              <a:solidFill>
+                <a:schemeClr val="tx1"/>
+              </a:solidFill>
+              <a:latin typeface="微軟正黑體" panose="020B0604030504040204" pitchFamily="34" charset="-120"/>
+              <a:ea typeface="微軟正黑體" panose="020B0604030504040204" pitchFamily="34" charset="-120"/>
+            </a:endParaRPr>
+          </a:p>
+        </p:txBody>
+      </p:sp>
+      <p:sp>
+        <p:nvSpPr>
+          <p:cNvPr id="35" name="Oval 34">
+            <a:extLst>
+              <a:ext uri="{FF2B5EF4-FFF2-40B4-BE49-F238E27FC236}">
+                <a16:creationId xmlns:a16="http://schemas.microsoft.com/office/drawing/2014/main" id="{FF585AB3-291E-593A-13CA-569D2B79734F}"/>
+              </a:ext>
+            </a:extLst>
+          </p:cNvPr>
+          <p:cNvSpPr/>
+          <p:nvPr/>
+        </p:nvSpPr>
+        <p:spPr>
+          <a:xfrm>
+            <a:off x="4151063" y="567499"/>
+            <a:ext cx="286968" cy="286968"/>
+          </a:xfrm>
+          <a:prstGeom prst="ellipse">
+            <a:avLst/>
+          </a:prstGeom>
+          <a:solidFill>
+            <a:schemeClr val="tx1">
+              <a:lumMod val="50000"/>
+              <a:lumOff val="50000"/>
+            </a:schemeClr>
+          </a:solidFill>
+          <a:ln>
+            <a:noFill/>
+          </a:ln>
+        </p:spPr>
+        <p:style>
+          <a:lnRef idx="2">
+            <a:schemeClr val="accent1">
+              <a:shade val="15000"/>
+            </a:schemeClr>
+          </a:lnRef>
+          <a:fillRef idx="1">
+            <a:schemeClr val="accent1"/>
+          </a:fillRef>
+          <a:effectRef idx="0">
+            <a:schemeClr val="accent1"/>
+          </a:effectRef>
+          <a:fontRef idx="minor">
+            <a:schemeClr val="lt1"/>
+          </a:fontRef>
+        </p:style>
+        <p:txBody>
+          <a:bodyPr rtlCol="0" anchor="ctr"/>
+          <a:lstStyle/>
+          <a:p>
+            <a:pPr algn="ctr"/>
+            <a:endParaRPr lang="en-GB"/>
+          </a:p>
+        </p:txBody>
+      </p:sp>
+      <p:cxnSp>
+        <p:nvCxnSpPr>
+          <p:cNvPr id="36" name="Straight Arrow Connector 35">
+            <a:extLst>
+              <a:ext uri="{FF2B5EF4-FFF2-40B4-BE49-F238E27FC236}">
+                <a16:creationId xmlns:a16="http://schemas.microsoft.com/office/drawing/2014/main" id="{3A46EA2A-6CE7-4249-038B-B75F33575712}"/>
+              </a:ext>
+            </a:extLst>
+          </p:cNvPr>
+          <p:cNvCxnSpPr>
+            <a:cxnSpLocks/>
+            <a:stCxn id="35" idx="4"/>
+            <a:endCxn id="34" idx="0"/>
+          </p:cNvCxnSpPr>
+          <p:nvPr/>
+        </p:nvCxnSpPr>
+        <p:spPr>
+          <a:xfrm>
+            <a:off x="4294547" y="854467"/>
+            <a:ext cx="0" cy="294651"/>
+          </a:xfrm>
+          <a:prstGeom prst="straightConnector1">
+            <a:avLst/>
+          </a:prstGeom>
+          <a:ln w="28575">
+            <a:solidFill>
+              <a:schemeClr val="tx1">
+                <a:lumMod val="75000"/>
+                <a:lumOff val="25000"/>
+              </a:schemeClr>
+            </a:solidFill>
+            <a:tailEnd type="triangle"/>
+          </a:ln>
+        </p:spPr>
+        <p:style>
+          <a:lnRef idx="1">
+            <a:schemeClr val="accent1"/>
+          </a:lnRef>
+          <a:fillRef idx="0">
+            <a:schemeClr val="accent1"/>
+          </a:fillRef>
+          <a:effectRef idx="0">
+            <a:schemeClr val="accent1"/>
+          </a:effectRef>
+          <a:fontRef idx="minor">
+            <a:schemeClr val="tx1"/>
+          </a:fontRef>
+        </p:style>
+      </p:cxnSp>
+      <p:cxnSp>
+        <p:nvCxnSpPr>
+          <p:cNvPr id="37" name="Straight Arrow Connector 36">
+            <a:extLst>
+              <a:ext uri="{FF2B5EF4-FFF2-40B4-BE49-F238E27FC236}">
+                <a16:creationId xmlns:a16="http://schemas.microsoft.com/office/drawing/2014/main" id="{07D31B23-117C-4751-F078-37A6F949C0CF}"/>
+              </a:ext>
+            </a:extLst>
+          </p:cNvPr>
+          <p:cNvCxnSpPr>
+            <a:cxnSpLocks/>
+            <a:stCxn id="34" idx="2"/>
+            <a:endCxn id="38" idx="0"/>
+          </p:cNvCxnSpPr>
+          <p:nvPr/>
+        </p:nvCxnSpPr>
+        <p:spPr>
+          <a:xfrm flipH="1">
+            <a:off x="4294546" y="1757032"/>
+            <a:ext cx="1" cy="294651"/>
+          </a:xfrm>
+          <a:prstGeom prst="straightConnector1">
+            <a:avLst/>
+          </a:prstGeom>
+          <a:ln w="28575">
+            <a:solidFill>
+              <a:srgbClr val="00B050"/>
+            </a:solidFill>
+            <a:tailEnd type="triangle"/>
+          </a:ln>
+        </p:spPr>
+        <p:style>
+          <a:lnRef idx="1">
+            <a:schemeClr val="accent1"/>
+          </a:lnRef>
+          <a:fillRef idx="0">
+            <a:schemeClr val="accent1"/>
+          </a:fillRef>
+          <a:effectRef idx="0">
+            <a:schemeClr val="accent1"/>
+          </a:effectRef>
+          <a:fontRef idx="minor">
+            <a:schemeClr val="tx1"/>
+          </a:fontRef>
+        </p:style>
+      </p:cxnSp>
+      <p:sp>
+        <p:nvSpPr>
+          <p:cNvPr id="38" name="Rectangle: Rounded Corners 37">
+            <a:extLst>
+              <a:ext uri="{FF2B5EF4-FFF2-40B4-BE49-F238E27FC236}">
+                <a16:creationId xmlns:a16="http://schemas.microsoft.com/office/drawing/2014/main" id="{AC2D5071-2C0C-B3AC-8401-29C04A677F6F}"/>
+              </a:ext>
+            </a:extLst>
+          </p:cNvPr>
+          <p:cNvSpPr/>
+          <p:nvPr/>
+        </p:nvSpPr>
+        <p:spPr>
+          <a:xfrm>
+            <a:off x="3766226" y="2051683"/>
+            <a:ext cx="1056639" cy="434557"/>
+          </a:xfrm>
+          <a:prstGeom prst="roundRect">
+            <a:avLst/>
+          </a:prstGeom>
+          <a:solidFill>
+            <a:schemeClr val="accent6">
+              <a:lumMod val="20000"/>
+              <a:lumOff val="80000"/>
+            </a:schemeClr>
+          </a:solidFill>
+          <a:ln w="19050">
+            <a:solidFill>
+              <a:schemeClr val="tx1">
+                <a:lumMod val="50000"/>
+                <a:lumOff val="50000"/>
+              </a:schemeClr>
+            </a:solidFill>
+          </a:ln>
+        </p:spPr>
+        <p:style>
+          <a:lnRef idx="2">
+            <a:schemeClr val="accent1">
+              <a:shade val="15000"/>
+            </a:schemeClr>
+          </a:lnRef>
+          <a:fillRef idx="1">
+            <a:schemeClr val="accent1"/>
+          </a:fillRef>
+          <a:effectRef idx="0">
+            <a:schemeClr val="accent1"/>
+          </a:effectRef>
+          <a:fontRef idx="minor">
+            <a:schemeClr val="lt1"/>
+          </a:fontRef>
+        </p:style>
+        <p:txBody>
+          <a:bodyPr rtlCol="0" anchor="ctr"/>
+          <a:lstStyle/>
+          <a:p>
+            <a:pPr algn="ctr"/>
+            <a:r>
+              <a:rPr lang="zh-TW" altLang="en-US" sz="1600" b="1" dirty="0">
+                <a:solidFill>
+                  <a:schemeClr val="tx1"/>
+                </a:solidFill>
+                <a:latin typeface="微軟正黑體" panose="020B0604030504040204" pitchFamily="34" charset="-120"/>
+                <a:ea typeface="微軟正黑體" panose="020B0604030504040204" pitchFamily="34" charset="-120"/>
+              </a:rPr>
+              <a:t>執行程序</a:t>
+            </a:r>
+            <a:endParaRPr lang="en-GB" sz="1600" b="1" dirty="0">
+              <a:solidFill>
+                <a:schemeClr val="tx1"/>
+              </a:solidFill>
+              <a:latin typeface="微軟正黑體" panose="020B0604030504040204" pitchFamily="34" charset="-120"/>
+              <a:ea typeface="微軟正黑體" panose="020B0604030504040204" pitchFamily="34" charset="-120"/>
+            </a:endParaRPr>
+          </a:p>
+        </p:txBody>
+      </p:sp>
+      <p:sp>
+        <p:nvSpPr>
+          <p:cNvPr id="39" name="TextBox 38">
+            <a:extLst>
+              <a:ext uri="{FF2B5EF4-FFF2-40B4-BE49-F238E27FC236}">
+                <a16:creationId xmlns:a16="http://schemas.microsoft.com/office/drawing/2014/main" id="{42A662C4-3A76-2E0F-82B6-DAE0DB8226BD}"/>
+              </a:ext>
+            </a:extLst>
+          </p:cNvPr>
+          <p:cNvSpPr txBox="1"/>
+          <p:nvPr/>
+        </p:nvSpPr>
+        <p:spPr>
+          <a:xfrm>
+            <a:off x="4294545" y="1708895"/>
+            <a:ext cx="711200" cy="369332"/>
+          </a:xfrm>
+          <a:prstGeom prst="rect">
+            <a:avLst/>
+          </a:prstGeom>
+          <a:noFill/>
+        </p:spPr>
+        <p:txBody>
+          <a:bodyPr wrap="square">
+            <a:spAutoFit/>
+          </a:bodyPr>
+          <a:lstStyle/>
+          <a:p>
+            <a:pPr algn="ctr"/>
+            <a:r>
+              <a:rPr lang="en-US" altLang="zh-TW" sz="1800" b="1" kern="100" dirty="0">
+                <a:solidFill>
+                  <a:srgbClr val="00B050"/>
+                </a:solidFill>
+                <a:effectLst/>
+                <a:latin typeface="Consolas" panose="020B0609020204030204" pitchFamily="49" charset="0"/>
+                <a:ea typeface="標楷體" panose="03000509000000000000" pitchFamily="65" charset="-120"/>
+                <a:cs typeface="Times New Roman" panose="02020603050405020304" pitchFamily="18" charset="0"/>
+              </a:rPr>
+              <a:t>TRUE</a:t>
+            </a:r>
+            <a:endParaRPr lang="en-GB" dirty="0">
+              <a:solidFill>
+                <a:srgbClr val="00B050"/>
+              </a:solidFill>
+            </a:endParaRPr>
+          </a:p>
+        </p:txBody>
+      </p:sp>
+      <p:sp>
+        <p:nvSpPr>
+          <p:cNvPr id="41" name="Rectangle: Rounded Corners 40">
+            <a:extLst>
+              <a:ext uri="{FF2B5EF4-FFF2-40B4-BE49-F238E27FC236}">
+                <a16:creationId xmlns:a16="http://schemas.microsoft.com/office/drawing/2014/main" id="{C46C2047-0073-7E1B-3E22-64C70596C4BA}"/>
+              </a:ext>
+            </a:extLst>
+          </p:cNvPr>
+          <p:cNvSpPr/>
+          <p:nvPr/>
+        </p:nvSpPr>
+        <p:spPr>
+          <a:xfrm>
+            <a:off x="5932791" y="1235796"/>
+            <a:ext cx="1056639" cy="434557"/>
+          </a:xfrm>
+          <a:prstGeom prst="roundRect">
+            <a:avLst/>
+          </a:prstGeom>
+          <a:solidFill>
+            <a:schemeClr val="accent2">
+              <a:lumMod val="20000"/>
+              <a:lumOff val="80000"/>
+            </a:schemeClr>
+          </a:solidFill>
+          <a:ln w="19050">
+            <a:solidFill>
+              <a:schemeClr val="tx1">
+                <a:lumMod val="50000"/>
+                <a:lumOff val="50000"/>
+              </a:schemeClr>
+            </a:solidFill>
+          </a:ln>
+        </p:spPr>
+        <p:style>
+          <a:lnRef idx="2">
+            <a:schemeClr val="accent1">
+              <a:shade val="15000"/>
+            </a:schemeClr>
+          </a:lnRef>
+          <a:fillRef idx="1">
+            <a:schemeClr val="accent1"/>
+          </a:fillRef>
+          <a:effectRef idx="0">
+            <a:schemeClr val="accent1"/>
+          </a:effectRef>
+          <a:fontRef idx="minor">
+            <a:schemeClr val="lt1"/>
+          </a:fontRef>
+        </p:style>
+        <p:txBody>
+          <a:bodyPr rtlCol="0" anchor="ctr"/>
+          <a:lstStyle/>
+          <a:p>
+            <a:pPr algn="ctr"/>
+            <a:r>
+              <a:rPr lang="zh-TW" altLang="en-US" sz="1600" b="1" dirty="0">
+                <a:solidFill>
+                  <a:schemeClr val="tx1"/>
+                </a:solidFill>
+                <a:latin typeface="微軟正黑體" panose="020B0604030504040204" pitchFamily="34" charset="-120"/>
+                <a:ea typeface="微軟正黑體" panose="020B0604030504040204" pitchFamily="34" charset="-120"/>
+              </a:rPr>
+              <a:t>執行程序</a:t>
+            </a:r>
+            <a:endParaRPr lang="en-GB" sz="1600" b="1" dirty="0">
+              <a:solidFill>
+                <a:schemeClr val="tx1"/>
+              </a:solidFill>
+              <a:latin typeface="微軟正黑體" panose="020B0604030504040204" pitchFamily="34" charset="-120"/>
+              <a:ea typeface="微軟正黑體" panose="020B0604030504040204" pitchFamily="34" charset="-120"/>
+            </a:endParaRPr>
+          </a:p>
+        </p:txBody>
+      </p:sp>
+      <p:cxnSp>
+        <p:nvCxnSpPr>
+          <p:cNvPr id="46" name="Straight Arrow Connector 45">
+            <a:extLst>
+              <a:ext uri="{FF2B5EF4-FFF2-40B4-BE49-F238E27FC236}">
+                <a16:creationId xmlns:a16="http://schemas.microsoft.com/office/drawing/2014/main" id="{87C5F75A-D830-A977-5C51-942E184142CA}"/>
+              </a:ext>
+            </a:extLst>
+          </p:cNvPr>
+          <p:cNvCxnSpPr>
+            <a:cxnSpLocks/>
+            <a:stCxn id="48" idx="3"/>
+            <a:endCxn id="64" idx="1"/>
+          </p:cNvCxnSpPr>
+          <p:nvPr/>
+        </p:nvCxnSpPr>
+        <p:spPr>
+          <a:xfrm>
+            <a:off x="2661918" y="3880724"/>
+            <a:ext cx="581070" cy="0"/>
+          </a:xfrm>
+          <a:prstGeom prst="straightConnector1">
+            <a:avLst/>
+          </a:prstGeom>
+          <a:ln w="28575">
+            <a:solidFill>
+              <a:srgbClr val="FF0000"/>
+            </a:solidFill>
+            <a:tailEnd type="triangle"/>
+          </a:ln>
+        </p:spPr>
+        <p:style>
+          <a:lnRef idx="1">
+            <a:schemeClr val="accent1"/>
+          </a:lnRef>
+          <a:fillRef idx="0">
+            <a:schemeClr val="accent1"/>
+          </a:fillRef>
+          <a:effectRef idx="0">
+            <a:schemeClr val="accent1"/>
+          </a:effectRef>
+          <a:fontRef idx="minor">
+            <a:schemeClr val="tx1"/>
+          </a:fontRef>
+        </p:style>
+      </p:cxnSp>
+      <p:sp>
+        <p:nvSpPr>
+          <p:cNvPr id="48" name="Diamond 47">
+            <a:extLst>
+              <a:ext uri="{FF2B5EF4-FFF2-40B4-BE49-F238E27FC236}">
+                <a16:creationId xmlns:a16="http://schemas.microsoft.com/office/drawing/2014/main" id="{EAEC731E-8F27-AEFD-BAA8-AF1B1129419C}"/>
+              </a:ext>
+            </a:extLst>
+          </p:cNvPr>
+          <p:cNvSpPr/>
+          <p:nvPr/>
+        </p:nvSpPr>
+        <p:spPr>
+          <a:xfrm>
+            <a:off x="872029" y="3576767"/>
+            <a:ext cx="1789889" cy="607914"/>
+          </a:xfrm>
+          <a:prstGeom prst="diamond">
+            <a:avLst/>
+          </a:prstGeom>
+          <a:noFill/>
+          <a:ln w="19050">
+            <a:solidFill>
+              <a:schemeClr val="tx1">
+                <a:lumMod val="50000"/>
+                <a:lumOff val="50000"/>
+              </a:schemeClr>
+            </a:solidFill>
+          </a:ln>
+        </p:spPr>
+        <p:style>
+          <a:lnRef idx="2">
+            <a:schemeClr val="accent1">
+              <a:shade val="15000"/>
+            </a:schemeClr>
+          </a:lnRef>
+          <a:fillRef idx="1">
+            <a:schemeClr val="accent1"/>
+          </a:fillRef>
+          <a:effectRef idx="0">
+            <a:schemeClr val="accent1"/>
+          </a:effectRef>
+          <a:fontRef idx="minor">
+            <a:schemeClr val="lt1"/>
+          </a:fontRef>
+        </p:style>
+        <p:txBody>
+          <a:bodyPr rtlCol="0" anchor="ctr"/>
+          <a:lstStyle/>
+          <a:p>
+            <a:pPr algn="ctr"/>
+            <a:r>
+              <a:rPr lang="zh-TW" altLang="en-US" b="1" dirty="0">
+                <a:solidFill>
+                  <a:schemeClr val="tx1"/>
+                </a:solidFill>
+                <a:latin typeface="微軟正黑體" panose="020B0604030504040204" pitchFamily="34" charset="-120"/>
+                <a:ea typeface="微軟正黑體" panose="020B0604030504040204" pitchFamily="34" charset="-120"/>
+              </a:rPr>
+              <a:t>條件</a:t>
+            </a:r>
+            <a:endParaRPr lang="en-GB" b="1" dirty="0">
+              <a:solidFill>
+                <a:schemeClr val="tx1"/>
+              </a:solidFill>
+              <a:latin typeface="微軟正黑體" panose="020B0604030504040204" pitchFamily="34" charset="-120"/>
+              <a:ea typeface="微軟正黑體" panose="020B0604030504040204" pitchFamily="34" charset="-120"/>
+            </a:endParaRPr>
+          </a:p>
+        </p:txBody>
+      </p:sp>
+      <p:sp>
+        <p:nvSpPr>
+          <p:cNvPr id="49" name="Oval 48">
+            <a:extLst>
+              <a:ext uri="{FF2B5EF4-FFF2-40B4-BE49-F238E27FC236}">
+                <a16:creationId xmlns:a16="http://schemas.microsoft.com/office/drawing/2014/main" id="{3D2D219B-535F-B1F7-47C5-F516A2C5DC28}"/>
+              </a:ext>
+            </a:extLst>
+          </p:cNvPr>
+          <p:cNvSpPr/>
+          <p:nvPr/>
+        </p:nvSpPr>
+        <p:spPr>
+          <a:xfrm>
+            <a:off x="1623490" y="2995148"/>
+            <a:ext cx="286968" cy="286968"/>
+          </a:xfrm>
+          <a:prstGeom prst="ellipse">
+            <a:avLst/>
+          </a:prstGeom>
+          <a:solidFill>
+            <a:schemeClr val="tx1">
+              <a:lumMod val="50000"/>
+              <a:lumOff val="50000"/>
+            </a:schemeClr>
+          </a:solidFill>
+          <a:ln>
+            <a:noFill/>
+          </a:ln>
+        </p:spPr>
+        <p:style>
+          <a:lnRef idx="2">
+            <a:schemeClr val="accent1">
+              <a:shade val="15000"/>
+            </a:schemeClr>
+          </a:lnRef>
+          <a:fillRef idx="1">
+            <a:schemeClr val="accent1"/>
+          </a:fillRef>
+          <a:effectRef idx="0">
+            <a:schemeClr val="accent1"/>
+          </a:effectRef>
+          <a:fontRef idx="minor">
+            <a:schemeClr val="lt1"/>
+          </a:fontRef>
+        </p:style>
+        <p:txBody>
+          <a:bodyPr rtlCol="0" anchor="ctr"/>
+          <a:lstStyle/>
+          <a:p>
+            <a:pPr algn="ctr"/>
+            <a:endParaRPr lang="en-GB"/>
+          </a:p>
+        </p:txBody>
+      </p:sp>
+      <p:cxnSp>
+        <p:nvCxnSpPr>
+          <p:cNvPr id="50" name="Straight Arrow Connector 49">
+            <a:extLst>
+              <a:ext uri="{FF2B5EF4-FFF2-40B4-BE49-F238E27FC236}">
+                <a16:creationId xmlns:a16="http://schemas.microsoft.com/office/drawing/2014/main" id="{1EDE4069-F462-0891-75F7-A525A1C8626C}"/>
+              </a:ext>
+            </a:extLst>
+          </p:cNvPr>
+          <p:cNvCxnSpPr>
+            <a:cxnSpLocks/>
+            <a:stCxn id="49" idx="4"/>
+            <a:endCxn id="48" idx="0"/>
+          </p:cNvCxnSpPr>
+          <p:nvPr/>
+        </p:nvCxnSpPr>
+        <p:spPr>
+          <a:xfrm>
+            <a:off x="1766974" y="3282116"/>
+            <a:ext cx="0" cy="294651"/>
+          </a:xfrm>
+          <a:prstGeom prst="straightConnector1">
+            <a:avLst/>
+          </a:prstGeom>
+          <a:ln w="28575">
+            <a:solidFill>
+              <a:schemeClr val="tx1">
+                <a:lumMod val="75000"/>
+                <a:lumOff val="25000"/>
+              </a:schemeClr>
+            </a:solidFill>
+            <a:tailEnd type="triangle"/>
+          </a:ln>
+        </p:spPr>
+        <p:style>
+          <a:lnRef idx="1">
+            <a:schemeClr val="accent1"/>
+          </a:lnRef>
+          <a:fillRef idx="0">
+            <a:schemeClr val="accent1"/>
+          </a:fillRef>
+          <a:effectRef idx="0">
+            <a:schemeClr val="accent1"/>
+          </a:effectRef>
+          <a:fontRef idx="minor">
+            <a:schemeClr val="tx1"/>
+          </a:fontRef>
+        </p:style>
+      </p:cxnSp>
+      <p:cxnSp>
+        <p:nvCxnSpPr>
+          <p:cNvPr id="51" name="Straight Arrow Connector 50">
+            <a:extLst>
+              <a:ext uri="{FF2B5EF4-FFF2-40B4-BE49-F238E27FC236}">
+                <a16:creationId xmlns:a16="http://schemas.microsoft.com/office/drawing/2014/main" id="{08F157ED-14A8-8946-515D-8F8B6C13D06E}"/>
+              </a:ext>
+            </a:extLst>
+          </p:cNvPr>
+          <p:cNvCxnSpPr>
+            <a:cxnSpLocks/>
+            <a:stCxn id="48" idx="2"/>
+            <a:endCxn id="52" idx="0"/>
+          </p:cNvCxnSpPr>
+          <p:nvPr/>
+        </p:nvCxnSpPr>
+        <p:spPr>
+          <a:xfrm flipH="1">
+            <a:off x="1766973" y="4184681"/>
+            <a:ext cx="1" cy="294651"/>
+          </a:xfrm>
+          <a:prstGeom prst="straightConnector1">
+            <a:avLst/>
+          </a:prstGeom>
+          <a:ln w="28575">
+            <a:solidFill>
+              <a:srgbClr val="00B050"/>
+            </a:solidFill>
+            <a:tailEnd type="triangle"/>
+          </a:ln>
+        </p:spPr>
+        <p:style>
+          <a:lnRef idx="1">
+            <a:schemeClr val="accent1"/>
+          </a:lnRef>
+          <a:fillRef idx="0">
+            <a:schemeClr val="accent1"/>
+          </a:fillRef>
+          <a:effectRef idx="0">
+            <a:schemeClr val="accent1"/>
+          </a:effectRef>
+          <a:fontRef idx="minor">
+            <a:schemeClr val="tx1"/>
+          </a:fontRef>
+        </p:style>
+      </p:cxnSp>
+      <p:sp>
+        <p:nvSpPr>
+          <p:cNvPr id="52" name="Rectangle: Rounded Corners 51">
+            <a:extLst>
+              <a:ext uri="{FF2B5EF4-FFF2-40B4-BE49-F238E27FC236}">
+                <a16:creationId xmlns:a16="http://schemas.microsoft.com/office/drawing/2014/main" id="{73C7CC8F-5B85-267B-A504-AB64A48BE139}"/>
+              </a:ext>
+            </a:extLst>
+          </p:cNvPr>
+          <p:cNvSpPr/>
+          <p:nvPr/>
+        </p:nvSpPr>
+        <p:spPr>
+          <a:xfrm>
+            <a:off x="1238653" y="4479332"/>
+            <a:ext cx="1056639" cy="434557"/>
+          </a:xfrm>
+          <a:prstGeom prst="roundRect">
+            <a:avLst/>
+          </a:prstGeom>
+          <a:solidFill>
+            <a:schemeClr val="accent6">
+              <a:lumMod val="20000"/>
+              <a:lumOff val="80000"/>
+            </a:schemeClr>
+          </a:solidFill>
+          <a:ln w="19050">
+            <a:solidFill>
+              <a:schemeClr val="tx1">
+                <a:lumMod val="50000"/>
+                <a:lumOff val="50000"/>
+              </a:schemeClr>
+            </a:solidFill>
+          </a:ln>
+        </p:spPr>
+        <p:style>
+          <a:lnRef idx="2">
+            <a:schemeClr val="accent1">
+              <a:shade val="15000"/>
+            </a:schemeClr>
+          </a:lnRef>
+          <a:fillRef idx="1">
+            <a:schemeClr val="accent1"/>
+          </a:fillRef>
+          <a:effectRef idx="0">
+            <a:schemeClr val="accent1"/>
+          </a:effectRef>
+          <a:fontRef idx="minor">
+            <a:schemeClr val="lt1"/>
+          </a:fontRef>
+        </p:style>
+        <p:txBody>
+          <a:bodyPr rtlCol="0" anchor="ctr"/>
+          <a:lstStyle/>
+          <a:p>
+            <a:pPr algn="ctr"/>
+            <a:r>
+              <a:rPr lang="zh-TW" altLang="en-US" sz="1600" b="1" dirty="0">
+                <a:solidFill>
+                  <a:schemeClr val="tx1"/>
+                </a:solidFill>
+                <a:latin typeface="微軟正黑體" panose="020B0604030504040204" pitchFamily="34" charset="-120"/>
+                <a:ea typeface="微軟正黑體" panose="020B0604030504040204" pitchFamily="34" charset="-120"/>
+              </a:rPr>
+              <a:t>執行程序</a:t>
+            </a:r>
+            <a:endParaRPr lang="en-GB" sz="1600" b="1" dirty="0">
+              <a:solidFill>
+                <a:schemeClr val="tx1"/>
+              </a:solidFill>
+              <a:latin typeface="微軟正黑體" panose="020B0604030504040204" pitchFamily="34" charset="-120"/>
+              <a:ea typeface="微軟正黑體" panose="020B0604030504040204" pitchFamily="34" charset="-120"/>
+            </a:endParaRPr>
+          </a:p>
+        </p:txBody>
+      </p:sp>
+      <p:sp>
+        <p:nvSpPr>
+          <p:cNvPr id="53" name="TextBox 52">
+            <a:extLst>
+              <a:ext uri="{FF2B5EF4-FFF2-40B4-BE49-F238E27FC236}">
+                <a16:creationId xmlns:a16="http://schemas.microsoft.com/office/drawing/2014/main" id="{8AC92C1D-E639-A35F-478B-1C00AC8C6699}"/>
+              </a:ext>
+            </a:extLst>
+          </p:cNvPr>
+          <p:cNvSpPr txBox="1"/>
+          <p:nvPr/>
+        </p:nvSpPr>
+        <p:spPr>
+          <a:xfrm>
+            <a:off x="1766972" y="4136544"/>
+            <a:ext cx="711200" cy="369332"/>
+          </a:xfrm>
+          <a:prstGeom prst="rect">
+            <a:avLst/>
+          </a:prstGeom>
+          <a:noFill/>
+        </p:spPr>
+        <p:txBody>
+          <a:bodyPr wrap="square">
+            <a:spAutoFit/>
+          </a:bodyPr>
+          <a:lstStyle/>
+          <a:p>
+            <a:pPr algn="ctr"/>
+            <a:r>
+              <a:rPr lang="en-US" altLang="zh-TW" sz="1800" b="1" kern="100" dirty="0">
+                <a:solidFill>
+                  <a:srgbClr val="00B050"/>
+                </a:solidFill>
+                <a:effectLst/>
+                <a:latin typeface="Consolas" panose="020B0609020204030204" pitchFamily="49" charset="0"/>
+                <a:ea typeface="標楷體" panose="03000509000000000000" pitchFamily="65" charset="-120"/>
+                <a:cs typeface="Times New Roman" panose="02020603050405020304" pitchFamily="18" charset="0"/>
+              </a:rPr>
+              <a:t>TRUE</a:t>
+            </a:r>
+            <a:endParaRPr lang="en-GB" dirty="0">
+              <a:solidFill>
+                <a:srgbClr val="00B050"/>
+              </a:solidFill>
+            </a:endParaRPr>
+          </a:p>
+        </p:txBody>
+      </p:sp>
+      <p:sp>
+        <p:nvSpPr>
+          <p:cNvPr id="54" name="Rectangle: Rounded Corners 53">
+            <a:extLst>
+              <a:ext uri="{FF2B5EF4-FFF2-40B4-BE49-F238E27FC236}">
+                <a16:creationId xmlns:a16="http://schemas.microsoft.com/office/drawing/2014/main" id="{41679924-4E54-796E-86FD-415168CE52F4}"/>
+              </a:ext>
+            </a:extLst>
+          </p:cNvPr>
+          <p:cNvSpPr/>
+          <p:nvPr/>
+        </p:nvSpPr>
+        <p:spPr>
+          <a:xfrm>
+            <a:off x="5630269" y="3620455"/>
+            <a:ext cx="1056639" cy="434557"/>
+          </a:xfrm>
+          <a:prstGeom prst="roundRect">
+            <a:avLst/>
+          </a:prstGeom>
+          <a:solidFill>
+            <a:schemeClr val="accent2">
+              <a:lumMod val="20000"/>
+              <a:lumOff val="80000"/>
+            </a:schemeClr>
+          </a:solidFill>
+          <a:ln w="19050">
+            <a:solidFill>
+              <a:schemeClr val="tx1">
+                <a:lumMod val="50000"/>
+                <a:lumOff val="50000"/>
+              </a:schemeClr>
+            </a:solidFill>
+          </a:ln>
+        </p:spPr>
+        <p:style>
+          <a:lnRef idx="2">
+            <a:schemeClr val="accent1">
+              <a:shade val="15000"/>
+            </a:schemeClr>
+          </a:lnRef>
+          <a:fillRef idx="1">
+            <a:schemeClr val="accent1"/>
+          </a:fillRef>
+          <a:effectRef idx="0">
+            <a:schemeClr val="accent1"/>
+          </a:effectRef>
+          <a:fontRef idx="minor">
+            <a:schemeClr val="lt1"/>
+          </a:fontRef>
+        </p:style>
+        <p:txBody>
+          <a:bodyPr rtlCol="0" anchor="ctr"/>
+          <a:lstStyle/>
+          <a:p>
+            <a:pPr algn="ctr"/>
+            <a:r>
+              <a:rPr lang="zh-TW" altLang="en-US" sz="1600" b="1" dirty="0">
+                <a:solidFill>
+                  <a:schemeClr val="tx1"/>
+                </a:solidFill>
+                <a:latin typeface="微軟正黑體" panose="020B0604030504040204" pitchFamily="34" charset="-120"/>
+                <a:ea typeface="微軟正黑體" panose="020B0604030504040204" pitchFamily="34" charset="-120"/>
+              </a:rPr>
+              <a:t>執行程序</a:t>
+            </a:r>
+            <a:endParaRPr lang="en-GB" sz="1600" b="1" dirty="0">
+              <a:solidFill>
+                <a:schemeClr val="tx1"/>
+              </a:solidFill>
+              <a:latin typeface="微軟正黑體" panose="020B0604030504040204" pitchFamily="34" charset="-120"/>
+              <a:ea typeface="微軟正黑體" panose="020B0604030504040204" pitchFamily="34" charset="-120"/>
+            </a:endParaRPr>
+          </a:p>
+        </p:txBody>
+      </p:sp>
+      <p:sp>
+        <p:nvSpPr>
+          <p:cNvPr id="64" name="Diamond 63">
+            <a:extLst>
+              <a:ext uri="{FF2B5EF4-FFF2-40B4-BE49-F238E27FC236}">
+                <a16:creationId xmlns:a16="http://schemas.microsoft.com/office/drawing/2014/main" id="{0D45292A-C652-5E88-CE35-E262F2263822}"/>
+              </a:ext>
+            </a:extLst>
+          </p:cNvPr>
+          <p:cNvSpPr/>
+          <p:nvPr/>
+        </p:nvSpPr>
+        <p:spPr>
+          <a:xfrm>
+            <a:off x="3242988" y="3576767"/>
+            <a:ext cx="1789889" cy="607914"/>
+          </a:xfrm>
+          <a:prstGeom prst="diamond">
+            <a:avLst/>
+          </a:prstGeom>
+          <a:noFill/>
+          <a:ln w="19050">
+            <a:solidFill>
+              <a:schemeClr val="tx1">
+                <a:lumMod val="50000"/>
+                <a:lumOff val="50000"/>
+              </a:schemeClr>
+            </a:solidFill>
+          </a:ln>
+        </p:spPr>
+        <p:style>
+          <a:lnRef idx="2">
+            <a:schemeClr val="accent1">
+              <a:shade val="15000"/>
+            </a:schemeClr>
+          </a:lnRef>
+          <a:fillRef idx="1">
+            <a:schemeClr val="accent1"/>
+          </a:fillRef>
+          <a:effectRef idx="0">
+            <a:schemeClr val="accent1"/>
+          </a:effectRef>
+          <a:fontRef idx="minor">
+            <a:schemeClr val="lt1"/>
+          </a:fontRef>
+        </p:style>
+        <p:txBody>
+          <a:bodyPr rtlCol="0" anchor="ctr"/>
+          <a:lstStyle/>
+          <a:p>
+            <a:pPr algn="ctr"/>
+            <a:r>
+              <a:rPr lang="zh-TW" altLang="en-US" b="1" dirty="0">
+                <a:solidFill>
+                  <a:schemeClr val="tx1"/>
+                </a:solidFill>
+                <a:latin typeface="微軟正黑體" panose="020B0604030504040204" pitchFamily="34" charset="-120"/>
+                <a:ea typeface="微軟正黑體" panose="020B0604030504040204" pitchFamily="34" charset="-120"/>
+              </a:rPr>
+              <a:t>條件</a:t>
+            </a:r>
+            <a:endParaRPr lang="en-GB" b="1" dirty="0">
+              <a:solidFill>
+                <a:schemeClr val="tx1"/>
+              </a:solidFill>
+              <a:latin typeface="微軟正黑體" panose="020B0604030504040204" pitchFamily="34" charset="-120"/>
+              <a:ea typeface="微軟正黑體" panose="020B0604030504040204" pitchFamily="34" charset="-120"/>
+            </a:endParaRPr>
+          </a:p>
+        </p:txBody>
+      </p:sp>
+      <p:cxnSp>
+        <p:nvCxnSpPr>
+          <p:cNvPr id="67" name="Straight Arrow Connector 66">
+            <a:extLst>
+              <a:ext uri="{FF2B5EF4-FFF2-40B4-BE49-F238E27FC236}">
+                <a16:creationId xmlns:a16="http://schemas.microsoft.com/office/drawing/2014/main" id="{B33C60E0-5F23-DFBD-6EB0-2AC02D564AFF}"/>
+              </a:ext>
+            </a:extLst>
+          </p:cNvPr>
+          <p:cNvCxnSpPr>
+            <a:cxnSpLocks/>
+            <a:endCxn id="68" idx="0"/>
+          </p:cNvCxnSpPr>
+          <p:nvPr/>
+        </p:nvCxnSpPr>
+        <p:spPr>
+          <a:xfrm>
+            <a:off x="4151064" y="4184681"/>
+            <a:ext cx="0" cy="294651"/>
+          </a:xfrm>
+          <a:prstGeom prst="straightConnector1">
+            <a:avLst/>
+          </a:prstGeom>
+          <a:ln w="28575">
+            <a:solidFill>
+              <a:srgbClr val="00B050"/>
+            </a:solidFill>
+            <a:tailEnd type="triangle"/>
+          </a:ln>
+        </p:spPr>
+        <p:style>
+          <a:lnRef idx="1">
+            <a:schemeClr val="accent1"/>
+          </a:lnRef>
+          <a:fillRef idx="0">
+            <a:schemeClr val="accent1"/>
+          </a:fillRef>
+          <a:effectRef idx="0">
+            <a:schemeClr val="accent1"/>
+          </a:effectRef>
+          <a:fontRef idx="minor">
+            <a:schemeClr val="tx1"/>
+          </a:fontRef>
+        </p:style>
+      </p:cxnSp>
+      <p:sp>
+        <p:nvSpPr>
+          <p:cNvPr id="68" name="Rectangle: Rounded Corners 67">
+            <a:extLst>
+              <a:ext uri="{FF2B5EF4-FFF2-40B4-BE49-F238E27FC236}">
+                <a16:creationId xmlns:a16="http://schemas.microsoft.com/office/drawing/2014/main" id="{B742E9E9-E590-5F5E-FA43-0D7200867EA7}"/>
+              </a:ext>
+            </a:extLst>
+          </p:cNvPr>
+          <p:cNvSpPr/>
+          <p:nvPr/>
+        </p:nvSpPr>
+        <p:spPr>
+          <a:xfrm>
+            <a:off x="3622744" y="4479332"/>
+            <a:ext cx="1056639" cy="434557"/>
+          </a:xfrm>
+          <a:prstGeom prst="roundRect">
+            <a:avLst/>
+          </a:prstGeom>
+          <a:solidFill>
+            <a:schemeClr val="accent6">
+              <a:lumMod val="20000"/>
+              <a:lumOff val="80000"/>
+            </a:schemeClr>
+          </a:solidFill>
+          <a:ln w="19050">
+            <a:solidFill>
+              <a:schemeClr val="tx1">
+                <a:lumMod val="50000"/>
+                <a:lumOff val="50000"/>
+              </a:schemeClr>
+            </a:solidFill>
+          </a:ln>
+        </p:spPr>
+        <p:style>
+          <a:lnRef idx="2">
+            <a:schemeClr val="accent1">
+              <a:shade val="15000"/>
+            </a:schemeClr>
+          </a:lnRef>
+          <a:fillRef idx="1">
+            <a:schemeClr val="accent1"/>
+          </a:fillRef>
+          <a:effectRef idx="0">
+            <a:schemeClr val="accent1"/>
+          </a:effectRef>
+          <a:fontRef idx="minor">
+            <a:schemeClr val="lt1"/>
+          </a:fontRef>
+        </p:style>
+        <p:txBody>
+          <a:bodyPr rtlCol="0" anchor="ctr"/>
+          <a:lstStyle/>
+          <a:p>
+            <a:pPr algn="ctr"/>
+            <a:r>
+              <a:rPr lang="zh-TW" altLang="en-US" sz="1600" b="1" dirty="0">
+                <a:solidFill>
+                  <a:schemeClr val="tx1"/>
+                </a:solidFill>
+                <a:latin typeface="微軟正黑體" panose="020B0604030504040204" pitchFamily="34" charset="-120"/>
+                <a:ea typeface="微軟正黑體" panose="020B0604030504040204" pitchFamily="34" charset="-120"/>
+              </a:rPr>
+              <a:t>執行程序</a:t>
+            </a:r>
+            <a:endParaRPr lang="en-GB" sz="1600" b="1" dirty="0">
+              <a:solidFill>
+                <a:schemeClr val="tx1"/>
+              </a:solidFill>
+              <a:latin typeface="微軟正黑體" panose="020B0604030504040204" pitchFamily="34" charset="-120"/>
+              <a:ea typeface="微軟正黑體" panose="020B0604030504040204" pitchFamily="34" charset="-120"/>
+            </a:endParaRPr>
+          </a:p>
+        </p:txBody>
+      </p:sp>
+      <p:sp>
+        <p:nvSpPr>
+          <p:cNvPr id="69" name="TextBox 68">
+            <a:extLst>
+              <a:ext uri="{FF2B5EF4-FFF2-40B4-BE49-F238E27FC236}">
+                <a16:creationId xmlns:a16="http://schemas.microsoft.com/office/drawing/2014/main" id="{D7B0EF1C-D1EA-F907-5204-D7E0B907D884}"/>
+              </a:ext>
+            </a:extLst>
+          </p:cNvPr>
+          <p:cNvSpPr txBox="1"/>
+          <p:nvPr/>
+        </p:nvSpPr>
+        <p:spPr>
+          <a:xfrm>
+            <a:off x="4151063" y="4136544"/>
+            <a:ext cx="711200" cy="369332"/>
+          </a:xfrm>
+          <a:prstGeom prst="rect">
+            <a:avLst/>
+          </a:prstGeom>
+          <a:noFill/>
+        </p:spPr>
+        <p:txBody>
+          <a:bodyPr wrap="square">
+            <a:spAutoFit/>
+          </a:bodyPr>
+          <a:lstStyle/>
+          <a:p>
+            <a:pPr algn="ctr"/>
+            <a:r>
+              <a:rPr lang="en-US" altLang="zh-TW" sz="1800" b="1" kern="100" dirty="0">
+                <a:solidFill>
+                  <a:srgbClr val="00B050"/>
+                </a:solidFill>
+                <a:effectLst/>
+                <a:latin typeface="Consolas" panose="020B0609020204030204" pitchFamily="49" charset="0"/>
+                <a:ea typeface="標楷體" panose="03000509000000000000" pitchFamily="65" charset="-120"/>
+                <a:cs typeface="Times New Roman" panose="02020603050405020304" pitchFamily="18" charset="0"/>
+              </a:rPr>
+              <a:t>TRUE</a:t>
+            </a:r>
+            <a:endParaRPr lang="en-GB" dirty="0">
+              <a:solidFill>
+                <a:srgbClr val="00B050"/>
+              </a:solidFill>
+            </a:endParaRPr>
+          </a:p>
+        </p:txBody>
+      </p:sp>
+      <p:cxnSp>
+        <p:nvCxnSpPr>
+          <p:cNvPr id="73" name="Straight Arrow Connector 72">
+            <a:extLst>
+              <a:ext uri="{FF2B5EF4-FFF2-40B4-BE49-F238E27FC236}">
+                <a16:creationId xmlns:a16="http://schemas.microsoft.com/office/drawing/2014/main" id="{3E4CFCC8-5EC6-830D-8BE0-3B8F049FC945}"/>
+              </a:ext>
+            </a:extLst>
+          </p:cNvPr>
+          <p:cNvCxnSpPr>
+            <a:cxnSpLocks/>
+          </p:cNvCxnSpPr>
+          <p:nvPr/>
+        </p:nvCxnSpPr>
+        <p:spPr>
+          <a:xfrm>
+            <a:off x="5041038" y="3880724"/>
+            <a:ext cx="581070" cy="0"/>
+          </a:xfrm>
+          <a:prstGeom prst="straightConnector1">
+            <a:avLst/>
+          </a:prstGeom>
+          <a:ln w="28575">
+            <a:solidFill>
+              <a:srgbClr val="FF0000"/>
+            </a:solidFill>
+            <a:tailEnd type="triangle"/>
+          </a:ln>
+        </p:spPr>
+        <p:style>
+          <a:lnRef idx="1">
+            <a:schemeClr val="accent1"/>
+          </a:lnRef>
+          <a:fillRef idx="0">
+            <a:schemeClr val="accent1"/>
+          </a:fillRef>
+          <a:effectRef idx="0">
+            <a:schemeClr val="accent1"/>
+          </a:effectRef>
+          <a:fontRef idx="minor">
+            <a:schemeClr val="tx1"/>
+          </a:fontRef>
+        </p:style>
+      </p:cxnSp>
+      <p:sp>
+        <p:nvSpPr>
+          <p:cNvPr id="74" name="TextBox 73">
+            <a:extLst>
+              <a:ext uri="{FF2B5EF4-FFF2-40B4-BE49-F238E27FC236}">
+                <a16:creationId xmlns:a16="http://schemas.microsoft.com/office/drawing/2014/main" id="{052A85FE-20A6-5F69-AA7E-1329B7A10355}"/>
+              </a:ext>
+            </a:extLst>
+          </p:cNvPr>
+          <p:cNvSpPr txBox="1"/>
+          <p:nvPr/>
+        </p:nvSpPr>
+        <p:spPr>
+          <a:xfrm>
+            <a:off x="4850707" y="3880724"/>
+            <a:ext cx="899914" cy="369332"/>
+          </a:xfrm>
+          <a:prstGeom prst="rect">
+            <a:avLst/>
+          </a:prstGeom>
+          <a:noFill/>
+        </p:spPr>
+        <p:txBody>
+          <a:bodyPr wrap="square">
+            <a:spAutoFit/>
+          </a:bodyPr>
+          <a:lstStyle/>
+          <a:p>
+            <a:pPr algn="ctr"/>
+            <a:r>
+              <a:rPr lang="en-US" altLang="zh-TW" sz="1800" b="1" kern="100" dirty="0">
+                <a:solidFill>
+                  <a:srgbClr val="FF0000"/>
+                </a:solidFill>
+                <a:effectLst/>
+                <a:latin typeface="Consolas" panose="020B0609020204030204" pitchFamily="49" charset="0"/>
+                <a:ea typeface="標楷體" panose="03000509000000000000" pitchFamily="65" charset="-120"/>
+                <a:cs typeface="Times New Roman" panose="02020603050405020304" pitchFamily="18" charset="0"/>
+              </a:rPr>
+              <a:t>FALSE</a:t>
+            </a:r>
+            <a:endParaRPr lang="en-GB" dirty="0">
+              <a:solidFill>
+                <a:srgbClr val="FF0000"/>
+              </a:solidFill>
+            </a:endParaRPr>
+          </a:p>
+        </p:txBody>
+      </p:sp>
+      <p:sp>
+        <p:nvSpPr>
+          <p:cNvPr id="75" name="Rectangle 74">
+            <a:extLst>
+              <a:ext uri="{FF2B5EF4-FFF2-40B4-BE49-F238E27FC236}">
+                <a16:creationId xmlns:a16="http://schemas.microsoft.com/office/drawing/2014/main" id="{DB928BE4-3A5B-0DA1-F148-8BF57042D3D7}"/>
+              </a:ext>
+            </a:extLst>
+          </p:cNvPr>
+          <p:cNvSpPr/>
+          <p:nvPr/>
+        </p:nvSpPr>
+        <p:spPr>
+          <a:xfrm>
+            <a:off x="635917" y="447040"/>
+            <a:ext cx="2419111" cy="2437138"/>
+          </a:xfrm>
+          <a:prstGeom prst="rect">
+            <a:avLst/>
+          </a:prstGeom>
+          <a:noFill/>
+          <a:ln>
+            <a:solidFill>
+              <a:schemeClr val="bg1">
+                <a:lumMod val="50000"/>
+              </a:schemeClr>
+            </a:solidFill>
+          </a:ln>
+        </p:spPr>
+        <p:style>
+          <a:lnRef idx="2">
+            <a:schemeClr val="accent1">
+              <a:shade val="15000"/>
+            </a:schemeClr>
+          </a:lnRef>
+          <a:fillRef idx="1">
+            <a:schemeClr val="accent1"/>
+          </a:fillRef>
+          <a:effectRef idx="0">
+            <a:schemeClr val="accent1"/>
+          </a:effectRef>
+          <a:fontRef idx="minor">
+            <a:schemeClr val="lt1"/>
+          </a:fontRef>
+        </p:style>
+        <p:txBody>
+          <a:bodyPr rtlCol="0" anchor="ctr"/>
+          <a:lstStyle/>
+          <a:p>
+            <a:pPr algn="ctr"/>
+            <a:endParaRPr lang="en-GB"/>
+          </a:p>
+        </p:txBody>
+      </p:sp>
+      <p:sp>
+        <p:nvSpPr>
+          <p:cNvPr id="76" name="Rectangle 75">
+            <a:extLst>
+              <a:ext uri="{FF2B5EF4-FFF2-40B4-BE49-F238E27FC236}">
+                <a16:creationId xmlns:a16="http://schemas.microsoft.com/office/drawing/2014/main" id="{E24CCF30-FC8C-D65B-FE58-BB3B8D661153}"/>
+              </a:ext>
+            </a:extLst>
+          </p:cNvPr>
+          <p:cNvSpPr/>
+          <p:nvPr/>
+        </p:nvSpPr>
+        <p:spPr>
+          <a:xfrm>
+            <a:off x="3055028" y="447040"/>
+            <a:ext cx="4077289" cy="2437138"/>
+          </a:xfrm>
+          <a:prstGeom prst="rect">
+            <a:avLst/>
+          </a:prstGeom>
+          <a:noFill/>
+          <a:ln>
+            <a:solidFill>
+              <a:schemeClr val="bg1">
+                <a:lumMod val="50000"/>
+              </a:schemeClr>
+            </a:solidFill>
+          </a:ln>
+        </p:spPr>
+        <p:style>
+          <a:lnRef idx="2">
+            <a:schemeClr val="accent1">
+              <a:shade val="15000"/>
+            </a:schemeClr>
+          </a:lnRef>
+          <a:fillRef idx="1">
+            <a:schemeClr val="accent1"/>
+          </a:fillRef>
+          <a:effectRef idx="0">
+            <a:schemeClr val="accent1"/>
+          </a:effectRef>
+          <a:fontRef idx="minor">
+            <a:schemeClr val="lt1"/>
+          </a:fontRef>
+        </p:style>
+        <p:txBody>
+          <a:bodyPr rtlCol="0" anchor="ctr"/>
+          <a:lstStyle/>
+          <a:p>
+            <a:pPr algn="ctr"/>
+            <a:endParaRPr lang="en-GB"/>
+          </a:p>
+        </p:txBody>
+      </p:sp>
+      <p:sp>
+        <p:nvSpPr>
+          <p:cNvPr id="77" name="Rectangle 76">
+            <a:extLst>
+              <a:ext uri="{FF2B5EF4-FFF2-40B4-BE49-F238E27FC236}">
+                <a16:creationId xmlns:a16="http://schemas.microsoft.com/office/drawing/2014/main" id="{740A19F9-AB4E-FD7D-959C-7792230DC448}"/>
+              </a:ext>
+            </a:extLst>
+          </p:cNvPr>
+          <p:cNvSpPr/>
+          <p:nvPr/>
+        </p:nvSpPr>
+        <p:spPr>
+          <a:xfrm>
+            <a:off x="635918" y="2884178"/>
+            <a:ext cx="6496400" cy="2437138"/>
+          </a:xfrm>
+          <a:prstGeom prst="rect">
+            <a:avLst/>
+          </a:prstGeom>
+          <a:noFill/>
+          <a:ln>
+            <a:solidFill>
+              <a:schemeClr val="bg1">
+                <a:lumMod val="50000"/>
+              </a:schemeClr>
+            </a:solidFill>
+          </a:ln>
+        </p:spPr>
+        <p:style>
+          <a:lnRef idx="2">
+            <a:schemeClr val="accent1">
+              <a:shade val="15000"/>
+            </a:schemeClr>
+          </a:lnRef>
+          <a:fillRef idx="1">
+            <a:schemeClr val="accent1"/>
+          </a:fillRef>
+          <a:effectRef idx="0">
+            <a:schemeClr val="accent1"/>
+          </a:effectRef>
+          <a:fontRef idx="minor">
+            <a:schemeClr val="lt1"/>
+          </a:fontRef>
+        </p:style>
+        <p:txBody>
+          <a:bodyPr rtlCol="0" anchor="ctr"/>
+          <a:lstStyle/>
+          <a:p>
+            <a:pPr algn="ctr"/>
+            <a:endParaRPr lang="en-GB"/>
+          </a:p>
+        </p:txBody>
+      </p:sp>
+      <p:sp>
+        <p:nvSpPr>
+          <p:cNvPr id="78" name="文字方塊 85">
+            <a:extLst>
+              <a:ext uri="{FF2B5EF4-FFF2-40B4-BE49-F238E27FC236}">
+                <a16:creationId xmlns:a16="http://schemas.microsoft.com/office/drawing/2014/main" id="{BE6FFDAA-EC27-AC7E-61AF-2D4187B9E9A5}"/>
+              </a:ext>
+            </a:extLst>
+          </p:cNvPr>
+          <p:cNvSpPr txBox="1"/>
+          <p:nvPr/>
+        </p:nvSpPr>
+        <p:spPr>
+          <a:xfrm>
+            <a:off x="710810" y="2539358"/>
+            <a:ext cx="429142" cy="307777"/>
+          </a:xfrm>
+          <a:prstGeom prst="rect">
+            <a:avLst/>
+          </a:prstGeom>
+          <a:solidFill>
+            <a:schemeClr val="bg1">
+              <a:lumMod val="95000"/>
+            </a:schemeClr>
+          </a:solidFill>
+        </p:spPr>
+        <p:txBody>
+          <a:bodyPr wrap="square">
+            <a:spAutoFit/>
+          </a:bodyPr>
+          <a:lstStyle/>
+          <a:p>
+            <a:r>
+              <a:rPr lang="en-US" altLang="zh-TW" sz="1400" b="1" dirty="0">
+                <a:solidFill>
+                  <a:srgbClr val="000000"/>
+                </a:solidFill>
+                <a:latin typeface="Consolas" panose="020B0609020204030204" pitchFamily="49" charset="0"/>
+                <a:ea typeface="標楷體" panose="03000509000000000000" pitchFamily="65" charset="-120"/>
+                <a:cs typeface="Times New Roman" panose="02020603050405020304" pitchFamily="18" charset="0"/>
+              </a:rPr>
+              <a:t>if</a:t>
+            </a:r>
+            <a:endParaRPr lang="en-US" altLang="zh-TW" sz="1400" b="1" dirty="0">
+              <a:solidFill>
+                <a:srgbClr val="000000"/>
+              </a:solidFill>
+              <a:effectLst/>
+              <a:latin typeface="Consolas" panose="020B0609020204030204" pitchFamily="49" charset="0"/>
+              <a:ea typeface="標楷體" panose="03000509000000000000" pitchFamily="65" charset="-120"/>
+              <a:cs typeface="Times New Roman" panose="02020603050405020304" pitchFamily="18" charset="0"/>
+            </a:endParaRPr>
+          </a:p>
+        </p:txBody>
+      </p:sp>
+      <p:sp>
+        <p:nvSpPr>
+          <p:cNvPr id="79" name="文字方塊 85">
+            <a:extLst>
+              <a:ext uri="{FF2B5EF4-FFF2-40B4-BE49-F238E27FC236}">
+                <a16:creationId xmlns:a16="http://schemas.microsoft.com/office/drawing/2014/main" id="{AE44D553-B175-1110-B86C-B90C8D66FC36}"/>
+              </a:ext>
+            </a:extLst>
+          </p:cNvPr>
+          <p:cNvSpPr txBox="1"/>
+          <p:nvPr/>
+        </p:nvSpPr>
+        <p:spPr>
+          <a:xfrm>
+            <a:off x="3129919" y="2539358"/>
+            <a:ext cx="1069677" cy="307777"/>
+          </a:xfrm>
+          <a:prstGeom prst="rect">
+            <a:avLst/>
+          </a:prstGeom>
+          <a:solidFill>
+            <a:schemeClr val="bg1">
+              <a:lumMod val="95000"/>
+            </a:schemeClr>
+          </a:solidFill>
+        </p:spPr>
+        <p:txBody>
+          <a:bodyPr wrap="square">
+            <a:spAutoFit/>
+          </a:bodyPr>
+          <a:lstStyle/>
+          <a:p>
+            <a:r>
+              <a:rPr lang="en-US" altLang="zh-TW" sz="1400" b="1" dirty="0">
+                <a:solidFill>
+                  <a:srgbClr val="000000"/>
+                </a:solidFill>
+                <a:latin typeface="Consolas" panose="020B0609020204030204" pitchFamily="49" charset="0"/>
+                <a:ea typeface="標楷體" panose="03000509000000000000" pitchFamily="65" charset="-120"/>
+                <a:cs typeface="Times New Roman" panose="02020603050405020304" pitchFamily="18" charset="0"/>
+              </a:rPr>
+              <a:t>if - else</a:t>
+            </a:r>
+            <a:endParaRPr lang="en-US" altLang="zh-TW" sz="1400" b="1" dirty="0">
+              <a:solidFill>
+                <a:srgbClr val="000000"/>
+              </a:solidFill>
+              <a:effectLst/>
+              <a:latin typeface="Consolas" panose="020B0609020204030204" pitchFamily="49" charset="0"/>
+              <a:ea typeface="標楷體" panose="03000509000000000000" pitchFamily="65" charset="-120"/>
+              <a:cs typeface="Times New Roman" panose="02020603050405020304" pitchFamily="18" charset="0"/>
+            </a:endParaRPr>
+          </a:p>
+        </p:txBody>
+      </p:sp>
+      <p:sp>
+        <p:nvSpPr>
+          <p:cNvPr id="80" name="文字方塊 85">
+            <a:extLst>
+              <a:ext uri="{FF2B5EF4-FFF2-40B4-BE49-F238E27FC236}">
+                <a16:creationId xmlns:a16="http://schemas.microsoft.com/office/drawing/2014/main" id="{61514BF2-2103-A422-39E4-566CFFFCF12F}"/>
+              </a:ext>
+            </a:extLst>
+          </p:cNvPr>
+          <p:cNvSpPr txBox="1"/>
+          <p:nvPr/>
+        </p:nvSpPr>
+        <p:spPr>
+          <a:xfrm>
+            <a:off x="687377" y="4974504"/>
+            <a:ext cx="2153100" cy="307777"/>
+          </a:xfrm>
+          <a:prstGeom prst="rect">
+            <a:avLst/>
+          </a:prstGeom>
+          <a:solidFill>
+            <a:schemeClr val="bg1">
+              <a:lumMod val="95000"/>
+            </a:schemeClr>
+          </a:solidFill>
+        </p:spPr>
+        <p:txBody>
+          <a:bodyPr wrap="square">
+            <a:spAutoFit/>
+          </a:bodyPr>
+          <a:lstStyle/>
+          <a:p>
+            <a:r>
+              <a:rPr lang="en-US" altLang="zh-TW" sz="1400" b="1" dirty="0">
+                <a:solidFill>
+                  <a:srgbClr val="000000"/>
+                </a:solidFill>
+                <a:latin typeface="Consolas" panose="020B0609020204030204" pitchFamily="49" charset="0"/>
+                <a:ea typeface="標楷體" panose="03000509000000000000" pitchFamily="65" charset="-120"/>
+                <a:cs typeface="Times New Roman" panose="02020603050405020304" pitchFamily="18" charset="0"/>
+              </a:rPr>
+              <a:t>if - else if - else</a:t>
+            </a:r>
+            <a:endParaRPr lang="en-US" altLang="zh-TW" sz="1400" b="1" dirty="0">
+              <a:solidFill>
+                <a:srgbClr val="000000"/>
+              </a:solidFill>
+              <a:effectLst/>
+              <a:latin typeface="Consolas" panose="020B0609020204030204" pitchFamily="49" charset="0"/>
+              <a:ea typeface="標楷體" panose="03000509000000000000" pitchFamily="65" charset="-120"/>
+              <a:cs typeface="Times New Roman" panose="02020603050405020304" pitchFamily="18" charset="0"/>
+            </a:endParaRPr>
+          </a:p>
+        </p:txBody>
+      </p:sp>
+      <p:sp>
+        <p:nvSpPr>
+          <p:cNvPr id="82" name="TextBox 81">
+            <a:extLst>
+              <a:ext uri="{FF2B5EF4-FFF2-40B4-BE49-F238E27FC236}">
+                <a16:creationId xmlns:a16="http://schemas.microsoft.com/office/drawing/2014/main" id="{3E955372-718D-0AAB-4FDC-A73C7E6CDA2B}"/>
+              </a:ext>
+            </a:extLst>
+          </p:cNvPr>
+          <p:cNvSpPr txBox="1"/>
+          <p:nvPr/>
+        </p:nvSpPr>
+        <p:spPr>
+          <a:xfrm>
+            <a:off x="2473201" y="3880724"/>
+            <a:ext cx="899914" cy="369332"/>
+          </a:xfrm>
+          <a:prstGeom prst="rect">
+            <a:avLst/>
+          </a:prstGeom>
+          <a:noFill/>
+        </p:spPr>
+        <p:txBody>
+          <a:bodyPr wrap="square">
+            <a:spAutoFit/>
+          </a:bodyPr>
+          <a:lstStyle/>
+          <a:p>
+            <a:pPr algn="ctr"/>
+            <a:r>
+              <a:rPr lang="en-US" altLang="zh-TW" sz="1800" b="1" kern="100" dirty="0">
+                <a:solidFill>
+                  <a:srgbClr val="FF0000"/>
+                </a:solidFill>
+                <a:effectLst/>
+                <a:latin typeface="Consolas" panose="020B0609020204030204" pitchFamily="49" charset="0"/>
+                <a:ea typeface="標楷體" panose="03000509000000000000" pitchFamily="65" charset="-120"/>
+                <a:cs typeface="Times New Roman" panose="02020603050405020304" pitchFamily="18" charset="0"/>
+              </a:rPr>
+              <a:t>FALSE</a:t>
+            </a:r>
+            <a:endParaRPr lang="en-GB" dirty="0">
+              <a:solidFill>
+                <a:srgbClr val="FF0000"/>
+              </a:solidFill>
+            </a:endParaRPr>
+          </a:p>
+        </p:txBody>
+      </p:sp>
+    </p:spTree>
+    <p:extLst>
+      <p:ext uri="{BB962C8B-B14F-4D97-AF65-F5344CB8AC3E}">
+        <p14:creationId xmlns:p14="http://schemas.microsoft.com/office/powerpoint/2010/main" val="3709921384"/>
+      </p:ext>
+    </p:extLst>
+  </p:cSld>
+  <p:clrMapOvr>
+    <a:masterClrMapping/>
+  </p:clrMapOvr>
+</p:sld>
+</file>
+
 <file path=ppt/theme/theme1.xml><?xml version="1.0" encoding="utf-8"?>
 <a:theme xmlns:a="http://schemas.openxmlformats.org/drawingml/2006/main" name="Office Theme">
   <a:themeElements>
